--- a/presentation_kurachi.pptx
+++ b/presentation_kurachi.pptx
@@ -4696,7 +4696,7 @@
           <a:p>
             <a:fld id="{C4C8FA46-DAC1-48A5-A534-60EFFD85CDA3}" type="datetimeFigureOut">
               <a:rPr kumimoji="1" lang="ja-JP" altLang="en-US" smtClean="0"/>
-              <a:t>2020/2/9</a:t>
+              <a:t>2020/2/10</a:t>
             </a:fld>
             <a:endParaRPr kumimoji="1" lang="ja-JP" altLang="en-US"/>
           </a:p>
@@ -5632,11 +5632,7 @@
           <a:p>
             <a:r>
               <a:rPr kumimoji="1" lang="ja-JP" altLang="en-US" dirty="0" smtClean="0"/>
-              <a:t>本研究</a:t>
-            </a:r>
-            <a:r>
-              <a:rPr kumimoji="1" lang="ja-JP" altLang="en-US" dirty="0" smtClean="0"/>
-              <a:t>では、</a:t>
+              <a:t>本研究では、</a:t>
             </a:r>
             <a:r>
               <a:rPr kumimoji="1" lang="en-US" altLang="ja-JP" dirty="0" err="1" smtClean="0"/>
@@ -6641,23 +6637,11 @@
             </a:r>
             <a:r>
               <a:rPr kumimoji="1" lang="ja-JP" altLang="en-US" dirty="0" smtClean="0"/>
-              <a:t>を使用した場合と手作業の場合で、被験者が作成したテストコード</a:t>
-            </a:r>
-            <a:r>
-              <a:rPr kumimoji="1" lang="ja-JP" altLang="en-US" dirty="0" smtClean="0"/>
-              <a:t>の</a:t>
+              <a:t>を使用した場合と手作業の場合で、被験者が作成したテストコードの</a:t>
             </a:r>
             <a:r>
               <a:rPr kumimoji="1" lang="ja-JP" altLang="en-US" b="1" dirty="0" smtClean="0"/>
-              <a:t>平均カバレッジ</a:t>
-            </a:r>
-            <a:r>
-              <a:rPr kumimoji="1" lang="ja-JP" altLang="en-US" b="1" dirty="0" smtClean="0"/>
-              <a:t>を比較しました</a:t>
-            </a:r>
-            <a:r>
-              <a:rPr kumimoji="1" lang="ja-JP" altLang="en-US" b="1" dirty="0" smtClean="0"/>
-              <a:t>。</a:t>
+              <a:t>平均カバレッジを比較しました。</a:t>
             </a:r>
             <a:endParaRPr kumimoji="1" lang="en-US" altLang="ja-JP" b="1" dirty="0" smtClean="0"/>
           </a:p>
@@ -6697,15 +6681,7 @@
             </a:r>
             <a:r>
               <a:rPr kumimoji="1" lang="ja-JP" altLang="en-US" dirty="0" smtClean="0"/>
-              <a:t>を使用した場合と</a:t>
-            </a:r>
-            <a:r>
-              <a:rPr kumimoji="1" lang="ja-JP" altLang="en-US" dirty="0" smtClean="0"/>
-              <a:t>手作業での</a:t>
-            </a:r>
-            <a:r>
-              <a:rPr kumimoji="1" lang="ja-JP" altLang="en-US" dirty="0" smtClean="0"/>
-              <a:t>場合で、</a:t>
+              <a:t>を使用した場合と手作業での場合で、</a:t>
             </a:r>
             <a:r>
               <a:rPr kumimoji="1" lang="en-US" altLang="ja-JP" dirty="0" smtClean="0"/>
@@ -6767,11 +6743,7 @@
             </a:r>
             <a:r>
               <a:rPr kumimoji="1" lang="ja-JP" altLang="en-US" u="sng" dirty="0" smtClean="0"/>
-              <a:t>％以上カバレッジを高くなっているが分かりました</a:t>
-            </a:r>
-            <a:r>
-              <a:rPr kumimoji="1" lang="ja-JP" altLang="en-US" u="sng" dirty="0" smtClean="0"/>
-              <a:t>。</a:t>
+              <a:t>％以上カバレッジを高くなっているが分かりました。</a:t>
             </a:r>
             <a:endParaRPr kumimoji="1" lang="en-US" altLang="ja-JP" u="sng" dirty="0" smtClean="0"/>
           </a:p>
@@ -6915,11 +6887,7 @@
           <a:p>
             <a:r>
               <a:rPr kumimoji="1" lang="ja-JP" altLang="en-US" dirty="0" smtClean="0"/>
-              <a:t>次</a:t>
-            </a:r>
-            <a:r>
-              <a:rPr kumimoji="1" lang="ja-JP" altLang="en-US" dirty="0" smtClean="0"/>
-              <a:t>に</a:t>
+              <a:t>次に</a:t>
             </a:r>
             <a:r>
               <a:rPr kumimoji="1" lang="en-US" altLang="ja-JP" dirty="0" smtClean="0"/>
@@ -6945,15 +6913,7 @@
           <a:p>
             <a:r>
               <a:rPr kumimoji="1" lang="ja-JP" altLang="en-US" dirty="0" smtClean="0"/>
-              <a:t>この質問に答えるために、被験者のタスク完了までの時間を比較しました</a:t>
-            </a:r>
-            <a:r>
-              <a:rPr kumimoji="1" lang="ja-JP" altLang="en-US" dirty="0" smtClean="0"/>
-              <a:t>。　この</a:t>
-            </a:r>
-            <a:r>
-              <a:rPr kumimoji="1" lang="ja-JP" altLang="en-US" dirty="0" smtClean="0"/>
-              <a:t>図は、各被験者のタスク完了までに費やした時間の分布が示されています。</a:t>
+              <a:t>この質問に答えるために、被験者のタスク完了までの時間を比較しました。　この図は、各被験者のタスク完了までに費やした時間の分布が示されています。</a:t>
             </a:r>
             <a:endParaRPr kumimoji="1" lang="en-US" altLang="ja-JP" dirty="0" smtClean="0"/>
           </a:p>
@@ -7021,15 +6981,7 @@
             </a:r>
             <a:r>
               <a:rPr kumimoji="1" lang="ja-JP" altLang="en-US" b="0" dirty="0" smtClean="0"/>
-              <a:t>推薦</a:t>
-            </a:r>
-            <a:r>
-              <a:rPr kumimoji="1" lang="ja-JP" altLang="en-US" b="0" dirty="0" smtClean="0"/>
-              <a:t>される複数のテストコードを理解し、再利用する際に変更が必要でこの部分に時間を費やした可能性が</a:t>
-            </a:r>
-            <a:r>
-              <a:rPr kumimoji="1" lang="ja-JP" altLang="en-US" b="0" dirty="0" smtClean="0"/>
-              <a:t>あります</a:t>
+              <a:t>推薦される複数のテストコードを理解し、再利用する際に変更が必要でこの部分に時間を費やした可能性があります</a:t>
             </a:r>
             <a:endParaRPr kumimoji="1" lang="en-US" altLang="ja-JP" b="0" dirty="0" smtClean="0"/>
           </a:p>
@@ -7065,23 +7017,7 @@
           <a:p>
             <a:r>
               <a:rPr kumimoji="1" lang="ja-JP" altLang="en-US" b="1" u="sng" dirty="0" smtClean="0"/>
-              <a:t>我々は、提出されたテストコードを調査したところ</a:t>
-            </a:r>
-            <a:r>
-              <a:rPr kumimoji="1" lang="ja-JP" altLang="en-US" b="1" u="sng" dirty="0" smtClean="0"/>
-              <a:t>、手作業</a:t>
-            </a:r>
-            <a:r>
-              <a:rPr kumimoji="1" lang="ja-JP" altLang="en-US" b="1" u="sng" dirty="0" smtClean="0"/>
-              <a:t>で作成した場合は、テスト項目の重複が</a:t>
-            </a:r>
-            <a:r>
-              <a:rPr kumimoji="1" lang="ja-JP" altLang="en-US" b="1" u="sng" dirty="0" smtClean="0"/>
-              <a:t>多くなっていること分かりました</a:t>
-            </a:r>
-            <a:r>
-              <a:rPr kumimoji="1" lang="ja-JP" altLang="en-US" b="1" u="sng" dirty="0" smtClean="0"/>
-              <a:t>。</a:t>
+              <a:t>我々は、提出されたテストコードを調査したところ、手作業で作成した場合は、テスト項目の重複が多くなっていること分かりました。</a:t>
             </a:r>
             <a:endParaRPr kumimoji="1" lang="en-US" altLang="ja-JP" b="1" u="sng" dirty="0" smtClean="0"/>
           </a:p>
@@ -7099,15 +7035,15 @@
             </a:r>
             <a:r>
               <a:rPr kumimoji="1" lang="ja-JP" altLang="en-US" u="sng" dirty="0" smtClean="0"/>
-              <a:t>の性質上、手作業の場合</a:t>
+              <a:t>の性質上</a:t>
             </a:r>
             <a:r>
               <a:rPr kumimoji="1" lang="ja-JP" altLang="en-US" u="sng" dirty="0" smtClean="0"/>
-              <a:t>は余分</a:t>
+              <a:t>、被験者は</a:t>
             </a:r>
             <a:r>
               <a:rPr kumimoji="1" lang="ja-JP" altLang="en-US" u="sng" dirty="0" smtClean="0"/>
-              <a:t>なテスト項目を作成してしまい、この部分に時間を費やしてしまった可能性があります</a:t>
+              <a:t>余分なテスト項目を作成してしまい、この部分に時間を費やしてしまった可能性があります</a:t>
             </a:r>
             <a:endParaRPr kumimoji="1" lang="en-US" altLang="ja-JP" u="sng" dirty="0" smtClean="0"/>
           </a:p>
@@ -7366,25 +7302,17 @@
             </a:r>
             <a:r>
               <a:rPr kumimoji="1" lang="ja-JP" altLang="en-US" dirty="0" smtClean="0"/>
-              <a:t>倍以上テストスメル含んでいました</a:t>
-            </a:r>
+              <a:t>倍以上テストスメル含んでいました。</a:t>
+            </a:r>
+            <a:endParaRPr kumimoji="1" lang="en-US" altLang="ja-JP" dirty="0" smtClean="0"/>
+          </a:p>
+          <a:p>
+            <a:endParaRPr kumimoji="1" lang="en-US" altLang="ja-JP" dirty="0" smtClean="0"/>
+          </a:p>
+          <a:p>
             <a:r>
               <a:rPr kumimoji="1" lang="ja-JP" altLang="en-US" dirty="0" smtClean="0"/>
-              <a:t>。</a:t>
-            </a:r>
-            <a:endParaRPr kumimoji="1" lang="en-US" altLang="ja-JP" dirty="0" smtClean="0"/>
-          </a:p>
-          <a:p>
-            <a:endParaRPr kumimoji="1" lang="en-US" altLang="ja-JP" dirty="0" smtClean="0"/>
-          </a:p>
-          <a:p>
-            <a:r>
-              <a:rPr kumimoji="1" lang="ja-JP" altLang="en-US" dirty="0" smtClean="0"/>
-              <a:t>この</a:t>
-            </a:r>
-            <a:r>
-              <a:rPr kumimoji="1" lang="ja-JP" altLang="en-US" dirty="0" smtClean="0"/>
-              <a:t>中でも多く含まれていたテストスメルとしてこちらの</a:t>
+              <a:t>この中でも多く含まれていたテストスメルとしてこちらの</a:t>
             </a:r>
             <a:r>
               <a:rPr kumimoji="1" lang="en-US" altLang="ja-JP" dirty="0" smtClean="0"/>
@@ -7657,11 +7585,7 @@
           <a:p>
             <a:r>
               <a:rPr kumimoji="1" lang="ja-JP" altLang="en-US" dirty="0" smtClean="0"/>
-              <a:t>こちら</a:t>
-            </a:r>
-            <a:r>
-              <a:rPr kumimoji="1" lang="ja-JP" altLang="en-US" dirty="0" smtClean="0"/>
-              <a:t>がアンケートの結果になります。</a:t>
+              <a:t>こちらがアンケートの結果になります。</a:t>
             </a:r>
             <a:endParaRPr kumimoji="1" lang="en-US" altLang="ja-JP" dirty="0" smtClean="0"/>
           </a:p>
@@ -8193,11 +8117,7 @@
           <a:p>
             <a:r>
               <a:rPr kumimoji="1" lang="ja-JP" altLang="en-US" dirty="0" smtClean="0"/>
-              <a:t>最後</a:t>
-            </a:r>
-            <a:r>
-              <a:rPr kumimoji="1" lang="ja-JP" altLang="en-US" dirty="0" smtClean="0"/>
-              <a:t>に、まとめと今後の課題です。</a:t>
+              <a:t>最後に、まとめと今後の課題です。</a:t>
             </a:r>
             <a:endParaRPr kumimoji="1" lang="en-US" altLang="ja-JP" dirty="0" smtClean="0"/>
           </a:p>
@@ -8227,81 +8147,37 @@
           <a:p>
             <a:r>
               <a:rPr kumimoji="1" lang="ja-JP" altLang="en-US" dirty="0" smtClean="0"/>
-              <a:t>今後の課題として</a:t>
-            </a:r>
+              <a:t>今後の課題として、提案ツールのより実用的な利用に備えてツールを改善していく必要があります。</a:t>
+            </a:r>
+            <a:endParaRPr kumimoji="1" lang="en-US" altLang="ja-JP" dirty="0" smtClean="0"/>
+          </a:p>
+          <a:p>
+            <a:endParaRPr kumimoji="1" lang="en-US" altLang="ja-JP" dirty="0" smtClean="0"/>
+          </a:p>
+          <a:p>
             <a:r>
               <a:rPr kumimoji="1" lang="ja-JP" altLang="en-US" dirty="0" smtClean="0"/>
-              <a:t>、提案</a:t>
-            </a:r>
+              <a:t>具体的には、テストコードを再利用する際に、自動で編集する機能などを考えています。</a:t>
+            </a:r>
+            <a:endParaRPr kumimoji="1" lang="en-US" altLang="ja-JP" dirty="0" smtClean="0"/>
+          </a:p>
+          <a:p>
+            <a:endParaRPr kumimoji="1" lang="en-US" altLang="ja-JP" dirty="0" smtClean="0"/>
+          </a:p>
+          <a:p>
             <a:r>
               <a:rPr kumimoji="1" lang="ja-JP" altLang="en-US" dirty="0" smtClean="0"/>
-              <a:t>ツールのより実用的な利用に備えてツールを改善していく必要が</a:t>
-            </a:r>
+              <a:t>また、提案ツールの有意性を検討するためには、被験者数を増やした更なる実験をする必要があります。</a:t>
+            </a:r>
+            <a:endParaRPr kumimoji="1" lang="en-US" altLang="ja-JP" dirty="0" smtClean="0"/>
+          </a:p>
+          <a:p>
+            <a:endParaRPr kumimoji="1" lang="en-US" altLang="ja-JP" dirty="0" smtClean="0"/>
+          </a:p>
+          <a:p>
             <a:r>
               <a:rPr kumimoji="1" lang="ja-JP" altLang="en-US" dirty="0" smtClean="0"/>
-              <a:t>あります。</a:t>
-            </a:r>
-            <a:endParaRPr kumimoji="1" lang="en-US" altLang="ja-JP" dirty="0" smtClean="0"/>
-          </a:p>
-          <a:p>
-            <a:endParaRPr kumimoji="1" lang="en-US" altLang="ja-JP" dirty="0" smtClean="0"/>
-          </a:p>
-          <a:p>
-            <a:r>
-              <a:rPr kumimoji="1" lang="ja-JP" altLang="en-US" dirty="0" smtClean="0"/>
-              <a:t>具体的</a:t>
-            </a:r>
-            <a:r>
-              <a:rPr kumimoji="1" lang="ja-JP" altLang="en-US" dirty="0" smtClean="0"/>
-              <a:t>には</a:t>
-            </a:r>
-            <a:r>
-              <a:rPr kumimoji="1" lang="ja-JP" altLang="en-US" dirty="0" smtClean="0"/>
-              <a:t>、テストコードを再利用する際に、自動で編集する機能</a:t>
-            </a:r>
-            <a:r>
-              <a:rPr kumimoji="1" lang="ja-JP" altLang="en-US" dirty="0" smtClean="0"/>
-              <a:t>などを考えています。</a:t>
-            </a:r>
-            <a:endParaRPr kumimoji="1" lang="en-US" altLang="ja-JP" dirty="0" smtClean="0"/>
-          </a:p>
-          <a:p>
-            <a:endParaRPr kumimoji="1" lang="en-US" altLang="ja-JP" dirty="0" smtClean="0"/>
-          </a:p>
-          <a:p>
-            <a:r>
-              <a:rPr kumimoji="1" lang="ja-JP" altLang="en-US" dirty="0" smtClean="0"/>
-              <a:t>また、提案</a:t>
-            </a:r>
-            <a:r>
-              <a:rPr kumimoji="1" lang="ja-JP" altLang="en-US" dirty="0" smtClean="0"/>
-              <a:t>ツールの有意性を検討</a:t>
-            </a:r>
-            <a:r>
-              <a:rPr kumimoji="1" lang="ja-JP" altLang="en-US" dirty="0" smtClean="0"/>
-              <a:t>するためには、被験者数</a:t>
-            </a:r>
-            <a:r>
-              <a:rPr kumimoji="1" lang="ja-JP" altLang="en-US" dirty="0" smtClean="0"/>
-              <a:t>を増やした更なる</a:t>
-            </a:r>
-            <a:r>
-              <a:rPr kumimoji="1" lang="ja-JP" altLang="en-US" dirty="0" smtClean="0"/>
-              <a:t>実験をする必要があります。</a:t>
-            </a:r>
-            <a:endParaRPr kumimoji="1" lang="en-US" altLang="ja-JP" dirty="0" smtClean="0"/>
-          </a:p>
-          <a:p>
-            <a:endParaRPr kumimoji="1" lang="en-US" altLang="ja-JP" dirty="0" smtClean="0"/>
-          </a:p>
-          <a:p>
-            <a:r>
-              <a:rPr kumimoji="1" lang="ja-JP" altLang="en-US" dirty="0" smtClean="0"/>
-              <a:t>以上</a:t>
-            </a:r>
-            <a:r>
-              <a:rPr kumimoji="1" lang="ja-JP" altLang="en-US" dirty="0" smtClean="0"/>
-              <a:t>で発表を終わります。どうもありがとうございました。</a:t>
+              <a:t>以上で発表を終わります。どうもありがとうございました。</a:t>
             </a:r>
             <a:endParaRPr kumimoji="1" lang="en-US" altLang="ja-JP" dirty="0" smtClean="0"/>
           </a:p>
@@ -11199,11 +11075,7 @@
           <a:p>
             <a:r>
               <a:rPr kumimoji="1" lang="ja-JP" altLang="en-US" dirty="0" smtClean="0"/>
-              <a:t>自動生成されたテストコードは</a:t>
-            </a:r>
-            <a:r>
-              <a:rPr kumimoji="1" lang="ja-JP" altLang="en-US" dirty="0" smtClean="0"/>
-              <a:t>、</a:t>
+              <a:t>自動生成されたテストコードは、</a:t>
             </a:r>
             <a:r>
               <a:rPr kumimoji="1" lang="ja-JP" altLang="en-US" sz="1200" b="1" dirty="0" smtClean="0"/>
@@ -11211,11 +11083,7 @@
             </a:r>
             <a:r>
               <a:rPr kumimoji="1" lang="ja-JP" altLang="en-US" b="1" dirty="0" smtClean="0"/>
-              <a:t>テストスメルというものが</a:t>
-            </a:r>
-            <a:r>
-              <a:rPr kumimoji="1" lang="ja-JP" altLang="en-US" b="1" dirty="0" smtClean="0"/>
-              <a:t>多く含んでいると言われています。</a:t>
+              <a:t>テストスメルというものが多く含んでいると言われています。</a:t>
             </a:r>
             <a:endParaRPr kumimoji="1" lang="en-US" altLang="ja-JP" b="1" dirty="0" smtClean="0"/>
           </a:p>
@@ -11411,15 +11279,7 @@
             </a:r>
             <a:r>
               <a:rPr kumimoji="1" lang="ja-JP" altLang="en-US" b="1" dirty="0" smtClean="0"/>
-              <a:t>では推薦されるテストコードのテストスメルを</a:t>
-            </a:r>
-            <a:r>
-              <a:rPr kumimoji="1" lang="ja-JP" altLang="en-US" b="1" dirty="0" smtClean="0"/>
-              <a:t>検出することで、</a:t>
-            </a:r>
-            <a:r>
-              <a:rPr kumimoji="1" lang="ja-JP" altLang="en-US" b="1" dirty="0" smtClean="0"/>
-              <a:t>より品質が高いテストコードを推薦します。</a:t>
+              <a:t>では推薦されるテストコードのテストスメルを検出することで、より品質が高いテストコードを推薦します。</a:t>
             </a:r>
             <a:endParaRPr kumimoji="1" lang="en-US" altLang="ja-JP" b="1" dirty="0" smtClean="0"/>
           </a:p>
@@ -12131,11 +11991,7 @@
             </a:r>
             <a:r>
               <a:rPr kumimoji="1" lang="ja-JP" altLang="en-US" dirty="0" smtClean="0"/>
-              <a:t>では</a:t>
-            </a:r>
-            <a:r>
-              <a:rPr kumimoji="1" lang="ja-JP" altLang="en-US" dirty="0" smtClean="0"/>
-              <a:t>、</a:t>
+              <a:t>では、</a:t>
             </a:r>
             <a:r>
               <a:rPr kumimoji="1" lang="en-US" altLang="ja-JP" dirty="0" smtClean="0"/>
@@ -12143,23 +11999,7 @@
             </a:r>
             <a:r>
               <a:rPr kumimoji="1" lang="ja-JP" altLang="en-US" dirty="0" smtClean="0"/>
-              <a:t>の命名</a:t>
-            </a:r>
-            <a:r>
-              <a:rPr kumimoji="1" lang="ja-JP" altLang="en-US" dirty="0" smtClean="0"/>
-              <a:t>規則によるクラス</a:t>
-            </a:r>
-            <a:r>
-              <a:rPr kumimoji="1" lang="ja-JP" altLang="en-US" smtClean="0"/>
-              <a:t>単位</a:t>
-            </a:r>
-            <a:r>
-              <a:rPr kumimoji="1" lang="ja-JP" altLang="en-US" smtClean="0"/>
-              <a:t>での対応付け</a:t>
-            </a:r>
-            <a:r>
-              <a:rPr kumimoji="1" lang="ja-JP" altLang="en-US" dirty="0" smtClean="0"/>
-              <a:t>をしました。</a:t>
+              <a:t>の命名規則によるクラス単位での対応付けをしました。</a:t>
             </a:r>
             <a:endParaRPr kumimoji="1" lang="en-US" altLang="ja-JP" dirty="0" smtClean="0"/>
           </a:p>
@@ -12693,7 +12533,7 @@
           <a:p>
             <a:fld id="{9A935378-F4F8-4659-868E-727B0E96AC4C}" type="datetimeFigureOut">
               <a:rPr kumimoji="1" lang="ja-JP" altLang="en-US" smtClean="0"/>
-              <a:t>2020/2/9</a:t>
+              <a:t>2020/2/10</a:t>
             </a:fld>
             <a:endParaRPr kumimoji="1" lang="ja-JP" altLang="en-US"/>
           </a:p>
@@ -12756,7 +12596,7 @@
           <p:cNvPr id="7" name="長方形 103">
             <a:extLst>
               <a:ext uri="{C183D7F6-B498-43B3-948B-1728B52AA6E4}">
-                <adec:decorative xmlns:adec="http://schemas.microsoft.com/office/drawing/2017/decorative" xmlns="" val="1"/>
+                <adec:decorative xmlns="" xmlns:adec="http://schemas.microsoft.com/office/drawing/2017/decorative" val="1"/>
               </a:ext>
             </a:extLst>
           </p:cNvPr>
@@ -12978,7 +12818,7 @@
           <a:p>
             <a:fld id="{9A935378-F4F8-4659-868E-727B0E96AC4C}" type="datetimeFigureOut">
               <a:rPr kumimoji="1" lang="ja-JP" altLang="en-US" smtClean="0"/>
-              <a:t>2020/2/9</a:t>
+              <a:t>2020/2/10</a:t>
             </a:fld>
             <a:endParaRPr kumimoji="1" lang="ja-JP" altLang="en-US"/>
           </a:p>
@@ -13073,7 +12913,7 @@
           <a:p>
             <a:fld id="{9A935378-F4F8-4659-868E-727B0E96AC4C}" type="datetimeFigureOut">
               <a:rPr kumimoji="1" lang="ja-JP" altLang="en-US" smtClean="0"/>
-              <a:t>2020/2/9</a:t>
+              <a:t>2020/2/10</a:t>
             </a:fld>
             <a:endParaRPr kumimoji="1" lang="ja-JP" altLang="en-US"/>
           </a:p>
@@ -13382,7 +13222,7 @@
           <a:p>
             <a:fld id="{9A935378-F4F8-4659-868E-727B0E96AC4C}" type="datetimeFigureOut">
               <a:rPr kumimoji="1" lang="ja-JP" altLang="en-US" smtClean="0"/>
-              <a:t>2020/2/9</a:t>
+              <a:t>2020/2/10</a:t>
             </a:fld>
             <a:endParaRPr kumimoji="1" lang="ja-JP" altLang="en-US"/>
           </a:p>
@@ -13635,7 +13475,7 @@
           <a:p>
             <a:fld id="{9A935378-F4F8-4659-868E-727B0E96AC4C}" type="datetimeFigureOut">
               <a:rPr kumimoji="1" lang="ja-JP" altLang="en-US" smtClean="0"/>
-              <a:t>2020/2/9</a:t>
+              <a:t>2020/2/10</a:t>
             </a:fld>
             <a:endParaRPr kumimoji="1" lang="ja-JP" altLang="en-US"/>
           </a:p>
@@ -13837,7 +13677,7 @@
           <a:p>
             <a:fld id="{9A935378-F4F8-4659-868E-727B0E96AC4C}" type="datetimeFigureOut">
               <a:rPr kumimoji="1" lang="ja-JP" altLang="en-US" smtClean="0"/>
-              <a:t>2020/2/9</a:t>
+              <a:t>2020/2/10</a:t>
             </a:fld>
             <a:endParaRPr kumimoji="1" lang="ja-JP" altLang="en-US"/>
           </a:p>
@@ -14049,7 +13889,7 @@
           <a:p>
             <a:fld id="{9A935378-F4F8-4659-868E-727B0E96AC4C}" type="datetimeFigureOut">
               <a:rPr kumimoji="1" lang="ja-JP" altLang="en-US" smtClean="0"/>
-              <a:t>2020/2/9</a:t>
+              <a:t>2020/2/10</a:t>
             </a:fld>
             <a:endParaRPr kumimoji="1" lang="ja-JP" altLang="en-US"/>
           </a:p>
@@ -14259,7 +14099,7 @@
           <a:p>
             <a:fld id="{9A935378-F4F8-4659-868E-727B0E96AC4C}" type="datetimeFigureOut">
               <a:rPr kumimoji="1" lang="ja-JP" altLang="en-US" smtClean="0"/>
-              <a:t>2020/2/9</a:t>
+              <a:t>2020/2/10</a:t>
             </a:fld>
             <a:endParaRPr kumimoji="1" lang="ja-JP" altLang="en-US"/>
           </a:p>
@@ -14415,7 +14255,7 @@
           <p:cNvPr id="8" name="長方形 103">
             <a:extLst>
               <a:ext uri="{C183D7F6-B498-43B3-948B-1728B52AA6E4}">
-                <adec:decorative xmlns:adec="http://schemas.microsoft.com/office/drawing/2017/decorative" xmlns="" val="1"/>
+                <adec:decorative xmlns="" xmlns:adec="http://schemas.microsoft.com/office/drawing/2017/decorative" val="1"/>
               </a:ext>
             </a:extLst>
           </p:cNvPr>
@@ -14678,7 +14518,7 @@
           <a:p>
             <a:fld id="{9A935378-F4F8-4659-868E-727B0E96AC4C}" type="datetimeFigureOut">
               <a:rPr kumimoji="1" lang="ja-JP" altLang="en-US" smtClean="0"/>
-              <a:t>2020/2/9</a:t>
+              <a:t>2020/2/10</a:t>
             </a:fld>
             <a:endParaRPr kumimoji="1" lang="ja-JP" altLang="en-US"/>
           </a:p>
@@ -14834,7 +14674,7 @@
           <p:cNvPr id="8" name="長方形 103">
             <a:extLst>
               <a:ext uri="{C183D7F6-B498-43B3-948B-1728B52AA6E4}">
-                <adec:decorative xmlns:adec="http://schemas.microsoft.com/office/drawing/2017/decorative" xmlns="" val="1"/>
+                <adec:decorative xmlns="" xmlns:adec="http://schemas.microsoft.com/office/drawing/2017/decorative" val="1"/>
               </a:ext>
             </a:extLst>
           </p:cNvPr>
@@ -15105,7 +14945,7 @@
           <a:p>
             <a:fld id="{9A935378-F4F8-4659-868E-727B0E96AC4C}" type="datetimeFigureOut">
               <a:rPr kumimoji="1" lang="ja-JP" altLang="en-US" smtClean="0"/>
-              <a:t>2020/2/9</a:t>
+              <a:t>2020/2/10</a:t>
             </a:fld>
             <a:endParaRPr kumimoji="1" lang="ja-JP" altLang="en-US"/>
           </a:p>
@@ -15261,7 +15101,7 @@
           <p:cNvPr id="8" name="長方形 103">
             <a:extLst>
               <a:ext uri="{C183D7F6-B498-43B3-948B-1728B52AA6E4}">
-                <adec:decorative xmlns:adec="http://schemas.microsoft.com/office/drawing/2017/decorative" xmlns="" val="1"/>
+                <adec:decorative xmlns="" xmlns:adec="http://schemas.microsoft.com/office/drawing/2017/decorative" val="1"/>
               </a:ext>
             </a:extLst>
           </p:cNvPr>
@@ -15524,7 +15364,7 @@
           <a:p>
             <a:fld id="{9A935378-F4F8-4659-868E-727B0E96AC4C}" type="datetimeFigureOut">
               <a:rPr kumimoji="1" lang="ja-JP" altLang="en-US" smtClean="0"/>
-              <a:t>2020/2/9</a:t>
+              <a:t>2020/2/10</a:t>
             </a:fld>
             <a:endParaRPr kumimoji="1" lang="ja-JP" altLang="en-US"/>
           </a:p>
@@ -15680,7 +15520,7 @@
           <p:cNvPr id="8" name="長方形 103">
             <a:extLst>
               <a:ext uri="{C183D7F6-B498-43B3-948B-1728B52AA6E4}">
-                <adec:decorative xmlns:adec="http://schemas.microsoft.com/office/drawing/2017/decorative" xmlns="" val="1"/>
+                <adec:decorative xmlns="" xmlns:adec="http://schemas.microsoft.com/office/drawing/2017/decorative" val="1"/>
               </a:ext>
             </a:extLst>
           </p:cNvPr>
@@ -15943,7 +15783,7 @@
           <a:p>
             <a:fld id="{9A935378-F4F8-4659-868E-727B0E96AC4C}" type="datetimeFigureOut">
               <a:rPr kumimoji="1" lang="ja-JP" altLang="en-US" smtClean="0"/>
-              <a:t>2020/2/9</a:t>
+              <a:t>2020/2/10</a:t>
             </a:fld>
             <a:endParaRPr kumimoji="1" lang="ja-JP" altLang="en-US"/>
           </a:p>
@@ -16099,7 +15939,7 @@
           <p:cNvPr id="8" name="長方形 103">
             <a:extLst>
               <a:ext uri="{C183D7F6-B498-43B3-948B-1728B52AA6E4}">
-                <adec:decorative xmlns:adec="http://schemas.microsoft.com/office/drawing/2017/decorative" xmlns="" val="1"/>
+                <adec:decorative xmlns="" xmlns:adec="http://schemas.microsoft.com/office/drawing/2017/decorative" val="1"/>
               </a:ext>
             </a:extLst>
           </p:cNvPr>
@@ -16398,7 +16238,7 @@
           <a:p>
             <a:fld id="{9A935378-F4F8-4659-868E-727B0E96AC4C}" type="datetimeFigureOut">
               <a:rPr kumimoji="1" lang="ja-JP" altLang="en-US" smtClean="0"/>
-              <a:t>2020/2/9</a:t>
+              <a:t>2020/2/10</a:t>
             </a:fld>
             <a:endParaRPr kumimoji="1" lang="ja-JP" altLang="en-US"/>
           </a:p>
@@ -16694,7 +16534,7 @@
           <a:p>
             <a:fld id="{9A935378-F4F8-4659-868E-727B0E96AC4C}" type="datetimeFigureOut">
               <a:rPr kumimoji="1" lang="ja-JP" altLang="en-US" smtClean="0"/>
-              <a:t>2020/2/9</a:t>
+              <a:t>2020/2/10</a:t>
             </a:fld>
             <a:endParaRPr kumimoji="1" lang="ja-JP" altLang="en-US"/>
           </a:p>
@@ -17125,7 +16965,7 @@
           <a:p>
             <a:fld id="{9A935378-F4F8-4659-868E-727B0E96AC4C}" type="datetimeFigureOut">
               <a:rPr kumimoji="1" lang="ja-JP" altLang="en-US" smtClean="0"/>
-              <a:t>2020/2/9</a:t>
+              <a:t>2020/2/10</a:t>
             </a:fld>
             <a:endParaRPr kumimoji="1" lang="ja-JP" altLang="en-US"/>
           </a:p>
@@ -17370,7 +17210,7 @@
           <a:p>
             <a:fld id="{9A935378-F4F8-4659-868E-727B0E96AC4C}" type="datetimeFigureOut">
               <a:rPr kumimoji="1" lang="ja-JP" altLang="en-US" smtClean="0"/>
-              <a:t>2020/2/9</a:t>
+              <a:t>2020/2/10</a:t>
             </a:fld>
             <a:endParaRPr kumimoji="1" lang="ja-JP" altLang="en-US"/>
           </a:p>
@@ -20971,10 +20811,30 @@
                 <a:latin typeface="メイリオ" panose="020B0604030504040204" pitchFamily="50" charset="-128"/>
                 <a:ea typeface="メイリオ" panose="020B0604030504040204" pitchFamily="50" charset="-128"/>
               </a:rPr>
-              <a:t>は、タスク完了までの時間が</a:t>
-            </a:r>
-            <a:r>
-              <a:rPr lang="ja-JP" altLang="en-US" sz="2000" dirty="0">
+              <a:t>は、タスク完了までの時間</a:t>
+            </a:r>
+            <a:r>
+              <a:rPr lang="ja-JP" altLang="en-US" sz="2000" dirty="0" smtClean="0">
+                <a:latin typeface="メイリオ" panose="020B0604030504040204" pitchFamily="50" charset="-128"/>
+                <a:ea typeface="メイリオ" panose="020B0604030504040204" pitchFamily="50" charset="-128"/>
+              </a:rPr>
+              <a:t>が</a:t>
+            </a:r>
+            <a:r>
+              <a:rPr lang="en-US" altLang="ja-JP" sz="2000" dirty="0" smtClean="0">
+                <a:latin typeface="メイリオ" panose="020B0604030504040204" pitchFamily="50" charset="-128"/>
+                <a:ea typeface="メイリオ" panose="020B0604030504040204" pitchFamily="50" charset="-128"/>
+              </a:rPr>
+              <a:t/>
+            </a:r>
+            <a:br>
+              <a:rPr lang="en-US" altLang="ja-JP" sz="2000" dirty="0" smtClean="0">
+                <a:latin typeface="メイリオ" panose="020B0604030504040204" pitchFamily="50" charset="-128"/>
+                <a:ea typeface="メイリオ" panose="020B0604030504040204" pitchFamily="50" charset="-128"/>
+              </a:rPr>
+            </a:br>
+            <a:r>
+              <a:rPr lang="ja-JP" altLang="en-US" sz="2000" dirty="0" smtClean="0">
                 <a:latin typeface="メイリオ" panose="020B0604030504040204" pitchFamily="50" charset="-128"/>
                 <a:ea typeface="メイリオ" panose="020B0604030504040204" pitchFamily="50" charset="-128"/>
               </a:rPr>
@@ -21019,7 +20879,41 @@
                 <a:latin typeface="メイリオ" panose="020B0604030504040204" pitchFamily="50" charset="-128"/>
                 <a:ea typeface="メイリオ" panose="020B0604030504040204" pitchFamily="50" charset="-128"/>
               </a:rPr>
-              <a:t>推薦された複数のテストコードを理解し、変更する必要がある</a:t>
+              <a:t>推薦された複数のテストコード</a:t>
+            </a:r>
+            <a:r>
+              <a:rPr lang="ja-JP" altLang="en-US" sz="2000" dirty="0" smtClean="0">
+                <a:latin typeface="メイリオ" panose="020B0604030504040204" pitchFamily="50" charset="-128"/>
+                <a:ea typeface="メイリオ" panose="020B0604030504040204" pitchFamily="50" charset="-128"/>
+              </a:rPr>
+              <a:t>を</a:t>
+            </a:r>
+            <a:r>
+              <a:rPr lang="en-US" altLang="ja-JP" sz="2000" dirty="0" smtClean="0">
+                <a:latin typeface="メイリオ" panose="020B0604030504040204" pitchFamily="50" charset="-128"/>
+                <a:ea typeface="メイリオ" panose="020B0604030504040204" pitchFamily="50" charset="-128"/>
+              </a:rPr>
+              <a:t/>
+            </a:r>
+            <a:br>
+              <a:rPr lang="en-US" altLang="ja-JP" sz="2000" dirty="0" smtClean="0">
+                <a:latin typeface="メイリオ" panose="020B0604030504040204" pitchFamily="50" charset="-128"/>
+                <a:ea typeface="メイリオ" panose="020B0604030504040204" pitchFamily="50" charset="-128"/>
+              </a:rPr>
+            </a:br>
+            <a:r>
+              <a:rPr lang="ja-JP" altLang="en-US" sz="2000" dirty="0" smtClean="0">
+                <a:latin typeface="メイリオ" panose="020B0604030504040204" pitchFamily="50" charset="-128"/>
+                <a:ea typeface="メイリオ" panose="020B0604030504040204" pitchFamily="50" charset="-128"/>
+              </a:rPr>
+              <a:t>理解</a:t>
+            </a:r>
+            <a:r>
+              <a:rPr lang="ja-JP" altLang="en-US" sz="2000" dirty="0" smtClean="0">
+                <a:latin typeface="メイリオ" panose="020B0604030504040204" pitchFamily="50" charset="-128"/>
+                <a:ea typeface="メイリオ" panose="020B0604030504040204" pitchFamily="50" charset="-128"/>
+              </a:rPr>
+              <a:t>し、変更する必要がある</a:t>
             </a:r>
             <a:endParaRPr lang="en-US" altLang="ja-JP" sz="2000" dirty="0" smtClean="0">
               <a:latin typeface="メイリオ" panose="020B0604030504040204" pitchFamily="50" charset="-128"/>
@@ -21080,7 +20974,28 @@
                 <a:latin typeface="メイリオ" panose="020B0604030504040204" pitchFamily="50" charset="-128"/>
                 <a:ea typeface="メイリオ" panose="020B0604030504040204" pitchFamily="50" charset="-128"/>
               </a:rPr>
-              <a:t>までの時間が手作業の場合と比べて短い</a:t>
+              <a:t>までの</a:t>
+            </a:r>
+            <a:r>
+              <a:rPr lang="ja-JP" altLang="en-US" sz="2000" smtClean="0">
+                <a:latin typeface="メイリオ" panose="020B0604030504040204" pitchFamily="50" charset="-128"/>
+                <a:ea typeface="メイリオ" panose="020B0604030504040204" pitchFamily="50" charset="-128"/>
+              </a:rPr>
+              <a:t>時間</a:t>
+            </a:r>
+            <a:r>
+              <a:rPr lang="ja-JP" altLang="en-US" sz="2000" smtClean="0">
+                <a:latin typeface="メイリオ" panose="020B0604030504040204" pitchFamily="50" charset="-128"/>
+                <a:ea typeface="メイリオ" panose="020B0604030504040204" pitchFamily="50" charset="-128"/>
+              </a:rPr>
+              <a:t>が手作業</a:t>
+            </a:r>
+            <a:r>
+              <a:rPr lang="ja-JP" altLang="en-US" sz="2000" dirty="0" smtClean="0">
+                <a:latin typeface="メイリオ" panose="020B0604030504040204" pitchFamily="50" charset="-128"/>
+                <a:ea typeface="メイリオ" panose="020B0604030504040204" pitchFamily="50" charset="-128"/>
+              </a:rPr>
+              <a:t>の場合と比べて短い</a:t>
             </a:r>
             <a:endParaRPr lang="en-US" altLang="ja-JP" sz="2000" dirty="0" smtClean="0">
               <a:latin typeface="メイリオ" panose="020B0604030504040204" pitchFamily="50" charset="-128"/>
@@ -21114,14 +21029,21 @@
                 <a:latin typeface="メイリオ" panose="020B0604030504040204" pitchFamily="50" charset="-128"/>
                 <a:ea typeface="メイリオ" panose="020B0604030504040204" pitchFamily="50" charset="-128"/>
               </a:rPr>
-              <a:t>なテスト項目を</a:t>
+              <a:t>なテスト項目</a:t>
             </a:r>
             <a:r>
               <a:rPr lang="ja-JP" altLang="en-US" sz="2000" dirty="0" smtClean="0">
                 <a:latin typeface="メイリオ" panose="020B0604030504040204" pitchFamily="50" charset="-128"/>
                 <a:ea typeface="メイリオ" panose="020B0604030504040204" pitchFamily="50" charset="-128"/>
               </a:rPr>
-              <a:t>作成し、時間を費やした可能性がある</a:t>
+              <a:t>を作成</a:t>
+            </a:r>
+            <a:r>
+              <a:rPr lang="ja-JP" altLang="en-US" sz="2000" dirty="0" smtClean="0">
+                <a:latin typeface="メイリオ" panose="020B0604030504040204" pitchFamily="50" charset="-128"/>
+                <a:ea typeface="メイリオ" panose="020B0604030504040204" pitchFamily="50" charset="-128"/>
+              </a:rPr>
+              <a:t>し、時間を費やした可能性がある</a:t>
             </a:r>
             <a:endParaRPr lang="en-US" altLang="ja-JP" sz="2000" dirty="0" smtClean="0">
               <a:latin typeface="メイリオ" panose="020B0604030504040204" pitchFamily="50" charset="-128"/>
@@ -24202,11 +24124,7 @@
             </a:pPr>
             <a:r>
               <a:rPr lang="ja-JP" altLang="en-US" sz="2400" dirty="0" smtClean="0"/>
-              <a:t>より実用的な利用に備えてツールを</a:t>
-            </a:r>
-            <a:r>
-              <a:rPr lang="ja-JP" altLang="en-US" sz="2400" dirty="0" smtClean="0"/>
-              <a:t>改善する必要がある</a:t>
+              <a:t>より実用的な利用に備えてツールを改善する必要がある</a:t>
             </a:r>
             <a:endParaRPr lang="en-US" altLang="ja-JP" sz="2400" dirty="0" smtClean="0"/>
           </a:p>
@@ -24218,15 +24136,7 @@
             </a:pPr>
             <a:r>
               <a:rPr lang="ja-JP" altLang="en-US" sz="2400" dirty="0" smtClean="0"/>
-              <a:t>被験者数</a:t>
-            </a:r>
-            <a:r>
-              <a:rPr lang="ja-JP" altLang="en-US" sz="2400" dirty="0" smtClean="0"/>
-              <a:t>を増やした更</a:t>
-            </a:r>
-            <a:r>
-              <a:rPr lang="ja-JP" altLang="en-US" sz="2400" dirty="0" smtClean="0"/>
-              <a:t>なる実験が必要である</a:t>
+              <a:t>被験者数を増やした更なる実験が必要である</a:t>
             </a:r>
             <a:endParaRPr lang="en-US" altLang="ja-JP" sz="2400" dirty="0" smtClean="0"/>
           </a:p>
@@ -37344,15 +37254,7 @@
                   <a:srgbClr val="FF0000"/>
                 </a:solidFill>
               </a:rPr>
-              <a:t>テストスメル</a:t>
-            </a:r>
-            <a:r>
-              <a:rPr lang="ja-JP" altLang="en-US" sz="2800" dirty="0" smtClean="0">
-                <a:solidFill>
-                  <a:srgbClr val="FF0000"/>
-                </a:solidFill>
-              </a:rPr>
-              <a:t>が多い</a:t>
+              <a:t>テストスメルが多い</a:t>
             </a:r>
             <a:endParaRPr lang="en-US" altLang="ja-JP" sz="2800" dirty="0">
               <a:solidFill>

--- a/presentation_kurachi.pptx
+++ b/presentation_kurachi.pptx
@@ -5,7 +5,7 @@
     <p:sldMasterId id="2147483648" r:id="rId1"/>
   </p:sldMasterIdLst>
   <p:notesMasterIdLst>
-    <p:notesMasterId r:id="rId44"/>
+    <p:notesMasterId r:id="rId45"/>
   </p:notesMasterIdLst>
   <p:sldIdLst>
     <p:sldId id="274" r:id="rId2"/>
@@ -27,7 +27,7 @@
     <p:sldId id="278" r:id="rId18"/>
     <p:sldId id="280" r:id="rId19"/>
     <p:sldId id="298" r:id="rId20"/>
-    <p:sldId id="270" r:id="rId21"/>
+    <p:sldId id="375" r:id="rId21"/>
     <p:sldId id="292" r:id="rId22"/>
     <p:sldId id="354" r:id="rId23"/>
     <p:sldId id="367" r:id="rId24"/>
@@ -50,6 +50,7 @@
     <p:sldId id="328" r:id="rId41"/>
     <p:sldId id="373" r:id="rId42"/>
     <p:sldId id="374" r:id="rId43"/>
+    <p:sldId id="376" r:id="rId44"/>
   </p:sldIdLst>
   <p:sldSz cx="12192000" cy="6858000"/>
   <p:notesSz cx="6858000" cy="9144000"/>
@@ -8209,7 +8210,7 @@
     </p:spTree>
     <p:extLst>
       <p:ext uri="{BB962C8B-B14F-4D97-AF65-F5344CB8AC3E}">
-        <p14:creationId xmlns:p14="http://schemas.microsoft.com/office/powerpoint/2010/main" val="2484051218"/>
+        <p14:creationId xmlns:p14="http://schemas.microsoft.com/office/powerpoint/2010/main" val="342280202"/>
       </p:ext>
     </p:extLst>
   </p:cSld>
@@ -10994,6 +10995,165 @@
 </p:notes>
 </file>
 
+<file path=ppt/notesSlides/notesSlide32.xml><?xml version="1.0" encoding="utf-8"?>
+<p:notes xmlns:a="http://schemas.openxmlformats.org/drawingml/2006/main" xmlns:r="http://schemas.openxmlformats.org/officeDocument/2006/relationships" xmlns:p="http://schemas.openxmlformats.org/presentationml/2006/main">
+  <p:cSld>
+    <p:spTree>
+      <p:nvGrpSpPr>
+        <p:cNvPr id="1" name=""/>
+        <p:cNvGrpSpPr/>
+        <p:nvPr/>
+      </p:nvGrpSpPr>
+      <p:grpSpPr>
+        <a:xfrm>
+          <a:off x="0" y="0"/>
+          <a:ext cx="0" cy="0"/>
+          <a:chOff x="0" y="0"/>
+          <a:chExt cx="0" cy="0"/>
+        </a:xfrm>
+      </p:grpSpPr>
+      <p:sp>
+        <p:nvSpPr>
+          <p:cNvPr id="2" name="スライド イメージ プレースホルダー 1"/>
+          <p:cNvSpPr>
+            <a:spLocks noGrp="1" noRot="1" noChangeAspect="1"/>
+          </p:cNvSpPr>
+          <p:nvPr>
+            <p:ph type="sldImg"/>
+          </p:nvPr>
+        </p:nvSpPr>
+        <p:spPr/>
+      </p:sp>
+      <p:sp>
+        <p:nvSpPr>
+          <p:cNvPr id="3" name="ノート プレースホルダー 2"/>
+          <p:cNvSpPr>
+            <a:spLocks noGrp="1"/>
+          </p:cNvSpPr>
+          <p:nvPr>
+            <p:ph type="body" idx="1"/>
+          </p:nvPr>
+        </p:nvSpPr>
+        <p:spPr/>
+        <p:txBody>
+          <a:bodyPr/>
+          <a:lstStyle/>
+          <a:p>
+            <a:r>
+              <a:rPr kumimoji="1" lang="en-US" altLang="ja-JP" dirty="0" smtClean="0"/>
+              <a:t>6:49</a:t>
+            </a:r>
+            <a:r>
+              <a:rPr kumimoji="1" lang="en-US" altLang="ja-JP" baseline="0" dirty="0" smtClean="0"/>
+              <a:t> (1:09)</a:t>
+            </a:r>
+            <a:endParaRPr kumimoji="1" lang="en-US" altLang="ja-JP" dirty="0" smtClean="0"/>
+          </a:p>
+          <a:p>
+            <a:r>
+              <a:rPr kumimoji="1" lang="ja-JP" altLang="en-US" dirty="0" smtClean="0"/>
+              <a:t>最後に、まとめと今後の課題です。</a:t>
+            </a:r>
+            <a:endParaRPr kumimoji="1" lang="en-US" altLang="ja-JP" dirty="0" smtClean="0"/>
+          </a:p>
+          <a:p>
+            <a:endParaRPr kumimoji="1" lang="en-US" altLang="ja-JP" dirty="0" smtClean="0"/>
+          </a:p>
+          <a:p>
+            <a:r>
+              <a:rPr kumimoji="1" lang="ja-JP" altLang="en-US" dirty="0" smtClean="0"/>
+              <a:t>本研究では、類似コード検出技術を用いて、既存の高品質のテストコードを推薦するツールを提案しました。</a:t>
+            </a:r>
+            <a:endParaRPr kumimoji="1" lang="en-US" altLang="ja-JP" dirty="0" smtClean="0"/>
+          </a:p>
+          <a:p>
+            <a:endParaRPr kumimoji="1" lang="en-US" altLang="ja-JP" dirty="0" smtClean="0"/>
+          </a:p>
+          <a:p>
+            <a:r>
+              <a:rPr kumimoji="1" lang="ja-JP" altLang="en-US" dirty="0" smtClean="0"/>
+              <a:t>また、評価実験では提案ツールが、開発者の高品質なテストコード作成を支援できることを確認しました</a:t>
+            </a:r>
+            <a:endParaRPr kumimoji="1" lang="en-US" altLang="ja-JP" dirty="0" smtClean="0"/>
+          </a:p>
+          <a:p>
+            <a:endParaRPr kumimoji="1" lang="en-US" altLang="ja-JP" dirty="0" smtClean="0"/>
+          </a:p>
+          <a:p>
+            <a:r>
+              <a:rPr kumimoji="1" lang="ja-JP" altLang="en-US" dirty="0" smtClean="0"/>
+              <a:t>今後の課題として、提案ツールのより実用的な利用に備えてツールを改善していく必要があります。</a:t>
+            </a:r>
+            <a:endParaRPr kumimoji="1" lang="en-US" altLang="ja-JP" dirty="0" smtClean="0"/>
+          </a:p>
+          <a:p>
+            <a:endParaRPr kumimoji="1" lang="en-US" altLang="ja-JP" dirty="0" smtClean="0"/>
+          </a:p>
+          <a:p>
+            <a:r>
+              <a:rPr kumimoji="1" lang="ja-JP" altLang="en-US" dirty="0" smtClean="0"/>
+              <a:t>具体的には、テストコードを再利用する際に、自動で編集する機能などを考えています。</a:t>
+            </a:r>
+            <a:endParaRPr kumimoji="1" lang="en-US" altLang="ja-JP" dirty="0" smtClean="0"/>
+          </a:p>
+          <a:p>
+            <a:endParaRPr kumimoji="1" lang="en-US" altLang="ja-JP" dirty="0" smtClean="0"/>
+          </a:p>
+          <a:p>
+            <a:r>
+              <a:rPr kumimoji="1" lang="ja-JP" altLang="en-US" dirty="0" smtClean="0"/>
+              <a:t>また、提案ツールの有意性を検討するためには、被験者数を増やした更なる実験をする必要があります。</a:t>
+            </a:r>
+            <a:endParaRPr kumimoji="1" lang="en-US" altLang="ja-JP" dirty="0" smtClean="0"/>
+          </a:p>
+          <a:p>
+            <a:endParaRPr kumimoji="1" lang="en-US" altLang="ja-JP" dirty="0" smtClean="0"/>
+          </a:p>
+          <a:p>
+            <a:r>
+              <a:rPr kumimoji="1" lang="ja-JP" altLang="en-US" dirty="0" smtClean="0"/>
+              <a:t>以上で発表を終わります。どうもありがとうございました。</a:t>
+            </a:r>
+            <a:endParaRPr kumimoji="1" lang="en-US" altLang="ja-JP" dirty="0" smtClean="0"/>
+          </a:p>
+        </p:txBody>
+      </p:sp>
+      <p:sp>
+        <p:nvSpPr>
+          <p:cNvPr id="4" name="スライド番号プレースホルダー 3"/>
+          <p:cNvSpPr>
+            <a:spLocks noGrp="1"/>
+          </p:cNvSpPr>
+          <p:nvPr>
+            <p:ph type="sldNum" sz="quarter" idx="10"/>
+          </p:nvPr>
+        </p:nvSpPr>
+        <p:spPr/>
+        <p:txBody>
+          <a:bodyPr/>
+          <a:lstStyle/>
+          <a:p>
+            <a:fld id="{A375FAFC-A5AB-4FEC-AA23-92E34682EFAF}" type="slidenum">
+              <a:rPr kumimoji="1" lang="ja-JP" altLang="en-US" smtClean="0"/>
+              <a:t>43</a:t>
+            </a:fld>
+            <a:endParaRPr kumimoji="1" lang="ja-JP" altLang="en-US"/>
+          </a:p>
+        </p:txBody>
+      </p:sp>
+    </p:spTree>
+    <p:extLst>
+      <p:ext uri="{BB962C8B-B14F-4D97-AF65-F5344CB8AC3E}">
+        <p14:creationId xmlns:p14="http://schemas.microsoft.com/office/powerpoint/2010/main" val="1026738195"/>
+      </p:ext>
+    </p:extLst>
+  </p:cSld>
+  <p:clrMapOvr>
+    <a:masterClrMapping/>
+  </p:clrMapOvr>
+</p:notes>
+</file>
+
 <file path=ppt/notesSlides/notesSlide4.xml><?xml version="1.0" encoding="utf-8"?>
 <p:notes xmlns:a="http://schemas.openxmlformats.org/drawingml/2006/main" xmlns:r="http://schemas.openxmlformats.org/officeDocument/2006/relationships" xmlns:p="http://schemas.openxmlformats.org/presentationml/2006/main">
   <p:cSld>
@@ -11999,7 +12159,15 @@
             </a:r>
             <a:r>
               <a:rPr kumimoji="1" lang="ja-JP" altLang="en-US" dirty="0" smtClean="0"/>
-              <a:t>の命名規則によるクラス単位での対応付けをしました。</a:t>
+              <a:t>の命名規則によるクラス単位</a:t>
+            </a:r>
+            <a:r>
+              <a:rPr kumimoji="1" lang="ja-JP" altLang="en-US" dirty="0" smtClean="0"/>
+              <a:t>で、テストクラスと対象クラスの</a:t>
+            </a:r>
+            <a:r>
+              <a:rPr kumimoji="1" lang="ja-JP" altLang="en-US" dirty="0" smtClean="0"/>
+              <a:t>対応付けをしました。</a:t>
             </a:r>
             <a:endParaRPr kumimoji="1" lang="en-US" altLang="ja-JP" dirty="0" smtClean="0"/>
           </a:p>
@@ -20974,17 +21142,10 @@
                 <a:latin typeface="メイリオ" panose="020B0604030504040204" pitchFamily="50" charset="-128"/>
                 <a:ea typeface="メイリオ" panose="020B0604030504040204" pitchFamily="50" charset="-128"/>
               </a:rPr>
-              <a:t>までの</a:t>
-            </a:r>
-            <a:r>
-              <a:rPr lang="ja-JP" altLang="en-US" sz="2000" smtClean="0">
-                <a:latin typeface="メイリオ" panose="020B0604030504040204" pitchFamily="50" charset="-128"/>
-                <a:ea typeface="メイリオ" panose="020B0604030504040204" pitchFamily="50" charset="-128"/>
-              </a:rPr>
-              <a:t>時間</a:t>
-            </a:r>
-            <a:r>
-              <a:rPr lang="ja-JP" altLang="en-US" sz="2000" smtClean="0">
+              <a:t>までの時間</a:t>
+            </a:r>
+            <a:r>
+              <a:rPr lang="ja-JP" altLang="en-US" sz="2000" dirty="0" smtClean="0">
                 <a:latin typeface="メイリオ" panose="020B0604030504040204" pitchFamily="50" charset="-128"/>
                 <a:ea typeface="メイリオ" panose="020B0604030504040204" pitchFamily="50" charset="-128"/>
               </a:rPr>
@@ -24052,7 +24213,7 @@
         <p:spPr>
           <a:xfrm>
             <a:off x="838200" y="1518443"/>
-            <a:ext cx="10182225" cy="3794775"/>
+            <a:ext cx="10328564" cy="3794775"/>
           </a:xfrm>
         </p:spPr>
         <p:txBody>
@@ -24080,7 +24241,34 @@
             </a:pPr>
             <a:r>
               <a:rPr lang="ja-JP" altLang="en-US" sz="2400" dirty="0" smtClean="0"/>
-              <a:t>類似コード検出技術を用いて、既存の高品質のテストコードを推薦するツールを提案</a:t>
+              <a:t>類似コード検出技術を用いて</a:t>
+            </a:r>
+            <a:r>
+              <a:rPr lang="ja-JP" altLang="en-US" sz="2400" dirty="0" smtClean="0"/>
+              <a:t>、既存の高品質</a:t>
+            </a:r>
+            <a:r>
+              <a:rPr lang="ja-JP" altLang="en-US" sz="2400" dirty="0" smtClean="0"/>
+              <a:t>のテストコードを</a:t>
+            </a:r>
+            <a:r>
+              <a:rPr lang="ja-JP" altLang="en-US" sz="2400" dirty="0" smtClean="0"/>
+              <a:t>推薦</a:t>
+            </a:r>
+            <a:r>
+              <a:rPr lang="en-US" altLang="ja-JP" sz="2400" dirty="0" smtClean="0"/>
+              <a:t/>
+            </a:r>
+            <a:br>
+              <a:rPr lang="en-US" altLang="ja-JP" sz="2400" dirty="0" smtClean="0"/>
+            </a:br>
+            <a:r>
+              <a:rPr lang="ja-JP" altLang="en-US" sz="2400" dirty="0" smtClean="0"/>
+              <a:t>する</a:t>
+            </a:r>
+            <a:r>
+              <a:rPr lang="ja-JP" altLang="en-US" sz="2400" dirty="0" smtClean="0"/>
+              <a:t>ツールを提案</a:t>
             </a:r>
             <a:endParaRPr lang="en-US" altLang="ja-JP" sz="2400" dirty="0" smtClean="0"/>
           </a:p>
@@ -24092,7 +24280,15 @@
             </a:pPr>
             <a:r>
               <a:rPr lang="ja-JP" altLang="en-US" sz="2400" dirty="0" smtClean="0"/>
-              <a:t>提案ツールによって、開発者の高品質なテストコードの作成を支援</a:t>
+              <a:t>提案ツールを利用することで、品質の高いテストコード</a:t>
+            </a:r>
+            <a:r>
+              <a:rPr lang="ja-JP" altLang="en-US" sz="2400" dirty="0" smtClean="0"/>
+              <a:t>の作成を</a:t>
+            </a:r>
+            <a:r>
+              <a:rPr lang="ja-JP" altLang="en-US" sz="2400" dirty="0" smtClean="0"/>
+              <a:t>支援できることを確認</a:t>
             </a:r>
             <a:endParaRPr lang="en-US" altLang="ja-JP" sz="2400" dirty="0" smtClean="0"/>
           </a:p>
@@ -24145,7 +24341,7 @@
     </p:spTree>
     <p:extLst>
       <p:ext uri="{BB962C8B-B14F-4D97-AF65-F5344CB8AC3E}">
-        <p14:creationId xmlns:p14="http://schemas.microsoft.com/office/powerpoint/2010/main" val="421069316"/>
+        <p14:creationId xmlns:p14="http://schemas.microsoft.com/office/powerpoint/2010/main" val="522720832"/>
       </p:ext>
     </p:extLst>
   </p:cSld>
@@ -30047,7 +30243,15 @@
             </a:r>
             <a:r>
               <a:rPr lang="ja-JP" altLang="en-US" dirty="0" smtClean="0"/>
-              <a:t>を支援するために、これまでに様々な自動生成ツールが提案されてき</a:t>
+              <a:t>を支援するために、これまでに様々</a:t>
+            </a:r>
+            <a:r>
+              <a:rPr lang="ja-JP" altLang="en-US" dirty="0" smtClean="0"/>
+              <a:t>な自動</a:t>
+            </a:r>
+            <a:r>
+              <a:rPr lang="ja-JP" altLang="en-US" dirty="0" smtClean="0"/>
+              <a:t>生成ツールが提案されてき</a:t>
             </a:r>
             <a:r>
               <a:rPr lang="ja-JP" altLang="en-US" dirty="0"/>
@@ -32623,8 +32827,8 @@
         </p:nvSpPr>
         <p:spPr>
           <a:xfrm>
-            <a:off x="838200" y="1370559"/>
-            <a:ext cx="10106202" cy="4331661"/>
+            <a:off x="838200" y="1370560"/>
+            <a:ext cx="10106202" cy="4762386"/>
           </a:xfrm>
         </p:spPr>
         <p:txBody>
@@ -32634,10 +32838,10 @@
           <a:lstStyle/>
           <a:p>
             <a:r>
-              <a:rPr lang="ja-JP" altLang="en-US" dirty="0" smtClean="0"/>
+              <a:rPr lang="ja-JP" altLang="en-US" sz="3200" dirty="0" smtClean="0"/>
               <a:t>実験概要</a:t>
             </a:r>
-            <a:endParaRPr lang="en-US" altLang="ja-JP" dirty="0" smtClean="0"/>
+            <a:endParaRPr lang="en-US" altLang="ja-JP" sz="3200" dirty="0" smtClean="0"/>
           </a:p>
           <a:p>
             <a:endParaRPr lang="en-US" altLang="ja-JP" sz="100" dirty="0" smtClean="0"/>
@@ -32645,10 +32849,10 @@
           <a:p>
             <a:pPr lvl="1"/>
             <a:r>
-              <a:rPr lang="ja-JP" altLang="en-US" dirty="0" smtClean="0"/>
+              <a:rPr lang="ja-JP" altLang="en-US" sz="2800" dirty="0" smtClean="0"/>
               <a:t>オンライン上でアンケートを実施</a:t>
             </a:r>
-            <a:endParaRPr kumimoji="1" lang="en-US" altLang="ja-JP" dirty="0" smtClean="0"/>
+            <a:endParaRPr kumimoji="1" lang="en-US" altLang="ja-JP" sz="2800" dirty="0" smtClean="0"/>
           </a:p>
           <a:p>
             <a:pPr lvl="2"/>
@@ -32682,17 +32886,28 @@
             </a:r>
             <a:r>
               <a:rPr lang="ja-JP" altLang="en-US" sz="2400" dirty="0" smtClean="0"/>
-              <a:t>かどうかを選択してもらう</a:t>
-            </a:r>
+              <a:t>かどうかを選択して</a:t>
+            </a:r>
+            <a:r>
+              <a:rPr lang="ja-JP" altLang="en-US" sz="2400" dirty="0" smtClean="0"/>
+              <a:t>もらう</a:t>
+            </a:r>
+            <a:r>
+              <a:rPr lang="en-US" altLang="ja-JP" sz="2400" dirty="0" smtClean="0"/>
+              <a:t/>
+            </a:r>
+            <a:br>
+              <a:rPr lang="en-US" altLang="ja-JP" sz="2400" dirty="0" smtClean="0"/>
+            </a:br>
             <a:endParaRPr kumimoji="1" lang="en-US" altLang="ja-JP" sz="2400" dirty="0" smtClean="0"/>
           </a:p>
           <a:p>
             <a:pPr lvl="1"/>
             <a:r>
-              <a:rPr lang="ja-JP" altLang="en-US" dirty="0" smtClean="0"/>
+              <a:rPr lang="ja-JP" altLang="en-US" sz="2800" dirty="0" smtClean="0"/>
               <a:t>評価方法</a:t>
             </a:r>
-            <a:endParaRPr lang="en-US" altLang="ja-JP" dirty="0" smtClean="0"/>
+            <a:endParaRPr lang="en-US" altLang="ja-JP" sz="2800" dirty="0" smtClean="0"/>
           </a:p>
           <a:p>
             <a:pPr lvl="2"/>
@@ -33855,7 +34070,12 @@
             <p:ph idx="1"/>
           </p:nvPr>
         </p:nvSpPr>
-        <p:spPr/>
+        <p:spPr>
+          <a:xfrm>
+            <a:off x="838199" y="1825625"/>
+            <a:ext cx="10762673" cy="4351338"/>
+          </a:xfrm>
+        </p:spPr>
         <p:txBody>
           <a:bodyPr/>
           <a:lstStyle/>
@@ -33869,18 +34089,37 @@
               <a:t>から、単純な構造のプログラムのテストコードを作成する場合、</a:t>
             </a:r>
             <a:r>
-              <a:rPr lang="en-US" altLang="ja-JP" dirty="0" err="1"/>
+              <a:rPr lang="en-US" altLang="ja-JP" b="1" dirty="0" err="1">
+                <a:solidFill>
+                  <a:srgbClr val="FF0000"/>
+                </a:solidFill>
+              </a:rPr>
               <a:t>SuiteRec</a:t>
             </a:r>
             <a:r>
-              <a:rPr lang="ja-JP" altLang="en-US" dirty="0"/>
+              <a:rPr lang="ja-JP" altLang="en-US" b="1" dirty="0">
+                <a:solidFill>
+                  <a:srgbClr val="FF0000"/>
+                </a:solidFill>
+              </a:rPr>
               <a:t>の利用の有無でカバレッジに差が</a:t>
             </a:r>
             <a:r>
-              <a:rPr lang="ja-JP" altLang="en-US" dirty="0" smtClean="0"/>
+              <a:rPr lang="ja-JP" altLang="en-US" b="1" dirty="0" smtClean="0">
+                <a:solidFill>
+                  <a:srgbClr val="FF0000"/>
+                </a:solidFill>
+              </a:rPr>
               <a:t>ない</a:t>
             </a:r>
-            <a:endParaRPr lang="en-US" altLang="ja-JP" dirty="0"/>
+            <a:endParaRPr lang="en-US" altLang="ja-JP" b="1" dirty="0">
+              <a:solidFill>
+                <a:srgbClr val="FF0000"/>
+              </a:solidFill>
+            </a:endParaRPr>
+          </a:p>
+          <a:p>
+            <a:endParaRPr kumimoji="1" lang="en-US" altLang="ja-JP" dirty="0" smtClean="0"/>
           </a:p>
           <a:p>
             <a:endParaRPr kumimoji="1" lang="en-US" altLang="ja-JP" dirty="0" smtClean="0"/>
@@ -33895,26 +34134,46 @@
               <a:t>から、</a:t>
             </a:r>
             <a:r>
-              <a:rPr lang="en-US" altLang="ja-JP" dirty="0" err="1"/>
+              <a:rPr lang="en-US" altLang="ja-JP" b="1" u="sng" dirty="0" err="1"/>
               <a:t>SuiteRec</a:t>
             </a:r>
             <a:r>
-              <a:rPr lang="ja-JP" altLang="en-US" dirty="0"/>
-              <a:t>を利用せずにテストコード作成した方が、開発時間を節約</a:t>
+              <a:rPr lang="ja-JP" altLang="en-US" b="1" u="sng" dirty="0"/>
+              <a:t>を</a:t>
+            </a:r>
+            <a:r>
+              <a:rPr lang="ja-JP" altLang="en-US" b="1" u="sng" dirty="0" smtClean="0"/>
+              <a:t>利用</a:t>
+            </a:r>
+            <a:r>
+              <a:rPr lang="ja-JP" altLang="en-US" b="1" u="sng" dirty="0" smtClean="0"/>
+              <a:t>しない方が、</a:t>
+            </a:r>
+            <a:r>
+              <a:rPr lang="ja-JP" altLang="en-US" b="1" u="sng" dirty="0" smtClean="0"/>
+              <a:t>開発</a:t>
+            </a:r>
+            <a:r>
+              <a:rPr lang="ja-JP" altLang="en-US" b="1" u="sng" dirty="0"/>
+              <a:t>時間を節約</a:t>
+            </a:r>
+            <a:r>
+              <a:rPr lang="ja-JP" altLang="en-US" b="1" u="sng" dirty="0" smtClean="0"/>
+              <a:t>できる</a:t>
+            </a:r>
+            <a:endParaRPr lang="en-US" altLang="ja-JP" b="1" u="sng" dirty="0" smtClean="0"/>
+          </a:p>
+          <a:p>
+            <a:endParaRPr lang="en-US" altLang="ja-JP" dirty="0"/>
+          </a:p>
+          <a:p>
+            <a:r>
+              <a:rPr lang="ja-JP" altLang="en-US" b="1" dirty="0" smtClean="0"/>
+              <a:t>複雑な構造のプログラムのテストコード</a:t>
             </a:r>
             <a:r>
               <a:rPr lang="ja-JP" altLang="en-US" dirty="0" smtClean="0"/>
-              <a:t>できる</a:t>
-            </a:r>
-            <a:endParaRPr lang="en-US" altLang="ja-JP" dirty="0" smtClean="0"/>
-          </a:p>
-          <a:p>
-            <a:endParaRPr lang="en-US" altLang="ja-JP" dirty="0"/>
-          </a:p>
-          <a:p>
-            <a:r>
-              <a:rPr lang="ja-JP" altLang="en-US" dirty="0" smtClean="0"/>
-              <a:t>複雑な構造のプログラムのテストコードを作成する場合、</a:t>
+              <a:t>を作成する場合、</a:t>
             </a:r>
             <a:r>
               <a:rPr lang="en-US" altLang="ja-JP" dirty="0" err="1" smtClean="0"/>
@@ -33970,7 +34229,7 @@
         </p:nvSpPr>
         <p:spPr>
           <a:xfrm rot="10800000">
-            <a:off x="3733537" y="2704924"/>
+            <a:off x="3733537" y="2982015"/>
             <a:ext cx="4724926" cy="368475"/>
           </a:xfrm>
           <a:prstGeom prst="triangle">
@@ -40005,7 +40264,7 @@
 </file>
 
 <file path=ppt/slides/slide42.xml><?xml version="1.0" encoding="utf-8"?>
-<p:sld xmlns:a="http://schemas.openxmlformats.org/drawingml/2006/main" xmlns:r="http://schemas.openxmlformats.org/officeDocument/2006/relationships" xmlns:p="http://schemas.openxmlformats.org/presentationml/2006/main">
+<p:sld xmlns:a="http://schemas.openxmlformats.org/drawingml/2006/main" xmlns:r="http://schemas.openxmlformats.org/officeDocument/2006/relationships" xmlns:p="http://schemas.openxmlformats.org/presentationml/2006/main" show="0">
   <p:cSld>
     <p:spTree>
       <p:nvGrpSpPr>
@@ -41111,6 +41370,189 @@
   <p:clrMapOvr>
     <a:masterClrMapping/>
   </p:clrMapOvr>
+  <mc:AlternateContent xmlns:mc="http://schemas.openxmlformats.org/markup-compatibility/2006">
+    <mc:Choice xmlns:p14="http://schemas.microsoft.com/office/powerpoint/2010/main" Requires="p14">
+      <p:transition spd="slow" p14:dur="2000"/>
+    </mc:Choice>
+    <mc:Fallback>
+      <p:transition spd="slow"/>
+    </mc:Fallback>
+  </mc:AlternateContent>
+  <p:timing>
+    <p:tnLst>
+      <p:par>
+        <p:cTn id="1" dur="indefinite" restart="never" nodeType="tmRoot"/>
+      </p:par>
+    </p:tnLst>
+  </p:timing>
+</p:sld>
+</file>
+
+<file path=ppt/slides/slide43.xml><?xml version="1.0" encoding="utf-8"?>
+<p:sld xmlns:a="http://schemas.openxmlformats.org/drawingml/2006/main" xmlns:r="http://schemas.openxmlformats.org/officeDocument/2006/relationships" xmlns:p="http://schemas.openxmlformats.org/presentationml/2006/main" show="0">
+  <p:cSld>
+    <p:spTree>
+      <p:nvGrpSpPr>
+        <p:cNvPr id="1" name=""/>
+        <p:cNvGrpSpPr/>
+        <p:nvPr/>
+      </p:nvGrpSpPr>
+      <p:grpSpPr>
+        <a:xfrm>
+          <a:off x="0" y="0"/>
+          <a:ext cx="0" cy="0"/>
+          <a:chOff x="0" y="0"/>
+          <a:chExt cx="0" cy="0"/>
+        </a:xfrm>
+      </p:grpSpPr>
+      <p:sp>
+        <p:nvSpPr>
+          <p:cNvPr id="3" name="タイトル 2"/>
+          <p:cNvSpPr>
+            <a:spLocks noGrp="1"/>
+          </p:cNvSpPr>
+          <p:nvPr>
+            <p:ph type="title"/>
+          </p:nvPr>
+        </p:nvSpPr>
+        <p:spPr/>
+        <p:txBody>
+          <a:bodyPr/>
+          <a:lstStyle/>
+          <a:p>
+            <a:r>
+              <a:rPr lang="ja-JP" altLang="en-US" dirty="0"/>
+              <a:t>まとめ・今後の課題</a:t>
+            </a:r>
+            <a:endParaRPr kumimoji="1" lang="ja-JP" altLang="en-US" dirty="0"/>
+          </a:p>
+        </p:txBody>
+      </p:sp>
+      <p:sp>
+        <p:nvSpPr>
+          <p:cNvPr id="6" name="コンテンツ プレースホルダー 2"/>
+          <p:cNvSpPr>
+            <a:spLocks noGrp="1"/>
+          </p:cNvSpPr>
+          <p:nvPr>
+            <p:ph idx="1"/>
+          </p:nvPr>
+        </p:nvSpPr>
+        <p:spPr>
+          <a:xfrm>
+            <a:off x="838200" y="1518443"/>
+            <a:ext cx="10182225" cy="3794775"/>
+          </a:xfrm>
+        </p:spPr>
+        <p:txBody>
+          <a:bodyPr>
+            <a:normAutofit/>
+          </a:bodyPr>
+          <a:lstStyle/>
+          <a:p>
+            <a:pPr marL="228600" lvl="1">
+              <a:spcBef>
+                <a:spcPts val="1000"/>
+              </a:spcBef>
+            </a:pPr>
+            <a:r>
+              <a:rPr lang="ja-JP" altLang="en-US" sz="2800" b="1" dirty="0" smtClean="0"/>
+              <a:t>まとめ</a:t>
+            </a:r>
+            <a:endParaRPr lang="en-US" altLang="ja-JP" sz="2800" b="1" dirty="0" smtClean="0"/>
+          </a:p>
+          <a:p>
+            <a:pPr marL="685800" lvl="2">
+              <a:spcBef>
+                <a:spcPts val="1000"/>
+              </a:spcBef>
+            </a:pPr>
+            <a:r>
+              <a:rPr lang="ja-JP" altLang="en-US" sz="2400" dirty="0" smtClean="0"/>
+              <a:t>類似コード検出技術を用いて、既存の高品質のテストコードを推薦するツールを提案</a:t>
+            </a:r>
+            <a:endParaRPr lang="en-US" altLang="ja-JP" sz="2400" dirty="0" smtClean="0"/>
+          </a:p>
+          <a:p>
+            <a:pPr marL="685800" lvl="2">
+              <a:spcBef>
+                <a:spcPts val="1000"/>
+              </a:spcBef>
+            </a:pPr>
+            <a:r>
+              <a:rPr lang="ja-JP" altLang="en-US" sz="2400" dirty="0" smtClean="0"/>
+              <a:t>提案ツールによって、開発者</a:t>
+            </a:r>
+            <a:r>
+              <a:rPr lang="ja-JP" altLang="en-US" sz="2400" dirty="0" smtClean="0"/>
+              <a:t>の高品質なテストコードの作成を支援</a:t>
+            </a:r>
+            <a:endParaRPr lang="en-US" altLang="ja-JP" sz="2400" dirty="0" smtClean="0"/>
+          </a:p>
+          <a:p>
+            <a:pPr marL="228600" lvl="1">
+              <a:spcBef>
+                <a:spcPts val="1000"/>
+              </a:spcBef>
+            </a:pPr>
+            <a:endParaRPr lang="en-US" altLang="ja-JP" sz="100" dirty="0"/>
+          </a:p>
+          <a:p>
+            <a:pPr marL="228600" lvl="1">
+              <a:spcBef>
+                <a:spcPts val="1000"/>
+              </a:spcBef>
+            </a:pPr>
+            <a:r>
+              <a:rPr lang="ja-JP" altLang="en-US" sz="2800" b="1" dirty="0" smtClean="0"/>
+              <a:t>今後の課題</a:t>
+            </a:r>
+            <a:endParaRPr lang="en-US" altLang="ja-JP" sz="2800" b="1" dirty="0" smtClean="0"/>
+          </a:p>
+          <a:p>
+            <a:pPr marL="685800" lvl="2">
+              <a:spcBef>
+                <a:spcPts val="1000"/>
+              </a:spcBef>
+            </a:pPr>
+            <a:r>
+              <a:rPr lang="ja-JP" altLang="en-US" sz="2400" dirty="0" smtClean="0"/>
+              <a:t>より実用的な利用に備えてツールを改善する必要がある</a:t>
+            </a:r>
+            <a:endParaRPr lang="en-US" altLang="ja-JP" sz="2400" dirty="0" smtClean="0"/>
+          </a:p>
+          <a:p>
+            <a:pPr marL="685800" lvl="2">
+              <a:spcBef>
+                <a:spcPts val="1000"/>
+              </a:spcBef>
+            </a:pPr>
+            <a:r>
+              <a:rPr lang="ja-JP" altLang="en-US" sz="2400" dirty="0" smtClean="0"/>
+              <a:t>被験者数を増やした更なる実験が必要である</a:t>
+            </a:r>
+            <a:endParaRPr lang="en-US" altLang="ja-JP" sz="2400" dirty="0" smtClean="0"/>
+          </a:p>
+        </p:txBody>
+      </p:sp>
+    </p:spTree>
+    <p:extLst>
+      <p:ext uri="{BB962C8B-B14F-4D97-AF65-F5344CB8AC3E}">
+        <p14:creationId xmlns:p14="http://schemas.microsoft.com/office/powerpoint/2010/main" val="69280329"/>
+      </p:ext>
+    </p:extLst>
+  </p:cSld>
+  <p:clrMapOvr>
+    <a:masterClrMapping/>
+  </p:clrMapOvr>
+  <mc:AlternateContent xmlns:mc="http://schemas.openxmlformats.org/markup-compatibility/2006">
+    <mc:Choice xmlns:p14="http://schemas.microsoft.com/office/powerpoint/2010/main" Requires="p14">
+      <p:transition spd="slow" p14:dur="2000"/>
+    </mc:Choice>
+    <mc:Fallback>
+      <p:transition spd="slow"/>
+    </mc:Fallback>
+  </mc:AlternateContent>
   <p:timing>
     <p:tnLst>
       <p:par>

--- a/presentation_kurachi.pptx
+++ b/presentation_kurachi.pptx
@@ -5042,14 +5042,12 @@
           <a:lstStyle/>
           <a:p>
             <a:r>
-              <a:rPr kumimoji="1" lang="en-US" altLang="ja-JP" dirty="0" smtClean="0"/>
-              <a:t>0:12</a:t>
-            </a:r>
-          </a:p>
-          <a:p>
-            <a:r>
               <a:rPr kumimoji="1" lang="ja-JP" altLang="en-US" dirty="0" smtClean="0"/>
-              <a:t>ソースコードの類似性に基づいたテストコード自動生成ツール</a:t>
+              <a:t>ソースコード</a:t>
+            </a:r>
+            <a:r>
+              <a:rPr kumimoji="1" lang="ja-JP" altLang="en-US" dirty="0" smtClean="0"/>
+              <a:t>の類似性に基づいたテストコード自動生成ツール</a:t>
             </a:r>
             <a:r>
               <a:rPr kumimoji="1" lang="en-US" altLang="ja-JP" dirty="0" err="1" smtClean="0"/>
@@ -7931,31 +7929,12 @@
               <a:defRPr/>
             </a:pPr>
             <a:r>
-              <a:rPr kumimoji="1" lang="en-US" altLang="ja-JP" dirty="0" smtClean="0"/>
-              <a:t>0:56</a:t>
-            </a:r>
-          </a:p>
-          <a:p>
-            <a:pPr marL="0" marR="0" indent="0" algn="l" defTabSz="914400" rtl="0" eaLnBrk="1" fontAlgn="auto" latinLnBrk="0" hangingPunct="1">
-              <a:lnSpc>
-                <a:spcPct val="100000"/>
-              </a:lnSpc>
-              <a:spcBef>
-                <a:spcPts val="0"/>
-              </a:spcBef>
-              <a:spcAft>
-                <a:spcPts val="0"/>
-              </a:spcAft>
-              <a:buClrTx/>
-              <a:buSzTx/>
-              <a:buFontTx/>
-              <a:buNone/>
-              <a:tabLst/>
-              <a:defRPr/>
-            </a:pPr>
-            <a:r>
               <a:rPr kumimoji="1" lang="ja-JP" altLang="en-US" dirty="0" smtClean="0"/>
-              <a:t>まず、研究背景であるソフトウェアテストからです。</a:t>
+              <a:t>まず</a:t>
+            </a:r>
+            <a:r>
+              <a:rPr kumimoji="1" lang="ja-JP" altLang="en-US" dirty="0" smtClean="0"/>
+              <a:t>、研究背景であるソフトウェアテストからです。</a:t>
             </a:r>
             <a:endParaRPr kumimoji="1" lang="en-US" altLang="ja-JP" dirty="0" smtClean="0"/>
           </a:p>
@@ -10385,14 +10364,12 @@
           <a:lstStyle/>
           <a:p>
             <a:r>
-              <a:rPr kumimoji="1" lang="en-US" altLang="ja-JP" dirty="0" smtClean="0"/>
-              <a:t>1:25</a:t>
-            </a:r>
-          </a:p>
-          <a:p>
-            <a:r>
               <a:rPr kumimoji="1" lang="ja-JP" altLang="en-US" dirty="0" smtClean="0"/>
-              <a:t>そのため、テスト工程を支援するために、現在までにこのように様々なテストコード自動生成ツールが提案されてきました。</a:t>
+              <a:t>その</a:t>
+            </a:r>
+            <a:r>
+              <a:rPr kumimoji="1" lang="ja-JP" altLang="en-US" dirty="0" smtClean="0"/>
+              <a:t>ため、テスト工程を支援するために、現在までにこのように様々なテストコード自動生成ツールが提案されてきました。</a:t>
             </a:r>
             <a:endParaRPr kumimoji="1" lang="en-US" altLang="ja-JP" dirty="0" smtClean="0"/>
           </a:p>
@@ -11199,14 +11176,12 @@
           <a:lstStyle/>
           <a:p>
             <a:r>
-              <a:rPr kumimoji="1" lang="en-US" altLang="ja-JP" dirty="0" smtClean="0"/>
-              <a:t>2:13</a:t>
-            </a:r>
-          </a:p>
-          <a:p>
-            <a:r>
               <a:rPr kumimoji="1" lang="ja-JP" altLang="en-US" dirty="0" smtClean="0"/>
-              <a:t>次に課題です。</a:t>
+              <a:t>次</a:t>
+            </a:r>
+            <a:r>
+              <a:rPr kumimoji="1" lang="ja-JP" altLang="en-US" dirty="0" smtClean="0"/>
+              <a:t>に課題です。</a:t>
             </a:r>
             <a:endParaRPr kumimoji="1" lang="en-US" altLang="ja-JP" dirty="0" smtClean="0"/>
           </a:p>
@@ -11376,14 +11351,12 @@
           <a:lstStyle/>
           <a:p>
             <a:r>
-              <a:rPr kumimoji="1" lang="en-US" altLang="ja-JP" dirty="0" smtClean="0"/>
-              <a:t>3:00</a:t>
-            </a:r>
-          </a:p>
-          <a:p>
-            <a:r>
               <a:rPr kumimoji="1" lang="ja-JP" altLang="en-US" dirty="0" smtClean="0"/>
-              <a:t>そこで，本研究では，</a:t>
+              <a:t>そこ</a:t>
+            </a:r>
+            <a:r>
+              <a:rPr kumimoji="1" lang="ja-JP" altLang="en-US" dirty="0" smtClean="0"/>
+              <a:t>で，本研究では，</a:t>
             </a:r>
             <a:r>
               <a:rPr kumimoji="1" lang="en-US" altLang="ja-JP" dirty="0" smtClean="0"/>
@@ -11587,14 +11560,12 @@
           <a:lstStyle/>
           <a:p>
             <a:r>
-              <a:rPr kumimoji="1" lang="en-US" altLang="ja-JP" dirty="0" smtClean="0"/>
-              <a:t>4:02</a:t>
-            </a:r>
-          </a:p>
-          <a:p>
-            <a:r>
               <a:rPr kumimoji="1" lang="ja-JP" altLang="en-US" dirty="0" smtClean="0"/>
-              <a:t>こちらが</a:t>
+              <a:t>こちら</a:t>
+            </a:r>
+            <a:r>
+              <a:rPr kumimoji="1" lang="ja-JP" altLang="en-US" dirty="0" smtClean="0"/>
+              <a:t>が</a:t>
             </a:r>
             <a:r>
               <a:rPr kumimoji="1" lang="en-US" altLang="ja-JP" dirty="0" err="1" smtClean="0"/>
@@ -11906,12 +11877,6 @@
         <p:txBody>
           <a:bodyPr/>
           <a:lstStyle/>
-          <a:p>
-            <a:r>
-              <a:rPr kumimoji="1" lang="en-US" altLang="ja-JP" dirty="0" smtClean="0"/>
-              <a:t>4:49</a:t>
-            </a:r>
-          </a:p>
           <a:p>
             <a:r>
               <a:rPr kumimoji="1" lang="en-US" altLang="ja-JP" dirty="0" smtClean="0"/>
@@ -23990,8 +23955,8 @@
         </p:nvSpPr>
         <p:spPr bwMode="auto">
           <a:xfrm>
-            <a:off x="881899" y="6231135"/>
-            <a:ext cx="10373930" cy="311179"/>
+            <a:off x="909035" y="6194190"/>
+            <a:ext cx="10373930" cy="307777"/>
           </a:xfrm>
           <a:prstGeom prst="rect">
             <a:avLst/>
@@ -24030,71 +23995,79 @@
                   <a:schemeClr val="tx2"/>
                 </a:solidFill>
               </a:rPr>
-              <a:t>[1] M. </a:t>
-            </a:r>
-            <a:r>
-              <a:rPr lang="en-US" altLang="ja-JP" sz="1400" dirty="0" err="1" smtClean="0">
+              <a:t>[1] </a:t>
+            </a:r>
+            <a:r>
+              <a:rPr lang="en-US" altLang="ja-JP" sz="1400" dirty="0" smtClean="0">
                 <a:solidFill>
                   <a:schemeClr val="tx2"/>
                 </a:solidFill>
               </a:rPr>
+              <a:t>M</a:t>
+            </a:r>
+            <a:r>
+              <a:rPr lang="en-US" altLang="ja-JP" sz="1400" dirty="0">
+                <a:solidFill>
+                  <a:schemeClr val="tx2"/>
+                </a:solidFill>
+              </a:rPr>
+              <a:t>. </a:t>
+            </a:r>
+            <a:r>
+              <a:rPr lang="en-US" altLang="ja-JP" sz="1400" dirty="0" err="1">
+                <a:solidFill>
+                  <a:schemeClr val="tx2"/>
+                </a:solidFill>
+              </a:rPr>
               <a:t>Ellims</a:t>
             </a:r>
             <a:r>
+              <a:rPr lang="en-US" altLang="ja-JP" sz="1400" dirty="0">
+                <a:solidFill>
+                  <a:schemeClr val="tx2"/>
+                </a:solidFill>
+              </a:rPr>
+              <a:t>, J. Bridges, and D. C. </a:t>
+            </a:r>
+            <a:r>
+              <a:rPr lang="en-US" altLang="ja-JP" sz="1400" dirty="0" err="1">
+                <a:solidFill>
+                  <a:schemeClr val="tx2"/>
+                </a:solidFill>
+              </a:rPr>
+              <a:t>Ince</a:t>
+            </a:r>
+            <a:r>
+              <a:rPr lang="en-US" altLang="ja-JP" sz="1400" dirty="0">
+                <a:solidFill>
+                  <a:schemeClr val="tx2"/>
+                </a:solidFill>
+              </a:rPr>
+              <a:t>. The economics of unit testing. </a:t>
+            </a:r>
+            <a:r>
+              <a:rPr lang="en-US" altLang="ja-JP" sz="1400" i="1" dirty="0">
+                <a:solidFill>
+                  <a:schemeClr val="tx2"/>
+                </a:solidFill>
+              </a:rPr>
+              <a:t>Empirical Software Engineering</a:t>
+            </a:r>
+            <a:r>
+              <a:rPr lang="en-US" altLang="ja-JP" sz="1400" dirty="0">
+                <a:solidFill>
+                  <a:schemeClr val="tx2"/>
+                </a:solidFill>
+              </a:rPr>
+              <a:t>, 11(1):5–31, 2006</a:t>
+            </a:r>
+            <a:r>
               <a:rPr lang="en-US" altLang="ja-JP" sz="1400" dirty="0" smtClean="0">
                 <a:solidFill>
                   <a:schemeClr val="tx2"/>
                 </a:solidFill>
               </a:rPr>
-              <a:t> </a:t>
-            </a:r>
-            <a:r>
-              <a:rPr lang="en-US" altLang="ja-JP" sz="1400" dirty="0">
-                <a:solidFill>
-                  <a:schemeClr val="tx2"/>
-                </a:solidFill>
-              </a:rPr>
-              <a:t>and </a:t>
-            </a:r>
-            <a:r>
-              <a:rPr lang="en-US" altLang="ja-JP" sz="1400" dirty="0" smtClean="0">
-                <a:solidFill>
-                  <a:schemeClr val="tx2"/>
-                </a:solidFill>
-              </a:rPr>
-              <a:t>J. Bridges and D. C. </a:t>
-            </a:r>
-            <a:r>
-              <a:rPr lang="en-US" altLang="ja-JP" sz="1400" dirty="0" err="1" smtClean="0">
-                <a:solidFill>
-                  <a:schemeClr val="tx2"/>
-                </a:solidFill>
-              </a:rPr>
-              <a:t>Ince</a:t>
-            </a:r>
-            <a:r>
-              <a:rPr lang="en-US" altLang="ja-JP" sz="1400" dirty="0" smtClean="0">
-                <a:solidFill>
-                  <a:schemeClr val="tx2"/>
-                </a:solidFill>
-              </a:rPr>
-              <a:t>. </a:t>
-            </a:r>
-            <a:r>
-              <a:rPr lang="en-US" altLang="ja-JP" sz="1400" dirty="0">
-                <a:solidFill>
-                  <a:schemeClr val="tx2"/>
-                </a:solidFill>
-              </a:rPr>
-              <a:t>The Economics of Unit Testing. Empirical Software Engineering</a:t>
-            </a:r>
-            <a:r>
-              <a:rPr lang="en-US" altLang="ja-JP" sz="1400" dirty="0" smtClean="0">
-                <a:solidFill>
-                  <a:schemeClr val="tx2"/>
-                </a:solidFill>
-              </a:rPr>
-              <a:t>, 11(1):5-31, 2006.</a:t>
+              <a:t>.</a:t>
             </a:r>
             <a:endParaRPr lang="en-US" altLang="ja-JP" sz="1400" dirty="0">
               <a:solidFill>
@@ -37597,7 +37570,7 @@
         </p:nvSpPr>
         <p:spPr bwMode="auto">
           <a:xfrm>
-            <a:off x="1130060" y="5894685"/>
+            <a:off x="1043518" y="5981522"/>
             <a:ext cx="10078064" cy="461665"/>
           </a:xfrm>
           <a:prstGeom prst="rect">
@@ -37637,7 +37610,15 @@
                   <a:schemeClr val="tx2"/>
                 </a:solidFill>
               </a:rPr>
-              <a:t>[2] S</a:t>
+              <a:t>[2] </a:t>
+            </a:r>
+            <a:r>
+              <a:rPr lang="en-US" altLang="ja-JP" sz="1200" dirty="0" smtClean="0">
+                <a:solidFill>
+                  <a:schemeClr val="tx2"/>
+                </a:solidFill>
+              </a:rPr>
+              <a:t>S</a:t>
             </a:r>
             <a:r>
               <a:rPr lang="en-US" altLang="ja-JP" sz="1200" dirty="0">
@@ -37677,15 +37658,23 @@
                   <a:schemeClr val="tx2"/>
                 </a:solidFill>
               </a:rPr>
-              <a:t>, N. Walkinshaw, and G. Fraser. How do automatically generated unit tests inﬂuence software maintenance? In Proceedings of the International Conference on Software Testing, Veriﬁcation and Validation (ICST), pages 250–261, 2018</a:t>
-            </a:r>
-            <a:r>
-              <a:rPr lang="en-US" altLang="ja-JP" sz="1200" dirty="0" smtClean="0">
+              <a:t>, N. Walkinshaw, and G. Fraser. How do automatically generated unit tests inﬂuence software maintenance? In </a:t>
+            </a:r>
+            <a:r>
+              <a:rPr lang="en-US" altLang="ja-JP" sz="1200" i="1" dirty="0">
                 <a:solidFill>
                   <a:schemeClr val="tx2"/>
                 </a:solidFill>
               </a:rPr>
-              <a:t>.</a:t>
+              <a:t>Proceedings of the International Conference on Software Testing, Veriﬁcation and Validation (ICST)</a:t>
+            </a:r>
+            <a:r>
+              <a:rPr lang="en-US" altLang="ja-JP" sz="1200" dirty="0">
+                <a:solidFill>
+                  <a:schemeClr val="tx2"/>
+                </a:solidFill>
+              </a:rPr>
+              <a:t>, pages 250–261, 2018..</a:t>
             </a:r>
             <a:endParaRPr lang="en-US" altLang="ja-JP" sz="1200" dirty="0">
               <a:solidFill>
@@ -43688,8 +43677,8 @@
         </p:nvSpPr>
         <p:spPr bwMode="auto">
           <a:xfrm>
-            <a:off x="1361431" y="6203267"/>
-            <a:ext cx="9824743" cy="461665"/>
+            <a:off x="961463" y="6203267"/>
+            <a:ext cx="10082424" cy="461665"/>
           </a:xfrm>
           <a:prstGeom prst="rect">
             <a:avLst/>
@@ -43731,12 +43720,12 @@
               <a:t>[3] </a:t>
             </a:r>
             <a:r>
-              <a:rPr lang="en-US" altLang="ja-JP" sz="1200" dirty="0" err="1" smtClean="0">
+              <a:rPr lang="en-US" altLang="ja-JP" sz="1200" dirty="0" smtClean="0">
                 <a:solidFill>
                   <a:schemeClr val="tx2"/>
                 </a:solidFill>
               </a:rPr>
-              <a:t>Chanchal</a:t>
+              <a:t>C</a:t>
             </a:r>
             <a:r>
               <a:rPr lang="en-US" altLang="ja-JP" sz="1200" dirty="0">
@@ -43744,8 +43733,61 @@
                   <a:schemeClr val="tx2"/>
                 </a:solidFill>
               </a:rPr>
-              <a:t>, K. R. and James, R. C.: NICAD: Accurate Detection of Near-Miss Intentional Clones Using Flexible Pretty-Printing and Code Normalization, Proc. of ICPC 2008, pp. 172–181 (2008).</a:t>
-            </a:r>
+              <a:t>. K. Roy and J. R. </a:t>
+            </a:r>
+            <a:r>
+              <a:rPr lang="en-US" altLang="ja-JP" sz="1200" dirty="0" err="1">
+                <a:solidFill>
+                  <a:schemeClr val="tx2"/>
+                </a:solidFill>
+              </a:rPr>
+              <a:t>Cordy</a:t>
+            </a:r>
+            <a:r>
+              <a:rPr lang="en-US" altLang="ja-JP" sz="1200" dirty="0">
+                <a:solidFill>
+                  <a:schemeClr val="tx2"/>
+                </a:solidFill>
+              </a:rPr>
+              <a:t>. </a:t>
+            </a:r>
+            <a:r>
+              <a:rPr lang="en-US" altLang="ja-JP" sz="1200" dirty="0" err="1">
+                <a:solidFill>
+                  <a:schemeClr val="tx2"/>
+                </a:solidFill>
+              </a:rPr>
+              <a:t>Nicad</a:t>
+            </a:r>
+            <a:r>
+              <a:rPr lang="en-US" altLang="ja-JP" sz="1200" dirty="0">
+                <a:solidFill>
+                  <a:schemeClr val="tx2"/>
+                </a:solidFill>
+              </a:rPr>
+              <a:t>: Accurate detection of near-miss intentional clones using ﬂexible pretty-printing and code normalization. In </a:t>
+            </a:r>
+            <a:r>
+              <a:rPr lang="en-US" altLang="ja-JP" sz="1200" i="1" dirty="0">
+                <a:solidFill>
+                  <a:schemeClr val="tx2"/>
+                </a:solidFill>
+              </a:rPr>
+              <a:t>Proceedings of the International Conference on Program Comprehension (ICPC)</a:t>
+            </a:r>
+            <a:r>
+              <a:rPr lang="en-US" altLang="ja-JP" sz="1200" dirty="0">
+                <a:solidFill>
+                  <a:schemeClr val="tx2"/>
+                </a:solidFill>
+              </a:rPr>
+              <a:t>, pages 172–181, 2008. </a:t>
+            </a:r>
+            <a:endParaRPr lang="en-US" altLang="ja-JP" sz="1200" dirty="0">
+              <a:solidFill>
+                <a:schemeClr val="tx2"/>
+              </a:solidFill>
+            </a:endParaRPr>
           </a:p>
         </p:txBody>
       </p:sp>
@@ -44944,8 +44986,8 @@
         </p:nvSpPr>
         <p:spPr bwMode="auto">
           <a:xfrm>
-            <a:off x="933824" y="6081496"/>
-            <a:ext cx="10409518" cy="553998"/>
+            <a:off x="925969" y="6126458"/>
+            <a:ext cx="10436140" cy="553998"/>
           </a:xfrm>
           <a:prstGeom prst="rect">
             <a:avLst/>
@@ -44984,7 +45026,39 @@
                   <a:schemeClr val="tx2"/>
                 </a:solidFill>
               </a:rPr>
-              <a:t>[4] A. </a:t>
+              <a:t>[</a:t>
+            </a:r>
+            <a:r>
+              <a:rPr lang="en-US" altLang="ja-JP" sz="1000" dirty="0" smtClean="0">
+                <a:solidFill>
+                  <a:schemeClr val="tx2"/>
+                </a:solidFill>
+              </a:rPr>
+              <a:t>4]</a:t>
+            </a:r>
+            <a:r>
+              <a:rPr lang="ja-JP" altLang="en-US" sz="1000" dirty="0" smtClean="0">
+                <a:solidFill>
+                  <a:schemeClr val="tx2"/>
+                </a:solidFill>
+              </a:rPr>
+              <a:t> </a:t>
+            </a:r>
+            <a:r>
+              <a:rPr lang="en-US" altLang="ja-JP" sz="1000" dirty="0" smtClean="0">
+                <a:solidFill>
+                  <a:schemeClr val="tx2"/>
+                </a:solidFill>
+              </a:rPr>
+              <a:t>A</a:t>
+            </a:r>
+            <a:r>
+              <a:rPr lang="en-US" altLang="ja-JP" sz="1000" dirty="0">
+                <a:solidFill>
+                  <a:schemeClr val="tx2"/>
+                </a:solidFill>
+              </a:rPr>
+              <a:t>. </a:t>
             </a:r>
             <a:r>
               <a:rPr lang="en-US" altLang="ja-JP" sz="1000" dirty="0" err="1">
@@ -45034,6 +45108,11 @@
               </a:rPr>
               <a:t>. Refactoring test code. Technical report, 2001.</a:t>
             </a:r>
+            <a:endParaRPr lang="en-US" altLang="ja-JP" sz="1000" dirty="0">
+              <a:solidFill>
+                <a:schemeClr val="tx2"/>
+              </a:solidFill>
+            </a:endParaRPr>
           </a:p>
           <a:p>
             <a:pPr>
@@ -45045,18 +45124,26 @@
                   <a:schemeClr val="tx2"/>
                 </a:solidFill>
               </a:rPr>
-              <a:t>[5] A. </a:t>
-            </a:r>
-            <a:r>
-              <a:rPr lang="en-US" altLang="ja-JP" sz="1000" dirty="0" err="1" smtClean="0">
+              <a:t>[5] </a:t>
+            </a:r>
+            <a:r>
+              <a:rPr lang="en-US" altLang="ja-JP" sz="1000" dirty="0">
                 <a:solidFill>
                   <a:schemeClr val="tx2"/>
                 </a:solidFill>
               </a:rPr>
+              <a:t>A. </a:t>
+            </a:r>
+            <a:r>
+              <a:rPr lang="en-US" altLang="ja-JP" sz="1000" dirty="0" err="1">
+                <a:solidFill>
+                  <a:schemeClr val="tx2"/>
+                </a:solidFill>
+              </a:rPr>
               <a:t>Peruma</a:t>
             </a:r>
             <a:r>
-              <a:rPr lang="en-US" altLang="ja-JP" sz="1000" dirty="0" smtClean="0">
+              <a:rPr lang="en-US" altLang="ja-JP" sz="1000" dirty="0">
                 <a:solidFill>
                   <a:schemeClr val="tx2"/>
                 </a:solidFill>
@@ -45064,7 +45151,7 @@
               <a:t>, K. </a:t>
             </a:r>
             <a:r>
-              <a:rPr lang="en-US" altLang="ja-JP" sz="1000" dirty="0" err="1" smtClean="0">
+              <a:rPr lang="en-US" altLang="ja-JP" sz="1000" dirty="0" err="1">
                 <a:solidFill>
                   <a:schemeClr val="tx2"/>
                 </a:solidFill>
@@ -45072,7 +45159,7 @@
               <a:t>Almalki</a:t>
             </a:r>
             <a:r>
-              <a:rPr lang="en-US" altLang="ja-JP" sz="1000" dirty="0" smtClean="0">
+              <a:rPr lang="en-US" altLang="ja-JP" sz="1000" dirty="0">
                 <a:solidFill>
                   <a:schemeClr val="tx2"/>
                 </a:solidFill>
@@ -45080,23 +45167,23 @@
               <a:t>, C. D. Newman, M. W. </a:t>
             </a:r>
             <a:r>
-              <a:rPr lang="en-US" altLang="ja-JP" sz="1000" dirty="0" err="1" smtClean="0">
+              <a:rPr lang="en-US" altLang="ja-JP" sz="1000" dirty="0" err="1">
                 <a:solidFill>
                   <a:schemeClr val="tx2"/>
                 </a:solidFill>
               </a:rPr>
-              <a:t>Mkaouer,A</a:t>
-            </a:r>
-            <a:r>
-              <a:rPr lang="en-US" altLang="ja-JP" sz="1000" dirty="0" smtClean="0">
+              <a:t>Mkaouer</a:t>
+            </a:r>
+            <a:r>
+              <a:rPr lang="en-US" altLang="ja-JP" sz="1000" dirty="0">
                 <a:solidFill>
                   <a:schemeClr val="tx2"/>
                 </a:solidFill>
               </a:rPr>
-              <a:t>. </a:t>
-            </a:r>
-            <a:r>
-              <a:rPr lang="en-US" altLang="ja-JP" sz="1000" dirty="0" err="1" smtClean="0">
+              <a:t>, A. </a:t>
+            </a:r>
+            <a:r>
+              <a:rPr lang="en-US" altLang="ja-JP" sz="1000" dirty="0" err="1">
                 <a:solidFill>
                   <a:schemeClr val="tx2"/>
                 </a:solidFill>
@@ -45104,15 +45191,15 @@
               <a:t>Ouni</a:t>
             </a:r>
             <a:r>
-              <a:rPr lang="en-US" altLang="ja-JP" sz="1000" dirty="0" smtClean="0">
+              <a:rPr lang="en-US" altLang="ja-JP" sz="1000" dirty="0">
                 <a:solidFill>
                   <a:schemeClr val="tx2"/>
                 </a:solidFill>
               </a:rPr>
-              <a:t> and F. </a:t>
-            </a:r>
-            <a:r>
-              <a:rPr lang="en-US" altLang="ja-JP" sz="1000" dirty="0" err="1" smtClean="0">
+              <a:t>, and F. </a:t>
+            </a:r>
+            <a:r>
+              <a:rPr lang="en-US" altLang="ja-JP" sz="1000" dirty="0" err="1">
                 <a:solidFill>
                   <a:schemeClr val="tx2"/>
                 </a:solidFill>
@@ -45120,44 +45207,36 @@
               <a:t>Palomba</a:t>
             </a:r>
             <a:r>
-              <a:rPr lang="en-US" altLang="ja-JP" sz="1000" dirty="0" smtClean="0">
+              <a:rPr lang="en-US" altLang="ja-JP" sz="1000" dirty="0">
                 <a:solidFill>
                   <a:schemeClr val="tx2"/>
                 </a:solidFill>
               </a:rPr>
-              <a:t>: “On the distribution of test smells </a:t>
-            </a:r>
-            <a:r>
-              <a:rPr lang="en-US" altLang="ja-JP" sz="1000" dirty="0" err="1" smtClean="0">
+              <a:t>. On the distribution of test smells in open source android applications: An exploratory study. In </a:t>
+            </a:r>
+            <a:r>
+              <a:rPr lang="en-US" altLang="ja-JP" sz="1000" i="1" dirty="0" smtClean="0">
                 <a:solidFill>
                   <a:schemeClr val="tx2"/>
                 </a:solidFill>
               </a:rPr>
-              <a:t>inopen</a:t>
-            </a:r>
-            <a:r>
-              <a:rPr lang="en-US" altLang="ja-JP" sz="1000" dirty="0" smtClean="0">
+              <a:t>Proceedings </a:t>
+            </a:r>
+            <a:r>
+              <a:rPr lang="en-US" altLang="ja-JP" sz="1000" i="1" dirty="0">
                 <a:solidFill>
                   <a:schemeClr val="tx2"/>
                 </a:solidFill>
               </a:rPr>
-              <a:t> source android applications: An exploratory study”, </a:t>
-            </a:r>
-            <a:r>
-              <a:rPr lang="en-US" altLang="ja-JP" sz="1000" dirty="0" err="1" smtClean="0">
+              <a:t>of the International Conference on Computer Science and Software Engineering (CASCON)</a:t>
+            </a:r>
+            <a:r>
+              <a:rPr lang="en-US" altLang="ja-JP" sz="1000" dirty="0">
                 <a:solidFill>
                   <a:schemeClr val="tx2"/>
                 </a:solidFill>
               </a:rPr>
-              <a:t>Pro.of</a:t>
-            </a:r>
-            <a:r>
-              <a:rPr lang="en-US" altLang="ja-JP" sz="1000" dirty="0" smtClean="0">
-                <a:solidFill>
-                  <a:schemeClr val="tx2"/>
-                </a:solidFill>
-              </a:rPr>
-              <a:t> CASCON, pp. 193–202 (2019).</a:t>
+              <a:t>, pages 193–202, 2019.</a:t>
             </a:r>
             <a:endParaRPr lang="en-US" altLang="ja-JP" sz="1000" dirty="0">
               <a:solidFill>

--- a/presentation_kurachi.pptx
+++ b/presentation_kurachi.pptx
@@ -5940,6 +5940,23 @@
           <a:bodyPr/>
           <a:lstStyle/>
           <a:p>
+            <a:pPr marL="0" marR="0" indent="0" algn="l" defTabSz="914400" rtl="0" eaLnBrk="1" fontAlgn="auto" latinLnBrk="0" hangingPunct="1">
+              <a:lnSpc>
+                <a:spcPct val="100000"/>
+              </a:lnSpc>
+              <a:spcBef>
+                <a:spcPts val="0"/>
+              </a:spcBef>
+              <a:spcAft>
+                <a:spcPts val="0"/>
+              </a:spcAft>
+              <a:buClrTx/>
+              <a:buSzTx/>
+              <a:buFontTx/>
+              <a:buNone/>
+              <a:tabLst/>
+              <a:defRPr/>
+            </a:pPr>
             <a:r>
               <a:rPr kumimoji="1" lang="ja-JP" altLang="en-US" dirty="0" smtClean="0"/>
               <a:t>評価実験</a:t>
@@ -5950,19 +5967,23 @@
             </a:r>
             <a:r>
               <a:rPr kumimoji="1" lang="ja-JP" altLang="en-US" dirty="0" smtClean="0"/>
-              <a:t>では、</a:t>
-            </a:r>
-            <a:r>
-              <a:rPr kumimoji="1" lang="en-US" altLang="ja-JP" b="1" dirty="0" err="1" smtClean="0"/>
-              <a:t>SuiteRec</a:t>
-            </a:r>
-            <a:r>
-              <a:rPr kumimoji="1" lang="ja-JP" altLang="en-US" b="1" dirty="0" smtClean="0"/>
-              <a:t>が開発者の</a:t>
+              <a:t>では</a:t>
+            </a:r>
+            <a:r>
+              <a:rPr kumimoji="1" lang="ja-JP" altLang="en-US" dirty="0" smtClean="0"/>
+              <a:t>、</a:t>
+            </a:r>
+            <a:r>
+              <a:rPr lang="ja-JP" altLang="en-US" dirty="0" smtClean="0"/>
+              <a:t>テストコードの作成支援に関する実験ということで</a:t>
             </a:r>
             <a:r>
               <a:rPr lang="ja-JP" altLang="en-US" sz="1200" b="1" dirty="0" smtClean="0"/>
-              <a:t>テストコード作成をどの程度支援できるかを評価するために被験者実験を行いました。</a:t>
+              <a:t>被験者</a:t>
+            </a:r>
+            <a:r>
+              <a:rPr lang="ja-JP" altLang="en-US" sz="1200" b="1" dirty="0" smtClean="0"/>
+              <a:t>実験を行いました。</a:t>
             </a:r>
             <a:endParaRPr lang="en-US" altLang="ja-JP" sz="1200" b="1" dirty="0" smtClean="0"/>
           </a:p>
@@ -11200,6 +11221,16 @@
           <a:p>
             <a:r>
               <a:rPr kumimoji="1" lang="ja-JP" altLang="en-US" dirty="0" smtClean="0"/>
+              <a:t>この主な原因として</a:t>
+            </a:r>
+            <a:endParaRPr kumimoji="1" lang="en-US" altLang="ja-JP" dirty="0" smtClean="0"/>
+          </a:p>
+          <a:p>
+            <a:endParaRPr kumimoji="1" lang="en-US" altLang="ja-JP" dirty="0" smtClean="0"/>
+          </a:p>
+          <a:p>
+            <a:r>
+              <a:rPr kumimoji="1" lang="ja-JP" altLang="en-US" dirty="0" smtClean="0"/>
               <a:t>自動生成されたテストコードは、テスト対象コードの作成経緯や意図に基づいて生成されていないので開発者にとって理解しにくいということや</a:t>
             </a:r>
             <a:endParaRPr kumimoji="1" lang="en-US" altLang="ja-JP" dirty="0" smtClean="0"/>
@@ -11210,7 +11241,15 @@
           <a:p>
             <a:r>
               <a:rPr kumimoji="1" lang="ja-JP" altLang="en-US" dirty="0" smtClean="0"/>
-              <a:t>自動生成されたテストコードは、</a:t>
+              <a:t>自動生成された</a:t>
+            </a:r>
+            <a:r>
+              <a:rPr kumimoji="1" lang="ja-JP" altLang="en-US" dirty="0" smtClean="0"/>
+              <a:t>テストコードには</a:t>
+            </a:r>
+            <a:r>
+              <a:rPr kumimoji="1" lang="ja-JP" altLang="en-US" dirty="0" smtClean="0"/>
+              <a:t>、</a:t>
             </a:r>
             <a:r>
               <a:rPr kumimoji="1" lang="ja-JP" altLang="en-US" sz="1200" b="1" dirty="0" smtClean="0"/>
@@ -11412,7 +11451,15 @@
             </a:r>
             <a:r>
               <a:rPr kumimoji="1" lang="ja-JP" altLang="en-US" b="1" dirty="0" smtClean="0"/>
-              <a:t>では推薦されるテストコードのテストスメルを検出することで、より品質が高いテストコードを推薦します。</a:t>
+              <a:t>では推薦されるテストコードのテストスメルを</a:t>
+            </a:r>
+            <a:r>
+              <a:rPr kumimoji="1" lang="ja-JP" altLang="en-US" b="1" dirty="0" smtClean="0"/>
+              <a:t>検出し、</a:t>
+            </a:r>
+            <a:r>
+              <a:rPr kumimoji="1" lang="ja-JP" altLang="en-US" b="1" dirty="0" smtClean="0"/>
+              <a:t>より品質が高いテストコードを推薦します。</a:t>
             </a:r>
             <a:endParaRPr kumimoji="1" lang="en-US" altLang="ja-JP" b="1" dirty="0" smtClean="0"/>
           </a:p>
@@ -11420,6 +11467,10 @@
             <a:endParaRPr kumimoji="1" lang="en-US" altLang="ja-JP" dirty="0" smtClean="0"/>
           </a:p>
           <a:p>
+            <a:r>
+              <a:rPr kumimoji="1" lang="ja-JP" altLang="en-US" dirty="0" smtClean="0"/>
+              <a:t>で、</a:t>
+            </a:r>
             <a:r>
               <a:rPr kumimoji="1" lang="en-US" altLang="ja-JP" dirty="0" err="1" smtClean="0"/>
               <a:t>SuiteRec</a:t>
@@ -19193,9 +19244,16 @@
             <p:ph type="title"/>
           </p:nvPr>
         </p:nvSpPr>
-        <p:spPr/>
+        <p:spPr>
+          <a:xfrm>
+            <a:off x="221599" y="219428"/>
+            <a:ext cx="2207566" cy="729386"/>
+          </a:xfrm>
+        </p:spPr>
         <p:txBody>
-          <a:bodyPr/>
+          <a:bodyPr>
+            <a:normAutofit/>
+          </a:bodyPr>
           <a:lstStyle/>
           <a:p>
             <a:r>

--- a/presentation_kurachi.pptx
+++ b/presentation_kurachi.pptx
@@ -6910,24 +6910,6 @@
             <a:endParaRPr kumimoji="1" lang="en-US" altLang="ja-JP" dirty="0" smtClean="0"/>
           </a:p>
           <a:p>
-            <a:r>
-              <a:rPr kumimoji="1" lang="ja-JP" altLang="en-US" dirty="0" smtClean="0"/>
-              <a:t>この結果は、</a:t>
-            </a:r>
-            <a:r>
-              <a:rPr kumimoji="1" lang="en-US" altLang="ja-JP" b="1" dirty="0" err="1" smtClean="0"/>
-              <a:t>SuiteRec</a:t>
-            </a:r>
-            <a:r>
-              <a:rPr kumimoji="1" lang="ja-JP" altLang="en-US" b="1" dirty="0" smtClean="0"/>
-              <a:t>によって推薦されたテストコードがテスト項目を考える上で参考となり、テストコード作成が容易に感じた可能性があります。</a:t>
-            </a:r>
-            <a:endParaRPr kumimoji="1" lang="en-US" altLang="ja-JP" b="1" dirty="0" smtClean="0"/>
-          </a:p>
-          <a:p>
-            <a:endParaRPr kumimoji="1" lang="en-US" altLang="ja-JP" dirty="0" smtClean="0"/>
-          </a:p>
-          <a:p>
             <a:pPr marL="0" marR="0" indent="0" algn="l" defTabSz="914400" rtl="0" eaLnBrk="1" fontAlgn="auto" latinLnBrk="0" hangingPunct="1">
               <a:lnSpc>
                 <a:spcPct val="100000"/>
@@ -6951,19 +6933,19 @@
             </a:r>
             <a:r>
               <a:rPr kumimoji="1" lang="en-US" altLang="ja-JP" dirty="0" smtClean="0"/>
-              <a:t>2,3</a:t>
+              <a:t>2</a:t>
             </a:r>
             <a:r>
               <a:rPr kumimoji="1" lang="ja-JP" altLang="en-US" dirty="0" smtClean="0"/>
-              <a:t>から</a:t>
-            </a:r>
-            <a:r>
-              <a:rPr kumimoji="1" lang="en-US" altLang="ja-JP" dirty="0" err="1" smtClean="0"/>
-              <a:t>SuiteRec</a:t>
+              <a:t>と</a:t>
+            </a:r>
+            <a:r>
+              <a:rPr kumimoji="1" lang="en-US" altLang="ja-JP" dirty="0" smtClean="0"/>
+              <a:t>3</a:t>
             </a:r>
             <a:r>
               <a:rPr kumimoji="1" lang="ja-JP" altLang="en-US" dirty="0" smtClean="0"/>
-              <a:t>を使用した場合、被験者は作成したテストコードのカバレッジと品質に自信が持てることが分かりました。</a:t>
+              <a:t>は、作成したテストコードのカバレッジと品質に自信がある。という項目ですが、</a:t>
             </a:r>
             <a:endParaRPr kumimoji="1" lang="en-US" altLang="ja-JP" dirty="0" smtClean="0"/>
           </a:p>
@@ -7006,8 +6988,28 @@
               <a:defRPr/>
             </a:pPr>
             <a:r>
+              <a:rPr kumimoji="1" lang="en-US" altLang="ja-JP" dirty="0" err="1" smtClean="0"/>
+              <a:t>SuiteRec</a:t>
+            </a:r>
+            <a:r>
               <a:rPr kumimoji="1" lang="ja-JP" altLang="en-US" dirty="0" smtClean="0"/>
-              <a:t>開発者が自分で作成したテストコードに自信を持つことは、重要なことで、</a:t>
+              <a:t>を使用した場合</a:t>
+            </a:r>
+            <a:r>
+              <a:rPr kumimoji="1" lang="ja-JP" altLang="en-US" dirty="0" smtClean="0"/>
+              <a:t>、手作業での場合と比べて、被験者は自分が作成</a:t>
+            </a:r>
+            <a:r>
+              <a:rPr kumimoji="1" lang="ja-JP" altLang="en-US" dirty="0" smtClean="0"/>
+              <a:t>した</a:t>
+            </a:r>
+            <a:r>
+              <a:rPr kumimoji="1" lang="ja-JP" altLang="en-US" dirty="0" smtClean="0"/>
+              <a:t>テストコードに</a:t>
+            </a:r>
+            <a:r>
+              <a:rPr kumimoji="1" lang="ja-JP" altLang="en-US" dirty="0" smtClean="0"/>
+              <a:t>自信が持てることが分かりました。</a:t>
             </a:r>
             <a:endParaRPr kumimoji="1" lang="en-US" altLang="ja-JP" dirty="0" smtClean="0"/>
           </a:p>
@@ -7051,7 +7053,15 @@
             </a:pPr>
             <a:r>
               <a:rPr kumimoji="1" lang="ja-JP" altLang="en-US" dirty="0" smtClean="0"/>
-              <a:t>自分の作成したコードに責任を持ち、不安なくソフトウェアをユーザに提供することはソフトウェアテストの目的の</a:t>
+              <a:t>開発者が自分で作成したテストコードに自信を持つことは、重要なことで</a:t>
+            </a:r>
+            <a:r>
+              <a:rPr kumimoji="1" lang="ja-JP" altLang="en-US" dirty="0" smtClean="0"/>
+              <a:t>、自分</a:t>
+            </a:r>
+            <a:r>
+              <a:rPr kumimoji="1" lang="ja-JP" altLang="en-US" dirty="0" smtClean="0"/>
+              <a:t>の作成したコードに責任を持ち、不安なくソフトウェアをユーザに提供することはソフトウェアテストの目的の</a:t>
             </a:r>
             <a:r>
               <a:rPr kumimoji="1" lang="en-US" altLang="ja-JP" dirty="0" smtClean="0"/>
@@ -7086,11 +7096,15 @@
             </a:pPr>
             <a:r>
               <a:rPr kumimoji="1" lang="ja-JP" altLang="en-US" dirty="0" smtClean="0"/>
-              <a:t>全体として、リサーチクエスチョン</a:t>
+              <a:t>全体として</a:t>
+            </a:r>
+            <a:r>
+              <a:rPr kumimoji="1" lang="ja-JP" altLang="en-US" dirty="0" smtClean="0"/>
+              <a:t>、</a:t>
             </a:r>
             <a:r>
               <a:rPr kumimoji="1" lang="en-US" altLang="ja-JP" dirty="0" smtClean="0"/>
-              <a:t>4</a:t>
+              <a:t>RQ4</a:t>
             </a:r>
             <a:r>
               <a:rPr kumimoji="1" lang="ja-JP" altLang="en-US" dirty="0" smtClean="0"/>
@@ -7419,7 +7433,15 @@
           <a:p>
             <a:r>
               <a:rPr kumimoji="1" lang="ja-JP" altLang="en-US" dirty="0" smtClean="0"/>
-              <a:t>今後の課題として、提案ツールのより実用的な利用に備えてツールを改善していく必要があります。</a:t>
+              <a:t>今後の課題として、提案ツールのより実用的な利用に備えてツールを改善していく必要があります</a:t>
+            </a:r>
+            <a:r>
+              <a:rPr kumimoji="1" lang="ja-JP" altLang="en-US" dirty="0" smtClean="0"/>
+              <a:t>。具体的</a:t>
+            </a:r>
+            <a:r>
+              <a:rPr kumimoji="1" lang="ja-JP" altLang="en-US" dirty="0" smtClean="0"/>
+              <a:t>には、テストコードを再利用する際に、自動で編集する機能などを考えています。</a:t>
             </a:r>
             <a:endParaRPr kumimoji="1" lang="en-US" altLang="ja-JP" dirty="0" smtClean="0"/>
           </a:p>
@@ -7429,17 +7451,11 @@
           <a:p>
             <a:r>
               <a:rPr kumimoji="1" lang="ja-JP" altLang="en-US" dirty="0" smtClean="0"/>
-              <a:t>具体的には、テストコードを再利用する際に、自動で編集する機能などを考えています。</a:t>
-            </a:r>
-            <a:endParaRPr kumimoji="1" lang="en-US" altLang="ja-JP" dirty="0" smtClean="0"/>
-          </a:p>
-          <a:p>
-            <a:endParaRPr kumimoji="1" lang="en-US" altLang="ja-JP" dirty="0" smtClean="0"/>
-          </a:p>
-          <a:p>
+              <a:t>また、提案ツールの有意性を検討するためには、被験者数を増やした更なる実験をする必要が</a:t>
+            </a:r>
             <a:r>
               <a:rPr kumimoji="1" lang="ja-JP" altLang="en-US" dirty="0" smtClean="0"/>
-              <a:t>また、提案ツールの有意性を検討するためには、被験者数を増やした更なる実験をする必要があります。</a:t>
+              <a:t>あり，こちらも考えています。</a:t>
             </a:r>
             <a:endParaRPr kumimoji="1" lang="en-US" altLang="ja-JP" dirty="0" smtClean="0"/>
           </a:p>

--- a/presentation_kurachi.pptx
+++ b/presentation_kurachi.pptx
@@ -49,7 +49,7 @@
     <p:sldId id="378" r:id="rId40"/>
   </p:sldIdLst>
   <p:sldSz cx="12192000" cy="6858000"/>
-  <p:notesSz cx="6858000" cy="9144000"/>
+  <p:notesSz cx="6805613" cy="9939338"/>
   <p:defaultTextStyle>
     <a:defPPr>
       <a:defRPr lang="ja-JP"/>
@@ -3920,8 +3920,8 @@
         </p:nvSpPr>
         <p:spPr>
           <a:xfrm>
-            <a:off x="0" y="0"/>
-            <a:ext cx="2971800" cy="458788"/>
+            <a:off x="1" y="1"/>
+            <a:ext cx="2949099" cy="498694"/>
           </a:xfrm>
           <a:prstGeom prst="rect">
             <a:avLst/>
@@ -3951,8 +3951,8 @@
         </p:nvSpPr>
         <p:spPr>
           <a:xfrm>
-            <a:off x="3884613" y="0"/>
-            <a:ext cx="2971800" cy="458788"/>
+            <a:off x="3854940" y="1"/>
+            <a:ext cx="2949099" cy="498694"/>
           </a:xfrm>
           <a:prstGeom prst="rect">
             <a:avLst/>
@@ -3986,8 +3986,8 @@
         </p:nvSpPr>
         <p:spPr>
           <a:xfrm>
-            <a:off x="685800" y="1143000"/>
-            <a:ext cx="5486400" cy="3086100"/>
+            <a:off x="422275" y="1243013"/>
+            <a:ext cx="5961063" cy="3354387"/>
           </a:xfrm>
           <a:prstGeom prst="rect">
             <a:avLst/>
@@ -4019,8 +4019,8 @@
         </p:nvSpPr>
         <p:spPr>
           <a:xfrm>
-            <a:off x="685800" y="4400550"/>
-            <a:ext cx="5486400" cy="3600450"/>
+            <a:off x="680562" y="4783308"/>
+            <a:ext cx="5444490" cy="3913614"/>
           </a:xfrm>
           <a:prstGeom prst="rect">
             <a:avLst/>
@@ -4111,8 +4111,8 @@
         </p:nvSpPr>
         <p:spPr>
           <a:xfrm>
-            <a:off x="0" y="8685213"/>
-            <a:ext cx="2971800" cy="458787"/>
+            <a:off x="1" y="9440647"/>
+            <a:ext cx="2949099" cy="498692"/>
           </a:xfrm>
           <a:prstGeom prst="rect">
             <a:avLst/>
@@ -4142,8 +4142,8 @@
         </p:nvSpPr>
         <p:spPr>
           <a:xfrm>
-            <a:off x="3884613" y="8685213"/>
-            <a:ext cx="2971800" cy="458787"/>
+            <a:off x="3854940" y="9440647"/>
+            <a:ext cx="2949099" cy="498692"/>
           </a:xfrm>
           <a:prstGeom prst="rect">
             <a:avLst/>
@@ -5967,26 +5967,30 @@
               <a:t>結果を見ると、</a:t>
             </a:r>
             <a:r>
-              <a:rPr kumimoji="1" lang="en-US" altLang="ja-JP" dirty="0" err="1" smtClean="0"/>
+              <a:rPr kumimoji="1" lang="en-US" altLang="ja-JP" b="1" u="sng" dirty="0" err="1" smtClean="0"/>
               <a:t>SuiteRec</a:t>
             </a:r>
             <a:r>
-              <a:rPr kumimoji="1" lang="ja-JP" altLang="en-US" dirty="0" smtClean="0"/>
+              <a:rPr kumimoji="1" lang="ja-JP" altLang="en-US" b="1" u="sng" dirty="0" smtClean="0"/>
               <a:t>を使用した場合と手作業での場合で、</a:t>
             </a:r>
             <a:r>
-              <a:rPr kumimoji="1" lang="en-US" altLang="ja-JP" dirty="0" smtClean="0"/>
+              <a:rPr kumimoji="1" lang="en-US" altLang="ja-JP" b="0" u="sng" dirty="0" smtClean="0"/>
               <a:t>2</a:t>
             </a:r>
             <a:r>
-              <a:rPr kumimoji="1" lang="ja-JP" altLang="en-US" dirty="0" err="1" smtClean="0"/>
+              <a:rPr kumimoji="1" lang="ja-JP" altLang="en-US" b="0" u="sng" dirty="0" err="1" smtClean="0"/>
               <a:t>つの</a:t>
             </a:r>
             <a:r>
-              <a:rPr kumimoji="1" lang="ja-JP" altLang="en-US" dirty="0" smtClean="0"/>
-              <a:t>カバレッジに大きな差はなく、どのタスクでも網羅率が高いことが分かりました。</a:t>
-            </a:r>
-            <a:endParaRPr kumimoji="1" lang="en-US" altLang="ja-JP" dirty="0" smtClean="0"/>
+              <a:rPr kumimoji="1" lang="ja-JP" altLang="en-US" b="0" u="sng" dirty="0" smtClean="0"/>
+              <a:t>カバレッジに大きな差はなく</a:t>
+            </a:r>
+            <a:r>
+              <a:rPr kumimoji="1" lang="ja-JP" altLang="en-US" u="sng" dirty="0" smtClean="0"/>
+              <a:t>、どのタスクでも網羅率が高いことが分かりました。</a:t>
+            </a:r>
+            <a:endParaRPr kumimoji="1" lang="en-US" altLang="ja-JP" u="sng" dirty="0" smtClean="0"/>
           </a:p>
           <a:p>
             <a:endParaRPr kumimoji="1" lang="en-US" altLang="ja-JP" dirty="0" smtClean="0"/>
@@ -6945,7 +6949,23 @@
             </a:r>
             <a:r>
               <a:rPr kumimoji="1" lang="ja-JP" altLang="en-US" dirty="0" smtClean="0"/>
-              <a:t>は、作成したテストコードのカバレッジと品質に自信がある。という項目ですが、</a:t>
+              <a:t>は、作成したテストコードの </a:t>
+            </a:r>
+            <a:r>
+              <a:rPr kumimoji="1" lang="ja-JP" altLang="en-US" b="1" dirty="0" smtClean="0"/>
+              <a:t>カバレッジ </a:t>
+            </a:r>
+            <a:r>
+              <a:rPr kumimoji="1" lang="ja-JP" altLang="en-US" dirty="0" smtClean="0"/>
+              <a:t>と </a:t>
+            </a:r>
+            <a:r>
+              <a:rPr kumimoji="1" lang="ja-JP" altLang="en-US" b="1" dirty="0" smtClean="0"/>
+              <a:t>品質</a:t>
+            </a:r>
+            <a:r>
+              <a:rPr kumimoji="1" lang="ja-JP" altLang="en-US" dirty="0" smtClean="0"/>
+              <a:t> に自信がある。　という項目なんですが、こちらも</a:t>
             </a:r>
             <a:endParaRPr kumimoji="1" lang="en-US" altLang="ja-JP" dirty="0" smtClean="0"/>
           </a:p>
@@ -6997,19 +7017,7 @@
             </a:r>
             <a:r>
               <a:rPr kumimoji="1" lang="ja-JP" altLang="en-US" dirty="0" smtClean="0"/>
-              <a:t>、手作業での場合と比べて、被験者は自分が作成</a:t>
-            </a:r>
-            <a:r>
-              <a:rPr kumimoji="1" lang="ja-JP" altLang="en-US" dirty="0" smtClean="0"/>
-              <a:t>した</a:t>
-            </a:r>
-            <a:r>
-              <a:rPr kumimoji="1" lang="ja-JP" altLang="en-US" dirty="0" smtClean="0"/>
-              <a:t>テストコードに</a:t>
-            </a:r>
-            <a:r>
-              <a:rPr kumimoji="1" lang="ja-JP" altLang="en-US" dirty="0" smtClean="0"/>
-              <a:t>自信が持てることが分かりました。</a:t>
+              <a:t>、多くの被験者がポジティブな意見を回答しました。</a:t>
             </a:r>
             <a:endParaRPr kumimoji="1" lang="en-US" altLang="ja-JP" dirty="0" smtClean="0"/>
           </a:p>
@@ -7053,15 +7061,7 @@
             </a:pPr>
             <a:r>
               <a:rPr kumimoji="1" lang="ja-JP" altLang="en-US" dirty="0" smtClean="0"/>
-              <a:t>開発者が自分で作成したテストコードに自信を持つことは、重要なことで</a:t>
-            </a:r>
-            <a:r>
-              <a:rPr kumimoji="1" lang="ja-JP" altLang="en-US" dirty="0" smtClean="0"/>
-              <a:t>、自分</a:t>
-            </a:r>
-            <a:r>
-              <a:rPr kumimoji="1" lang="ja-JP" altLang="en-US" dirty="0" smtClean="0"/>
-              <a:t>の作成したコードに責任を持ち、不安なくソフトウェアをユーザに提供することはソフトウェアテストの目的の</a:t>
+              <a:t>不安なくソフトウェアをユーザに提供することは、ソフトウェアテストの目的の</a:t>
             </a:r>
             <a:r>
               <a:rPr kumimoji="1" lang="en-US" altLang="ja-JP" dirty="0" smtClean="0"/>
@@ -7069,7 +7069,7 @@
             </a:r>
             <a:r>
               <a:rPr kumimoji="1" lang="ja-JP" altLang="en-US" dirty="0" smtClean="0"/>
-              <a:t>つです。</a:t>
+              <a:t>つなので、自分が作成したコードに自信持てることは重要です。</a:t>
             </a:r>
             <a:endParaRPr kumimoji="1" lang="en-US" altLang="ja-JP" dirty="0" smtClean="0"/>
           </a:p>
@@ -7635,131 +7635,7 @@
           <a:bodyPr/>
           <a:lstStyle/>
           <a:p>
-            <a:r>
-              <a:rPr kumimoji="1" lang="ja-JP" altLang="en-US" dirty="0" smtClean="0"/>
-              <a:t>実際に、これまでの</a:t>
-            </a:r>
-            <a:r>
-              <a:rPr kumimoji="1" lang="en-US" altLang="ja-JP" dirty="0" smtClean="0"/>
-              <a:t>4</a:t>
-            </a:r>
-            <a:r>
-              <a:rPr kumimoji="1" lang="ja-JP" altLang="en-US" dirty="0" err="1" smtClean="0"/>
-              <a:t>つの</a:t>
-            </a:r>
-            <a:r>
-              <a:rPr kumimoji="1" lang="en-US" altLang="ja-JP" dirty="0" smtClean="0"/>
-              <a:t>Step</a:t>
-            </a:r>
-            <a:r>
-              <a:rPr kumimoji="1" lang="ja-JP" altLang="en-US" dirty="0" smtClean="0"/>
-              <a:t>を通してテストコードを推薦すると多くの時間がかかってしまうので、推薦プロセスを高速化する工夫をしています。</a:t>
-            </a:r>
-            <a:endParaRPr kumimoji="1" lang="en-US" altLang="ja-JP" dirty="0" smtClean="0"/>
-          </a:p>
-          <a:p>
-            <a:endParaRPr kumimoji="1" lang="en-US" altLang="ja-JP" dirty="0" smtClean="0"/>
-          </a:p>
-          <a:p>
-            <a:r>
-              <a:rPr kumimoji="1" lang="ja-JP" altLang="en-US" dirty="0" smtClean="0"/>
-              <a:t>具体的には、大きく二つのことをやっています。</a:t>
-            </a:r>
-            <a:endParaRPr kumimoji="1" lang="en-US" altLang="ja-JP" dirty="0" smtClean="0"/>
-          </a:p>
-          <a:p>
-            <a:endParaRPr kumimoji="1" lang="en-US" altLang="ja-JP" dirty="0" smtClean="0"/>
-          </a:p>
-          <a:p>
-            <a:r>
-              <a:rPr kumimoji="1" lang="en-US" altLang="ja-JP" dirty="0" smtClean="0"/>
-              <a:t>1</a:t>
-            </a:r>
-            <a:r>
-              <a:rPr kumimoji="1" lang="ja-JP" altLang="en-US" dirty="0" smtClean="0"/>
-              <a:t>つは、</a:t>
-            </a:r>
-            <a:r>
-              <a:rPr kumimoji="1" lang="en-US" altLang="ja-JP" dirty="0" smtClean="0"/>
-              <a:t>Step1</a:t>
-            </a:r>
-            <a:r>
-              <a:rPr kumimoji="1" lang="ja-JP" altLang="en-US" dirty="0" smtClean="0"/>
-              <a:t>の類似コード検索を複数並列に実行したことです。本研究で使用した</a:t>
-            </a:r>
-            <a:r>
-              <a:rPr kumimoji="1" lang="en-US" altLang="ja-JP" dirty="0" err="1" smtClean="0"/>
-              <a:t>Nicad</a:t>
-            </a:r>
-            <a:r>
-              <a:rPr kumimoji="1" lang="ja-JP" altLang="en-US" dirty="0" smtClean="0"/>
-              <a:t>は一度に検索できるプロジェクトのサイズに限りがあります。</a:t>
-            </a:r>
-            <a:endParaRPr kumimoji="1" lang="en-US" altLang="ja-JP" dirty="0" smtClean="0"/>
-          </a:p>
-          <a:p>
-            <a:endParaRPr kumimoji="1" lang="en-US" altLang="ja-JP" dirty="0" smtClean="0"/>
-          </a:p>
-          <a:p>
-            <a:r>
-              <a:rPr kumimoji="1" lang="ja-JP" altLang="en-US" dirty="0" smtClean="0"/>
-              <a:t>そこで、前処理としてプロジェクトのサイズを調整してデータベースに格納し、検索処理を複数のプロジェクトに対して並列して実行することで検索時間を短縮しました。</a:t>
-            </a:r>
-            <a:endParaRPr kumimoji="1" lang="en-US" altLang="ja-JP" dirty="0" smtClean="0"/>
-          </a:p>
-          <a:p>
-            <a:endParaRPr kumimoji="1" lang="en-US" altLang="ja-JP" dirty="0" smtClean="0"/>
-          </a:p>
-          <a:p>
-            <a:r>
-              <a:rPr kumimoji="1" lang="en-US" altLang="ja-JP" dirty="0" smtClean="0"/>
-              <a:t>2</a:t>
-            </a:r>
-            <a:r>
-              <a:rPr kumimoji="1" lang="ja-JP" altLang="en-US" dirty="0" smtClean="0"/>
-              <a:t>つ目は</a:t>
-            </a:r>
-            <a:r>
-              <a:rPr kumimoji="1" lang="en-US" altLang="ja-JP" dirty="0" smtClean="0"/>
-              <a:t>Step3</a:t>
-            </a:r>
-            <a:r>
-              <a:rPr kumimoji="1" lang="ja-JP" altLang="en-US" dirty="0" smtClean="0"/>
-              <a:t>のテストスメルを検出する処理を短縮化です。</a:t>
-            </a:r>
-            <a:r>
-              <a:rPr kumimoji="1" lang="en-US" altLang="ja-JP" dirty="0" smtClean="0"/>
-              <a:t>Step3</a:t>
-            </a:r>
-            <a:r>
-              <a:rPr kumimoji="1" lang="ja-JP" altLang="en-US" dirty="0" smtClean="0"/>
-              <a:t>を短縮化するために事前にテストスメルの検出を行い、検出されたテストスメルの情報をテストコードに紐づけてテストコードデータベースに格納しました。</a:t>
-            </a:r>
-            <a:endParaRPr kumimoji="1" lang="en-US" altLang="ja-JP" dirty="0" smtClean="0"/>
-          </a:p>
-          <a:p>
-            <a:endParaRPr kumimoji="1" lang="en-US" altLang="ja-JP" dirty="0" smtClean="0"/>
-          </a:p>
-          <a:p>
-            <a:r>
-              <a:rPr kumimoji="1" lang="ja-JP" altLang="en-US" dirty="0" smtClean="0"/>
-              <a:t>このように事前に前処理を行っておくことで、</a:t>
-            </a:r>
-            <a:r>
-              <a:rPr kumimoji="1" lang="en-US" altLang="ja-JP" dirty="0" err="1" smtClean="0"/>
-              <a:t>SuiteRec</a:t>
-            </a:r>
-            <a:r>
-              <a:rPr kumimoji="1" lang="ja-JP" altLang="en-US" dirty="0" smtClean="0"/>
-              <a:t>は推薦プロセスの高速化を実現しました。</a:t>
-            </a:r>
-            <a:endParaRPr kumimoji="1" lang="en-US" altLang="ja-JP" dirty="0" smtClean="0"/>
-          </a:p>
-          <a:p>
-            <a:endParaRPr kumimoji="1" lang="en-US" altLang="ja-JP" dirty="0" smtClean="0"/>
-          </a:p>
-          <a:p>
-            <a:endParaRPr kumimoji="1" lang="ja-JP" altLang="en-US" dirty="0"/>
+            <a:endParaRPr kumimoji="1" lang="ja-JP" altLang="en-US"/>
           </a:p>
         </p:txBody>
       </p:sp>
@@ -7780,7 +7656,7 @@
           <a:p>
             <a:fld id="{A375FAFC-A5AB-4FEC-AA23-92E34682EFAF}" type="slidenum">
               <a:rPr kumimoji="1" lang="ja-JP" altLang="en-US" smtClean="0"/>
-              <a:t>29</a:t>
+              <a:t>22</a:t>
             </a:fld>
             <a:endParaRPr kumimoji="1" lang="ja-JP" altLang="en-US"/>
           </a:p>
@@ -7789,7 +7665,7 @@
     </p:spTree>
     <p:extLst>
       <p:ext uri="{BB962C8B-B14F-4D97-AF65-F5344CB8AC3E}">
-        <p14:creationId xmlns:p14="http://schemas.microsoft.com/office/powerpoint/2010/main" val="1580538660"/>
+        <p14:creationId xmlns:p14="http://schemas.microsoft.com/office/powerpoint/2010/main" val="3258150517"/>
       </p:ext>
     </p:extLst>
   </p:cSld>
@@ -7843,176 +7719,7 @@
           <a:bodyPr/>
           <a:lstStyle/>
           <a:p>
-            <a:r>
-              <a:rPr kumimoji="1" lang="ja-JP" altLang="en-US" dirty="0" smtClean="0"/>
-              <a:t>次に</a:t>
-            </a:r>
-            <a:r>
-              <a:rPr kumimoji="1" lang="en-US" altLang="ja-JP" dirty="0" smtClean="0"/>
-              <a:t>RQ2</a:t>
-            </a:r>
-            <a:r>
-              <a:rPr kumimoji="1" lang="ja-JP" altLang="en-US" dirty="0" smtClean="0"/>
-              <a:t>は、</a:t>
-            </a:r>
-            <a:r>
-              <a:rPr kumimoji="1" lang="en-US" altLang="ja-JP" dirty="0" err="1" smtClean="0"/>
-              <a:t>SuiteRec</a:t>
-            </a:r>
-            <a:r>
-              <a:rPr kumimoji="1" lang="ja-JP" altLang="en-US" dirty="0" smtClean="0"/>
-              <a:t>は、開発者のテストコードの作成時間を削減できるか？という質問です。</a:t>
-            </a:r>
-            <a:endParaRPr kumimoji="1" lang="en-US" altLang="ja-JP" dirty="0" smtClean="0"/>
-          </a:p>
-          <a:p>
-            <a:endParaRPr kumimoji="1" lang="en-US" altLang="ja-JP" dirty="0" smtClean="0"/>
-          </a:p>
-          <a:p>
-            <a:r>
-              <a:rPr kumimoji="1" lang="ja-JP" altLang="en-US" dirty="0" smtClean="0"/>
-              <a:t>この質問に答えるために、被験者のタスク完了までの時間を比較しました。</a:t>
-            </a:r>
-            <a:endParaRPr kumimoji="1" lang="en-US" altLang="ja-JP" dirty="0" smtClean="0"/>
-          </a:p>
-          <a:p>
-            <a:endParaRPr kumimoji="1" lang="en-US" altLang="ja-JP" dirty="0" smtClean="0"/>
-          </a:p>
-          <a:p>
-            <a:r>
-              <a:rPr kumimoji="1" lang="ja-JP" altLang="en-US" dirty="0" smtClean="0"/>
-              <a:t>この図は、各被験者のタスク完了までに費やした時間の分布が示されています。</a:t>
-            </a:r>
-            <a:endParaRPr kumimoji="1" lang="en-US" altLang="ja-JP" dirty="0" smtClean="0"/>
-          </a:p>
-          <a:p>
-            <a:endParaRPr kumimoji="1" lang="en-US" altLang="ja-JP" dirty="0" smtClean="0"/>
-          </a:p>
-          <a:p>
-            <a:r>
-              <a:rPr lang="ja-JP" altLang="en-US" sz="1200" dirty="0" smtClean="0">
-                <a:latin typeface="メイリオ" panose="020B0604030504040204" pitchFamily="50" charset="-128"/>
-                <a:ea typeface="メイリオ" panose="020B0604030504040204" pitchFamily="50" charset="-128"/>
-              </a:rPr>
-              <a:t>結果をみるとタスク</a:t>
-            </a:r>
-            <a:r>
-              <a:rPr lang="en-US" altLang="ja-JP" sz="1200" dirty="0" smtClean="0">
-                <a:latin typeface="メイリオ" panose="020B0604030504040204" pitchFamily="50" charset="-128"/>
-                <a:ea typeface="メイリオ" panose="020B0604030504040204" pitchFamily="50" charset="-128"/>
-              </a:rPr>
-              <a:t>1,3</a:t>
-            </a:r>
-            <a:r>
-              <a:rPr lang="ja-JP" altLang="en-US" sz="1200" dirty="0" smtClean="0">
-                <a:latin typeface="メイリオ" panose="020B0604030504040204" pitchFamily="50" charset="-128"/>
-                <a:ea typeface="メイリオ" panose="020B0604030504040204" pitchFamily="50" charset="-128"/>
-              </a:rPr>
-              <a:t>は、</a:t>
-            </a:r>
-            <a:r>
-              <a:rPr kumimoji="1" lang="en-US" altLang="ja-JP" u="sng" dirty="0" err="1" smtClean="0"/>
-              <a:t>SuiRec</a:t>
-            </a:r>
-            <a:r>
-              <a:rPr kumimoji="1" lang="ja-JP" altLang="en-US" u="sng" dirty="0" smtClean="0"/>
-              <a:t>を利用した場合の方が、タスク完了までの時間が長いことが分かります。 </a:t>
-            </a:r>
-            <a:endParaRPr kumimoji="1" lang="en-US" altLang="ja-JP" u="sng" dirty="0" smtClean="0"/>
-          </a:p>
-          <a:p>
-            <a:endParaRPr kumimoji="1" lang="en-US" altLang="ja-JP" dirty="0" smtClean="0"/>
-          </a:p>
-          <a:p>
-            <a:r>
-              <a:rPr kumimoji="1" lang="en-US" altLang="ja-JP" b="1" dirty="0" err="1" smtClean="0"/>
-              <a:t>SuiteRec</a:t>
-            </a:r>
-            <a:r>
-              <a:rPr kumimoji="1" lang="ja-JP" altLang="en-US" b="1" dirty="0" smtClean="0"/>
-              <a:t>を利用した場合に、時間がかかる原因として、開発者は、推薦される複数のテストコードを理解し、再利用する際に変更をしなければならないことが考えられます。</a:t>
-            </a:r>
-            <a:endParaRPr kumimoji="1" lang="en-US" altLang="ja-JP" b="1" dirty="0" smtClean="0"/>
-          </a:p>
-          <a:p>
-            <a:endParaRPr kumimoji="1" lang="en-US" altLang="ja-JP" dirty="0" smtClean="0"/>
-          </a:p>
-          <a:p>
-            <a:r>
-              <a:rPr kumimoji="1" lang="ja-JP" altLang="en-US" dirty="0" smtClean="0"/>
-              <a:t>一方で、タスク</a:t>
-            </a:r>
-            <a:r>
-              <a:rPr kumimoji="1" lang="en-US" altLang="ja-JP" dirty="0" smtClean="0"/>
-              <a:t>2</a:t>
-            </a:r>
-            <a:r>
-              <a:rPr kumimoji="1" lang="ja-JP" altLang="en-US" dirty="0" smtClean="0"/>
-              <a:t>については、</a:t>
-            </a:r>
-            <a:r>
-              <a:rPr kumimoji="1" lang="en-US" altLang="ja-JP" dirty="0" err="1" smtClean="0"/>
-              <a:t>SuiteRec</a:t>
-            </a:r>
-            <a:r>
-              <a:rPr kumimoji="1" lang="ja-JP" altLang="en-US" dirty="0" smtClean="0"/>
-              <a:t>を使用した方がタスク完了時間が短いことが分かる。</a:t>
-            </a:r>
-            <a:endParaRPr kumimoji="1" lang="en-US" altLang="ja-JP" dirty="0" smtClean="0"/>
-          </a:p>
-          <a:p>
-            <a:endParaRPr kumimoji="1" lang="en-US" altLang="ja-JP" dirty="0" smtClean="0"/>
-          </a:p>
-          <a:p>
-            <a:r>
-              <a:rPr kumimoji="1" lang="ja-JP" altLang="en-US" dirty="0" smtClean="0"/>
-              <a:t>我々は、提出されたテストコードを調査したところ、カバレッジに差はないものの</a:t>
-            </a:r>
-            <a:r>
-              <a:rPr kumimoji="1" lang="en-US" altLang="ja-JP" dirty="0" err="1" smtClean="0"/>
-              <a:t>SuiteRec</a:t>
-            </a:r>
-            <a:r>
-              <a:rPr kumimoji="1" lang="ja-JP" altLang="en-US" dirty="0" smtClean="0"/>
-              <a:t>を使用しない場合は、テスト項目の重複が多いことが分かりました。</a:t>
-            </a:r>
-            <a:endParaRPr kumimoji="1" lang="en-US" altLang="ja-JP" dirty="0" smtClean="0"/>
-          </a:p>
-          <a:p>
-            <a:endParaRPr kumimoji="1" lang="en-US" altLang="ja-JP" dirty="0" smtClean="0"/>
-          </a:p>
-          <a:p>
-            <a:r>
-              <a:rPr kumimoji="1" lang="ja-JP" altLang="en-US" dirty="0" smtClean="0"/>
-              <a:t>この結果から、</a:t>
-            </a:r>
-            <a:r>
-              <a:rPr kumimoji="1" lang="en-US" altLang="ja-JP" dirty="0" err="1" smtClean="0"/>
-              <a:t>SuiteRec</a:t>
-            </a:r>
-            <a:r>
-              <a:rPr kumimoji="1" lang="ja-JP" altLang="en-US" dirty="0" smtClean="0"/>
-              <a:t>を利用は、被験者が無駄なテストコードを作成するのを防ぎ、短期間でのテストコード作成を支援できる場合もあることが分かった。</a:t>
-            </a:r>
-            <a:endParaRPr kumimoji="1" lang="en-US" altLang="ja-JP" dirty="0" smtClean="0"/>
-          </a:p>
-          <a:p>
-            <a:endParaRPr kumimoji="1" lang="en-US" altLang="ja-JP" dirty="0" smtClean="0"/>
-          </a:p>
-          <a:p>
-            <a:r>
-              <a:rPr kumimoji="1" lang="ja-JP" altLang="en-US" dirty="0" smtClean="0"/>
-              <a:t>次に</a:t>
-            </a:r>
-            <a:r>
-              <a:rPr kumimoji="1" lang="en-US" altLang="ja-JP" dirty="0" smtClean="0"/>
-              <a:t>RQ3</a:t>
-            </a:r>
-            <a:r>
-              <a:rPr kumimoji="1" lang="ja-JP" altLang="en-US" dirty="0" err="1" smtClean="0"/>
-              <a:t>です</a:t>
-            </a:r>
-            <a:endParaRPr kumimoji="1" lang="en-US" altLang="ja-JP" dirty="0" smtClean="0"/>
+            <a:endParaRPr kumimoji="1" lang="ja-JP" altLang="en-US"/>
           </a:p>
         </p:txBody>
       </p:sp>
@@ -8033,7 +7740,7 @@
           <a:p>
             <a:fld id="{A375FAFC-A5AB-4FEC-AA23-92E34682EFAF}" type="slidenum">
               <a:rPr kumimoji="1" lang="ja-JP" altLang="en-US" smtClean="0"/>
-              <a:t>31</a:t>
+              <a:t>23</a:t>
             </a:fld>
             <a:endParaRPr kumimoji="1" lang="ja-JP" altLang="en-US"/>
           </a:p>
@@ -8042,7 +7749,7 @@
     </p:spTree>
     <p:extLst>
       <p:ext uri="{BB962C8B-B14F-4D97-AF65-F5344CB8AC3E}">
-        <p14:creationId xmlns:p14="http://schemas.microsoft.com/office/powerpoint/2010/main" val="638208642"/>
+        <p14:creationId xmlns:p14="http://schemas.microsoft.com/office/powerpoint/2010/main" val="2107418120"/>
       </p:ext>
     </p:extLst>
   </p:cSld>
@@ -8096,274 +7803,7 @@
           <a:bodyPr/>
           <a:lstStyle/>
           <a:p>
-            <a:r>
-              <a:rPr kumimoji="1" lang="ja-JP" altLang="en-US" dirty="0" smtClean="0"/>
-              <a:t>評価実験</a:t>
-            </a:r>
-            <a:r>
-              <a:rPr kumimoji="1" lang="en-US" altLang="ja-JP" dirty="0" smtClean="0"/>
-              <a:t>1</a:t>
-            </a:r>
-            <a:r>
-              <a:rPr kumimoji="1" lang="ja-JP" altLang="en-US" dirty="0" smtClean="0"/>
-              <a:t>では、</a:t>
-            </a:r>
-            <a:r>
-              <a:rPr kumimoji="1" lang="en-US" altLang="ja-JP" b="1" dirty="0" err="1" smtClean="0"/>
-              <a:t>SuiteRec</a:t>
-            </a:r>
-            <a:r>
-              <a:rPr kumimoji="1" lang="ja-JP" altLang="en-US" b="1" dirty="0" smtClean="0"/>
-              <a:t>が開発者の</a:t>
-            </a:r>
-            <a:r>
-              <a:rPr lang="ja-JP" altLang="en-US" sz="1200" b="1" dirty="0" smtClean="0"/>
-              <a:t>テストコード作成をどの程度支援できるかを評価するために被験者実験を行いました。</a:t>
-            </a:r>
-            <a:endParaRPr lang="en-US" altLang="ja-JP" sz="1200" b="1" dirty="0" smtClean="0"/>
-          </a:p>
-          <a:p>
-            <a:endParaRPr kumimoji="1" lang="en-US" altLang="ja-JP" sz="1200" dirty="0" smtClean="0"/>
-          </a:p>
-          <a:p>
-            <a:pPr marL="0" marR="0" lvl="1" indent="0" algn="l" defTabSz="914400" rtl="0" eaLnBrk="1" fontAlgn="auto" latinLnBrk="0" hangingPunct="1">
-              <a:lnSpc>
-                <a:spcPct val="100000"/>
-              </a:lnSpc>
-              <a:spcBef>
-                <a:spcPts val="0"/>
-              </a:spcBef>
-              <a:spcAft>
-                <a:spcPts val="0"/>
-              </a:spcAft>
-              <a:buClrTx/>
-              <a:buSzTx/>
-              <a:buFontTx/>
-              <a:buNone/>
-              <a:tabLst/>
-              <a:defRPr/>
-            </a:pPr>
-            <a:r>
-              <a:rPr kumimoji="1" lang="ja-JP" altLang="en-US" sz="1200" dirty="0" smtClean="0"/>
-              <a:t>具体的には、情報科学を専攻する修士課程の学生</a:t>
-            </a:r>
-            <a:r>
-              <a:rPr kumimoji="1" lang="en-US" altLang="ja-JP" sz="1200" dirty="0" smtClean="0"/>
-              <a:t>10</a:t>
-            </a:r>
-            <a:r>
-              <a:rPr kumimoji="1" lang="ja-JP" altLang="en-US" sz="1200" dirty="0" smtClean="0"/>
-              <a:t>人に対して</a:t>
-            </a:r>
-            <a:r>
-              <a:rPr kumimoji="1" lang="ja-JP" altLang="en-US" sz="1200" b="1" dirty="0" smtClean="0"/>
-              <a:t>プログラムとその仕様が書かれた</a:t>
-            </a:r>
-            <a:r>
-              <a:rPr kumimoji="1" lang="en-US" altLang="ja-JP" sz="1200" b="1" dirty="0" smtClean="0"/>
-              <a:t>3</a:t>
-            </a:r>
-            <a:r>
-              <a:rPr kumimoji="1" lang="ja-JP" altLang="en-US" sz="1200" b="1" dirty="0" err="1" smtClean="0"/>
-              <a:t>つの</a:t>
-            </a:r>
-            <a:r>
-              <a:rPr kumimoji="1" lang="ja-JP" altLang="en-US" sz="1200" b="1" dirty="0" smtClean="0"/>
-              <a:t>タスクを与え</a:t>
-            </a:r>
-            <a:r>
-              <a:rPr kumimoji="1" lang="ja-JP" altLang="en-US" sz="1200" dirty="0" smtClean="0"/>
-              <a:t>、各タスクのテストコードを作成してもらいました。</a:t>
-            </a:r>
-            <a:endParaRPr kumimoji="1" lang="en-US" altLang="ja-JP" sz="1200" dirty="0" smtClean="0"/>
-          </a:p>
-          <a:p>
-            <a:pPr marL="0" marR="0" lvl="1" indent="0" algn="l" defTabSz="914400" rtl="0" eaLnBrk="1" fontAlgn="auto" latinLnBrk="0" hangingPunct="1">
-              <a:lnSpc>
-                <a:spcPct val="100000"/>
-              </a:lnSpc>
-              <a:spcBef>
-                <a:spcPts val="0"/>
-              </a:spcBef>
-              <a:spcAft>
-                <a:spcPts val="0"/>
-              </a:spcAft>
-              <a:buClrTx/>
-              <a:buSzTx/>
-              <a:buFontTx/>
-              <a:buNone/>
-              <a:tabLst/>
-              <a:defRPr/>
-            </a:pPr>
-            <a:endParaRPr kumimoji="1" lang="en-US" altLang="ja-JP" sz="1200" dirty="0" smtClean="0"/>
-          </a:p>
-          <a:p>
-            <a:pPr marL="0" marR="0" lvl="1" indent="0" algn="l" defTabSz="914400" rtl="0" eaLnBrk="1" fontAlgn="auto" latinLnBrk="0" hangingPunct="1">
-              <a:lnSpc>
-                <a:spcPct val="100000"/>
-              </a:lnSpc>
-              <a:spcBef>
-                <a:spcPts val="0"/>
-              </a:spcBef>
-              <a:spcAft>
-                <a:spcPts val="0"/>
-              </a:spcAft>
-              <a:buClrTx/>
-              <a:buSzTx/>
-              <a:buFontTx/>
-              <a:buNone/>
-              <a:tabLst/>
-              <a:defRPr/>
-            </a:pPr>
-            <a:r>
-              <a:rPr kumimoji="1" lang="ja-JP" altLang="en-US" sz="1200" dirty="0" smtClean="0"/>
-              <a:t>こちらが、実験タスクの概要になります。各タスクで違いを出すために、</a:t>
-            </a:r>
-            <a:r>
-              <a:rPr kumimoji="1" lang="ja-JP" altLang="en-US" sz="1200" u="sng" dirty="0" smtClean="0"/>
-              <a:t>プログラムの条件分岐の数が異なっており、タスク</a:t>
-            </a:r>
-            <a:r>
-              <a:rPr kumimoji="1" lang="en-US" altLang="ja-JP" sz="1200" u="sng" dirty="0" smtClean="0"/>
-              <a:t>1</a:t>
-            </a:r>
-            <a:r>
-              <a:rPr kumimoji="1" lang="ja-JP" altLang="en-US" sz="1200" u="sng" dirty="0" smtClean="0"/>
-              <a:t>から</a:t>
-            </a:r>
-            <a:r>
-              <a:rPr kumimoji="1" lang="en-US" altLang="ja-JP" sz="1200" u="sng" dirty="0" smtClean="0"/>
-              <a:t>3</a:t>
-            </a:r>
-            <a:r>
-              <a:rPr kumimoji="1" lang="ja-JP" altLang="en-US" sz="1200" u="sng" dirty="0" smtClean="0"/>
-              <a:t>に行くにつれて分岐の数が多くなり複雑なプログラムになっています。</a:t>
-            </a:r>
-            <a:endParaRPr kumimoji="1" lang="en-US" altLang="ja-JP" sz="1200" u="sng" dirty="0" smtClean="0"/>
-          </a:p>
-          <a:p>
-            <a:pPr marL="0" marR="0" lvl="1" indent="0" algn="l" defTabSz="914400" rtl="0" eaLnBrk="1" fontAlgn="auto" latinLnBrk="0" hangingPunct="1">
-              <a:lnSpc>
-                <a:spcPct val="100000"/>
-              </a:lnSpc>
-              <a:spcBef>
-                <a:spcPts val="0"/>
-              </a:spcBef>
-              <a:spcAft>
-                <a:spcPts val="0"/>
-              </a:spcAft>
-              <a:buClrTx/>
-              <a:buSzTx/>
-              <a:buFontTx/>
-              <a:buNone/>
-              <a:tabLst/>
-              <a:defRPr/>
-            </a:pPr>
-            <a:endParaRPr kumimoji="1" lang="en-US" altLang="ja-JP" sz="1200" dirty="0" smtClean="0"/>
-          </a:p>
-          <a:p>
-            <a:pPr marL="0" marR="0" lvl="1" indent="0" algn="l" defTabSz="914400" rtl="0" eaLnBrk="1" fontAlgn="auto" latinLnBrk="0" hangingPunct="1">
-              <a:lnSpc>
-                <a:spcPct val="100000"/>
-              </a:lnSpc>
-              <a:spcBef>
-                <a:spcPts val="0"/>
-              </a:spcBef>
-              <a:spcAft>
-                <a:spcPts val="0"/>
-              </a:spcAft>
-              <a:buClrTx/>
-              <a:buSzTx/>
-              <a:buFontTx/>
-              <a:buNone/>
-              <a:tabLst/>
-              <a:defRPr/>
-            </a:pPr>
-            <a:r>
-              <a:rPr kumimoji="1" lang="ja-JP" altLang="en-US" sz="1200" dirty="0" smtClean="0"/>
-              <a:t>そして、</a:t>
-            </a:r>
-            <a:r>
-              <a:rPr lang="en-US" altLang="ja-JP" dirty="0" err="1" smtClean="0"/>
-              <a:t>SuiteRec</a:t>
-            </a:r>
-            <a:r>
-              <a:rPr lang="ja-JP" altLang="en-US" dirty="0" smtClean="0"/>
-              <a:t>を使用した場合とそうでない場合で被験者が作成したテストコード比較することで評価します</a:t>
-            </a:r>
-            <a:endParaRPr lang="en-US" altLang="ja-JP" dirty="0" smtClean="0"/>
-          </a:p>
-          <a:p>
-            <a:pPr marL="0" marR="0" lvl="1" indent="0" algn="l" defTabSz="914400" rtl="0" eaLnBrk="1" fontAlgn="auto" latinLnBrk="0" hangingPunct="1">
-              <a:lnSpc>
-                <a:spcPct val="100000"/>
-              </a:lnSpc>
-              <a:spcBef>
-                <a:spcPts val="0"/>
-              </a:spcBef>
-              <a:spcAft>
-                <a:spcPts val="0"/>
-              </a:spcAft>
-              <a:buClrTx/>
-              <a:buSzTx/>
-              <a:buFontTx/>
-              <a:buNone/>
-              <a:tabLst/>
-              <a:defRPr/>
-            </a:pPr>
-            <a:endParaRPr lang="en-US" altLang="ja-JP" dirty="0" smtClean="0"/>
-          </a:p>
-          <a:p>
-            <a:pPr marL="0" marR="0" lvl="1" indent="0" algn="l" defTabSz="914400" rtl="0" eaLnBrk="1" fontAlgn="auto" latinLnBrk="0" hangingPunct="1">
-              <a:lnSpc>
-                <a:spcPct val="100000"/>
-              </a:lnSpc>
-              <a:spcBef>
-                <a:spcPts val="0"/>
-              </a:spcBef>
-              <a:spcAft>
-                <a:spcPts val="0"/>
-              </a:spcAft>
-              <a:buClrTx/>
-              <a:buSzTx/>
-              <a:buFontTx/>
-              <a:buNone/>
-              <a:tabLst/>
-              <a:defRPr/>
-            </a:pPr>
-            <a:r>
-              <a:rPr lang="ja-JP" altLang="en-US" dirty="0" smtClean="0"/>
-              <a:t>また、定性的な評価をするために、</a:t>
-            </a:r>
-            <a:r>
-              <a:rPr lang="ja-JP" altLang="en-US" b="1" dirty="0" smtClean="0"/>
-              <a:t>実験後の被験者に</a:t>
-            </a:r>
-            <a:r>
-              <a:rPr lang="ja-JP" altLang="en-US" dirty="0" smtClean="0"/>
-              <a:t>～～ました。</a:t>
-            </a:r>
-            <a:endParaRPr lang="en-US" altLang="ja-JP" dirty="0" smtClean="0"/>
-          </a:p>
-          <a:p>
-            <a:pPr marL="0" marR="0" lvl="1" indent="0" algn="l" defTabSz="914400" rtl="0" eaLnBrk="1" fontAlgn="auto" latinLnBrk="0" hangingPunct="1">
-              <a:lnSpc>
-                <a:spcPct val="100000"/>
-              </a:lnSpc>
-              <a:spcBef>
-                <a:spcPts val="0"/>
-              </a:spcBef>
-              <a:spcAft>
-                <a:spcPts val="0"/>
-              </a:spcAft>
-              <a:buClrTx/>
-              <a:buSzTx/>
-              <a:buFontTx/>
-              <a:buNone/>
-              <a:tabLst/>
-              <a:defRPr/>
-            </a:pPr>
-            <a:endParaRPr kumimoji="1" lang="ja-JP" altLang="en-US" dirty="0"/>
+            <a:endParaRPr kumimoji="1" lang="ja-JP" altLang="en-US"/>
           </a:p>
         </p:txBody>
       </p:sp>
@@ -8384,7 +7824,7 @@
           <a:p>
             <a:fld id="{A375FAFC-A5AB-4FEC-AA23-92E34682EFAF}" type="slidenum">
               <a:rPr kumimoji="1" lang="ja-JP" altLang="en-US" smtClean="0"/>
-              <a:t>32</a:t>
+              <a:t>24</a:t>
             </a:fld>
             <a:endParaRPr kumimoji="1" lang="ja-JP" altLang="en-US"/>
           </a:p>
@@ -8393,7 +7833,7 @@
     </p:spTree>
     <p:extLst>
       <p:ext uri="{BB962C8B-B14F-4D97-AF65-F5344CB8AC3E}">
-        <p14:creationId xmlns:p14="http://schemas.microsoft.com/office/powerpoint/2010/main" val="2182921646"/>
+        <p14:creationId xmlns:p14="http://schemas.microsoft.com/office/powerpoint/2010/main" val="3183572907"/>
       </p:ext>
     </p:extLst>
   </p:cSld>
@@ -8447,295 +7887,7 @@
           <a:bodyPr/>
           <a:lstStyle/>
           <a:p>
-            <a:pPr marL="0" marR="0" indent="0" algn="l" defTabSz="914400" rtl="0" eaLnBrk="1" fontAlgn="auto" latinLnBrk="0" hangingPunct="1">
-              <a:lnSpc>
-                <a:spcPct val="100000"/>
-              </a:lnSpc>
-              <a:spcBef>
-                <a:spcPts val="0"/>
-              </a:spcBef>
-              <a:spcAft>
-                <a:spcPts val="0"/>
-              </a:spcAft>
-              <a:buClrTx/>
-              <a:buSzTx/>
-              <a:buFontTx/>
-              <a:buNone/>
-              <a:tabLst/>
-              <a:defRPr/>
-            </a:pPr>
-            <a:r>
-              <a:rPr kumimoji="1" lang="ja-JP" altLang="en-US" dirty="0" smtClean="0"/>
-              <a:t>評価実験</a:t>
-            </a:r>
-            <a:r>
-              <a:rPr kumimoji="1" lang="en-US" altLang="ja-JP" dirty="0" smtClean="0"/>
-              <a:t>1</a:t>
-            </a:r>
-            <a:r>
-              <a:rPr kumimoji="1" lang="ja-JP" altLang="en-US" dirty="0" smtClean="0"/>
-              <a:t>では</a:t>
-            </a:r>
-            <a:r>
-              <a:rPr kumimoji="1" lang="ja-JP" altLang="en-US" dirty="0" smtClean="0"/>
-              <a:t>、</a:t>
-            </a:r>
-            <a:r>
-              <a:rPr lang="ja-JP" altLang="en-US" dirty="0" smtClean="0"/>
-              <a:t>テストコードの作成支援に関する実験ということで</a:t>
-            </a:r>
-            <a:r>
-              <a:rPr lang="ja-JP" altLang="en-US" sz="1200" b="1" dirty="0" smtClean="0"/>
-              <a:t>被験者</a:t>
-            </a:r>
-            <a:r>
-              <a:rPr lang="ja-JP" altLang="en-US" sz="1200" b="1" dirty="0" smtClean="0"/>
-              <a:t>実験を行いました。</a:t>
-            </a:r>
-            <a:endParaRPr lang="en-US" altLang="ja-JP" sz="1200" b="1" dirty="0" smtClean="0"/>
-          </a:p>
-          <a:p>
-            <a:endParaRPr kumimoji="1" lang="en-US" altLang="ja-JP" sz="1200" dirty="0" smtClean="0"/>
-          </a:p>
-          <a:p>
-            <a:pPr marL="0" marR="0" lvl="1" indent="0" algn="l" defTabSz="914400" rtl="0" eaLnBrk="1" fontAlgn="auto" latinLnBrk="0" hangingPunct="1">
-              <a:lnSpc>
-                <a:spcPct val="100000"/>
-              </a:lnSpc>
-              <a:spcBef>
-                <a:spcPts val="0"/>
-              </a:spcBef>
-              <a:spcAft>
-                <a:spcPts val="0"/>
-              </a:spcAft>
-              <a:buClrTx/>
-              <a:buSzTx/>
-              <a:buFontTx/>
-              <a:buNone/>
-              <a:tabLst/>
-              <a:defRPr/>
-            </a:pPr>
-            <a:r>
-              <a:rPr kumimoji="1" lang="ja-JP" altLang="en-US" sz="1200" dirty="0" smtClean="0"/>
-              <a:t>具体的には、情報科学を専攻する修士課程の学生</a:t>
-            </a:r>
-            <a:r>
-              <a:rPr kumimoji="1" lang="en-US" altLang="ja-JP" sz="1200" dirty="0" smtClean="0"/>
-              <a:t>10</a:t>
-            </a:r>
-            <a:r>
-              <a:rPr kumimoji="1" lang="ja-JP" altLang="en-US" sz="1200" dirty="0" smtClean="0"/>
-              <a:t>人に対して</a:t>
-            </a:r>
-            <a:r>
-              <a:rPr kumimoji="1" lang="ja-JP" altLang="en-US" sz="1200" b="1" dirty="0" smtClean="0"/>
-              <a:t>プログラムとその仕様が書かれた</a:t>
-            </a:r>
-            <a:r>
-              <a:rPr kumimoji="1" lang="en-US" altLang="ja-JP" sz="1200" b="1" dirty="0" smtClean="0"/>
-              <a:t>3</a:t>
-            </a:r>
-            <a:r>
-              <a:rPr kumimoji="1" lang="ja-JP" altLang="en-US" sz="1200" b="1" dirty="0" err="1" smtClean="0"/>
-              <a:t>つの</a:t>
-            </a:r>
-            <a:r>
-              <a:rPr kumimoji="1" lang="ja-JP" altLang="en-US" sz="1200" b="1" dirty="0" smtClean="0"/>
-              <a:t>タスクを与え</a:t>
-            </a:r>
-            <a:r>
-              <a:rPr kumimoji="1" lang="ja-JP" altLang="en-US" sz="1200" dirty="0" smtClean="0"/>
-              <a:t>、各タスクのテストコードを作成してもらいました。</a:t>
-            </a:r>
-            <a:endParaRPr kumimoji="1" lang="en-US" altLang="ja-JP" sz="1200" dirty="0" smtClean="0"/>
-          </a:p>
-          <a:p>
-            <a:pPr marL="0" marR="0" lvl="1" indent="0" algn="l" defTabSz="914400" rtl="0" eaLnBrk="1" fontAlgn="auto" latinLnBrk="0" hangingPunct="1">
-              <a:lnSpc>
-                <a:spcPct val="100000"/>
-              </a:lnSpc>
-              <a:spcBef>
-                <a:spcPts val="0"/>
-              </a:spcBef>
-              <a:spcAft>
-                <a:spcPts val="0"/>
-              </a:spcAft>
-              <a:buClrTx/>
-              <a:buSzTx/>
-              <a:buFontTx/>
-              <a:buNone/>
-              <a:tabLst/>
-              <a:defRPr/>
-            </a:pPr>
-            <a:endParaRPr kumimoji="1" lang="en-US" altLang="ja-JP" sz="1200" dirty="0" smtClean="0"/>
-          </a:p>
-          <a:p>
-            <a:pPr marL="0" marR="0" lvl="1" indent="0" algn="l" defTabSz="914400" rtl="0" eaLnBrk="1" fontAlgn="auto" latinLnBrk="0" hangingPunct="1">
-              <a:lnSpc>
-                <a:spcPct val="100000"/>
-              </a:lnSpc>
-              <a:spcBef>
-                <a:spcPts val="0"/>
-              </a:spcBef>
-              <a:spcAft>
-                <a:spcPts val="0"/>
-              </a:spcAft>
-              <a:buClrTx/>
-              <a:buSzTx/>
-              <a:buFontTx/>
-              <a:buNone/>
-              <a:tabLst/>
-              <a:defRPr/>
-            </a:pPr>
-            <a:r>
-              <a:rPr kumimoji="1" lang="ja-JP" altLang="en-US" sz="1200" dirty="0" smtClean="0"/>
-              <a:t>こちらが、実験タスクの概要になります。各タスクで違いを出すために、</a:t>
-            </a:r>
-            <a:r>
-              <a:rPr kumimoji="1" lang="ja-JP" altLang="en-US" sz="1200" u="sng" dirty="0" smtClean="0"/>
-              <a:t>プログラムの条件分岐の数が異なっており、タスク</a:t>
-            </a:r>
-            <a:r>
-              <a:rPr kumimoji="1" lang="en-US" altLang="ja-JP" sz="1200" u="sng" dirty="0" smtClean="0"/>
-              <a:t>1</a:t>
-            </a:r>
-            <a:r>
-              <a:rPr kumimoji="1" lang="ja-JP" altLang="en-US" sz="1200" u="sng" dirty="0" smtClean="0"/>
-              <a:t>から</a:t>
-            </a:r>
-            <a:r>
-              <a:rPr kumimoji="1" lang="en-US" altLang="ja-JP" sz="1200" u="sng" dirty="0" smtClean="0"/>
-              <a:t>3</a:t>
-            </a:r>
-            <a:r>
-              <a:rPr kumimoji="1" lang="ja-JP" altLang="en-US" sz="1200" u="sng" dirty="0" smtClean="0"/>
-              <a:t>に行くにつれて分岐の数が多くなり複雑なプログラムになっています。</a:t>
-            </a:r>
-            <a:endParaRPr kumimoji="1" lang="en-US" altLang="ja-JP" sz="1200" u="sng" dirty="0" smtClean="0"/>
-          </a:p>
-          <a:p>
-            <a:pPr marL="0" marR="0" lvl="1" indent="0" algn="l" defTabSz="914400" rtl="0" eaLnBrk="1" fontAlgn="auto" latinLnBrk="0" hangingPunct="1">
-              <a:lnSpc>
-                <a:spcPct val="100000"/>
-              </a:lnSpc>
-              <a:spcBef>
-                <a:spcPts val="0"/>
-              </a:spcBef>
-              <a:spcAft>
-                <a:spcPts val="0"/>
-              </a:spcAft>
-              <a:buClrTx/>
-              <a:buSzTx/>
-              <a:buFontTx/>
-              <a:buNone/>
-              <a:tabLst/>
-              <a:defRPr/>
-            </a:pPr>
-            <a:endParaRPr kumimoji="1" lang="en-US" altLang="ja-JP" sz="1200" dirty="0" smtClean="0"/>
-          </a:p>
-          <a:p>
-            <a:pPr marL="0" marR="0" lvl="1" indent="0" algn="l" defTabSz="914400" rtl="0" eaLnBrk="1" fontAlgn="auto" latinLnBrk="0" hangingPunct="1">
-              <a:lnSpc>
-                <a:spcPct val="100000"/>
-              </a:lnSpc>
-              <a:spcBef>
-                <a:spcPts val="0"/>
-              </a:spcBef>
-              <a:spcAft>
-                <a:spcPts val="0"/>
-              </a:spcAft>
-              <a:buClrTx/>
-              <a:buSzTx/>
-              <a:buFontTx/>
-              <a:buNone/>
-              <a:tabLst/>
-              <a:defRPr/>
-            </a:pPr>
-            <a:r>
-              <a:rPr kumimoji="1" lang="ja-JP" altLang="en-US" sz="1200" dirty="0" smtClean="0"/>
-              <a:t>そして、</a:t>
-            </a:r>
-            <a:r>
-              <a:rPr lang="en-US" altLang="ja-JP" dirty="0" err="1" smtClean="0"/>
-              <a:t>SuiteRec</a:t>
-            </a:r>
-            <a:r>
-              <a:rPr lang="ja-JP" altLang="en-US" dirty="0" smtClean="0"/>
-              <a:t>を使用した場合とそうでない場合で被験者が作成したテストコード比較することで評価します</a:t>
-            </a:r>
-            <a:endParaRPr lang="en-US" altLang="ja-JP" dirty="0" smtClean="0"/>
-          </a:p>
-          <a:p>
-            <a:pPr marL="0" marR="0" lvl="1" indent="0" algn="l" defTabSz="914400" rtl="0" eaLnBrk="1" fontAlgn="auto" latinLnBrk="0" hangingPunct="1">
-              <a:lnSpc>
-                <a:spcPct val="100000"/>
-              </a:lnSpc>
-              <a:spcBef>
-                <a:spcPts val="0"/>
-              </a:spcBef>
-              <a:spcAft>
-                <a:spcPts val="0"/>
-              </a:spcAft>
-              <a:buClrTx/>
-              <a:buSzTx/>
-              <a:buFontTx/>
-              <a:buNone/>
-              <a:tabLst/>
-              <a:defRPr/>
-            </a:pPr>
-            <a:endParaRPr lang="en-US" altLang="ja-JP" dirty="0" smtClean="0"/>
-          </a:p>
-          <a:p>
-            <a:pPr marL="0" marR="0" lvl="1" indent="0" algn="l" defTabSz="914400" rtl="0" eaLnBrk="1" fontAlgn="auto" latinLnBrk="0" hangingPunct="1">
-              <a:lnSpc>
-                <a:spcPct val="100000"/>
-              </a:lnSpc>
-              <a:spcBef>
-                <a:spcPts val="0"/>
-              </a:spcBef>
-              <a:spcAft>
-                <a:spcPts val="0"/>
-              </a:spcAft>
-              <a:buClrTx/>
-              <a:buSzTx/>
-              <a:buFontTx/>
-              <a:buNone/>
-              <a:tabLst/>
-              <a:defRPr/>
-            </a:pPr>
-            <a:r>
-              <a:rPr lang="ja-JP" altLang="en-US" dirty="0" smtClean="0"/>
-              <a:t>また、定性的な評価をするために、</a:t>
-            </a:r>
-            <a:r>
-              <a:rPr lang="ja-JP" altLang="en-US" b="1" dirty="0" smtClean="0"/>
-              <a:t>実験後の被験者に</a:t>
-            </a:r>
-            <a:r>
-              <a:rPr lang="ja-JP" altLang="en-US" dirty="0" smtClean="0"/>
-              <a:t>～～ました。</a:t>
-            </a:r>
-            <a:endParaRPr lang="en-US" altLang="ja-JP" dirty="0" smtClean="0"/>
-          </a:p>
-          <a:p>
-            <a:pPr marL="0" marR="0" lvl="1" indent="0" algn="l" defTabSz="914400" rtl="0" eaLnBrk="1" fontAlgn="auto" latinLnBrk="0" hangingPunct="1">
-              <a:lnSpc>
-                <a:spcPct val="100000"/>
-              </a:lnSpc>
-              <a:spcBef>
-                <a:spcPts val="0"/>
-              </a:spcBef>
-              <a:spcAft>
-                <a:spcPts val="0"/>
-              </a:spcAft>
-              <a:buClrTx/>
-              <a:buSzTx/>
-              <a:buFontTx/>
-              <a:buNone/>
-              <a:tabLst/>
-              <a:defRPr/>
-            </a:pPr>
-            <a:endParaRPr kumimoji="1" lang="ja-JP" altLang="en-US" dirty="0"/>
+            <a:endParaRPr kumimoji="1" lang="ja-JP" altLang="en-US"/>
           </a:p>
         </p:txBody>
       </p:sp>
@@ -8756,7 +7908,7 @@
           <a:p>
             <a:fld id="{A375FAFC-A5AB-4FEC-AA23-92E34682EFAF}" type="slidenum">
               <a:rPr kumimoji="1" lang="ja-JP" altLang="en-US" smtClean="0"/>
-              <a:t>36</a:t>
+              <a:t>25</a:t>
             </a:fld>
             <a:endParaRPr kumimoji="1" lang="ja-JP" altLang="en-US"/>
           </a:p>
@@ -8765,7 +7917,467 @@
     </p:spTree>
     <p:extLst>
       <p:ext uri="{BB962C8B-B14F-4D97-AF65-F5344CB8AC3E}">
-        <p14:creationId xmlns:p14="http://schemas.microsoft.com/office/powerpoint/2010/main" val="2588547504"/>
+        <p14:creationId xmlns:p14="http://schemas.microsoft.com/office/powerpoint/2010/main" val="2040908575"/>
+      </p:ext>
+    </p:extLst>
+  </p:cSld>
+  <p:clrMapOvr>
+    <a:masterClrMapping/>
+  </p:clrMapOvr>
+</p:notes>
+</file>
+
+<file path=ppt/notesSlides/notesSlide26.xml><?xml version="1.0" encoding="utf-8"?>
+<p:notes xmlns:a="http://schemas.openxmlformats.org/drawingml/2006/main" xmlns:r="http://schemas.openxmlformats.org/officeDocument/2006/relationships" xmlns:p="http://schemas.openxmlformats.org/presentationml/2006/main">
+  <p:cSld>
+    <p:spTree>
+      <p:nvGrpSpPr>
+        <p:cNvPr id="1" name=""/>
+        <p:cNvGrpSpPr/>
+        <p:nvPr/>
+      </p:nvGrpSpPr>
+      <p:grpSpPr>
+        <a:xfrm>
+          <a:off x="0" y="0"/>
+          <a:ext cx="0" cy="0"/>
+          <a:chOff x="0" y="0"/>
+          <a:chExt cx="0" cy="0"/>
+        </a:xfrm>
+      </p:grpSpPr>
+      <p:sp>
+        <p:nvSpPr>
+          <p:cNvPr id="2" name="スライド イメージ プレースホルダー 1"/>
+          <p:cNvSpPr>
+            <a:spLocks noGrp="1" noRot="1" noChangeAspect="1"/>
+          </p:cNvSpPr>
+          <p:nvPr>
+            <p:ph type="sldImg"/>
+          </p:nvPr>
+        </p:nvSpPr>
+        <p:spPr/>
+      </p:sp>
+      <p:sp>
+        <p:nvSpPr>
+          <p:cNvPr id="3" name="ノート プレースホルダー 2"/>
+          <p:cNvSpPr>
+            <a:spLocks noGrp="1"/>
+          </p:cNvSpPr>
+          <p:nvPr>
+            <p:ph type="body" idx="1"/>
+          </p:nvPr>
+        </p:nvSpPr>
+        <p:spPr/>
+        <p:txBody>
+          <a:bodyPr/>
+          <a:lstStyle/>
+          <a:p>
+            <a:endParaRPr kumimoji="1" lang="ja-JP" altLang="en-US"/>
+          </a:p>
+        </p:txBody>
+      </p:sp>
+      <p:sp>
+        <p:nvSpPr>
+          <p:cNvPr id="4" name="スライド番号プレースホルダー 3"/>
+          <p:cNvSpPr>
+            <a:spLocks noGrp="1"/>
+          </p:cNvSpPr>
+          <p:nvPr>
+            <p:ph type="sldNum" sz="quarter" idx="10"/>
+          </p:nvPr>
+        </p:nvSpPr>
+        <p:spPr/>
+        <p:txBody>
+          <a:bodyPr/>
+          <a:lstStyle/>
+          <a:p>
+            <a:fld id="{A375FAFC-A5AB-4FEC-AA23-92E34682EFAF}" type="slidenum">
+              <a:rPr kumimoji="1" lang="ja-JP" altLang="en-US" smtClean="0"/>
+              <a:t>26</a:t>
+            </a:fld>
+            <a:endParaRPr kumimoji="1" lang="ja-JP" altLang="en-US"/>
+          </a:p>
+        </p:txBody>
+      </p:sp>
+    </p:spTree>
+    <p:extLst>
+      <p:ext uri="{BB962C8B-B14F-4D97-AF65-F5344CB8AC3E}">
+        <p14:creationId xmlns:p14="http://schemas.microsoft.com/office/powerpoint/2010/main" val="277799946"/>
+      </p:ext>
+    </p:extLst>
+  </p:cSld>
+  <p:clrMapOvr>
+    <a:masterClrMapping/>
+  </p:clrMapOvr>
+</p:notes>
+</file>
+
+<file path=ppt/notesSlides/notesSlide27.xml><?xml version="1.0" encoding="utf-8"?>
+<p:notes xmlns:a="http://schemas.openxmlformats.org/drawingml/2006/main" xmlns:r="http://schemas.openxmlformats.org/officeDocument/2006/relationships" xmlns:p="http://schemas.openxmlformats.org/presentationml/2006/main">
+  <p:cSld>
+    <p:spTree>
+      <p:nvGrpSpPr>
+        <p:cNvPr id="1" name=""/>
+        <p:cNvGrpSpPr/>
+        <p:nvPr/>
+      </p:nvGrpSpPr>
+      <p:grpSpPr>
+        <a:xfrm>
+          <a:off x="0" y="0"/>
+          <a:ext cx="0" cy="0"/>
+          <a:chOff x="0" y="0"/>
+          <a:chExt cx="0" cy="0"/>
+        </a:xfrm>
+      </p:grpSpPr>
+      <p:sp>
+        <p:nvSpPr>
+          <p:cNvPr id="2" name="スライド イメージ プレースホルダー 1"/>
+          <p:cNvSpPr>
+            <a:spLocks noGrp="1" noRot="1" noChangeAspect="1"/>
+          </p:cNvSpPr>
+          <p:nvPr>
+            <p:ph type="sldImg"/>
+          </p:nvPr>
+        </p:nvSpPr>
+        <p:spPr/>
+      </p:sp>
+      <p:sp>
+        <p:nvSpPr>
+          <p:cNvPr id="3" name="ノート プレースホルダー 2"/>
+          <p:cNvSpPr>
+            <a:spLocks noGrp="1"/>
+          </p:cNvSpPr>
+          <p:nvPr>
+            <p:ph type="body" idx="1"/>
+          </p:nvPr>
+        </p:nvSpPr>
+        <p:spPr/>
+        <p:txBody>
+          <a:bodyPr/>
+          <a:lstStyle/>
+          <a:p>
+            <a:endParaRPr kumimoji="1" lang="ja-JP" altLang="en-US"/>
+          </a:p>
+        </p:txBody>
+      </p:sp>
+      <p:sp>
+        <p:nvSpPr>
+          <p:cNvPr id="4" name="スライド番号プレースホルダー 3"/>
+          <p:cNvSpPr>
+            <a:spLocks noGrp="1"/>
+          </p:cNvSpPr>
+          <p:nvPr>
+            <p:ph type="sldNum" sz="quarter" idx="10"/>
+          </p:nvPr>
+        </p:nvSpPr>
+        <p:spPr/>
+        <p:txBody>
+          <a:bodyPr/>
+          <a:lstStyle/>
+          <a:p>
+            <a:fld id="{A375FAFC-A5AB-4FEC-AA23-92E34682EFAF}" type="slidenum">
+              <a:rPr kumimoji="1" lang="ja-JP" altLang="en-US" smtClean="0"/>
+              <a:t>27</a:t>
+            </a:fld>
+            <a:endParaRPr kumimoji="1" lang="ja-JP" altLang="en-US"/>
+          </a:p>
+        </p:txBody>
+      </p:sp>
+    </p:spTree>
+    <p:extLst>
+      <p:ext uri="{BB962C8B-B14F-4D97-AF65-F5344CB8AC3E}">
+        <p14:creationId xmlns:p14="http://schemas.microsoft.com/office/powerpoint/2010/main" val="2045917417"/>
+      </p:ext>
+    </p:extLst>
+  </p:cSld>
+  <p:clrMapOvr>
+    <a:masterClrMapping/>
+  </p:clrMapOvr>
+</p:notes>
+</file>
+
+<file path=ppt/notesSlides/notesSlide28.xml><?xml version="1.0" encoding="utf-8"?>
+<p:notes xmlns:a="http://schemas.openxmlformats.org/drawingml/2006/main" xmlns:r="http://schemas.openxmlformats.org/officeDocument/2006/relationships" xmlns:p="http://schemas.openxmlformats.org/presentationml/2006/main">
+  <p:cSld>
+    <p:spTree>
+      <p:nvGrpSpPr>
+        <p:cNvPr id="1" name=""/>
+        <p:cNvGrpSpPr/>
+        <p:nvPr/>
+      </p:nvGrpSpPr>
+      <p:grpSpPr>
+        <a:xfrm>
+          <a:off x="0" y="0"/>
+          <a:ext cx="0" cy="0"/>
+          <a:chOff x="0" y="0"/>
+          <a:chExt cx="0" cy="0"/>
+        </a:xfrm>
+      </p:grpSpPr>
+      <p:sp>
+        <p:nvSpPr>
+          <p:cNvPr id="2" name="スライド イメージ プレースホルダー 1"/>
+          <p:cNvSpPr>
+            <a:spLocks noGrp="1" noRot="1" noChangeAspect="1"/>
+          </p:cNvSpPr>
+          <p:nvPr>
+            <p:ph type="sldImg"/>
+          </p:nvPr>
+        </p:nvSpPr>
+        <p:spPr/>
+      </p:sp>
+      <p:sp>
+        <p:nvSpPr>
+          <p:cNvPr id="3" name="ノート プレースホルダー 2"/>
+          <p:cNvSpPr>
+            <a:spLocks noGrp="1"/>
+          </p:cNvSpPr>
+          <p:nvPr>
+            <p:ph type="body" idx="1"/>
+          </p:nvPr>
+        </p:nvSpPr>
+        <p:spPr/>
+        <p:txBody>
+          <a:bodyPr/>
+          <a:lstStyle/>
+          <a:p>
+            <a:endParaRPr kumimoji="1" lang="ja-JP" altLang="en-US"/>
+          </a:p>
+        </p:txBody>
+      </p:sp>
+      <p:sp>
+        <p:nvSpPr>
+          <p:cNvPr id="4" name="スライド番号プレースホルダー 3"/>
+          <p:cNvSpPr>
+            <a:spLocks noGrp="1"/>
+          </p:cNvSpPr>
+          <p:nvPr>
+            <p:ph type="sldNum" sz="quarter" idx="10"/>
+          </p:nvPr>
+        </p:nvSpPr>
+        <p:spPr/>
+        <p:txBody>
+          <a:bodyPr/>
+          <a:lstStyle/>
+          <a:p>
+            <a:fld id="{A375FAFC-A5AB-4FEC-AA23-92E34682EFAF}" type="slidenum">
+              <a:rPr kumimoji="1" lang="ja-JP" altLang="en-US" smtClean="0"/>
+              <a:t>28</a:t>
+            </a:fld>
+            <a:endParaRPr kumimoji="1" lang="ja-JP" altLang="en-US"/>
+          </a:p>
+        </p:txBody>
+      </p:sp>
+    </p:spTree>
+    <p:extLst>
+      <p:ext uri="{BB962C8B-B14F-4D97-AF65-F5344CB8AC3E}">
+        <p14:creationId xmlns:p14="http://schemas.microsoft.com/office/powerpoint/2010/main" val="2635096173"/>
+      </p:ext>
+    </p:extLst>
+  </p:cSld>
+  <p:clrMapOvr>
+    <a:masterClrMapping/>
+  </p:clrMapOvr>
+</p:notes>
+</file>
+
+<file path=ppt/notesSlides/notesSlide29.xml><?xml version="1.0" encoding="utf-8"?>
+<p:notes xmlns:a="http://schemas.openxmlformats.org/drawingml/2006/main" xmlns:r="http://schemas.openxmlformats.org/officeDocument/2006/relationships" xmlns:p="http://schemas.openxmlformats.org/presentationml/2006/main">
+  <p:cSld>
+    <p:spTree>
+      <p:nvGrpSpPr>
+        <p:cNvPr id="1" name=""/>
+        <p:cNvGrpSpPr/>
+        <p:nvPr/>
+      </p:nvGrpSpPr>
+      <p:grpSpPr>
+        <a:xfrm>
+          <a:off x="0" y="0"/>
+          <a:ext cx="0" cy="0"/>
+          <a:chOff x="0" y="0"/>
+          <a:chExt cx="0" cy="0"/>
+        </a:xfrm>
+      </p:grpSpPr>
+      <p:sp>
+        <p:nvSpPr>
+          <p:cNvPr id="2" name="スライド イメージ プレースホルダー 1"/>
+          <p:cNvSpPr>
+            <a:spLocks noGrp="1" noRot="1" noChangeAspect="1"/>
+          </p:cNvSpPr>
+          <p:nvPr>
+            <p:ph type="sldImg"/>
+          </p:nvPr>
+        </p:nvSpPr>
+        <p:spPr/>
+      </p:sp>
+      <p:sp>
+        <p:nvSpPr>
+          <p:cNvPr id="3" name="ノート プレースホルダー 2"/>
+          <p:cNvSpPr>
+            <a:spLocks noGrp="1"/>
+          </p:cNvSpPr>
+          <p:nvPr>
+            <p:ph type="body" idx="1"/>
+          </p:nvPr>
+        </p:nvSpPr>
+        <p:spPr/>
+        <p:txBody>
+          <a:bodyPr/>
+          <a:lstStyle/>
+          <a:p>
+            <a:r>
+              <a:rPr kumimoji="1" lang="ja-JP" altLang="en-US" dirty="0" smtClean="0"/>
+              <a:t>実際に、これまでの</a:t>
+            </a:r>
+            <a:r>
+              <a:rPr kumimoji="1" lang="en-US" altLang="ja-JP" dirty="0" smtClean="0"/>
+              <a:t>4</a:t>
+            </a:r>
+            <a:r>
+              <a:rPr kumimoji="1" lang="ja-JP" altLang="en-US" dirty="0" err="1" smtClean="0"/>
+              <a:t>つの</a:t>
+            </a:r>
+            <a:r>
+              <a:rPr kumimoji="1" lang="en-US" altLang="ja-JP" dirty="0" smtClean="0"/>
+              <a:t>Step</a:t>
+            </a:r>
+            <a:r>
+              <a:rPr kumimoji="1" lang="ja-JP" altLang="en-US" dirty="0" smtClean="0"/>
+              <a:t>を通してテストコードを推薦すると多くの時間がかかってしまうので、推薦プロセスを高速化する工夫をしています。</a:t>
+            </a:r>
+            <a:endParaRPr kumimoji="1" lang="en-US" altLang="ja-JP" dirty="0" smtClean="0"/>
+          </a:p>
+          <a:p>
+            <a:endParaRPr kumimoji="1" lang="en-US" altLang="ja-JP" dirty="0" smtClean="0"/>
+          </a:p>
+          <a:p>
+            <a:r>
+              <a:rPr kumimoji="1" lang="ja-JP" altLang="en-US" dirty="0" smtClean="0"/>
+              <a:t>具体的には、大きく二つのことをやっています。</a:t>
+            </a:r>
+            <a:endParaRPr kumimoji="1" lang="en-US" altLang="ja-JP" dirty="0" smtClean="0"/>
+          </a:p>
+          <a:p>
+            <a:endParaRPr kumimoji="1" lang="en-US" altLang="ja-JP" dirty="0" smtClean="0"/>
+          </a:p>
+          <a:p>
+            <a:r>
+              <a:rPr kumimoji="1" lang="en-US" altLang="ja-JP" dirty="0" smtClean="0"/>
+              <a:t>1</a:t>
+            </a:r>
+            <a:r>
+              <a:rPr kumimoji="1" lang="ja-JP" altLang="en-US" dirty="0" smtClean="0"/>
+              <a:t>つは、</a:t>
+            </a:r>
+            <a:r>
+              <a:rPr kumimoji="1" lang="en-US" altLang="ja-JP" dirty="0" smtClean="0"/>
+              <a:t>Step1</a:t>
+            </a:r>
+            <a:r>
+              <a:rPr kumimoji="1" lang="ja-JP" altLang="en-US" dirty="0" smtClean="0"/>
+              <a:t>の類似コード検索を複数並列に実行したことです。本研究で使用した</a:t>
+            </a:r>
+            <a:r>
+              <a:rPr kumimoji="1" lang="en-US" altLang="ja-JP" dirty="0" err="1" smtClean="0"/>
+              <a:t>Nicad</a:t>
+            </a:r>
+            <a:r>
+              <a:rPr kumimoji="1" lang="ja-JP" altLang="en-US" dirty="0" smtClean="0"/>
+              <a:t>は一度に検索できるプロジェクトのサイズに限りがあります。</a:t>
+            </a:r>
+            <a:endParaRPr kumimoji="1" lang="en-US" altLang="ja-JP" dirty="0" smtClean="0"/>
+          </a:p>
+          <a:p>
+            <a:endParaRPr kumimoji="1" lang="en-US" altLang="ja-JP" dirty="0" smtClean="0"/>
+          </a:p>
+          <a:p>
+            <a:r>
+              <a:rPr kumimoji="1" lang="ja-JP" altLang="en-US" dirty="0" smtClean="0"/>
+              <a:t>そこで、前処理としてプロジェクトのサイズを調整してデータベースに格納し、検索処理を複数のプロジェクトに対して並列して実行することで検索時間を短縮しました。</a:t>
+            </a:r>
+            <a:endParaRPr kumimoji="1" lang="en-US" altLang="ja-JP" dirty="0" smtClean="0"/>
+          </a:p>
+          <a:p>
+            <a:endParaRPr kumimoji="1" lang="en-US" altLang="ja-JP" dirty="0" smtClean="0"/>
+          </a:p>
+          <a:p>
+            <a:r>
+              <a:rPr kumimoji="1" lang="en-US" altLang="ja-JP" dirty="0" smtClean="0"/>
+              <a:t>2</a:t>
+            </a:r>
+            <a:r>
+              <a:rPr kumimoji="1" lang="ja-JP" altLang="en-US" dirty="0" smtClean="0"/>
+              <a:t>つ目は</a:t>
+            </a:r>
+            <a:r>
+              <a:rPr kumimoji="1" lang="en-US" altLang="ja-JP" dirty="0" smtClean="0"/>
+              <a:t>Step3</a:t>
+            </a:r>
+            <a:r>
+              <a:rPr kumimoji="1" lang="ja-JP" altLang="en-US" dirty="0" smtClean="0"/>
+              <a:t>のテストスメルを検出する処理を短縮化です。</a:t>
+            </a:r>
+            <a:r>
+              <a:rPr kumimoji="1" lang="en-US" altLang="ja-JP" dirty="0" smtClean="0"/>
+              <a:t>Step3</a:t>
+            </a:r>
+            <a:r>
+              <a:rPr kumimoji="1" lang="ja-JP" altLang="en-US" dirty="0" smtClean="0"/>
+              <a:t>を短縮化するために事前にテストスメルの検出を行い、検出されたテストスメルの情報をテストコードに紐づけてテストコードデータベースに格納しました。</a:t>
+            </a:r>
+            <a:endParaRPr kumimoji="1" lang="en-US" altLang="ja-JP" dirty="0" smtClean="0"/>
+          </a:p>
+          <a:p>
+            <a:endParaRPr kumimoji="1" lang="en-US" altLang="ja-JP" dirty="0" smtClean="0"/>
+          </a:p>
+          <a:p>
+            <a:r>
+              <a:rPr kumimoji="1" lang="ja-JP" altLang="en-US" dirty="0" smtClean="0"/>
+              <a:t>このように事前に前処理を行っておくことで、</a:t>
+            </a:r>
+            <a:r>
+              <a:rPr kumimoji="1" lang="en-US" altLang="ja-JP" dirty="0" err="1" smtClean="0"/>
+              <a:t>SuiteRec</a:t>
+            </a:r>
+            <a:r>
+              <a:rPr kumimoji="1" lang="ja-JP" altLang="en-US" dirty="0" smtClean="0"/>
+              <a:t>は推薦プロセスの高速化を実現しました。</a:t>
+            </a:r>
+            <a:endParaRPr kumimoji="1" lang="en-US" altLang="ja-JP" dirty="0" smtClean="0"/>
+          </a:p>
+          <a:p>
+            <a:endParaRPr kumimoji="1" lang="en-US" altLang="ja-JP" dirty="0" smtClean="0"/>
+          </a:p>
+          <a:p>
+            <a:endParaRPr kumimoji="1" lang="ja-JP" altLang="en-US" dirty="0"/>
+          </a:p>
+        </p:txBody>
+      </p:sp>
+      <p:sp>
+        <p:nvSpPr>
+          <p:cNvPr id="4" name="スライド番号プレースホルダー 3"/>
+          <p:cNvSpPr>
+            <a:spLocks noGrp="1"/>
+          </p:cNvSpPr>
+          <p:nvPr>
+            <p:ph type="sldNum" sz="quarter" idx="10"/>
+          </p:nvPr>
+        </p:nvSpPr>
+        <p:spPr/>
+        <p:txBody>
+          <a:bodyPr/>
+          <a:lstStyle/>
+          <a:p>
+            <a:fld id="{A375FAFC-A5AB-4FEC-AA23-92E34682EFAF}" type="slidenum">
+              <a:rPr kumimoji="1" lang="ja-JP" altLang="en-US" smtClean="0"/>
+              <a:t>29</a:t>
+            </a:fld>
+            <a:endParaRPr kumimoji="1" lang="ja-JP" altLang="en-US"/>
+          </a:p>
+        </p:txBody>
+      </p:sp>
+    </p:spTree>
+    <p:extLst>
+      <p:ext uri="{BB962C8B-B14F-4D97-AF65-F5344CB8AC3E}">
+        <p14:creationId xmlns:p14="http://schemas.microsoft.com/office/powerpoint/2010/main" val="1580538660"/>
       </p:ext>
     </p:extLst>
   </p:cSld>
@@ -8898,6 +8510,1570 @@
     <p:extLst>
       <p:ext uri="{BB962C8B-B14F-4D97-AF65-F5344CB8AC3E}">
         <p14:creationId xmlns:p14="http://schemas.microsoft.com/office/powerpoint/2010/main" val="1134456064"/>
+      </p:ext>
+    </p:extLst>
+  </p:cSld>
+  <p:clrMapOvr>
+    <a:masterClrMapping/>
+  </p:clrMapOvr>
+</p:notes>
+</file>
+
+<file path=ppt/notesSlides/notesSlide30.xml><?xml version="1.0" encoding="utf-8"?>
+<p:notes xmlns:a="http://schemas.openxmlformats.org/drawingml/2006/main" xmlns:r="http://schemas.openxmlformats.org/officeDocument/2006/relationships" xmlns:p="http://schemas.openxmlformats.org/presentationml/2006/main">
+  <p:cSld>
+    <p:spTree>
+      <p:nvGrpSpPr>
+        <p:cNvPr id="1" name=""/>
+        <p:cNvGrpSpPr/>
+        <p:nvPr/>
+      </p:nvGrpSpPr>
+      <p:grpSpPr>
+        <a:xfrm>
+          <a:off x="0" y="0"/>
+          <a:ext cx="0" cy="0"/>
+          <a:chOff x="0" y="0"/>
+          <a:chExt cx="0" cy="0"/>
+        </a:xfrm>
+      </p:grpSpPr>
+      <p:sp>
+        <p:nvSpPr>
+          <p:cNvPr id="2" name="スライド イメージ プレースホルダー 1"/>
+          <p:cNvSpPr>
+            <a:spLocks noGrp="1" noRot="1" noChangeAspect="1"/>
+          </p:cNvSpPr>
+          <p:nvPr>
+            <p:ph type="sldImg"/>
+          </p:nvPr>
+        </p:nvSpPr>
+        <p:spPr/>
+      </p:sp>
+      <p:sp>
+        <p:nvSpPr>
+          <p:cNvPr id="3" name="ノート プレースホルダー 2"/>
+          <p:cNvSpPr>
+            <a:spLocks noGrp="1"/>
+          </p:cNvSpPr>
+          <p:nvPr>
+            <p:ph type="body" idx="1"/>
+          </p:nvPr>
+        </p:nvSpPr>
+        <p:spPr/>
+        <p:txBody>
+          <a:bodyPr/>
+          <a:lstStyle/>
+          <a:p>
+            <a:endParaRPr kumimoji="1" lang="ja-JP" altLang="en-US"/>
+          </a:p>
+        </p:txBody>
+      </p:sp>
+      <p:sp>
+        <p:nvSpPr>
+          <p:cNvPr id="4" name="スライド番号プレースホルダー 3"/>
+          <p:cNvSpPr>
+            <a:spLocks noGrp="1"/>
+          </p:cNvSpPr>
+          <p:nvPr>
+            <p:ph type="sldNum" sz="quarter" idx="10"/>
+          </p:nvPr>
+        </p:nvSpPr>
+        <p:spPr/>
+        <p:txBody>
+          <a:bodyPr/>
+          <a:lstStyle/>
+          <a:p>
+            <a:fld id="{A375FAFC-A5AB-4FEC-AA23-92E34682EFAF}" type="slidenum">
+              <a:rPr kumimoji="1" lang="ja-JP" altLang="en-US" smtClean="0"/>
+              <a:t>30</a:t>
+            </a:fld>
+            <a:endParaRPr kumimoji="1" lang="ja-JP" altLang="en-US"/>
+          </a:p>
+        </p:txBody>
+      </p:sp>
+    </p:spTree>
+    <p:extLst>
+      <p:ext uri="{BB962C8B-B14F-4D97-AF65-F5344CB8AC3E}">
+        <p14:creationId xmlns:p14="http://schemas.microsoft.com/office/powerpoint/2010/main" val="539366173"/>
+      </p:ext>
+    </p:extLst>
+  </p:cSld>
+  <p:clrMapOvr>
+    <a:masterClrMapping/>
+  </p:clrMapOvr>
+</p:notes>
+</file>
+
+<file path=ppt/notesSlides/notesSlide31.xml><?xml version="1.0" encoding="utf-8"?>
+<p:notes xmlns:a="http://schemas.openxmlformats.org/drawingml/2006/main" xmlns:r="http://schemas.openxmlformats.org/officeDocument/2006/relationships" xmlns:p="http://schemas.openxmlformats.org/presentationml/2006/main">
+  <p:cSld>
+    <p:spTree>
+      <p:nvGrpSpPr>
+        <p:cNvPr id="1" name=""/>
+        <p:cNvGrpSpPr/>
+        <p:nvPr/>
+      </p:nvGrpSpPr>
+      <p:grpSpPr>
+        <a:xfrm>
+          <a:off x="0" y="0"/>
+          <a:ext cx="0" cy="0"/>
+          <a:chOff x="0" y="0"/>
+          <a:chExt cx="0" cy="0"/>
+        </a:xfrm>
+      </p:grpSpPr>
+      <p:sp>
+        <p:nvSpPr>
+          <p:cNvPr id="2" name="スライド イメージ プレースホルダー 1"/>
+          <p:cNvSpPr>
+            <a:spLocks noGrp="1" noRot="1" noChangeAspect="1"/>
+          </p:cNvSpPr>
+          <p:nvPr>
+            <p:ph type="sldImg"/>
+          </p:nvPr>
+        </p:nvSpPr>
+        <p:spPr/>
+      </p:sp>
+      <p:sp>
+        <p:nvSpPr>
+          <p:cNvPr id="3" name="ノート プレースホルダー 2"/>
+          <p:cNvSpPr>
+            <a:spLocks noGrp="1"/>
+          </p:cNvSpPr>
+          <p:nvPr>
+            <p:ph type="body" idx="1"/>
+          </p:nvPr>
+        </p:nvSpPr>
+        <p:spPr/>
+        <p:txBody>
+          <a:bodyPr/>
+          <a:lstStyle/>
+          <a:p>
+            <a:r>
+              <a:rPr kumimoji="1" lang="ja-JP" altLang="en-US" dirty="0" smtClean="0"/>
+              <a:t>次に</a:t>
+            </a:r>
+            <a:r>
+              <a:rPr kumimoji="1" lang="en-US" altLang="ja-JP" dirty="0" smtClean="0"/>
+              <a:t>RQ2</a:t>
+            </a:r>
+            <a:r>
+              <a:rPr kumimoji="1" lang="ja-JP" altLang="en-US" dirty="0" smtClean="0"/>
+              <a:t>は、</a:t>
+            </a:r>
+            <a:r>
+              <a:rPr kumimoji="1" lang="en-US" altLang="ja-JP" dirty="0" err="1" smtClean="0"/>
+              <a:t>SuiteRec</a:t>
+            </a:r>
+            <a:r>
+              <a:rPr kumimoji="1" lang="ja-JP" altLang="en-US" dirty="0" smtClean="0"/>
+              <a:t>は、開発者のテストコードの作成時間を削減できるか？という質問です。</a:t>
+            </a:r>
+            <a:endParaRPr kumimoji="1" lang="en-US" altLang="ja-JP" dirty="0" smtClean="0"/>
+          </a:p>
+          <a:p>
+            <a:endParaRPr kumimoji="1" lang="en-US" altLang="ja-JP" dirty="0" smtClean="0"/>
+          </a:p>
+          <a:p>
+            <a:r>
+              <a:rPr kumimoji="1" lang="ja-JP" altLang="en-US" dirty="0" smtClean="0"/>
+              <a:t>この質問に答えるために、被験者のタスク完了までの時間を比較しました。</a:t>
+            </a:r>
+            <a:endParaRPr kumimoji="1" lang="en-US" altLang="ja-JP" dirty="0" smtClean="0"/>
+          </a:p>
+          <a:p>
+            <a:endParaRPr kumimoji="1" lang="en-US" altLang="ja-JP" dirty="0" smtClean="0"/>
+          </a:p>
+          <a:p>
+            <a:r>
+              <a:rPr kumimoji="1" lang="ja-JP" altLang="en-US" dirty="0" smtClean="0"/>
+              <a:t>この図は、各被験者のタスク完了までに費やした時間の分布が示されています。</a:t>
+            </a:r>
+            <a:endParaRPr kumimoji="1" lang="en-US" altLang="ja-JP" dirty="0" smtClean="0"/>
+          </a:p>
+          <a:p>
+            <a:endParaRPr kumimoji="1" lang="en-US" altLang="ja-JP" dirty="0" smtClean="0"/>
+          </a:p>
+          <a:p>
+            <a:r>
+              <a:rPr lang="ja-JP" altLang="en-US" sz="1200" dirty="0" smtClean="0">
+                <a:latin typeface="メイリオ" panose="020B0604030504040204" pitchFamily="50" charset="-128"/>
+                <a:ea typeface="メイリオ" panose="020B0604030504040204" pitchFamily="50" charset="-128"/>
+              </a:rPr>
+              <a:t>結果をみるとタスク</a:t>
+            </a:r>
+            <a:r>
+              <a:rPr lang="en-US" altLang="ja-JP" sz="1200" dirty="0" smtClean="0">
+                <a:latin typeface="メイリオ" panose="020B0604030504040204" pitchFamily="50" charset="-128"/>
+                <a:ea typeface="メイリオ" panose="020B0604030504040204" pitchFamily="50" charset="-128"/>
+              </a:rPr>
+              <a:t>1,3</a:t>
+            </a:r>
+            <a:r>
+              <a:rPr lang="ja-JP" altLang="en-US" sz="1200" dirty="0" smtClean="0">
+                <a:latin typeface="メイリオ" panose="020B0604030504040204" pitchFamily="50" charset="-128"/>
+                <a:ea typeface="メイリオ" panose="020B0604030504040204" pitchFamily="50" charset="-128"/>
+              </a:rPr>
+              <a:t>は、</a:t>
+            </a:r>
+            <a:r>
+              <a:rPr kumimoji="1" lang="en-US" altLang="ja-JP" u="sng" dirty="0" err="1" smtClean="0"/>
+              <a:t>SuiRec</a:t>
+            </a:r>
+            <a:r>
+              <a:rPr kumimoji="1" lang="ja-JP" altLang="en-US" u="sng" dirty="0" smtClean="0"/>
+              <a:t>を利用した場合の方が、タスク完了までの時間が長いことが分かります。 </a:t>
+            </a:r>
+            <a:endParaRPr kumimoji="1" lang="en-US" altLang="ja-JP" u="sng" dirty="0" smtClean="0"/>
+          </a:p>
+          <a:p>
+            <a:endParaRPr kumimoji="1" lang="en-US" altLang="ja-JP" dirty="0" smtClean="0"/>
+          </a:p>
+          <a:p>
+            <a:r>
+              <a:rPr kumimoji="1" lang="en-US" altLang="ja-JP" b="1" dirty="0" err="1" smtClean="0"/>
+              <a:t>SuiteRec</a:t>
+            </a:r>
+            <a:r>
+              <a:rPr kumimoji="1" lang="ja-JP" altLang="en-US" b="1" dirty="0" smtClean="0"/>
+              <a:t>を利用した場合に、時間がかかる原因として、開発者は、推薦される複数のテストコードを理解し、再利用する際に変更をしなければならないことが考えられます。</a:t>
+            </a:r>
+            <a:endParaRPr kumimoji="1" lang="en-US" altLang="ja-JP" b="1" dirty="0" smtClean="0"/>
+          </a:p>
+          <a:p>
+            <a:endParaRPr kumimoji="1" lang="en-US" altLang="ja-JP" dirty="0" smtClean="0"/>
+          </a:p>
+          <a:p>
+            <a:r>
+              <a:rPr kumimoji="1" lang="ja-JP" altLang="en-US" dirty="0" smtClean="0"/>
+              <a:t>一方で、タスク</a:t>
+            </a:r>
+            <a:r>
+              <a:rPr kumimoji="1" lang="en-US" altLang="ja-JP" dirty="0" smtClean="0"/>
+              <a:t>2</a:t>
+            </a:r>
+            <a:r>
+              <a:rPr kumimoji="1" lang="ja-JP" altLang="en-US" dirty="0" smtClean="0"/>
+              <a:t>については、</a:t>
+            </a:r>
+            <a:r>
+              <a:rPr kumimoji="1" lang="en-US" altLang="ja-JP" dirty="0" err="1" smtClean="0"/>
+              <a:t>SuiteRec</a:t>
+            </a:r>
+            <a:r>
+              <a:rPr kumimoji="1" lang="ja-JP" altLang="en-US" dirty="0" smtClean="0"/>
+              <a:t>を使用した方がタスク完了時間が短いことが分かる。</a:t>
+            </a:r>
+            <a:endParaRPr kumimoji="1" lang="en-US" altLang="ja-JP" dirty="0" smtClean="0"/>
+          </a:p>
+          <a:p>
+            <a:endParaRPr kumimoji="1" lang="en-US" altLang="ja-JP" dirty="0" smtClean="0"/>
+          </a:p>
+          <a:p>
+            <a:r>
+              <a:rPr kumimoji="1" lang="ja-JP" altLang="en-US" dirty="0" smtClean="0"/>
+              <a:t>我々は、提出されたテストコードを調査したところ、カバレッジに差はないものの</a:t>
+            </a:r>
+            <a:r>
+              <a:rPr kumimoji="1" lang="en-US" altLang="ja-JP" dirty="0" err="1" smtClean="0"/>
+              <a:t>SuiteRec</a:t>
+            </a:r>
+            <a:r>
+              <a:rPr kumimoji="1" lang="ja-JP" altLang="en-US" dirty="0" smtClean="0"/>
+              <a:t>を使用しない場合は、テスト項目の重複が多いことが分かりました。</a:t>
+            </a:r>
+            <a:endParaRPr kumimoji="1" lang="en-US" altLang="ja-JP" dirty="0" smtClean="0"/>
+          </a:p>
+          <a:p>
+            <a:endParaRPr kumimoji="1" lang="en-US" altLang="ja-JP" dirty="0" smtClean="0"/>
+          </a:p>
+          <a:p>
+            <a:r>
+              <a:rPr kumimoji="1" lang="ja-JP" altLang="en-US" dirty="0" smtClean="0"/>
+              <a:t>この結果から、</a:t>
+            </a:r>
+            <a:r>
+              <a:rPr kumimoji="1" lang="en-US" altLang="ja-JP" dirty="0" err="1" smtClean="0"/>
+              <a:t>SuiteRec</a:t>
+            </a:r>
+            <a:r>
+              <a:rPr kumimoji="1" lang="ja-JP" altLang="en-US" dirty="0" smtClean="0"/>
+              <a:t>を利用は、被験者が無駄なテストコードを作成するのを防ぎ、短期間でのテストコード作成を支援できる場合もあることが分かった。</a:t>
+            </a:r>
+            <a:endParaRPr kumimoji="1" lang="en-US" altLang="ja-JP" dirty="0" smtClean="0"/>
+          </a:p>
+          <a:p>
+            <a:endParaRPr kumimoji="1" lang="en-US" altLang="ja-JP" dirty="0" smtClean="0"/>
+          </a:p>
+          <a:p>
+            <a:r>
+              <a:rPr kumimoji="1" lang="ja-JP" altLang="en-US" dirty="0" smtClean="0"/>
+              <a:t>次に</a:t>
+            </a:r>
+            <a:r>
+              <a:rPr kumimoji="1" lang="en-US" altLang="ja-JP" dirty="0" smtClean="0"/>
+              <a:t>RQ3</a:t>
+            </a:r>
+            <a:r>
+              <a:rPr kumimoji="1" lang="ja-JP" altLang="en-US" dirty="0" err="1" smtClean="0"/>
+              <a:t>です</a:t>
+            </a:r>
+            <a:endParaRPr kumimoji="1" lang="en-US" altLang="ja-JP" dirty="0" smtClean="0"/>
+          </a:p>
+        </p:txBody>
+      </p:sp>
+      <p:sp>
+        <p:nvSpPr>
+          <p:cNvPr id="4" name="スライド番号プレースホルダー 3"/>
+          <p:cNvSpPr>
+            <a:spLocks noGrp="1"/>
+          </p:cNvSpPr>
+          <p:nvPr>
+            <p:ph type="sldNum" sz="quarter" idx="10"/>
+          </p:nvPr>
+        </p:nvSpPr>
+        <p:spPr/>
+        <p:txBody>
+          <a:bodyPr/>
+          <a:lstStyle/>
+          <a:p>
+            <a:fld id="{A375FAFC-A5AB-4FEC-AA23-92E34682EFAF}" type="slidenum">
+              <a:rPr kumimoji="1" lang="ja-JP" altLang="en-US" smtClean="0"/>
+              <a:t>31</a:t>
+            </a:fld>
+            <a:endParaRPr kumimoji="1" lang="ja-JP" altLang="en-US"/>
+          </a:p>
+        </p:txBody>
+      </p:sp>
+    </p:spTree>
+    <p:extLst>
+      <p:ext uri="{BB962C8B-B14F-4D97-AF65-F5344CB8AC3E}">
+        <p14:creationId xmlns:p14="http://schemas.microsoft.com/office/powerpoint/2010/main" val="638208642"/>
+      </p:ext>
+    </p:extLst>
+  </p:cSld>
+  <p:clrMapOvr>
+    <a:masterClrMapping/>
+  </p:clrMapOvr>
+</p:notes>
+</file>
+
+<file path=ppt/notesSlides/notesSlide32.xml><?xml version="1.0" encoding="utf-8"?>
+<p:notes xmlns:a="http://schemas.openxmlformats.org/drawingml/2006/main" xmlns:r="http://schemas.openxmlformats.org/officeDocument/2006/relationships" xmlns:p="http://schemas.openxmlformats.org/presentationml/2006/main">
+  <p:cSld>
+    <p:spTree>
+      <p:nvGrpSpPr>
+        <p:cNvPr id="1" name=""/>
+        <p:cNvGrpSpPr/>
+        <p:nvPr/>
+      </p:nvGrpSpPr>
+      <p:grpSpPr>
+        <a:xfrm>
+          <a:off x="0" y="0"/>
+          <a:ext cx="0" cy="0"/>
+          <a:chOff x="0" y="0"/>
+          <a:chExt cx="0" cy="0"/>
+        </a:xfrm>
+      </p:grpSpPr>
+      <p:sp>
+        <p:nvSpPr>
+          <p:cNvPr id="2" name="スライド イメージ プレースホルダー 1"/>
+          <p:cNvSpPr>
+            <a:spLocks noGrp="1" noRot="1" noChangeAspect="1"/>
+          </p:cNvSpPr>
+          <p:nvPr>
+            <p:ph type="sldImg"/>
+          </p:nvPr>
+        </p:nvSpPr>
+        <p:spPr/>
+      </p:sp>
+      <p:sp>
+        <p:nvSpPr>
+          <p:cNvPr id="3" name="ノート プレースホルダー 2"/>
+          <p:cNvSpPr>
+            <a:spLocks noGrp="1"/>
+          </p:cNvSpPr>
+          <p:nvPr>
+            <p:ph type="body" idx="1"/>
+          </p:nvPr>
+        </p:nvSpPr>
+        <p:spPr/>
+        <p:txBody>
+          <a:bodyPr/>
+          <a:lstStyle/>
+          <a:p>
+            <a:r>
+              <a:rPr kumimoji="1" lang="ja-JP" altLang="en-US" dirty="0" smtClean="0"/>
+              <a:t>評価実験</a:t>
+            </a:r>
+            <a:r>
+              <a:rPr kumimoji="1" lang="en-US" altLang="ja-JP" dirty="0" smtClean="0"/>
+              <a:t>1</a:t>
+            </a:r>
+            <a:r>
+              <a:rPr kumimoji="1" lang="ja-JP" altLang="en-US" dirty="0" smtClean="0"/>
+              <a:t>では、</a:t>
+            </a:r>
+            <a:r>
+              <a:rPr kumimoji="1" lang="en-US" altLang="ja-JP" b="1" dirty="0" err="1" smtClean="0"/>
+              <a:t>SuiteRec</a:t>
+            </a:r>
+            <a:r>
+              <a:rPr kumimoji="1" lang="ja-JP" altLang="en-US" b="1" dirty="0" smtClean="0"/>
+              <a:t>が開発者の</a:t>
+            </a:r>
+            <a:r>
+              <a:rPr lang="ja-JP" altLang="en-US" sz="1200" b="1" dirty="0" smtClean="0"/>
+              <a:t>テストコード作成をどの程度支援できるかを評価するために被験者実験を行いました。</a:t>
+            </a:r>
+            <a:endParaRPr lang="en-US" altLang="ja-JP" sz="1200" b="1" dirty="0" smtClean="0"/>
+          </a:p>
+          <a:p>
+            <a:endParaRPr kumimoji="1" lang="en-US" altLang="ja-JP" sz="1200" dirty="0" smtClean="0"/>
+          </a:p>
+          <a:p>
+            <a:pPr marL="0" marR="0" lvl="1" indent="0" algn="l" defTabSz="914400" rtl="0" eaLnBrk="1" fontAlgn="auto" latinLnBrk="0" hangingPunct="1">
+              <a:lnSpc>
+                <a:spcPct val="100000"/>
+              </a:lnSpc>
+              <a:spcBef>
+                <a:spcPts val="0"/>
+              </a:spcBef>
+              <a:spcAft>
+                <a:spcPts val="0"/>
+              </a:spcAft>
+              <a:buClrTx/>
+              <a:buSzTx/>
+              <a:buFontTx/>
+              <a:buNone/>
+              <a:tabLst/>
+              <a:defRPr/>
+            </a:pPr>
+            <a:r>
+              <a:rPr kumimoji="1" lang="ja-JP" altLang="en-US" sz="1200" dirty="0" smtClean="0"/>
+              <a:t>具体的には、情報科学を専攻する修士課程の学生</a:t>
+            </a:r>
+            <a:r>
+              <a:rPr kumimoji="1" lang="en-US" altLang="ja-JP" sz="1200" dirty="0" smtClean="0"/>
+              <a:t>10</a:t>
+            </a:r>
+            <a:r>
+              <a:rPr kumimoji="1" lang="ja-JP" altLang="en-US" sz="1200" dirty="0" smtClean="0"/>
+              <a:t>人に対して</a:t>
+            </a:r>
+            <a:r>
+              <a:rPr kumimoji="1" lang="ja-JP" altLang="en-US" sz="1200" b="1" dirty="0" smtClean="0"/>
+              <a:t>プログラムとその仕様が書かれた</a:t>
+            </a:r>
+            <a:r>
+              <a:rPr kumimoji="1" lang="en-US" altLang="ja-JP" sz="1200" b="1" dirty="0" smtClean="0"/>
+              <a:t>3</a:t>
+            </a:r>
+            <a:r>
+              <a:rPr kumimoji="1" lang="ja-JP" altLang="en-US" sz="1200" b="1" dirty="0" err="1" smtClean="0"/>
+              <a:t>つの</a:t>
+            </a:r>
+            <a:r>
+              <a:rPr kumimoji="1" lang="ja-JP" altLang="en-US" sz="1200" b="1" dirty="0" smtClean="0"/>
+              <a:t>タスクを与え</a:t>
+            </a:r>
+            <a:r>
+              <a:rPr kumimoji="1" lang="ja-JP" altLang="en-US" sz="1200" dirty="0" smtClean="0"/>
+              <a:t>、各タスクのテストコードを作成してもらいました。</a:t>
+            </a:r>
+            <a:endParaRPr kumimoji="1" lang="en-US" altLang="ja-JP" sz="1200" dirty="0" smtClean="0"/>
+          </a:p>
+          <a:p>
+            <a:pPr marL="0" marR="0" lvl="1" indent="0" algn="l" defTabSz="914400" rtl="0" eaLnBrk="1" fontAlgn="auto" latinLnBrk="0" hangingPunct="1">
+              <a:lnSpc>
+                <a:spcPct val="100000"/>
+              </a:lnSpc>
+              <a:spcBef>
+                <a:spcPts val="0"/>
+              </a:spcBef>
+              <a:spcAft>
+                <a:spcPts val="0"/>
+              </a:spcAft>
+              <a:buClrTx/>
+              <a:buSzTx/>
+              <a:buFontTx/>
+              <a:buNone/>
+              <a:tabLst/>
+              <a:defRPr/>
+            </a:pPr>
+            <a:endParaRPr kumimoji="1" lang="en-US" altLang="ja-JP" sz="1200" dirty="0" smtClean="0"/>
+          </a:p>
+          <a:p>
+            <a:pPr marL="0" marR="0" lvl="1" indent="0" algn="l" defTabSz="914400" rtl="0" eaLnBrk="1" fontAlgn="auto" latinLnBrk="0" hangingPunct="1">
+              <a:lnSpc>
+                <a:spcPct val="100000"/>
+              </a:lnSpc>
+              <a:spcBef>
+                <a:spcPts val="0"/>
+              </a:spcBef>
+              <a:spcAft>
+                <a:spcPts val="0"/>
+              </a:spcAft>
+              <a:buClrTx/>
+              <a:buSzTx/>
+              <a:buFontTx/>
+              <a:buNone/>
+              <a:tabLst/>
+              <a:defRPr/>
+            </a:pPr>
+            <a:r>
+              <a:rPr kumimoji="1" lang="ja-JP" altLang="en-US" sz="1200" dirty="0" smtClean="0"/>
+              <a:t>こちらが、実験タスクの概要になります。各タスクで違いを出すために、</a:t>
+            </a:r>
+            <a:r>
+              <a:rPr kumimoji="1" lang="ja-JP" altLang="en-US" sz="1200" u="sng" dirty="0" smtClean="0"/>
+              <a:t>プログラムの条件分岐の数が異なっており、タスク</a:t>
+            </a:r>
+            <a:r>
+              <a:rPr kumimoji="1" lang="en-US" altLang="ja-JP" sz="1200" u="sng" dirty="0" smtClean="0"/>
+              <a:t>1</a:t>
+            </a:r>
+            <a:r>
+              <a:rPr kumimoji="1" lang="ja-JP" altLang="en-US" sz="1200" u="sng" dirty="0" smtClean="0"/>
+              <a:t>から</a:t>
+            </a:r>
+            <a:r>
+              <a:rPr kumimoji="1" lang="en-US" altLang="ja-JP" sz="1200" u="sng" dirty="0" smtClean="0"/>
+              <a:t>3</a:t>
+            </a:r>
+            <a:r>
+              <a:rPr kumimoji="1" lang="ja-JP" altLang="en-US" sz="1200" u="sng" dirty="0" smtClean="0"/>
+              <a:t>に行くにつれて分岐の数が多くなり複雑なプログラムになっています。</a:t>
+            </a:r>
+            <a:endParaRPr kumimoji="1" lang="en-US" altLang="ja-JP" sz="1200" u="sng" dirty="0" smtClean="0"/>
+          </a:p>
+          <a:p>
+            <a:pPr marL="0" marR="0" lvl="1" indent="0" algn="l" defTabSz="914400" rtl="0" eaLnBrk="1" fontAlgn="auto" latinLnBrk="0" hangingPunct="1">
+              <a:lnSpc>
+                <a:spcPct val="100000"/>
+              </a:lnSpc>
+              <a:spcBef>
+                <a:spcPts val="0"/>
+              </a:spcBef>
+              <a:spcAft>
+                <a:spcPts val="0"/>
+              </a:spcAft>
+              <a:buClrTx/>
+              <a:buSzTx/>
+              <a:buFontTx/>
+              <a:buNone/>
+              <a:tabLst/>
+              <a:defRPr/>
+            </a:pPr>
+            <a:endParaRPr kumimoji="1" lang="en-US" altLang="ja-JP" sz="1200" dirty="0" smtClean="0"/>
+          </a:p>
+          <a:p>
+            <a:pPr marL="0" marR="0" lvl="1" indent="0" algn="l" defTabSz="914400" rtl="0" eaLnBrk="1" fontAlgn="auto" latinLnBrk="0" hangingPunct="1">
+              <a:lnSpc>
+                <a:spcPct val="100000"/>
+              </a:lnSpc>
+              <a:spcBef>
+                <a:spcPts val="0"/>
+              </a:spcBef>
+              <a:spcAft>
+                <a:spcPts val="0"/>
+              </a:spcAft>
+              <a:buClrTx/>
+              <a:buSzTx/>
+              <a:buFontTx/>
+              <a:buNone/>
+              <a:tabLst/>
+              <a:defRPr/>
+            </a:pPr>
+            <a:r>
+              <a:rPr kumimoji="1" lang="ja-JP" altLang="en-US" sz="1200" dirty="0" smtClean="0"/>
+              <a:t>そして、</a:t>
+            </a:r>
+            <a:r>
+              <a:rPr lang="en-US" altLang="ja-JP" dirty="0" err="1" smtClean="0"/>
+              <a:t>SuiteRec</a:t>
+            </a:r>
+            <a:r>
+              <a:rPr lang="ja-JP" altLang="en-US" dirty="0" smtClean="0"/>
+              <a:t>を使用した場合とそうでない場合で被験者が作成したテストコード比較することで評価します</a:t>
+            </a:r>
+            <a:endParaRPr lang="en-US" altLang="ja-JP" dirty="0" smtClean="0"/>
+          </a:p>
+          <a:p>
+            <a:pPr marL="0" marR="0" lvl="1" indent="0" algn="l" defTabSz="914400" rtl="0" eaLnBrk="1" fontAlgn="auto" latinLnBrk="0" hangingPunct="1">
+              <a:lnSpc>
+                <a:spcPct val="100000"/>
+              </a:lnSpc>
+              <a:spcBef>
+                <a:spcPts val="0"/>
+              </a:spcBef>
+              <a:spcAft>
+                <a:spcPts val="0"/>
+              </a:spcAft>
+              <a:buClrTx/>
+              <a:buSzTx/>
+              <a:buFontTx/>
+              <a:buNone/>
+              <a:tabLst/>
+              <a:defRPr/>
+            </a:pPr>
+            <a:endParaRPr lang="en-US" altLang="ja-JP" dirty="0" smtClean="0"/>
+          </a:p>
+          <a:p>
+            <a:pPr marL="0" marR="0" lvl="1" indent="0" algn="l" defTabSz="914400" rtl="0" eaLnBrk="1" fontAlgn="auto" latinLnBrk="0" hangingPunct="1">
+              <a:lnSpc>
+                <a:spcPct val="100000"/>
+              </a:lnSpc>
+              <a:spcBef>
+                <a:spcPts val="0"/>
+              </a:spcBef>
+              <a:spcAft>
+                <a:spcPts val="0"/>
+              </a:spcAft>
+              <a:buClrTx/>
+              <a:buSzTx/>
+              <a:buFontTx/>
+              <a:buNone/>
+              <a:tabLst/>
+              <a:defRPr/>
+            </a:pPr>
+            <a:r>
+              <a:rPr lang="ja-JP" altLang="en-US" dirty="0" smtClean="0"/>
+              <a:t>また、定性的な評価をするために、</a:t>
+            </a:r>
+            <a:r>
+              <a:rPr lang="ja-JP" altLang="en-US" b="1" dirty="0" smtClean="0"/>
+              <a:t>実験後の被験者に</a:t>
+            </a:r>
+            <a:r>
+              <a:rPr lang="ja-JP" altLang="en-US" dirty="0" smtClean="0"/>
+              <a:t>～～ました。</a:t>
+            </a:r>
+            <a:endParaRPr lang="en-US" altLang="ja-JP" dirty="0" smtClean="0"/>
+          </a:p>
+          <a:p>
+            <a:pPr marL="0" marR="0" lvl="1" indent="0" algn="l" defTabSz="914400" rtl="0" eaLnBrk="1" fontAlgn="auto" latinLnBrk="0" hangingPunct="1">
+              <a:lnSpc>
+                <a:spcPct val="100000"/>
+              </a:lnSpc>
+              <a:spcBef>
+                <a:spcPts val="0"/>
+              </a:spcBef>
+              <a:spcAft>
+                <a:spcPts val="0"/>
+              </a:spcAft>
+              <a:buClrTx/>
+              <a:buSzTx/>
+              <a:buFontTx/>
+              <a:buNone/>
+              <a:tabLst/>
+              <a:defRPr/>
+            </a:pPr>
+            <a:endParaRPr kumimoji="1" lang="ja-JP" altLang="en-US" dirty="0"/>
+          </a:p>
+        </p:txBody>
+      </p:sp>
+      <p:sp>
+        <p:nvSpPr>
+          <p:cNvPr id="4" name="スライド番号プレースホルダー 3"/>
+          <p:cNvSpPr>
+            <a:spLocks noGrp="1"/>
+          </p:cNvSpPr>
+          <p:nvPr>
+            <p:ph type="sldNum" sz="quarter" idx="10"/>
+          </p:nvPr>
+        </p:nvSpPr>
+        <p:spPr/>
+        <p:txBody>
+          <a:bodyPr/>
+          <a:lstStyle/>
+          <a:p>
+            <a:fld id="{A375FAFC-A5AB-4FEC-AA23-92E34682EFAF}" type="slidenum">
+              <a:rPr kumimoji="1" lang="ja-JP" altLang="en-US" smtClean="0"/>
+              <a:t>32</a:t>
+            </a:fld>
+            <a:endParaRPr kumimoji="1" lang="ja-JP" altLang="en-US"/>
+          </a:p>
+        </p:txBody>
+      </p:sp>
+    </p:spTree>
+    <p:extLst>
+      <p:ext uri="{BB962C8B-B14F-4D97-AF65-F5344CB8AC3E}">
+        <p14:creationId xmlns:p14="http://schemas.microsoft.com/office/powerpoint/2010/main" val="2182921646"/>
+      </p:ext>
+    </p:extLst>
+  </p:cSld>
+  <p:clrMapOvr>
+    <a:masterClrMapping/>
+  </p:clrMapOvr>
+</p:notes>
+</file>
+
+<file path=ppt/notesSlides/notesSlide33.xml><?xml version="1.0" encoding="utf-8"?>
+<p:notes xmlns:a="http://schemas.openxmlformats.org/drawingml/2006/main" xmlns:r="http://schemas.openxmlformats.org/officeDocument/2006/relationships" xmlns:p="http://schemas.openxmlformats.org/presentationml/2006/main">
+  <p:cSld>
+    <p:spTree>
+      <p:nvGrpSpPr>
+        <p:cNvPr id="1" name=""/>
+        <p:cNvGrpSpPr/>
+        <p:nvPr/>
+      </p:nvGrpSpPr>
+      <p:grpSpPr>
+        <a:xfrm>
+          <a:off x="0" y="0"/>
+          <a:ext cx="0" cy="0"/>
+          <a:chOff x="0" y="0"/>
+          <a:chExt cx="0" cy="0"/>
+        </a:xfrm>
+      </p:grpSpPr>
+      <p:sp>
+        <p:nvSpPr>
+          <p:cNvPr id="2" name="スライド イメージ プレースホルダー 1"/>
+          <p:cNvSpPr>
+            <a:spLocks noGrp="1" noRot="1" noChangeAspect="1"/>
+          </p:cNvSpPr>
+          <p:nvPr>
+            <p:ph type="sldImg"/>
+          </p:nvPr>
+        </p:nvSpPr>
+        <p:spPr/>
+      </p:sp>
+      <p:sp>
+        <p:nvSpPr>
+          <p:cNvPr id="3" name="ノート プレースホルダー 2"/>
+          <p:cNvSpPr>
+            <a:spLocks noGrp="1"/>
+          </p:cNvSpPr>
+          <p:nvPr>
+            <p:ph type="body" idx="1"/>
+          </p:nvPr>
+        </p:nvSpPr>
+        <p:spPr/>
+        <p:txBody>
+          <a:bodyPr/>
+          <a:lstStyle/>
+          <a:p>
+            <a:endParaRPr kumimoji="1" lang="ja-JP" altLang="en-US"/>
+          </a:p>
+        </p:txBody>
+      </p:sp>
+      <p:sp>
+        <p:nvSpPr>
+          <p:cNvPr id="4" name="スライド番号プレースホルダー 3"/>
+          <p:cNvSpPr>
+            <a:spLocks noGrp="1"/>
+          </p:cNvSpPr>
+          <p:nvPr>
+            <p:ph type="sldNum" sz="quarter" idx="10"/>
+          </p:nvPr>
+        </p:nvSpPr>
+        <p:spPr/>
+        <p:txBody>
+          <a:bodyPr/>
+          <a:lstStyle/>
+          <a:p>
+            <a:fld id="{A375FAFC-A5AB-4FEC-AA23-92E34682EFAF}" type="slidenum">
+              <a:rPr kumimoji="1" lang="ja-JP" altLang="en-US" smtClean="0"/>
+              <a:t>33</a:t>
+            </a:fld>
+            <a:endParaRPr kumimoji="1" lang="ja-JP" altLang="en-US"/>
+          </a:p>
+        </p:txBody>
+      </p:sp>
+    </p:spTree>
+    <p:extLst>
+      <p:ext uri="{BB962C8B-B14F-4D97-AF65-F5344CB8AC3E}">
+        <p14:creationId xmlns:p14="http://schemas.microsoft.com/office/powerpoint/2010/main" val="4107801093"/>
+      </p:ext>
+    </p:extLst>
+  </p:cSld>
+  <p:clrMapOvr>
+    <a:masterClrMapping/>
+  </p:clrMapOvr>
+</p:notes>
+</file>
+
+<file path=ppt/notesSlides/notesSlide34.xml><?xml version="1.0" encoding="utf-8"?>
+<p:notes xmlns:a="http://schemas.openxmlformats.org/drawingml/2006/main" xmlns:r="http://schemas.openxmlformats.org/officeDocument/2006/relationships" xmlns:p="http://schemas.openxmlformats.org/presentationml/2006/main">
+  <p:cSld>
+    <p:spTree>
+      <p:nvGrpSpPr>
+        <p:cNvPr id="1" name=""/>
+        <p:cNvGrpSpPr/>
+        <p:nvPr/>
+      </p:nvGrpSpPr>
+      <p:grpSpPr>
+        <a:xfrm>
+          <a:off x="0" y="0"/>
+          <a:ext cx="0" cy="0"/>
+          <a:chOff x="0" y="0"/>
+          <a:chExt cx="0" cy="0"/>
+        </a:xfrm>
+      </p:grpSpPr>
+      <p:sp>
+        <p:nvSpPr>
+          <p:cNvPr id="2" name="スライド イメージ プレースホルダー 1"/>
+          <p:cNvSpPr>
+            <a:spLocks noGrp="1" noRot="1" noChangeAspect="1"/>
+          </p:cNvSpPr>
+          <p:nvPr>
+            <p:ph type="sldImg"/>
+          </p:nvPr>
+        </p:nvSpPr>
+        <p:spPr/>
+      </p:sp>
+      <p:sp>
+        <p:nvSpPr>
+          <p:cNvPr id="3" name="ノート プレースホルダー 2"/>
+          <p:cNvSpPr>
+            <a:spLocks noGrp="1"/>
+          </p:cNvSpPr>
+          <p:nvPr>
+            <p:ph type="body" idx="1"/>
+          </p:nvPr>
+        </p:nvSpPr>
+        <p:spPr/>
+        <p:txBody>
+          <a:bodyPr/>
+          <a:lstStyle/>
+          <a:p>
+            <a:endParaRPr kumimoji="1" lang="ja-JP" altLang="en-US"/>
+          </a:p>
+        </p:txBody>
+      </p:sp>
+      <p:sp>
+        <p:nvSpPr>
+          <p:cNvPr id="4" name="スライド番号プレースホルダー 3"/>
+          <p:cNvSpPr>
+            <a:spLocks noGrp="1"/>
+          </p:cNvSpPr>
+          <p:nvPr>
+            <p:ph type="sldNum" sz="quarter" idx="10"/>
+          </p:nvPr>
+        </p:nvSpPr>
+        <p:spPr/>
+        <p:txBody>
+          <a:bodyPr/>
+          <a:lstStyle/>
+          <a:p>
+            <a:fld id="{A375FAFC-A5AB-4FEC-AA23-92E34682EFAF}" type="slidenum">
+              <a:rPr kumimoji="1" lang="ja-JP" altLang="en-US" smtClean="0"/>
+              <a:t>34</a:t>
+            </a:fld>
+            <a:endParaRPr kumimoji="1" lang="ja-JP" altLang="en-US"/>
+          </a:p>
+        </p:txBody>
+      </p:sp>
+    </p:spTree>
+    <p:extLst>
+      <p:ext uri="{BB962C8B-B14F-4D97-AF65-F5344CB8AC3E}">
+        <p14:creationId xmlns:p14="http://schemas.microsoft.com/office/powerpoint/2010/main" val="2867459515"/>
+      </p:ext>
+    </p:extLst>
+  </p:cSld>
+  <p:clrMapOvr>
+    <a:masterClrMapping/>
+  </p:clrMapOvr>
+</p:notes>
+</file>
+
+<file path=ppt/notesSlides/notesSlide35.xml><?xml version="1.0" encoding="utf-8"?>
+<p:notes xmlns:a="http://schemas.openxmlformats.org/drawingml/2006/main" xmlns:r="http://schemas.openxmlformats.org/officeDocument/2006/relationships" xmlns:p="http://schemas.openxmlformats.org/presentationml/2006/main">
+  <p:cSld>
+    <p:spTree>
+      <p:nvGrpSpPr>
+        <p:cNvPr id="1" name=""/>
+        <p:cNvGrpSpPr/>
+        <p:nvPr/>
+      </p:nvGrpSpPr>
+      <p:grpSpPr>
+        <a:xfrm>
+          <a:off x="0" y="0"/>
+          <a:ext cx="0" cy="0"/>
+          <a:chOff x="0" y="0"/>
+          <a:chExt cx="0" cy="0"/>
+        </a:xfrm>
+      </p:grpSpPr>
+      <p:sp>
+        <p:nvSpPr>
+          <p:cNvPr id="2" name="スライド イメージ プレースホルダー 1"/>
+          <p:cNvSpPr>
+            <a:spLocks noGrp="1" noRot="1" noChangeAspect="1"/>
+          </p:cNvSpPr>
+          <p:nvPr>
+            <p:ph type="sldImg"/>
+          </p:nvPr>
+        </p:nvSpPr>
+        <p:spPr/>
+      </p:sp>
+      <p:sp>
+        <p:nvSpPr>
+          <p:cNvPr id="3" name="ノート プレースホルダー 2"/>
+          <p:cNvSpPr>
+            <a:spLocks noGrp="1"/>
+          </p:cNvSpPr>
+          <p:nvPr>
+            <p:ph type="body" idx="1"/>
+          </p:nvPr>
+        </p:nvSpPr>
+        <p:spPr/>
+        <p:txBody>
+          <a:bodyPr/>
+          <a:lstStyle/>
+          <a:p>
+            <a:endParaRPr kumimoji="1" lang="ja-JP" altLang="en-US"/>
+          </a:p>
+        </p:txBody>
+      </p:sp>
+      <p:sp>
+        <p:nvSpPr>
+          <p:cNvPr id="4" name="スライド番号プレースホルダー 3"/>
+          <p:cNvSpPr>
+            <a:spLocks noGrp="1"/>
+          </p:cNvSpPr>
+          <p:nvPr>
+            <p:ph type="sldNum" sz="quarter" idx="10"/>
+          </p:nvPr>
+        </p:nvSpPr>
+        <p:spPr/>
+        <p:txBody>
+          <a:bodyPr/>
+          <a:lstStyle/>
+          <a:p>
+            <a:fld id="{A375FAFC-A5AB-4FEC-AA23-92E34682EFAF}" type="slidenum">
+              <a:rPr kumimoji="1" lang="ja-JP" altLang="en-US" smtClean="0"/>
+              <a:t>35</a:t>
+            </a:fld>
+            <a:endParaRPr kumimoji="1" lang="ja-JP" altLang="en-US"/>
+          </a:p>
+        </p:txBody>
+      </p:sp>
+    </p:spTree>
+    <p:extLst>
+      <p:ext uri="{BB962C8B-B14F-4D97-AF65-F5344CB8AC3E}">
+        <p14:creationId xmlns:p14="http://schemas.microsoft.com/office/powerpoint/2010/main" val="1279862555"/>
+      </p:ext>
+    </p:extLst>
+  </p:cSld>
+  <p:clrMapOvr>
+    <a:masterClrMapping/>
+  </p:clrMapOvr>
+</p:notes>
+</file>
+
+<file path=ppt/notesSlides/notesSlide36.xml><?xml version="1.0" encoding="utf-8"?>
+<p:notes xmlns:a="http://schemas.openxmlformats.org/drawingml/2006/main" xmlns:r="http://schemas.openxmlformats.org/officeDocument/2006/relationships" xmlns:p="http://schemas.openxmlformats.org/presentationml/2006/main">
+  <p:cSld>
+    <p:spTree>
+      <p:nvGrpSpPr>
+        <p:cNvPr id="1" name=""/>
+        <p:cNvGrpSpPr/>
+        <p:nvPr/>
+      </p:nvGrpSpPr>
+      <p:grpSpPr>
+        <a:xfrm>
+          <a:off x="0" y="0"/>
+          <a:ext cx="0" cy="0"/>
+          <a:chOff x="0" y="0"/>
+          <a:chExt cx="0" cy="0"/>
+        </a:xfrm>
+      </p:grpSpPr>
+      <p:sp>
+        <p:nvSpPr>
+          <p:cNvPr id="2" name="スライド イメージ プレースホルダー 1"/>
+          <p:cNvSpPr>
+            <a:spLocks noGrp="1" noRot="1" noChangeAspect="1"/>
+          </p:cNvSpPr>
+          <p:nvPr>
+            <p:ph type="sldImg"/>
+          </p:nvPr>
+        </p:nvSpPr>
+        <p:spPr/>
+      </p:sp>
+      <p:sp>
+        <p:nvSpPr>
+          <p:cNvPr id="3" name="ノート プレースホルダー 2"/>
+          <p:cNvSpPr>
+            <a:spLocks noGrp="1"/>
+          </p:cNvSpPr>
+          <p:nvPr>
+            <p:ph type="body" idx="1"/>
+          </p:nvPr>
+        </p:nvSpPr>
+        <p:spPr/>
+        <p:txBody>
+          <a:bodyPr/>
+          <a:lstStyle/>
+          <a:p>
+            <a:pPr marL="0" marR="0" indent="0" algn="l" defTabSz="914400" rtl="0" eaLnBrk="1" fontAlgn="auto" latinLnBrk="0" hangingPunct="1">
+              <a:lnSpc>
+                <a:spcPct val="100000"/>
+              </a:lnSpc>
+              <a:spcBef>
+                <a:spcPts val="0"/>
+              </a:spcBef>
+              <a:spcAft>
+                <a:spcPts val="0"/>
+              </a:spcAft>
+              <a:buClrTx/>
+              <a:buSzTx/>
+              <a:buFontTx/>
+              <a:buNone/>
+              <a:tabLst/>
+              <a:defRPr/>
+            </a:pPr>
+            <a:r>
+              <a:rPr kumimoji="1" lang="ja-JP" altLang="en-US" dirty="0" smtClean="0"/>
+              <a:t>評価実験</a:t>
+            </a:r>
+            <a:r>
+              <a:rPr kumimoji="1" lang="en-US" altLang="ja-JP" dirty="0" smtClean="0"/>
+              <a:t>1</a:t>
+            </a:r>
+            <a:r>
+              <a:rPr kumimoji="1" lang="ja-JP" altLang="en-US" dirty="0" smtClean="0"/>
+              <a:t>では</a:t>
+            </a:r>
+            <a:r>
+              <a:rPr kumimoji="1" lang="ja-JP" altLang="en-US" dirty="0" smtClean="0"/>
+              <a:t>、</a:t>
+            </a:r>
+            <a:r>
+              <a:rPr lang="ja-JP" altLang="en-US" dirty="0" smtClean="0"/>
+              <a:t>テストコードの作成支援に関する実験ということで</a:t>
+            </a:r>
+            <a:r>
+              <a:rPr lang="ja-JP" altLang="en-US" sz="1200" b="1" dirty="0" smtClean="0"/>
+              <a:t>被験者</a:t>
+            </a:r>
+            <a:r>
+              <a:rPr lang="ja-JP" altLang="en-US" sz="1200" b="1" dirty="0" smtClean="0"/>
+              <a:t>実験を行いました。</a:t>
+            </a:r>
+            <a:endParaRPr lang="en-US" altLang="ja-JP" sz="1200" b="1" dirty="0" smtClean="0"/>
+          </a:p>
+          <a:p>
+            <a:endParaRPr kumimoji="1" lang="en-US" altLang="ja-JP" sz="1200" dirty="0" smtClean="0"/>
+          </a:p>
+          <a:p>
+            <a:pPr marL="0" marR="0" lvl="1" indent="0" algn="l" defTabSz="914400" rtl="0" eaLnBrk="1" fontAlgn="auto" latinLnBrk="0" hangingPunct="1">
+              <a:lnSpc>
+                <a:spcPct val="100000"/>
+              </a:lnSpc>
+              <a:spcBef>
+                <a:spcPts val="0"/>
+              </a:spcBef>
+              <a:spcAft>
+                <a:spcPts val="0"/>
+              </a:spcAft>
+              <a:buClrTx/>
+              <a:buSzTx/>
+              <a:buFontTx/>
+              <a:buNone/>
+              <a:tabLst/>
+              <a:defRPr/>
+            </a:pPr>
+            <a:r>
+              <a:rPr kumimoji="1" lang="ja-JP" altLang="en-US" sz="1200" dirty="0" smtClean="0"/>
+              <a:t>具体的には、情報科学を専攻する修士課程の学生</a:t>
+            </a:r>
+            <a:r>
+              <a:rPr kumimoji="1" lang="en-US" altLang="ja-JP" sz="1200" dirty="0" smtClean="0"/>
+              <a:t>10</a:t>
+            </a:r>
+            <a:r>
+              <a:rPr kumimoji="1" lang="ja-JP" altLang="en-US" sz="1200" dirty="0" smtClean="0"/>
+              <a:t>人に対して</a:t>
+            </a:r>
+            <a:r>
+              <a:rPr kumimoji="1" lang="ja-JP" altLang="en-US" sz="1200" b="1" dirty="0" smtClean="0"/>
+              <a:t>プログラムとその仕様が書かれた</a:t>
+            </a:r>
+            <a:r>
+              <a:rPr kumimoji="1" lang="en-US" altLang="ja-JP" sz="1200" b="1" dirty="0" smtClean="0"/>
+              <a:t>3</a:t>
+            </a:r>
+            <a:r>
+              <a:rPr kumimoji="1" lang="ja-JP" altLang="en-US" sz="1200" b="1" dirty="0" err="1" smtClean="0"/>
+              <a:t>つの</a:t>
+            </a:r>
+            <a:r>
+              <a:rPr kumimoji="1" lang="ja-JP" altLang="en-US" sz="1200" b="1" dirty="0" smtClean="0"/>
+              <a:t>タスクを与え</a:t>
+            </a:r>
+            <a:r>
+              <a:rPr kumimoji="1" lang="ja-JP" altLang="en-US" sz="1200" dirty="0" smtClean="0"/>
+              <a:t>、各タスクのテストコードを作成してもらいました。</a:t>
+            </a:r>
+            <a:endParaRPr kumimoji="1" lang="en-US" altLang="ja-JP" sz="1200" dirty="0" smtClean="0"/>
+          </a:p>
+          <a:p>
+            <a:pPr marL="0" marR="0" lvl="1" indent="0" algn="l" defTabSz="914400" rtl="0" eaLnBrk="1" fontAlgn="auto" latinLnBrk="0" hangingPunct="1">
+              <a:lnSpc>
+                <a:spcPct val="100000"/>
+              </a:lnSpc>
+              <a:spcBef>
+                <a:spcPts val="0"/>
+              </a:spcBef>
+              <a:spcAft>
+                <a:spcPts val="0"/>
+              </a:spcAft>
+              <a:buClrTx/>
+              <a:buSzTx/>
+              <a:buFontTx/>
+              <a:buNone/>
+              <a:tabLst/>
+              <a:defRPr/>
+            </a:pPr>
+            <a:endParaRPr kumimoji="1" lang="en-US" altLang="ja-JP" sz="1200" dirty="0" smtClean="0"/>
+          </a:p>
+          <a:p>
+            <a:pPr marL="0" marR="0" lvl="1" indent="0" algn="l" defTabSz="914400" rtl="0" eaLnBrk="1" fontAlgn="auto" latinLnBrk="0" hangingPunct="1">
+              <a:lnSpc>
+                <a:spcPct val="100000"/>
+              </a:lnSpc>
+              <a:spcBef>
+                <a:spcPts val="0"/>
+              </a:spcBef>
+              <a:spcAft>
+                <a:spcPts val="0"/>
+              </a:spcAft>
+              <a:buClrTx/>
+              <a:buSzTx/>
+              <a:buFontTx/>
+              <a:buNone/>
+              <a:tabLst/>
+              <a:defRPr/>
+            </a:pPr>
+            <a:r>
+              <a:rPr kumimoji="1" lang="ja-JP" altLang="en-US" sz="1200" dirty="0" smtClean="0"/>
+              <a:t>こちらが、実験タスクの概要になります。各タスクで違いを出すために、</a:t>
+            </a:r>
+            <a:r>
+              <a:rPr kumimoji="1" lang="ja-JP" altLang="en-US" sz="1200" u="sng" dirty="0" smtClean="0"/>
+              <a:t>プログラムの条件分岐の数が異なっており、タスク</a:t>
+            </a:r>
+            <a:r>
+              <a:rPr kumimoji="1" lang="en-US" altLang="ja-JP" sz="1200" u="sng" dirty="0" smtClean="0"/>
+              <a:t>1</a:t>
+            </a:r>
+            <a:r>
+              <a:rPr kumimoji="1" lang="ja-JP" altLang="en-US" sz="1200" u="sng" dirty="0" smtClean="0"/>
+              <a:t>から</a:t>
+            </a:r>
+            <a:r>
+              <a:rPr kumimoji="1" lang="en-US" altLang="ja-JP" sz="1200" u="sng" dirty="0" smtClean="0"/>
+              <a:t>3</a:t>
+            </a:r>
+            <a:r>
+              <a:rPr kumimoji="1" lang="ja-JP" altLang="en-US" sz="1200" u="sng" dirty="0" smtClean="0"/>
+              <a:t>に行くにつれて分岐の数が多くなり複雑なプログラムになっています。</a:t>
+            </a:r>
+            <a:endParaRPr kumimoji="1" lang="en-US" altLang="ja-JP" sz="1200" u="sng" dirty="0" smtClean="0"/>
+          </a:p>
+          <a:p>
+            <a:pPr marL="0" marR="0" lvl="1" indent="0" algn="l" defTabSz="914400" rtl="0" eaLnBrk="1" fontAlgn="auto" latinLnBrk="0" hangingPunct="1">
+              <a:lnSpc>
+                <a:spcPct val="100000"/>
+              </a:lnSpc>
+              <a:spcBef>
+                <a:spcPts val="0"/>
+              </a:spcBef>
+              <a:spcAft>
+                <a:spcPts val="0"/>
+              </a:spcAft>
+              <a:buClrTx/>
+              <a:buSzTx/>
+              <a:buFontTx/>
+              <a:buNone/>
+              <a:tabLst/>
+              <a:defRPr/>
+            </a:pPr>
+            <a:endParaRPr kumimoji="1" lang="en-US" altLang="ja-JP" sz="1200" dirty="0" smtClean="0"/>
+          </a:p>
+          <a:p>
+            <a:pPr marL="0" marR="0" lvl="1" indent="0" algn="l" defTabSz="914400" rtl="0" eaLnBrk="1" fontAlgn="auto" latinLnBrk="0" hangingPunct="1">
+              <a:lnSpc>
+                <a:spcPct val="100000"/>
+              </a:lnSpc>
+              <a:spcBef>
+                <a:spcPts val="0"/>
+              </a:spcBef>
+              <a:spcAft>
+                <a:spcPts val="0"/>
+              </a:spcAft>
+              <a:buClrTx/>
+              <a:buSzTx/>
+              <a:buFontTx/>
+              <a:buNone/>
+              <a:tabLst/>
+              <a:defRPr/>
+            </a:pPr>
+            <a:r>
+              <a:rPr kumimoji="1" lang="ja-JP" altLang="en-US" sz="1200" dirty="0" smtClean="0"/>
+              <a:t>そして、</a:t>
+            </a:r>
+            <a:r>
+              <a:rPr lang="en-US" altLang="ja-JP" dirty="0" err="1" smtClean="0"/>
+              <a:t>SuiteRec</a:t>
+            </a:r>
+            <a:r>
+              <a:rPr lang="ja-JP" altLang="en-US" dirty="0" smtClean="0"/>
+              <a:t>を使用した場合とそうでない場合で被験者が作成したテストコード比較することで評価します</a:t>
+            </a:r>
+            <a:endParaRPr lang="en-US" altLang="ja-JP" dirty="0" smtClean="0"/>
+          </a:p>
+          <a:p>
+            <a:pPr marL="0" marR="0" lvl="1" indent="0" algn="l" defTabSz="914400" rtl="0" eaLnBrk="1" fontAlgn="auto" latinLnBrk="0" hangingPunct="1">
+              <a:lnSpc>
+                <a:spcPct val="100000"/>
+              </a:lnSpc>
+              <a:spcBef>
+                <a:spcPts val="0"/>
+              </a:spcBef>
+              <a:spcAft>
+                <a:spcPts val="0"/>
+              </a:spcAft>
+              <a:buClrTx/>
+              <a:buSzTx/>
+              <a:buFontTx/>
+              <a:buNone/>
+              <a:tabLst/>
+              <a:defRPr/>
+            </a:pPr>
+            <a:endParaRPr lang="en-US" altLang="ja-JP" dirty="0" smtClean="0"/>
+          </a:p>
+          <a:p>
+            <a:pPr marL="0" marR="0" lvl="1" indent="0" algn="l" defTabSz="914400" rtl="0" eaLnBrk="1" fontAlgn="auto" latinLnBrk="0" hangingPunct="1">
+              <a:lnSpc>
+                <a:spcPct val="100000"/>
+              </a:lnSpc>
+              <a:spcBef>
+                <a:spcPts val="0"/>
+              </a:spcBef>
+              <a:spcAft>
+                <a:spcPts val="0"/>
+              </a:spcAft>
+              <a:buClrTx/>
+              <a:buSzTx/>
+              <a:buFontTx/>
+              <a:buNone/>
+              <a:tabLst/>
+              <a:defRPr/>
+            </a:pPr>
+            <a:r>
+              <a:rPr lang="ja-JP" altLang="en-US" dirty="0" smtClean="0"/>
+              <a:t>また、定性的な評価をするために、</a:t>
+            </a:r>
+            <a:r>
+              <a:rPr lang="ja-JP" altLang="en-US" b="1" dirty="0" smtClean="0"/>
+              <a:t>実験後の被験者に</a:t>
+            </a:r>
+            <a:r>
+              <a:rPr lang="ja-JP" altLang="en-US" dirty="0" smtClean="0"/>
+              <a:t>～～ました。</a:t>
+            </a:r>
+            <a:endParaRPr lang="en-US" altLang="ja-JP" dirty="0" smtClean="0"/>
+          </a:p>
+          <a:p>
+            <a:pPr marL="0" marR="0" lvl="1" indent="0" algn="l" defTabSz="914400" rtl="0" eaLnBrk="1" fontAlgn="auto" latinLnBrk="0" hangingPunct="1">
+              <a:lnSpc>
+                <a:spcPct val="100000"/>
+              </a:lnSpc>
+              <a:spcBef>
+                <a:spcPts val="0"/>
+              </a:spcBef>
+              <a:spcAft>
+                <a:spcPts val="0"/>
+              </a:spcAft>
+              <a:buClrTx/>
+              <a:buSzTx/>
+              <a:buFontTx/>
+              <a:buNone/>
+              <a:tabLst/>
+              <a:defRPr/>
+            </a:pPr>
+            <a:endParaRPr kumimoji="1" lang="ja-JP" altLang="en-US" dirty="0"/>
+          </a:p>
+        </p:txBody>
+      </p:sp>
+      <p:sp>
+        <p:nvSpPr>
+          <p:cNvPr id="4" name="スライド番号プレースホルダー 3"/>
+          <p:cNvSpPr>
+            <a:spLocks noGrp="1"/>
+          </p:cNvSpPr>
+          <p:nvPr>
+            <p:ph type="sldNum" sz="quarter" idx="10"/>
+          </p:nvPr>
+        </p:nvSpPr>
+        <p:spPr/>
+        <p:txBody>
+          <a:bodyPr/>
+          <a:lstStyle/>
+          <a:p>
+            <a:fld id="{A375FAFC-A5AB-4FEC-AA23-92E34682EFAF}" type="slidenum">
+              <a:rPr kumimoji="1" lang="ja-JP" altLang="en-US" smtClean="0"/>
+              <a:t>36</a:t>
+            </a:fld>
+            <a:endParaRPr kumimoji="1" lang="ja-JP" altLang="en-US"/>
+          </a:p>
+        </p:txBody>
+      </p:sp>
+    </p:spTree>
+    <p:extLst>
+      <p:ext uri="{BB962C8B-B14F-4D97-AF65-F5344CB8AC3E}">
+        <p14:creationId xmlns:p14="http://schemas.microsoft.com/office/powerpoint/2010/main" val="2588547504"/>
+      </p:ext>
+    </p:extLst>
+  </p:cSld>
+  <p:clrMapOvr>
+    <a:masterClrMapping/>
+  </p:clrMapOvr>
+</p:notes>
+</file>
+
+<file path=ppt/notesSlides/notesSlide37.xml><?xml version="1.0" encoding="utf-8"?>
+<p:notes xmlns:a="http://schemas.openxmlformats.org/drawingml/2006/main" xmlns:r="http://schemas.openxmlformats.org/officeDocument/2006/relationships" xmlns:p="http://schemas.openxmlformats.org/presentationml/2006/main">
+  <p:cSld>
+    <p:spTree>
+      <p:nvGrpSpPr>
+        <p:cNvPr id="1" name=""/>
+        <p:cNvGrpSpPr/>
+        <p:nvPr/>
+      </p:nvGrpSpPr>
+      <p:grpSpPr>
+        <a:xfrm>
+          <a:off x="0" y="0"/>
+          <a:ext cx="0" cy="0"/>
+          <a:chOff x="0" y="0"/>
+          <a:chExt cx="0" cy="0"/>
+        </a:xfrm>
+      </p:grpSpPr>
+      <p:sp>
+        <p:nvSpPr>
+          <p:cNvPr id="2" name="スライド イメージ プレースホルダー 1"/>
+          <p:cNvSpPr>
+            <a:spLocks noGrp="1" noRot="1" noChangeAspect="1"/>
+          </p:cNvSpPr>
+          <p:nvPr>
+            <p:ph type="sldImg"/>
+          </p:nvPr>
+        </p:nvSpPr>
+        <p:spPr/>
+      </p:sp>
+      <p:sp>
+        <p:nvSpPr>
+          <p:cNvPr id="3" name="ノート プレースホルダー 2"/>
+          <p:cNvSpPr>
+            <a:spLocks noGrp="1"/>
+          </p:cNvSpPr>
+          <p:nvPr>
+            <p:ph type="body" idx="1"/>
+          </p:nvPr>
+        </p:nvSpPr>
+        <p:spPr/>
+        <p:txBody>
+          <a:bodyPr/>
+          <a:lstStyle/>
+          <a:p>
+            <a:endParaRPr kumimoji="1" lang="ja-JP" altLang="en-US"/>
+          </a:p>
+        </p:txBody>
+      </p:sp>
+      <p:sp>
+        <p:nvSpPr>
+          <p:cNvPr id="4" name="スライド番号プレースホルダー 3"/>
+          <p:cNvSpPr>
+            <a:spLocks noGrp="1"/>
+          </p:cNvSpPr>
+          <p:nvPr>
+            <p:ph type="sldNum" sz="quarter" idx="10"/>
+          </p:nvPr>
+        </p:nvSpPr>
+        <p:spPr/>
+        <p:txBody>
+          <a:bodyPr/>
+          <a:lstStyle/>
+          <a:p>
+            <a:fld id="{A375FAFC-A5AB-4FEC-AA23-92E34682EFAF}" type="slidenum">
+              <a:rPr kumimoji="1" lang="ja-JP" altLang="en-US" smtClean="0"/>
+              <a:t>37</a:t>
+            </a:fld>
+            <a:endParaRPr kumimoji="1" lang="ja-JP" altLang="en-US"/>
+          </a:p>
+        </p:txBody>
+      </p:sp>
+    </p:spTree>
+    <p:extLst>
+      <p:ext uri="{BB962C8B-B14F-4D97-AF65-F5344CB8AC3E}">
+        <p14:creationId xmlns:p14="http://schemas.microsoft.com/office/powerpoint/2010/main" val="362037145"/>
+      </p:ext>
+    </p:extLst>
+  </p:cSld>
+  <p:clrMapOvr>
+    <a:masterClrMapping/>
+  </p:clrMapOvr>
+</p:notes>
+</file>
+
+<file path=ppt/notesSlides/notesSlide38.xml><?xml version="1.0" encoding="utf-8"?>
+<p:notes xmlns:a="http://schemas.openxmlformats.org/drawingml/2006/main" xmlns:r="http://schemas.openxmlformats.org/officeDocument/2006/relationships" xmlns:p="http://schemas.openxmlformats.org/presentationml/2006/main">
+  <p:cSld>
+    <p:spTree>
+      <p:nvGrpSpPr>
+        <p:cNvPr id="1" name=""/>
+        <p:cNvGrpSpPr/>
+        <p:nvPr/>
+      </p:nvGrpSpPr>
+      <p:grpSpPr>
+        <a:xfrm>
+          <a:off x="0" y="0"/>
+          <a:ext cx="0" cy="0"/>
+          <a:chOff x="0" y="0"/>
+          <a:chExt cx="0" cy="0"/>
+        </a:xfrm>
+      </p:grpSpPr>
+      <p:sp>
+        <p:nvSpPr>
+          <p:cNvPr id="2" name="スライド イメージ プレースホルダー 1"/>
+          <p:cNvSpPr>
+            <a:spLocks noGrp="1" noRot="1" noChangeAspect="1"/>
+          </p:cNvSpPr>
+          <p:nvPr>
+            <p:ph type="sldImg"/>
+          </p:nvPr>
+        </p:nvSpPr>
+        <p:spPr/>
+      </p:sp>
+      <p:sp>
+        <p:nvSpPr>
+          <p:cNvPr id="3" name="ノート プレースホルダー 2"/>
+          <p:cNvSpPr>
+            <a:spLocks noGrp="1"/>
+          </p:cNvSpPr>
+          <p:nvPr>
+            <p:ph type="body" idx="1"/>
+          </p:nvPr>
+        </p:nvSpPr>
+        <p:spPr/>
+        <p:txBody>
+          <a:bodyPr/>
+          <a:lstStyle/>
+          <a:p>
+            <a:endParaRPr kumimoji="1" lang="ja-JP" altLang="en-US"/>
+          </a:p>
+        </p:txBody>
+      </p:sp>
+      <p:sp>
+        <p:nvSpPr>
+          <p:cNvPr id="4" name="スライド番号プレースホルダー 3"/>
+          <p:cNvSpPr>
+            <a:spLocks noGrp="1"/>
+          </p:cNvSpPr>
+          <p:nvPr>
+            <p:ph type="sldNum" sz="quarter" idx="10"/>
+          </p:nvPr>
+        </p:nvSpPr>
+        <p:spPr/>
+        <p:txBody>
+          <a:bodyPr/>
+          <a:lstStyle/>
+          <a:p>
+            <a:fld id="{A375FAFC-A5AB-4FEC-AA23-92E34682EFAF}" type="slidenum">
+              <a:rPr kumimoji="1" lang="ja-JP" altLang="en-US" smtClean="0"/>
+              <a:t>38</a:t>
+            </a:fld>
+            <a:endParaRPr kumimoji="1" lang="ja-JP" altLang="en-US"/>
+          </a:p>
+        </p:txBody>
+      </p:sp>
+    </p:spTree>
+    <p:extLst>
+      <p:ext uri="{BB962C8B-B14F-4D97-AF65-F5344CB8AC3E}">
+        <p14:creationId xmlns:p14="http://schemas.microsoft.com/office/powerpoint/2010/main" val="2411634035"/>
+      </p:ext>
+    </p:extLst>
+  </p:cSld>
+  <p:clrMapOvr>
+    <a:masterClrMapping/>
+  </p:clrMapOvr>
+</p:notes>
+</file>
+
+<file path=ppt/notesSlides/notesSlide39.xml><?xml version="1.0" encoding="utf-8"?>
+<p:notes xmlns:a="http://schemas.openxmlformats.org/drawingml/2006/main" xmlns:r="http://schemas.openxmlformats.org/officeDocument/2006/relationships" xmlns:p="http://schemas.openxmlformats.org/presentationml/2006/main">
+  <p:cSld>
+    <p:spTree>
+      <p:nvGrpSpPr>
+        <p:cNvPr id="1" name=""/>
+        <p:cNvGrpSpPr/>
+        <p:nvPr/>
+      </p:nvGrpSpPr>
+      <p:grpSpPr>
+        <a:xfrm>
+          <a:off x="0" y="0"/>
+          <a:ext cx="0" cy="0"/>
+          <a:chOff x="0" y="0"/>
+          <a:chExt cx="0" cy="0"/>
+        </a:xfrm>
+      </p:grpSpPr>
+      <p:sp>
+        <p:nvSpPr>
+          <p:cNvPr id="2" name="スライド イメージ プレースホルダー 1"/>
+          <p:cNvSpPr>
+            <a:spLocks noGrp="1" noRot="1" noChangeAspect="1"/>
+          </p:cNvSpPr>
+          <p:nvPr>
+            <p:ph type="sldImg"/>
+          </p:nvPr>
+        </p:nvSpPr>
+        <p:spPr/>
+      </p:sp>
+      <p:sp>
+        <p:nvSpPr>
+          <p:cNvPr id="3" name="ノート プレースホルダー 2"/>
+          <p:cNvSpPr>
+            <a:spLocks noGrp="1"/>
+          </p:cNvSpPr>
+          <p:nvPr>
+            <p:ph type="body" idx="1"/>
+          </p:nvPr>
+        </p:nvSpPr>
+        <p:spPr/>
+        <p:txBody>
+          <a:bodyPr/>
+          <a:lstStyle/>
+          <a:p>
+            <a:endParaRPr kumimoji="1" lang="ja-JP" altLang="en-US"/>
+          </a:p>
+        </p:txBody>
+      </p:sp>
+      <p:sp>
+        <p:nvSpPr>
+          <p:cNvPr id="4" name="スライド番号プレースホルダー 3"/>
+          <p:cNvSpPr>
+            <a:spLocks noGrp="1"/>
+          </p:cNvSpPr>
+          <p:nvPr>
+            <p:ph type="sldNum" sz="quarter" idx="10"/>
+          </p:nvPr>
+        </p:nvSpPr>
+        <p:spPr/>
+        <p:txBody>
+          <a:bodyPr/>
+          <a:lstStyle/>
+          <a:p>
+            <a:fld id="{A375FAFC-A5AB-4FEC-AA23-92E34682EFAF}" type="slidenum">
+              <a:rPr kumimoji="1" lang="ja-JP" altLang="en-US" smtClean="0"/>
+              <a:t>39</a:t>
+            </a:fld>
+            <a:endParaRPr kumimoji="1" lang="ja-JP" altLang="en-US"/>
+          </a:p>
+        </p:txBody>
+      </p:sp>
+    </p:spTree>
+    <p:extLst>
+      <p:ext uri="{BB962C8B-B14F-4D97-AF65-F5344CB8AC3E}">
+        <p14:creationId xmlns:p14="http://schemas.microsoft.com/office/powerpoint/2010/main" val="310624394"/>
       </p:ext>
     </p:extLst>
   </p:cSld>
@@ -9899,12 +11075,16 @@
               <a:t>そこで、類似コード片からテストコードを検索するために、本研究では、テストコードと対象コードをこのように</a:t>
             </a:r>
             <a:r>
-              <a:rPr kumimoji="1" lang="en-US" altLang="ja-JP" dirty="0" smtClean="0"/>
+              <a:rPr kumimoji="1" lang="en-US" altLang="ja-JP" b="1" dirty="0" smtClean="0"/>
               <a:t>3</a:t>
             </a:r>
             <a:r>
+              <a:rPr kumimoji="1" lang="ja-JP" altLang="en-US" b="1" dirty="0" smtClean="0"/>
+              <a:t>つフェーズ</a:t>
+            </a:r>
+            <a:r>
               <a:rPr kumimoji="1" lang="ja-JP" altLang="en-US" dirty="0" smtClean="0"/>
-              <a:t>つフェーズを踏んで対応付けを行います。</a:t>
+              <a:t>を踏んで対応付けを行います。</a:t>
             </a:r>
             <a:endParaRPr kumimoji="1" lang="en-US" altLang="ja-JP" dirty="0" smtClean="0"/>
           </a:p>
@@ -9925,20 +11105,24 @@
               <a:t>では、</a:t>
             </a:r>
             <a:r>
-              <a:rPr kumimoji="1" lang="en-US" altLang="ja-JP" dirty="0" smtClean="0"/>
+              <a:rPr kumimoji="1" lang="en-US" altLang="ja-JP" b="1" dirty="0" smtClean="0"/>
               <a:t>JUnit</a:t>
             </a:r>
             <a:r>
+              <a:rPr kumimoji="1" lang="ja-JP" altLang="en-US" b="1" dirty="0" smtClean="0"/>
+              <a:t>の命名規則によるクラス単位</a:t>
+            </a:r>
+            <a:r>
+              <a:rPr kumimoji="1" lang="ja-JP" altLang="en-US" b="1" dirty="0" smtClean="0"/>
+              <a:t>で、テストクラスと対象クラスの</a:t>
+            </a:r>
+            <a:r>
+              <a:rPr kumimoji="1" lang="ja-JP" altLang="en-US" b="1" dirty="0" smtClean="0"/>
+              <a:t>対応付けをしました</a:t>
+            </a:r>
+            <a:r>
               <a:rPr kumimoji="1" lang="ja-JP" altLang="en-US" dirty="0" smtClean="0"/>
-              <a:t>の命名規則によるクラス単位</a:t>
-            </a:r>
-            <a:r>
-              <a:rPr kumimoji="1" lang="ja-JP" altLang="en-US" dirty="0" smtClean="0"/>
-              <a:t>で、テストクラスと対象クラスの</a:t>
-            </a:r>
-            <a:r>
-              <a:rPr kumimoji="1" lang="ja-JP" altLang="en-US" dirty="0" smtClean="0"/>
-              <a:t>対応付けをしました。</a:t>
+              <a:t>。</a:t>
             </a:r>
             <a:endParaRPr kumimoji="1" lang="en-US" altLang="ja-JP" dirty="0" smtClean="0"/>
           </a:p>
@@ -10275,7 +11459,11 @@
             </a:r>
             <a:r>
               <a:rPr kumimoji="1" lang="ja-JP" altLang="en-US" dirty="0" smtClean="0"/>
-              <a:t>種類のテストスメルを高い精度と再現率で検出することができます。</a:t>
+              <a:t>種類のテストスメルを高い精度と再現率で検出する</a:t>
+            </a:r>
+            <a:r>
+              <a:rPr kumimoji="1" lang="ja-JP" altLang="en-US" dirty="0" smtClean="0"/>
+              <a:t>ことができるので本研究で採用しました</a:t>
             </a:r>
             <a:endParaRPr kumimoji="1" lang="en-US" altLang="ja-JP" dirty="0" smtClean="0"/>
           </a:p>
@@ -17212,7 +18400,7 @@
         </p:nvGraphicFramePr>
         <p:xfrm>
           <a:off x="1590077" y="2782956"/>
-          <a:ext cx="9157619" cy="1935480"/>
+          <a:ext cx="9157619" cy="1901190"/>
         </p:xfrm>
         <a:graphic>
           <a:graphicData uri="http://schemas.openxmlformats.org/drawingml/2006/table">
@@ -20005,8 +21193,8 @@
         </p:nvSpPr>
         <p:spPr>
           <a:xfrm>
-            <a:off x="838199" y="1792882"/>
-            <a:ext cx="10515600" cy="4607918"/>
+            <a:off x="838198" y="1792882"/>
+            <a:ext cx="10492821" cy="4607918"/>
           </a:xfrm>
         </p:spPr>
         <p:txBody>
@@ -20021,12 +21209,16 @@
               </a:buClr>
             </a:pPr>
             <a:r>
-              <a:rPr lang="ja-JP" altLang="en-US" dirty="0"/>
-              <a:t>被験者</a:t>
-            </a:r>
-            <a:r>
               <a:rPr lang="ja-JP" altLang="en-US" dirty="0" smtClean="0"/>
-              <a:t>に実験タスク終了後にアンケートを実施した</a:t>
+              <a:t>実験後の被験者に、実験タスクに関する</a:t>
+            </a:r>
+            <a:r>
+              <a:rPr lang="ja-JP" altLang="en-US" dirty="0" smtClean="0"/>
+              <a:t>アンケート</a:t>
+            </a:r>
+            <a:r>
+              <a:rPr lang="ja-JP" altLang="en-US" dirty="0" smtClean="0"/>
+              <a:t>を実施した</a:t>
             </a:r>
             <a:endParaRPr lang="en-US" altLang="ja-JP" dirty="0" smtClean="0"/>
           </a:p>

--- a/presentation_kurachi.pptx
+++ b/presentation_kurachi.pptx
@@ -5,7 +5,7 @@
     <p:sldMasterId id="2147483648" r:id="rId1"/>
   </p:sldMasterIdLst>
   <p:notesMasterIdLst>
-    <p:notesMasterId r:id="rId41"/>
+    <p:notesMasterId r:id="rId42"/>
   </p:notesMasterIdLst>
   <p:sldIdLst>
     <p:sldId id="274" r:id="rId2"/>
@@ -30,23 +30,24 @@
     <p:sldId id="375" r:id="rId21"/>
     <p:sldId id="292" r:id="rId22"/>
     <p:sldId id="354" r:id="rId23"/>
-    <p:sldId id="367" r:id="rId24"/>
-    <p:sldId id="366" r:id="rId25"/>
-    <p:sldId id="368" r:id="rId26"/>
-    <p:sldId id="293" r:id="rId27"/>
-    <p:sldId id="290" r:id="rId28"/>
-    <p:sldId id="291" r:id="rId29"/>
-    <p:sldId id="334" r:id="rId30"/>
-    <p:sldId id="288" r:id="rId31"/>
-    <p:sldId id="353" r:id="rId32"/>
-    <p:sldId id="371" r:id="rId33"/>
-    <p:sldId id="370" r:id="rId34"/>
-    <p:sldId id="286" r:id="rId35"/>
-    <p:sldId id="295" r:id="rId36"/>
-    <p:sldId id="380" r:id="rId37"/>
-    <p:sldId id="377" r:id="rId38"/>
-    <p:sldId id="379" r:id="rId39"/>
-    <p:sldId id="378" r:id="rId40"/>
+    <p:sldId id="381" r:id="rId24"/>
+    <p:sldId id="367" r:id="rId25"/>
+    <p:sldId id="366" r:id="rId26"/>
+    <p:sldId id="368" r:id="rId27"/>
+    <p:sldId id="293" r:id="rId28"/>
+    <p:sldId id="290" r:id="rId29"/>
+    <p:sldId id="291" r:id="rId30"/>
+    <p:sldId id="334" r:id="rId31"/>
+    <p:sldId id="288" r:id="rId32"/>
+    <p:sldId id="353" r:id="rId33"/>
+    <p:sldId id="371" r:id="rId34"/>
+    <p:sldId id="370" r:id="rId35"/>
+    <p:sldId id="286" r:id="rId36"/>
+    <p:sldId id="295" r:id="rId37"/>
+    <p:sldId id="380" r:id="rId38"/>
+    <p:sldId id="377" r:id="rId39"/>
+    <p:sldId id="379" r:id="rId40"/>
+    <p:sldId id="378" r:id="rId41"/>
   </p:sldIdLst>
   <p:sldSz cx="12192000" cy="6858000"/>
   <p:notesSz cx="6805613" cy="9939338"/>
@@ -6629,7 +6630,15 @@
           <a:p>
             <a:r>
               <a:rPr kumimoji="1" lang="ja-JP" altLang="en-US" dirty="0" smtClean="0"/>
-              <a:t>実際に既存研究でも、これらのテストスメルが既存プロジェクトで多く検出されていることが報告されおり、保守活動に悪影響を与えることが分かっています。</a:t>
+              <a:t>実際に既存研究でも、これらのテストスメル</a:t>
+            </a:r>
+            <a:r>
+              <a:rPr kumimoji="1" lang="ja-JP" altLang="en-US" dirty="0" smtClean="0"/>
+              <a:t>がプロジェクト</a:t>
+            </a:r>
+            <a:r>
+              <a:rPr kumimoji="1" lang="ja-JP" altLang="en-US" dirty="0" smtClean="0"/>
+              <a:t>で多く検出されていることが報告されおり、保守活動に悪影響を与えることが分かっています。</a:t>
             </a:r>
             <a:endParaRPr kumimoji="1" lang="en-US" altLang="ja-JP" dirty="0" smtClean="0"/>
           </a:p>
@@ -7740,7 +7749,7 @@
           <a:p>
             <a:fld id="{A375FAFC-A5AB-4FEC-AA23-92E34682EFAF}" type="slidenum">
               <a:rPr kumimoji="1" lang="ja-JP" altLang="en-US" smtClean="0"/>
-              <a:t>23</a:t>
+              <a:t>24</a:t>
             </a:fld>
             <a:endParaRPr kumimoji="1" lang="ja-JP" altLang="en-US"/>
           </a:p>
@@ -7824,7 +7833,7 @@
           <a:p>
             <a:fld id="{A375FAFC-A5AB-4FEC-AA23-92E34682EFAF}" type="slidenum">
               <a:rPr kumimoji="1" lang="ja-JP" altLang="en-US" smtClean="0"/>
-              <a:t>24</a:t>
+              <a:t>25</a:t>
             </a:fld>
             <a:endParaRPr kumimoji="1" lang="ja-JP" altLang="en-US"/>
           </a:p>
@@ -7908,7 +7917,7 @@
           <a:p>
             <a:fld id="{A375FAFC-A5AB-4FEC-AA23-92E34682EFAF}" type="slidenum">
               <a:rPr kumimoji="1" lang="ja-JP" altLang="en-US" smtClean="0"/>
-              <a:t>25</a:t>
+              <a:t>26</a:t>
             </a:fld>
             <a:endParaRPr kumimoji="1" lang="ja-JP" altLang="en-US"/>
           </a:p>
@@ -7992,7 +8001,7 @@
           <a:p>
             <a:fld id="{A375FAFC-A5AB-4FEC-AA23-92E34682EFAF}" type="slidenum">
               <a:rPr kumimoji="1" lang="ja-JP" altLang="en-US" smtClean="0"/>
-              <a:t>26</a:t>
+              <a:t>27</a:t>
             </a:fld>
             <a:endParaRPr kumimoji="1" lang="ja-JP" altLang="en-US"/>
           </a:p>
@@ -8076,7 +8085,7 @@
           <a:p>
             <a:fld id="{A375FAFC-A5AB-4FEC-AA23-92E34682EFAF}" type="slidenum">
               <a:rPr kumimoji="1" lang="ja-JP" altLang="en-US" smtClean="0"/>
-              <a:t>27</a:t>
+              <a:t>28</a:t>
             </a:fld>
             <a:endParaRPr kumimoji="1" lang="ja-JP" altLang="en-US"/>
           </a:p>
@@ -8160,7 +8169,7 @@
           <a:p>
             <a:fld id="{A375FAFC-A5AB-4FEC-AA23-92E34682EFAF}" type="slidenum">
               <a:rPr kumimoji="1" lang="ja-JP" altLang="en-US" smtClean="0"/>
-              <a:t>28</a:t>
+              <a:t>29</a:t>
             </a:fld>
             <a:endParaRPr kumimoji="1" lang="ja-JP" altLang="en-US"/>
           </a:p>
@@ -8368,7 +8377,7 @@
           <a:p>
             <a:fld id="{A375FAFC-A5AB-4FEC-AA23-92E34682EFAF}" type="slidenum">
               <a:rPr kumimoji="1" lang="ja-JP" altLang="en-US" smtClean="0"/>
-              <a:t>29</a:t>
+              <a:t>30</a:t>
             </a:fld>
             <a:endParaRPr kumimoji="1" lang="ja-JP" altLang="en-US"/>
           </a:p>
@@ -8584,7 +8593,7 @@
           <a:p>
             <a:fld id="{A375FAFC-A5AB-4FEC-AA23-92E34682EFAF}" type="slidenum">
               <a:rPr kumimoji="1" lang="ja-JP" altLang="en-US" smtClean="0"/>
-              <a:t>30</a:t>
+              <a:t>31</a:t>
             </a:fld>
             <a:endParaRPr kumimoji="1" lang="ja-JP" altLang="en-US"/>
           </a:p>
@@ -8837,7 +8846,7 @@
           <a:p>
             <a:fld id="{A375FAFC-A5AB-4FEC-AA23-92E34682EFAF}" type="slidenum">
               <a:rPr kumimoji="1" lang="ja-JP" altLang="en-US" smtClean="0"/>
-              <a:t>31</a:t>
+              <a:t>32</a:t>
             </a:fld>
             <a:endParaRPr kumimoji="1" lang="ja-JP" altLang="en-US"/>
           </a:p>
@@ -9188,7 +9197,7 @@
           <a:p>
             <a:fld id="{A375FAFC-A5AB-4FEC-AA23-92E34682EFAF}" type="slidenum">
               <a:rPr kumimoji="1" lang="ja-JP" altLang="en-US" smtClean="0"/>
-              <a:t>32</a:t>
+              <a:t>33</a:t>
             </a:fld>
             <a:endParaRPr kumimoji="1" lang="ja-JP" altLang="en-US"/>
           </a:p>
@@ -9272,7 +9281,7 @@
           <a:p>
             <a:fld id="{A375FAFC-A5AB-4FEC-AA23-92E34682EFAF}" type="slidenum">
               <a:rPr kumimoji="1" lang="ja-JP" altLang="en-US" smtClean="0"/>
-              <a:t>33</a:t>
+              <a:t>34</a:t>
             </a:fld>
             <a:endParaRPr kumimoji="1" lang="ja-JP" altLang="en-US"/>
           </a:p>
@@ -9356,7 +9365,7 @@
           <a:p>
             <a:fld id="{A375FAFC-A5AB-4FEC-AA23-92E34682EFAF}" type="slidenum">
               <a:rPr kumimoji="1" lang="ja-JP" altLang="en-US" smtClean="0"/>
-              <a:t>34</a:t>
+              <a:t>35</a:t>
             </a:fld>
             <a:endParaRPr kumimoji="1" lang="ja-JP" altLang="en-US"/>
           </a:p>
@@ -9440,7 +9449,7 @@
           <a:p>
             <a:fld id="{A375FAFC-A5AB-4FEC-AA23-92E34682EFAF}" type="slidenum">
               <a:rPr kumimoji="1" lang="ja-JP" altLang="en-US" smtClean="0"/>
-              <a:t>35</a:t>
+              <a:t>36</a:t>
             </a:fld>
             <a:endParaRPr kumimoji="1" lang="ja-JP" altLang="en-US"/>
           </a:p>
@@ -9812,7 +9821,7 @@
           <a:p>
             <a:fld id="{A375FAFC-A5AB-4FEC-AA23-92E34682EFAF}" type="slidenum">
               <a:rPr kumimoji="1" lang="ja-JP" altLang="en-US" smtClean="0"/>
-              <a:t>36</a:t>
+              <a:t>37</a:t>
             </a:fld>
             <a:endParaRPr kumimoji="1" lang="ja-JP" altLang="en-US"/>
           </a:p>
@@ -9896,7 +9905,7 @@
           <a:p>
             <a:fld id="{A375FAFC-A5AB-4FEC-AA23-92E34682EFAF}" type="slidenum">
               <a:rPr kumimoji="1" lang="ja-JP" altLang="en-US" smtClean="0"/>
-              <a:t>37</a:t>
+              <a:t>38</a:t>
             </a:fld>
             <a:endParaRPr kumimoji="1" lang="ja-JP" altLang="en-US"/>
           </a:p>
@@ -9980,7 +9989,7 @@
           <a:p>
             <a:fld id="{A375FAFC-A5AB-4FEC-AA23-92E34682EFAF}" type="slidenum">
               <a:rPr kumimoji="1" lang="ja-JP" altLang="en-US" smtClean="0"/>
-              <a:t>38</a:t>
+              <a:t>39</a:t>
             </a:fld>
             <a:endParaRPr kumimoji="1" lang="ja-JP" altLang="en-US"/>
           </a:p>
@@ -10064,7 +10073,7 @@
           <a:p>
             <a:fld id="{A375FAFC-A5AB-4FEC-AA23-92E34682EFAF}" type="slidenum">
               <a:rPr kumimoji="1" lang="ja-JP" altLang="en-US" smtClean="0"/>
-              <a:t>39</a:t>
+              <a:t>40</a:t>
             </a:fld>
             <a:endParaRPr kumimoji="1" lang="ja-JP" altLang="en-US"/>
           </a:p>
@@ -23478,13 +23487,13 @@
           <p:nvPr>
             <p:extLst>
               <p:ext uri="{D42A27DB-BD31-4B8C-83A1-F6EECF244321}">
-                <p14:modId xmlns:p14="http://schemas.microsoft.com/office/powerpoint/2010/main" val="2502939464"/>
+                <p14:modId xmlns:p14="http://schemas.microsoft.com/office/powerpoint/2010/main" val="4015811183"/>
               </p:ext>
             </p:extLst>
           </p:nvPr>
         </p:nvGraphicFramePr>
         <p:xfrm>
-          <a:off x="2144422" y="2016281"/>
+          <a:off x="2144422" y="2129405"/>
           <a:ext cx="7386320" cy="3328034"/>
         </p:xfrm>
         <a:graphic>
@@ -24913,6 +24922,109 @@
       </p:grpSpPr>
       <p:sp>
         <p:nvSpPr>
+          <p:cNvPr id="2" name="コンテンツ プレースホルダー 1"/>
+          <p:cNvSpPr>
+            <a:spLocks noGrp="1"/>
+          </p:cNvSpPr>
+          <p:nvPr>
+            <p:ph idx="1"/>
+          </p:nvPr>
+        </p:nvSpPr>
+        <p:spPr>
+          <a:xfrm>
+            <a:off x="838200" y="1825625"/>
+            <a:ext cx="10162880" cy="3811604"/>
+          </a:xfrm>
+        </p:spPr>
+        <p:txBody>
+          <a:bodyPr/>
+          <a:lstStyle/>
+          <a:p>
+            <a:r>
+              <a:rPr lang="ja-JP" altLang="en-US" dirty="0"/>
+              <a:t>単に不具合を検出するだけでなく，開発者にどのように修正すればテストが通るのかを提示してくれる</a:t>
+            </a:r>
+          </a:p>
+          <a:p>
+            <a:endParaRPr lang="ja-JP" altLang="en-US" dirty="0"/>
+          </a:p>
+          <a:p>
+            <a:r>
+              <a:rPr lang="ja-JP" altLang="en-US" dirty="0"/>
+              <a:t>対象コードの作成経緯や意図された動作から脱線することに敏感であり，結びつきが深い</a:t>
+            </a:r>
+          </a:p>
+          <a:p>
+            <a:endParaRPr lang="ja-JP" altLang="en-US" dirty="0"/>
+          </a:p>
+          <a:p>
+            <a:r>
+              <a:rPr lang="ja-JP" altLang="en-US" dirty="0"/>
+              <a:t>プロダクションコードの変更に対してテストコードの変更も容易に適用できるように，理解が</a:t>
+            </a:r>
+            <a:r>
+              <a:rPr lang="ja-JP" altLang="en-US" dirty="0" smtClean="0"/>
+              <a:t>しやすい</a:t>
+            </a:r>
+            <a:endParaRPr lang="ja-JP" altLang="en-US" dirty="0"/>
+          </a:p>
+        </p:txBody>
+      </p:sp>
+      <p:sp>
+        <p:nvSpPr>
+          <p:cNvPr id="3" name="タイトル 2"/>
+          <p:cNvSpPr>
+            <a:spLocks noGrp="1"/>
+          </p:cNvSpPr>
+          <p:nvPr>
+            <p:ph type="title"/>
+          </p:nvPr>
+        </p:nvSpPr>
+        <p:spPr/>
+        <p:txBody>
+          <a:bodyPr/>
+          <a:lstStyle/>
+          <a:p>
+            <a:r>
+              <a:rPr kumimoji="1" lang="ja-JP" altLang="en-US" dirty="0" smtClean="0"/>
+              <a:t>良いテストコードとは？</a:t>
+            </a:r>
+            <a:endParaRPr kumimoji="1" lang="ja-JP" altLang="en-US" dirty="0"/>
+          </a:p>
+        </p:txBody>
+      </p:sp>
+    </p:spTree>
+    <p:extLst>
+      <p:ext uri="{BB962C8B-B14F-4D97-AF65-F5344CB8AC3E}">
+        <p14:creationId xmlns:p14="http://schemas.microsoft.com/office/powerpoint/2010/main" val="2560913202"/>
+      </p:ext>
+    </p:extLst>
+  </p:cSld>
+  <p:clrMapOvr>
+    <a:masterClrMapping/>
+  </p:clrMapOvr>
+</p:sld>
+</file>
+
+<file path=ppt/slides/slide24.xml><?xml version="1.0" encoding="utf-8"?>
+<p:sld xmlns:a="http://schemas.openxmlformats.org/drawingml/2006/main" xmlns:r="http://schemas.openxmlformats.org/officeDocument/2006/relationships" xmlns:p="http://schemas.openxmlformats.org/presentationml/2006/main">
+  <p:cSld>
+    <p:spTree>
+      <p:nvGrpSpPr>
+        <p:cNvPr id="1" name=""/>
+        <p:cNvGrpSpPr/>
+        <p:nvPr/>
+      </p:nvGrpSpPr>
+      <p:grpSpPr>
+        <a:xfrm>
+          <a:off x="0" y="0"/>
+          <a:ext cx="0" cy="0"/>
+          <a:chOff x="0" y="0"/>
+          <a:chExt cx="0" cy="0"/>
+        </a:xfrm>
+      </p:grpSpPr>
+      <p:sp>
+        <p:nvSpPr>
           <p:cNvPr id="3" name="タイトル 2"/>
           <p:cNvSpPr>
             <a:spLocks noGrp="1"/>
@@ -25514,547 +25626,6 @@
     <p:extLst>
       <p:ext uri="{BB962C8B-B14F-4D97-AF65-F5344CB8AC3E}">
         <p14:creationId xmlns:p14="http://schemas.microsoft.com/office/powerpoint/2010/main" val="35493437"/>
-      </p:ext>
-    </p:extLst>
-  </p:cSld>
-  <p:clrMapOvr>
-    <a:masterClrMapping/>
-  </p:clrMapOvr>
-  <p:timing>
-    <p:tnLst>
-      <p:par>
-        <p:cTn id="1" dur="indefinite" restart="never" nodeType="tmRoot"/>
-      </p:par>
-    </p:tnLst>
-  </p:timing>
-</p:sld>
-</file>
-
-<file path=ppt/slides/slide24.xml><?xml version="1.0" encoding="utf-8"?>
-<p:sld xmlns:a="http://schemas.openxmlformats.org/drawingml/2006/main" xmlns:r="http://schemas.openxmlformats.org/officeDocument/2006/relationships" xmlns:p="http://schemas.openxmlformats.org/presentationml/2006/main">
-  <p:cSld>
-    <p:spTree>
-      <p:nvGrpSpPr>
-        <p:cNvPr id="1" name=""/>
-        <p:cNvGrpSpPr/>
-        <p:nvPr/>
-      </p:nvGrpSpPr>
-      <p:grpSpPr>
-        <a:xfrm>
-          <a:off x="0" y="0"/>
-          <a:ext cx="0" cy="0"/>
-          <a:chOff x="0" y="0"/>
-          <a:chExt cx="0" cy="0"/>
-        </a:xfrm>
-      </p:grpSpPr>
-      <p:sp>
-        <p:nvSpPr>
-          <p:cNvPr id="3" name="タイトル 2"/>
-          <p:cNvSpPr>
-            <a:spLocks noGrp="1"/>
-          </p:cNvSpPr>
-          <p:nvPr>
-            <p:ph type="title"/>
-          </p:nvPr>
-        </p:nvSpPr>
-        <p:spPr>
-          <a:xfrm>
-            <a:off x="221598" y="219428"/>
-            <a:ext cx="6991371" cy="729386"/>
-          </a:xfrm>
-        </p:spPr>
-        <p:txBody>
-          <a:bodyPr>
-            <a:normAutofit fontScale="90000"/>
-          </a:bodyPr>
-          <a:lstStyle/>
-          <a:p>
-            <a:r>
-              <a:rPr lang="en-US" altLang="ja-JP" dirty="0"/>
-              <a:t>Mystery Guest</a:t>
-            </a:r>
-            <a:r>
-              <a:rPr lang="ja-JP" altLang="en-US" dirty="0"/>
-              <a:t> </a:t>
-            </a:r>
-            <a:r>
-              <a:rPr lang="en-US" altLang="ja-JP" dirty="0"/>
-              <a:t>(</a:t>
-            </a:r>
-            <a:r>
-              <a:rPr lang="ja-JP" altLang="en-US" dirty="0"/>
-              <a:t>ミステリー・ゲスト</a:t>
-            </a:r>
-            <a:r>
-              <a:rPr lang="en-US" altLang="ja-JP" dirty="0"/>
-              <a:t>)</a:t>
-            </a:r>
-            <a:endParaRPr kumimoji="1" lang="ja-JP" altLang="en-US" dirty="0"/>
-          </a:p>
-        </p:txBody>
-      </p:sp>
-      <p:sp>
-        <p:nvSpPr>
-          <p:cNvPr id="4" name="コンテンツ プレースホルダー 2"/>
-          <p:cNvSpPr>
-            <a:spLocks noGrp="1"/>
-          </p:cNvSpPr>
-          <p:nvPr>
-            <p:ph idx="1"/>
-          </p:nvPr>
-        </p:nvSpPr>
-        <p:spPr>
-          <a:xfrm>
-            <a:off x="838200" y="1467809"/>
-            <a:ext cx="10515600" cy="1746250"/>
-          </a:xfrm>
-        </p:spPr>
-        <p:txBody>
-          <a:bodyPr/>
-          <a:lstStyle/>
-          <a:p>
-            <a:r>
-              <a:rPr lang="ja-JP" altLang="en-US" b="1" dirty="0"/>
-              <a:t>テストメソッド内</a:t>
-            </a:r>
-            <a:r>
-              <a:rPr lang="ja-JP" altLang="en-US" b="1" dirty="0" smtClean="0"/>
-              <a:t>で、外部</a:t>
-            </a:r>
-            <a:r>
-              <a:rPr lang="ja-JP" altLang="en-US" b="1" dirty="0"/>
-              <a:t>リソースを利用</a:t>
-            </a:r>
-            <a:r>
-              <a:rPr lang="ja-JP" altLang="en-US" b="1" dirty="0" smtClean="0"/>
-              <a:t>する</a:t>
-            </a:r>
-            <a:endParaRPr lang="en-US" altLang="ja-JP" b="1" dirty="0" smtClean="0"/>
-          </a:p>
-          <a:p>
-            <a:pPr lvl="1"/>
-            <a:r>
-              <a:rPr lang="ja-JP" altLang="en-US" dirty="0"/>
-              <a:t>テストメソッド内だけでなく外部ファイルなど、外部リソースを使用すると見えない依存関係が生じる</a:t>
-            </a:r>
-          </a:p>
-          <a:p>
-            <a:pPr lvl="1"/>
-            <a:r>
-              <a:rPr lang="ja-JP" altLang="en-US" dirty="0"/>
-              <a:t>誰かが、外部ファイルを削除するとテストが失敗してしまう</a:t>
-            </a:r>
-          </a:p>
-          <a:p>
-            <a:pPr lvl="1"/>
-            <a:endParaRPr kumimoji="1" lang="ja-JP" altLang="en-US" dirty="0"/>
-          </a:p>
-        </p:txBody>
-      </p:sp>
-      <p:sp>
-        <p:nvSpPr>
-          <p:cNvPr id="5" name="Google Shape;137;p22"/>
-          <p:cNvSpPr/>
-          <p:nvPr/>
-        </p:nvSpPr>
-        <p:spPr>
-          <a:xfrm>
-            <a:off x="838200" y="3766728"/>
-            <a:ext cx="8374137" cy="2066706"/>
-          </a:xfrm>
-          <a:prstGeom prst="rect">
-            <a:avLst/>
-          </a:prstGeom>
-          <a:solidFill>
-            <a:srgbClr val="F3F3F3"/>
-          </a:solidFill>
-          <a:ln w="9525" cap="flat" cmpd="sng">
-            <a:solidFill>
-              <a:srgbClr val="595959"/>
-            </a:solidFill>
-            <a:prstDash val="solid"/>
-            <a:round/>
-            <a:headEnd type="none" w="sm" len="sm"/>
-            <a:tailEnd type="none" w="sm" len="sm"/>
-          </a:ln>
-        </p:spPr>
-        <p:txBody>
-          <a:bodyPr spcFirstLastPara="1" wrap="square" lIns="91425" tIns="91425" rIns="91425" bIns="91425" anchor="t" anchorCtr="0">
-            <a:noAutofit/>
-          </a:bodyPr>
-          <a:lstStyle/>
-          <a:p>
-            <a:pPr marL="0" lvl="0" indent="0" algn="l" rtl="0">
-              <a:lnSpc>
-                <a:spcPct val="115000"/>
-              </a:lnSpc>
-              <a:spcBef>
-                <a:spcPts val="0"/>
-              </a:spcBef>
-              <a:spcAft>
-                <a:spcPts val="0"/>
-              </a:spcAft>
-              <a:buClr>
-                <a:srgbClr val="000000"/>
-              </a:buClr>
-              <a:buSzPts val="1100"/>
-              <a:buFont typeface="Arial"/>
-              <a:buNone/>
-            </a:pPr>
-            <a:r>
-              <a:rPr lang="ja" b="1" dirty="0">
-                <a:solidFill>
-                  <a:srgbClr val="000000"/>
-                </a:solidFill>
-                <a:latin typeface="Consolas"/>
-                <a:ea typeface="Consolas"/>
-                <a:cs typeface="Consolas"/>
-                <a:sym typeface="Consolas"/>
-              </a:rPr>
-              <a:t>public void testPersistence() {</a:t>
-            </a:r>
-            <a:endParaRPr b="1" dirty="0">
-              <a:solidFill>
-                <a:srgbClr val="000000"/>
-              </a:solidFill>
-              <a:latin typeface="Consolas"/>
-              <a:ea typeface="Consolas"/>
-              <a:cs typeface="Consolas"/>
-              <a:sym typeface="Consolas"/>
-            </a:endParaRPr>
-          </a:p>
-          <a:p>
-            <a:pPr marL="0" lvl="0" indent="0" algn="l" rtl="0">
-              <a:lnSpc>
-                <a:spcPct val="115000"/>
-              </a:lnSpc>
-              <a:spcBef>
-                <a:spcPts val="0"/>
-              </a:spcBef>
-              <a:spcAft>
-                <a:spcPts val="0"/>
-              </a:spcAft>
-              <a:buClr>
-                <a:srgbClr val="000000"/>
-              </a:buClr>
-              <a:buSzPts val="1100"/>
-              <a:buFont typeface="Arial"/>
-              <a:buNone/>
-            </a:pPr>
-            <a:r>
-              <a:rPr lang="ja" b="1" dirty="0">
-                <a:solidFill>
-                  <a:srgbClr val="000000"/>
-                </a:solidFill>
-                <a:latin typeface="Consolas"/>
-                <a:ea typeface="Consolas"/>
-                <a:cs typeface="Consolas"/>
-                <a:sym typeface="Consolas"/>
-              </a:rPr>
-              <a:t>    .....   </a:t>
-            </a:r>
-            <a:endParaRPr b="1" dirty="0">
-              <a:solidFill>
-                <a:srgbClr val="000000"/>
-              </a:solidFill>
-              <a:latin typeface="Consolas"/>
-              <a:ea typeface="Consolas"/>
-              <a:cs typeface="Consolas"/>
-              <a:sym typeface="Consolas"/>
-            </a:endParaRPr>
-          </a:p>
-          <a:p>
-            <a:pPr marL="0" lvl="0" indent="0" algn="l" rtl="0">
-              <a:lnSpc>
-                <a:spcPct val="115000"/>
-              </a:lnSpc>
-              <a:spcBef>
-                <a:spcPts val="0"/>
-              </a:spcBef>
-              <a:spcAft>
-                <a:spcPts val="0"/>
-              </a:spcAft>
-              <a:buClr>
-                <a:srgbClr val="000000"/>
-              </a:buClr>
-              <a:buSzPts val="1100"/>
-              <a:buFont typeface="Arial"/>
-              <a:buNone/>
-            </a:pPr>
-            <a:r>
-              <a:rPr lang="ja" b="1" dirty="0">
-                <a:solidFill>
-                  <a:srgbClr val="000000"/>
-                </a:solidFill>
-                <a:latin typeface="Consolas"/>
-                <a:ea typeface="Consolas"/>
-                <a:cs typeface="Consolas"/>
-                <a:sym typeface="Consolas"/>
-              </a:rPr>
-              <a:t>    File tempFile = File.createTempFile("systemstate-", ".txt");</a:t>
-            </a:r>
-            <a:endParaRPr b="1" dirty="0">
-              <a:solidFill>
-                <a:srgbClr val="000000"/>
-              </a:solidFill>
-              <a:latin typeface="Consolas"/>
-              <a:ea typeface="Consolas"/>
-              <a:cs typeface="Consolas"/>
-              <a:sym typeface="Consolas"/>
-            </a:endParaRPr>
-          </a:p>
-          <a:p>
-            <a:pPr marL="0" lvl="0" indent="0" algn="l" rtl="0">
-              <a:lnSpc>
-                <a:spcPct val="115000"/>
-              </a:lnSpc>
-              <a:spcBef>
-                <a:spcPts val="0"/>
-              </a:spcBef>
-              <a:spcAft>
-                <a:spcPts val="0"/>
-              </a:spcAft>
-              <a:buClr>
-                <a:srgbClr val="000000"/>
-              </a:buClr>
-              <a:buSzPts val="1100"/>
-              <a:buFont typeface="Arial"/>
-              <a:buNone/>
-            </a:pPr>
-            <a:r>
-              <a:rPr lang="ja" b="1" dirty="0">
-                <a:solidFill>
-                  <a:srgbClr val="000000"/>
-                </a:solidFill>
-                <a:latin typeface="Consolas"/>
-                <a:ea typeface="Consolas"/>
-                <a:cs typeface="Consolas"/>
-                <a:sym typeface="Consolas"/>
-              </a:rPr>
-              <a:t>    .....</a:t>
-            </a:r>
-            <a:endParaRPr b="1" dirty="0">
-              <a:solidFill>
-                <a:srgbClr val="000000"/>
-              </a:solidFill>
-              <a:latin typeface="Consolas"/>
-              <a:ea typeface="Consolas"/>
-              <a:cs typeface="Consolas"/>
-              <a:sym typeface="Consolas"/>
-            </a:endParaRPr>
-          </a:p>
-          <a:p>
-            <a:pPr marL="0" lvl="0" indent="0" algn="l" rtl="0">
-              <a:lnSpc>
-                <a:spcPct val="115000"/>
-              </a:lnSpc>
-              <a:spcBef>
-                <a:spcPts val="0"/>
-              </a:spcBef>
-              <a:spcAft>
-                <a:spcPts val="0"/>
-              </a:spcAft>
-              <a:buClr>
-                <a:srgbClr val="000000"/>
-              </a:buClr>
-              <a:buSzPts val="1100"/>
-              <a:buFont typeface="Arial"/>
-              <a:buNone/>
-            </a:pPr>
-            <a:r>
-              <a:rPr lang="ja" b="1" dirty="0">
-                <a:solidFill>
-                  <a:srgbClr val="000000"/>
-                </a:solidFill>
-                <a:latin typeface="Consolas"/>
-                <a:ea typeface="Consolas"/>
-                <a:cs typeface="Consolas"/>
-                <a:sym typeface="Consolas"/>
-              </a:rPr>
-              <a:t>}</a:t>
-            </a:r>
-            <a:endParaRPr b="1" dirty="0">
-              <a:solidFill>
-                <a:srgbClr val="000000"/>
-              </a:solidFill>
-              <a:latin typeface="Consolas"/>
-              <a:ea typeface="Consolas"/>
-              <a:cs typeface="Consolas"/>
-              <a:sym typeface="Consolas"/>
-            </a:endParaRPr>
-          </a:p>
-          <a:p>
-            <a:pPr marL="0" lvl="0" indent="0" algn="l" rtl="0">
-              <a:lnSpc>
-                <a:spcPct val="115000"/>
-              </a:lnSpc>
-              <a:spcBef>
-                <a:spcPts val="0"/>
-              </a:spcBef>
-              <a:spcAft>
-                <a:spcPts val="0"/>
-              </a:spcAft>
-              <a:buClr>
-                <a:srgbClr val="000000"/>
-              </a:buClr>
-              <a:buSzPts val="1100"/>
-              <a:buFont typeface="Arial"/>
-              <a:buNone/>
-            </a:pPr>
-            <a:endParaRPr b="1" dirty="0">
-              <a:solidFill>
-                <a:srgbClr val="000000"/>
-              </a:solidFill>
-              <a:latin typeface="Consolas"/>
-              <a:ea typeface="Consolas"/>
-              <a:cs typeface="Consolas"/>
-              <a:sym typeface="Consolas"/>
-            </a:endParaRPr>
-          </a:p>
-        </p:txBody>
-      </p:sp>
-      <p:sp>
-        <p:nvSpPr>
-          <p:cNvPr id="6" name="Google Shape;138;p22"/>
-          <p:cNvSpPr/>
-          <p:nvPr/>
-        </p:nvSpPr>
-        <p:spPr>
-          <a:xfrm>
-            <a:off x="1341413" y="4488827"/>
-            <a:ext cx="7697812" cy="382581"/>
-          </a:xfrm>
-          <a:prstGeom prst="rect">
-            <a:avLst/>
-          </a:prstGeom>
-          <a:noFill/>
-          <a:ln w="28575" cap="flat" cmpd="sng">
-            <a:solidFill>
-              <a:srgbClr val="4A86E8"/>
-            </a:solidFill>
-            <a:prstDash val="solid"/>
-            <a:round/>
-            <a:headEnd type="none" w="sm" len="sm"/>
-            <a:tailEnd type="none" w="sm" len="sm"/>
-          </a:ln>
-        </p:spPr>
-        <p:txBody>
-          <a:bodyPr spcFirstLastPara="1" wrap="square" lIns="91425" tIns="91425" rIns="91425" bIns="91425" anchor="t" anchorCtr="0">
-            <a:noAutofit/>
-          </a:bodyPr>
-          <a:lstStyle/>
-          <a:p>
-            <a:pPr marL="0" lvl="0" indent="0" algn="l" rtl="0">
-              <a:spcBef>
-                <a:spcPts val="0"/>
-              </a:spcBef>
-              <a:spcAft>
-                <a:spcPts val="0"/>
-              </a:spcAft>
-              <a:buNone/>
-            </a:pPr>
-            <a:endParaRPr/>
-          </a:p>
-        </p:txBody>
-      </p:sp>
-      <p:sp>
-        <p:nvSpPr>
-          <p:cNvPr id="7" name="Google Shape;139;p22"/>
-          <p:cNvSpPr/>
-          <p:nvPr/>
-        </p:nvSpPr>
-        <p:spPr>
-          <a:xfrm>
-            <a:off x="7086600" y="3491543"/>
-            <a:ext cx="4600781" cy="743169"/>
-          </a:xfrm>
-          <a:prstGeom prst="wedgeRoundRectCallout">
-            <a:avLst>
-              <a:gd name="adj1" fmla="val -72835"/>
-              <a:gd name="adj2" fmla="val 94594"/>
-              <a:gd name="adj3" fmla="val 0"/>
-            </a:avLst>
-          </a:prstGeom>
-          <a:solidFill>
-            <a:srgbClr val="FFDD9C"/>
-          </a:solidFill>
-          <a:ln w="9525" cap="flat" cmpd="sng">
-            <a:solidFill>
-              <a:srgbClr val="FFC000"/>
-            </a:solidFill>
-            <a:prstDash val="solid"/>
-            <a:round/>
-            <a:headEnd type="none" w="sm" len="sm"/>
-            <a:tailEnd type="none" w="sm" len="sm"/>
-          </a:ln>
-        </p:spPr>
-        <p:txBody>
-          <a:bodyPr spcFirstLastPara="1" wrap="square" lIns="91425" tIns="91425" rIns="91425" bIns="91425" anchor="ctr" anchorCtr="0">
-            <a:noAutofit/>
-          </a:bodyPr>
-          <a:lstStyle/>
-          <a:p>
-            <a:pPr marL="0" lvl="0" indent="0" algn="l" rtl="0">
-              <a:spcBef>
-                <a:spcPts val="0"/>
-              </a:spcBef>
-              <a:spcAft>
-                <a:spcPts val="0"/>
-              </a:spcAft>
-              <a:buNone/>
-            </a:pPr>
-            <a:r>
-              <a:rPr lang="ja" b="1" dirty="0">
-                <a:solidFill>
-                  <a:srgbClr val="000000"/>
-                </a:solidFill>
-              </a:rPr>
-              <a:t>外部にファイルを生成</a:t>
-            </a:r>
-            <a:r>
-              <a:rPr lang="ja" b="1" dirty="0" smtClean="0">
-                <a:solidFill>
-                  <a:srgbClr val="000000"/>
-                </a:solidFill>
-              </a:rPr>
-              <a:t>し</a:t>
-            </a:r>
-            <a:r>
-              <a:rPr lang="ja-JP" altLang="en-US" b="1" dirty="0" err="1" smtClean="0">
-                <a:solidFill>
-                  <a:srgbClr val="000000"/>
-                </a:solidFill>
-              </a:rPr>
-              <a:t>、</a:t>
-            </a:r>
-            <a:r>
-              <a:rPr lang="ja" b="1" dirty="0" smtClean="0">
-                <a:solidFill>
-                  <a:srgbClr val="000000"/>
-                </a:solidFill>
-              </a:rPr>
-              <a:t>テストプロセス</a:t>
-            </a:r>
-            <a:r>
-              <a:rPr lang="ja" b="1" dirty="0">
-                <a:solidFill>
-                  <a:srgbClr val="000000"/>
-                </a:solidFill>
-              </a:rPr>
-              <a:t>で利用している</a:t>
-            </a:r>
-            <a:endParaRPr b="1" dirty="0">
-              <a:solidFill>
-                <a:srgbClr val="000000"/>
-              </a:solidFill>
-            </a:endParaRPr>
-          </a:p>
-        </p:txBody>
-      </p:sp>
-    </p:spTree>
-    <p:extLst>
-      <p:ext uri="{BB962C8B-B14F-4D97-AF65-F5344CB8AC3E}">
-        <p14:creationId xmlns:p14="http://schemas.microsoft.com/office/powerpoint/2010/main" val="1048154990"/>
       </p:ext>
     </p:extLst>
   </p:cSld>
@@ -26106,6 +25677,547 @@
         </p:spPr>
         <p:txBody>
           <a:bodyPr>
+            <a:normAutofit fontScale="90000"/>
+          </a:bodyPr>
+          <a:lstStyle/>
+          <a:p>
+            <a:r>
+              <a:rPr lang="en-US" altLang="ja-JP" dirty="0"/>
+              <a:t>Mystery Guest</a:t>
+            </a:r>
+            <a:r>
+              <a:rPr lang="ja-JP" altLang="en-US" dirty="0"/>
+              <a:t> </a:t>
+            </a:r>
+            <a:r>
+              <a:rPr lang="en-US" altLang="ja-JP" dirty="0"/>
+              <a:t>(</a:t>
+            </a:r>
+            <a:r>
+              <a:rPr lang="ja-JP" altLang="en-US" dirty="0"/>
+              <a:t>ミステリー・ゲスト</a:t>
+            </a:r>
+            <a:r>
+              <a:rPr lang="en-US" altLang="ja-JP" dirty="0"/>
+              <a:t>)</a:t>
+            </a:r>
+            <a:endParaRPr kumimoji="1" lang="ja-JP" altLang="en-US" dirty="0"/>
+          </a:p>
+        </p:txBody>
+      </p:sp>
+      <p:sp>
+        <p:nvSpPr>
+          <p:cNvPr id="4" name="コンテンツ プレースホルダー 2"/>
+          <p:cNvSpPr>
+            <a:spLocks noGrp="1"/>
+          </p:cNvSpPr>
+          <p:nvPr>
+            <p:ph idx="1"/>
+          </p:nvPr>
+        </p:nvSpPr>
+        <p:spPr>
+          <a:xfrm>
+            <a:off x="838200" y="1467809"/>
+            <a:ext cx="10515600" cy="1746250"/>
+          </a:xfrm>
+        </p:spPr>
+        <p:txBody>
+          <a:bodyPr/>
+          <a:lstStyle/>
+          <a:p>
+            <a:r>
+              <a:rPr lang="ja-JP" altLang="en-US" b="1" dirty="0"/>
+              <a:t>テストメソッド内</a:t>
+            </a:r>
+            <a:r>
+              <a:rPr lang="ja-JP" altLang="en-US" b="1" dirty="0" smtClean="0"/>
+              <a:t>で、外部</a:t>
+            </a:r>
+            <a:r>
+              <a:rPr lang="ja-JP" altLang="en-US" b="1" dirty="0"/>
+              <a:t>リソースを利用</a:t>
+            </a:r>
+            <a:r>
+              <a:rPr lang="ja-JP" altLang="en-US" b="1" dirty="0" smtClean="0"/>
+              <a:t>する</a:t>
+            </a:r>
+            <a:endParaRPr lang="en-US" altLang="ja-JP" b="1" dirty="0" smtClean="0"/>
+          </a:p>
+          <a:p>
+            <a:pPr lvl="1"/>
+            <a:r>
+              <a:rPr lang="ja-JP" altLang="en-US" dirty="0"/>
+              <a:t>テストメソッド内だけでなく外部ファイルなど、外部リソースを使用すると見えない依存関係が生じる</a:t>
+            </a:r>
+          </a:p>
+          <a:p>
+            <a:pPr lvl="1"/>
+            <a:r>
+              <a:rPr lang="ja-JP" altLang="en-US" dirty="0"/>
+              <a:t>誰かが、外部ファイルを削除するとテストが失敗してしまう</a:t>
+            </a:r>
+          </a:p>
+          <a:p>
+            <a:pPr lvl="1"/>
+            <a:endParaRPr kumimoji="1" lang="ja-JP" altLang="en-US" dirty="0"/>
+          </a:p>
+        </p:txBody>
+      </p:sp>
+      <p:sp>
+        <p:nvSpPr>
+          <p:cNvPr id="5" name="Google Shape;137;p22"/>
+          <p:cNvSpPr/>
+          <p:nvPr/>
+        </p:nvSpPr>
+        <p:spPr>
+          <a:xfrm>
+            <a:off x="838200" y="3766728"/>
+            <a:ext cx="8374137" cy="2066706"/>
+          </a:xfrm>
+          <a:prstGeom prst="rect">
+            <a:avLst/>
+          </a:prstGeom>
+          <a:solidFill>
+            <a:srgbClr val="F3F3F3"/>
+          </a:solidFill>
+          <a:ln w="9525" cap="flat" cmpd="sng">
+            <a:solidFill>
+              <a:srgbClr val="595959"/>
+            </a:solidFill>
+            <a:prstDash val="solid"/>
+            <a:round/>
+            <a:headEnd type="none" w="sm" len="sm"/>
+            <a:tailEnd type="none" w="sm" len="sm"/>
+          </a:ln>
+        </p:spPr>
+        <p:txBody>
+          <a:bodyPr spcFirstLastPara="1" wrap="square" lIns="91425" tIns="91425" rIns="91425" bIns="91425" anchor="t" anchorCtr="0">
+            <a:noAutofit/>
+          </a:bodyPr>
+          <a:lstStyle/>
+          <a:p>
+            <a:pPr marL="0" lvl="0" indent="0" algn="l" rtl="0">
+              <a:lnSpc>
+                <a:spcPct val="115000"/>
+              </a:lnSpc>
+              <a:spcBef>
+                <a:spcPts val="0"/>
+              </a:spcBef>
+              <a:spcAft>
+                <a:spcPts val="0"/>
+              </a:spcAft>
+              <a:buClr>
+                <a:srgbClr val="000000"/>
+              </a:buClr>
+              <a:buSzPts val="1100"/>
+              <a:buFont typeface="Arial"/>
+              <a:buNone/>
+            </a:pPr>
+            <a:r>
+              <a:rPr lang="ja" b="1" dirty="0">
+                <a:solidFill>
+                  <a:srgbClr val="000000"/>
+                </a:solidFill>
+                <a:latin typeface="Consolas"/>
+                <a:ea typeface="Consolas"/>
+                <a:cs typeface="Consolas"/>
+                <a:sym typeface="Consolas"/>
+              </a:rPr>
+              <a:t>public void testPersistence() {</a:t>
+            </a:r>
+            <a:endParaRPr b="1" dirty="0">
+              <a:solidFill>
+                <a:srgbClr val="000000"/>
+              </a:solidFill>
+              <a:latin typeface="Consolas"/>
+              <a:ea typeface="Consolas"/>
+              <a:cs typeface="Consolas"/>
+              <a:sym typeface="Consolas"/>
+            </a:endParaRPr>
+          </a:p>
+          <a:p>
+            <a:pPr marL="0" lvl="0" indent="0" algn="l" rtl="0">
+              <a:lnSpc>
+                <a:spcPct val="115000"/>
+              </a:lnSpc>
+              <a:spcBef>
+                <a:spcPts val="0"/>
+              </a:spcBef>
+              <a:spcAft>
+                <a:spcPts val="0"/>
+              </a:spcAft>
+              <a:buClr>
+                <a:srgbClr val="000000"/>
+              </a:buClr>
+              <a:buSzPts val="1100"/>
+              <a:buFont typeface="Arial"/>
+              <a:buNone/>
+            </a:pPr>
+            <a:r>
+              <a:rPr lang="ja" b="1" dirty="0">
+                <a:solidFill>
+                  <a:srgbClr val="000000"/>
+                </a:solidFill>
+                <a:latin typeface="Consolas"/>
+                <a:ea typeface="Consolas"/>
+                <a:cs typeface="Consolas"/>
+                <a:sym typeface="Consolas"/>
+              </a:rPr>
+              <a:t>    .....   </a:t>
+            </a:r>
+            <a:endParaRPr b="1" dirty="0">
+              <a:solidFill>
+                <a:srgbClr val="000000"/>
+              </a:solidFill>
+              <a:latin typeface="Consolas"/>
+              <a:ea typeface="Consolas"/>
+              <a:cs typeface="Consolas"/>
+              <a:sym typeface="Consolas"/>
+            </a:endParaRPr>
+          </a:p>
+          <a:p>
+            <a:pPr marL="0" lvl="0" indent="0" algn="l" rtl="0">
+              <a:lnSpc>
+                <a:spcPct val="115000"/>
+              </a:lnSpc>
+              <a:spcBef>
+                <a:spcPts val="0"/>
+              </a:spcBef>
+              <a:spcAft>
+                <a:spcPts val="0"/>
+              </a:spcAft>
+              <a:buClr>
+                <a:srgbClr val="000000"/>
+              </a:buClr>
+              <a:buSzPts val="1100"/>
+              <a:buFont typeface="Arial"/>
+              <a:buNone/>
+            </a:pPr>
+            <a:r>
+              <a:rPr lang="ja" b="1" dirty="0">
+                <a:solidFill>
+                  <a:srgbClr val="000000"/>
+                </a:solidFill>
+                <a:latin typeface="Consolas"/>
+                <a:ea typeface="Consolas"/>
+                <a:cs typeface="Consolas"/>
+                <a:sym typeface="Consolas"/>
+              </a:rPr>
+              <a:t>    File tempFile = File.createTempFile("systemstate-", ".txt");</a:t>
+            </a:r>
+            <a:endParaRPr b="1" dirty="0">
+              <a:solidFill>
+                <a:srgbClr val="000000"/>
+              </a:solidFill>
+              <a:latin typeface="Consolas"/>
+              <a:ea typeface="Consolas"/>
+              <a:cs typeface="Consolas"/>
+              <a:sym typeface="Consolas"/>
+            </a:endParaRPr>
+          </a:p>
+          <a:p>
+            <a:pPr marL="0" lvl="0" indent="0" algn="l" rtl="0">
+              <a:lnSpc>
+                <a:spcPct val="115000"/>
+              </a:lnSpc>
+              <a:spcBef>
+                <a:spcPts val="0"/>
+              </a:spcBef>
+              <a:spcAft>
+                <a:spcPts val="0"/>
+              </a:spcAft>
+              <a:buClr>
+                <a:srgbClr val="000000"/>
+              </a:buClr>
+              <a:buSzPts val="1100"/>
+              <a:buFont typeface="Arial"/>
+              <a:buNone/>
+            </a:pPr>
+            <a:r>
+              <a:rPr lang="ja" b="1" dirty="0">
+                <a:solidFill>
+                  <a:srgbClr val="000000"/>
+                </a:solidFill>
+                <a:latin typeface="Consolas"/>
+                <a:ea typeface="Consolas"/>
+                <a:cs typeface="Consolas"/>
+                <a:sym typeface="Consolas"/>
+              </a:rPr>
+              <a:t>    .....</a:t>
+            </a:r>
+            <a:endParaRPr b="1" dirty="0">
+              <a:solidFill>
+                <a:srgbClr val="000000"/>
+              </a:solidFill>
+              <a:latin typeface="Consolas"/>
+              <a:ea typeface="Consolas"/>
+              <a:cs typeface="Consolas"/>
+              <a:sym typeface="Consolas"/>
+            </a:endParaRPr>
+          </a:p>
+          <a:p>
+            <a:pPr marL="0" lvl="0" indent="0" algn="l" rtl="0">
+              <a:lnSpc>
+                <a:spcPct val="115000"/>
+              </a:lnSpc>
+              <a:spcBef>
+                <a:spcPts val="0"/>
+              </a:spcBef>
+              <a:spcAft>
+                <a:spcPts val="0"/>
+              </a:spcAft>
+              <a:buClr>
+                <a:srgbClr val="000000"/>
+              </a:buClr>
+              <a:buSzPts val="1100"/>
+              <a:buFont typeface="Arial"/>
+              <a:buNone/>
+            </a:pPr>
+            <a:r>
+              <a:rPr lang="ja" b="1" dirty="0">
+                <a:solidFill>
+                  <a:srgbClr val="000000"/>
+                </a:solidFill>
+                <a:latin typeface="Consolas"/>
+                <a:ea typeface="Consolas"/>
+                <a:cs typeface="Consolas"/>
+                <a:sym typeface="Consolas"/>
+              </a:rPr>
+              <a:t>}</a:t>
+            </a:r>
+            <a:endParaRPr b="1" dirty="0">
+              <a:solidFill>
+                <a:srgbClr val="000000"/>
+              </a:solidFill>
+              <a:latin typeface="Consolas"/>
+              <a:ea typeface="Consolas"/>
+              <a:cs typeface="Consolas"/>
+              <a:sym typeface="Consolas"/>
+            </a:endParaRPr>
+          </a:p>
+          <a:p>
+            <a:pPr marL="0" lvl="0" indent="0" algn="l" rtl="0">
+              <a:lnSpc>
+                <a:spcPct val="115000"/>
+              </a:lnSpc>
+              <a:spcBef>
+                <a:spcPts val="0"/>
+              </a:spcBef>
+              <a:spcAft>
+                <a:spcPts val="0"/>
+              </a:spcAft>
+              <a:buClr>
+                <a:srgbClr val="000000"/>
+              </a:buClr>
+              <a:buSzPts val="1100"/>
+              <a:buFont typeface="Arial"/>
+              <a:buNone/>
+            </a:pPr>
+            <a:endParaRPr b="1" dirty="0">
+              <a:solidFill>
+                <a:srgbClr val="000000"/>
+              </a:solidFill>
+              <a:latin typeface="Consolas"/>
+              <a:ea typeface="Consolas"/>
+              <a:cs typeface="Consolas"/>
+              <a:sym typeface="Consolas"/>
+            </a:endParaRPr>
+          </a:p>
+        </p:txBody>
+      </p:sp>
+      <p:sp>
+        <p:nvSpPr>
+          <p:cNvPr id="6" name="Google Shape;138;p22"/>
+          <p:cNvSpPr/>
+          <p:nvPr/>
+        </p:nvSpPr>
+        <p:spPr>
+          <a:xfrm>
+            <a:off x="1341413" y="4488827"/>
+            <a:ext cx="7697812" cy="382581"/>
+          </a:xfrm>
+          <a:prstGeom prst="rect">
+            <a:avLst/>
+          </a:prstGeom>
+          <a:noFill/>
+          <a:ln w="28575" cap="flat" cmpd="sng">
+            <a:solidFill>
+              <a:srgbClr val="4A86E8"/>
+            </a:solidFill>
+            <a:prstDash val="solid"/>
+            <a:round/>
+            <a:headEnd type="none" w="sm" len="sm"/>
+            <a:tailEnd type="none" w="sm" len="sm"/>
+          </a:ln>
+        </p:spPr>
+        <p:txBody>
+          <a:bodyPr spcFirstLastPara="1" wrap="square" lIns="91425" tIns="91425" rIns="91425" bIns="91425" anchor="t" anchorCtr="0">
+            <a:noAutofit/>
+          </a:bodyPr>
+          <a:lstStyle/>
+          <a:p>
+            <a:pPr marL="0" lvl="0" indent="0" algn="l" rtl="0">
+              <a:spcBef>
+                <a:spcPts val="0"/>
+              </a:spcBef>
+              <a:spcAft>
+                <a:spcPts val="0"/>
+              </a:spcAft>
+              <a:buNone/>
+            </a:pPr>
+            <a:endParaRPr/>
+          </a:p>
+        </p:txBody>
+      </p:sp>
+      <p:sp>
+        <p:nvSpPr>
+          <p:cNvPr id="7" name="Google Shape;139;p22"/>
+          <p:cNvSpPr/>
+          <p:nvPr/>
+        </p:nvSpPr>
+        <p:spPr>
+          <a:xfrm>
+            <a:off x="7086600" y="3491543"/>
+            <a:ext cx="4600781" cy="743169"/>
+          </a:xfrm>
+          <a:prstGeom prst="wedgeRoundRectCallout">
+            <a:avLst>
+              <a:gd name="adj1" fmla="val -72835"/>
+              <a:gd name="adj2" fmla="val 94594"/>
+              <a:gd name="adj3" fmla="val 0"/>
+            </a:avLst>
+          </a:prstGeom>
+          <a:solidFill>
+            <a:srgbClr val="FFDD9C"/>
+          </a:solidFill>
+          <a:ln w="9525" cap="flat" cmpd="sng">
+            <a:solidFill>
+              <a:srgbClr val="FFC000"/>
+            </a:solidFill>
+            <a:prstDash val="solid"/>
+            <a:round/>
+            <a:headEnd type="none" w="sm" len="sm"/>
+            <a:tailEnd type="none" w="sm" len="sm"/>
+          </a:ln>
+        </p:spPr>
+        <p:txBody>
+          <a:bodyPr spcFirstLastPara="1" wrap="square" lIns="91425" tIns="91425" rIns="91425" bIns="91425" anchor="ctr" anchorCtr="0">
+            <a:noAutofit/>
+          </a:bodyPr>
+          <a:lstStyle/>
+          <a:p>
+            <a:pPr marL="0" lvl="0" indent="0" algn="l" rtl="0">
+              <a:spcBef>
+                <a:spcPts val="0"/>
+              </a:spcBef>
+              <a:spcAft>
+                <a:spcPts val="0"/>
+              </a:spcAft>
+              <a:buNone/>
+            </a:pPr>
+            <a:r>
+              <a:rPr lang="ja" b="1" dirty="0">
+                <a:solidFill>
+                  <a:srgbClr val="000000"/>
+                </a:solidFill>
+              </a:rPr>
+              <a:t>外部にファイルを生成</a:t>
+            </a:r>
+            <a:r>
+              <a:rPr lang="ja" b="1" dirty="0" smtClean="0">
+                <a:solidFill>
+                  <a:srgbClr val="000000"/>
+                </a:solidFill>
+              </a:rPr>
+              <a:t>し</a:t>
+            </a:r>
+            <a:r>
+              <a:rPr lang="ja-JP" altLang="en-US" b="1" dirty="0" err="1" smtClean="0">
+                <a:solidFill>
+                  <a:srgbClr val="000000"/>
+                </a:solidFill>
+              </a:rPr>
+              <a:t>、</a:t>
+            </a:r>
+            <a:r>
+              <a:rPr lang="ja" b="1" dirty="0" smtClean="0">
+                <a:solidFill>
+                  <a:srgbClr val="000000"/>
+                </a:solidFill>
+              </a:rPr>
+              <a:t>テストプロセス</a:t>
+            </a:r>
+            <a:r>
+              <a:rPr lang="ja" b="1" dirty="0">
+                <a:solidFill>
+                  <a:srgbClr val="000000"/>
+                </a:solidFill>
+              </a:rPr>
+              <a:t>で利用している</a:t>
+            </a:r>
+            <a:endParaRPr b="1" dirty="0">
+              <a:solidFill>
+                <a:srgbClr val="000000"/>
+              </a:solidFill>
+            </a:endParaRPr>
+          </a:p>
+        </p:txBody>
+      </p:sp>
+    </p:spTree>
+    <p:extLst>
+      <p:ext uri="{BB962C8B-B14F-4D97-AF65-F5344CB8AC3E}">
+        <p14:creationId xmlns:p14="http://schemas.microsoft.com/office/powerpoint/2010/main" val="1048154990"/>
+      </p:ext>
+    </p:extLst>
+  </p:cSld>
+  <p:clrMapOvr>
+    <a:masterClrMapping/>
+  </p:clrMapOvr>
+  <p:timing>
+    <p:tnLst>
+      <p:par>
+        <p:cTn id="1" dur="indefinite" restart="never" nodeType="tmRoot"/>
+      </p:par>
+    </p:tnLst>
+  </p:timing>
+</p:sld>
+</file>
+
+<file path=ppt/slides/slide26.xml><?xml version="1.0" encoding="utf-8"?>
+<p:sld xmlns:a="http://schemas.openxmlformats.org/drawingml/2006/main" xmlns:r="http://schemas.openxmlformats.org/officeDocument/2006/relationships" xmlns:p="http://schemas.openxmlformats.org/presentationml/2006/main">
+  <p:cSld>
+    <p:spTree>
+      <p:nvGrpSpPr>
+        <p:cNvPr id="1" name=""/>
+        <p:cNvGrpSpPr/>
+        <p:nvPr/>
+      </p:nvGrpSpPr>
+      <p:grpSpPr>
+        <a:xfrm>
+          <a:off x="0" y="0"/>
+          <a:ext cx="0" cy="0"/>
+          <a:chOff x="0" y="0"/>
+          <a:chExt cx="0" cy="0"/>
+        </a:xfrm>
+      </p:grpSpPr>
+      <p:sp>
+        <p:nvSpPr>
+          <p:cNvPr id="3" name="タイトル 2"/>
+          <p:cNvSpPr>
+            <a:spLocks noGrp="1"/>
+          </p:cNvSpPr>
+          <p:nvPr>
+            <p:ph type="title"/>
+          </p:nvPr>
+        </p:nvSpPr>
+        <p:spPr>
+          <a:xfrm>
+            <a:off x="221598" y="219428"/>
+            <a:ext cx="6991371" cy="729386"/>
+          </a:xfrm>
+        </p:spPr>
+        <p:txBody>
+          <a:bodyPr>
             <a:normAutofit/>
           </a:bodyPr>
           <a:lstStyle/>
@@ -26658,7 +26770,7 @@
 </p:sld>
 </file>
 
-<file path=ppt/slides/slide26.xml><?xml version="1.0" encoding="utf-8"?>
+<file path=ppt/slides/slide27.xml><?xml version="1.0" encoding="utf-8"?>
 <p:sld xmlns:a="http://schemas.openxmlformats.org/drawingml/2006/main" xmlns:r="http://schemas.openxmlformats.org/officeDocument/2006/relationships" xmlns:p="http://schemas.openxmlformats.org/presentationml/2006/main">
   <p:cSld>
     <p:spTree>
@@ -27767,7 +27879,7 @@
 </p:sld>
 </file>
 
-<file path=ppt/slides/slide27.xml><?xml version="1.0" encoding="utf-8"?>
+<file path=ppt/slides/slide28.xml><?xml version="1.0" encoding="utf-8"?>
 <p:sld xmlns:a="http://schemas.openxmlformats.org/drawingml/2006/main" xmlns:r="http://schemas.openxmlformats.org/officeDocument/2006/relationships" xmlns:p="http://schemas.openxmlformats.org/presentationml/2006/main">
   <p:cSld>
     <p:spTree>
@@ -28141,7 +28253,7 @@
 </p:sld>
 </file>
 
-<file path=ppt/slides/slide28.xml><?xml version="1.0" encoding="utf-8"?>
+<file path=ppt/slides/slide29.xml><?xml version="1.0" encoding="utf-8"?>
 <p:sld xmlns:a="http://schemas.openxmlformats.org/drawingml/2006/main" xmlns:r="http://schemas.openxmlformats.org/officeDocument/2006/relationships" xmlns:p="http://schemas.openxmlformats.org/presentationml/2006/main">
   <p:cSld>
     <p:spTree>
@@ -28419,7 +28531,417 @@
 </p:sld>
 </file>
 
-<file path=ppt/slides/slide29.xml><?xml version="1.0" encoding="utf-8"?>
+<file path=ppt/slides/slide3.xml><?xml version="1.0" encoding="utf-8"?>
+<p:sld xmlns:a="http://schemas.openxmlformats.org/drawingml/2006/main" xmlns:r="http://schemas.openxmlformats.org/officeDocument/2006/relationships" xmlns:p="http://schemas.openxmlformats.org/presentationml/2006/main">
+  <p:cSld>
+    <p:spTree>
+      <p:nvGrpSpPr>
+        <p:cNvPr id="1" name=""/>
+        <p:cNvGrpSpPr/>
+        <p:nvPr/>
+      </p:nvGrpSpPr>
+      <p:grpSpPr>
+        <a:xfrm>
+          <a:off x="0" y="0"/>
+          <a:ext cx="0" cy="0"/>
+          <a:chOff x="0" y="0"/>
+          <a:chExt cx="0" cy="0"/>
+        </a:xfrm>
+      </p:grpSpPr>
+      <p:sp>
+        <p:nvSpPr>
+          <p:cNvPr id="2" name="タイトル 1"/>
+          <p:cNvSpPr>
+            <a:spLocks noGrp="1"/>
+          </p:cNvSpPr>
+          <p:nvPr>
+            <p:ph type="title"/>
+          </p:nvPr>
+        </p:nvSpPr>
+        <p:spPr>
+          <a:xfrm>
+            <a:off x="197018" y="219428"/>
+            <a:ext cx="5608931" cy="729386"/>
+          </a:xfrm>
+        </p:spPr>
+        <p:txBody>
+          <a:bodyPr/>
+          <a:lstStyle/>
+          <a:p>
+            <a:r>
+              <a:rPr kumimoji="1" lang="ja-JP" altLang="en-US" dirty="0" smtClean="0">
+                <a:solidFill>
+                  <a:schemeClr val="bg1"/>
+                </a:solidFill>
+              </a:rPr>
+              <a:t>テストコード自動生成ツール</a:t>
+            </a:r>
+            <a:endParaRPr kumimoji="1" lang="ja-JP" altLang="en-US" dirty="0">
+              <a:solidFill>
+                <a:schemeClr val="bg1"/>
+              </a:solidFill>
+            </a:endParaRPr>
+          </a:p>
+        </p:txBody>
+      </p:sp>
+      <p:sp>
+        <p:nvSpPr>
+          <p:cNvPr id="4" name="コンテンツ プレースホルダー 2"/>
+          <p:cNvSpPr>
+            <a:spLocks noGrp="1"/>
+          </p:cNvSpPr>
+          <p:nvPr>
+            <p:ph idx="1"/>
+          </p:nvPr>
+        </p:nvSpPr>
+        <p:spPr>
+          <a:xfrm>
+            <a:off x="838198" y="1587161"/>
+            <a:ext cx="10741183" cy="902666"/>
+          </a:xfrm>
+        </p:spPr>
+        <p:txBody>
+          <a:bodyPr/>
+          <a:lstStyle/>
+          <a:p>
+            <a:r>
+              <a:rPr lang="ja-JP" altLang="en-US" dirty="0" smtClean="0"/>
+              <a:t>テスト</a:t>
+            </a:r>
+            <a:r>
+              <a:rPr lang="ja-JP" altLang="en-US" dirty="0"/>
+              <a:t>工程</a:t>
+            </a:r>
+            <a:r>
+              <a:rPr lang="ja-JP" altLang="en-US" dirty="0" smtClean="0"/>
+              <a:t>を支援するために、これまでに様々</a:t>
+            </a:r>
+            <a:r>
+              <a:rPr lang="ja-JP" altLang="en-US" dirty="0" smtClean="0"/>
+              <a:t>な自動</a:t>
+            </a:r>
+            <a:r>
+              <a:rPr lang="ja-JP" altLang="en-US" dirty="0" smtClean="0"/>
+              <a:t>生成ツールが提案されてき</a:t>
+            </a:r>
+            <a:r>
+              <a:rPr lang="ja-JP" altLang="en-US" dirty="0"/>
+              <a:t>た</a:t>
+            </a:r>
+            <a:endParaRPr kumimoji="1" lang="ja-JP" altLang="en-US" dirty="0"/>
+          </a:p>
+        </p:txBody>
+      </p:sp>
+      <p:pic>
+        <p:nvPicPr>
+          <p:cNvPr id="5" name="Picture 2" descr="site logo"/>
+          <p:cNvPicPr>
+            <a:picLocks noChangeAspect="1" noChangeArrowheads="1"/>
+          </p:cNvPicPr>
+          <p:nvPr/>
+        </p:nvPicPr>
+        <p:blipFill>
+          <a:blip r:embed="rId3">
+            <a:extLst>
+              <a:ext uri="{28A0092B-C50C-407E-A947-70E740481C1C}">
+                <a14:useLocalDpi xmlns:a14="http://schemas.microsoft.com/office/drawing/2010/main" val="0"/>
+              </a:ext>
+            </a:extLst>
+          </a:blip>
+          <a:srcRect/>
+          <a:stretch>
+            <a:fillRect/>
+          </a:stretch>
+        </p:blipFill>
+        <p:spPr bwMode="auto">
+          <a:xfrm>
+            <a:off x="1793321" y="2748979"/>
+            <a:ext cx="2692699" cy="435477"/>
+          </a:xfrm>
+          <a:prstGeom prst="rect">
+            <a:avLst/>
+          </a:prstGeom>
+          <a:noFill/>
+          <a:extLst>
+            <a:ext uri="{909E8E84-426E-40DD-AFC4-6F175D3DCCD1}">
+              <a14:hiddenFill xmlns:a14="http://schemas.microsoft.com/office/drawing/2010/main">
+                <a:solidFill>
+                  <a:srgbClr val="FFFFFF"/>
+                </a:solidFill>
+              </a14:hiddenFill>
+            </a:ext>
+          </a:extLst>
+        </p:spPr>
+      </p:pic>
+      <p:pic>
+        <p:nvPicPr>
+          <p:cNvPr id="6" name="Picture 8" descr="Javaå¯¾å¿éçè§£æã»åä½ãã¹ããã¼ã« Jtest"/>
+          <p:cNvPicPr>
+            <a:picLocks noChangeAspect="1" noChangeArrowheads="1"/>
+          </p:cNvPicPr>
+          <p:nvPr/>
+        </p:nvPicPr>
+        <p:blipFill>
+          <a:blip r:embed="rId4" cstate="print">
+            <a:extLst>
+              <a:ext uri="{28A0092B-C50C-407E-A947-70E740481C1C}">
+                <a14:useLocalDpi xmlns:a14="http://schemas.microsoft.com/office/drawing/2010/main" val="0"/>
+              </a:ext>
+            </a:extLst>
+          </a:blip>
+          <a:srcRect/>
+          <a:stretch>
+            <a:fillRect/>
+          </a:stretch>
+        </p:blipFill>
+        <p:spPr bwMode="auto">
+          <a:xfrm>
+            <a:off x="5019255" y="3465187"/>
+            <a:ext cx="1902255" cy="1141353"/>
+          </a:xfrm>
+          <a:prstGeom prst="rect">
+            <a:avLst/>
+          </a:prstGeom>
+          <a:noFill/>
+          <a:extLst>
+            <a:ext uri="{909E8E84-426E-40DD-AFC4-6F175D3DCCD1}">
+              <a14:hiddenFill xmlns:a14="http://schemas.microsoft.com/office/drawing/2010/main">
+                <a:solidFill>
+                  <a:srgbClr val="FFFFFF"/>
+                </a:solidFill>
+              </a14:hiddenFill>
+            </a:ext>
+          </a:extLst>
+        </p:spPr>
+      </p:pic>
+      <p:pic>
+        <p:nvPicPr>
+          <p:cNvPr id="7" name="図 6"/>
+          <p:cNvPicPr>
+            <a:picLocks noChangeAspect="1"/>
+          </p:cNvPicPr>
+          <p:nvPr/>
+        </p:nvPicPr>
+        <p:blipFill rotWithShape="1">
+          <a:blip r:embed="rId5"/>
+          <a:srcRect l="2412" t="14151" r="48903" b="69708"/>
+          <a:stretch/>
+        </p:blipFill>
+        <p:spPr>
+          <a:xfrm>
+            <a:off x="1238895" y="3613445"/>
+            <a:ext cx="3451873" cy="643728"/>
+          </a:xfrm>
+          <a:prstGeom prst="rect">
+            <a:avLst/>
+          </a:prstGeom>
+        </p:spPr>
+      </p:pic>
+      <p:sp>
+        <p:nvSpPr>
+          <p:cNvPr id="8" name="テキスト ボックス 7"/>
+          <p:cNvSpPr txBox="1"/>
+          <p:nvPr/>
+        </p:nvSpPr>
+        <p:spPr>
+          <a:xfrm>
+            <a:off x="5195276" y="2652720"/>
+            <a:ext cx="2286000" cy="707886"/>
+          </a:xfrm>
+          <a:prstGeom prst="rect">
+            <a:avLst/>
+          </a:prstGeom>
+          <a:noFill/>
+        </p:spPr>
+        <p:txBody>
+          <a:bodyPr wrap="square" rtlCol="0">
+            <a:spAutoFit/>
+          </a:bodyPr>
+          <a:lstStyle/>
+          <a:p>
+            <a:r>
+              <a:rPr kumimoji="1" lang="en-US" altLang="ja-JP" sz="4000" b="1" dirty="0" err="1" smtClean="0"/>
+              <a:t>TestFul</a:t>
+            </a:r>
+            <a:endParaRPr kumimoji="1" lang="ja-JP" altLang="en-US" sz="4000" b="1" dirty="0"/>
+          </a:p>
+        </p:txBody>
+      </p:sp>
+      <p:sp>
+        <p:nvSpPr>
+          <p:cNvPr id="9" name="テキスト ボックス 8"/>
+          <p:cNvSpPr txBox="1"/>
+          <p:nvPr/>
+        </p:nvSpPr>
+        <p:spPr>
+          <a:xfrm>
+            <a:off x="7299996" y="3549287"/>
+            <a:ext cx="1140622" cy="707886"/>
+          </a:xfrm>
+          <a:prstGeom prst="rect">
+            <a:avLst/>
+          </a:prstGeom>
+          <a:noFill/>
+        </p:spPr>
+        <p:txBody>
+          <a:bodyPr wrap="square" rtlCol="0">
+            <a:spAutoFit/>
+          </a:bodyPr>
+          <a:lstStyle/>
+          <a:p>
+            <a:r>
+              <a:rPr lang="en-US" altLang="ja-JP" sz="4000" b="1" dirty="0" err="1" smtClean="0"/>
+              <a:t>Pex</a:t>
+            </a:r>
+            <a:endParaRPr kumimoji="1" lang="ja-JP" altLang="en-US" sz="4000" b="1" dirty="0"/>
+          </a:p>
+        </p:txBody>
+      </p:sp>
+      <p:sp>
+        <p:nvSpPr>
+          <p:cNvPr id="10" name="テキスト ボックス 9"/>
+          <p:cNvSpPr txBox="1"/>
+          <p:nvPr/>
+        </p:nvSpPr>
+        <p:spPr>
+          <a:xfrm>
+            <a:off x="7825156" y="2612774"/>
+            <a:ext cx="2286000" cy="707886"/>
+          </a:xfrm>
+          <a:prstGeom prst="rect">
+            <a:avLst/>
+          </a:prstGeom>
+          <a:noFill/>
+        </p:spPr>
+        <p:txBody>
+          <a:bodyPr wrap="square" rtlCol="0">
+            <a:spAutoFit/>
+          </a:bodyPr>
+          <a:lstStyle/>
+          <a:p>
+            <a:r>
+              <a:rPr kumimoji="1" lang="en-US" altLang="ja-JP" sz="4000" b="1" dirty="0" smtClean="0"/>
+              <a:t>Seeker</a:t>
+            </a:r>
+            <a:endParaRPr kumimoji="1" lang="ja-JP" altLang="en-US" sz="4000" b="1" dirty="0"/>
+          </a:p>
+        </p:txBody>
+      </p:sp>
+      <p:sp>
+        <p:nvSpPr>
+          <p:cNvPr id="11" name="角丸四角形 10"/>
+          <p:cNvSpPr/>
+          <p:nvPr/>
+        </p:nvSpPr>
+        <p:spPr>
+          <a:xfrm>
+            <a:off x="872601" y="5153688"/>
+            <a:ext cx="10195561" cy="1152939"/>
+          </a:xfrm>
+          <a:prstGeom prst="roundRect">
+            <a:avLst/>
+          </a:prstGeom>
+        </p:spPr>
+        <p:style>
+          <a:lnRef idx="1">
+            <a:schemeClr val="accent4"/>
+          </a:lnRef>
+          <a:fillRef idx="2">
+            <a:schemeClr val="accent4"/>
+          </a:fillRef>
+          <a:effectRef idx="1">
+            <a:schemeClr val="accent4"/>
+          </a:effectRef>
+          <a:fontRef idx="minor">
+            <a:schemeClr val="dk1"/>
+          </a:fontRef>
+        </p:style>
+        <p:txBody>
+          <a:bodyPr rtlCol="0" anchor="ctr"/>
+          <a:lstStyle/>
+          <a:p>
+            <a:r>
+              <a:rPr lang="ja-JP" altLang="en-US" sz="3200" dirty="0" smtClean="0">
+                <a:latin typeface="メイリオ" panose="020B0604030504040204" pitchFamily="50" charset="-128"/>
+                <a:ea typeface="メイリオ" panose="020B0604030504040204" pitchFamily="50" charset="-128"/>
+              </a:rPr>
+              <a:t>開発者</a:t>
+            </a:r>
+            <a:r>
+              <a:rPr lang="ja-JP" altLang="en-US" sz="3200" dirty="0">
+                <a:latin typeface="メイリオ" panose="020B0604030504040204" pitchFamily="50" charset="-128"/>
+                <a:ea typeface="メイリオ" panose="020B0604030504040204" pitchFamily="50" charset="-128"/>
+              </a:rPr>
+              <a:t>の実装コストを削減</a:t>
+            </a:r>
+            <a:r>
+              <a:rPr lang="ja-JP" altLang="en-US" sz="3200" dirty="0" smtClean="0">
+                <a:latin typeface="メイリオ" panose="020B0604030504040204" pitchFamily="50" charset="-128"/>
+                <a:ea typeface="メイリオ" panose="020B0604030504040204" pitchFamily="50" charset="-128"/>
+              </a:rPr>
+              <a:t>し、短期間</a:t>
+            </a:r>
+            <a:r>
+              <a:rPr lang="ja-JP" altLang="en-US" sz="3200" dirty="0">
+                <a:latin typeface="メイリオ" panose="020B0604030504040204" pitchFamily="50" charset="-128"/>
+                <a:ea typeface="メイリオ" panose="020B0604030504040204" pitchFamily="50" charset="-128"/>
+              </a:rPr>
+              <a:t>でテストコードを作成できる</a:t>
+            </a:r>
+          </a:p>
+        </p:txBody>
+      </p:sp>
+      <p:sp>
+        <p:nvSpPr>
+          <p:cNvPr id="12" name="テキスト ボックス 11"/>
+          <p:cNvSpPr txBox="1"/>
+          <p:nvPr/>
+        </p:nvSpPr>
+        <p:spPr>
+          <a:xfrm>
+            <a:off x="8671593" y="3549287"/>
+            <a:ext cx="2286000" cy="707886"/>
+          </a:xfrm>
+          <a:prstGeom prst="rect">
+            <a:avLst/>
+          </a:prstGeom>
+          <a:noFill/>
+        </p:spPr>
+        <p:txBody>
+          <a:bodyPr wrap="square" rtlCol="0">
+            <a:spAutoFit/>
+          </a:bodyPr>
+          <a:lstStyle/>
+          <a:p>
+            <a:r>
+              <a:rPr lang="en-US" altLang="ja-JP" sz="4000" b="1" dirty="0" smtClean="0"/>
+              <a:t>Grafter</a:t>
+            </a:r>
+            <a:endParaRPr kumimoji="1" lang="ja-JP" altLang="en-US" sz="4000" b="1" dirty="0"/>
+          </a:p>
+        </p:txBody>
+      </p:sp>
+    </p:spTree>
+    <p:extLst>
+      <p:ext uri="{BB962C8B-B14F-4D97-AF65-F5344CB8AC3E}">
+        <p14:creationId xmlns:p14="http://schemas.microsoft.com/office/powerpoint/2010/main" val="2209929105"/>
+      </p:ext>
+    </p:extLst>
+  </p:cSld>
+  <p:clrMapOvr>
+    <a:masterClrMapping/>
+  </p:clrMapOvr>
+  <p:timing>
+    <p:tnLst>
+      <p:par>
+        <p:cTn id="1" dur="indefinite" restart="never" nodeType="tmRoot"/>
+      </p:par>
+    </p:tnLst>
+  </p:timing>
+</p:sld>
+</file>
+
+<file path=ppt/slides/slide30.xml><?xml version="1.0" encoding="utf-8"?>
 <p:sld xmlns:a="http://schemas.openxmlformats.org/drawingml/2006/main" xmlns:r="http://schemas.openxmlformats.org/officeDocument/2006/relationships" xmlns:p="http://schemas.openxmlformats.org/presentationml/2006/main">
   <p:cSld>
     <p:spTree>
@@ -29138,417 +29660,7 @@
 </p:sld>
 </file>
 
-<file path=ppt/slides/slide3.xml><?xml version="1.0" encoding="utf-8"?>
-<p:sld xmlns:a="http://schemas.openxmlformats.org/drawingml/2006/main" xmlns:r="http://schemas.openxmlformats.org/officeDocument/2006/relationships" xmlns:p="http://schemas.openxmlformats.org/presentationml/2006/main">
-  <p:cSld>
-    <p:spTree>
-      <p:nvGrpSpPr>
-        <p:cNvPr id="1" name=""/>
-        <p:cNvGrpSpPr/>
-        <p:nvPr/>
-      </p:nvGrpSpPr>
-      <p:grpSpPr>
-        <a:xfrm>
-          <a:off x="0" y="0"/>
-          <a:ext cx="0" cy="0"/>
-          <a:chOff x="0" y="0"/>
-          <a:chExt cx="0" cy="0"/>
-        </a:xfrm>
-      </p:grpSpPr>
-      <p:sp>
-        <p:nvSpPr>
-          <p:cNvPr id="2" name="タイトル 1"/>
-          <p:cNvSpPr>
-            <a:spLocks noGrp="1"/>
-          </p:cNvSpPr>
-          <p:nvPr>
-            <p:ph type="title"/>
-          </p:nvPr>
-        </p:nvSpPr>
-        <p:spPr>
-          <a:xfrm>
-            <a:off x="197018" y="219428"/>
-            <a:ext cx="5608931" cy="729386"/>
-          </a:xfrm>
-        </p:spPr>
-        <p:txBody>
-          <a:bodyPr/>
-          <a:lstStyle/>
-          <a:p>
-            <a:r>
-              <a:rPr kumimoji="1" lang="ja-JP" altLang="en-US" dirty="0" smtClean="0">
-                <a:solidFill>
-                  <a:schemeClr val="bg1"/>
-                </a:solidFill>
-              </a:rPr>
-              <a:t>テストコード自動生成ツール</a:t>
-            </a:r>
-            <a:endParaRPr kumimoji="1" lang="ja-JP" altLang="en-US" dirty="0">
-              <a:solidFill>
-                <a:schemeClr val="bg1"/>
-              </a:solidFill>
-            </a:endParaRPr>
-          </a:p>
-        </p:txBody>
-      </p:sp>
-      <p:sp>
-        <p:nvSpPr>
-          <p:cNvPr id="4" name="コンテンツ プレースホルダー 2"/>
-          <p:cNvSpPr>
-            <a:spLocks noGrp="1"/>
-          </p:cNvSpPr>
-          <p:nvPr>
-            <p:ph idx="1"/>
-          </p:nvPr>
-        </p:nvSpPr>
-        <p:spPr>
-          <a:xfrm>
-            <a:off x="838198" y="1587161"/>
-            <a:ext cx="10741183" cy="902666"/>
-          </a:xfrm>
-        </p:spPr>
-        <p:txBody>
-          <a:bodyPr/>
-          <a:lstStyle/>
-          <a:p>
-            <a:r>
-              <a:rPr lang="ja-JP" altLang="en-US" dirty="0" smtClean="0"/>
-              <a:t>テスト</a:t>
-            </a:r>
-            <a:r>
-              <a:rPr lang="ja-JP" altLang="en-US" dirty="0"/>
-              <a:t>工程</a:t>
-            </a:r>
-            <a:r>
-              <a:rPr lang="ja-JP" altLang="en-US" dirty="0" smtClean="0"/>
-              <a:t>を支援するために、これまでに様々</a:t>
-            </a:r>
-            <a:r>
-              <a:rPr lang="ja-JP" altLang="en-US" dirty="0" smtClean="0"/>
-              <a:t>な自動</a:t>
-            </a:r>
-            <a:r>
-              <a:rPr lang="ja-JP" altLang="en-US" dirty="0" smtClean="0"/>
-              <a:t>生成ツールが提案されてき</a:t>
-            </a:r>
-            <a:r>
-              <a:rPr lang="ja-JP" altLang="en-US" dirty="0"/>
-              <a:t>た</a:t>
-            </a:r>
-            <a:endParaRPr kumimoji="1" lang="ja-JP" altLang="en-US" dirty="0"/>
-          </a:p>
-        </p:txBody>
-      </p:sp>
-      <p:pic>
-        <p:nvPicPr>
-          <p:cNvPr id="5" name="Picture 2" descr="site logo"/>
-          <p:cNvPicPr>
-            <a:picLocks noChangeAspect="1" noChangeArrowheads="1"/>
-          </p:cNvPicPr>
-          <p:nvPr/>
-        </p:nvPicPr>
-        <p:blipFill>
-          <a:blip r:embed="rId3">
-            <a:extLst>
-              <a:ext uri="{28A0092B-C50C-407E-A947-70E740481C1C}">
-                <a14:useLocalDpi xmlns:a14="http://schemas.microsoft.com/office/drawing/2010/main" val="0"/>
-              </a:ext>
-            </a:extLst>
-          </a:blip>
-          <a:srcRect/>
-          <a:stretch>
-            <a:fillRect/>
-          </a:stretch>
-        </p:blipFill>
-        <p:spPr bwMode="auto">
-          <a:xfrm>
-            <a:off x="1793321" y="2748979"/>
-            <a:ext cx="2692699" cy="435477"/>
-          </a:xfrm>
-          <a:prstGeom prst="rect">
-            <a:avLst/>
-          </a:prstGeom>
-          <a:noFill/>
-          <a:extLst>
-            <a:ext uri="{909E8E84-426E-40DD-AFC4-6F175D3DCCD1}">
-              <a14:hiddenFill xmlns:a14="http://schemas.microsoft.com/office/drawing/2010/main">
-                <a:solidFill>
-                  <a:srgbClr val="FFFFFF"/>
-                </a:solidFill>
-              </a14:hiddenFill>
-            </a:ext>
-          </a:extLst>
-        </p:spPr>
-      </p:pic>
-      <p:pic>
-        <p:nvPicPr>
-          <p:cNvPr id="6" name="Picture 8" descr="Javaå¯¾å¿éçè§£æã»åä½ãã¹ããã¼ã« Jtest"/>
-          <p:cNvPicPr>
-            <a:picLocks noChangeAspect="1" noChangeArrowheads="1"/>
-          </p:cNvPicPr>
-          <p:nvPr/>
-        </p:nvPicPr>
-        <p:blipFill>
-          <a:blip r:embed="rId4" cstate="print">
-            <a:extLst>
-              <a:ext uri="{28A0092B-C50C-407E-A947-70E740481C1C}">
-                <a14:useLocalDpi xmlns:a14="http://schemas.microsoft.com/office/drawing/2010/main" val="0"/>
-              </a:ext>
-            </a:extLst>
-          </a:blip>
-          <a:srcRect/>
-          <a:stretch>
-            <a:fillRect/>
-          </a:stretch>
-        </p:blipFill>
-        <p:spPr bwMode="auto">
-          <a:xfrm>
-            <a:off x="5019255" y="3465187"/>
-            <a:ext cx="1902255" cy="1141353"/>
-          </a:xfrm>
-          <a:prstGeom prst="rect">
-            <a:avLst/>
-          </a:prstGeom>
-          <a:noFill/>
-          <a:extLst>
-            <a:ext uri="{909E8E84-426E-40DD-AFC4-6F175D3DCCD1}">
-              <a14:hiddenFill xmlns:a14="http://schemas.microsoft.com/office/drawing/2010/main">
-                <a:solidFill>
-                  <a:srgbClr val="FFFFFF"/>
-                </a:solidFill>
-              </a14:hiddenFill>
-            </a:ext>
-          </a:extLst>
-        </p:spPr>
-      </p:pic>
-      <p:pic>
-        <p:nvPicPr>
-          <p:cNvPr id="7" name="図 6"/>
-          <p:cNvPicPr>
-            <a:picLocks noChangeAspect="1"/>
-          </p:cNvPicPr>
-          <p:nvPr/>
-        </p:nvPicPr>
-        <p:blipFill rotWithShape="1">
-          <a:blip r:embed="rId5"/>
-          <a:srcRect l="2412" t="14151" r="48903" b="69708"/>
-          <a:stretch/>
-        </p:blipFill>
-        <p:spPr>
-          <a:xfrm>
-            <a:off x="1238895" y="3613445"/>
-            <a:ext cx="3451873" cy="643728"/>
-          </a:xfrm>
-          <a:prstGeom prst="rect">
-            <a:avLst/>
-          </a:prstGeom>
-        </p:spPr>
-      </p:pic>
-      <p:sp>
-        <p:nvSpPr>
-          <p:cNvPr id="8" name="テキスト ボックス 7"/>
-          <p:cNvSpPr txBox="1"/>
-          <p:nvPr/>
-        </p:nvSpPr>
-        <p:spPr>
-          <a:xfrm>
-            <a:off x="5195276" y="2652720"/>
-            <a:ext cx="2286000" cy="707886"/>
-          </a:xfrm>
-          <a:prstGeom prst="rect">
-            <a:avLst/>
-          </a:prstGeom>
-          <a:noFill/>
-        </p:spPr>
-        <p:txBody>
-          <a:bodyPr wrap="square" rtlCol="0">
-            <a:spAutoFit/>
-          </a:bodyPr>
-          <a:lstStyle/>
-          <a:p>
-            <a:r>
-              <a:rPr kumimoji="1" lang="en-US" altLang="ja-JP" sz="4000" b="1" dirty="0" err="1" smtClean="0"/>
-              <a:t>TestFul</a:t>
-            </a:r>
-            <a:endParaRPr kumimoji="1" lang="ja-JP" altLang="en-US" sz="4000" b="1" dirty="0"/>
-          </a:p>
-        </p:txBody>
-      </p:sp>
-      <p:sp>
-        <p:nvSpPr>
-          <p:cNvPr id="9" name="テキスト ボックス 8"/>
-          <p:cNvSpPr txBox="1"/>
-          <p:nvPr/>
-        </p:nvSpPr>
-        <p:spPr>
-          <a:xfrm>
-            <a:off x="7299996" y="3549287"/>
-            <a:ext cx="1140622" cy="707886"/>
-          </a:xfrm>
-          <a:prstGeom prst="rect">
-            <a:avLst/>
-          </a:prstGeom>
-          <a:noFill/>
-        </p:spPr>
-        <p:txBody>
-          <a:bodyPr wrap="square" rtlCol="0">
-            <a:spAutoFit/>
-          </a:bodyPr>
-          <a:lstStyle/>
-          <a:p>
-            <a:r>
-              <a:rPr lang="en-US" altLang="ja-JP" sz="4000" b="1" dirty="0" err="1" smtClean="0"/>
-              <a:t>Pex</a:t>
-            </a:r>
-            <a:endParaRPr kumimoji="1" lang="ja-JP" altLang="en-US" sz="4000" b="1" dirty="0"/>
-          </a:p>
-        </p:txBody>
-      </p:sp>
-      <p:sp>
-        <p:nvSpPr>
-          <p:cNvPr id="10" name="テキスト ボックス 9"/>
-          <p:cNvSpPr txBox="1"/>
-          <p:nvPr/>
-        </p:nvSpPr>
-        <p:spPr>
-          <a:xfrm>
-            <a:off x="7825156" y="2612774"/>
-            <a:ext cx="2286000" cy="707886"/>
-          </a:xfrm>
-          <a:prstGeom prst="rect">
-            <a:avLst/>
-          </a:prstGeom>
-          <a:noFill/>
-        </p:spPr>
-        <p:txBody>
-          <a:bodyPr wrap="square" rtlCol="0">
-            <a:spAutoFit/>
-          </a:bodyPr>
-          <a:lstStyle/>
-          <a:p>
-            <a:r>
-              <a:rPr kumimoji="1" lang="en-US" altLang="ja-JP" sz="4000" b="1" dirty="0" smtClean="0"/>
-              <a:t>Seeker</a:t>
-            </a:r>
-            <a:endParaRPr kumimoji="1" lang="ja-JP" altLang="en-US" sz="4000" b="1" dirty="0"/>
-          </a:p>
-        </p:txBody>
-      </p:sp>
-      <p:sp>
-        <p:nvSpPr>
-          <p:cNvPr id="11" name="角丸四角形 10"/>
-          <p:cNvSpPr/>
-          <p:nvPr/>
-        </p:nvSpPr>
-        <p:spPr>
-          <a:xfrm>
-            <a:off x="872601" y="5153688"/>
-            <a:ext cx="10195561" cy="1152939"/>
-          </a:xfrm>
-          <a:prstGeom prst="roundRect">
-            <a:avLst/>
-          </a:prstGeom>
-        </p:spPr>
-        <p:style>
-          <a:lnRef idx="1">
-            <a:schemeClr val="accent4"/>
-          </a:lnRef>
-          <a:fillRef idx="2">
-            <a:schemeClr val="accent4"/>
-          </a:fillRef>
-          <a:effectRef idx="1">
-            <a:schemeClr val="accent4"/>
-          </a:effectRef>
-          <a:fontRef idx="minor">
-            <a:schemeClr val="dk1"/>
-          </a:fontRef>
-        </p:style>
-        <p:txBody>
-          <a:bodyPr rtlCol="0" anchor="ctr"/>
-          <a:lstStyle/>
-          <a:p>
-            <a:r>
-              <a:rPr lang="ja-JP" altLang="en-US" sz="3200" dirty="0" smtClean="0">
-                <a:latin typeface="メイリオ" panose="020B0604030504040204" pitchFamily="50" charset="-128"/>
-                <a:ea typeface="メイリオ" panose="020B0604030504040204" pitchFamily="50" charset="-128"/>
-              </a:rPr>
-              <a:t>開発者</a:t>
-            </a:r>
-            <a:r>
-              <a:rPr lang="ja-JP" altLang="en-US" sz="3200" dirty="0">
-                <a:latin typeface="メイリオ" panose="020B0604030504040204" pitchFamily="50" charset="-128"/>
-                <a:ea typeface="メイリオ" panose="020B0604030504040204" pitchFamily="50" charset="-128"/>
-              </a:rPr>
-              <a:t>の実装コストを削減</a:t>
-            </a:r>
-            <a:r>
-              <a:rPr lang="ja-JP" altLang="en-US" sz="3200" dirty="0" smtClean="0">
-                <a:latin typeface="メイリオ" panose="020B0604030504040204" pitchFamily="50" charset="-128"/>
-                <a:ea typeface="メイリオ" panose="020B0604030504040204" pitchFamily="50" charset="-128"/>
-              </a:rPr>
-              <a:t>し、短期間</a:t>
-            </a:r>
-            <a:r>
-              <a:rPr lang="ja-JP" altLang="en-US" sz="3200" dirty="0">
-                <a:latin typeface="メイリオ" panose="020B0604030504040204" pitchFamily="50" charset="-128"/>
-                <a:ea typeface="メイリオ" panose="020B0604030504040204" pitchFamily="50" charset="-128"/>
-              </a:rPr>
-              <a:t>でテストコードを作成できる</a:t>
-            </a:r>
-          </a:p>
-        </p:txBody>
-      </p:sp>
-      <p:sp>
-        <p:nvSpPr>
-          <p:cNvPr id="12" name="テキスト ボックス 11"/>
-          <p:cNvSpPr txBox="1"/>
-          <p:nvPr/>
-        </p:nvSpPr>
-        <p:spPr>
-          <a:xfrm>
-            <a:off x="8671593" y="3549287"/>
-            <a:ext cx="2286000" cy="707886"/>
-          </a:xfrm>
-          <a:prstGeom prst="rect">
-            <a:avLst/>
-          </a:prstGeom>
-          <a:noFill/>
-        </p:spPr>
-        <p:txBody>
-          <a:bodyPr wrap="square" rtlCol="0">
-            <a:spAutoFit/>
-          </a:bodyPr>
-          <a:lstStyle/>
-          <a:p>
-            <a:r>
-              <a:rPr lang="en-US" altLang="ja-JP" sz="4000" b="1" dirty="0" smtClean="0"/>
-              <a:t>Grafter</a:t>
-            </a:r>
-            <a:endParaRPr kumimoji="1" lang="ja-JP" altLang="en-US" sz="4000" b="1" dirty="0"/>
-          </a:p>
-        </p:txBody>
-      </p:sp>
-    </p:spTree>
-    <p:extLst>
-      <p:ext uri="{BB962C8B-B14F-4D97-AF65-F5344CB8AC3E}">
-        <p14:creationId xmlns:p14="http://schemas.microsoft.com/office/powerpoint/2010/main" val="2209929105"/>
-      </p:ext>
-    </p:extLst>
-  </p:cSld>
-  <p:clrMapOvr>
-    <a:masterClrMapping/>
-  </p:clrMapOvr>
-  <p:timing>
-    <p:tnLst>
-      <p:par>
-        <p:cTn id="1" dur="indefinite" restart="never" nodeType="tmRoot"/>
-      </p:par>
-    </p:tnLst>
-  </p:timing>
-</p:sld>
-</file>
-
-<file path=ppt/slides/slide30.xml><?xml version="1.0" encoding="utf-8"?>
+<file path=ppt/slides/slide31.xml><?xml version="1.0" encoding="utf-8"?>
 <p:sld xmlns:a="http://schemas.openxmlformats.org/drawingml/2006/main" xmlns:r="http://schemas.openxmlformats.org/officeDocument/2006/relationships" xmlns:p="http://schemas.openxmlformats.org/presentationml/2006/main">
   <p:cSld>
     <p:spTree>
@@ -30740,7 +30852,7 @@
 </p:sld>
 </file>
 
-<file path=ppt/slides/slide31.xml><?xml version="1.0" encoding="utf-8"?>
+<file path=ppt/slides/slide32.xml><?xml version="1.0" encoding="utf-8"?>
 <p:sld xmlns:a="http://schemas.openxmlformats.org/drawingml/2006/main" xmlns:r="http://schemas.openxmlformats.org/officeDocument/2006/relationships" xmlns:p="http://schemas.openxmlformats.org/presentationml/2006/main">
   <p:cSld>
     <p:spTree>
@@ -31749,7 +31861,7 @@
 </p:sld>
 </file>
 
-<file path=ppt/slides/slide32.xml><?xml version="1.0" encoding="utf-8"?>
+<file path=ppt/slides/slide33.xml><?xml version="1.0" encoding="utf-8"?>
 <p:sld xmlns:a="http://schemas.openxmlformats.org/drawingml/2006/main" xmlns:r="http://schemas.openxmlformats.org/officeDocument/2006/relationships" xmlns:p="http://schemas.openxmlformats.org/presentationml/2006/main">
   <p:cSld>
     <p:spTree>
@@ -31943,7 +32055,7 @@
 </p:sld>
 </file>
 
-<file path=ppt/slides/slide33.xml><?xml version="1.0" encoding="utf-8"?>
+<file path=ppt/slides/slide34.xml><?xml version="1.0" encoding="utf-8"?>
 <p:sld xmlns:a="http://schemas.openxmlformats.org/drawingml/2006/main" xmlns:r="http://schemas.openxmlformats.org/officeDocument/2006/relationships" xmlns:p="http://schemas.openxmlformats.org/presentationml/2006/main">
   <p:cSld>
     <p:spTree>
@@ -33021,7 +33133,7 @@
 </p:sld>
 </file>
 
-<file path=ppt/slides/slide34.xml><?xml version="1.0" encoding="utf-8"?>
+<file path=ppt/slides/slide35.xml><?xml version="1.0" encoding="utf-8"?>
 <p:sld xmlns:a="http://schemas.openxmlformats.org/drawingml/2006/main" xmlns:r="http://schemas.openxmlformats.org/officeDocument/2006/relationships" xmlns:p="http://schemas.openxmlformats.org/presentationml/2006/main">
   <p:cSld>
     <p:spTree>
@@ -33265,7 +33377,7 @@
 </p:sld>
 </file>
 
-<file path=ppt/slides/slide35.xml><?xml version="1.0" encoding="utf-8"?>
+<file path=ppt/slides/slide36.xml><?xml version="1.0" encoding="utf-8"?>
 <p:sld xmlns:a="http://schemas.openxmlformats.org/drawingml/2006/main" xmlns:r="http://schemas.openxmlformats.org/officeDocument/2006/relationships" xmlns:p="http://schemas.openxmlformats.org/presentationml/2006/main">
   <p:cSld>
     <p:spTree>
@@ -33727,7 +33839,7 @@
 </p:sld>
 </file>
 
-<file path=ppt/slides/slide36.xml><?xml version="1.0" encoding="utf-8"?>
+<file path=ppt/slides/slide37.xml><?xml version="1.0" encoding="utf-8"?>
 <p:sld xmlns:a="http://schemas.openxmlformats.org/drawingml/2006/main" xmlns:r="http://schemas.openxmlformats.org/officeDocument/2006/relationships" xmlns:p="http://schemas.openxmlformats.org/presentationml/2006/main">
   <p:cSld>
     <p:spTree>
@@ -34705,7 +34817,7 @@
 </p:sld>
 </file>
 
-<file path=ppt/slides/slide37.xml><?xml version="1.0" encoding="utf-8"?>
+<file path=ppt/slides/slide38.xml><?xml version="1.0" encoding="utf-8"?>
 <p:sld xmlns:a="http://schemas.openxmlformats.org/drawingml/2006/main" xmlns:r="http://schemas.openxmlformats.org/officeDocument/2006/relationships" xmlns:p="http://schemas.openxmlformats.org/presentationml/2006/main">
   <p:cSld>
     <p:spTree>
@@ -35879,7 +35991,7 @@
 </p:sld>
 </file>
 
-<file path=ppt/slides/slide38.xml><?xml version="1.0" encoding="utf-8"?>
+<file path=ppt/slides/slide39.xml><?xml version="1.0" encoding="utf-8"?>
 <p:sld xmlns:a="http://schemas.openxmlformats.org/drawingml/2006/main" xmlns:r="http://schemas.openxmlformats.org/officeDocument/2006/relationships" xmlns:p="http://schemas.openxmlformats.org/presentationml/2006/main">
   <p:cSld>
     <p:spTree>
@@ -37605,7 +37717,484 @@
 </p:sld>
 </file>
 
-<file path=ppt/slides/slide39.xml><?xml version="1.0" encoding="utf-8"?>
+<file path=ppt/slides/slide4.xml><?xml version="1.0" encoding="utf-8"?>
+<p:sld xmlns:a="http://schemas.openxmlformats.org/drawingml/2006/main" xmlns:r="http://schemas.openxmlformats.org/officeDocument/2006/relationships" xmlns:p="http://schemas.openxmlformats.org/presentationml/2006/main">
+  <p:cSld>
+    <p:spTree>
+      <p:nvGrpSpPr>
+        <p:cNvPr id="1" name=""/>
+        <p:cNvGrpSpPr/>
+        <p:nvPr/>
+      </p:nvGrpSpPr>
+      <p:grpSpPr>
+        <a:xfrm>
+          <a:off x="0" y="0"/>
+          <a:ext cx="0" cy="0"/>
+          <a:chOff x="0" y="0"/>
+          <a:chExt cx="0" cy="0"/>
+        </a:xfrm>
+      </p:grpSpPr>
+      <p:sp>
+        <p:nvSpPr>
+          <p:cNvPr id="2" name="タイトル 1"/>
+          <p:cNvSpPr>
+            <a:spLocks noGrp="1"/>
+          </p:cNvSpPr>
+          <p:nvPr>
+            <p:ph type="title"/>
+          </p:nvPr>
+        </p:nvSpPr>
+        <p:spPr>
+          <a:xfrm>
+            <a:off x="192102" y="219428"/>
+            <a:ext cx="5608931" cy="729386"/>
+          </a:xfrm>
+        </p:spPr>
+        <p:txBody>
+          <a:bodyPr/>
+          <a:lstStyle/>
+          <a:p>
+            <a:r>
+              <a:rPr kumimoji="1" lang="ja-JP" altLang="en-US" dirty="0" smtClean="0">
+                <a:solidFill>
+                  <a:schemeClr val="bg1"/>
+                </a:solidFill>
+              </a:rPr>
+              <a:t>自動生成ツールにおける課題</a:t>
+            </a:r>
+            <a:endParaRPr kumimoji="1" lang="ja-JP" altLang="en-US" dirty="0">
+              <a:solidFill>
+                <a:schemeClr val="bg1"/>
+              </a:solidFill>
+            </a:endParaRPr>
+          </a:p>
+        </p:txBody>
+      </p:sp>
+      <p:sp>
+        <p:nvSpPr>
+          <p:cNvPr id="4" name="コンテンツ プレースホルダー 2"/>
+          <p:cNvSpPr>
+            <a:spLocks noGrp="1"/>
+          </p:cNvSpPr>
+          <p:nvPr>
+            <p:ph idx="1"/>
+          </p:nvPr>
+        </p:nvSpPr>
+        <p:spPr>
+          <a:xfrm>
+            <a:off x="913333" y="1409665"/>
+            <a:ext cx="10601150" cy="3559023"/>
+          </a:xfrm>
+        </p:spPr>
+        <p:txBody>
+          <a:bodyPr>
+            <a:normAutofit/>
+          </a:bodyPr>
+          <a:lstStyle/>
+          <a:p>
+            <a:pPr marL="0" indent="0">
+              <a:buNone/>
+            </a:pPr>
+            <a:r>
+              <a:rPr lang="ja-JP" altLang="en-US" sz="3000" dirty="0"/>
+              <a:t>自動生成されたテストコード</a:t>
+            </a:r>
+            <a:r>
+              <a:rPr lang="ja-JP" altLang="en-US" sz="3000" dirty="0" smtClean="0"/>
+              <a:t>は、保守</a:t>
+            </a:r>
+            <a:r>
+              <a:rPr lang="ja-JP" altLang="en-US" sz="3000" dirty="0"/>
+              <a:t>作業を困難にする</a:t>
+            </a:r>
+            <a:r>
+              <a:rPr lang="en-US" altLang="ja-JP" sz="3000" dirty="0" smtClean="0"/>
+              <a:t>[2]</a:t>
+            </a:r>
+          </a:p>
+          <a:p>
+            <a:pPr lvl="1"/>
+            <a:endParaRPr lang="en-US" altLang="ja-JP" sz="800" dirty="0"/>
+          </a:p>
+          <a:p>
+            <a:pPr lvl="1"/>
+            <a:r>
+              <a:rPr lang="ja-JP" altLang="en-US" sz="2800" dirty="0" smtClean="0"/>
+              <a:t>対象コードの</a:t>
+            </a:r>
+            <a:r>
+              <a:rPr lang="ja-JP" altLang="en-US" sz="2800" dirty="0" smtClean="0">
+                <a:solidFill>
+                  <a:srgbClr val="FF0000"/>
+                </a:solidFill>
+              </a:rPr>
+              <a:t>作成経緯</a:t>
+            </a:r>
+            <a:r>
+              <a:rPr lang="ja-JP" altLang="en-US" sz="2800" dirty="0">
+                <a:solidFill>
+                  <a:srgbClr val="FF0000"/>
+                </a:solidFill>
+              </a:rPr>
+              <a:t>や意図に基づいて生成されて</a:t>
+            </a:r>
+            <a:r>
+              <a:rPr lang="ja-JP" altLang="en-US" sz="2800" dirty="0" smtClean="0">
+                <a:solidFill>
+                  <a:srgbClr val="FF0000"/>
+                </a:solidFill>
+              </a:rPr>
+              <a:t>いない</a:t>
+            </a:r>
+            <a:r>
+              <a:rPr lang="en-US" altLang="ja-JP" sz="2800" dirty="0" smtClean="0">
+                <a:solidFill>
+                  <a:srgbClr val="FF0000"/>
+                </a:solidFill>
+              </a:rPr>
+              <a:t/>
+            </a:r>
+            <a:br>
+              <a:rPr lang="en-US" altLang="ja-JP" sz="2800" dirty="0" smtClean="0">
+                <a:solidFill>
+                  <a:srgbClr val="FF0000"/>
+                </a:solidFill>
+              </a:rPr>
+            </a:br>
+            <a:endParaRPr lang="en-US" altLang="ja-JP" sz="600" dirty="0"/>
+          </a:p>
+          <a:p>
+            <a:pPr lvl="1"/>
+            <a:r>
+              <a:rPr lang="ja-JP" altLang="en-US" sz="2800" dirty="0" smtClean="0"/>
+              <a:t>テストコードの保守に悪影響を与える</a:t>
+            </a:r>
+            <a:r>
+              <a:rPr lang="ja-JP" altLang="en-US" sz="2800" dirty="0" smtClean="0">
+                <a:solidFill>
+                  <a:srgbClr val="FF0000"/>
+                </a:solidFill>
+              </a:rPr>
+              <a:t>テストスメルが多い</a:t>
+            </a:r>
+            <a:endParaRPr lang="en-US" altLang="ja-JP" sz="2800" dirty="0">
+              <a:solidFill>
+                <a:srgbClr val="FF0000"/>
+              </a:solidFill>
+            </a:endParaRPr>
+          </a:p>
+          <a:p>
+            <a:pPr lvl="1"/>
+            <a:endParaRPr lang="en-US" altLang="ja-JP" sz="2800" dirty="0" smtClean="0">
+              <a:solidFill>
+                <a:srgbClr val="FF0000"/>
+              </a:solidFill>
+            </a:endParaRPr>
+          </a:p>
+          <a:p>
+            <a:pPr lvl="1"/>
+            <a:endParaRPr lang="en-US" altLang="ja-JP" sz="1400" dirty="0" smtClean="0">
+              <a:solidFill>
+                <a:srgbClr val="FF0000"/>
+              </a:solidFill>
+            </a:endParaRPr>
+          </a:p>
+          <a:p>
+            <a:pPr marL="457200" lvl="1" indent="0">
+              <a:buNone/>
+            </a:pPr>
+            <a:r>
+              <a:rPr lang="ja-JP" altLang="en-US" sz="2800" dirty="0" smtClean="0"/>
+              <a:t>　　　　　</a:t>
+            </a:r>
+            <a:r>
+              <a:rPr lang="ja-JP" altLang="en-US" sz="2800" u="sng" dirty="0" smtClean="0"/>
+              <a:t>テスト</a:t>
+            </a:r>
+            <a:r>
+              <a:rPr lang="ja-JP" altLang="en-US" sz="2800" u="sng" dirty="0"/>
+              <a:t>失敗</a:t>
+            </a:r>
+            <a:r>
+              <a:rPr lang="ja-JP" altLang="en-US" sz="2800" u="sng" dirty="0" smtClean="0"/>
+              <a:t>の原因を特定するのが難しい</a:t>
+            </a:r>
+            <a:endParaRPr lang="ja-JP" altLang="en-US" sz="2800" u="sng" dirty="0"/>
+          </a:p>
+          <a:p>
+            <a:pPr lvl="1"/>
+            <a:endParaRPr lang="en-US" altLang="ja-JP" sz="2800" dirty="0">
+              <a:solidFill>
+                <a:srgbClr val="FF0000"/>
+              </a:solidFill>
+            </a:endParaRPr>
+          </a:p>
+          <a:p>
+            <a:pPr lvl="1"/>
+            <a:endParaRPr lang="ja-JP" altLang="en-US" sz="2800" dirty="0" smtClean="0">
+              <a:solidFill>
+                <a:srgbClr val="FF0000"/>
+              </a:solidFill>
+            </a:endParaRPr>
+          </a:p>
+          <a:p>
+            <a:pPr marL="457200" lvl="1" indent="0">
+              <a:buNone/>
+            </a:pPr>
+            <a:endParaRPr lang="en-US" altLang="ja-JP" sz="2800" dirty="0"/>
+          </a:p>
+          <a:p>
+            <a:pPr lvl="1"/>
+            <a:endParaRPr kumimoji="1" lang="ja-JP" altLang="en-US" dirty="0"/>
+          </a:p>
+        </p:txBody>
+      </p:sp>
+      <p:sp>
+        <p:nvSpPr>
+          <p:cNvPr id="5" name="Rectangle 4"/>
+          <p:cNvSpPr>
+            <a:spLocks noChangeArrowheads="1"/>
+          </p:cNvSpPr>
+          <p:nvPr/>
+        </p:nvSpPr>
+        <p:spPr bwMode="auto">
+          <a:xfrm>
+            <a:off x="1043518" y="5981522"/>
+            <a:ext cx="10078064" cy="461665"/>
+          </a:xfrm>
+          <a:prstGeom prst="rect">
+            <a:avLst/>
+          </a:prstGeom>
+          <a:ln>
+            <a:headEnd/>
+            <a:tailEnd/>
+          </a:ln>
+        </p:spPr>
+        <p:style>
+          <a:lnRef idx="2">
+            <a:schemeClr val="dk1"/>
+          </a:lnRef>
+          <a:fillRef idx="1">
+            <a:schemeClr val="lt1"/>
+          </a:fillRef>
+          <a:effectRef idx="0">
+            <a:schemeClr val="dk1"/>
+          </a:effectRef>
+          <a:fontRef idx="minor">
+            <a:schemeClr val="dk1"/>
+          </a:fontRef>
+        </p:style>
+        <p:txBody>
+          <a:bodyPr wrap="square">
+            <a:spAutoFit/>
+          </a:bodyPr>
+          <a:lstStyle/>
+          <a:p>
+            <a:pPr>
+              <a:defRPr/>
+            </a:pPr>
+            <a:r>
+              <a:rPr lang="en-US" altLang="ja-JP" sz="1200" dirty="0" smtClean="0">
+                <a:solidFill>
+                  <a:schemeClr val="tx2"/>
+                </a:solidFill>
+              </a:rPr>
+              <a:t>[2] </a:t>
+            </a:r>
+            <a:r>
+              <a:rPr lang="en-US" altLang="ja-JP" sz="1200" dirty="0" smtClean="0">
+                <a:solidFill>
+                  <a:schemeClr val="tx2"/>
+                </a:solidFill>
+              </a:rPr>
+              <a:t>S</a:t>
+            </a:r>
+            <a:r>
+              <a:rPr lang="en-US" altLang="ja-JP" sz="1200" dirty="0">
+                <a:solidFill>
+                  <a:schemeClr val="tx2"/>
+                </a:solidFill>
+              </a:rPr>
+              <a:t>. </a:t>
+            </a:r>
+            <a:r>
+              <a:rPr lang="en-US" altLang="ja-JP" sz="1200" dirty="0" err="1">
+                <a:solidFill>
+                  <a:schemeClr val="tx2"/>
+                </a:solidFill>
+              </a:rPr>
+              <a:t>Shamshiri</a:t>
+            </a:r>
+            <a:r>
+              <a:rPr lang="en-US" altLang="ja-JP" sz="1200" dirty="0">
+                <a:solidFill>
+                  <a:schemeClr val="tx2"/>
+                </a:solidFill>
+              </a:rPr>
+              <a:t>, J. M. Rojas, J. P. </a:t>
+            </a:r>
+            <a:r>
+              <a:rPr lang="en-US" altLang="ja-JP" sz="1200" dirty="0" err="1">
+                <a:solidFill>
+                  <a:schemeClr val="tx2"/>
+                </a:solidFill>
+              </a:rPr>
+              <a:t>Galeotti</a:t>
+            </a:r>
+            <a:r>
+              <a:rPr lang="en-US" altLang="ja-JP" sz="1200" dirty="0">
+                <a:solidFill>
+                  <a:schemeClr val="tx2"/>
+                </a:solidFill>
+              </a:rPr>
+              <a:t>, N. Walkinshaw, and G. Fraser. How do automatically generated unit tests inﬂuence software maintenance? In </a:t>
+            </a:r>
+            <a:r>
+              <a:rPr lang="en-US" altLang="ja-JP" sz="1200" i="1" dirty="0">
+                <a:solidFill>
+                  <a:schemeClr val="tx2"/>
+                </a:solidFill>
+              </a:rPr>
+              <a:t>Proceedings of the International Conference on Software Testing, Veriﬁcation and Validation (ICST)</a:t>
+            </a:r>
+            <a:r>
+              <a:rPr lang="en-US" altLang="ja-JP" sz="1200" dirty="0">
+                <a:solidFill>
+                  <a:schemeClr val="tx2"/>
+                </a:solidFill>
+              </a:rPr>
+              <a:t>, pages 250–261, 2018..</a:t>
+            </a:r>
+            <a:endParaRPr lang="en-US" altLang="ja-JP" sz="1200" dirty="0">
+              <a:solidFill>
+                <a:schemeClr val="tx2"/>
+              </a:solidFill>
+            </a:endParaRPr>
+          </a:p>
+        </p:txBody>
+      </p:sp>
+      <p:sp>
+        <p:nvSpPr>
+          <p:cNvPr id="6" name="フローチャート: 組合せ 5"/>
+          <p:cNvSpPr/>
+          <p:nvPr/>
+        </p:nvSpPr>
+        <p:spPr>
+          <a:xfrm>
+            <a:off x="4118742" y="3136669"/>
+            <a:ext cx="3927616" cy="411133"/>
+          </a:xfrm>
+          <a:prstGeom prst="flowChartMerge">
+            <a:avLst/>
+          </a:prstGeom>
+          <a:ln/>
+        </p:spPr>
+        <p:style>
+          <a:lnRef idx="1">
+            <a:schemeClr val="accent3"/>
+          </a:lnRef>
+          <a:fillRef idx="2">
+            <a:schemeClr val="accent3"/>
+          </a:fillRef>
+          <a:effectRef idx="1">
+            <a:schemeClr val="accent3"/>
+          </a:effectRef>
+          <a:fontRef idx="minor">
+            <a:schemeClr val="dk1"/>
+          </a:fontRef>
+        </p:style>
+        <p:txBody>
+          <a:bodyPr rtlCol="0" anchor="ctr"/>
+          <a:lstStyle/>
+          <a:p>
+            <a:pPr algn="ctr"/>
+            <a:endParaRPr kumimoji="1" lang="ja-JP" altLang="en-US" dirty="0"/>
+          </a:p>
+        </p:txBody>
+      </p:sp>
+      <p:sp>
+        <p:nvSpPr>
+          <p:cNvPr id="7" name="フローチャート: 代替処理 6"/>
+          <p:cNvSpPr/>
+          <p:nvPr/>
+        </p:nvSpPr>
+        <p:spPr>
+          <a:xfrm>
+            <a:off x="1460959" y="4492556"/>
+            <a:ext cx="9243182" cy="1005877"/>
+          </a:xfrm>
+          <a:prstGeom prst="flowChartAlternateProcess">
+            <a:avLst/>
+          </a:prstGeom>
+          <a:ln w="6350"/>
+        </p:spPr>
+        <p:style>
+          <a:lnRef idx="1">
+            <a:schemeClr val="accent4"/>
+          </a:lnRef>
+          <a:fillRef idx="2">
+            <a:schemeClr val="accent4"/>
+          </a:fillRef>
+          <a:effectRef idx="1">
+            <a:schemeClr val="accent4"/>
+          </a:effectRef>
+          <a:fontRef idx="minor">
+            <a:schemeClr val="dk1"/>
+          </a:fontRef>
+        </p:style>
+        <p:txBody>
+          <a:bodyPr rtlCol="0" anchor="ctr"/>
+          <a:lstStyle/>
+          <a:p>
+            <a:r>
+              <a:rPr lang="ja-JP" altLang="en-US" sz="2800" dirty="0" smtClean="0">
+                <a:latin typeface="メイリオ" panose="020B0604030504040204" pitchFamily="50" charset="-128"/>
+                <a:ea typeface="メイリオ" panose="020B0604030504040204" pitchFamily="50" charset="-128"/>
+              </a:rPr>
+              <a:t>理解</a:t>
+            </a:r>
+            <a:r>
+              <a:rPr lang="ja-JP" altLang="en-US" sz="2800" dirty="0">
+                <a:latin typeface="メイリオ" panose="020B0604030504040204" pitchFamily="50" charset="-128"/>
+                <a:ea typeface="メイリオ" panose="020B0604030504040204" pitchFamily="50" charset="-128"/>
+              </a:rPr>
+              <a:t>しやすく良質なテストコードを作成する必要が</a:t>
+            </a:r>
+            <a:r>
+              <a:rPr lang="ja-JP" altLang="en-US" sz="2800" dirty="0" smtClean="0">
+                <a:latin typeface="メイリオ" panose="020B0604030504040204" pitchFamily="50" charset="-128"/>
+                <a:ea typeface="メイリオ" panose="020B0604030504040204" pitchFamily="50" charset="-128"/>
+              </a:rPr>
+              <a:t>ある</a:t>
+            </a:r>
+            <a:endParaRPr lang="ja-JP" altLang="en-US" sz="2800" dirty="0">
+              <a:latin typeface="メイリオ" panose="020B0604030504040204" pitchFamily="50" charset="-128"/>
+              <a:ea typeface="メイリオ" panose="020B0604030504040204" pitchFamily="50" charset="-128"/>
+            </a:endParaRPr>
+          </a:p>
+        </p:txBody>
+      </p:sp>
+    </p:spTree>
+    <p:extLst>
+      <p:ext uri="{BB962C8B-B14F-4D97-AF65-F5344CB8AC3E}">
+        <p14:creationId xmlns:p14="http://schemas.microsoft.com/office/powerpoint/2010/main" val="3663765090"/>
+      </p:ext>
+    </p:extLst>
+  </p:cSld>
+  <p:clrMapOvr>
+    <a:masterClrMapping/>
+  </p:clrMapOvr>
+  <p:timing>
+    <p:tnLst>
+      <p:par>
+        <p:cTn id="1" dur="indefinite" restart="never" nodeType="tmRoot"/>
+      </p:par>
+    </p:tnLst>
+  </p:timing>
+</p:sld>
+</file>
+
+<file path=ppt/slides/slide40.xml><?xml version="1.0" encoding="utf-8"?>
 <p:sld xmlns:a="http://schemas.openxmlformats.org/drawingml/2006/main" xmlns:r="http://schemas.openxmlformats.org/officeDocument/2006/relationships" xmlns:p="http://schemas.openxmlformats.org/presentationml/2006/main">
   <p:cSld>
     <p:spTree>
@@ -39007,483 +39596,6 @@
   <p:clrMapOvr>
     <a:masterClrMapping/>
   </p:clrMapOvr>
-</p:sld>
-</file>
-
-<file path=ppt/slides/slide4.xml><?xml version="1.0" encoding="utf-8"?>
-<p:sld xmlns:a="http://schemas.openxmlformats.org/drawingml/2006/main" xmlns:r="http://schemas.openxmlformats.org/officeDocument/2006/relationships" xmlns:p="http://schemas.openxmlformats.org/presentationml/2006/main">
-  <p:cSld>
-    <p:spTree>
-      <p:nvGrpSpPr>
-        <p:cNvPr id="1" name=""/>
-        <p:cNvGrpSpPr/>
-        <p:nvPr/>
-      </p:nvGrpSpPr>
-      <p:grpSpPr>
-        <a:xfrm>
-          <a:off x="0" y="0"/>
-          <a:ext cx="0" cy="0"/>
-          <a:chOff x="0" y="0"/>
-          <a:chExt cx="0" cy="0"/>
-        </a:xfrm>
-      </p:grpSpPr>
-      <p:sp>
-        <p:nvSpPr>
-          <p:cNvPr id="2" name="タイトル 1"/>
-          <p:cNvSpPr>
-            <a:spLocks noGrp="1"/>
-          </p:cNvSpPr>
-          <p:nvPr>
-            <p:ph type="title"/>
-          </p:nvPr>
-        </p:nvSpPr>
-        <p:spPr>
-          <a:xfrm>
-            <a:off x="192102" y="219428"/>
-            <a:ext cx="5608931" cy="729386"/>
-          </a:xfrm>
-        </p:spPr>
-        <p:txBody>
-          <a:bodyPr/>
-          <a:lstStyle/>
-          <a:p>
-            <a:r>
-              <a:rPr kumimoji="1" lang="ja-JP" altLang="en-US" dirty="0" smtClean="0">
-                <a:solidFill>
-                  <a:schemeClr val="bg1"/>
-                </a:solidFill>
-              </a:rPr>
-              <a:t>自動生成ツールにおける課題</a:t>
-            </a:r>
-            <a:endParaRPr kumimoji="1" lang="ja-JP" altLang="en-US" dirty="0">
-              <a:solidFill>
-                <a:schemeClr val="bg1"/>
-              </a:solidFill>
-            </a:endParaRPr>
-          </a:p>
-        </p:txBody>
-      </p:sp>
-      <p:sp>
-        <p:nvSpPr>
-          <p:cNvPr id="4" name="コンテンツ プレースホルダー 2"/>
-          <p:cNvSpPr>
-            <a:spLocks noGrp="1"/>
-          </p:cNvSpPr>
-          <p:nvPr>
-            <p:ph idx="1"/>
-          </p:nvPr>
-        </p:nvSpPr>
-        <p:spPr>
-          <a:xfrm>
-            <a:off x="913333" y="1409665"/>
-            <a:ext cx="10601150" cy="3559023"/>
-          </a:xfrm>
-        </p:spPr>
-        <p:txBody>
-          <a:bodyPr>
-            <a:normAutofit/>
-          </a:bodyPr>
-          <a:lstStyle/>
-          <a:p>
-            <a:pPr marL="0" indent="0">
-              <a:buNone/>
-            </a:pPr>
-            <a:r>
-              <a:rPr lang="ja-JP" altLang="en-US" sz="3000" dirty="0"/>
-              <a:t>自動生成されたテストコード</a:t>
-            </a:r>
-            <a:r>
-              <a:rPr lang="ja-JP" altLang="en-US" sz="3000" dirty="0" smtClean="0"/>
-              <a:t>は、保守</a:t>
-            </a:r>
-            <a:r>
-              <a:rPr lang="ja-JP" altLang="en-US" sz="3000" dirty="0"/>
-              <a:t>作業を困難にする</a:t>
-            </a:r>
-            <a:r>
-              <a:rPr lang="en-US" altLang="ja-JP" sz="3000" dirty="0" smtClean="0"/>
-              <a:t>[2]</a:t>
-            </a:r>
-          </a:p>
-          <a:p>
-            <a:pPr lvl="1"/>
-            <a:endParaRPr lang="en-US" altLang="ja-JP" sz="800" dirty="0"/>
-          </a:p>
-          <a:p>
-            <a:pPr lvl="1"/>
-            <a:r>
-              <a:rPr lang="ja-JP" altLang="en-US" sz="2800" dirty="0" smtClean="0"/>
-              <a:t>対象コードの</a:t>
-            </a:r>
-            <a:r>
-              <a:rPr lang="ja-JP" altLang="en-US" sz="2800" dirty="0" smtClean="0">
-                <a:solidFill>
-                  <a:srgbClr val="FF0000"/>
-                </a:solidFill>
-              </a:rPr>
-              <a:t>作成経緯</a:t>
-            </a:r>
-            <a:r>
-              <a:rPr lang="ja-JP" altLang="en-US" sz="2800" dirty="0">
-                <a:solidFill>
-                  <a:srgbClr val="FF0000"/>
-                </a:solidFill>
-              </a:rPr>
-              <a:t>や意図に基づいて生成されて</a:t>
-            </a:r>
-            <a:r>
-              <a:rPr lang="ja-JP" altLang="en-US" sz="2800" dirty="0" smtClean="0">
-                <a:solidFill>
-                  <a:srgbClr val="FF0000"/>
-                </a:solidFill>
-              </a:rPr>
-              <a:t>いない</a:t>
-            </a:r>
-            <a:r>
-              <a:rPr lang="en-US" altLang="ja-JP" sz="2800" dirty="0" smtClean="0">
-                <a:solidFill>
-                  <a:srgbClr val="FF0000"/>
-                </a:solidFill>
-              </a:rPr>
-              <a:t/>
-            </a:r>
-            <a:br>
-              <a:rPr lang="en-US" altLang="ja-JP" sz="2800" dirty="0" smtClean="0">
-                <a:solidFill>
-                  <a:srgbClr val="FF0000"/>
-                </a:solidFill>
-              </a:rPr>
-            </a:br>
-            <a:endParaRPr lang="en-US" altLang="ja-JP" sz="600" dirty="0"/>
-          </a:p>
-          <a:p>
-            <a:pPr lvl="1"/>
-            <a:r>
-              <a:rPr lang="ja-JP" altLang="en-US" sz="2800" dirty="0" smtClean="0"/>
-              <a:t>テストコードの保守に悪影響を与える</a:t>
-            </a:r>
-            <a:r>
-              <a:rPr lang="ja-JP" altLang="en-US" sz="2800" dirty="0" smtClean="0">
-                <a:solidFill>
-                  <a:srgbClr val="FF0000"/>
-                </a:solidFill>
-              </a:rPr>
-              <a:t>テストスメルが多い</a:t>
-            </a:r>
-            <a:endParaRPr lang="en-US" altLang="ja-JP" sz="2800" dirty="0">
-              <a:solidFill>
-                <a:srgbClr val="FF0000"/>
-              </a:solidFill>
-            </a:endParaRPr>
-          </a:p>
-          <a:p>
-            <a:pPr lvl="1"/>
-            <a:endParaRPr lang="en-US" altLang="ja-JP" sz="2800" dirty="0" smtClean="0">
-              <a:solidFill>
-                <a:srgbClr val="FF0000"/>
-              </a:solidFill>
-            </a:endParaRPr>
-          </a:p>
-          <a:p>
-            <a:pPr lvl="1"/>
-            <a:endParaRPr lang="en-US" altLang="ja-JP" sz="1400" dirty="0" smtClean="0">
-              <a:solidFill>
-                <a:srgbClr val="FF0000"/>
-              </a:solidFill>
-            </a:endParaRPr>
-          </a:p>
-          <a:p>
-            <a:pPr marL="457200" lvl="1" indent="0">
-              <a:buNone/>
-            </a:pPr>
-            <a:r>
-              <a:rPr lang="ja-JP" altLang="en-US" sz="2800" dirty="0" smtClean="0"/>
-              <a:t>　　　　　</a:t>
-            </a:r>
-            <a:r>
-              <a:rPr lang="ja-JP" altLang="en-US" sz="2800" u="sng" dirty="0" smtClean="0"/>
-              <a:t>テスト</a:t>
-            </a:r>
-            <a:r>
-              <a:rPr lang="ja-JP" altLang="en-US" sz="2800" u="sng" dirty="0"/>
-              <a:t>失敗</a:t>
-            </a:r>
-            <a:r>
-              <a:rPr lang="ja-JP" altLang="en-US" sz="2800" u="sng" dirty="0" smtClean="0"/>
-              <a:t>の原因を特定するのが難しい</a:t>
-            </a:r>
-            <a:endParaRPr lang="ja-JP" altLang="en-US" sz="2800" u="sng" dirty="0"/>
-          </a:p>
-          <a:p>
-            <a:pPr lvl="1"/>
-            <a:endParaRPr lang="en-US" altLang="ja-JP" sz="2800" dirty="0">
-              <a:solidFill>
-                <a:srgbClr val="FF0000"/>
-              </a:solidFill>
-            </a:endParaRPr>
-          </a:p>
-          <a:p>
-            <a:pPr lvl="1"/>
-            <a:endParaRPr lang="ja-JP" altLang="en-US" sz="2800" dirty="0" smtClean="0">
-              <a:solidFill>
-                <a:srgbClr val="FF0000"/>
-              </a:solidFill>
-            </a:endParaRPr>
-          </a:p>
-          <a:p>
-            <a:pPr marL="457200" lvl="1" indent="0">
-              <a:buNone/>
-            </a:pPr>
-            <a:endParaRPr lang="en-US" altLang="ja-JP" sz="2800" dirty="0"/>
-          </a:p>
-          <a:p>
-            <a:pPr lvl="1"/>
-            <a:endParaRPr kumimoji="1" lang="ja-JP" altLang="en-US" dirty="0"/>
-          </a:p>
-        </p:txBody>
-      </p:sp>
-      <p:sp>
-        <p:nvSpPr>
-          <p:cNvPr id="5" name="Rectangle 4"/>
-          <p:cNvSpPr>
-            <a:spLocks noChangeArrowheads="1"/>
-          </p:cNvSpPr>
-          <p:nvPr/>
-        </p:nvSpPr>
-        <p:spPr bwMode="auto">
-          <a:xfrm>
-            <a:off x="1043518" y="5981522"/>
-            <a:ext cx="10078064" cy="461665"/>
-          </a:xfrm>
-          <a:prstGeom prst="rect">
-            <a:avLst/>
-          </a:prstGeom>
-          <a:ln>
-            <a:headEnd/>
-            <a:tailEnd/>
-          </a:ln>
-        </p:spPr>
-        <p:style>
-          <a:lnRef idx="2">
-            <a:schemeClr val="dk1"/>
-          </a:lnRef>
-          <a:fillRef idx="1">
-            <a:schemeClr val="lt1"/>
-          </a:fillRef>
-          <a:effectRef idx="0">
-            <a:schemeClr val="dk1"/>
-          </a:effectRef>
-          <a:fontRef idx="minor">
-            <a:schemeClr val="dk1"/>
-          </a:fontRef>
-        </p:style>
-        <p:txBody>
-          <a:bodyPr wrap="square">
-            <a:spAutoFit/>
-          </a:bodyPr>
-          <a:lstStyle/>
-          <a:p>
-            <a:pPr>
-              <a:defRPr/>
-            </a:pPr>
-            <a:r>
-              <a:rPr lang="en-US" altLang="ja-JP" sz="1200" dirty="0" smtClean="0">
-                <a:solidFill>
-                  <a:schemeClr val="tx2"/>
-                </a:solidFill>
-              </a:rPr>
-              <a:t>[2] </a:t>
-            </a:r>
-            <a:r>
-              <a:rPr lang="en-US" altLang="ja-JP" sz="1200" dirty="0" smtClean="0">
-                <a:solidFill>
-                  <a:schemeClr val="tx2"/>
-                </a:solidFill>
-              </a:rPr>
-              <a:t>S</a:t>
-            </a:r>
-            <a:r>
-              <a:rPr lang="en-US" altLang="ja-JP" sz="1200" dirty="0">
-                <a:solidFill>
-                  <a:schemeClr val="tx2"/>
-                </a:solidFill>
-              </a:rPr>
-              <a:t>. </a:t>
-            </a:r>
-            <a:r>
-              <a:rPr lang="en-US" altLang="ja-JP" sz="1200" dirty="0" err="1">
-                <a:solidFill>
-                  <a:schemeClr val="tx2"/>
-                </a:solidFill>
-              </a:rPr>
-              <a:t>Shamshiri</a:t>
-            </a:r>
-            <a:r>
-              <a:rPr lang="en-US" altLang="ja-JP" sz="1200" dirty="0">
-                <a:solidFill>
-                  <a:schemeClr val="tx2"/>
-                </a:solidFill>
-              </a:rPr>
-              <a:t>, J. M. Rojas, J. P. </a:t>
-            </a:r>
-            <a:r>
-              <a:rPr lang="en-US" altLang="ja-JP" sz="1200" dirty="0" err="1">
-                <a:solidFill>
-                  <a:schemeClr val="tx2"/>
-                </a:solidFill>
-              </a:rPr>
-              <a:t>Galeotti</a:t>
-            </a:r>
-            <a:r>
-              <a:rPr lang="en-US" altLang="ja-JP" sz="1200" dirty="0">
-                <a:solidFill>
-                  <a:schemeClr val="tx2"/>
-                </a:solidFill>
-              </a:rPr>
-              <a:t>, N. Walkinshaw, and G. Fraser. How do automatically generated unit tests inﬂuence software maintenance? In </a:t>
-            </a:r>
-            <a:r>
-              <a:rPr lang="en-US" altLang="ja-JP" sz="1200" i="1" dirty="0">
-                <a:solidFill>
-                  <a:schemeClr val="tx2"/>
-                </a:solidFill>
-              </a:rPr>
-              <a:t>Proceedings of the International Conference on Software Testing, Veriﬁcation and Validation (ICST)</a:t>
-            </a:r>
-            <a:r>
-              <a:rPr lang="en-US" altLang="ja-JP" sz="1200" dirty="0">
-                <a:solidFill>
-                  <a:schemeClr val="tx2"/>
-                </a:solidFill>
-              </a:rPr>
-              <a:t>, pages 250–261, 2018..</a:t>
-            </a:r>
-            <a:endParaRPr lang="en-US" altLang="ja-JP" sz="1200" dirty="0">
-              <a:solidFill>
-                <a:schemeClr val="tx2"/>
-              </a:solidFill>
-            </a:endParaRPr>
-          </a:p>
-        </p:txBody>
-      </p:sp>
-      <p:sp>
-        <p:nvSpPr>
-          <p:cNvPr id="6" name="フローチャート: 組合せ 5"/>
-          <p:cNvSpPr/>
-          <p:nvPr/>
-        </p:nvSpPr>
-        <p:spPr>
-          <a:xfrm>
-            <a:off x="4118742" y="3136669"/>
-            <a:ext cx="3927616" cy="411133"/>
-          </a:xfrm>
-          <a:prstGeom prst="flowChartMerge">
-            <a:avLst/>
-          </a:prstGeom>
-          <a:ln/>
-        </p:spPr>
-        <p:style>
-          <a:lnRef idx="1">
-            <a:schemeClr val="accent3"/>
-          </a:lnRef>
-          <a:fillRef idx="2">
-            <a:schemeClr val="accent3"/>
-          </a:fillRef>
-          <a:effectRef idx="1">
-            <a:schemeClr val="accent3"/>
-          </a:effectRef>
-          <a:fontRef idx="minor">
-            <a:schemeClr val="dk1"/>
-          </a:fontRef>
-        </p:style>
-        <p:txBody>
-          <a:bodyPr rtlCol="0" anchor="ctr"/>
-          <a:lstStyle/>
-          <a:p>
-            <a:pPr algn="ctr"/>
-            <a:endParaRPr kumimoji="1" lang="ja-JP" altLang="en-US" dirty="0"/>
-          </a:p>
-        </p:txBody>
-      </p:sp>
-      <p:sp>
-        <p:nvSpPr>
-          <p:cNvPr id="7" name="フローチャート: 代替処理 6"/>
-          <p:cNvSpPr/>
-          <p:nvPr/>
-        </p:nvSpPr>
-        <p:spPr>
-          <a:xfrm>
-            <a:off x="1460959" y="4492556"/>
-            <a:ext cx="9243182" cy="1005877"/>
-          </a:xfrm>
-          <a:prstGeom prst="flowChartAlternateProcess">
-            <a:avLst/>
-          </a:prstGeom>
-          <a:ln w="6350"/>
-        </p:spPr>
-        <p:style>
-          <a:lnRef idx="1">
-            <a:schemeClr val="accent4"/>
-          </a:lnRef>
-          <a:fillRef idx="2">
-            <a:schemeClr val="accent4"/>
-          </a:fillRef>
-          <a:effectRef idx="1">
-            <a:schemeClr val="accent4"/>
-          </a:effectRef>
-          <a:fontRef idx="minor">
-            <a:schemeClr val="dk1"/>
-          </a:fontRef>
-        </p:style>
-        <p:txBody>
-          <a:bodyPr rtlCol="0" anchor="ctr"/>
-          <a:lstStyle/>
-          <a:p>
-            <a:r>
-              <a:rPr lang="ja-JP" altLang="en-US" sz="2800" dirty="0" smtClean="0">
-                <a:latin typeface="メイリオ" panose="020B0604030504040204" pitchFamily="50" charset="-128"/>
-                <a:ea typeface="メイリオ" panose="020B0604030504040204" pitchFamily="50" charset="-128"/>
-              </a:rPr>
-              <a:t>理解</a:t>
-            </a:r>
-            <a:r>
-              <a:rPr lang="ja-JP" altLang="en-US" sz="2800" dirty="0">
-                <a:latin typeface="メイリオ" panose="020B0604030504040204" pitchFamily="50" charset="-128"/>
-                <a:ea typeface="メイリオ" panose="020B0604030504040204" pitchFamily="50" charset="-128"/>
-              </a:rPr>
-              <a:t>しやすく良質なテストコードを作成する必要が</a:t>
-            </a:r>
-            <a:r>
-              <a:rPr lang="ja-JP" altLang="en-US" sz="2800" dirty="0" smtClean="0">
-                <a:latin typeface="メイリオ" panose="020B0604030504040204" pitchFamily="50" charset="-128"/>
-                <a:ea typeface="メイリオ" panose="020B0604030504040204" pitchFamily="50" charset="-128"/>
-              </a:rPr>
-              <a:t>ある</a:t>
-            </a:r>
-            <a:endParaRPr lang="ja-JP" altLang="en-US" sz="2800" dirty="0">
-              <a:latin typeface="メイリオ" panose="020B0604030504040204" pitchFamily="50" charset="-128"/>
-              <a:ea typeface="メイリオ" panose="020B0604030504040204" pitchFamily="50" charset="-128"/>
-            </a:endParaRPr>
-          </a:p>
-        </p:txBody>
-      </p:sp>
-    </p:spTree>
-    <p:extLst>
-      <p:ext uri="{BB962C8B-B14F-4D97-AF65-F5344CB8AC3E}">
-        <p14:creationId xmlns:p14="http://schemas.microsoft.com/office/powerpoint/2010/main" val="3663765090"/>
-      </p:ext>
-    </p:extLst>
-  </p:cSld>
-  <p:clrMapOvr>
-    <a:masterClrMapping/>
-  </p:clrMapOvr>
-  <p:timing>
-    <p:tnLst>
-      <p:par>
-        <p:cTn id="1" dur="indefinite" restart="never" nodeType="tmRoot"/>
-      </p:par>
-    </p:tnLst>
-  </p:timing>
 </p:sld>
 </file>
 

--- a/presentation_kurachi.pptx
+++ b/presentation_kurachi.pptx
@@ -5,7 +5,7 @@
     <p:sldMasterId id="2147483648" r:id="rId1"/>
   </p:sldMasterIdLst>
   <p:notesMasterIdLst>
-    <p:notesMasterId r:id="rId42"/>
+    <p:notesMasterId r:id="rId43"/>
   </p:notesMasterIdLst>
   <p:sldIdLst>
     <p:sldId id="274" r:id="rId2"/>
@@ -48,6 +48,7 @@
     <p:sldId id="377" r:id="rId39"/>
     <p:sldId id="379" r:id="rId40"/>
     <p:sldId id="378" r:id="rId41"/>
+    <p:sldId id="382" r:id="rId42"/>
   </p:sldIdLst>
   <p:sldSz cx="12192000" cy="6858000"/>
   <p:notesSz cx="6805613" cy="9939338"/>
@@ -24942,7 +24943,15 @@
           <a:p>
             <a:r>
               <a:rPr lang="ja-JP" altLang="en-US" dirty="0"/>
-              <a:t>単に不具合を検出するだけでなく，開発者にどのように修正すればテストが通るのかを提示してくれる</a:t>
+              <a:t>単に不具合を検出するだけで</a:t>
+            </a:r>
+            <a:r>
+              <a:rPr lang="ja-JP" altLang="en-US" dirty="0" smtClean="0"/>
+              <a:t>なく、開発者</a:t>
+            </a:r>
+            <a:r>
+              <a:rPr lang="ja-JP" altLang="en-US" dirty="0"/>
+              <a:t>にどのように修正すればテストが通るのかを提示してくれる</a:t>
             </a:r>
           </a:p>
           <a:p>
@@ -24951,7 +24960,15 @@
           <a:p>
             <a:r>
               <a:rPr lang="ja-JP" altLang="en-US" dirty="0"/>
-              <a:t>対象コードの作成経緯や意図された動作から脱線することに敏感であり，結びつきが深い</a:t>
+              <a:t>対象コードの作成経緯や意図された動作から脱線することに敏感で</a:t>
+            </a:r>
+            <a:r>
+              <a:rPr lang="ja-JP" altLang="en-US" dirty="0" smtClean="0"/>
+              <a:t>あり、結びつき</a:t>
+            </a:r>
+            <a:r>
+              <a:rPr lang="ja-JP" altLang="en-US" dirty="0"/>
+              <a:t>が深い</a:t>
             </a:r>
           </a:p>
           <a:p>
@@ -24960,7 +24977,15 @@
           <a:p>
             <a:r>
               <a:rPr lang="ja-JP" altLang="en-US" dirty="0"/>
-              <a:t>プロダクションコードの変更に対してテストコードの変更も容易に適用できるように，理解が</a:t>
+              <a:t>プロダクションコードの変更に対してテストコードの変更も容易に適用できるよう</a:t>
+            </a:r>
+            <a:r>
+              <a:rPr lang="ja-JP" altLang="en-US" dirty="0" smtClean="0"/>
+              <a:t>に、理解</a:t>
+            </a:r>
+            <a:r>
+              <a:rPr lang="ja-JP" altLang="en-US" dirty="0"/>
+              <a:t>が</a:t>
             </a:r>
             <a:r>
               <a:rPr lang="ja-JP" altLang="en-US" dirty="0" smtClean="0"/>
@@ -24990,6 +25015,130 @@
               <a:t>良いテストコードとは？</a:t>
             </a:r>
             <a:endParaRPr kumimoji="1" lang="ja-JP" altLang="en-US" dirty="0"/>
+          </a:p>
+        </p:txBody>
+      </p:sp>
+      <p:sp>
+        <p:nvSpPr>
+          <p:cNvPr id="4" name="Rectangle 4"/>
+          <p:cNvSpPr>
+            <a:spLocks noChangeArrowheads="1"/>
+          </p:cNvSpPr>
+          <p:nvPr/>
+        </p:nvSpPr>
+        <p:spPr bwMode="auto">
+          <a:xfrm>
+            <a:off x="1043518" y="5981522"/>
+            <a:ext cx="10078064" cy="461665"/>
+          </a:xfrm>
+          <a:prstGeom prst="rect">
+            <a:avLst/>
+          </a:prstGeom>
+          <a:ln>
+            <a:headEnd/>
+            <a:tailEnd/>
+          </a:ln>
+        </p:spPr>
+        <p:style>
+          <a:lnRef idx="2">
+            <a:schemeClr val="dk1"/>
+          </a:lnRef>
+          <a:fillRef idx="1">
+            <a:schemeClr val="lt1"/>
+          </a:fillRef>
+          <a:effectRef idx="0">
+            <a:schemeClr val="dk1"/>
+          </a:effectRef>
+          <a:fontRef idx="minor">
+            <a:schemeClr val="dk1"/>
+          </a:fontRef>
+        </p:style>
+        <p:txBody>
+          <a:bodyPr wrap="square">
+            <a:spAutoFit/>
+          </a:bodyPr>
+          <a:lstStyle/>
+          <a:p>
+            <a:pPr>
+              <a:defRPr/>
+            </a:pPr>
+            <a:r>
+              <a:rPr lang="en-US" altLang="ja-JP" sz="1200" dirty="0" smtClean="0">
+                <a:solidFill>
+                  <a:schemeClr val="tx2"/>
+                </a:solidFill>
+              </a:rPr>
+              <a:t>[2] </a:t>
+            </a:r>
+            <a:r>
+              <a:rPr lang="en-US" altLang="ja-JP" sz="1200" dirty="0" smtClean="0">
+                <a:solidFill>
+                  <a:schemeClr val="tx2"/>
+                </a:solidFill>
+              </a:rPr>
+              <a:t>S</a:t>
+            </a:r>
+            <a:r>
+              <a:rPr lang="en-US" altLang="ja-JP" sz="1200" dirty="0">
+                <a:solidFill>
+                  <a:schemeClr val="tx2"/>
+                </a:solidFill>
+              </a:rPr>
+              <a:t>. </a:t>
+            </a:r>
+            <a:r>
+              <a:rPr lang="en-US" altLang="ja-JP" sz="1200" dirty="0" err="1">
+                <a:solidFill>
+                  <a:schemeClr val="tx2"/>
+                </a:solidFill>
+              </a:rPr>
+              <a:t>Shamshiri</a:t>
+            </a:r>
+            <a:r>
+              <a:rPr lang="en-US" altLang="ja-JP" sz="1200" dirty="0">
+                <a:solidFill>
+                  <a:schemeClr val="tx2"/>
+                </a:solidFill>
+              </a:rPr>
+              <a:t>, J. M. Rojas, J. P. </a:t>
+            </a:r>
+            <a:r>
+              <a:rPr lang="en-US" altLang="ja-JP" sz="1200" dirty="0" err="1">
+                <a:solidFill>
+                  <a:schemeClr val="tx2"/>
+                </a:solidFill>
+              </a:rPr>
+              <a:t>Galeotti</a:t>
+            </a:r>
+            <a:r>
+              <a:rPr lang="en-US" altLang="ja-JP" sz="1200" dirty="0">
+                <a:solidFill>
+                  <a:schemeClr val="tx2"/>
+                </a:solidFill>
+              </a:rPr>
+              <a:t>, N. Walkinshaw, and G. Fraser. How do automatically generated unit tests inﬂuence software maintenance? In </a:t>
+            </a:r>
+            <a:r>
+              <a:rPr lang="en-US" altLang="ja-JP" sz="1200" i="1" dirty="0">
+                <a:solidFill>
+                  <a:schemeClr val="tx2"/>
+                </a:solidFill>
+              </a:rPr>
+              <a:t>Proceedings of the International Conference on Software Testing, Veriﬁcation and Validation (ICST)</a:t>
+            </a:r>
+            <a:r>
+              <a:rPr lang="en-US" altLang="ja-JP" sz="1200" dirty="0">
+                <a:solidFill>
+                  <a:schemeClr val="tx2"/>
+                </a:solidFill>
+              </a:rPr>
+              <a:t>, pages 250–261, 2018..</a:t>
+            </a:r>
+            <a:endParaRPr lang="en-US" altLang="ja-JP" sz="1200" dirty="0">
+              <a:solidFill>
+                <a:schemeClr val="tx2"/>
+              </a:solidFill>
+            </a:endParaRPr>
           </a:p>
         </p:txBody>
       </p:sp>
@@ -39599,6 +39748,707 @@
 </p:sld>
 </file>
 
+<file path=ppt/slides/slide41.xml><?xml version="1.0" encoding="utf-8"?>
+<p:sld xmlns:a="http://schemas.openxmlformats.org/drawingml/2006/main" xmlns:r="http://schemas.openxmlformats.org/officeDocument/2006/relationships" xmlns:p="http://schemas.openxmlformats.org/presentationml/2006/main">
+  <p:cSld>
+    <p:spTree>
+      <p:nvGrpSpPr>
+        <p:cNvPr id="1" name=""/>
+        <p:cNvGrpSpPr/>
+        <p:nvPr/>
+      </p:nvGrpSpPr>
+      <p:grpSpPr>
+        <a:xfrm>
+          <a:off x="0" y="0"/>
+          <a:ext cx="0" cy="0"/>
+          <a:chOff x="0" y="0"/>
+          <a:chExt cx="0" cy="0"/>
+        </a:xfrm>
+      </p:grpSpPr>
+      <p:sp>
+        <p:nvSpPr>
+          <p:cNvPr id="13" name="正方形/長方形 12"/>
+          <p:cNvSpPr/>
+          <p:nvPr/>
+        </p:nvSpPr>
+        <p:spPr>
+          <a:xfrm>
+            <a:off x="3257641" y="2734994"/>
+            <a:ext cx="5423885" cy="2554545"/>
+          </a:xfrm>
+          <a:prstGeom prst="rect">
+            <a:avLst/>
+          </a:prstGeom>
+          <a:ln w="38100"/>
+        </p:spPr>
+        <p:style>
+          <a:lnRef idx="2">
+            <a:schemeClr val="accent3"/>
+          </a:lnRef>
+          <a:fillRef idx="1">
+            <a:schemeClr val="lt1"/>
+          </a:fillRef>
+          <a:effectRef idx="0">
+            <a:schemeClr val="accent3"/>
+          </a:effectRef>
+          <a:fontRef idx="minor">
+            <a:schemeClr val="dk1"/>
+          </a:fontRef>
+        </p:style>
+        <p:txBody>
+          <a:bodyPr wrap="square">
+            <a:spAutoFit/>
+          </a:bodyPr>
+          <a:lstStyle/>
+          <a:p>
+            <a:r>
+              <a:rPr lang="en-US" altLang="ja-JP" sz="1600" dirty="0" smtClean="0">
+                <a:latin typeface="Consolas" panose="020B0609020204030204" pitchFamily="49" charset="0"/>
+              </a:rPr>
+              <a:t>public void test8 throws </a:t>
+            </a:r>
+            <a:r>
+              <a:rPr lang="en-US" altLang="ja-JP" sz="1600" dirty="0" err="1" smtClean="0">
+                <a:latin typeface="Consolas" panose="020B0609020204030204" pitchFamily="49" charset="0"/>
+              </a:rPr>
+              <a:t>Throwable</a:t>
+            </a:r>
+            <a:r>
+              <a:rPr lang="en-US" altLang="ja-JP" sz="1600" dirty="0" smtClean="0">
+                <a:latin typeface="Consolas" panose="020B0609020204030204" pitchFamily="49" charset="0"/>
+              </a:rPr>
+              <a:t>  {</a:t>
+            </a:r>
+            <a:endParaRPr lang="en-US" altLang="ja-JP" sz="1600" dirty="0" smtClean="0">
+              <a:latin typeface="Consolas" panose="020B0609020204030204" pitchFamily="49" charset="0"/>
+            </a:endParaRPr>
+          </a:p>
+          <a:p>
+            <a:r>
+              <a:rPr lang="ja-JP" altLang="en-US" sz="1600" dirty="0" smtClean="0">
+                <a:latin typeface="Consolas" panose="020B0609020204030204" pitchFamily="49" charset="0"/>
+              </a:rPr>
+              <a:t>    </a:t>
+            </a:r>
+            <a:r>
+              <a:rPr lang="en-US" altLang="ja-JP" sz="1600" dirty="0" smtClean="0">
+                <a:latin typeface="Consolas" panose="020B0609020204030204" pitchFamily="49" charset="0"/>
+              </a:rPr>
+              <a:t>Document document0 = new Document(””, ””);</a:t>
+            </a:r>
+          </a:p>
+          <a:p>
+            <a:r>
+              <a:rPr lang="en-US" altLang="ja-JP" sz="1600" dirty="0">
+                <a:latin typeface="Consolas" panose="020B0609020204030204" pitchFamily="49" charset="0"/>
+              </a:rPr>
+              <a:t> </a:t>
+            </a:r>
+            <a:r>
+              <a:rPr lang="en-US" altLang="ja-JP" sz="1600" dirty="0" smtClean="0">
+                <a:latin typeface="Consolas" panose="020B0609020204030204" pitchFamily="49" charset="0"/>
+              </a:rPr>
+              <a:t>   </a:t>
+            </a:r>
+            <a:r>
+              <a:rPr lang="en-US" altLang="ja-JP" sz="1600" dirty="0" err="1" smtClean="0">
+                <a:latin typeface="Consolas" panose="020B0609020204030204" pitchFamily="49" charset="0"/>
+              </a:rPr>
+              <a:t>assertNotNull</a:t>
+            </a:r>
+            <a:r>
+              <a:rPr lang="en-US" altLang="ja-JP" sz="1600" dirty="0" smtClean="0">
+                <a:latin typeface="Consolas" panose="020B0609020204030204" pitchFamily="49" charset="0"/>
+              </a:rPr>
+              <a:t>(document0);</a:t>
+            </a:r>
+            <a:endParaRPr lang="en-US" altLang="ja-JP" sz="1600" dirty="0" smtClean="0">
+              <a:latin typeface="Consolas" panose="020B0609020204030204" pitchFamily="49" charset="0"/>
+            </a:endParaRPr>
+          </a:p>
+          <a:p>
+            <a:endParaRPr lang="en-US" altLang="ja-JP" sz="1600" dirty="0" smtClean="0">
+              <a:latin typeface="Consolas" panose="020B0609020204030204" pitchFamily="49" charset="0"/>
+            </a:endParaRPr>
+          </a:p>
+          <a:p>
+            <a:r>
+              <a:rPr lang="ja-JP" altLang="en-US" sz="1600" dirty="0" smtClean="0">
+                <a:latin typeface="Consolas" panose="020B0609020204030204" pitchFamily="49" charset="0"/>
+              </a:rPr>
+              <a:t>    </a:t>
+            </a:r>
+            <a:r>
+              <a:rPr lang="en-US" altLang="ja-JP" sz="1600" dirty="0" smtClean="0">
+                <a:latin typeface="Consolas" panose="020B0609020204030204" pitchFamily="49" charset="0"/>
+              </a:rPr>
+              <a:t>document0.procText.add((Character) ’s’);</a:t>
+            </a:r>
+          </a:p>
+          <a:p>
+            <a:r>
+              <a:rPr lang="en-US" altLang="ja-JP" sz="1600" dirty="0">
+                <a:latin typeface="Consolas" panose="020B0609020204030204" pitchFamily="49" charset="0"/>
+              </a:rPr>
+              <a:t> </a:t>
+            </a:r>
+            <a:r>
+              <a:rPr lang="en-US" altLang="ja-JP" sz="1600" dirty="0" smtClean="0">
+                <a:latin typeface="Consolas" panose="020B0609020204030204" pitchFamily="49" charset="0"/>
+              </a:rPr>
+              <a:t>   String string0 = document0.stringify();</a:t>
+            </a:r>
+          </a:p>
+          <a:p>
+            <a:r>
+              <a:rPr lang="en-US" altLang="ja-JP" sz="1600" dirty="0">
+                <a:latin typeface="Consolas" panose="020B0609020204030204" pitchFamily="49" charset="0"/>
+              </a:rPr>
+              <a:t> </a:t>
+            </a:r>
+            <a:r>
+              <a:rPr lang="en-US" altLang="ja-JP" sz="1600" dirty="0" smtClean="0">
+                <a:latin typeface="Consolas" panose="020B0609020204030204" pitchFamily="49" charset="0"/>
+              </a:rPr>
+              <a:t>   </a:t>
+            </a:r>
+            <a:r>
+              <a:rPr lang="en-US" altLang="ja-JP" sz="1600" dirty="0" err="1" smtClean="0">
+                <a:latin typeface="Consolas" panose="020B0609020204030204" pitchFamily="49" charset="0"/>
+              </a:rPr>
+              <a:t>assertEquals</a:t>
+            </a:r>
+            <a:r>
+              <a:rPr lang="en-US" altLang="ja-JP" sz="1600" dirty="0" smtClean="0">
+                <a:latin typeface="Consolas" panose="020B0609020204030204" pitchFamily="49" charset="0"/>
+              </a:rPr>
+              <a:t>(”s”, document0.stringify());</a:t>
+            </a:r>
+          </a:p>
+          <a:p>
+            <a:r>
+              <a:rPr lang="en-US" altLang="ja-JP" sz="1600" dirty="0">
+                <a:latin typeface="Consolas" panose="020B0609020204030204" pitchFamily="49" charset="0"/>
+              </a:rPr>
+              <a:t> </a:t>
+            </a:r>
+            <a:r>
+              <a:rPr lang="en-US" altLang="ja-JP" sz="1600" dirty="0" smtClean="0">
+                <a:latin typeface="Consolas" panose="020B0609020204030204" pitchFamily="49" charset="0"/>
+              </a:rPr>
+              <a:t>   </a:t>
+            </a:r>
+            <a:r>
+              <a:rPr lang="en-US" altLang="ja-JP" sz="1600" dirty="0" err="1" smtClean="0">
+                <a:latin typeface="Consolas" panose="020B0609020204030204" pitchFamily="49" charset="0"/>
+              </a:rPr>
+              <a:t>assertNotNull</a:t>
+            </a:r>
+            <a:r>
+              <a:rPr lang="en-US" altLang="ja-JP" sz="1600" dirty="0" smtClean="0">
+                <a:latin typeface="Consolas" panose="020B0609020204030204" pitchFamily="49" charset="0"/>
+              </a:rPr>
+              <a:t>(string0);</a:t>
+            </a:r>
+          </a:p>
+          <a:p>
+            <a:r>
+              <a:rPr lang="en-US" altLang="ja-JP" sz="1600" dirty="0">
+                <a:latin typeface="Consolas" panose="020B0609020204030204" pitchFamily="49" charset="0"/>
+              </a:rPr>
+              <a:t> </a:t>
+            </a:r>
+            <a:r>
+              <a:rPr lang="en-US" altLang="ja-JP" sz="1600" dirty="0" smtClean="0">
+                <a:latin typeface="Consolas" panose="020B0609020204030204" pitchFamily="49" charset="0"/>
+              </a:rPr>
+              <a:t>   </a:t>
+            </a:r>
+            <a:r>
+              <a:rPr lang="en-US" altLang="ja-JP" sz="1600" dirty="0" err="1" smtClean="0">
+                <a:latin typeface="Consolas" panose="020B0609020204030204" pitchFamily="49" charset="0"/>
+              </a:rPr>
+              <a:t>assertEquals</a:t>
+            </a:r>
+            <a:r>
+              <a:rPr lang="en-US" altLang="ja-JP" sz="1600" dirty="0" smtClean="0">
+                <a:latin typeface="Consolas" panose="020B0609020204030204" pitchFamily="49" charset="0"/>
+              </a:rPr>
+              <a:t>(”s”, string0);</a:t>
+            </a:r>
+          </a:p>
+          <a:p>
+            <a:r>
+              <a:rPr lang="en-US" altLang="ja-JP" sz="1600" dirty="0" smtClean="0">
+                <a:latin typeface="Consolas" panose="020B0609020204030204" pitchFamily="49" charset="0"/>
+              </a:rPr>
+              <a:t>}</a:t>
+            </a:r>
+            <a:endParaRPr lang="en-US" altLang="ja-JP" sz="1600" dirty="0" smtClean="0">
+              <a:latin typeface="Consolas" panose="020B0609020204030204" pitchFamily="49" charset="0"/>
+            </a:endParaRPr>
+          </a:p>
+        </p:txBody>
+      </p:sp>
+      <p:sp>
+        <p:nvSpPr>
+          <p:cNvPr id="2" name="コンテンツ プレースホルダー 1"/>
+          <p:cNvSpPr>
+            <a:spLocks noGrp="1"/>
+          </p:cNvSpPr>
+          <p:nvPr>
+            <p:ph idx="1"/>
+          </p:nvPr>
+        </p:nvSpPr>
+        <p:spPr>
+          <a:xfrm>
+            <a:off x="838200" y="1214573"/>
+            <a:ext cx="10515600" cy="693131"/>
+          </a:xfrm>
+        </p:spPr>
+        <p:txBody>
+          <a:bodyPr/>
+          <a:lstStyle/>
+          <a:p>
+            <a:r>
+              <a:rPr kumimoji="1" lang="en-US" altLang="ja-JP" dirty="0" err="1" smtClean="0"/>
+              <a:t>EvoSuite</a:t>
+            </a:r>
+            <a:r>
+              <a:rPr kumimoji="1" lang="ja-JP" altLang="en-US" dirty="0" smtClean="0"/>
+              <a:t>によって自動生成されたテストコード</a:t>
+            </a:r>
+            <a:endParaRPr kumimoji="1" lang="ja-JP" altLang="en-US" dirty="0"/>
+          </a:p>
+        </p:txBody>
+      </p:sp>
+      <p:sp>
+        <p:nvSpPr>
+          <p:cNvPr id="3" name="タイトル 2"/>
+          <p:cNvSpPr>
+            <a:spLocks noGrp="1"/>
+          </p:cNvSpPr>
+          <p:nvPr>
+            <p:ph type="title"/>
+          </p:nvPr>
+        </p:nvSpPr>
+        <p:spPr>
+          <a:xfrm>
+            <a:off x="22093" y="219428"/>
+            <a:ext cx="5825911" cy="729386"/>
+          </a:xfrm>
+        </p:spPr>
+        <p:txBody>
+          <a:bodyPr>
+            <a:normAutofit fontScale="90000"/>
+          </a:bodyPr>
+          <a:lstStyle/>
+          <a:p>
+            <a:r>
+              <a:rPr kumimoji="1" lang="ja-JP" altLang="en-US" dirty="0" smtClean="0"/>
+              <a:t>自動生成されたテストコードの例</a:t>
+            </a:r>
+            <a:endParaRPr kumimoji="1" lang="ja-JP" altLang="en-US" dirty="0"/>
+          </a:p>
+        </p:txBody>
+      </p:sp>
+      <p:sp>
+        <p:nvSpPr>
+          <p:cNvPr id="5" name="角丸四角形吹き出し 4"/>
+          <p:cNvSpPr/>
+          <p:nvPr/>
+        </p:nvSpPr>
+        <p:spPr>
+          <a:xfrm>
+            <a:off x="8236169" y="2019499"/>
+            <a:ext cx="3027849" cy="690095"/>
+          </a:xfrm>
+          <a:prstGeom prst="wedgeRoundRectCallout">
+            <a:avLst>
+              <a:gd name="adj1" fmla="val -93536"/>
+              <a:gd name="adj2" fmla="val 65843"/>
+              <a:gd name="adj3" fmla="val 16667"/>
+            </a:avLst>
+          </a:prstGeom>
+        </p:spPr>
+        <p:style>
+          <a:lnRef idx="2">
+            <a:schemeClr val="accent3"/>
+          </a:lnRef>
+          <a:fillRef idx="1">
+            <a:schemeClr val="lt1"/>
+          </a:fillRef>
+          <a:effectRef idx="0">
+            <a:schemeClr val="accent3"/>
+          </a:effectRef>
+          <a:fontRef idx="minor">
+            <a:schemeClr val="dk1"/>
+          </a:fontRef>
+        </p:style>
+        <p:txBody>
+          <a:bodyPr rtlCol="0" anchor="ctr"/>
+          <a:lstStyle/>
+          <a:p>
+            <a:r>
+              <a:rPr lang="en-US" altLang="ja-JP" b="1" dirty="0" smtClean="0">
+                <a:latin typeface="メイリオ" panose="020B0604030504040204" pitchFamily="50" charset="-128"/>
+                <a:ea typeface="メイリオ" panose="020B0604030504040204" pitchFamily="50" charset="-128"/>
+              </a:rPr>
+              <a:t>Exception Handling</a:t>
+            </a:r>
+            <a:endParaRPr kumimoji="1" lang="en-US" altLang="ja-JP" b="1" dirty="0" smtClean="0">
+              <a:latin typeface="メイリオ" panose="020B0604030504040204" pitchFamily="50" charset="-128"/>
+              <a:ea typeface="メイリオ" panose="020B0604030504040204" pitchFamily="50" charset="-128"/>
+            </a:endParaRPr>
+          </a:p>
+          <a:p>
+            <a:pPr algn="ctr"/>
+            <a:r>
+              <a:rPr kumimoji="1" lang="ja-JP" altLang="en-US" dirty="0" smtClean="0">
+                <a:latin typeface="メイリオ" panose="020B0604030504040204" pitchFamily="50" charset="-128"/>
+                <a:ea typeface="メイリオ" panose="020B0604030504040204" pitchFamily="50" charset="-128"/>
+              </a:rPr>
+              <a:t>意図が分からない例外処理</a:t>
+            </a:r>
+            <a:endParaRPr kumimoji="1" lang="en-US" altLang="ja-JP" dirty="0" smtClean="0">
+              <a:latin typeface="メイリオ" panose="020B0604030504040204" pitchFamily="50" charset="-128"/>
+              <a:ea typeface="メイリオ" panose="020B0604030504040204" pitchFamily="50" charset="-128"/>
+            </a:endParaRPr>
+          </a:p>
+        </p:txBody>
+      </p:sp>
+      <p:sp>
+        <p:nvSpPr>
+          <p:cNvPr id="6" name="角丸四角形吹き出し 5"/>
+          <p:cNvSpPr/>
+          <p:nvPr/>
+        </p:nvSpPr>
+        <p:spPr>
+          <a:xfrm>
+            <a:off x="1279127" y="2019499"/>
+            <a:ext cx="2556013" cy="652249"/>
+          </a:xfrm>
+          <a:prstGeom prst="wedgeRoundRectCallout">
+            <a:avLst>
+              <a:gd name="adj1" fmla="val 91068"/>
+              <a:gd name="adj2" fmla="val 68885"/>
+              <a:gd name="adj3" fmla="val 16667"/>
+            </a:avLst>
+          </a:prstGeom>
+        </p:spPr>
+        <p:style>
+          <a:lnRef idx="2">
+            <a:schemeClr val="accent3"/>
+          </a:lnRef>
+          <a:fillRef idx="1">
+            <a:schemeClr val="lt1"/>
+          </a:fillRef>
+          <a:effectRef idx="0">
+            <a:schemeClr val="accent3"/>
+          </a:effectRef>
+          <a:fontRef idx="minor">
+            <a:schemeClr val="dk1"/>
+          </a:fontRef>
+        </p:style>
+        <p:txBody>
+          <a:bodyPr rtlCol="0" anchor="ctr"/>
+          <a:lstStyle/>
+          <a:p>
+            <a:r>
+              <a:rPr lang="en-US" altLang="ja-JP" b="1" dirty="0" err="1" smtClean="0">
+                <a:latin typeface="メイリオ" panose="020B0604030504040204" pitchFamily="50" charset="-128"/>
+                <a:ea typeface="メイリオ" panose="020B0604030504040204" pitchFamily="50" charset="-128"/>
+              </a:rPr>
+              <a:t>Defalt</a:t>
+            </a:r>
+            <a:r>
+              <a:rPr lang="en-US" altLang="ja-JP" b="1" dirty="0" smtClean="0">
+                <a:latin typeface="メイリオ" panose="020B0604030504040204" pitchFamily="50" charset="-128"/>
+                <a:ea typeface="メイリオ" panose="020B0604030504040204" pitchFamily="50" charset="-128"/>
+              </a:rPr>
+              <a:t> Test</a:t>
+            </a:r>
+          </a:p>
+          <a:p>
+            <a:r>
+              <a:rPr lang="ja-JP" altLang="en-US" dirty="0" smtClean="0">
+                <a:latin typeface="メイリオ" panose="020B0604030504040204" pitchFamily="50" charset="-128"/>
+                <a:ea typeface="メイリオ" panose="020B0604030504040204" pitchFamily="50" charset="-128"/>
+              </a:rPr>
+              <a:t>メソッド名が初期状態</a:t>
+            </a:r>
+            <a:endParaRPr kumimoji="1" lang="en-US" altLang="ja-JP" dirty="0" smtClean="0">
+              <a:latin typeface="メイリオ" panose="020B0604030504040204" pitchFamily="50" charset="-128"/>
+              <a:ea typeface="メイリオ" panose="020B0604030504040204" pitchFamily="50" charset="-128"/>
+            </a:endParaRPr>
+          </a:p>
+        </p:txBody>
+      </p:sp>
+      <p:sp>
+        <p:nvSpPr>
+          <p:cNvPr id="7" name="正方形/長方形 6"/>
+          <p:cNvSpPr/>
+          <p:nvPr/>
+        </p:nvSpPr>
+        <p:spPr>
+          <a:xfrm>
+            <a:off x="3715789" y="4264429"/>
+            <a:ext cx="4684222" cy="739833"/>
+          </a:xfrm>
+          <a:prstGeom prst="rect">
+            <a:avLst/>
+          </a:prstGeom>
+          <a:noFill/>
+          <a:ln w="28575"/>
+        </p:spPr>
+        <p:style>
+          <a:lnRef idx="2">
+            <a:schemeClr val="accent4"/>
+          </a:lnRef>
+          <a:fillRef idx="1">
+            <a:schemeClr val="lt1"/>
+          </a:fillRef>
+          <a:effectRef idx="0">
+            <a:schemeClr val="accent4"/>
+          </a:effectRef>
+          <a:fontRef idx="minor">
+            <a:schemeClr val="dk1"/>
+          </a:fontRef>
+        </p:style>
+        <p:txBody>
+          <a:bodyPr rtlCol="0" anchor="ctr"/>
+          <a:lstStyle/>
+          <a:p>
+            <a:pPr algn="ctr"/>
+            <a:endParaRPr kumimoji="1" lang="ja-JP" altLang="en-US"/>
+          </a:p>
+        </p:txBody>
+      </p:sp>
+      <p:sp>
+        <p:nvSpPr>
+          <p:cNvPr id="8" name="角丸四角形吹き出し 7"/>
+          <p:cNvSpPr/>
+          <p:nvPr/>
+        </p:nvSpPr>
+        <p:spPr>
+          <a:xfrm>
+            <a:off x="7979171" y="4869496"/>
+            <a:ext cx="3027849" cy="660020"/>
+          </a:xfrm>
+          <a:prstGeom prst="wedgeRoundRectCallout">
+            <a:avLst>
+              <a:gd name="adj1" fmla="val -73009"/>
+              <a:gd name="adj2" fmla="val -96715"/>
+              <a:gd name="adj3" fmla="val 16667"/>
+            </a:avLst>
+          </a:prstGeom>
+        </p:spPr>
+        <p:style>
+          <a:lnRef idx="2">
+            <a:schemeClr val="accent3"/>
+          </a:lnRef>
+          <a:fillRef idx="1">
+            <a:schemeClr val="lt1"/>
+          </a:fillRef>
+          <a:effectRef idx="0">
+            <a:schemeClr val="accent3"/>
+          </a:effectRef>
+          <a:fontRef idx="minor">
+            <a:schemeClr val="dk1"/>
+          </a:fontRef>
+        </p:style>
+        <p:txBody>
+          <a:bodyPr rtlCol="0" anchor="ctr"/>
+          <a:lstStyle/>
+          <a:p>
+            <a:r>
+              <a:rPr lang="en-US" altLang="ja-JP" b="1" dirty="0" smtClean="0">
+                <a:latin typeface="メイリオ" panose="020B0604030504040204" pitchFamily="50" charset="-128"/>
+                <a:ea typeface="メイリオ" panose="020B0604030504040204" pitchFamily="50" charset="-128"/>
+              </a:rPr>
+              <a:t>Assertion Roulette</a:t>
+            </a:r>
+            <a:endParaRPr kumimoji="1" lang="en-US" altLang="ja-JP" b="1" dirty="0" smtClean="0">
+              <a:latin typeface="メイリオ" panose="020B0604030504040204" pitchFamily="50" charset="-128"/>
+              <a:ea typeface="メイリオ" panose="020B0604030504040204" pitchFamily="50" charset="-128"/>
+            </a:endParaRPr>
+          </a:p>
+          <a:p>
+            <a:pPr algn="ctr"/>
+            <a:r>
+              <a:rPr kumimoji="1" lang="ja-JP" altLang="en-US" dirty="0" smtClean="0">
+                <a:latin typeface="メイリオ" panose="020B0604030504040204" pitchFamily="50" charset="-128"/>
+                <a:ea typeface="メイリオ" panose="020B0604030504040204" pitchFamily="50" charset="-128"/>
+              </a:rPr>
+              <a:t>複数の</a:t>
+            </a:r>
+            <a:r>
+              <a:rPr kumimoji="1" lang="en-US" altLang="ja-JP" dirty="0" smtClean="0">
+                <a:latin typeface="メイリオ" panose="020B0604030504040204" pitchFamily="50" charset="-128"/>
+                <a:ea typeface="メイリオ" panose="020B0604030504040204" pitchFamily="50" charset="-128"/>
+              </a:rPr>
+              <a:t>assert</a:t>
+            </a:r>
+            <a:r>
+              <a:rPr kumimoji="1" lang="ja-JP" altLang="en-US" dirty="0" smtClean="0">
+                <a:latin typeface="メイリオ" panose="020B0604030504040204" pitchFamily="50" charset="-128"/>
+                <a:ea typeface="メイリオ" panose="020B0604030504040204" pitchFamily="50" charset="-128"/>
+              </a:rPr>
+              <a:t>文が存在する</a:t>
+            </a:r>
+            <a:endParaRPr kumimoji="1" lang="en-US" altLang="ja-JP" dirty="0" smtClean="0">
+              <a:latin typeface="メイリオ" panose="020B0604030504040204" pitchFamily="50" charset="-128"/>
+              <a:ea typeface="メイリオ" panose="020B0604030504040204" pitchFamily="50" charset="-128"/>
+            </a:endParaRPr>
+          </a:p>
+        </p:txBody>
+      </p:sp>
+      <p:pic>
+        <p:nvPicPr>
+          <p:cNvPr id="9" name="図 8"/>
+          <p:cNvPicPr>
+            <a:picLocks noChangeAspect="1"/>
+          </p:cNvPicPr>
+          <p:nvPr/>
+        </p:nvPicPr>
+        <p:blipFill>
+          <a:blip r:embed="rId2" cstate="print">
+            <a:extLst>
+              <a:ext uri="{28A0092B-C50C-407E-A947-70E740481C1C}">
+                <a14:useLocalDpi xmlns:a14="http://schemas.microsoft.com/office/drawing/2010/main" val="0"/>
+              </a:ext>
+            </a:extLst>
+          </a:blip>
+          <a:stretch>
+            <a:fillRect/>
+          </a:stretch>
+        </p:blipFill>
+        <p:spPr>
+          <a:xfrm>
+            <a:off x="913014" y="1907704"/>
+            <a:ext cx="445604" cy="445604"/>
+          </a:xfrm>
+          <a:prstGeom prst="rect">
+            <a:avLst/>
+          </a:prstGeom>
+        </p:spPr>
+      </p:pic>
+      <p:pic>
+        <p:nvPicPr>
+          <p:cNvPr id="10" name="図 9"/>
+          <p:cNvPicPr>
+            <a:picLocks noChangeAspect="1"/>
+          </p:cNvPicPr>
+          <p:nvPr/>
+        </p:nvPicPr>
+        <p:blipFill>
+          <a:blip r:embed="rId2" cstate="print">
+            <a:extLst>
+              <a:ext uri="{28A0092B-C50C-407E-A947-70E740481C1C}">
+                <a14:useLocalDpi xmlns:a14="http://schemas.microsoft.com/office/drawing/2010/main" val="0"/>
+              </a:ext>
+            </a:extLst>
+          </a:blip>
+          <a:stretch>
+            <a:fillRect/>
+          </a:stretch>
+        </p:blipFill>
+        <p:spPr>
+          <a:xfrm>
+            <a:off x="7882227" y="1907704"/>
+            <a:ext cx="445604" cy="445604"/>
+          </a:xfrm>
+          <a:prstGeom prst="rect">
+            <a:avLst/>
+          </a:prstGeom>
+        </p:spPr>
+      </p:pic>
+      <p:sp>
+        <p:nvSpPr>
+          <p:cNvPr id="11" name="正方形/長方形 10"/>
+          <p:cNvSpPr/>
+          <p:nvPr/>
+        </p:nvSpPr>
+        <p:spPr>
+          <a:xfrm>
+            <a:off x="7701182" y="4851865"/>
+            <a:ext cx="303143" cy="327991"/>
+          </a:xfrm>
+          <a:prstGeom prst="rect">
+            <a:avLst/>
+          </a:prstGeom>
+          <a:solidFill>
+            <a:schemeClr val="bg1"/>
+          </a:solidFill>
+        </p:spPr>
+        <p:style>
+          <a:lnRef idx="2">
+            <a:schemeClr val="accent1">
+              <a:shade val="50000"/>
+            </a:schemeClr>
+          </a:lnRef>
+          <a:fillRef idx="1">
+            <a:schemeClr val="accent1"/>
+          </a:fillRef>
+          <a:effectRef idx="0">
+            <a:schemeClr val="accent1"/>
+          </a:effectRef>
+          <a:fontRef idx="minor">
+            <a:schemeClr val="lt1"/>
+          </a:fontRef>
+        </p:style>
+        <p:txBody>
+          <a:bodyPr rtlCol="0" anchor="ctr"/>
+          <a:lstStyle/>
+          <a:p>
+            <a:pPr algn="ctr"/>
+            <a:endParaRPr kumimoji="1" lang="ja-JP" altLang="en-US"/>
+          </a:p>
+        </p:txBody>
+      </p:sp>
+      <p:pic>
+        <p:nvPicPr>
+          <p:cNvPr id="12" name="図 11"/>
+          <p:cNvPicPr>
+            <a:picLocks noChangeAspect="1"/>
+          </p:cNvPicPr>
+          <p:nvPr/>
+        </p:nvPicPr>
+        <p:blipFill>
+          <a:blip r:embed="rId2" cstate="print">
+            <a:extLst>
+              <a:ext uri="{28A0092B-C50C-407E-A947-70E740481C1C}">
+                <a14:useLocalDpi xmlns:a14="http://schemas.microsoft.com/office/drawing/2010/main" val="0"/>
+              </a:ext>
+            </a:extLst>
+          </a:blip>
+          <a:stretch>
+            <a:fillRect/>
+          </a:stretch>
+        </p:blipFill>
+        <p:spPr>
+          <a:xfrm>
+            <a:off x="7629952" y="4791184"/>
+            <a:ext cx="445604" cy="445604"/>
+          </a:xfrm>
+          <a:prstGeom prst="rect">
+            <a:avLst/>
+          </a:prstGeom>
+        </p:spPr>
+      </p:pic>
+    </p:spTree>
+    <p:extLst>
+      <p:ext uri="{BB962C8B-B14F-4D97-AF65-F5344CB8AC3E}">
+        <p14:creationId xmlns:p14="http://schemas.microsoft.com/office/powerpoint/2010/main" val="3178239381"/>
+      </p:ext>
+    </p:extLst>
+  </p:cSld>
+  <p:clrMapOvr>
+    <a:masterClrMapping/>
+  </p:clrMapOvr>
+</p:sld>
+</file>
+
 <file path=ppt/slides/slide5.xml><?xml version="1.0" encoding="utf-8"?>
 <p:sld xmlns:a="http://schemas.openxmlformats.org/drawingml/2006/main" xmlns:r="http://schemas.openxmlformats.org/officeDocument/2006/relationships" xmlns:p="http://schemas.openxmlformats.org/presentationml/2006/main">
   <p:cSld>

--- a/presentation_kurachi.pptx
+++ b/presentation_kurachi.pptx
@@ -31,24 +31,24 @@
     <p:sldId id="292" r:id="rId22"/>
     <p:sldId id="354" r:id="rId23"/>
     <p:sldId id="381" r:id="rId24"/>
-    <p:sldId id="367" r:id="rId25"/>
-    <p:sldId id="366" r:id="rId26"/>
-    <p:sldId id="368" r:id="rId27"/>
-    <p:sldId id="293" r:id="rId28"/>
-    <p:sldId id="290" r:id="rId29"/>
-    <p:sldId id="291" r:id="rId30"/>
-    <p:sldId id="334" r:id="rId31"/>
-    <p:sldId id="288" r:id="rId32"/>
-    <p:sldId id="353" r:id="rId33"/>
-    <p:sldId id="371" r:id="rId34"/>
-    <p:sldId id="370" r:id="rId35"/>
-    <p:sldId id="286" r:id="rId36"/>
-    <p:sldId id="295" r:id="rId37"/>
-    <p:sldId id="380" r:id="rId38"/>
-    <p:sldId id="377" r:id="rId39"/>
-    <p:sldId id="379" r:id="rId40"/>
-    <p:sldId id="378" r:id="rId41"/>
-    <p:sldId id="382" r:id="rId42"/>
+    <p:sldId id="382" r:id="rId25"/>
+    <p:sldId id="367" r:id="rId26"/>
+    <p:sldId id="366" r:id="rId27"/>
+    <p:sldId id="368" r:id="rId28"/>
+    <p:sldId id="293" r:id="rId29"/>
+    <p:sldId id="290" r:id="rId30"/>
+    <p:sldId id="291" r:id="rId31"/>
+    <p:sldId id="334" r:id="rId32"/>
+    <p:sldId id="288" r:id="rId33"/>
+    <p:sldId id="353" r:id="rId34"/>
+    <p:sldId id="371" r:id="rId35"/>
+    <p:sldId id="370" r:id="rId36"/>
+    <p:sldId id="286" r:id="rId37"/>
+    <p:sldId id="295" r:id="rId38"/>
+    <p:sldId id="380" r:id="rId39"/>
+    <p:sldId id="377" r:id="rId40"/>
+    <p:sldId id="379" r:id="rId41"/>
+    <p:sldId id="378" r:id="rId42"/>
   </p:sldIdLst>
   <p:sldSz cx="12192000" cy="6858000"/>
   <p:notesSz cx="6805613" cy="9939338"/>
@@ -7750,7 +7750,7 @@
           <a:p>
             <a:fld id="{A375FAFC-A5AB-4FEC-AA23-92E34682EFAF}" type="slidenum">
               <a:rPr kumimoji="1" lang="ja-JP" altLang="en-US" smtClean="0"/>
-              <a:t>24</a:t>
+              <a:t>25</a:t>
             </a:fld>
             <a:endParaRPr kumimoji="1" lang="ja-JP" altLang="en-US"/>
           </a:p>
@@ -7834,7 +7834,7 @@
           <a:p>
             <a:fld id="{A375FAFC-A5AB-4FEC-AA23-92E34682EFAF}" type="slidenum">
               <a:rPr kumimoji="1" lang="ja-JP" altLang="en-US" smtClean="0"/>
-              <a:t>25</a:t>
+              <a:t>26</a:t>
             </a:fld>
             <a:endParaRPr kumimoji="1" lang="ja-JP" altLang="en-US"/>
           </a:p>
@@ -7918,7 +7918,7 @@
           <a:p>
             <a:fld id="{A375FAFC-A5AB-4FEC-AA23-92E34682EFAF}" type="slidenum">
               <a:rPr kumimoji="1" lang="ja-JP" altLang="en-US" smtClean="0"/>
-              <a:t>26</a:t>
+              <a:t>27</a:t>
             </a:fld>
             <a:endParaRPr kumimoji="1" lang="ja-JP" altLang="en-US"/>
           </a:p>
@@ -8002,7 +8002,7 @@
           <a:p>
             <a:fld id="{A375FAFC-A5AB-4FEC-AA23-92E34682EFAF}" type="slidenum">
               <a:rPr kumimoji="1" lang="ja-JP" altLang="en-US" smtClean="0"/>
-              <a:t>27</a:t>
+              <a:t>28</a:t>
             </a:fld>
             <a:endParaRPr kumimoji="1" lang="ja-JP" altLang="en-US"/>
           </a:p>
@@ -8086,7 +8086,7 @@
           <a:p>
             <a:fld id="{A375FAFC-A5AB-4FEC-AA23-92E34682EFAF}" type="slidenum">
               <a:rPr kumimoji="1" lang="ja-JP" altLang="en-US" smtClean="0"/>
-              <a:t>28</a:t>
+              <a:t>29</a:t>
             </a:fld>
             <a:endParaRPr kumimoji="1" lang="ja-JP" altLang="en-US"/>
           </a:p>
@@ -8170,7 +8170,7 @@
           <a:p>
             <a:fld id="{A375FAFC-A5AB-4FEC-AA23-92E34682EFAF}" type="slidenum">
               <a:rPr kumimoji="1" lang="ja-JP" altLang="en-US" smtClean="0"/>
-              <a:t>29</a:t>
+              <a:t>30</a:t>
             </a:fld>
             <a:endParaRPr kumimoji="1" lang="ja-JP" altLang="en-US"/>
           </a:p>
@@ -8378,7 +8378,7 @@
           <a:p>
             <a:fld id="{A375FAFC-A5AB-4FEC-AA23-92E34682EFAF}" type="slidenum">
               <a:rPr kumimoji="1" lang="ja-JP" altLang="en-US" smtClean="0"/>
-              <a:t>30</a:t>
+              <a:t>31</a:t>
             </a:fld>
             <a:endParaRPr kumimoji="1" lang="ja-JP" altLang="en-US"/>
           </a:p>
@@ -8594,7 +8594,7 @@
           <a:p>
             <a:fld id="{A375FAFC-A5AB-4FEC-AA23-92E34682EFAF}" type="slidenum">
               <a:rPr kumimoji="1" lang="ja-JP" altLang="en-US" smtClean="0"/>
-              <a:t>31</a:t>
+              <a:t>32</a:t>
             </a:fld>
             <a:endParaRPr kumimoji="1" lang="ja-JP" altLang="en-US"/>
           </a:p>
@@ -8847,7 +8847,7 @@
           <a:p>
             <a:fld id="{A375FAFC-A5AB-4FEC-AA23-92E34682EFAF}" type="slidenum">
               <a:rPr kumimoji="1" lang="ja-JP" altLang="en-US" smtClean="0"/>
-              <a:t>32</a:t>
+              <a:t>33</a:t>
             </a:fld>
             <a:endParaRPr kumimoji="1" lang="ja-JP" altLang="en-US"/>
           </a:p>
@@ -9198,7 +9198,7 @@
           <a:p>
             <a:fld id="{A375FAFC-A5AB-4FEC-AA23-92E34682EFAF}" type="slidenum">
               <a:rPr kumimoji="1" lang="ja-JP" altLang="en-US" smtClean="0"/>
-              <a:t>33</a:t>
+              <a:t>34</a:t>
             </a:fld>
             <a:endParaRPr kumimoji="1" lang="ja-JP" altLang="en-US"/>
           </a:p>
@@ -9282,7 +9282,7 @@
           <a:p>
             <a:fld id="{A375FAFC-A5AB-4FEC-AA23-92E34682EFAF}" type="slidenum">
               <a:rPr kumimoji="1" lang="ja-JP" altLang="en-US" smtClean="0"/>
-              <a:t>34</a:t>
+              <a:t>35</a:t>
             </a:fld>
             <a:endParaRPr kumimoji="1" lang="ja-JP" altLang="en-US"/>
           </a:p>
@@ -9366,7 +9366,7 @@
           <a:p>
             <a:fld id="{A375FAFC-A5AB-4FEC-AA23-92E34682EFAF}" type="slidenum">
               <a:rPr kumimoji="1" lang="ja-JP" altLang="en-US" smtClean="0"/>
-              <a:t>35</a:t>
+              <a:t>36</a:t>
             </a:fld>
             <a:endParaRPr kumimoji="1" lang="ja-JP" altLang="en-US"/>
           </a:p>
@@ -9450,7 +9450,7 @@
           <a:p>
             <a:fld id="{A375FAFC-A5AB-4FEC-AA23-92E34682EFAF}" type="slidenum">
               <a:rPr kumimoji="1" lang="ja-JP" altLang="en-US" smtClean="0"/>
-              <a:t>36</a:t>
+              <a:t>37</a:t>
             </a:fld>
             <a:endParaRPr kumimoji="1" lang="ja-JP" altLang="en-US"/>
           </a:p>
@@ -9822,7 +9822,7 @@
           <a:p>
             <a:fld id="{A375FAFC-A5AB-4FEC-AA23-92E34682EFAF}" type="slidenum">
               <a:rPr kumimoji="1" lang="ja-JP" altLang="en-US" smtClean="0"/>
-              <a:t>37</a:t>
+              <a:t>38</a:t>
             </a:fld>
             <a:endParaRPr kumimoji="1" lang="ja-JP" altLang="en-US"/>
           </a:p>
@@ -9906,7 +9906,7 @@
           <a:p>
             <a:fld id="{A375FAFC-A5AB-4FEC-AA23-92E34682EFAF}" type="slidenum">
               <a:rPr kumimoji="1" lang="ja-JP" altLang="en-US" smtClean="0"/>
-              <a:t>38</a:t>
+              <a:t>39</a:t>
             </a:fld>
             <a:endParaRPr kumimoji="1" lang="ja-JP" altLang="en-US"/>
           </a:p>
@@ -9990,7 +9990,7 @@
           <a:p>
             <a:fld id="{A375FAFC-A5AB-4FEC-AA23-92E34682EFAF}" type="slidenum">
               <a:rPr kumimoji="1" lang="ja-JP" altLang="en-US" smtClean="0"/>
-              <a:t>39</a:t>
+              <a:t>40</a:t>
             </a:fld>
             <a:endParaRPr kumimoji="1" lang="ja-JP" altLang="en-US"/>
           </a:p>
@@ -10074,7 +10074,7 @@
           <a:p>
             <a:fld id="{A375FAFC-A5AB-4FEC-AA23-92E34682EFAF}" type="slidenum">
               <a:rPr kumimoji="1" lang="ja-JP" altLang="en-US" smtClean="0"/>
-              <a:t>40</a:t>
+              <a:t>41</a:t>
             </a:fld>
             <a:endParaRPr kumimoji="1" lang="ja-JP" altLang="en-US"/>
           </a:p>
@@ -25068,14 +25068,6 @@
                   <a:schemeClr val="tx2"/>
                 </a:solidFill>
               </a:rPr>
-              <a:t>[2] </a:t>
-            </a:r>
-            <a:r>
-              <a:rPr lang="en-US" altLang="ja-JP" sz="1200" dirty="0" smtClean="0">
-                <a:solidFill>
-                  <a:schemeClr val="tx2"/>
-                </a:solidFill>
-              </a:rPr>
               <a:t>S</a:t>
             </a:r>
             <a:r>
@@ -25156,6 +25148,835 @@
 </file>
 
 <file path=ppt/slides/slide24.xml><?xml version="1.0" encoding="utf-8"?>
+<p:sld xmlns:a="http://schemas.openxmlformats.org/drawingml/2006/main" xmlns:r="http://schemas.openxmlformats.org/officeDocument/2006/relationships" xmlns:p="http://schemas.openxmlformats.org/presentationml/2006/main">
+  <p:cSld>
+    <p:spTree>
+      <p:nvGrpSpPr>
+        <p:cNvPr id="1" name=""/>
+        <p:cNvGrpSpPr/>
+        <p:nvPr/>
+      </p:nvGrpSpPr>
+      <p:grpSpPr>
+        <a:xfrm>
+          <a:off x="0" y="0"/>
+          <a:ext cx="0" cy="0"/>
+          <a:chOff x="0" y="0"/>
+          <a:chExt cx="0" cy="0"/>
+        </a:xfrm>
+      </p:grpSpPr>
+      <p:sp>
+        <p:nvSpPr>
+          <p:cNvPr id="13" name="正方形/長方形 12"/>
+          <p:cNvSpPr/>
+          <p:nvPr/>
+        </p:nvSpPr>
+        <p:spPr>
+          <a:xfrm>
+            <a:off x="3257641" y="2734994"/>
+            <a:ext cx="5423885" cy="2554545"/>
+          </a:xfrm>
+          <a:prstGeom prst="rect">
+            <a:avLst/>
+          </a:prstGeom>
+          <a:ln w="38100"/>
+        </p:spPr>
+        <p:style>
+          <a:lnRef idx="2">
+            <a:schemeClr val="accent3"/>
+          </a:lnRef>
+          <a:fillRef idx="1">
+            <a:schemeClr val="lt1"/>
+          </a:fillRef>
+          <a:effectRef idx="0">
+            <a:schemeClr val="accent3"/>
+          </a:effectRef>
+          <a:fontRef idx="minor">
+            <a:schemeClr val="dk1"/>
+          </a:fontRef>
+        </p:style>
+        <p:txBody>
+          <a:bodyPr wrap="square">
+            <a:spAutoFit/>
+          </a:bodyPr>
+          <a:lstStyle/>
+          <a:p>
+            <a:r>
+              <a:rPr lang="en-US" altLang="ja-JP" sz="1600" dirty="0" smtClean="0">
+                <a:latin typeface="Consolas" panose="020B0609020204030204" pitchFamily="49" charset="0"/>
+              </a:rPr>
+              <a:t>public void test8 throws </a:t>
+            </a:r>
+            <a:r>
+              <a:rPr lang="en-US" altLang="ja-JP" sz="1600" dirty="0" err="1" smtClean="0">
+                <a:latin typeface="Consolas" panose="020B0609020204030204" pitchFamily="49" charset="0"/>
+              </a:rPr>
+              <a:t>Throwable</a:t>
+            </a:r>
+            <a:r>
+              <a:rPr lang="en-US" altLang="ja-JP" sz="1600" dirty="0" smtClean="0">
+                <a:latin typeface="Consolas" panose="020B0609020204030204" pitchFamily="49" charset="0"/>
+              </a:rPr>
+              <a:t>  {</a:t>
+            </a:r>
+            <a:endParaRPr lang="en-US" altLang="ja-JP" sz="1600" dirty="0" smtClean="0">
+              <a:latin typeface="Consolas" panose="020B0609020204030204" pitchFamily="49" charset="0"/>
+            </a:endParaRPr>
+          </a:p>
+          <a:p>
+            <a:r>
+              <a:rPr lang="ja-JP" altLang="en-US" sz="1600" dirty="0" smtClean="0">
+                <a:latin typeface="Consolas" panose="020B0609020204030204" pitchFamily="49" charset="0"/>
+              </a:rPr>
+              <a:t>    </a:t>
+            </a:r>
+            <a:r>
+              <a:rPr lang="en-US" altLang="ja-JP" sz="1600" dirty="0" smtClean="0">
+                <a:latin typeface="Consolas" panose="020B0609020204030204" pitchFamily="49" charset="0"/>
+              </a:rPr>
+              <a:t>Document document0 = new Document(””, ””);</a:t>
+            </a:r>
+          </a:p>
+          <a:p>
+            <a:r>
+              <a:rPr lang="en-US" altLang="ja-JP" sz="1600" dirty="0">
+                <a:latin typeface="Consolas" panose="020B0609020204030204" pitchFamily="49" charset="0"/>
+              </a:rPr>
+              <a:t> </a:t>
+            </a:r>
+            <a:r>
+              <a:rPr lang="en-US" altLang="ja-JP" sz="1600" dirty="0" smtClean="0">
+                <a:latin typeface="Consolas" panose="020B0609020204030204" pitchFamily="49" charset="0"/>
+              </a:rPr>
+              <a:t>   </a:t>
+            </a:r>
+            <a:r>
+              <a:rPr lang="en-US" altLang="ja-JP" sz="1600" dirty="0" err="1" smtClean="0">
+                <a:latin typeface="Consolas" panose="020B0609020204030204" pitchFamily="49" charset="0"/>
+              </a:rPr>
+              <a:t>assertNotNull</a:t>
+            </a:r>
+            <a:r>
+              <a:rPr lang="en-US" altLang="ja-JP" sz="1600" dirty="0" smtClean="0">
+                <a:latin typeface="Consolas" panose="020B0609020204030204" pitchFamily="49" charset="0"/>
+              </a:rPr>
+              <a:t>(document0);</a:t>
+            </a:r>
+            <a:endParaRPr lang="en-US" altLang="ja-JP" sz="1600" dirty="0" smtClean="0">
+              <a:latin typeface="Consolas" panose="020B0609020204030204" pitchFamily="49" charset="0"/>
+            </a:endParaRPr>
+          </a:p>
+          <a:p>
+            <a:endParaRPr lang="en-US" altLang="ja-JP" sz="1600" dirty="0" smtClean="0">
+              <a:latin typeface="Consolas" panose="020B0609020204030204" pitchFamily="49" charset="0"/>
+            </a:endParaRPr>
+          </a:p>
+          <a:p>
+            <a:r>
+              <a:rPr lang="ja-JP" altLang="en-US" sz="1600" dirty="0" smtClean="0">
+                <a:latin typeface="Consolas" panose="020B0609020204030204" pitchFamily="49" charset="0"/>
+              </a:rPr>
+              <a:t>    </a:t>
+            </a:r>
+            <a:r>
+              <a:rPr lang="en-US" altLang="ja-JP" sz="1600" dirty="0" smtClean="0">
+                <a:latin typeface="Consolas" panose="020B0609020204030204" pitchFamily="49" charset="0"/>
+              </a:rPr>
+              <a:t>document0.procText.add((Character) ’s’);</a:t>
+            </a:r>
+          </a:p>
+          <a:p>
+            <a:r>
+              <a:rPr lang="en-US" altLang="ja-JP" sz="1600" dirty="0">
+                <a:latin typeface="Consolas" panose="020B0609020204030204" pitchFamily="49" charset="0"/>
+              </a:rPr>
+              <a:t> </a:t>
+            </a:r>
+            <a:r>
+              <a:rPr lang="en-US" altLang="ja-JP" sz="1600" dirty="0" smtClean="0">
+                <a:latin typeface="Consolas" panose="020B0609020204030204" pitchFamily="49" charset="0"/>
+              </a:rPr>
+              <a:t>   String string0 = document0.stringify();</a:t>
+            </a:r>
+          </a:p>
+          <a:p>
+            <a:r>
+              <a:rPr lang="en-US" altLang="ja-JP" sz="1600" dirty="0">
+                <a:latin typeface="Consolas" panose="020B0609020204030204" pitchFamily="49" charset="0"/>
+              </a:rPr>
+              <a:t> </a:t>
+            </a:r>
+            <a:r>
+              <a:rPr lang="en-US" altLang="ja-JP" sz="1600" dirty="0" smtClean="0">
+                <a:latin typeface="Consolas" panose="020B0609020204030204" pitchFamily="49" charset="0"/>
+              </a:rPr>
+              <a:t>   </a:t>
+            </a:r>
+            <a:r>
+              <a:rPr lang="en-US" altLang="ja-JP" sz="1600" dirty="0" err="1" smtClean="0">
+                <a:latin typeface="Consolas" panose="020B0609020204030204" pitchFamily="49" charset="0"/>
+              </a:rPr>
+              <a:t>assertEquals</a:t>
+            </a:r>
+            <a:r>
+              <a:rPr lang="en-US" altLang="ja-JP" sz="1600" dirty="0" smtClean="0">
+                <a:latin typeface="Consolas" panose="020B0609020204030204" pitchFamily="49" charset="0"/>
+              </a:rPr>
+              <a:t>(”s”, document0.stringify());</a:t>
+            </a:r>
+          </a:p>
+          <a:p>
+            <a:r>
+              <a:rPr lang="en-US" altLang="ja-JP" sz="1600" dirty="0">
+                <a:latin typeface="Consolas" panose="020B0609020204030204" pitchFamily="49" charset="0"/>
+              </a:rPr>
+              <a:t> </a:t>
+            </a:r>
+            <a:r>
+              <a:rPr lang="en-US" altLang="ja-JP" sz="1600" dirty="0" smtClean="0">
+                <a:latin typeface="Consolas" panose="020B0609020204030204" pitchFamily="49" charset="0"/>
+              </a:rPr>
+              <a:t>   </a:t>
+            </a:r>
+            <a:r>
+              <a:rPr lang="en-US" altLang="ja-JP" sz="1600" dirty="0" err="1" smtClean="0">
+                <a:latin typeface="Consolas" panose="020B0609020204030204" pitchFamily="49" charset="0"/>
+              </a:rPr>
+              <a:t>assertNotNull</a:t>
+            </a:r>
+            <a:r>
+              <a:rPr lang="en-US" altLang="ja-JP" sz="1600" dirty="0" smtClean="0">
+                <a:latin typeface="Consolas" panose="020B0609020204030204" pitchFamily="49" charset="0"/>
+              </a:rPr>
+              <a:t>(string0);</a:t>
+            </a:r>
+          </a:p>
+          <a:p>
+            <a:r>
+              <a:rPr lang="en-US" altLang="ja-JP" sz="1600" dirty="0">
+                <a:latin typeface="Consolas" panose="020B0609020204030204" pitchFamily="49" charset="0"/>
+              </a:rPr>
+              <a:t> </a:t>
+            </a:r>
+            <a:r>
+              <a:rPr lang="en-US" altLang="ja-JP" sz="1600" dirty="0" smtClean="0">
+                <a:latin typeface="Consolas" panose="020B0609020204030204" pitchFamily="49" charset="0"/>
+              </a:rPr>
+              <a:t>   </a:t>
+            </a:r>
+            <a:r>
+              <a:rPr lang="en-US" altLang="ja-JP" sz="1600" dirty="0" err="1" smtClean="0">
+                <a:latin typeface="Consolas" panose="020B0609020204030204" pitchFamily="49" charset="0"/>
+              </a:rPr>
+              <a:t>assertEquals</a:t>
+            </a:r>
+            <a:r>
+              <a:rPr lang="en-US" altLang="ja-JP" sz="1600" dirty="0" smtClean="0">
+                <a:latin typeface="Consolas" panose="020B0609020204030204" pitchFamily="49" charset="0"/>
+              </a:rPr>
+              <a:t>(”s”, string0);</a:t>
+            </a:r>
+          </a:p>
+          <a:p>
+            <a:r>
+              <a:rPr lang="en-US" altLang="ja-JP" sz="1600" dirty="0" smtClean="0">
+                <a:latin typeface="Consolas" panose="020B0609020204030204" pitchFamily="49" charset="0"/>
+              </a:rPr>
+              <a:t>}</a:t>
+            </a:r>
+            <a:endParaRPr lang="en-US" altLang="ja-JP" sz="1600" dirty="0" smtClean="0">
+              <a:latin typeface="Consolas" panose="020B0609020204030204" pitchFamily="49" charset="0"/>
+            </a:endParaRPr>
+          </a:p>
+        </p:txBody>
+      </p:sp>
+      <p:sp>
+        <p:nvSpPr>
+          <p:cNvPr id="2" name="コンテンツ プレースホルダー 1"/>
+          <p:cNvSpPr>
+            <a:spLocks noGrp="1"/>
+          </p:cNvSpPr>
+          <p:nvPr>
+            <p:ph idx="1"/>
+          </p:nvPr>
+        </p:nvSpPr>
+        <p:spPr>
+          <a:xfrm>
+            <a:off x="838200" y="1214573"/>
+            <a:ext cx="10515600" cy="693131"/>
+          </a:xfrm>
+        </p:spPr>
+        <p:txBody>
+          <a:bodyPr/>
+          <a:lstStyle/>
+          <a:p>
+            <a:r>
+              <a:rPr kumimoji="1" lang="en-US" altLang="ja-JP" dirty="0" err="1" smtClean="0"/>
+              <a:t>EvoSuite</a:t>
+            </a:r>
+            <a:r>
+              <a:rPr kumimoji="1" lang="en-US" altLang="ja-JP" dirty="0" smtClean="0"/>
+              <a:t>[10]</a:t>
+            </a:r>
+            <a:r>
+              <a:rPr kumimoji="1" lang="ja-JP" altLang="en-US" dirty="0" smtClean="0"/>
+              <a:t>によって自動生成されたテストコード</a:t>
+            </a:r>
+            <a:endParaRPr kumimoji="1" lang="ja-JP" altLang="en-US" dirty="0"/>
+          </a:p>
+        </p:txBody>
+      </p:sp>
+      <p:sp>
+        <p:nvSpPr>
+          <p:cNvPr id="3" name="タイトル 2"/>
+          <p:cNvSpPr>
+            <a:spLocks noGrp="1"/>
+          </p:cNvSpPr>
+          <p:nvPr>
+            <p:ph type="title"/>
+          </p:nvPr>
+        </p:nvSpPr>
+        <p:spPr>
+          <a:xfrm>
+            <a:off x="22093" y="219428"/>
+            <a:ext cx="5825911" cy="729386"/>
+          </a:xfrm>
+        </p:spPr>
+        <p:txBody>
+          <a:bodyPr>
+            <a:normAutofit fontScale="90000"/>
+          </a:bodyPr>
+          <a:lstStyle/>
+          <a:p>
+            <a:r>
+              <a:rPr kumimoji="1" lang="ja-JP" altLang="en-US" dirty="0" smtClean="0"/>
+              <a:t>自動生成されたテストコードの例</a:t>
+            </a:r>
+            <a:endParaRPr kumimoji="1" lang="ja-JP" altLang="en-US" dirty="0"/>
+          </a:p>
+        </p:txBody>
+      </p:sp>
+      <p:sp>
+        <p:nvSpPr>
+          <p:cNvPr id="5" name="角丸四角形吹き出し 4"/>
+          <p:cNvSpPr/>
+          <p:nvPr/>
+        </p:nvSpPr>
+        <p:spPr>
+          <a:xfrm>
+            <a:off x="8236169" y="2019499"/>
+            <a:ext cx="3027849" cy="690095"/>
+          </a:xfrm>
+          <a:prstGeom prst="wedgeRoundRectCallout">
+            <a:avLst>
+              <a:gd name="adj1" fmla="val -93536"/>
+              <a:gd name="adj2" fmla="val 65843"/>
+              <a:gd name="adj3" fmla="val 16667"/>
+            </a:avLst>
+          </a:prstGeom>
+        </p:spPr>
+        <p:style>
+          <a:lnRef idx="2">
+            <a:schemeClr val="accent3"/>
+          </a:lnRef>
+          <a:fillRef idx="1">
+            <a:schemeClr val="lt1"/>
+          </a:fillRef>
+          <a:effectRef idx="0">
+            <a:schemeClr val="accent3"/>
+          </a:effectRef>
+          <a:fontRef idx="minor">
+            <a:schemeClr val="dk1"/>
+          </a:fontRef>
+        </p:style>
+        <p:txBody>
+          <a:bodyPr rtlCol="0" anchor="ctr"/>
+          <a:lstStyle/>
+          <a:p>
+            <a:r>
+              <a:rPr lang="en-US" altLang="ja-JP" b="1" dirty="0" smtClean="0">
+                <a:latin typeface="メイリオ" panose="020B0604030504040204" pitchFamily="50" charset="-128"/>
+                <a:ea typeface="メイリオ" panose="020B0604030504040204" pitchFamily="50" charset="-128"/>
+              </a:rPr>
+              <a:t>Exception Handling</a:t>
+            </a:r>
+            <a:endParaRPr kumimoji="1" lang="en-US" altLang="ja-JP" b="1" dirty="0" smtClean="0">
+              <a:latin typeface="メイリオ" panose="020B0604030504040204" pitchFamily="50" charset="-128"/>
+              <a:ea typeface="メイリオ" panose="020B0604030504040204" pitchFamily="50" charset="-128"/>
+            </a:endParaRPr>
+          </a:p>
+          <a:p>
+            <a:pPr algn="ctr"/>
+            <a:r>
+              <a:rPr kumimoji="1" lang="ja-JP" altLang="en-US" dirty="0" smtClean="0">
+                <a:latin typeface="メイリオ" panose="020B0604030504040204" pitchFamily="50" charset="-128"/>
+                <a:ea typeface="メイリオ" panose="020B0604030504040204" pitchFamily="50" charset="-128"/>
+              </a:rPr>
+              <a:t>意図が分からない例外処理</a:t>
+            </a:r>
+            <a:endParaRPr kumimoji="1" lang="en-US" altLang="ja-JP" dirty="0" smtClean="0">
+              <a:latin typeface="メイリオ" panose="020B0604030504040204" pitchFamily="50" charset="-128"/>
+              <a:ea typeface="メイリオ" panose="020B0604030504040204" pitchFamily="50" charset="-128"/>
+            </a:endParaRPr>
+          </a:p>
+        </p:txBody>
+      </p:sp>
+      <p:sp>
+        <p:nvSpPr>
+          <p:cNvPr id="6" name="角丸四角形吹き出し 5"/>
+          <p:cNvSpPr/>
+          <p:nvPr/>
+        </p:nvSpPr>
+        <p:spPr>
+          <a:xfrm>
+            <a:off x="1279127" y="2019499"/>
+            <a:ext cx="2556013" cy="652249"/>
+          </a:xfrm>
+          <a:prstGeom prst="wedgeRoundRectCallout">
+            <a:avLst>
+              <a:gd name="adj1" fmla="val 91068"/>
+              <a:gd name="adj2" fmla="val 68885"/>
+              <a:gd name="adj3" fmla="val 16667"/>
+            </a:avLst>
+          </a:prstGeom>
+        </p:spPr>
+        <p:style>
+          <a:lnRef idx="2">
+            <a:schemeClr val="accent3"/>
+          </a:lnRef>
+          <a:fillRef idx="1">
+            <a:schemeClr val="lt1"/>
+          </a:fillRef>
+          <a:effectRef idx="0">
+            <a:schemeClr val="accent3"/>
+          </a:effectRef>
+          <a:fontRef idx="minor">
+            <a:schemeClr val="dk1"/>
+          </a:fontRef>
+        </p:style>
+        <p:txBody>
+          <a:bodyPr rtlCol="0" anchor="ctr"/>
+          <a:lstStyle/>
+          <a:p>
+            <a:r>
+              <a:rPr lang="en-US" altLang="ja-JP" b="1" dirty="0" err="1" smtClean="0">
+                <a:latin typeface="メイリオ" panose="020B0604030504040204" pitchFamily="50" charset="-128"/>
+                <a:ea typeface="メイリオ" panose="020B0604030504040204" pitchFamily="50" charset="-128"/>
+              </a:rPr>
+              <a:t>Defalt</a:t>
+            </a:r>
+            <a:r>
+              <a:rPr lang="en-US" altLang="ja-JP" b="1" dirty="0" smtClean="0">
+                <a:latin typeface="メイリオ" panose="020B0604030504040204" pitchFamily="50" charset="-128"/>
+                <a:ea typeface="メイリオ" panose="020B0604030504040204" pitchFamily="50" charset="-128"/>
+              </a:rPr>
+              <a:t> Test</a:t>
+            </a:r>
+          </a:p>
+          <a:p>
+            <a:r>
+              <a:rPr lang="ja-JP" altLang="en-US" dirty="0" smtClean="0">
+                <a:latin typeface="メイリオ" panose="020B0604030504040204" pitchFamily="50" charset="-128"/>
+                <a:ea typeface="メイリオ" panose="020B0604030504040204" pitchFamily="50" charset="-128"/>
+              </a:rPr>
+              <a:t>メソッド名が初期状態</a:t>
+            </a:r>
+            <a:endParaRPr kumimoji="1" lang="en-US" altLang="ja-JP" dirty="0" smtClean="0">
+              <a:latin typeface="メイリオ" panose="020B0604030504040204" pitchFamily="50" charset="-128"/>
+              <a:ea typeface="メイリオ" panose="020B0604030504040204" pitchFamily="50" charset="-128"/>
+            </a:endParaRPr>
+          </a:p>
+        </p:txBody>
+      </p:sp>
+      <p:sp>
+        <p:nvSpPr>
+          <p:cNvPr id="7" name="正方形/長方形 6"/>
+          <p:cNvSpPr/>
+          <p:nvPr/>
+        </p:nvSpPr>
+        <p:spPr>
+          <a:xfrm>
+            <a:off x="3715789" y="4264429"/>
+            <a:ext cx="4684222" cy="739833"/>
+          </a:xfrm>
+          <a:prstGeom prst="rect">
+            <a:avLst/>
+          </a:prstGeom>
+          <a:noFill/>
+          <a:ln w="28575"/>
+        </p:spPr>
+        <p:style>
+          <a:lnRef idx="2">
+            <a:schemeClr val="accent4"/>
+          </a:lnRef>
+          <a:fillRef idx="1">
+            <a:schemeClr val="lt1"/>
+          </a:fillRef>
+          <a:effectRef idx="0">
+            <a:schemeClr val="accent4"/>
+          </a:effectRef>
+          <a:fontRef idx="minor">
+            <a:schemeClr val="dk1"/>
+          </a:fontRef>
+        </p:style>
+        <p:txBody>
+          <a:bodyPr rtlCol="0" anchor="ctr"/>
+          <a:lstStyle/>
+          <a:p>
+            <a:pPr algn="ctr"/>
+            <a:endParaRPr kumimoji="1" lang="ja-JP" altLang="en-US"/>
+          </a:p>
+        </p:txBody>
+      </p:sp>
+      <p:sp>
+        <p:nvSpPr>
+          <p:cNvPr id="8" name="角丸四角形吹き出し 7"/>
+          <p:cNvSpPr/>
+          <p:nvPr/>
+        </p:nvSpPr>
+        <p:spPr>
+          <a:xfrm>
+            <a:off x="7979171" y="4869496"/>
+            <a:ext cx="3027849" cy="660020"/>
+          </a:xfrm>
+          <a:prstGeom prst="wedgeRoundRectCallout">
+            <a:avLst>
+              <a:gd name="adj1" fmla="val -73009"/>
+              <a:gd name="adj2" fmla="val -96715"/>
+              <a:gd name="adj3" fmla="val 16667"/>
+            </a:avLst>
+          </a:prstGeom>
+        </p:spPr>
+        <p:style>
+          <a:lnRef idx="2">
+            <a:schemeClr val="accent3"/>
+          </a:lnRef>
+          <a:fillRef idx="1">
+            <a:schemeClr val="lt1"/>
+          </a:fillRef>
+          <a:effectRef idx="0">
+            <a:schemeClr val="accent3"/>
+          </a:effectRef>
+          <a:fontRef idx="minor">
+            <a:schemeClr val="dk1"/>
+          </a:fontRef>
+        </p:style>
+        <p:txBody>
+          <a:bodyPr rtlCol="0" anchor="ctr"/>
+          <a:lstStyle/>
+          <a:p>
+            <a:r>
+              <a:rPr lang="en-US" altLang="ja-JP" b="1" dirty="0" smtClean="0">
+                <a:latin typeface="メイリオ" panose="020B0604030504040204" pitchFamily="50" charset="-128"/>
+                <a:ea typeface="メイリオ" panose="020B0604030504040204" pitchFamily="50" charset="-128"/>
+              </a:rPr>
+              <a:t>Assertion Roulette</a:t>
+            </a:r>
+            <a:endParaRPr kumimoji="1" lang="en-US" altLang="ja-JP" b="1" dirty="0" smtClean="0">
+              <a:latin typeface="メイリオ" panose="020B0604030504040204" pitchFamily="50" charset="-128"/>
+              <a:ea typeface="メイリオ" panose="020B0604030504040204" pitchFamily="50" charset="-128"/>
+            </a:endParaRPr>
+          </a:p>
+          <a:p>
+            <a:pPr algn="ctr"/>
+            <a:r>
+              <a:rPr kumimoji="1" lang="ja-JP" altLang="en-US" dirty="0" smtClean="0">
+                <a:latin typeface="メイリオ" panose="020B0604030504040204" pitchFamily="50" charset="-128"/>
+                <a:ea typeface="メイリオ" panose="020B0604030504040204" pitchFamily="50" charset="-128"/>
+              </a:rPr>
+              <a:t>複数の</a:t>
+            </a:r>
+            <a:r>
+              <a:rPr kumimoji="1" lang="en-US" altLang="ja-JP" dirty="0" smtClean="0">
+                <a:latin typeface="メイリオ" panose="020B0604030504040204" pitchFamily="50" charset="-128"/>
+                <a:ea typeface="メイリオ" panose="020B0604030504040204" pitchFamily="50" charset="-128"/>
+              </a:rPr>
+              <a:t>assert</a:t>
+            </a:r>
+            <a:r>
+              <a:rPr kumimoji="1" lang="ja-JP" altLang="en-US" dirty="0" smtClean="0">
+                <a:latin typeface="メイリオ" panose="020B0604030504040204" pitchFamily="50" charset="-128"/>
+                <a:ea typeface="メイリオ" panose="020B0604030504040204" pitchFamily="50" charset="-128"/>
+              </a:rPr>
+              <a:t>文が存在する</a:t>
+            </a:r>
+            <a:endParaRPr kumimoji="1" lang="en-US" altLang="ja-JP" dirty="0" smtClean="0">
+              <a:latin typeface="メイリオ" panose="020B0604030504040204" pitchFamily="50" charset="-128"/>
+              <a:ea typeface="メイリオ" panose="020B0604030504040204" pitchFamily="50" charset="-128"/>
+            </a:endParaRPr>
+          </a:p>
+        </p:txBody>
+      </p:sp>
+      <p:pic>
+        <p:nvPicPr>
+          <p:cNvPr id="9" name="図 8"/>
+          <p:cNvPicPr>
+            <a:picLocks noChangeAspect="1"/>
+          </p:cNvPicPr>
+          <p:nvPr/>
+        </p:nvPicPr>
+        <p:blipFill>
+          <a:blip r:embed="rId2" cstate="print">
+            <a:extLst>
+              <a:ext uri="{28A0092B-C50C-407E-A947-70E740481C1C}">
+                <a14:useLocalDpi xmlns:a14="http://schemas.microsoft.com/office/drawing/2010/main" val="0"/>
+              </a:ext>
+            </a:extLst>
+          </a:blip>
+          <a:stretch>
+            <a:fillRect/>
+          </a:stretch>
+        </p:blipFill>
+        <p:spPr>
+          <a:xfrm>
+            <a:off x="913014" y="1907704"/>
+            <a:ext cx="445604" cy="445604"/>
+          </a:xfrm>
+          <a:prstGeom prst="rect">
+            <a:avLst/>
+          </a:prstGeom>
+        </p:spPr>
+      </p:pic>
+      <p:pic>
+        <p:nvPicPr>
+          <p:cNvPr id="10" name="図 9"/>
+          <p:cNvPicPr>
+            <a:picLocks noChangeAspect="1"/>
+          </p:cNvPicPr>
+          <p:nvPr/>
+        </p:nvPicPr>
+        <p:blipFill>
+          <a:blip r:embed="rId2" cstate="print">
+            <a:extLst>
+              <a:ext uri="{28A0092B-C50C-407E-A947-70E740481C1C}">
+                <a14:useLocalDpi xmlns:a14="http://schemas.microsoft.com/office/drawing/2010/main" val="0"/>
+              </a:ext>
+            </a:extLst>
+          </a:blip>
+          <a:stretch>
+            <a:fillRect/>
+          </a:stretch>
+        </p:blipFill>
+        <p:spPr>
+          <a:xfrm>
+            <a:off x="7882227" y="1907704"/>
+            <a:ext cx="445604" cy="445604"/>
+          </a:xfrm>
+          <a:prstGeom prst="rect">
+            <a:avLst/>
+          </a:prstGeom>
+        </p:spPr>
+      </p:pic>
+      <p:sp>
+        <p:nvSpPr>
+          <p:cNvPr id="11" name="正方形/長方形 10"/>
+          <p:cNvSpPr/>
+          <p:nvPr/>
+        </p:nvSpPr>
+        <p:spPr>
+          <a:xfrm>
+            <a:off x="7701182" y="4851865"/>
+            <a:ext cx="303143" cy="327991"/>
+          </a:xfrm>
+          <a:prstGeom prst="rect">
+            <a:avLst/>
+          </a:prstGeom>
+          <a:solidFill>
+            <a:schemeClr val="bg1"/>
+          </a:solidFill>
+        </p:spPr>
+        <p:style>
+          <a:lnRef idx="2">
+            <a:schemeClr val="accent1">
+              <a:shade val="50000"/>
+            </a:schemeClr>
+          </a:lnRef>
+          <a:fillRef idx="1">
+            <a:schemeClr val="accent1"/>
+          </a:fillRef>
+          <a:effectRef idx="0">
+            <a:schemeClr val="accent1"/>
+          </a:effectRef>
+          <a:fontRef idx="minor">
+            <a:schemeClr val="lt1"/>
+          </a:fontRef>
+        </p:style>
+        <p:txBody>
+          <a:bodyPr rtlCol="0" anchor="ctr"/>
+          <a:lstStyle/>
+          <a:p>
+            <a:pPr algn="ctr"/>
+            <a:endParaRPr kumimoji="1" lang="ja-JP" altLang="en-US"/>
+          </a:p>
+        </p:txBody>
+      </p:sp>
+      <p:pic>
+        <p:nvPicPr>
+          <p:cNvPr id="12" name="図 11"/>
+          <p:cNvPicPr>
+            <a:picLocks noChangeAspect="1"/>
+          </p:cNvPicPr>
+          <p:nvPr/>
+        </p:nvPicPr>
+        <p:blipFill>
+          <a:blip r:embed="rId2" cstate="print">
+            <a:extLst>
+              <a:ext uri="{28A0092B-C50C-407E-A947-70E740481C1C}">
+                <a14:useLocalDpi xmlns:a14="http://schemas.microsoft.com/office/drawing/2010/main" val="0"/>
+              </a:ext>
+            </a:extLst>
+          </a:blip>
+          <a:stretch>
+            <a:fillRect/>
+          </a:stretch>
+        </p:blipFill>
+        <p:spPr>
+          <a:xfrm>
+            <a:off x="7629952" y="4791184"/>
+            <a:ext cx="445604" cy="445604"/>
+          </a:xfrm>
+          <a:prstGeom prst="rect">
+            <a:avLst/>
+          </a:prstGeom>
+        </p:spPr>
+      </p:pic>
+      <p:sp>
+        <p:nvSpPr>
+          <p:cNvPr id="14" name="Rectangle 4"/>
+          <p:cNvSpPr>
+            <a:spLocks noChangeArrowheads="1"/>
+          </p:cNvSpPr>
+          <p:nvPr/>
+        </p:nvSpPr>
+        <p:spPr bwMode="auto">
+          <a:xfrm>
+            <a:off x="1167560" y="5982462"/>
+            <a:ext cx="9604046" cy="461665"/>
+          </a:xfrm>
+          <a:prstGeom prst="rect">
+            <a:avLst/>
+          </a:prstGeom>
+          <a:ln>
+            <a:headEnd/>
+            <a:tailEnd/>
+          </a:ln>
+        </p:spPr>
+        <p:style>
+          <a:lnRef idx="2">
+            <a:schemeClr val="dk1"/>
+          </a:lnRef>
+          <a:fillRef idx="1">
+            <a:schemeClr val="lt1"/>
+          </a:fillRef>
+          <a:effectRef idx="0">
+            <a:schemeClr val="dk1"/>
+          </a:effectRef>
+          <a:fontRef idx="minor">
+            <a:schemeClr val="dk1"/>
+          </a:fontRef>
+        </p:style>
+        <p:txBody>
+          <a:bodyPr wrap="square">
+            <a:spAutoFit/>
+          </a:bodyPr>
+          <a:lstStyle/>
+          <a:p>
+            <a:pPr>
+              <a:defRPr/>
+            </a:pPr>
+            <a:r>
+              <a:rPr lang="en-US" altLang="ja-JP" sz="1200" dirty="0" smtClean="0">
+                <a:solidFill>
+                  <a:schemeClr val="tx2"/>
+                </a:solidFill>
+              </a:rPr>
+              <a:t>[10] </a:t>
+            </a:r>
+            <a:r>
+              <a:rPr lang="en-US" altLang="ja-JP" sz="1200" dirty="0" smtClean="0">
+                <a:solidFill>
+                  <a:schemeClr val="tx2"/>
+                </a:solidFill>
+              </a:rPr>
+              <a:t>G</a:t>
+            </a:r>
+            <a:r>
+              <a:rPr lang="en-US" altLang="ja-JP" sz="1200" dirty="0">
+                <a:solidFill>
+                  <a:schemeClr val="tx2"/>
+                </a:solidFill>
+              </a:rPr>
+              <a:t>. Fraser and A. </a:t>
+            </a:r>
+            <a:r>
+              <a:rPr lang="en-US" altLang="ja-JP" sz="1200" dirty="0" err="1">
+                <a:solidFill>
+                  <a:schemeClr val="tx2"/>
+                </a:solidFill>
+              </a:rPr>
+              <a:t>Arcuri</a:t>
+            </a:r>
+            <a:r>
+              <a:rPr lang="en-US" altLang="ja-JP" sz="1200" dirty="0">
+                <a:solidFill>
+                  <a:schemeClr val="tx2"/>
+                </a:solidFill>
+              </a:rPr>
+              <a:t>. </a:t>
+            </a:r>
+            <a:r>
+              <a:rPr lang="en-US" altLang="ja-JP" sz="1200" dirty="0" err="1">
+                <a:solidFill>
+                  <a:schemeClr val="tx2"/>
+                </a:solidFill>
+              </a:rPr>
+              <a:t>Evosuite</a:t>
+            </a:r>
+            <a:r>
+              <a:rPr lang="en-US" altLang="ja-JP" sz="1200" dirty="0">
+                <a:solidFill>
+                  <a:schemeClr val="tx2"/>
+                </a:solidFill>
+              </a:rPr>
+              <a:t>: Automatic test suite generation for object-oriented software. In </a:t>
+            </a:r>
+            <a:r>
+              <a:rPr lang="en-US" altLang="ja-JP" sz="1200" i="1" dirty="0">
+                <a:solidFill>
+                  <a:schemeClr val="tx2"/>
+                </a:solidFill>
+              </a:rPr>
+              <a:t>Proceedings of the Symposium on the Foundations of Software Engineering (FSE)</a:t>
+            </a:r>
+            <a:r>
+              <a:rPr lang="en-US" altLang="ja-JP" sz="1200" dirty="0">
+                <a:solidFill>
+                  <a:schemeClr val="tx2"/>
+                </a:solidFill>
+              </a:rPr>
+              <a:t>, pages 416–419, 2011.</a:t>
+            </a:r>
+            <a:endParaRPr lang="en-US" altLang="ja-JP" sz="1200" dirty="0" smtClean="0">
+              <a:solidFill>
+                <a:schemeClr val="tx2"/>
+              </a:solidFill>
+            </a:endParaRPr>
+          </a:p>
+        </p:txBody>
+      </p:sp>
+    </p:spTree>
+    <p:extLst>
+      <p:ext uri="{BB962C8B-B14F-4D97-AF65-F5344CB8AC3E}">
+        <p14:creationId xmlns:p14="http://schemas.microsoft.com/office/powerpoint/2010/main" val="3178239381"/>
+      </p:ext>
+    </p:extLst>
+  </p:cSld>
+  <p:clrMapOvr>
+    <a:masterClrMapping/>
+  </p:clrMapOvr>
+</p:sld>
+</file>
+
+<file path=ppt/slides/slide25.xml><?xml version="1.0" encoding="utf-8"?>
 <p:sld xmlns:a="http://schemas.openxmlformats.org/drawingml/2006/main" xmlns:r="http://schemas.openxmlformats.org/officeDocument/2006/relationships" xmlns:p="http://schemas.openxmlformats.org/presentationml/2006/main">
   <p:cSld>
     <p:spTree>
@@ -25775,547 +26596,6 @@
     <p:extLst>
       <p:ext uri="{BB962C8B-B14F-4D97-AF65-F5344CB8AC3E}">
         <p14:creationId xmlns:p14="http://schemas.microsoft.com/office/powerpoint/2010/main" val="35493437"/>
-      </p:ext>
-    </p:extLst>
-  </p:cSld>
-  <p:clrMapOvr>
-    <a:masterClrMapping/>
-  </p:clrMapOvr>
-  <p:timing>
-    <p:tnLst>
-      <p:par>
-        <p:cTn id="1" dur="indefinite" restart="never" nodeType="tmRoot"/>
-      </p:par>
-    </p:tnLst>
-  </p:timing>
-</p:sld>
-</file>
-
-<file path=ppt/slides/slide25.xml><?xml version="1.0" encoding="utf-8"?>
-<p:sld xmlns:a="http://schemas.openxmlformats.org/drawingml/2006/main" xmlns:r="http://schemas.openxmlformats.org/officeDocument/2006/relationships" xmlns:p="http://schemas.openxmlformats.org/presentationml/2006/main">
-  <p:cSld>
-    <p:spTree>
-      <p:nvGrpSpPr>
-        <p:cNvPr id="1" name=""/>
-        <p:cNvGrpSpPr/>
-        <p:nvPr/>
-      </p:nvGrpSpPr>
-      <p:grpSpPr>
-        <a:xfrm>
-          <a:off x="0" y="0"/>
-          <a:ext cx="0" cy="0"/>
-          <a:chOff x="0" y="0"/>
-          <a:chExt cx="0" cy="0"/>
-        </a:xfrm>
-      </p:grpSpPr>
-      <p:sp>
-        <p:nvSpPr>
-          <p:cNvPr id="3" name="タイトル 2"/>
-          <p:cNvSpPr>
-            <a:spLocks noGrp="1"/>
-          </p:cNvSpPr>
-          <p:nvPr>
-            <p:ph type="title"/>
-          </p:nvPr>
-        </p:nvSpPr>
-        <p:spPr>
-          <a:xfrm>
-            <a:off x="221598" y="219428"/>
-            <a:ext cx="6991371" cy="729386"/>
-          </a:xfrm>
-        </p:spPr>
-        <p:txBody>
-          <a:bodyPr>
-            <a:normAutofit fontScale="90000"/>
-          </a:bodyPr>
-          <a:lstStyle/>
-          <a:p>
-            <a:r>
-              <a:rPr lang="en-US" altLang="ja-JP" dirty="0"/>
-              <a:t>Mystery Guest</a:t>
-            </a:r>
-            <a:r>
-              <a:rPr lang="ja-JP" altLang="en-US" dirty="0"/>
-              <a:t> </a:t>
-            </a:r>
-            <a:r>
-              <a:rPr lang="en-US" altLang="ja-JP" dirty="0"/>
-              <a:t>(</a:t>
-            </a:r>
-            <a:r>
-              <a:rPr lang="ja-JP" altLang="en-US" dirty="0"/>
-              <a:t>ミステリー・ゲスト</a:t>
-            </a:r>
-            <a:r>
-              <a:rPr lang="en-US" altLang="ja-JP" dirty="0"/>
-              <a:t>)</a:t>
-            </a:r>
-            <a:endParaRPr kumimoji="1" lang="ja-JP" altLang="en-US" dirty="0"/>
-          </a:p>
-        </p:txBody>
-      </p:sp>
-      <p:sp>
-        <p:nvSpPr>
-          <p:cNvPr id="4" name="コンテンツ プレースホルダー 2"/>
-          <p:cNvSpPr>
-            <a:spLocks noGrp="1"/>
-          </p:cNvSpPr>
-          <p:nvPr>
-            <p:ph idx="1"/>
-          </p:nvPr>
-        </p:nvSpPr>
-        <p:spPr>
-          <a:xfrm>
-            <a:off x="838200" y="1467809"/>
-            <a:ext cx="10515600" cy="1746250"/>
-          </a:xfrm>
-        </p:spPr>
-        <p:txBody>
-          <a:bodyPr/>
-          <a:lstStyle/>
-          <a:p>
-            <a:r>
-              <a:rPr lang="ja-JP" altLang="en-US" b="1" dirty="0"/>
-              <a:t>テストメソッド内</a:t>
-            </a:r>
-            <a:r>
-              <a:rPr lang="ja-JP" altLang="en-US" b="1" dirty="0" smtClean="0"/>
-              <a:t>で、外部</a:t>
-            </a:r>
-            <a:r>
-              <a:rPr lang="ja-JP" altLang="en-US" b="1" dirty="0"/>
-              <a:t>リソースを利用</a:t>
-            </a:r>
-            <a:r>
-              <a:rPr lang="ja-JP" altLang="en-US" b="1" dirty="0" smtClean="0"/>
-              <a:t>する</a:t>
-            </a:r>
-            <a:endParaRPr lang="en-US" altLang="ja-JP" b="1" dirty="0" smtClean="0"/>
-          </a:p>
-          <a:p>
-            <a:pPr lvl="1"/>
-            <a:r>
-              <a:rPr lang="ja-JP" altLang="en-US" dirty="0"/>
-              <a:t>テストメソッド内だけでなく外部ファイルなど、外部リソースを使用すると見えない依存関係が生じる</a:t>
-            </a:r>
-          </a:p>
-          <a:p>
-            <a:pPr lvl="1"/>
-            <a:r>
-              <a:rPr lang="ja-JP" altLang="en-US" dirty="0"/>
-              <a:t>誰かが、外部ファイルを削除するとテストが失敗してしまう</a:t>
-            </a:r>
-          </a:p>
-          <a:p>
-            <a:pPr lvl="1"/>
-            <a:endParaRPr kumimoji="1" lang="ja-JP" altLang="en-US" dirty="0"/>
-          </a:p>
-        </p:txBody>
-      </p:sp>
-      <p:sp>
-        <p:nvSpPr>
-          <p:cNvPr id="5" name="Google Shape;137;p22"/>
-          <p:cNvSpPr/>
-          <p:nvPr/>
-        </p:nvSpPr>
-        <p:spPr>
-          <a:xfrm>
-            <a:off x="838200" y="3766728"/>
-            <a:ext cx="8374137" cy="2066706"/>
-          </a:xfrm>
-          <a:prstGeom prst="rect">
-            <a:avLst/>
-          </a:prstGeom>
-          <a:solidFill>
-            <a:srgbClr val="F3F3F3"/>
-          </a:solidFill>
-          <a:ln w="9525" cap="flat" cmpd="sng">
-            <a:solidFill>
-              <a:srgbClr val="595959"/>
-            </a:solidFill>
-            <a:prstDash val="solid"/>
-            <a:round/>
-            <a:headEnd type="none" w="sm" len="sm"/>
-            <a:tailEnd type="none" w="sm" len="sm"/>
-          </a:ln>
-        </p:spPr>
-        <p:txBody>
-          <a:bodyPr spcFirstLastPara="1" wrap="square" lIns="91425" tIns="91425" rIns="91425" bIns="91425" anchor="t" anchorCtr="0">
-            <a:noAutofit/>
-          </a:bodyPr>
-          <a:lstStyle/>
-          <a:p>
-            <a:pPr marL="0" lvl="0" indent="0" algn="l" rtl="0">
-              <a:lnSpc>
-                <a:spcPct val="115000"/>
-              </a:lnSpc>
-              <a:spcBef>
-                <a:spcPts val="0"/>
-              </a:spcBef>
-              <a:spcAft>
-                <a:spcPts val="0"/>
-              </a:spcAft>
-              <a:buClr>
-                <a:srgbClr val="000000"/>
-              </a:buClr>
-              <a:buSzPts val="1100"/>
-              <a:buFont typeface="Arial"/>
-              <a:buNone/>
-            </a:pPr>
-            <a:r>
-              <a:rPr lang="ja" b="1" dirty="0">
-                <a:solidFill>
-                  <a:srgbClr val="000000"/>
-                </a:solidFill>
-                <a:latin typeface="Consolas"/>
-                <a:ea typeface="Consolas"/>
-                <a:cs typeface="Consolas"/>
-                <a:sym typeface="Consolas"/>
-              </a:rPr>
-              <a:t>public void testPersistence() {</a:t>
-            </a:r>
-            <a:endParaRPr b="1" dirty="0">
-              <a:solidFill>
-                <a:srgbClr val="000000"/>
-              </a:solidFill>
-              <a:latin typeface="Consolas"/>
-              <a:ea typeface="Consolas"/>
-              <a:cs typeface="Consolas"/>
-              <a:sym typeface="Consolas"/>
-            </a:endParaRPr>
-          </a:p>
-          <a:p>
-            <a:pPr marL="0" lvl="0" indent="0" algn="l" rtl="0">
-              <a:lnSpc>
-                <a:spcPct val="115000"/>
-              </a:lnSpc>
-              <a:spcBef>
-                <a:spcPts val="0"/>
-              </a:spcBef>
-              <a:spcAft>
-                <a:spcPts val="0"/>
-              </a:spcAft>
-              <a:buClr>
-                <a:srgbClr val="000000"/>
-              </a:buClr>
-              <a:buSzPts val="1100"/>
-              <a:buFont typeface="Arial"/>
-              <a:buNone/>
-            </a:pPr>
-            <a:r>
-              <a:rPr lang="ja" b="1" dirty="0">
-                <a:solidFill>
-                  <a:srgbClr val="000000"/>
-                </a:solidFill>
-                <a:latin typeface="Consolas"/>
-                <a:ea typeface="Consolas"/>
-                <a:cs typeface="Consolas"/>
-                <a:sym typeface="Consolas"/>
-              </a:rPr>
-              <a:t>    .....   </a:t>
-            </a:r>
-            <a:endParaRPr b="1" dirty="0">
-              <a:solidFill>
-                <a:srgbClr val="000000"/>
-              </a:solidFill>
-              <a:latin typeface="Consolas"/>
-              <a:ea typeface="Consolas"/>
-              <a:cs typeface="Consolas"/>
-              <a:sym typeface="Consolas"/>
-            </a:endParaRPr>
-          </a:p>
-          <a:p>
-            <a:pPr marL="0" lvl="0" indent="0" algn="l" rtl="0">
-              <a:lnSpc>
-                <a:spcPct val="115000"/>
-              </a:lnSpc>
-              <a:spcBef>
-                <a:spcPts val="0"/>
-              </a:spcBef>
-              <a:spcAft>
-                <a:spcPts val="0"/>
-              </a:spcAft>
-              <a:buClr>
-                <a:srgbClr val="000000"/>
-              </a:buClr>
-              <a:buSzPts val="1100"/>
-              <a:buFont typeface="Arial"/>
-              <a:buNone/>
-            </a:pPr>
-            <a:r>
-              <a:rPr lang="ja" b="1" dirty="0">
-                <a:solidFill>
-                  <a:srgbClr val="000000"/>
-                </a:solidFill>
-                <a:latin typeface="Consolas"/>
-                <a:ea typeface="Consolas"/>
-                <a:cs typeface="Consolas"/>
-                <a:sym typeface="Consolas"/>
-              </a:rPr>
-              <a:t>    File tempFile = File.createTempFile("systemstate-", ".txt");</a:t>
-            </a:r>
-            <a:endParaRPr b="1" dirty="0">
-              <a:solidFill>
-                <a:srgbClr val="000000"/>
-              </a:solidFill>
-              <a:latin typeface="Consolas"/>
-              <a:ea typeface="Consolas"/>
-              <a:cs typeface="Consolas"/>
-              <a:sym typeface="Consolas"/>
-            </a:endParaRPr>
-          </a:p>
-          <a:p>
-            <a:pPr marL="0" lvl="0" indent="0" algn="l" rtl="0">
-              <a:lnSpc>
-                <a:spcPct val="115000"/>
-              </a:lnSpc>
-              <a:spcBef>
-                <a:spcPts val="0"/>
-              </a:spcBef>
-              <a:spcAft>
-                <a:spcPts val="0"/>
-              </a:spcAft>
-              <a:buClr>
-                <a:srgbClr val="000000"/>
-              </a:buClr>
-              <a:buSzPts val="1100"/>
-              <a:buFont typeface="Arial"/>
-              <a:buNone/>
-            </a:pPr>
-            <a:r>
-              <a:rPr lang="ja" b="1" dirty="0">
-                <a:solidFill>
-                  <a:srgbClr val="000000"/>
-                </a:solidFill>
-                <a:latin typeface="Consolas"/>
-                <a:ea typeface="Consolas"/>
-                <a:cs typeface="Consolas"/>
-                <a:sym typeface="Consolas"/>
-              </a:rPr>
-              <a:t>    .....</a:t>
-            </a:r>
-            <a:endParaRPr b="1" dirty="0">
-              <a:solidFill>
-                <a:srgbClr val="000000"/>
-              </a:solidFill>
-              <a:latin typeface="Consolas"/>
-              <a:ea typeface="Consolas"/>
-              <a:cs typeface="Consolas"/>
-              <a:sym typeface="Consolas"/>
-            </a:endParaRPr>
-          </a:p>
-          <a:p>
-            <a:pPr marL="0" lvl="0" indent="0" algn="l" rtl="0">
-              <a:lnSpc>
-                <a:spcPct val="115000"/>
-              </a:lnSpc>
-              <a:spcBef>
-                <a:spcPts val="0"/>
-              </a:spcBef>
-              <a:spcAft>
-                <a:spcPts val="0"/>
-              </a:spcAft>
-              <a:buClr>
-                <a:srgbClr val="000000"/>
-              </a:buClr>
-              <a:buSzPts val="1100"/>
-              <a:buFont typeface="Arial"/>
-              <a:buNone/>
-            </a:pPr>
-            <a:r>
-              <a:rPr lang="ja" b="1" dirty="0">
-                <a:solidFill>
-                  <a:srgbClr val="000000"/>
-                </a:solidFill>
-                <a:latin typeface="Consolas"/>
-                <a:ea typeface="Consolas"/>
-                <a:cs typeface="Consolas"/>
-                <a:sym typeface="Consolas"/>
-              </a:rPr>
-              <a:t>}</a:t>
-            </a:r>
-            <a:endParaRPr b="1" dirty="0">
-              <a:solidFill>
-                <a:srgbClr val="000000"/>
-              </a:solidFill>
-              <a:latin typeface="Consolas"/>
-              <a:ea typeface="Consolas"/>
-              <a:cs typeface="Consolas"/>
-              <a:sym typeface="Consolas"/>
-            </a:endParaRPr>
-          </a:p>
-          <a:p>
-            <a:pPr marL="0" lvl="0" indent="0" algn="l" rtl="0">
-              <a:lnSpc>
-                <a:spcPct val="115000"/>
-              </a:lnSpc>
-              <a:spcBef>
-                <a:spcPts val="0"/>
-              </a:spcBef>
-              <a:spcAft>
-                <a:spcPts val="0"/>
-              </a:spcAft>
-              <a:buClr>
-                <a:srgbClr val="000000"/>
-              </a:buClr>
-              <a:buSzPts val="1100"/>
-              <a:buFont typeface="Arial"/>
-              <a:buNone/>
-            </a:pPr>
-            <a:endParaRPr b="1" dirty="0">
-              <a:solidFill>
-                <a:srgbClr val="000000"/>
-              </a:solidFill>
-              <a:latin typeface="Consolas"/>
-              <a:ea typeface="Consolas"/>
-              <a:cs typeface="Consolas"/>
-              <a:sym typeface="Consolas"/>
-            </a:endParaRPr>
-          </a:p>
-        </p:txBody>
-      </p:sp>
-      <p:sp>
-        <p:nvSpPr>
-          <p:cNvPr id="6" name="Google Shape;138;p22"/>
-          <p:cNvSpPr/>
-          <p:nvPr/>
-        </p:nvSpPr>
-        <p:spPr>
-          <a:xfrm>
-            <a:off x="1341413" y="4488827"/>
-            <a:ext cx="7697812" cy="382581"/>
-          </a:xfrm>
-          <a:prstGeom prst="rect">
-            <a:avLst/>
-          </a:prstGeom>
-          <a:noFill/>
-          <a:ln w="28575" cap="flat" cmpd="sng">
-            <a:solidFill>
-              <a:srgbClr val="4A86E8"/>
-            </a:solidFill>
-            <a:prstDash val="solid"/>
-            <a:round/>
-            <a:headEnd type="none" w="sm" len="sm"/>
-            <a:tailEnd type="none" w="sm" len="sm"/>
-          </a:ln>
-        </p:spPr>
-        <p:txBody>
-          <a:bodyPr spcFirstLastPara="1" wrap="square" lIns="91425" tIns="91425" rIns="91425" bIns="91425" anchor="t" anchorCtr="0">
-            <a:noAutofit/>
-          </a:bodyPr>
-          <a:lstStyle/>
-          <a:p>
-            <a:pPr marL="0" lvl="0" indent="0" algn="l" rtl="0">
-              <a:spcBef>
-                <a:spcPts val="0"/>
-              </a:spcBef>
-              <a:spcAft>
-                <a:spcPts val="0"/>
-              </a:spcAft>
-              <a:buNone/>
-            </a:pPr>
-            <a:endParaRPr/>
-          </a:p>
-        </p:txBody>
-      </p:sp>
-      <p:sp>
-        <p:nvSpPr>
-          <p:cNvPr id="7" name="Google Shape;139;p22"/>
-          <p:cNvSpPr/>
-          <p:nvPr/>
-        </p:nvSpPr>
-        <p:spPr>
-          <a:xfrm>
-            <a:off x="7086600" y="3491543"/>
-            <a:ext cx="4600781" cy="743169"/>
-          </a:xfrm>
-          <a:prstGeom prst="wedgeRoundRectCallout">
-            <a:avLst>
-              <a:gd name="adj1" fmla="val -72835"/>
-              <a:gd name="adj2" fmla="val 94594"/>
-              <a:gd name="adj3" fmla="val 0"/>
-            </a:avLst>
-          </a:prstGeom>
-          <a:solidFill>
-            <a:srgbClr val="FFDD9C"/>
-          </a:solidFill>
-          <a:ln w="9525" cap="flat" cmpd="sng">
-            <a:solidFill>
-              <a:srgbClr val="FFC000"/>
-            </a:solidFill>
-            <a:prstDash val="solid"/>
-            <a:round/>
-            <a:headEnd type="none" w="sm" len="sm"/>
-            <a:tailEnd type="none" w="sm" len="sm"/>
-          </a:ln>
-        </p:spPr>
-        <p:txBody>
-          <a:bodyPr spcFirstLastPara="1" wrap="square" lIns="91425" tIns="91425" rIns="91425" bIns="91425" anchor="ctr" anchorCtr="0">
-            <a:noAutofit/>
-          </a:bodyPr>
-          <a:lstStyle/>
-          <a:p>
-            <a:pPr marL="0" lvl="0" indent="0" algn="l" rtl="0">
-              <a:spcBef>
-                <a:spcPts val="0"/>
-              </a:spcBef>
-              <a:spcAft>
-                <a:spcPts val="0"/>
-              </a:spcAft>
-              <a:buNone/>
-            </a:pPr>
-            <a:r>
-              <a:rPr lang="ja" b="1" dirty="0">
-                <a:solidFill>
-                  <a:srgbClr val="000000"/>
-                </a:solidFill>
-              </a:rPr>
-              <a:t>外部にファイルを生成</a:t>
-            </a:r>
-            <a:r>
-              <a:rPr lang="ja" b="1" dirty="0" smtClean="0">
-                <a:solidFill>
-                  <a:srgbClr val="000000"/>
-                </a:solidFill>
-              </a:rPr>
-              <a:t>し</a:t>
-            </a:r>
-            <a:r>
-              <a:rPr lang="ja-JP" altLang="en-US" b="1" dirty="0" err="1" smtClean="0">
-                <a:solidFill>
-                  <a:srgbClr val="000000"/>
-                </a:solidFill>
-              </a:rPr>
-              <a:t>、</a:t>
-            </a:r>
-            <a:r>
-              <a:rPr lang="ja" b="1" dirty="0" smtClean="0">
-                <a:solidFill>
-                  <a:srgbClr val="000000"/>
-                </a:solidFill>
-              </a:rPr>
-              <a:t>テストプロセス</a:t>
-            </a:r>
-            <a:r>
-              <a:rPr lang="ja" b="1" dirty="0">
-                <a:solidFill>
-                  <a:srgbClr val="000000"/>
-                </a:solidFill>
-              </a:rPr>
-              <a:t>で利用している</a:t>
-            </a:r>
-            <a:endParaRPr b="1" dirty="0">
-              <a:solidFill>
-                <a:srgbClr val="000000"/>
-              </a:solidFill>
-            </a:endParaRPr>
-          </a:p>
-        </p:txBody>
-      </p:sp>
-    </p:spTree>
-    <p:extLst>
-      <p:ext uri="{BB962C8B-B14F-4D97-AF65-F5344CB8AC3E}">
-        <p14:creationId xmlns:p14="http://schemas.microsoft.com/office/powerpoint/2010/main" val="1048154990"/>
       </p:ext>
     </p:extLst>
   </p:cSld>
@@ -26367,6 +26647,547 @@
         </p:spPr>
         <p:txBody>
           <a:bodyPr>
+            <a:normAutofit fontScale="90000"/>
+          </a:bodyPr>
+          <a:lstStyle/>
+          <a:p>
+            <a:r>
+              <a:rPr lang="en-US" altLang="ja-JP" dirty="0"/>
+              <a:t>Mystery Guest</a:t>
+            </a:r>
+            <a:r>
+              <a:rPr lang="ja-JP" altLang="en-US" dirty="0"/>
+              <a:t> </a:t>
+            </a:r>
+            <a:r>
+              <a:rPr lang="en-US" altLang="ja-JP" dirty="0"/>
+              <a:t>(</a:t>
+            </a:r>
+            <a:r>
+              <a:rPr lang="ja-JP" altLang="en-US" dirty="0"/>
+              <a:t>ミステリー・ゲスト</a:t>
+            </a:r>
+            <a:r>
+              <a:rPr lang="en-US" altLang="ja-JP" dirty="0"/>
+              <a:t>)</a:t>
+            </a:r>
+            <a:endParaRPr kumimoji="1" lang="ja-JP" altLang="en-US" dirty="0"/>
+          </a:p>
+        </p:txBody>
+      </p:sp>
+      <p:sp>
+        <p:nvSpPr>
+          <p:cNvPr id="4" name="コンテンツ プレースホルダー 2"/>
+          <p:cNvSpPr>
+            <a:spLocks noGrp="1"/>
+          </p:cNvSpPr>
+          <p:nvPr>
+            <p:ph idx="1"/>
+          </p:nvPr>
+        </p:nvSpPr>
+        <p:spPr>
+          <a:xfrm>
+            <a:off x="838200" y="1467809"/>
+            <a:ext cx="10515600" cy="1746250"/>
+          </a:xfrm>
+        </p:spPr>
+        <p:txBody>
+          <a:bodyPr/>
+          <a:lstStyle/>
+          <a:p>
+            <a:r>
+              <a:rPr lang="ja-JP" altLang="en-US" b="1" dirty="0"/>
+              <a:t>テストメソッド内</a:t>
+            </a:r>
+            <a:r>
+              <a:rPr lang="ja-JP" altLang="en-US" b="1" dirty="0" smtClean="0"/>
+              <a:t>で、外部</a:t>
+            </a:r>
+            <a:r>
+              <a:rPr lang="ja-JP" altLang="en-US" b="1" dirty="0"/>
+              <a:t>リソースを利用</a:t>
+            </a:r>
+            <a:r>
+              <a:rPr lang="ja-JP" altLang="en-US" b="1" dirty="0" smtClean="0"/>
+              <a:t>する</a:t>
+            </a:r>
+            <a:endParaRPr lang="en-US" altLang="ja-JP" b="1" dirty="0" smtClean="0"/>
+          </a:p>
+          <a:p>
+            <a:pPr lvl="1"/>
+            <a:r>
+              <a:rPr lang="ja-JP" altLang="en-US" dirty="0"/>
+              <a:t>テストメソッド内だけでなく外部ファイルなど、外部リソースを使用すると見えない依存関係が生じる</a:t>
+            </a:r>
+          </a:p>
+          <a:p>
+            <a:pPr lvl="1"/>
+            <a:r>
+              <a:rPr lang="ja-JP" altLang="en-US" dirty="0"/>
+              <a:t>誰かが、外部ファイルを削除するとテストが失敗してしまう</a:t>
+            </a:r>
+          </a:p>
+          <a:p>
+            <a:pPr lvl="1"/>
+            <a:endParaRPr kumimoji="1" lang="ja-JP" altLang="en-US" dirty="0"/>
+          </a:p>
+        </p:txBody>
+      </p:sp>
+      <p:sp>
+        <p:nvSpPr>
+          <p:cNvPr id="5" name="Google Shape;137;p22"/>
+          <p:cNvSpPr/>
+          <p:nvPr/>
+        </p:nvSpPr>
+        <p:spPr>
+          <a:xfrm>
+            <a:off x="838200" y="3766728"/>
+            <a:ext cx="8374137" cy="2066706"/>
+          </a:xfrm>
+          <a:prstGeom prst="rect">
+            <a:avLst/>
+          </a:prstGeom>
+          <a:solidFill>
+            <a:srgbClr val="F3F3F3"/>
+          </a:solidFill>
+          <a:ln w="9525" cap="flat" cmpd="sng">
+            <a:solidFill>
+              <a:srgbClr val="595959"/>
+            </a:solidFill>
+            <a:prstDash val="solid"/>
+            <a:round/>
+            <a:headEnd type="none" w="sm" len="sm"/>
+            <a:tailEnd type="none" w="sm" len="sm"/>
+          </a:ln>
+        </p:spPr>
+        <p:txBody>
+          <a:bodyPr spcFirstLastPara="1" wrap="square" lIns="91425" tIns="91425" rIns="91425" bIns="91425" anchor="t" anchorCtr="0">
+            <a:noAutofit/>
+          </a:bodyPr>
+          <a:lstStyle/>
+          <a:p>
+            <a:pPr marL="0" lvl="0" indent="0" algn="l" rtl="0">
+              <a:lnSpc>
+                <a:spcPct val="115000"/>
+              </a:lnSpc>
+              <a:spcBef>
+                <a:spcPts val="0"/>
+              </a:spcBef>
+              <a:spcAft>
+                <a:spcPts val="0"/>
+              </a:spcAft>
+              <a:buClr>
+                <a:srgbClr val="000000"/>
+              </a:buClr>
+              <a:buSzPts val="1100"/>
+              <a:buFont typeface="Arial"/>
+              <a:buNone/>
+            </a:pPr>
+            <a:r>
+              <a:rPr lang="ja" b="1" dirty="0">
+                <a:solidFill>
+                  <a:srgbClr val="000000"/>
+                </a:solidFill>
+                <a:latin typeface="Consolas"/>
+                <a:ea typeface="Consolas"/>
+                <a:cs typeface="Consolas"/>
+                <a:sym typeface="Consolas"/>
+              </a:rPr>
+              <a:t>public void testPersistence() {</a:t>
+            </a:r>
+            <a:endParaRPr b="1" dirty="0">
+              <a:solidFill>
+                <a:srgbClr val="000000"/>
+              </a:solidFill>
+              <a:latin typeface="Consolas"/>
+              <a:ea typeface="Consolas"/>
+              <a:cs typeface="Consolas"/>
+              <a:sym typeface="Consolas"/>
+            </a:endParaRPr>
+          </a:p>
+          <a:p>
+            <a:pPr marL="0" lvl="0" indent="0" algn="l" rtl="0">
+              <a:lnSpc>
+                <a:spcPct val="115000"/>
+              </a:lnSpc>
+              <a:spcBef>
+                <a:spcPts val="0"/>
+              </a:spcBef>
+              <a:spcAft>
+                <a:spcPts val="0"/>
+              </a:spcAft>
+              <a:buClr>
+                <a:srgbClr val="000000"/>
+              </a:buClr>
+              <a:buSzPts val="1100"/>
+              <a:buFont typeface="Arial"/>
+              <a:buNone/>
+            </a:pPr>
+            <a:r>
+              <a:rPr lang="ja" b="1" dirty="0">
+                <a:solidFill>
+                  <a:srgbClr val="000000"/>
+                </a:solidFill>
+                <a:latin typeface="Consolas"/>
+                <a:ea typeface="Consolas"/>
+                <a:cs typeface="Consolas"/>
+                <a:sym typeface="Consolas"/>
+              </a:rPr>
+              <a:t>    .....   </a:t>
+            </a:r>
+            <a:endParaRPr b="1" dirty="0">
+              <a:solidFill>
+                <a:srgbClr val="000000"/>
+              </a:solidFill>
+              <a:latin typeface="Consolas"/>
+              <a:ea typeface="Consolas"/>
+              <a:cs typeface="Consolas"/>
+              <a:sym typeface="Consolas"/>
+            </a:endParaRPr>
+          </a:p>
+          <a:p>
+            <a:pPr marL="0" lvl="0" indent="0" algn="l" rtl="0">
+              <a:lnSpc>
+                <a:spcPct val="115000"/>
+              </a:lnSpc>
+              <a:spcBef>
+                <a:spcPts val="0"/>
+              </a:spcBef>
+              <a:spcAft>
+                <a:spcPts val="0"/>
+              </a:spcAft>
+              <a:buClr>
+                <a:srgbClr val="000000"/>
+              </a:buClr>
+              <a:buSzPts val="1100"/>
+              <a:buFont typeface="Arial"/>
+              <a:buNone/>
+            </a:pPr>
+            <a:r>
+              <a:rPr lang="ja" b="1" dirty="0">
+                <a:solidFill>
+                  <a:srgbClr val="000000"/>
+                </a:solidFill>
+                <a:latin typeface="Consolas"/>
+                <a:ea typeface="Consolas"/>
+                <a:cs typeface="Consolas"/>
+                <a:sym typeface="Consolas"/>
+              </a:rPr>
+              <a:t>    File tempFile = File.createTempFile("systemstate-", ".txt");</a:t>
+            </a:r>
+            <a:endParaRPr b="1" dirty="0">
+              <a:solidFill>
+                <a:srgbClr val="000000"/>
+              </a:solidFill>
+              <a:latin typeface="Consolas"/>
+              <a:ea typeface="Consolas"/>
+              <a:cs typeface="Consolas"/>
+              <a:sym typeface="Consolas"/>
+            </a:endParaRPr>
+          </a:p>
+          <a:p>
+            <a:pPr marL="0" lvl="0" indent="0" algn="l" rtl="0">
+              <a:lnSpc>
+                <a:spcPct val="115000"/>
+              </a:lnSpc>
+              <a:spcBef>
+                <a:spcPts val="0"/>
+              </a:spcBef>
+              <a:spcAft>
+                <a:spcPts val="0"/>
+              </a:spcAft>
+              <a:buClr>
+                <a:srgbClr val="000000"/>
+              </a:buClr>
+              <a:buSzPts val="1100"/>
+              <a:buFont typeface="Arial"/>
+              <a:buNone/>
+            </a:pPr>
+            <a:r>
+              <a:rPr lang="ja" b="1" dirty="0">
+                <a:solidFill>
+                  <a:srgbClr val="000000"/>
+                </a:solidFill>
+                <a:latin typeface="Consolas"/>
+                <a:ea typeface="Consolas"/>
+                <a:cs typeface="Consolas"/>
+                <a:sym typeface="Consolas"/>
+              </a:rPr>
+              <a:t>    .....</a:t>
+            </a:r>
+            <a:endParaRPr b="1" dirty="0">
+              <a:solidFill>
+                <a:srgbClr val="000000"/>
+              </a:solidFill>
+              <a:latin typeface="Consolas"/>
+              <a:ea typeface="Consolas"/>
+              <a:cs typeface="Consolas"/>
+              <a:sym typeface="Consolas"/>
+            </a:endParaRPr>
+          </a:p>
+          <a:p>
+            <a:pPr marL="0" lvl="0" indent="0" algn="l" rtl="0">
+              <a:lnSpc>
+                <a:spcPct val="115000"/>
+              </a:lnSpc>
+              <a:spcBef>
+                <a:spcPts val="0"/>
+              </a:spcBef>
+              <a:spcAft>
+                <a:spcPts val="0"/>
+              </a:spcAft>
+              <a:buClr>
+                <a:srgbClr val="000000"/>
+              </a:buClr>
+              <a:buSzPts val="1100"/>
+              <a:buFont typeface="Arial"/>
+              <a:buNone/>
+            </a:pPr>
+            <a:r>
+              <a:rPr lang="ja" b="1" dirty="0">
+                <a:solidFill>
+                  <a:srgbClr val="000000"/>
+                </a:solidFill>
+                <a:latin typeface="Consolas"/>
+                <a:ea typeface="Consolas"/>
+                <a:cs typeface="Consolas"/>
+                <a:sym typeface="Consolas"/>
+              </a:rPr>
+              <a:t>}</a:t>
+            </a:r>
+            <a:endParaRPr b="1" dirty="0">
+              <a:solidFill>
+                <a:srgbClr val="000000"/>
+              </a:solidFill>
+              <a:latin typeface="Consolas"/>
+              <a:ea typeface="Consolas"/>
+              <a:cs typeface="Consolas"/>
+              <a:sym typeface="Consolas"/>
+            </a:endParaRPr>
+          </a:p>
+          <a:p>
+            <a:pPr marL="0" lvl="0" indent="0" algn="l" rtl="0">
+              <a:lnSpc>
+                <a:spcPct val="115000"/>
+              </a:lnSpc>
+              <a:spcBef>
+                <a:spcPts val="0"/>
+              </a:spcBef>
+              <a:spcAft>
+                <a:spcPts val="0"/>
+              </a:spcAft>
+              <a:buClr>
+                <a:srgbClr val="000000"/>
+              </a:buClr>
+              <a:buSzPts val="1100"/>
+              <a:buFont typeface="Arial"/>
+              <a:buNone/>
+            </a:pPr>
+            <a:endParaRPr b="1" dirty="0">
+              <a:solidFill>
+                <a:srgbClr val="000000"/>
+              </a:solidFill>
+              <a:latin typeface="Consolas"/>
+              <a:ea typeface="Consolas"/>
+              <a:cs typeface="Consolas"/>
+              <a:sym typeface="Consolas"/>
+            </a:endParaRPr>
+          </a:p>
+        </p:txBody>
+      </p:sp>
+      <p:sp>
+        <p:nvSpPr>
+          <p:cNvPr id="6" name="Google Shape;138;p22"/>
+          <p:cNvSpPr/>
+          <p:nvPr/>
+        </p:nvSpPr>
+        <p:spPr>
+          <a:xfrm>
+            <a:off x="1341413" y="4488827"/>
+            <a:ext cx="7697812" cy="382581"/>
+          </a:xfrm>
+          <a:prstGeom prst="rect">
+            <a:avLst/>
+          </a:prstGeom>
+          <a:noFill/>
+          <a:ln w="28575" cap="flat" cmpd="sng">
+            <a:solidFill>
+              <a:srgbClr val="4A86E8"/>
+            </a:solidFill>
+            <a:prstDash val="solid"/>
+            <a:round/>
+            <a:headEnd type="none" w="sm" len="sm"/>
+            <a:tailEnd type="none" w="sm" len="sm"/>
+          </a:ln>
+        </p:spPr>
+        <p:txBody>
+          <a:bodyPr spcFirstLastPara="1" wrap="square" lIns="91425" tIns="91425" rIns="91425" bIns="91425" anchor="t" anchorCtr="0">
+            <a:noAutofit/>
+          </a:bodyPr>
+          <a:lstStyle/>
+          <a:p>
+            <a:pPr marL="0" lvl="0" indent="0" algn="l" rtl="0">
+              <a:spcBef>
+                <a:spcPts val="0"/>
+              </a:spcBef>
+              <a:spcAft>
+                <a:spcPts val="0"/>
+              </a:spcAft>
+              <a:buNone/>
+            </a:pPr>
+            <a:endParaRPr/>
+          </a:p>
+        </p:txBody>
+      </p:sp>
+      <p:sp>
+        <p:nvSpPr>
+          <p:cNvPr id="7" name="Google Shape;139;p22"/>
+          <p:cNvSpPr/>
+          <p:nvPr/>
+        </p:nvSpPr>
+        <p:spPr>
+          <a:xfrm>
+            <a:off x="7086600" y="3491543"/>
+            <a:ext cx="4600781" cy="743169"/>
+          </a:xfrm>
+          <a:prstGeom prst="wedgeRoundRectCallout">
+            <a:avLst>
+              <a:gd name="adj1" fmla="val -72835"/>
+              <a:gd name="adj2" fmla="val 94594"/>
+              <a:gd name="adj3" fmla="val 0"/>
+            </a:avLst>
+          </a:prstGeom>
+          <a:solidFill>
+            <a:srgbClr val="FFDD9C"/>
+          </a:solidFill>
+          <a:ln w="9525" cap="flat" cmpd="sng">
+            <a:solidFill>
+              <a:srgbClr val="FFC000"/>
+            </a:solidFill>
+            <a:prstDash val="solid"/>
+            <a:round/>
+            <a:headEnd type="none" w="sm" len="sm"/>
+            <a:tailEnd type="none" w="sm" len="sm"/>
+          </a:ln>
+        </p:spPr>
+        <p:txBody>
+          <a:bodyPr spcFirstLastPara="1" wrap="square" lIns="91425" tIns="91425" rIns="91425" bIns="91425" anchor="ctr" anchorCtr="0">
+            <a:noAutofit/>
+          </a:bodyPr>
+          <a:lstStyle/>
+          <a:p>
+            <a:pPr marL="0" lvl="0" indent="0" algn="l" rtl="0">
+              <a:spcBef>
+                <a:spcPts val="0"/>
+              </a:spcBef>
+              <a:spcAft>
+                <a:spcPts val="0"/>
+              </a:spcAft>
+              <a:buNone/>
+            </a:pPr>
+            <a:r>
+              <a:rPr lang="ja" b="1" dirty="0">
+                <a:solidFill>
+                  <a:srgbClr val="000000"/>
+                </a:solidFill>
+              </a:rPr>
+              <a:t>外部にファイルを生成</a:t>
+            </a:r>
+            <a:r>
+              <a:rPr lang="ja" b="1" dirty="0" smtClean="0">
+                <a:solidFill>
+                  <a:srgbClr val="000000"/>
+                </a:solidFill>
+              </a:rPr>
+              <a:t>し</a:t>
+            </a:r>
+            <a:r>
+              <a:rPr lang="ja-JP" altLang="en-US" b="1" dirty="0" err="1" smtClean="0">
+                <a:solidFill>
+                  <a:srgbClr val="000000"/>
+                </a:solidFill>
+              </a:rPr>
+              <a:t>、</a:t>
+            </a:r>
+            <a:r>
+              <a:rPr lang="ja" b="1" dirty="0" smtClean="0">
+                <a:solidFill>
+                  <a:srgbClr val="000000"/>
+                </a:solidFill>
+              </a:rPr>
+              <a:t>テストプロセス</a:t>
+            </a:r>
+            <a:r>
+              <a:rPr lang="ja" b="1" dirty="0">
+                <a:solidFill>
+                  <a:srgbClr val="000000"/>
+                </a:solidFill>
+              </a:rPr>
+              <a:t>で利用している</a:t>
+            </a:r>
+            <a:endParaRPr b="1" dirty="0">
+              <a:solidFill>
+                <a:srgbClr val="000000"/>
+              </a:solidFill>
+            </a:endParaRPr>
+          </a:p>
+        </p:txBody>
+      </p:sp>
+    </p:spTree>
+    <p:extLst>
+      <p:ext uri="{BB962C8B-B14F-4D97-AF65-F5344CB8AC3E}">
+        <p14:creationId xmlns:p14="http://schemas.microsoft.com/office/powerpoint/2010/main" val="1048154990"/>
+      </p:ext>
+    </p:extLst>
+  </p:cSld>
+  <p:clrMapOvr>
+    <a:masterClrMapping/>
+  </p:clrMapOvr>
+  <p:timing>
+    <p:tnLst>
+      <p:par>
+        <p:cTn id="1" dur="indefinite" restart="never" nodeType="tmRoot"/>
+      </p:par>
+    </p:tnLst>
+  </p:timing>
+</p:sld>
+</file>
+
+<file path=ppt/slides/slide27.xml><?xml version="1.0" encoding="utf-8"?>
+<p:sld xmlns:a="http://schemas.openxmlformats.org/drawingml/2006/main" xmlns:r="http://schemas.openxmlformats.org/officeDocument/2006/relationships" xmlns:p="http://schemas.openxmlformats.org/presentationml/2006/main">
+  <p:cSld>
+    <p:spTree>
+      <p:nvGrpSpPr>
+        <p:cNvPr id="1" name=""/>
+        <p:cNvGrpSpPr/>
+        <p:nvPr/>
+      </p:nvGrpSpPr>
+      <p:grpSpPr>
+        <a:xfrm>
+          <a:off x="0" y="0"/>
+          <a:ext cx="0" cy="0"/>
+          <a:chOff x="0" y="0"/>
+          <a:chExt cx="0" cy="0"/>
+        </a:xfrm>
+      </p:grpSpPr>
+      <p:sp>
+        <p:nvSpPr>
+          <p:cNvPr id="3" name="タイトル 2"/>
+          <p:cNvSpPr>
+            <a:spLocks noGrp="1"/>
+          </p:cNvSpPr>
+          <p:nvPr>
+            <p:ph type="title"/>
+          </p:nvPr>
+        </p:nvSpPr>
+        <p:spPr>
+          <a:xfrm>
+            <a:off x="221598" y="219428"/>
+            <a:ext cx="6991371" cy="729386"/>
+          </a:xfrm>
+        </p:spPr>
+        <p:txBody>
+          <a:bodyPr>
             <a:normAutofit/>
           </a:bodyPr>
           <a:lstStyle/>
@@ -26919,7 +27740,7 @@
 </p:sld>
 </file>
 
-<file path=ppt/slides/slide27.xml><?xml version="1.0" encoding="utf-8"?>
+<file path=ppt/slides/slide28.xml><?xml version="1.0" encoding="utf-8"?>
 <p:sld xmlns:a="http://schemas.openxmlformats.org/drawingml/2006/main" xmlns:r="http://schemas.openxmlformats.org/officeDocument/2006/relationships" xmlns:p="http://schemas.openxmlformats.org/presentationml/2006/main">
   <p:cSld>
     <p:spTree>
@@ -28028,7 +28849,7 @@
 </p:sld>
 </file>
 
-<file path=ppt/slides/slide28.xml><?xml version="1.0" encoding="utf-8"?>
+<file path=ppt/slides/slide29.xml><?xml version="1.0" encoding="utf-8"?>
 <p:sld xmlns:a="http://schemas.openxmlformats.org/drawingml/2006/main" xmlns:r="http://schemas.openxmlformats.org/officeDocument/2006/relationships" xmlns:p="http://schemas.openxmlformats.org/presentationml/2006/main">
   <p:cSld>
     <p:spTree>
@@ -28377,7 +29198,23 @@
                   <a:schemeClr val="tx2"/>
                 </a:solidFill>
               </a:rPr>
-              <a:t> - a code-to-code search engine. In Proceedings of the International Conference on Software Engineering (ICSE), pages 946–957, 2018.</a:t>
+              <a:t> - a code-to-code search engine. In </a:t>
+            </a:r>
+            <a:r>
+              <a:rPr lang="en-US" altLang="ja-JP" sz="1400" i="1" dirty="0">
+                <a:solidFill>
+                  <a:schemeClr val="tx2"/>
+                </a:solidFill>
+              </a:rPr>
+              <a:t>Proceedings of the International Conference on Software Engineering (ICSE), </a:t>
+            </a:r>
+            <a:r>
+              <a:rPr lang="en-US" altLang="ja-JP" sz="1400" dirty="0">
+                <a:solidFill>
+                  <a:schemeClr val="tx2"/>
+                </a:solidFill>
+              </a:rPr>
+              <a:t>pages 946–957, 2018.</a:t>
             </a:r>
           </a:p>
         </p:txBody>
@@ -28386,284 +29223,6 @@
     <p:extLst>
       <p:ext uri="{BB962C8B-B14F-4D97-AF65-F5344CB8AC3E}">
         <p14:creationId xmlns:p14="http://schemas.microsoft.com/office/powerpoint/2010/main" val="1766140946"/>
-      </p:ext>
-    </p:extLst>
-  </p:cSld>
-  <p:clrMapOvr>
-    <a:masterClrMapping/>
-  </p:clrMapOvr>
-  <p:timing>
-    <p:tnLst>
-      <p:par>
-        <p:cTn id="1" dur="indefinite" restart="never" nodeType="tmRoot"/>
-      </p:par>
-    </p:tnLst>
-  </p:timing>
-</p:sld>
-</file>
-
-<file path=ppt/slides/slide29.xml><?xml version="1.0" encoding="utf-8"?>
-<p:sld xmlns:a="http://schemas.openxmlformats.org/drawingml/2006/main" xmlns:r="http://schemas.openxmlformats.org/officeDocument/2006/relationships" xmlns:p="http://schemas.openxmlformats.org/presentationml/2006/main">
-  <p:cSld>
-    <p:spTree>
-      <p:nvGrpSpPr>
-        <p:cNvPr id="1" name=""/>
-        <p:cNvGrpSpPr/>
-        <p:nvPr/>
-      </p:nvGrpSpPr>
-      <p:grpSpPr>
-        <a:xfrm>
-          <a:off x="0" y="0"/>
-          <a:ext cx="0" cy="0"/>
-          <a:chOff x="0" y="0"/>
-          <a:chExt cx="0" cy="0"/>
-        </a:xfrm>
-      </p:grpSpPr>
-      <p:sp>
-        <p:nvSpPr>
-          <p:cNvPr id="3" name="タイトル 2"/>
-          <p:cNvSpPr>
-            <a:spLocks noGrp="1"/>
-          </p:cNvSpPr>
-          <p:nvPr>
-            <p:ph type="title"/>
-          </p:nvPr>
-        </p:nvSpPr>
-        <p:spPr/>
-        <p:txBody>
-          <a:bodyPr/>
-          <a:lstStyle/>
-          <a:p>
-            <a:r>
-              <a:rPr lang="ja-JP" altLang="en-US" dirty="0"/>
-              <a:t>テスト</a:t>
-            </a:r>
-            <a:r>
-              <a:rPr kumimoji="1" lang="ja-JP" altLang="en-US" dirty="0" smtClean="0"/>
-              <a:t>コードデータベース</a:t>
-            </a:r>
-            <a:endParaRPr kumimoji="1" lang="ja-JP" altLang="en-US" dirty="0"/>
-          </a:p>
-        </p:txBody>
-      </p:sp>
-      <p:sp>
-        <p:nvSpPr>
-          <p:cNvPr id="4" name="フローチャート: 磁気ディスク 3"/>
-          <p:cNvSpPr/>
-          <p:nvPr/>
-        </p:nvSpPr>
-        <p:spPr>
-          <a:xfrm>
-            <a:off x="1680309" y="1414585"/>
-            <a:ext cx="8628184" cy="4400061"/>
-          </a:xfrm>
-          <a:prstGeom prst="flowChartMagneticDisk">
-            <a:avLst/>
-          </a:prstGeom>
-        </p:spPr>
-        <p:style>
-          <a:lnRef idx="2">
-            <a:schemeClr val="accent1"/>
-          </a:lnRef>
-          <a:fillRef idx="1">
-            <a:schemeClr val="lt1"/>
-          </a:fillRef>
-          <a:effectRef idx="0">
-            <a:schemeClr val="accent1"/>
-          </a:effectRef>
-          <a:fontRef idx="minor">
-            <a:schemeClr val="dk1"/>
-          </a:fontRef>
-        </p:style>
-        <p:txBody>
-          <a:bodyPr rtlCol="0" anchor="ctr"/>
-          <a:lstStyle/>
-          <a:p>
-            <a:pPr algn="ctr"/>
-            <a:endParaRPr kumimoji="1" lang="ja-JP" altLang="en-US" dirty="0"/>
-          </a:p>
-        </p:txBody>
-      </p:sp>
-      <p:sp>
-        <p:nvSpPr>
-          <p:cNvPr id="5" name="テキスト ボックス 4"/>
-          <p:cNvSpPr txBox="1"/>
-          <p:nvPr/>
-        </p:nvSpPr>
-        <p:spPr>
-          <a:xfrm>
-            <a:off x="2715846" y="1750092"/>
-            <a:ext cx="6775940" cy="830997"/>
-          </a:xfrm>
-          <a:prstGeom prst="rect">
-            <a:avLst/>
-          </a:prstGeom>
-          <a:noFill/>
-        </p:spPr>
-        <p:txBody>
-          <a:bodyPr wrap="square" rtlCol="0">
-            <a:spAutoFit/>
-          </a:bodyPr>
-          <a:lstStyle/>
-          <a:p>
-            <a:r>
-              <a:rPr lang="ja-JP" altLang="en-US" sz="2400" b="1" dirty="0" smtClean="0">
-                <a:latin typeface="メイリオ" panose="020B0604030504040204" pitchFamily="50" charset="-128"/>
-                <a:ea typeface="メイリオ" panose="020B0604030504040204" pitchFamily="50" charset="-128"/>
-              </a:rPr>
-              <a:t>ソースコードデータベースに格納されている</a:t>
-            </a:r>
-            <a:r>
-              <a:rPr lang="en-US" altLang="ja-JP" sz="2400" b="1" dirty="0" smtClean="0">
-                <a:latin typeface="メイリオ" panose="020B0604030504040204" pitchFamily="50" charset="-128"/>
-                <a:ea typeface="メイリオ" panose="020B0604030504040204" pitchFamily="50" charset="-128"/>
-              </a:rPr>
-              <a:t/>
-            </a:r>
-            <a:br>
-              <a:rPr lang="en-US" altLang="ja-JP" sz="2400" b="1" dirty="0" smtClean="0">
-                <a:latin typeface="メイリオ" panose="020B0604030504040204" pitchFamily="50" charset="-128"/>
-                <a:ea typeface="メイリオ" panose="020B0604030504040204" pitchFamily="50" charset="-128"/>
-              </a:rPr>
-            </a:br>
-            <a:r>
-              <a:rPr lang="ja-JP" altLang="en-US" sz="2400" b="1" dirty="0" smtClean="0">
-                <a:latin typeface="メイリオ" panose="020B0604030504040204" pitchFamily="50" charset="-128"/>
-                <a:ea typeface="メイリオ" panose="020B0604030504040204" pitchFamily="50" charset="-128"/>
-              </a:rPr>
-              <a:t>プロダクションコードに対応するテストコード</a:t>
-            </a:r>
-            <a:endParaRPr lang="ja-JP" altLang="en-US" sz="2400" b="1" dirty="0">
-              <a:latin typeface="メイリオ" panose="020B0604030504040204" pitchFamily="50" charset="-128"/>
-              <a:ea typeface="メイリオ" panose="020B0604030504040204" pitchFamily="50" charset="-128"/>
-            </a:endParaRPr>
-          </a:p>
-        </p:txBody>
-      </p:sp>
-      <p:sp>
-        <p:nvSpPr>
-          <p:cNvPr id="7" name="テキスト ボックス 6"/>
-          <p:cNvSpPr txBox="1"/>
-          <p:nvPr/>
-        </p:nvSpPr>
-        <p:spPr>
-          <a:xfrm>
-            <a:off x="2094524" y="3043705"/>
-            <a:ext cx="8018584" cy="2308324"/>
-          </a:xfrm>
-          <a:prstGeom prst="rect">
-            <a:avLst/>
-          </a:prstGeom>
-          <a:noFill/>
-        </p:spPr>
-        <p:txBody>
-          <a:bodyPr wrap="square" rtlCol="0">
-            <a:spAutoFit/>
-          </a:bodyPr>
-          <a:lstStyle/>
-          <a:p>
-            <a:r>
-              <a:rPr lang="ja-JP" altLang="en-US" sz="2400" dirty="0" smtClean="0">
-                <a:latin typeface="メイリオ" panose="020B0604030504040204" pitchFamily="50" charset="-128"/>
-                <a:ea typeface="メイリオ" panose="020B0604030504040204" pitchFamily="50" charset="-128"/>
-              </a:rPr>
-              <a:t>再利用対象のテストコードとして</a:t>
-            </a:r>
-            <a:r>
-              <a:rPr lang="ja-JP" altLang="en-US" sz="2400" dirty="0">
-                <a:latin typeface="メイリオ" panose="020B0604030504040204" pitchFamily="50" charset="-128"/>
-                <a:ea typeface="メイリオ" panose="020B0604030504040204" pitchFamily="50" charset="-128"/>
-              </a:rPr>
-              <a:t>相応</a:t>
-            </a:r>
-            <a:r>
-              <a:rPr lang="ja-JP" altLang="en-US" sz="2400" dirty="0" smtClean="0">
-                <a:latin typeface="メイリオ" panose="020B0604030504040204" pitchFamily="50" charset="-128"/>
-                <a:ea typeface="メイリオ" panose="020B0604030504040204" pitchFamily="50" charset="-128"/>
-              </a:rPr>
-              <a:t>しくない、以下のテストスメルを含むテストコードは</a:t>
-            </a:r>
-            <a:r>
-              <a:rPr lang="en-US" altLang="ja-JP" sz="2400" dirty="0" smtClean="0">
-                <a:latin typeface="メイリオ" panose="020B0604030504040204" pitchFamily="50" charset="-128"/>
-                <a:ea typeface="メイリオ" panose="020B0604030504040204" pitchFamily="50" charset="-128"/>
-              </a:rPr>
-              <a:t>TDB</a:t>
-            </a:r>
-            <a:r>
-              <a:rPr lang="ja-JP" altLang="en-US" sz="2400" dirty="0" smtClean="0">
-                <a:latin typeface="メイリオ" panose="020B0604030504040204" pitchFamily="50" charset="-128"/>
-                <a:ea typeface="メイリオ" panose="020B0604030504040204" pitchFamily="50" charset="-128"/>
-              </a:rPr>
-              <a:t>から除去される</a:t>
-            </a:r>
-            <a:endParaRPr lang="en-US" altLang="ja-JP" sz="2400" dirty="0" smtClean="0">
-              <a:latin typeface="メイリオ" panose="020B0604030504040204" pitchFamily="50" charset="-128"/>
-              <a:ea typeface="メイリオ" panose="020B0604030504040204" pitchFamily="50" charset="-128"/>
-            </a:endParaRPr>
-          </a:p>
-          <a:p>
-            <a:pPr marL="800100" lvl="1" indent="-342900">
-              <a:buFont typeface="Arial" panose="020B0604020202020204" pitchFamily="34" charset="0"/>
-              <a:buChar char="•"/>
-            </a:pPr>
-            <a:r>
-              <a:rPr kumimoji="1" lang="en-US" altLang="ja-JP" sz="2400" dirty="0" smtClean="0">
-                <a:latin typeface="メイリオ" panose="020B0604030504040204" pitchFamily="50" charset="-128"/>
-                <a:ea typeface="メイリオ" panose="020B0604030504040204" pitchFamily="50" charset="-128"/>
-              </a:rPr>
-              <a:t>Empty Test</a:t>
-            </a:r>
-          </a:p>
-          <a:p>
-            <a:pPr marL="800100" lvl="1" indent="-342900">
-              <a:buFont typeface="Arial" panose="020B0604020202020204" pitchFamily="34" charset="0"/>
-              <a:buChar char="•"/>
-            </a:pPr>
-            <a:r>
-              <a:rPr lang="en-US" altLang="ja-JP" sz="2400" dirty="0" smtClean="0">
-                <a:latin typeface="メイリオ" panose="020B0604030504040204" pitchFamily="50" charset="-128"/>
-                <a:ea typeface="メイリオ" panose="020B0604030504040204" pitchFamily="50" charset="-128"/>
-              </a:rPr>
-              <a:t>Ignored Test</a:t>
-            </a:r>
-          </a:p>
-          <a:p>
-            <a:pPr marL="800100" lvl="1" indent="-342900">
-              <a:buFont typeface="Arial" panose="020B0604020202020204" pitchFamily="34" charset="0"/>
-              <a:buChar char="•"/>
-            </a:pPr>
-            <a:r>
-              <a:rPr kumimoji="1" lang="en-US" altLang="ja-JP" sz="2400" dirty="0" smtClean="0">
-                <a:latin typeface="メイリオ" panose="020B0604030504040204" pitchFamily="50" charset="-128"/>
-                <a:ea typeface="メイリオ" panose="020B0604030504040204" pitchFamily="50" charset="-128"/>
-              </a:rPr>
-              <a:t>Redundant Assertion</a:t>
-            </a:r>
-          </a:p>
-          <a:p>
-            <a:pPr marL="800100" lvl="1" indent="-342900">
-              <a:buFont typeface="Arial" panose="020B0604020202020204" pitchFamily="34" charset="0"/>
-              <a:buChar char="•"/>
-            </a:pPr>
-            <a:r>
-              <a:rPr lang="en-US" altLang="ja-JP" sz="2400" dirty="0" smtClean="0">
-                <a:latin typeface="メイリオ" panose="020B0604030504040204" pitchFamily="50" charset="-128"/>
-                <a:ea typeface="メイリオ" panose="020B0604030504040204" pitchFamily="50" charset="-128"/>
-              </a:rPr>
-              <a:t>Unknown Test	</a:t>
-            </a:r>
-            <a:endParaRPr kumimoji="1" lang="en-US" altLang="ja-JP" sz="2400" dirty="0" smtClean="0">
-              <a:latin typeface="メイリオ" panose="020B0604030504040204" pitchFamily="50" charset="-128"/>
-              <a:ea typeface="メイリオ" panose="020B0604030504040204" pitchFamily="50" charset="-128"/>
-            </a:endParaRPr>
-          </a:p>
-        </p:txBody>
-      </p:sp>
-    </p:spTree>
-    <p:extLst>
-      <p:ext uri="{BB962C8B-B14F-4D97-AF65-F5344CB8AC3E}">
-        <p14:creationId xmlns:p14="http://schemas.microsoft.com/office/powerpoint/2010/main" val="403907528"/>
       </p:ext>
     </p:extLst>
   </p:cSld>
@@ -29091,6 +29650,284 @@
 </file>
 
 <file path=ppt/slides/slide30.xml><?xml version="1.0" encoding="utf-8"?>
+<p:sld xmlns:a="http://schemas.openxmlformats.org/drawingml/2006/main" xmlns:r="http://schemas.openxmlformats.org/officeDocument/2006/relationships" xmlns:p="http://schemas.openxmlformats.org/presentationml/2006/main">
+  <p:cSld>
+    <p:spTree>
+      <p:nvGrpSpPr>
+        <p:cNvPr id="1" name=""/>
+        <p:cNvGrpSpPr/>
+        <p:nvPr/>
+      </p:nvGrpSpPr>
+      <p:grpSpPr>
+        <a:xfrm>
+          <a:off x="0" y="0"/>
+          <a:ext cx="0" cy="0"/>
+          <a:chOff x="0" y="0"/>
+          <a:chExt cx="0" cy="0"/>
+        </a:xfrm>
+      </p:grpSpPr>
+      <p:sp>
+        <p:nvSpPr>
+          <p:cNvPr id="3" name="タイトル 2"/>
+          <p:cNvSpPr>
+            <a:spLocks noGrp="1"/>
+          </p:cNvSpPr>
+          <p:nvPr>
+            <p:ph type="title"/>
+          </p:nvPr>
+        </p:nvSpPr>
+        <p:spPr/>
+        <p:txBody>
+          <a:bodyPr/>
+          <a:lstStyle/>
+          <a:p>
+            <a:r>
+              <a:rPr lang="ja-JP" altLang="en-US" dirty="0"/>
+              <a:t>テスト</a:t>
+            </a:r>
+            <a:r>
+              <a:rPr kumimoji="1" lang="ja-JP" altLang="en-US" dirty="0" smtClean="0"/>
+              <a:t>コードデータベース</a:t>
+            </a:r>
+            <a:endParaRPr kumimoji="1" lang="ja-JP" altLang="en-US" dirty="0"/>
+          </a:p>
+        </p:txBody>
+      </p:sp>
+      <p:sp>
+        <p:nvSpPr>
+          <p:cNvPr id="4" name="フローチャート: 磁気ディスク 3"/>
+          <p:cNvSpPr/>
+          <p:nvPr/>
+        </p:nvSpPr>
+        <p:spPr>
+          <a:xfrm>
+            <a:off x="1680309" y="1414585"/>
+            <a:ext cx="8628184" cy="4400061"/>
+          </a:xfrm>
+          <a:prstGeom prst="flowChartMagneticDisk">
+            <a:avLst/>
+          </a:prstGeom>
+        </p:spPr>
+        <p:style>
+          <a:lnRef idx="2">
+            <a:schemeClr val="accent1"/>
+          </a:lnRef>
+          <a:fillRef idx="1">
+            <a:schemeClr val="lt1"/>
+          </a:fillRef>
+          <a:effectRef idx="0">
+            <a:schemeClr val="accent1"/>
+          </a:effectRef>
+          <a:fontRef idx="minor">
+            <a:schemeClr val="dk1"/>
+          </a:fontRef>
+        </p:style>
+        <p:txBody>
+          <a:bodyPr rtlCol="0" anchor="ctr"/>
+          <a:lstStyle/>
+          <a:p>
+            <a:pPr algn="ctr"/>
+            <a:endParaRPr kumimoji="1" lang="ja-JP" altLang="en-US" dirty="0"/>
+          </a:p>
+        </p:txBody>
+      </p:sp>
+      <p:sp>
+        <p:nvSpPr>
+          <p:cNvPr id="5" name="テキスト ボックス 4"/>
+          <p:cNvSpPr txBox="1"/>
+          <p:nvPr/>
+        </p:nvSpPr>
+        <p:spPr>
+          <a:xfrm>
+            <a:off x="2715846" y="1750092"/>
+            <a:ext cx="6775940" cy="830997"/>
+          </a:xfrm>
+          <a:prstGeom prst="rect">
+            <a:avLst/>
+          </a:prstGeom>
+          <a:noFill/>
+        </p:spPr>
+        <p:txBody>
+          <a:bodyPr wrap="square" rtlCol="0">
+            <a:spAutoFit/>
+          </a:bodyPr>
+          <a:lstStyle/>
+          <a:p>
+            <a:r>
+              <a:rPr lang="ja-JP" altLang="en-US" sz="2400" b="1" dirty="0" smtClean="0">
+                <a:latin typeface="メイリオ" panose="020B0604030504040204" pitchFamily="50" charset="-128"/>
+                <a:ea typeface="メイリオ" panose="020B0604030504040204" pitchFamily="50" charset="-128"/>
+              </a:rPr>
+              <a:t>ソースコードデータベースに格納されている</a:t>
+            </a:r>
+            <a:r>
+              <a:rPr lang="en-US" altLang="ja-JP" sz="2400" b="1" dirty="0" smtClean="0">
+                <a:latin typeface="メイリオ" panose="020B0604030504040204" pitchFamily="50" charset="-128"/>
+                <a:ea typeface="メイリオ" panose="020B0604030504040204" pitchFamily="50" charset="-128"/>
+              </a:rPr>
+              <a:t/>
+            </a:r>
+            <a:br>
+              <a:rPr lang="en-US" altLang="ja-JP" sz="2400" b="1" dirty="0" smtClean="0">
+                <a:latin typeface="メイリオ" panose="020B0604030504040204" pitchFamily="50" charset="-128"/>
+                <a:ea typeface="メイリオ" panose="020B0604030504040204" pitchFamily="50" charset="-128"/>
+              </a:rPr>
+            </a:br>
+            <a:r>
+              <a:rPr lang="ja-JP" altLang="en-US" sz="2400" b="1" dirty="0" smtClean="0">
+                <a:latin typeface="メイリオ" panose="020B0604030504040204" pitchFamily="50" charset="-128"/>
+                <a:ea typeface="メイリオ" panose="020B0604030504040204" pitchFamily="50" charset="-128"/>
+              </a:rPr>
+              <a:t>プロダクションコードに対応するテストコード</a:t>
+            </a:r>
+            <a:endParaRPr lang="ja-JP" altLang="en-US" sz="2400" b="1" dirty="0">
+              <a:latin typeface="メイリオ" panose="020B0604030504040204" pitchFamily="50" charset="-128"/>
+              <a:ea typeface="メイリオ" panose="020B0604030504040204" pitchFamily="50" charset="-128"/>
+            </a:endParaRPr>
+          </a:p>
+        </p:txBody>
+      </p:sp>
+      <p:sp>
+        <p:nvSpPr>
+          <p:cNvPr id="7" name="テキスト ボックス 6"/>
+          <p:cNvSpPr txBox="1"/>
+          <p:nvPr/>
+        </p:nvSpPr>
+        <p:spPr>
+          <a:xfrm>
+            <a:off x="2094524" y="3043705"/>
+            <a:ext cx="8018584" cy="2308324"/>
+          </a:xfrm>
+          <a:prstGeom prst="rect">
+            <a:avLst/>
+          </a:prstGeom>
+          <a:noFill/>
+        </p:spPr>
+        <p:txBody>
+          <a:bodyPr wrap="square" rtlCol="0">
+            <a:spAutoFit/>
+          </a:bodyPr>
+          <a:lstStyle/>
+          <a:p>
+            <a:r>
+              <a:rPr lang="ja-JP" altLang="en-US" sz="2400" dirty="0" smtClean="0">
+                <a:latin typeface="メイリオ" panose="020B0604030504040204" pitchFamily="50" charset="-128"/>
+                <a:ea typeface="メイリオ" panose="020B0604030504040204" pitchFamily="50" charset="-128"/>
+              </a:rPr>
+              <a:t>再利用対象のテストコードとして</a:t>
+            </a:r>
+            <a:r>
+              <a:rPr lang="ja-JP" altLang="en-US" sz="2400" dirty="0">
+                <a:latin typeface="メイリオ" panose="020B0604030504040204" pitchFamily="50" charset="-128"/>
+                <a:ea typeface="メイリオ" panose="020B0604030504040204" pitchFamily="50" charset="-128"/>
+              </a:rPr>
+              <a:t>相応</a:t>
+            </a:r>
+            <a:r>
+              <a:rPr lang="ja-JP" altLang="en-US" sz="2400" dirty="0" smtClean="0">
+                <a:latin typeface="メイリオ" panose="020B0604030504040204" pitchFamily="50" charset="-128"/>
+                <a:ea typeface="メイリオ" panose="020B0604030504040204" pitchFamily="50" charset="-128"/>
+              </a:rPr>
+              <a:t>しくない、以下のテストスメルを含むテストコードは</a:t>
+            </a:r>
+            <a:r>
+              <a:rPr lang="en-US" altLang="ja-JP" sz="2400" dirty="0" smtClean="0">
+                <a:latin typeface="メイリオ" panose="020B0604030504040204" pitchFamily="50" charset="-128"/>
+                <a:ea typeface="メイリオ" panose="020B0604030504040204" pitchFamily="50" charset="-128"/>
+              </a:rPr>
+              <a:t>TDB</a:t>
+            </a:r>
+            <a:r>
+              <a:rPr lang="ja-JP" altLang="en-US" sz="2400" dirty="0" smtClean="0">
+                <a:latin typeface="メイリオ" panose="020B0604030504040204" pitchFamily="50" charset="-128"/>
+                <a:ea typeface="メイリオ" panose="020B0604030504040204" pitchFamily="50" charset="-128"/>
+              </a:rPr>
+              <a:t>から除去される</a:t>
+            </a:r>
+            <a:endParaRPr lang="en-US" altLang="ja-JP" sz="2400" dirty="0" smtClean="0">
+              <a:latin typeface="メイリオ" panose="020B0604030504040204" pitchFamily="50" charset="-128"/>
+              <a:ea typeface="メイリオ" panose="020B0604030504040204" pitchFamily="50" charset="-128"/>
+            </a:endParaRPr>
+          </a:p>
+          <a:p>
+            <a:pPr marL="800100" lvl="1" indent="-342900">
+              <a:buFont typeface="Arial" panose="020B0604020202020204" pitchFamily="34" charset="0"/>
+              <a:buChar char="•"/>
+            </a:pPr>
+            <a:r>
+              <a:rPr kumimoji="1" lang="en-US" altLang="ja-JP" sz="2400" dirty="0" smtClean="0">
+                <a:latin typeface="メイリオ" panose="020B0604030504040204" pitchFamily="50" charset="-128"/>
+                <a:ea typeface="メイリオ" panose="020B0604030504040204" pitchFamily="50" charset="-128"/>
+              </a:rPr>
+              <a:t>Empty Test</a:t>
+            </a:r>
+          </a:p>
+          <a:p>
+            <a:pPr marL="800100" lvl="1" indent="-342900">
+              <a:buFont typeface="Arial" panose="020B0604020202020204" pitchFamily="34" charset="0"/>
+              <a:buChar char="•"/>
+            </a:pPr>
+            <a:r>
+              <a:rPr lang="en-US" altLang="ja-JP" sz="2400" dirty="0" smtClean="0">
+                <a:latin typeface="メイリオ" panose="020B0604030504040204" pitchFamily="50" charset="-128"/>
+                <a:ea typeface="メイリオ" panose="020B0604030504040204" pitchFamily="50" charset="-128"/>
+              </a:rPr>
+              <a:t>Ignored Test</a:t>
+            </a:r>
+          </a:p>
+          <a:p>
+            <a:pPr marL="800100" lvl="1" indent="-342900">
+              <a:buFont typeface="Arial" panose="020B0604020202020204" pitchFamily="34" charset="0"/>
+              <a:buChar char="•"/>
+            </a:pPr>
+            <a:r>
+              <a:rPr kumimoji="1" lang="en-US" altLang="ja-JP" sz="2400" dirty="0" smtClean="0">
+                <a:latin typeface="メイリオ" panose="020B0604030504040204" pitchFamily="50" charset="-128"/>
+                <a:ea typeface="メイリオ" panose="020B0604030504040204" pitchFamily="50" charset="-128"/>
+              </a:rPr>
+              <a:t>Redundant Assertion</a:t>
+            </a:r>
+          </a:p>
+          <a:p>
+            <a:pPr marL="800100" lvl="1" indent="-342900">
+              <a:buFont typeface="Arial" panose="020B0604020202020204" pitchFamily="34" charset="0"/>
+              <a:buChar char="•"/>
+            </a:pPr>
+            <a:r>
+              <a:rPr lang="en-US" altLang="ja-JP" sz="2400" dirty="0" smtClean="0">
+                <a:latin typeface="メイリオ" panose="020B0604030504040204" pitchFamily="50" charset="-128"/>
+                <a:ea typeface="メイリオ" panose="020B0604030504040204" pitchFamily="50" charset="-128"/>
+              </a:rPr>
+              <a:t>Unknown Test	</a:t>
+            </a:r>
+            <a:endParaRPr kumimoji="1" lang="en-US" altLang="ja-JP" sz="2400" dirty="0" smtClean="0">
+              <a:latin typeface="メイリオ" panose="020B0604030504040204" pitchFamily="50" charset="-128"/>
+              <a:ea typeface="メイリオ" panose="020B0604030504040204" pitchFamily="50" charset="-128"/>
+            </a:endParaRPr>
+          </a:p>
+        </p:txBody>
+      </p:sp>
+    </p:spTree>
+    <p:extLst>
+      <p:ext uri="{BB962C8B-B14F-4D97-AF65-F5344CB8AC3E}">
+        <p14:creationId xmlns:p14="http://schemas.microsoft.com/office/powerpoint/2010/main" val="403907528"/>
+      </p:ext>
+    </p:extLst>
+  </p:cSld>
+  <p:clrMapOvr>
+    <a:masterClrMapping/>
+  </p:clrMapOvr>
+  <p:timing>
+    <p:tnLst>
+      <p:par>
+        <p:cTn id="1" dur="indefinite" restart="never" nodeType="tmRoot"/>
+      </p:par>
+    </p:tnLst>
+  </p:timing>
+</p:sld>
+</file>
+
+<file path=ppt/slides/slide31.xml><?xml version="1.0" encoding="utf-8"?>
 <p:sld xmlns:a="http://schemas.openxmlformats.org/drawingml/2006/main" xmlns:r="http://schemas.openxmlformats.org/officeDocument/2006/relationships" xmlns:p="http://schemas.openxmlformats.org/presentationml/2006/main">
   <p:cSld>
     <p:spTree>
@@ -29809,7 +30646,7 @@
 </p:sld>
 </file>
 
-<file path=ppt/slides/slide31.xml><?xml version="1.0" encoding="utf-8"?>
+<file path=ppt/slides/slide32.xml><?xml version="1.0" encoding="utf-8"?>
 <p:sld xmlns:a="http://schemas.openxmlformats.org/drawingml/2006/main" xmlns:r="http://schemas.openxmlformats.org/officeDocument/2006/relationships" xmlns:p="http://schemas.openxmlformats.org/presentationml/2006/main">
   <p:cSld>
     <p:spTree>
@@ -31001,7 +31838,7 @@
 </p:sld>
 </file>
 
-<file path=ppt/slides/slide32.xml><?xml version="1.0" encoding="utf-8"?>
+<file path=ppt/slides/slide33.xml><?xml version="1.0" encoding="utf-8"?>
 <p:sld xmlns:a="http://schemas.openxmlformats.org/drawingml/2006/main" xmlns:r="http://schemas.openxmlformats.org/officeDocument/2006/relationships" xmlns:p="http://schemas.openxmlformats.org/presentationml/2006/main">
   <p:cSld>
     <p:spTree>
@@ -32010,7 +32847,7 @@
 </p:sld>
 </file>
 
-<file path=ppt/slides/slide33.xml><?xml version="1.0" encoding="utf-8"?>
+<file path=ppt/slides/slide34.xml><?xml version="1.0" encoding="utf-8"?>
 <p:sld xmlns:a="http://schemas.openxmlformats.org/drawingml/2006/main" xmlns:r="http://schemas.openxmlformats.org/officeDocument/2006/relationships" xmlns:p="http://schemas.openxmlformats.org/presentationml/2006/main">
   <p:cSld>
     <p:spTree>
@@ -32204,7 +33041,7 @@
 </p:sld>
 </file>
 
-<file path=ppt/slides/slide34.xml><?xml version="1.0" encoding="utf-8"?>
+<file path=ppt/slides/slide35.xml><?xml version="1.0" encoding="utf-8"?>
 <p:sld xmlns:a="http://schemas.openxmlformats.org/drawingml/2006/main" xmlns:r="http://schemas.openxmlformats.org/officeDocument/2006/relationships" xmlns:p="http://schemas.openxmlformats.org/presentationml/2006/main">
   <p:cSld>
     <p:spTree>
@@ -33282,7 +34119,7 @@
 </p:sld>
 </file>
 
-<file path=ppt/slides/slide35.xml><?xml version="1.0" encoding="utf-8"?>
+<file path=ppt/slides/slide36.xml><?xml version="1.0" encoding="utf-8"?>
 <p:sld xmlns:a="http://schemas.openxmlformats.org/drawingml/2006/main" xmlns:r="http://schemas.openxmlformats.org/officeDocument/2006/relationships" xmlns:p="http://schemas.openxmlformats.org/presentationml/2006/main">
   <p:cSld>
     <p:spTree>
@@ -33526,7 +34363,7 @@
 </p:sld>
 </file>
 
-<file path=ppt/slides/slide36.xml><?xml version="1.0" encoding="utf-8"?>
+<file path=ppt/slides/slide37.xml><?xml version="1.0" encoding="utf-8"?>
 <p:sld xmlns:a="http://schemas.openxmlformats.org/drawingml/2006/main" xmlns:r="http://schemas.openxmlformats.org/officeDocument/2006/relationships" xmlns:p="http://schemas.openxmlformats.org/presentationml/2006/main">
   <p:cSld>
     <p:spTree>
@@ -33604,8 +34441,8 @@
               </a:buClr>
             </a:pPr>
             <a:r>
-              <a:rPr lang="en-US" altLang="ja-JP" dirty="0"/>
-              <a:t>Zhang[1]</a:t>
+              <a:rPr lang="en-US" altLang="ja-JP" dirty="0" smtClean="0"/>
+              <a:t>Zhang[8]</a:t>
             </a:r>
             <a:r>
               <a:rPr lang="ja-JP" altLang="en-US" dirty="0" smtClean="0"/>
@@ -33661,7 +34498,7 @@
             </a:r>
             <a:r>
               <a:rPr lang="en-US" altLang="ja-JP" dirty="0" smtClean="0"/>
-              <a:t>[2]</a:t>
+              <a:t>[9]</a:t>
             </a:r>
             <a:r>
               <a:rPr lang="ja-JP" altLang="en-US" dirty="0" smtClean="0"/>
@@ -33841,8 +34678,8 @@
         </p:nvSpPr>
         <p:spPr bwMode="auto">
           <a:xfrm>
-            <a:off x="221598" y="6069745"/>
-            <a:ext cx="10939585" cy="461665"/>
+            <a:off x="838200" y="6073901"/>
+            <a:ext cx="10015526" cy="430887"/>
           </a:xfrm>
           <a:prstGeom prst="rect">
             <a:avLst/>
@@ -33876,7 +34713,7 @@
               <a:defRPr/>
             </a:pPr>
             <a:r>
-              <a:rPr lang="en-US" altLang="ja-JP" sz="1200" dirty="0" smtClean="0">
+              <a:rPr lang="en-US" altLang="ja-JP" sz="1100" dirty="0" smtClean="0">
                 <a:solidFill>
                   <a:schemeClr val="tx2"/>
                 </a:solidFill>
@@ -33884,31 +34721,47 @@
               <a:t>[8] T</a:t>
             </a:r>
             <a:r>
-              <a:rPr lang="en-US" altLang="ja-JP" sz="1200" dirty="0">
+              <a:rPr lang="en-US" altLang="ja-JP" sz="1100" dirty="0">
                 <a:solidFill>
                   <a:schemeClr val="tx2"/>
                 </a:solidFill>
               </a:rPr>
-              <a:t>. Zhang and M. Kim. Automated transplantation and diﬀerential testing for clones. Proc. of </a:t>
-            </a:r>
-            <a:r>
-              <a:rPr lang="en-US" altLang="ja-JP" sz="1200" dirty="0" smtClean="0">
+              <a:t>. Zhang and M. Kim. Automated transplantation and diﬀerential testing for clones. </a:t>
+            </a:r>
+            <a:r>
+              <a:rPr lang="en-US" altLang="ja-JP" sz="1100" i="1" dirty="0">
                 <a:solidFill>
                   <a:schemeClr val="tx2"/>
                 </a:solidFill>
               </a:rPr>
-              <a:t>ICSE, </a:t>
-            </a:r>
-            <a:r>
-              <a:rPr lang="en-US" altLang="ja-JP" sz="1200" dirty="0">
+              <a:t>Proc. of </a:t>
+            </a:r>
+            <a:r>
+              <a:rPr lang="en-US" altLang="ja-JP" sz="1100" i="1" dirty="0" smtClean="0">
                 <a:solidFill>
                   <a:schemeClr val="tx2"/>
                 </a:solidFill>
               </a:rPr>
+              <a:t>ICSE</a:t>
+            </a:r>
+            <a:r>
+              <a:rPr lang="en-US" altLang="ja-JP" sz="1100" dirty="0" smtClean="0">
+                <a:solidFill>
+                  <a:schemeClr val="tx2"/>
+                </a:solidFill>
+              </a:rPr>
+              <a:t>, </a:t>
+            </a:r>
+            <a:r>
+              <a:rPr lang="en-US" altLang="ja-JP" sz="1100" dirty="0">
+                <a:solidFill>
+                  <a:schemeClr val="tx2"/>
+                </a:solidFill>
+              </a:rPr>
               <a:t>pages 665–676, 2017</a:t>
             </a:r>
             <a:r>
-              <a:rPr lang="en-US" altLang="ja-JP" sz="1200" dirty="0" smtClean="0">
+              <a:rPr lang="en-US" altLang="ja-JP" sz="1100" dirty="0" smtClean="0">
                 <a:solidFill>
                   <a:schemeClr val="tx2"/>
                 </a:solidFill>
@@ -33921,7 +34774,7 @@
               <a:defRPr/>
             </a:pPr>
             <a:r>
-              <a:rPr lang="en-US" altLang="ja-JP" sz="1200" dirty="0" smtClean="0">
+              <a:rPr lang="en-US" altLang="ja-JP" sz="1100" dirty="0" smtClean="0">
                 <a:solidFill>
                   <a:schemeClr val="tx2"/>
                 </a:solidFill>
@@ -33929,7 +34782,7 @@
               <a:t>[9] </a:t>
             </a:r>
             <a:r>
-              <a:rPr lang="en-US" altLang="ja-JP" sz="1200" dirty="0">
+              <a:rPr lang="en-US" altLang="ja-JP" sz="1100" dirty="0">
                 <a:solidFill>
                   <a:schemeClr val="tx2"/>
                 </a:solidFill>
@@ -33937,7 +34790,7 @@
               <a:t>S. </a:t>
             </a:r>
             <a:r>
-              <a:rPr lang="en-US" altLang="ja-JP" sz="1200" dirty="0" err="1">
+              <a:rPr lang="en-US" altLang="ja-JP" sz="1100" dirty="0" err="1">
                 <a:solidFill>
                   <a:schemeClr val="tx2"/>
                 </a:solidFill>
@@ -33945,22 +34798,38 @@
               <a:t>Makady</a:t>
             </a:r>
             <a:r>
-              <a:rPr lang="en-US" altLang="ja-JP" sz="1200" dirty="0">
+              <a:rPr lang="en-US" altLang="ja-JP" sz="1100" dirty="0">
                 <a:solidFill>
                   <a:schemeClr val="tx2"/>
                 </a:solidFill>
               </a:rPr>
-              <a:t> and R. Walker. Validating pragmatic reuse tasks by leveraging existing test suites. Software: Practice and Experience, 43:1039–1070, 2013</a:t>
-            </a:r>
-            <a:r>
-              <a:rPr lang="en-US" altLang="ja-JP" sz="1200" dirty="0" smtClean="0">
+              <a:t> and R. Walker. Validating pragmatic reuse tasks by leveraging existing test suites. </a:t>
+            </a:r>
+            <a:r>
+              <a:rPr lang="en-US" altLang="ja-JP" sz="1100" i="1" dirty="0">
                 <a:solidFill>
                   <a:schemeClr val="tx2"/>
                 </a:solidFill>
               </a:rPr>
+              <a:t>Software: Practice and Experience</a:t>
+            </a:r>
+            <a:r>
+              <a:rPr lang="en-US" altLang="ja-JP" sz="1100" dirty="0">
+                <a:solidFill>
+                  <a:schemeClr val="tx2"/>
+                </a:solidFill>
+              </a:rPr>
+              <a:t>, 43:1039–1070, 2013</a:t>
+            </a:r>
+            <a:r>
+              <a:rPr lang="en-US" altLang="ja-JP" sz="1100" dirty="0" smtClean="0">
+                <a:solidFill>
+                  <a:schemeClr val="tx2"/>
+                </a:solidFill>
+              </a:rPr>
               <a:t>.</a:t>
             </a:r>
-            <a:endParaRPr lang="en-US" altLang="ja-JP" sz="1200" dirty="0">
+            <a:endParaRPr lang="en-US" altLang="ja-JP" sz="1100" dirty="0">
               <a:solidFill>
                 <a:schemeClr val="tx2"/>
               </a:solidFill>
@@ -33988,7 +34857,7 @@
 </p:sld>
 </file>
 
-<file path=ppt/slides/slide37.xml><?xml version="1.0" encoding="utf-8"?>
+<file path=ppt/slides/slide38.xml><?xml version="1.0" encoding="utf-8"?>
 <p:sld xmlns:a="http://schemas.openxmlformats.org/drawingml/2006/main" xmlns:r="http://schemas.openxmlformats.org/officeDocument/2006/relationships" xmlns:p="http://schemas.openxmlformats.org/presentationml/2006/main">
   <p:cSld>
     <p:spTree>
@@ -34966,7 +35835,7 @@
 </p:sld>
 </file>
 
-<file path=ppt/slides/slide38.xml><?xml version="1.0" encoding="utf-8"?>
+<file path=ppt/slides/slide39.xml><?xml version="1.0" encoding="utf-8"?>
 <p:sld xmlns:a="http://schemas.openxmlformats.org/drawingml/2006/main" xmlns:r="http://schemas.openxmlformats.org/officeDocument/2006/relationships" xmlns:p="http://schemas.openxmlformats.org/presentationml/2006/main">
   <p:cSld>
     <p:spTree>
@@ -36140,7 +37009,484 @@
 </p:sld>
 </file>
 
-<file path=ppt/slides/slide39.xml><?xml version="1.0" encoding="utf-8"?>
+<file path=ppt/slides/slide4.xml><?xml version="1.0" encoding="utf-8"?>
+<p:sld xmlns:a="http://schemas.openxmlformats.org/drawingml/2006/main" xmlns:r="http://schemas.openxmlformats.org/officeDocument/2006/relationships" xmlns:p="http://schemas.openxmlformats.org/presentationml/2006/main">
+  <p:cSld>
+    <p:spTree>
+      <p:nvGrpSpPr>
+        <p:cNvPr id="1" name=""/>
+        <p:cNvGrpSpPr/>
+        <p:nvPr/>
+      </p:nvGrpSpPr>
+      <p:grpSpPr>
+        <a:xfrm>
+          <a:off x="0" y="0"/>
+          <a:ext cx="0" cy="0"/>
+          <a:chOff x="0" y="0"/>
+          <a:chExt cx="0" cy="0"/>
+        </a:xfrm>
+      </p:grpSpPr>
+      <p:sp>
+        <p:nvSpPr>
+          <p:cNvPr id="2" name="タイトル 1"/>
+          <p:cNvSpPr>
+            <a:spLocks noGrp="1"/>
+          </p:cNvSpPr>
+          <p:nvPr>
+            <p:ph type="title"/>
+          </p:nvPr>
+        </p:nvSpPr>
+        <p:spPr>
+          <a:xfrm>
+            <a:off x="192102" y="219428"/>
+            <a:ext cx="5608931" cy="729386"/>
+          </a:xfrm>
+        </p:spPr>
+        <p:txBody>
+          <a:bodyPr/>
+          <a:lstStyle/>
+          <a:p>
+            <a:r>
+              <a:rPr kumimoji="1" lang="ja-JP" altLang="en-US" dirty="0" smtClean="0">
+                <a:solidFill>
+                  <a:schemeClr val="bg1"/>
+                </a:solidFill>
+              </a:rPr>
+              <a:t>自動生成ツールにおける課題</a:t>
+            </a:r>
+            <a:endParaRPr kumimoji="1" lang="ja-JP" altLang="en-US" dirty="0">
+              <a:solidFill>
+                <a:schemeClr val="bg1"/>
+              </a:solidFill>
+            </a:endParaRPr>
+          </a:p>
+        </p:txBody>
+      </p:sp>
+      <p:sp>
+        <p:nvSpPr>
+          <p:cNvPr id="4" name="コンテンツ プレースホルダー 2"/>
+          <p:cNvSpPr>
+            <a:spLocks noGrp="1"/>
+          </p:cNvSpPr>
+          <p:nvPr>
+            <p:ph idx="1"/>
+          </p:nvPr>
+        </p:nvSpPr>
+        <p:spPr>
+          <a:xfrm>
+            <a:off x="913333" y="1409665"/>
+            <a:ext cx="10601150" cy="3559023"/>
+          </a:xfrm>
+        </p:spPr>
+        <p:txBody>
+          <a:bodyPr>
+            <a:normAutofit/>
+          </a:bodyPr>
+          <a:lstStyle/>
+          <a:p>
+            <a:pPr marL="0" indent="0">
+              <a:buNone/>
+            </a:pPr>
+            <a:r>
+              <a:rPr lang="ja-JP" altLang="en-US" sz="3000" dirty="0"/>
+              <a:t>自動生成されたテストコード</a:t>
+            </a:r>
+            <a:r>
+              <a:rPr lang="ja-JP" altLang="en-US" sz="3000" dirty="0" smtClean="0"/>
+              <a:t>は、保守</a:t>
+            </a:r>
+            <a:r>
+              <a:rPr lang="ja-JP" altLang="en-US" sz="3000" dirty="0"/>
+              <a:t>作業を困難にする</a:t>
+            </a:r>
+            <a:r>
+              <a:rPr lang="en-US" altLang="ja-JP" sz="3000" dirty="0" smtClean="0"/>
+              <a:t>[2]</a:t>
+            </a:r>
+          </a:p>
+          <a:p>
+            <a:pPr lvl="1"/>
+            <a:endParaRPr lang="en-US" altLang="ja-JP" sz="800" dirty="0"/>
+          </a:p>
+          <a:p>
+            <a:pPr lvl="1"/>
+            <a:r>
+              <a:rPr lang="ja-JP" altLang="en-US" sz="2800" dirty="0" smtClean="0"/>
+              <a:t>対象コードの</a:t>
+            </a:r>
+            <a:r>
+              <a:rPr lang="ja-JP" altLang="en-US" sz="2800" dirty="0" smtClean="0">
+                <a:solidFill>
+                  <a:srgbClr val="FF0000"/>
+                </a:solidFill>
+              </a:rPr>
+              <a:t>作成経緯</a:t>
+            </a:r>
+            <a:r>
+              <a:rPr lang="ja-JP" altLang="en-US" sz="2800" dirty="0">
+                <a:solidFill>
+                  <a:srgbClr val="FF0000"/>
+                </a:solidFill>
+              </a:rPr>
+              <a:t>や意図に基づいて生成されて</a:t>
+            </a:r>
+            <a:r>
+              <a:rPr lang="ja-JP" altLang="en-US" sz="2800" dirty="0" smtClean="0">
+                <a:solidFill>
+                  <a:srgbClr val="FF0000"/>
+                </a:solidFill>
+              </a:rPr>
+              <a:t>いない</a:t>
+            </a:r>
+            <a:r>
+              <a:rPr lang="en-US" altLang="ja-JP" sz="2800" dirty="0" smtClean="0">
+                <a:solidFill>
+                  <a:srgbClr val="FF0000"/>
+                </a:solidFill>
+              </a:rPr>
+              <a:t/>
+            </a:r>
+            <a:br>
+              <a:rPr lang="en-US" altLang="ja-JP" sz="2800" dirty="0" smtClean="0">
+                <a:solidFill>
+                  <a:srgbClr val="FF0000"/>
+                </a:solidFill>
+              </a:rPr>
+            </a:br>
+            <a:endParaRPr lang="en-US" altLang="ja-JP" sz="600" dirty="0"/>
+          </a:p>
+          <a:p>
+            <a:pPr lvl="1"/>
+            <a:r>
+              <a:rPr lang="ja-JP" altLang="en-US" sz="2800" dirty="0" smtClean="0"/>
+              <a:t>テストコードの保守に悪影響を与える</a:t>
+            </a:r>
+            <a:r>
+              <a:rPr lang="ja-JP" altLang="en-US" sz="2800" dirty="0" smtClean="0">
+                <a:solidFill>
+                  <a:srgbClr val="FF0000"/>
+                </a:solidFill>
+              </a:rPr>
+              <a:t>テストスメルが多い</a:t>
+            </a:r>
+            <a:endParaRPr lang="en-US" altLang="ja-JP" sz="2800" dirty="0">
+              <a:solidFill>
+                <a:srgbClr val="FF0000"/>
+              </a:solidFill>
+            </a:endParaRPr>
+          </a:p>
+          <a:p>
+            <a:pPr lvl="1"/>
+            <a:endParaRPr lang="en-US" altLang="ja-JP" sz="2800" dirty="0" smtClean="0">
+              <a:solidFill>
+                <a:srgbClr val="FF0000"/>
+              </a:solidFill>
+            </a:endParaRPr>
+          </a:p>
+          <a:p>
+            <a:pPr lvl="1"/>
+            <a:endParaRPr lang="en-US" altLang="ja-JP" sz="1400" dirty="0" smtClean="0">
+              <a:solidFill>
+                <a:srgbClr val="FF0000"/>
+              </a:solidFill>
+            </a:endParaRPr>
+          </a:p>
+          <a:p>
+            <a:pPr marL="457200" lvl="1" indent="0">
+              <a:buNone/>
+            </a:pPr>
+            <a:r>
+              <a:rPr lang="ja-JP" altLang="en-US" sz="2800" dirty="0" smtClean="0"/>
+              <a:t>　　　　　</a:t>
+            </a:r>
+            <a:r>
+              <a:rPr lang="ja-JP" altLang="en-US" sz="2800" u="sng" dirty="0" smtClean="0"/>
+              <a:t>テスト</a:t>
+            </a:r>
+            <a:r>
+              <a:rPr lang="ja-JP" altLang="en-US" sz="2800" u="sng" dirty="0"/>
+              <a:t>失敗</a:t>
+            </a:r>
+            <a:r>
+              <a:rPr lang="ja-JP" altLang="en-US" sz="2800" u="sng" dirty="0" smtClean="0"/>
+              <a:t>の原因を特定するのが難しい</a:t>
+            </a:r>
+            <a:endParaRPr lang="ja-JP" altLang="en-US" sz="2800" u="sng" dirty="0"/>
+          </a:p>
+          <a:p>
+            <a:pPr lvl="1"/>
+            <a:endParaRPr lang="en-US" altLang="ja-JP" sz="2800" dirty="0">
+              <a:solidFill>
+                <a:srgbClr val="FF0000"/>
+              </a:solidFill>
+            </a:endParaRPr>
+          </a:p>
+          <a:p>
+            <a:pPr lvl="1"/>
+            <a:endParaRPr lang="ja-JP" altLang="en-US" sz="2800" dirty="0" smtClean="0">
+              <a:solidFill>
+                <a:srgbClr val="FF0000"/>
+              </a:solidFill>
+            </a:endParaRPr>
+          </a:p>
+          <a:p>
+            <a:pPr marL="457200" lvl="1" indent="0">
+              <a:buNone/>
+            </a:pPr>
+            <a:endParaRPr lang="en-US" altLang="ja-JP" sz="2800" dirty="0"/>
+          </a:p>
+          <a:p>
+            <a:pPr lvl="1"/>
+            <a:endParaRPr kumimoji="1" lang="ja-JP" altLang="en-US" dirty="0"/>
+          </a:p>
+        </p:txBody>
+      </p:sp>
+      <p:sp>
+        <p:nvSpPr>
+          <p:cNvPr id="5" name="Rectangle 4"/>
+          <p:cNvSpPr>
+            <a:spLocks noChangeArrowheads="1"/>
+          </p:cNvSpPr>
+          <p:nvPr/>
+        </p:nvSpPr>
+        <p:spPr bwMode="auto">
+          <a:xfrm>
+            <a:off x="1043518" y="5981522"/>
+            <a:ext cx="10078064" cy="461665"/>
+          </a:xfrm>
+          <a:prstGeom prst="rect">
+            <a:avLst/>
+          </a:prstGeom>
+          <a:ln>
+            <a:headEnd/>
+            <a:tailEnd/>
+          </a:ln>
+        </p:spPr>
+        <p:style>
+          <a:lnRef idx="2">
+            <a:schemeClr val="dk1"/>
+          </a:lnRef>
+          <a:fillRef idx="1">
+            <a:schemeClr val="lt1"/>
+          </a:fillRef>
+          <a:effectRef idx="0">
+            <a:schemeClr val="dk1"/>
+          </a:effectRef>
+          <a:fontRef idx="minor">
+            <a:schemeClr val="dk1"/>
+          </a:fontRef>
+        </p:style>
+        <p:txBody>
+          <a:bodyPr wrap="square">
+            <a:spAutoFit/>
+          </a:bodyPr>
+          <a:lstStyle/>
+          <a:p>
+            <a:pPr>
+              <a:defRPr/>
+            </a:pPr>
+            <a:r>
+              <a:rPr lang="en-US" altLang="ja-JP" sz="1200" dirty="0" smtClean="0">
+                <a:solidFill>
+                  <a:schemeClr val="tx2"/>
+                </a:solidFill>
+              </a:rPr>
+              <a:t>[2] </a:t>
+            </a:r>
+            <a:r>
+              <a:rPr lang="en-US" altLang="ja-JP" sz="1200" dirty="0" smtClean="0">
+                <a:solidFill>
+                  <a:schemeClr val="tx2"/>
+                </a:solidFill>
+              </a:rPr>
+              <a:t>S</a:t>
+            </a:r>
+            <a:r>
+              <a:rPr lang="en-US" altLang="ja-JP" sz="1200" dirty="0">
+                <a:solidFill>
+                  <a:schemeClr val="tx2"/>
+                </a:solidFill>
+              </a:rPr>
+              <a:t>. </a:t>
+            </a:r>
+            <a:r>
+              <a:rPr lang="en-US" altLang="ja-JP" sz="1200" dirty="0" err="1">
+                <a:solidFill>
+                  <a:schemeClr val="tx2"/>
+                </a:solidFill>
+              </a:rPr>
+              <a:t>Shamshiri</a:t>
+            </a:r>
+            <a:r>
+              <a:rPr lang="en-US" altLang="ja-JP" sz="1200" dirty="0">
+                <a:solidFill>
+                  <a:schemeClr val="tx2"/>
+                </a:solidFill>
+              </a:rPr>
+              <a:t>, J. M. Rojas, J. P. </a:t>
+            </a:r>
+            <a:r>
+              <a:rPr lang="en-US" altLang="ja-JP" sz="1200" dirty="0" err="1">
+                <a:solidFill>
+                  <a:schemeClr val="tx2"/>
+                </a:solidFill>
+              </a:rPr>
+              <a:t>Galeotti</a:t>
+            </a:r>
+            <a:r>
+              <a:rPr lang="en-US" altLang="ja-JP" sz="1200" dirty="0">
+                <a:solidFill>
+                  <a:schemeClr val="tx2"/>
+                </a:solidFill>
+              </a:rPr>
+              <a:t>, N. Walkinshaw, and G. Fraser. How do automatically generated unit tests inﬂuence software maintenance? In </a:t>
+            </a:r>
+            <a:r>
+              <a:rPr lang="en-US" altLang="ja-JP" sz="1200" i="1" dirty="0">
+                <a:solidFill>
+                  <a:schemeClr val="tx2"/>
+                </a:solidFill>
+              </a:rPr>
+              <a:t>Proceedings of the International Conference on Software Testing, Veriﬁcation and Validation (ICST)</a:t>
+            </a:r>
+            <a:r>
+              <a:rPr lang="en-US" altLang="ja-JP" sz="1200" dirty="0">
+                <a:solidFill>
+                  <a:schemeClr val="tx2"/>
+                </a:solidFill>
+              </a:rPr>
+              <a:t>, pages 250–261, 2018..</a:t>
+            </a:r>
+            <a:endParaRPr lang="en-US" altLang="ja-JP" sz="1200" dirty="0">
+              <a:solidFill>
+                <a:schemeClr val="tx2"/>
+              </a:solidFill>
+            </a:endParaRPr>
+          </a:p>
+        </p:txBody>
+      </p:sp>
+      <p:sp>
+        <p:nvSpPr>
+          <p:cNvPr id="6" name="フローチャート: 組合せ 5"/>
+          <p:cNvSpPr/>
+          <p:nvPr/>
+        </p:nvSpPr>
+        <p:spPr>
+          <a:xfrm>
+            <a:off x="4118742" y="3136669"/>
+            <a:ext cx="3927616" cy="411133"/>
+          </a:xfrm>
+          <a:prstGeom prst="flowChartMerge">
+            <a:avLst/>
+          </a:prstGeom>
+          <a:ln/>
+        </p:spPr>
+        <p:style>
+          <a:lnRef idx="1">
+            <a:schemeClr val="accent3"/>
+          </a:lnRef>
+          <a:fillRef idx="2">
+            <a:schemeClr val="accent3"/>
+          </a:fillRef>
+          <a:effectRef idx="1">
+            <a:schemeClr val="accent3"/>
+          </a:effectRef>
+          <a:fontRef idx="minor">
+            <a:schemeClr val="dk1"/>
+          </a:fontRef>
+        </p:style>
+        <p:txBody>
+          <a:bodyPr rtlCol="0" anchor="ctr"/>
+          <a:lstStyle/>
+          <a:p>
+            <a:pPr algn="ctr"/>
+            <a:endParaRPr kumimoji="1" lang="ja-JP" altLang="en-US" dirty="0"/>
+          </a:p>
+        </p:txBody>
+      </p:sp>
+      <p:sp>
+        <p:nvSpPr>
+          <p:cNvPr id="7" name="フローチャート: 代替処理 6"/>
+          <p:cNvSpPr/>
+          <p:nvPr/>
+        </p:nvSpPr>
+        <p:spPr>
+          <a:xfrm>
+            <a:off x="1460959" y="4492556"/>
+            <a:ext cx="9243182" cy="1005877"/>
+          </a:xfrm>
+          <a:prstGeom prst="flowChartAlternateProcess">
+            <a:avLst/>
+          </a:prstGeom>
+          <a:ln w="6350"/>
+        </p:spPr>
+        <p:style>
+          <a:lnRef idx="1">
+            <a:schemeClr val="accent4"/>
+          </a:lnRef>
+          <a:fillRef idx="2">
+            <a:schemeClr val="accent4"/>
+          </a:fillRef>
+          <a:effectRef idx="1">
+            <a:schemeClr val="accent4"/>
+          </a:effectRef>
+          <a:fontRef idx="minor">
+            <a:schemeClr val="dk1"/>
+          </a:fontRef>
+        </p:style>
+        <p:txBody>
+          <a:bodyPr rtlCol="0" anchor="ctr"/>
+          <a:lstStyle/>
+          <a:p>
+            <a:r>
+              <a:rPr lang="ja-JP" altLang="en-US" sz="2800" dirty="0" smtClean="0">
+                <a:latin typeface="メイリオ" panose="020B0604030504040204" pitchFamily="50" charset="-128"/>
+                <a:ea typeface="メイリオ" panose="020B0604030504040204" pitchFamily="50" charset="-128"/>
+              </a:rPr>
+              <a:t>理解</a:t>
+            </a:r>
+            <a:r>
+              <a:rPr lang="ja-JP" altLang="en-US" sz="2800" dirty="0">
+                <a:latin typeface="メイリオ" panose="020B0604030504040204" pitchFamily="50" charset="-128"/>
+                <a:ea typeface="メイリオ" panose="020B0604030504040204" pitchFamily="50" charset="-128"/>
+              </a:rPr>
+              <a:t>しやすく良質なテストコードを作成する必要が</a:t>
+            </a:r>
+            <a:r>
+              <a:rPr lang="ja-JP" altLang="en-US" sz="2800" dirty="0" smtClean="0">
+                <a:latin typeface="メイリオ" panose="020B0604030504040204" pitchFamily="50" charset="-128"/>
+                <a:ea typeface="メイリオ" panose="020B0604030504040204" pitchFamily="50" charset="-128"/>
+              </a:rPr>
+              <a:t>ある</a:t>
+            </a:r>
+            <a:endParaRPr lang="ja-JP" altLang="en-US" sz="2800" dirty="0">
+              <a:latin typeface="メイリオ" panose="020B0604030504040204" pitchFamily="50" charset="-128"/>
+              <a:ea typeface="メイリオ" panose="020B0604030504040204" pitchFamily="50" charset="-128"/>
+            </a:endParaRPr>
+          </a:p>
+        </p:txBody>
+      </p:sp>
+    </p:spTree>
+    <p:extLst>
+      <p:ext uri="{BB962C8B-B14F-4D97-AF65-F5344CB8AC3E}">
+        <p14:creationId xmlns:p14="http://schemas.microsoft.com/office/powerpoint/2010/main" val="3663765090"/>
+      </p:ext>
+    </p:extLst>
+  </p:cSld>
+  <p:clrMapOvr>
+    <a:masterClrMapping/>
+  </p:clrMapOvr>
+  <p:timing>
+    <p:tnLst>
+      <p:par>
+        <p:cTn id="1" dur="indefinite" restart="never" nodeType="tmRoot"/>
+      </p:par>
+    </p:tnLst>
+  </p:timing>
+</p:sld>
+</file>
+
+<file path=ppt/slides/slide40.xml><?xml version="1.0" encoding="utf-8"?>
 <p:sld xmlns:a="http://schemas.openxmlformats.org/drawingml/2006/main" xmlns:r="http://schemas.openxmlformats.org/officeDocument/2006/relationships" xmlns:p="http://schemas.openxmlformats.org/presentationml/2006/main">
   <p:cSld>
     <p:spTree>
@@ -37866,484 +39212,7 @@
 </p:sld>
 </file>
 
-<file path=ppt/slides/slide4.xml><?xml version="1.0" encoding="utf-8"?>
-<p:sld xmlns:a="http://schemas.openxmlformats.org/drawingml/2006/main" xmlns:r="http://schemas.openxmlformats.org/officeDocument/2006/relationships" xmlns:p="http://schemas.openxmlformats.org/presentationml/2006/main">
-  <p:cSld>
-    <p:spTree>
-      <p:nvGrpSpPr>
-        <p:cNvPr id="1" name=""/>
-        <p:cNvGrpSpPr/>
-        <p:nvPr/>
-      </p:nvGrpSpPr>
-      <p:grpSpPr>
-        <a:xfrm>
-          <a:off x="0" y="0"/>
-          <a:ext cx="0" cy="0"/>
-          <a:chOff x="0" y="0"/>
-          <a:chExt cx="0" cy="0"/>
-        </a:xfrm>
-      </p:grpSpPr>
-      <p:sp>
-        <p:nvSpPr>
-          <p:cNvPr id="2" name="タイトル 1"/>
-          <p:cNvSpPr>
-            <a:spLocks noGrp="1"/>
-          </p:cNvSpPr>
-          <p:nvPr>
-            <p:ph type="title"/>
-          </p:nvPr>
-        </p:nvSpPr>
-        <p:spPr>
-          <a:xfrm>
-            <a:off x="192102" y="219428"/>
-            <a:ext cx="5608931" cy="729386"/>
-          </a:xfrm>
-        </p:spPr>
-        <p:txBody>
-          <a:bodyPr/>
-          <a:lstStyle/>
-          <a:p>
-            <a:r>
-              <a:rPr kumimoji="1" lang="ja-JP" altLang="en-US" dirty="0" smtClean="0">
-                <a:solidFill>
-                  <a:schemeClr val="bg1"/>
-                </a:solidFill>
-              </a:rPr>
-              <a:t>自動生成ツールにおける課題</a:t>
-            </a:r>
-            <a:endParaRPr kumimoji="1" lang="ja-JP" altLang="en-US" dirty="0">
-              <a:solidFill>
-                <a:schemeClr val="bg1"/>
-              </a:solidFill>
-            </a:endParaRPr>
-          </a:p>
-        </p:txBody>
-      </p:sp>
-      <p:sp>
-        <p:nvSpPr>
-          <p:cNvPr id="4" name="コンテンツ プレースホルダー 2"/>
-          <p:cNvSpPr>
-            <a:spLocks noGrp="1"/>
-          </p:cNvSpPr>
-          <p:nvPr>
-            <p:ph idx="1"/>
-          </p:nvPr>
-        </p:nvSpPr>
-        <p:spPr>
-          <a:xfrm>
-            <a:off x="913333" y="1409665"/>
-            <a:ext cx="10601150" cy="3559023"/>
-          </a:xfrm>
-        </p:spPr>
-        <p:txBody>
-          <a:bodyPr>
-            <a:normAutofit/>
-          </a:bodyPr>
-          <a:lstStyle/>
-          <a:p>
-            <a:pPr marL="0" indent="0">
-              <a:buNone/>
-            </a:pPr>
-            <a:r>
-              <a:rPr lang="ja-JP" altLang="en-US" sz="3000" dirty="0"/>
-              <a:t>自動生成されたテストコード</a:t>
-            </a:r>
-            <a:r>
-              <a:rPr lang="ja-JP" altLang="en-US" sz="3000" dirty="0" smtClean="0"/>
-              <a:t>は、保守</a:t>
-            </a:r>
-            <a:r>
-              <a:rPr lang="ja-JP" altLang="en-US" sz="3000" dirty="0"/>
-              <a:t>作業を困難にする</a:t>
-            </a:r>
-            <a:r>
-              <a:rPr lang="en-US" altLang="ja-JP" sz="3000" dirty="0" smtClean="0"/>
-              <a:t>[2]</a:t>
-            </a:r>
-          </a:p>
-          <a:p>
-            <a:pPr lvl="1"/>
-            <a:endParaRPr lang="en-US" altLang="ja-JP" sz="800" dirty="0"/>
-          </a:p>
-          <a:p>
-            <a:pPr lvl="1"/>
-            <a:r>
-              <a:rPr lang="ja-JP" altLang="en-US" sz="2800" dirty="0" smtClean="0"/>
-              <a:t>対象コードの</a:t>
-            </a:r>
-            <a:r>
-              <a:rPr lang="ja-JP" altLang="en-US" sz="2800" dirty="0" smtClean="0">
-                <a:solidFill>
-                  <a:srgbClr val="FF0000"/>
-                </a:solidFill>
-              </a:rPr>
-              <a:t>作成経緯</a:t>
-            </a:r>
-            <a:r>
-              <a:rPr lang="ja-JP" altLang="en-US" sz="2800" dirty="0">
-                <a:solidFill>
-                  <a:srgbClr val="FF0000"/>
-                </a:solidFill>
-              </a:rPr>
-              <a:t>や意図に基づいて生成されて</a:t>
-            </a:r>
-            <a:r>
-              <a:rPr lang="ja-JP" altLang="en-US" sz="2800" dirty="0" smtClean="0">
-                <a:solidFill>
-                  <a:srgbClr val="FF0000"/>
-                </a:solidFill>
-              </a:rPr>
-              <a:t>いない</a:t>
-            </a:r>
-            <a:r>
-              <a:rPr lang="en-US" altLang="ja-JP" sz="2800" dirty="0" smtClean="0">
-                <a:solidFill>
-                  <a:srgbClr val="FF0000"/>
-                </a:solidFill>
-              </a:rPr>
-              <a:t/>
-            </a:r>
-            <a:br>
-              <a:rPr lang="en-US" altLang="ja-JP" sz="2800" dirty="0" smtClean="0">
-                <a:solidFill>
-                  <a:srgbClr val="FF0000"/>
-                </a:solidFill>
-              </a:rPr>
-            </a:br>
-            <a:endParaRPr lang="en-US" altLang="ja-JP" sz="600" dirty="0"/>
-          </a:p>
-          <a:p>
-            <a:pPr lvl="1"/>
-            <a:r>
-              <a:rPr lang="ja-JP" altLang="en-US" sz="2800" dirty="0" smtClean="0"/>
-              <a:t>テストコードの保守に悪影響を与える</a:t>
-            </a:r>
-            <a:r>
-              <a:rPr lang="ja-JP" altLang="en-US" sz="2800" dirty="0" smtClean="0">
-                <a:solidFill>
-                  <a:srgbClr val="FF0000"/>
-                </a:solidFill>
-              </a:rPr>
-              <a:t>テストスメルが多い</a:t>
-            </a:r>
-            <a:endParaRPr lang="en-US" altLang="ja-JP" sz="2800" dirty="0">
-              <a:solidFill>
-                <a:srgbClr val="FF0000"/>
-              </a:solidFill>
-            </a:endParaRPr>
-          </a:p>
-          <a:p>
-            <a:pPr lvl="1"/>
-            <a:endParaRPr lang="en-US" altLang="ja-JP" sz="2800" dirty="0" smtClean="0">
-              <a:solidFill>
-                <a:srgbClr val="FF0000"/>
-              </a:solidFill>
-            </a:endParaRPr>
-          </a:p>
-          <a:p>
-            <a:pPr lvl="1"/>
-            <a:endParaRPr lang="en-US" altLang="ja-JP" sz="1400" dirty="0" smtClean="0">
-              <a:solidFill>
-                <a:srgbClr val="FF0000"/>
-              </a:solidFill>
-            </a:endParaRPr>
-          </a:p>
-          <a:p>
-            <a:pPr marL="457200" lvl="1" indent="0">
-              <a:buNone/>
-            </a:pPr>
-            <a:r>
-              <a:rPr lang="ja-JP" altLang="en-US" sz="2800" dirty="0" smtClean="0"/>
-              <a:t>　　　　　</a:t>
-            </a:r>
-            <a:r>
-              <a:rPr lang="ja-JP" altLang="en-US" sz="2800" u="sng" dirty="0" smtClean="0"/>
-              <a:t>テスト</a:t>
-            </a:r>
-            <a:r>
-              <a:rPr lang="ja-JP" altLang="en-US" sz="2800" u="sng" dirty="0"/>
-              <a:t>失敗</a:t>
-            </a:r>
-            <a:r>
-              <a:rPr lang="ja-JP" altLang="en-US" sz="2800" u="sng" dirty="0" smtClean="0"/>
-              <a:t>の原因を特定するのが難しい</a:t>
-            </a:r>
-            <a:endParaRPr lang="ja-JP" altLang="en-US" sz="2800" u="sng" dirty="0"/>
-          </a:p>
-          <a:p>
-            <a:pPr lvl="1"/>
-            <a:endParaRPr lang="en-US" altLang="ja-JP" sz="2800" dirty="0">
-              <a:solidFill>
-                <a:srgbClr val="FF0000"/>
-              </a:solidFill>
-            </a:endParaRPr>
-          </a:p>
-          <a:p>
-            <a:pPr lvl="1"/>
-            <a:endParaRPr lang="ja-JP" altLang="en-US" sz="2800" dirty="0" smtClean="0">
-              <a:solidFill>
-                <a:srgbClr val="FF0000"/>
-              </a:solidFill>
-            </a:endParaRPr>
-          </a:p>
-          <a:p>
-            <a:pPr marL="457200" lvl="1" indent="0">
-              <a:buNone/>
-            </a:pPr>
-            <a:endParaRPr lang="en-US" altLang="ja-JP" sz="2800" dirty="0"/>
-          </a:p>
-          <a:p>
-            <a:pPr lvl="1"/>
-            <a:endParaRPr kumimoji="1" lang="ja-JP" altLang="en-US" dirty="0"/>
-          </a:p>
-        </p:txBody>
-      </p:sp>
-      <p:sp>
-        <p:nvSpPr>
-          <p:cNvPr id="5" name="Rectangle 4"/>
-          <p:cNvSpPr>
-            <a:spLocks noChangeArrowheads="1"/>
-          </p:cNvSpPr>
-          <p:nvPr/>
-        </p:nvSpPr>
-        <p:spPr bwMode="auto">
-          <a:xfrm>
-            <a:off x="1043518" y="5981522"/>
-            <a:ext cx="10078064" cy="461665"/>
-          </a:xfrm>
-          <a:prstGeom prst="rect">
-            <a:avLst/>
-          </a:prstGeom>
-          <a:ln>
-            <a:headEnd/>
-            <a:tailEnd/>
-          </a:ln>
-        </p:spPr>
-        <p:style>
-          <a:lnRef idx="2">
-            <a:schemeClr val="dk1"/>
-          </a:lnRef>
-          <a:fillRef idx="1">
-            <a:schemeClr val="lt1"/>
-          </a:fillRef>
-          <a:effectRef idx="0">
-            <a:schemeClr val="dk1"/>
-          </a:effectRef>
-          <a:fontRef idx="minor">
-            <a:schemeClr val="dk1"/>
-          </a:fontRef>
-        </p:style>
-        <p:txBody>
-          <a:bodyPr wrap="square">
-            <a:spAutoFit/>
-          </a:bodyPr>
-          <a:lstStyle/>
-          <a:p>
-            <a:pPr>
-              <a:defRPr/>
-            </a:pPr>
-            <a:r>
-              <a:rPr lang="en-US" altLang="ja-JP" sz="1200" dirty="0" smtClean="0">
-                <a:solidFill>
-                  <a:schemeClr val="tx2"/>
-                </a:solidFill>
-              </a:rPr>
-              <a:t>[2] </a:t>
-            </a:r>
-            <a:r>
-              <a:rPr lang="en-US" altLang="ja-JP" sz="1200" dirty="0" smtClean="0">
-                <a:solidFill>
-                  <a:schemeClr val="tx2"/>
-                </a:solidFill>
-              </a:rPr>
-              <a:t>S</a:t>
-            </a:r>
-            <a:r>
-              <a:rPr lang="en-US" altLang="ja-JP" sz="1200" dirty="0">
-                <a:solidFill>
-                  <a:schemeClr val="tx2"/>
-                </a:solidFill>
-              </a:rPr>
-              <a:t>. </a:t>
-            </a:r>
-            <a:r>
-              <a:rPr lang="en-US" altLang="ja-JP" sz="1200" dirty="0" err="1">
-                <a:solidFill>
-                  <a:schemeClr val="tx2"/>
-                </a:solidFill>
-              </a:rPr>
-              <a:t>Shamshiri</a:t>
-            </a:r>
-            <a:r>
-              <a:rPr lang="en-US" altLang="ja-JP" sz="1200" dirty="0">
-                <a:solidFill>
-                  <a:schemeClr val="tx2"/>
-                </a:solidFill>
-              </a:rPr>
-              <a:t>, J. M. Rojas, J. P. </a:t>
-            </a:r>
-            <a:r>
-              <a:rPr lang="en-US" altLang="ja-JP" sz="1200" dirty="0" err="1">
-                <a:solidFill>
-                  <a:schemeClr val="tx2"/>
-                </a:solidFill>
-              </a:rPr>
-              <a:t>Galeotti</a:t>
-            </a:r>
-            <a:r>
-              <a:rPr lang="en-US" altLang="ja-JP" sz="1200" dirty="0">
-                <a:solidFill>
-                  <a:schemeClr val="tx2"/>
-                </a:solidFill>
-              </a:rPr>
-              <a:t>, N. Walkinshaw, and G. Fraser. How do automatically generated unit tests inﬂuence software maintenance? In </a:t>
-            </a:r>
-            <a:r>
-              <a:rPr lang="en-US" altLang="ja-JP" sz="1200" i="1" dirty="0">
-                <a:solidFill>
-                  <a:schemeClr val="tx2"/>
-                </a:solidFill>
-              </a:rPr>
-              <a:t>Proceedings of the International Conference on Software Testing, Veriﬁcation and Validation (ICST)</a:t>
-            </a:r>
-            <a:r>
-              <a:rPr lang="en-US" altLang="ja-JP" sz="1200" dirty="0">
-                <a:solidFill>
-                  <a:schemeClr val="tx2"/>
-                </a:solidFill>
-              </a:rPr>
-              <a:t>, pages 250–261, 2018..</a:t>
-            </a:r>
-            <a:endParaRPr lang="en-US" altLang="ja-JP" sz="1200" dirty="0">
-              <a:solidFill>
-                <a:schemeClr val="tx2"/>
-              </a:solidFill>
-            </a:endParaRPr>
-          </a:p>
-        </p:txBody>
-      </p:sp>
-      <p:sp>
-        <p:nvSpPr>
-          <p:cNvPr id="6" name="フローチャート: 組合せ 5"/>
-          <p:cNvSpPr/>
-          <p:nvPr/>
-        </p:nvSpPr>
-        <p:spPr>
-          <a:xfrm>
-            <a:off x="4118742" y="3136669"/>
-            <a:ext cx="3927616" cy="411133"/>
-          </a:xfrm>
-          <a:prstGeom prst="flowChartMerge">
-            <a:avLst/>
-          </a:prstGeom>
-          <a:ln/>
-        </p:spPr>
-        <p:style>
-          <a:lnRef idx="1">
-            <a:schemeClr val="accent3"/>
-          </a:lnRef>
-          <a:fillRef idx="2">
-            <a:schemeClr val="accent3"/>
-          </a:fillRef>
-          <a:effectRef idx="1">
-            <a:schemeClr val="accent3"/>
-          </a:effectRef>
-          <a:fontRef idx="minor">
-            <a:schemeClr val="dk1"/>
-          </a:fontRef>
-        </p:style>
-        <p:txBody>
-          <a:bodyPr rtlCol="0" anchor="ctr"/>
-          <a:lstStyle/>
-          <a:p>
-            <a:pPr algn="ctr"/>
-            <a:endParaRPr kumimoji="1" lang="ja-JP" altLang="en-US" dirty="0"/>
-          </a:p>
-        </p:txBody>
-      </p:sp>
-      <p:sp>
-        <p:nvSpPr>
-          <p:cNvPr id="7" name="フローチャート: 代替処理 6"/>
-          <p:cNvSpPr/>
-          <p:nvPr/>
-        </p:nvSpPr>
-        <p:spPr>
-          <a:xfrm>
-            <a:off x="1460959" y="4492556"/>
-            <a:ext cx="9243182" cy="1005877"/>
-          </a:xfrm>
-          <a:prstGeom prst="flowChartAlternateProcess">
-            <a:avLst/>
-          </a:prstGeom>
-          <a:ln w="6350"/>
-        </p:spPr>
-        <p:style>
-          <a:lnRef idx="1">
-            <a:schemeClr val="accent4"/>
-          </a:lnRef>
-          <a:fillRef idx="2">
-            <a:schemeClr val="accent4"/>
-          </a:fillRef>
-          <a:effectRef idx="1">
-            <a:schemeClr val="accent4"/>
-          </a:effectRef>
-          <a:fontRef idx="minor">
-            <a:schemeClr val="dk1"/>
-          </a:fontRef>
-        </p:style>
-        <p:txBody>
-          <a:bodyPr rtlCol="0" anchor="ctr"/>
-          <a:lstStyle/>
-          <a:p>
-            <a:r>
-              <a:rPr lang="ja-JP" altLang="en-US" sz="2800" dirty="0" smtClean="0">
-                <a:latin typeface="メイリオ" panose="020B0604030504040204" pitchFamily="50" charset="-128"/>
-                <a:ea typeface="メイリオ" panose="020B0604030504040204" pitchFamily="50" charset="-128"/>
-              </a:rPr>
-              <a:t>理解</a:t>
-            </a:r>
-            <a:r>
-              <a:rPr lang="ja-JP" altLang="en-US" sz="2800" dirty="0">
-                <a:latin typeface="メイリオ" panose="020B0604030504040204" pitchFamily="50" charset="-128"/>
-                <a:ea typeface="メイリオ" panose="020B0604030504040204" pitchFamily="50" charset="-128"/>
-              </a:rPr>
-              <a:t>しやすく良質なテストコードを作成する必要が</a:t>
-            </a:r>
-            <a:r>
-              <a:rPr lang="ja-JP" altLang="en-US" sz="2800" dirty="0" smtClean="0">
-                <a:latin typeface="メイリオ" panose="020B0604030504040204" pitchFamily="50" charset="-128"/>
-                <a:ea typeface="メイリオ" panose="020B0604030504040204" pitchFamily="50" charset="-128"/>
-              </a:rPr>
-              <a:t>ある</a:t>
-            </a:r>
-            <a:endParaRPr lang="ja-JP" altLang="en-US" sz="2800" dirty="0">
-              <a:latin typeface="メイリオ" panose="020B0604030504040204" pitchFamily="50" charset="-128"/>
-              <a:ea typeface="メイリオ" panose="020B0604030504040204" pitchFamily="50" charset="-128"/>
-            </a:endParaRPr>
-          </a:p>
-        </p:txBody>
-      </p:sp>
-    </p:spTree>
-    <p:extLst>
-      <p:ext uri="{BB962C8B-B14F-4D97-AF65-F5344CB8AC3E}">
-        <p14:creationId xmlns:p14="http://schemas.microsoft.com/office/powerpoint/2010/main" val="3663765090"/>
-      </p:ext>
-    </p:extLst>
-  </p:cSld>
-  <p:clrMapOvr>
-    <a:masterClrMapping/>
-  </p:clrMapOvr>
-  <p:timing>
-    <p:tnLst>
-      <p:par>
-        <p:cTn id="1" dur="indefinite" restart="never" nodeType="tmRoot"/>
-      </p:par>
-    </p:tnLst>
-  </p:timing>
-</p:sld>
-</file>
-
-<file path=ppt/slides/slide40.xml><?xml version="1.0" encoding="utf-8"?>
+<file path=ppt/slides/slide41.xml><?xml version="1.0" encoding="utf-8"?>
 <p:sld xmlns:a="http://schemas.openxmlformats.org/drawingml/2006/main" xmlns:r="http://schemas.openxmlformats.org/officeDocument/2006/relationships" xmlns:p="http://schemas.openxmlformats.org/presentationml/2006/main">
   <p:cSld>
     <p:spTree>
@@ -39739,707 +40608,6 @@
     <p:extLst>
       <p:ext uri="{BB962C8B-B14F-4D97-AF65-F5344CB8AC3E}">
         <p14:creationId xmlns:p14="http://schemas.microsoft.com/office/powerpoint/2010/main" val="2640780856"/>
-      </p:ext>
-    </p:extLst>
-  </p:cSld>
-  <p:clrMapOvr>
-    <a:masterClrMapping/>
-  </p:clrMapOvr>
-</p:sld>
-</file>
-
-<file path=ppt/slides/slide41.xml><?xml version="1.0" encoding="utf-8"?>
-<p:sld xmlns:a="http://schemas.openxmlformats.org/drawingml/2006/main" xmlns:r="http://schemas.openxmlformats.org/officeDocument/2006/relationships" xmlns:p="http://schemas.openxmlformats.org/presentationml/2006/main">
-  <p:cSld>
-    <p:spTree>
-      <p:nvGrpSpPr>
-        <p:cNvPr id="1" name=""/>
-        <p:cNvGrpSpPr/>
-        <p:nvPr/>
-      </p:nvGrpSpPr>
-      <p:grpSpPr>
-        <a:xfrm>
-          <a:off x="0" y="0"/>
-          <a:ext cx="0" cy="0"/>
-          <a:chOff x="0" y="0"/>
-          <a:chExt cx="0" cy="0"/>
-        </a:xfrm>
-      </p:grpSpPr>
-      <p:sp>
-        <p:nvSpPr>
-          <p:cNvPr id="13" name="正方形/長方形 12"/>
-          <p:cNvSpPr/>
-          <p:nvPr/>
-        </p:nvSpPr>
-        <p:spPr>
-          <a:xfrm>
-            <a:off x="3257641" y="2734994"/>
-            <a:ext cx="5423885" cy="2554545"/>
-          </a:xfrm>
-          <a:prstGeom prst="rect">
-            <a:avLst/>
-          </a:prstGeom>
-          <a:ln w="38100"/>
-        </p:spPr>
-        <p:style>
-          <a:lnRef idx="2">
-            <a:schemeClr val="accent3"/>
-          </a:lnRef>
-          <a:fillRef idx="1">
-            <a:schemeClr val="lt1"/>
-          </a:fillRef>
-          <a:effectRef idx="0">
-            <a:schemeClr val="accent3"/>
-          </a:effectRef>
-          <a:fontRef idx="minor">
-            <a:schemeClr val="dk1"/>
-          </a:fontRef>
-        </p:style>
-        <p:txBody>
-          <a:bodyPr wrap="square">
-            <a:spAutoFit/>
-          </a:bodyPr>
-          <a:lstStyle/>
-          <a:p>
-            <a:r>
-              <a:rPr lang="en-US" altLang="ja-JP" sz="1600" dirty="0" smtClean="0">
-                <a:latin typeface="Consolas" panose="020B0609020204030204" pitchFamily="49" charset="0"/>
-              </a:rPr>
-              <a:t>public void test8 throws </a:t>
-            </a:r>
-            <a:r>
-              <a:rPr lang="en-US" altLang="ja-JP" sz="1600" dirty="0" err="1" smtClean="0">
-                <a:latin typeface="Consolas" panose="020B0609020204030204" pitchFamily="49" charset="0"/>
-              </a:rPr>
-              <a:t>Throwable</a:t>
-            </a:r>
-            <a:r>
-              <a:rPr lang="en-US" altLang="ja-JP" sz="1600" dirty="0" smtClean="0">
-                <a:latin typeface="Consolas" panose="020B0609020204030204" pitchFamily="49" charset="0"/>
-              </a:rPr>
-              <a:t>  {</a:t>
-            </a:r>
-            <a:endParaRPr lang="en-US" altLang="ja-JP" sz="1600" dirty="0" smtClean="0">
-              <a:latin typeface="Consolas" panose="020B0609020204030204" pitchFamily="49" charset="0"/>
-            </a:endParaRPr>
-          </a:p>
-          <a:p>
-            <a:r>
-              <a:rPr lang="ja-JP" altLang="en-US" sz="1600" dirty="0" smtClean="0">
-                <a:latin typeface="Consolas" panose="020B0609020204030204" pitchFamily="49" charset="0"/>
-              </a:rPr>
-              <a:t>    </a:t>
-            </a:r>
-            <a:r>
-              <a:rPr lang="en-US" altLang="ja-JP" sz="1600" dirty="0" smtClean="0">
-                <a:latin typeface="Consolas" panose="020B0609020204030204" pitchFamily="49" charset="0"/>
-              </a:rPr>
-              <a:t>Document document0 = new Document(””, ””);</a:t>
-            </a:r>
-          </a:p>
-          <a:p>
-            <a:r>
-              <a:rPr lang="en-US" altLang="ja-JP" sz="1600" dirty="0">
-                <a:latin typeface="Consolas" panose="020B0609020204030204" pitchFamily="49" charset="0"/>
-              </a:rPr>
-              <a:t> </a:t>
-            </a:r>
-            <a:r>
-              <a:rPr lang="en-US" altLang="ja-JP" sz="1600" dirty="0" smtClean="0">
-                <a:latin typeface="Consolas" panose="020B0609020204030204" pitchFamily="49" charset="0"/>
-              </a:rPr>
-              <a:t>   </a:t>
-            </a:r>
-            <a:r>
-              <a:rPr lang="en-US" altLang="ja-JP" sz="1600" dirty="0" err="1" smtClean="0">
-                <a:latin typeface="Consolas" panose="020B0609020204030204" pitchFamily="49" charset="0"/>
-              </a:rPr>
-              <a:t>assertNotNull</a:t>
-            </a:r>
-            <a:r>
-              <a:rPr lang="en-US" altLang="ja-JP" sz="1600" dirty="0" smtClean="0">
-                <a:latin typeface="Consolas" panose="020B0609020204030204" pitchFamily="49" charset="0"/>
-              </a:rPr>
-              <a:t>(document0);</a:t>
-            </a:r>
-            <a:endParaRPr lang="en-US" altLang="ja-JP" sz="1600" dirty="0" smtClean="0">
-              <a:latin typeface="Consolas" panose="020B0609020204030204" pitchFamily="49" charset="0"/>
-            </a:endParaRPr>
-          </a:p>
-          <a:p>
-            <a:endParaRPr lang="en-US" altLang="ja-JP" sz="1600" dirty="0" smtClean="0">
-              <a:latin typeface="Consolas" panose="020B0609020204030204" pitchFamily="49" charset="0"/>
-            </a:endParaRPr>
-          </a:p>
-          <a:p>
-            <a:r>
-              <a:rPr lang="ja-JP" altLang="en-US" sz="1600" dirty="0" smtClean="0">
-                <a:latin typeface="Consolas" panose="020B0609020204030204" pitchFamily="49" charset="0"/>
-              </a:rPr>
-              <a:t>    </a:t>
-            </a:r>
-            <a:r>
-              <a:rPr lang="en-US" altLang="ja-JP" sz="1600" dirty="0" smtClean="0">
-                <a:latin typeface="Consolas" panose="020B0609020204030204" pitchFamily="49" charset="0"/>
-              </a:rPr>
-              <a:t>document0.procText.add((Character) ’s’);</a:t>
-            </a:r>
-          </a:p>
-          <a:p>
-            <a:r>
-              <a:rPr lang="en-US" altLang="ja-JP" sz="1600" dirty="0">
-                <a:latin typeface="Consolas" panose="020B0609020204030204" pitchFamily="49" charset="0"/>
-              </a:rPr>
-              <a:t> </a:t>
-            </a:r>
-            <a:r>
-              <a:rPr lang="en-US" altLang="ja-JP" sz="1600" dirty="0" smtClean="0">
-                <a:latin typeface="Consolas" panose="020B0609020204030204" pitchFamily="49" charset="0"/>
-              </a:rPr>
-              <a:t>   String string0 = document0.stringify();</a:t>
-            </a:r>
-          </a:p>
-          <a:p>
-            <a:r>
-              <a:rPr lang="en-US" altLang="ja-JP" sz="1600" dirty="0">
-                <a:latin typeface="Consolas" panose="020B0609020204030204" pitchFamily="49" charset="0"/>
-              </a:rPr>
-              <a:t> </a:t>
-            </a:r>
-            <a:r>
-              <a:rPr lang="en-US" altLang="ja-JP" sz="1600" dirty="0" smtClean="0">
-                <a:latin typeface="Consolas" panose="020B0609020204030204" pitchFamily="49" charset="0"/>
-              </a:rPr>
-              <a:t>   </a:t>
-            </a:r>
-            <a:r>
-              <a:rPr lang="en-US" altLang="ja-JP" sz="1600" dirty="0" err="1" smtClean="0">
-                <a:latin typeface="Consolas" panose="020B0609020204030204" pitchFamily="49" charset="0"/>
-              </a:rPr>
-              <a:t>assertEquals</a:t>
-            </a:r>
-            <a:r>
-              <a:rPr lang="en-US" altLang="ja-JP" sz="1600" dirty="0" smtClean="0">
-                <a:latin typeface="Consolas" panose="020B0609020204030204" pitchFamily="49" charset="0"/>
-              </a:rPr>
-              <a:t>(”s”, document0.stringify());</a:t>
-            </a:r>
-          </a:p>
-          <a:p>
-            <a:r>
-              <a:rPr lang="en-US" altLang="ja-JP" sz="1600" dirty="0">
-                <a:latin typeface="Consolas" panose="020B0609020204030204" pitchFamily="49" charset="0"/>
-              </a:rPr>
-              <a:t> </a:t>
-            </a:r>
-            <a:r>
-              <a:rPr lang="en-US" altLang="ja-JP" sz="1600" dirty="0" smtClean="0">
-                <a:latin typeface="Consolas" panose="020B0609020204030204" pitchFamily="49" charset="0"/>
-              </a:rPr>
-              <a:t>   </a:t>
-            </a:r>
-            <a:r>
-              <a:rPr lang="en-US" altLang="ja-JP" sz="1600" dirty="0" err="1" smtClean="0">
-                <a:latin typeface="Consolas" panose="020B0609020204030204" pitchFamily="49" charset="0"/>
-              </a:rPr>
-              <a:t>assertNotNull</a:t>
-            </a:r>
-            <a:r>
-              <a:rPr lang="en-US" altLang="ja-JP" sz="1600" dirty="0" smtClean="0">
-                <a:latin typeface="Consolas" panose="020B0609020204030204" pitchFamily="49" charset="0"/>
-              </a:rPr>
-              <a:t>(string0);</a:t>
-            </a:r>
-          </a:p>
-          <a:p>
-            <a:r>
-              <a:rPr lang="en-US" altLang="ja-JP" sz="1600" dirty="0">
-                <a:latin typeface="Consolas" panose="020B0609020204030204" pitchFamily="49" charset="0"/>
-              </a:rPr>
-              <a:t> </a:t>
-            </a:r>
-            <a:r>
-              <a:rPr lang="en-US" altLang="ja-JP" sz="1600" dirty="0" smtClean="0">
-                <a:latin typeface="Consolas" panose="020B0609020204030204" pitchFamily="49" charset="0"/>
-              </a:rPr>
-              <a:t>   </a:t>
-            </a:r>
-            <a:r>
-              <a:rPr lang="en-US" altLang="ja-JP" sz="1600" dirty="0" err="1" smtClean="0">
-                <a:latin typeface="Consolas" panose="020B0609020204030204" pitchFamily="49" charset="0"/>
-              </a:rPr>
-              <a:t>assertEquals</a:t>
-            </a:r>
-            <a:r>
-              <a:rPr lang="en-US" altLang="ja-JP" sz="1600" dirty="0" smtClean="0">
-                <a:latin typeface="Consolas" panose="020B0609020204030204" pitchFamily="49" charset="0"/>
-              </a:rPr>
-              <a:t>(”s”, string0);</a:t>
-            </a:r>
-          </a:p>
-          <a:p>
-            <a:r>
-              <a:rPr lang="en-US" altLang="ja-JP" sz="1600" dirty="0" smtClean="0">
-                <a:latin typeface="Consolas" panose="020B0609020204030204" pitchFamily="49" charset="0"/>
-              </a:rPr>
-              <a:t>}</a:t>
-            </a:r>
-            <a:endParaRPr lang="en-US" altLang="ja-JP" sz="1600" dirty="0" smtClean="0">
-              <a:latin typeface="Consolas" panose="020B0609020204030204" pitchFamily="49" charset="0"/>
-            </a:endParaRPr>
-          </a:p>
-        </p:txBody>
-      </p:sp>
-      <p:sp>
-        <p:nvSpPr>
-          <p:cNvPr id="2" name="コンテンツ プレースホルダー 1"/>
-          <p:cNvSpPr>
-            <a:spLocks noGrp="1"/>
-          </p:cNvSpPr>
-          <p:nvPr>
-            <p:ph idx="1"/>
-          </p:nvPr>
-        </p:nvSpPr>
-        <p:spPr>
-          <a:xfrm>
-            <a:off x="838200" y="1214573"/>
-            <a:ext cx="10515600" cy="693131"/>
-          </a:xfrm>
-        </p:spPr>
-        <p:txBody>
-          <a:bodyPr/>
-          <a:lstStyle/>
-          <a:p>
-            <a:r>
-              <a:rPr kumimoji="1" lang="en-US" altLang="ja-JP" dirty="0" err="1" smtClean="0"/>
-              <a:t>EvoSuite</a:t>
-            </a:r>
-            <a:r>
-              <a:rPr kumimoji="1" lang="ja-JP" altLang="en-US" dirty="0" smtClean="0"/>
-              <a:t>によって自動生成されたテストコード</a:t>
-            </a:r>
-            <a:endParaRPr kumimoji="1" lang="ja-JP" altLang="en-US" dirty="0"/>
-          </a:p>
-        </p:txBody>
-      </p:sp>
-      <p:sp>
-        <p:nvSpPr>
-          <p:cNvPr id="3" name="タイトル 2"/>
-          <p:cNvSpPr>
-            <a:spLocks noGrp="1"/>
-          </p:cNvSpPr>
-          <p:nvPr>
-            <p:ph type="title"/>
-          </p:nvPr>
-        </p:nvSpPr>
-        <p:spPr>
-          <a:xfrm>
-            <a:off x="22093" y="219428"/>
-            <a:ext cx="5825911" cy="729386"/>
-          </a:xfrm>
-        </p:spPr>
-        <p:txBody>
-          <a:bodyPr>
-            <a:normAutofit fontScale="90000"/>
-          </a:bodyPr>
-          <a:lstStyle/>
-          <a:p>
-            <a:r>
-              <a:rPr kumimoji="1" lang="ja-JP" altLang="en-US" dirty="0" smtClean="0"/>
-              <a:t>自動生成されたテストコードの例</a:t>
-            </a:r>
-            <a:endParaRPr kumimoji="1" lang="ja-JP" altLang="en-US" dirty="0"/>
-          </a:p>
-        </p:txBody>
-      </p:sp>
-      <p:sp>
-        <p:nvSpPr>
-          <p:cNvPr id="5" name="角丸四角形吹き出し 4"/>
-          <p:cNvSpPr/>
-          <p:nvPr/>
-        </p:nvSpPr>
-        <p:spPr>
-          <a:xfrm>
-            <a:off x="8236169" y="2019499"/>
-            <a:ext cx="3027849" cy="690095"/>
-          </a:xfrm>
-          <a:prstGeom prst="wedgeRoundRectCallout">
-            <a:avLst>
-              <a:gd name="adj1" fmla="val -93536"/>
-              <a:gd name="adj2" fmla="val 65843"/>
-              <a:gd name="adj3" fmla="val 16667"/>
-            </a:avLst>
-          </a:prstGeom>
-        </p:spPr>
-        <p:style>
-          <a:lnRef idx="2">
-            <a:schemeClr val="accent3"/>
-          </a:lnRef>
-          <a:fillRef idx="1">
-            <a:schemeClr val="lt1"/>
-          </a:fillRef>
-          <a:effectRef idx="0">
-            <a:schemeClr val="accent3"/>
-          </a:effectRef>
-          <a:fontRef idx="minor">
-            <a:schemeClr val="dk1"/>
-          </a:fontRef>
-        </p:style>
-        <p:txBody>
-          <a:bodyPr rtlCol="0" anchor="ctr"/>
-          <a:lstStyle/>
-          <a:p>
-            <a:r>
-              <a:rPr lang="en-US" altLang="ja-JP" b="1" dirty="0" smtClean="0">
-                <a:latin typeface="メイリオ" panose="020B0604030504040204" pitchFamily="50" charset="-128"/>
-                <a:ea typeface="メイリオ" panose="020B0604030504040204" pitchFamily="50" charset="-128"/>
-              </a:rPr>
-              <a:t>Exception Handling</a:t>
-            </a:r>
-            <a:endParaRPr kumimoji="1" lang="en-US" altLang="ja-JP" b="1" dirty="0" smtClean="0">
-              <a:latin typeface="メイリオ" panose="020B0604030504040204" pitchFamily="50" charset="-128"/>
-              <a:ea typeface="メイリオ" panose="020B0604030504040204" pitchFamily="50" charset="-128"/>
-            </a:endParaRPr>
-          </a:p>
-          <a:p>
-            <a:pPr algn="ctr"/>
-            <a:r>
-              <a:rPr kumimoji="1" lang="ja-JP" altLang="en-US" dirty="0" smtClean="0">
-                <a:latin typeface="メイリオ" panose="020B0604030504040204" pitchFamily="50" charset="-128"/>
-                <a:ea typeface="メイリオ" panose="020B0604030504040204" pitchFamily="50" charset="-128"/>
-              </a:rPr>
-              <a:t>意図が分からない例外処理</a:t>
-            </a:r>
-            <a:endParaRPr kumimoji="1" lang="en-US" altLang="ja-JP" dirty="0" smtClean="0">
-              <a:latin typeface="メイリオ" panose="020B0604030504040204" pitchFamily="50" charset="-128"/>
-              <a:ea typeface="メイリオ" panose="020B0604030504040204" pitchFamily="50" charset="-128"/>
-            </a:endParaRPr>
-          </a:p>
-        </p:txBody>
-      </p:sp>
-      <p:sp>
-        <p:nvSpPr>
-          <p:cNvPr id="6" name="角丸四角形吹き出し 5"/>
-          <p:cNvSpPr/>
-          <p:nvPr/>
-        </p:nvSpPr>
-        <p:spPr>
-          <a:xfrm>
-            <a:off x="1279127" y="2019499"/>
-            <a:ext cx="2556013" cy="652249"/>
-          </a:xfrm>
-          <a:prstGeom prst="wedgeRoundRectCallout">
-            <a:avLst>
-              <a:gd name="adj1" fmla="val 91068"/>
-              <a:gd name="adj2" fmla="val 68885"/>
-              <a:gd name="adj3" fmla="val 16667"/>
-            </a:avLst>
-          </a:prstGeom>
-        </p:spPr>
-        <p:style>
-          <a:lnRef idx="2">
-            <a:schemeClr val="accent3"/>
-          </a:lnRef>
-          <a:fillRef idx="1">
-            <a:schemeClr val="lt1"/>
-          </a:fillRef>
-          <a:effectRef idx="0">
-            <a:schemeClr val="accent3"/>
-          </a:effectRef>
-          <a:fontRef idx="minor">
-            <a:schemeClr val="dk1"/>
-          </a:fontRef>
-        </p:style>
-        <p:txBody>
-          <a:bodyPr rtlCol="0" anchor="ctr"/>
-          <a:lstStyle/>
-          <a:p>
-            <a:r>
-              <a:rPr lang="en-US" altLang="ja-JP" b="1" dirty="0" err="1" smtClean="0">
-                <a:latin typeface="メイリオ" panose="020B0604030504040204" pitchFamily="50" charset="-128"/>
-                <a:ea typeface="メイリオ" panose="020B0604030504040204" pitchFamily="50" charset="-128"/>
-              </a:rPr>
-              <a:t>Defalt</a:t>
-            </a:r>
-            <a:r>
-              <a:rPr lang="en-US" altLang="ja-JP" b="1" dirty="0" smtClean="0">
-                <a:latin typeface="メイリオ" panose="020B0604030504040204" pitchFamily="50" charset="-128"/>
-                <a:ea typeface="メイリオ" panose="020B0604030504040204" pitchFamily="50" charset="-128"/>
-              </a:rPr>
-              <a:t> Test</a:t>
-            </a:r>
-          </a:p>
-          <a:p>
-            <a:r>
-              <a:rPr lang="ja-JP" altLang="en-US" dirty="0" smtClean="0">
-                <a:latin typeface="メイリオ" panose="020B0604030504040204" pitchFamily="50" charset="-128"/>
-                <a:ea typeface="メイリオ" panose="020B0604030504040204" pitchFamily="50" charset="-128"/>
-              </a:rPr>
-              <a:t>メソッド名が初期状態</a:t>
-            </a:r>
-            <a:endParaRPr kumimoji="1" lang="en-US" altLang="ja-JP" dirty="0" smtClean="0">
-              <a:latin typeface="メイリオ" panose="020B0604030504040204" pitchFamily="50" charset="-128"/>
-              <a:ea typeface="メイリオ" panose="020B0604030504040204" pitchFamily="50" charset="-128"/>
-            </a:endParaRPr>
-          </a:p>
-        </p:txBody>
-      </p:sp>
-      <p:sp>
-        <p:nvSpPr>
-          <p:cNvPr id="7" name="正方形/長方形 6"/>
-          <p:cNvSpPr/>
-          <p:nvPr/>
-        </p:nvSpPr>
-        <p:spPr>
-          <a:xfrm>
-            <a:off x="3715789" y="4264429"/>
-            <a:ext cx="4684222" cy="739833"/>
-          </a:xfrm>
-          <a:prstGeom prst="rect">
-            <a:avLst/>
-          </a:prstGeom>
-          <a:noFill/>
-          <a:ln w="28575"/>
-        </p:spPr>
-        <p:style>
-          <a:lnRef idx="2">
-            <a:schemeClr val="accent4"/>
-          </a:lnRef>
-          <a:fillRef idx="1">
-            <a:schemeClr val="lt1"/>
-          </a:fillRef>
-          <a:effectRef idx="0">
-            <a:schemeClr val="accent4"/>
-          </a:effectRef>
-          <a:fontRef idx="minor">
-            <a:schemeClr val="dk1"/>
-          </a:fontRef>
-        </p:style>
-        <p:txBody>
-          <a:bodyPr rtlCol="0" anchor="ctr"/>
-          <a:lstStyle/>
-          <a:p>
-            <a:pPr algn="ctr"/>
-            <a:endParaRPr kumimoji="1" lang="ja-JP" altLang="en-US"/>
-          </a:p>
-        </p:txBody>
-      </p:sp>
-      <p:sp>
-        <p:nvSpPr>
-          <p:cNvPr id="8" name="角丸四角形吹き出し 7"/>
-          <p:cNvSpPr/>
-          <p:nvPr/>
-        </p:nvSpPr>
-        <p:spPr>
-          <a:xfrm>
-            <a:off x="7979171" y="4869496"/>
-            <a:ext cx="3027849" cy="660020"/>
-          </a:xfrm>
-          <a:prstGeom prst="wedgeRoundRectCallout">
-            <a:avLst>
-              <a:gd name="adj1" fmla="val -73009"/>
-              <a:gd name="adj2" fmla="val -96715"/>
-              <a:gd name="adj3" fmla="val 16667"/>
-            </a:avLst>
-          </a:prstGeom>
-        </p:spPr>
-        <p:style>
-          <a:lnRef idx="2">
-            <a:schemeClr val="accent3"/>
-          </a:lnRef>
-          <a:fillRef idx="1">
-            <a:schemeClr val="lt1"/>
-          </a:fillRef>
-          <a:effectRef idx="0">
-            <a:schemeClr val="accent3"/>
-          </a:effectRef>
-          <a:fontRef idx="minor">
-            <a:schemeClr val="dk1"/>
-          </a:fontRef>
-        </p:style>
-        <p:txBody>
-          <a:bodyPr rtlCol="0" anchor="ctr"/>
-          <a:lstStyle/>
-          <a:p>
-            <a:r>
-              <a:rPr lang="en-US" altLang="ja-JP" b="1" dirty="0" smtClean="0">
-                <a:latin typeface="メイリオ" panose="020B0604030504040204" pitchFamily="50" charset="-128"/>
-                <a:ea typeface="メイリオ" panose="020B0604030504040204" pitchFamily="50" charset="-128"/>
-              </a:rPr>
-              <a:t>Assertion Roulette</a:t>
-            </a:r>
-            <a:endParaRPr kumimoji="1" lang="en-US" altLang="ja-JP" b="1" dirty="0" smtClean="0">
-              <a:latin typeface="メイリオ" panose="020B0604030504040204" pitchFamily="50" charset="-128"/>
-              <a:ea typeface="メイリオ" panose="020B0604030504040204" pitchFamily="50" charset="-128"/>
-            </a:endParaRPr>
-          </a:p>
-          <a:p>
-            <a:pPr algn="ctr"/>
-            <a:r>
-              <a:rPr kumimoji="1" lang="ja-JP" altLang="en-US" dirty="0" smtClean="0">
-                <a:latin typeface="メイリオ" panose="020B0604030504040204" pitchFamily="50" charset="-128"/>
-                <a:ea typeface="メイリオ" panose="020B0604030504040204" pitchFamily="50" charset="-128"/>
-              </a:rPr>
-              <a:t>複数の</a:t>
-            </a:r>
-            <a:r>
-              <a:rPr kumimoji="1" lang="en-US" altLang="ja-JP" dirty="0" smtClean="0">
-                <a:latin typeface="メイリオ" panose="020B0604030504040204" pitchFamily="50" charset="-128"/>
-                <a:ea typeface="メイリオ" panose="020B0604030504040204" pitchFamily="50" charset="-128"/>
-              </a:rPr>
-              <a:t>assert</a:t>
-            </a:r>
-            <a:r>
-              <a:rPr kumimoji="1" lang="ja-JP" altLang="en-US" dirty="0" smtClean="0">
-                <a:latin typeface="メイリオ" panose="020B0604030504040204" pitchFamily="50" charset="-128"/>
-                <a:ea typeface="メイリオ" panose="020B0604030504040204" pitchFamily="50" charset="-128"/>
-              </a:rPr>
-              <a:t>文が存在する</a:t>
-            </a:r>
-            <a:endParaRPr kumimoji="1" lang="en-US" altLang="ja-JP" dirty="0" smtClean="0">
-              <a:latin typeface="メイリオ" panose="020B0604030504040204" pitchFamily="50" charset="-128"/>
-              <a:ea typeface="メイリオ" panose="020B0604030504040204" pitchFamily="50" charset="-128"/>
-            </a:endParaRPr>
-          </a:p>
-        </p:txBody>
-      </p:sp>
-      <p:pic>
-        <p:nvPicPr>
-          <p:cNvPr id="9" name="図 8"/>
-          <p:cNvPicPr>
-            <a:picLocks noChangeAspect="1"/>
-          </p:cNvPicPr>
-          <p:nvPr/>
-        </p:nvPicPr>
-        <p:blipFill>
-          <a:blip r:embed="rId2" cstate="print">
-            <a:extLst>
-              <a:ext uri="{28A0092B-C50C-407E-A947-70E740481C1C}">
-                <a14:useLocalDpi xmlns:a14="http://schemas.microsoft.com/office/drawing/2010/main" val="0"/>
-              </a:ext>
-            </a:extLst>
-          </a:blip>
-          <a:stretch>
-            <a:fillRect/>
-          </a:stretch>
-        </p:blipFill>
-        <p:spPr>
-          <a:xfrm>
-            <a:off x="913014" y="1907704"/>
-            <a:ext cx="445604" cy="445604"/>
-          </a:xfrm>
-          <a:prstGeom prst="rect">
-            <a:avLst/>
-          </a:prstGeom>
-        </p:spPr>
-      </p:pic>
-      <p:pic>
-        <p:nvPicPr>
-          <p:cNvPr id="10" name="図 9"/>
-          <p:cNvPicPr>
-            <a:picLocks noChangeAspect="1"/>
-          </p:cNvPicPr>
-          <p:nvPr/>
-        </p:nvPicPr>
-        <p:blipFill>
-          <a:blip r:embed="rId2" cstate="print">
-            <a:extLst>
-              <a:ext uri="{28A0092B-C50C-407E-A947-70E740481C1C}">
-                <a14:useLocalDpi xmlns:a14="http://schemas.microsoft.com/office/drawing/2010/main" val="0"/>
-              </a:ext>
-            </a:extLst>
-          </a:blip>
-          <a:stretch>
-            <a:fillRect/>
-          </a:stretch>
-        </p:blipFill>
-        <p:spPr>
-          <a:xfrm>
-            <a:off x="7882227" y="1907704"/>
-            <a:ext cx="445604" cy="445604"/>
-          </a:xfrm>
-          <a:prstGeom prst="rect">
-            <a:avLst/>
-          </a:prstGeom>
-        </p:spPr>
-      </p:pic>
-      <p:sp>
-        <p:nvSpPr>
-          <p:cNvPr id="11" name="正方形/長方形 10"/>
-          <p:cNvSpPr/>
-          <p:nvPr/>
-        </p:nvSpPr>
-        <p:spPr>
-          <a:xfrm>
-            <a:off x="7701182" y="4851865"/>
-            <a:ext cx="303143" cy="327991"/>
-          </a:xfrm>
-          <a:prstGeom prst="rect">
-            <a:avLst/>
-          </a:prstGeom>
-          <a:solidFill>
-            <a:schemeClr val="bg1"/>
-          </a:solidFill>
-        </p:spPr>
-        <p:style>
-          <a:lnRef idx="2">
-            <a:schemeClr val="accent1">
-              <a:shade val="50000"/>
-            </a:schemeClr>
-          </a:lnRef>
-          <a:fillRef idx="1">
-            <a:schemeClr val="accent1"/>
-          </a:fillRef>
-          <a:effectRef idx="0">
-            <a:schemeClr val="accent1"/>
-          </a:effectRef>
-          <a:fontRef idx="minor">
-            <a:schemeClr val="lt1"/>
-          </a:fontRef>
-        </p:style>
-        <p:txBody>
-          <a:bodyPr rtlCol="0" anchor="ctr"/>
-          <a:lstStyle/>
-          <a:p>
-            <a:pPr algn="ctr"/>
-            <a:endParaRPr kumimoji="1" lang="ja-JP" altLang="en-US"/>
-          </a:p>
-        </p:txBody>
-      </p:sp>
-      <p:pic>
-        <p:nvPicPr>
-          <p:cNvPr id="12" name="図 11"/>
-          <p:cNvPicPr>
-            <a:picLocks noChangeAspect="1"/>
-          </p:cNvPicPr>
-          <p:nvPr/>
-        </p:nvPicPr>
-        <p:blipFill>
-          <a:blip r:embed="rId2" cstate="print">
-            <a:extLst>
-              <a:ext uri="{28A0092B-C50C-407E-A947-70E740481C1C}">
-                <a14:useLocalDpi xmlns:a14="http://schemas.microsoft.com/office/drawing/2010/main" val="0"/>
-              </a:ext>
-            </a:extLst>
-          </a:blip>
-          <a:stretch>
-            <a:fillRect/>
-          </a:stretch>
-        </p:blipFill>
-        <p:spPr>
-          <a:xfrm>
-            <a:off x="7629952" y="4791184"/>
-            <a:ext cx="445604" cy="445604"/>
-          </a:xfrm>
-          <a:prstGeom prst="rect">
-            <a:avLst/>
-          </a:prstGeom>
-        </p:spPr>
-      </p:pic>
-    </p:spTree>
-    <p:extLst>
-      <p:ext uri="{BB962C8B-B14F-4D97-AF65-F5344CB8AC3E}">
-        <p14:creationId xmlns:p14="http://schemas.microsoft.com/office/powerpoint/2010/main" val="3178239381"/>
       </p:ext>
     </p:extLst>
   </p:cSld>

--- a/presentation_kurachi.pptx
+++ b/presentation_kurachi.pptx
@@ -31982,7 +31982,7 @@
           <p:nvPr>
             <p:extLst>
               <p:ext uri="{D42A27DB-BD31-4B8C-83A1-F6EECF244321}">
-                <p14:modId xmlns:p14="http://schemas.microsoft.com/office/powerpoint/2010/main" val="3729909694"/>
+                <p14:modId xmlns:p14="http://schemas.microsoft.com/office/powerpoint/2010/main" val="2436833154"/>
               </p:ext>
             </p:extLst>
           </p:nvPr>
@@ -32740,13 +32740,13 @@
                     <a:p>
                       <a:pPr algn="r"/>
                       <a:r>
-                        <a:rPr kumimoji="1" lang="en-US" altLang="ja-JP" sz="2400" dirty="0" smtClean="0">
+                        <a:rPr kumimoji="1" lang="en-US" altLang="ja-JP" sz="2400" b="1" dirty="0" smtClean="0">
                           <a:latin typeface="メイリオ" panose="020B0604030504040204" pitchFamily="50" charset="-128"/>
                           <a:ea typeface="メイリオ" panose="020B0604030504040204" pitchFamily="50" charset="-128"/>
                         </a:rPr>
                         <a:t>24</a:t>
                       </a:r>
-                      <a:endParaRPr kumimoji="1" lang="ja-JP" altLang="en-US" sz="2400" dirty="0">
+                      <a:endParaRPr kumimoji="1" lang="ja-JP" altLang="en-US" sz="2400" b="1" dirty="0">
                         <a:latin typeface="メイリオ" panose="020B0604030504040204" pitchFamily="50" charset="-128"/>
                         <a:ea typeface="メイリオ" panose="020B0604030504040204" pitchFamily="50" charset="-128"/>
                       </a:endParaRPr>
@@ -32782,13 +32782,13 @@
                     <a:p>
                       <a:pPr algn="r"/>
                       <a:r>
-                        <a:rPr kumimoji="1" lang="en-US" altLang="ja-JP" sz="2400" dirty="0" smtClean="0">
+                        <a:rPr kumimoji="1" lang="en-US" altLang="ja-JP" sz="2400" b="1" dirty="0" smtClean="0">
                           <a:latin typeface="メイリオ" panose="020B0604030504040204" pitchFamily="50" charset="-128"/>
                           <a:ea typeface="メイリオ" panose="020B0604030504040204" pitchFamily="50" charset="-128"/>
                         </a:rPr>
                         <a:t>16</a:t>
                       </a:r>
-                      <a:endParaRPr kumimoji="1" lang="ja-JP" altLang="en-US" sz="2400" dirty="0">
+                      <a:endParaRPr kumimoji="1" lang="ja-JP" altLang="en-US" sz="2400" b="1" dirty="0">
                         <a:latin typeface="メイリオ" panose="020B0604030504040204" pitchFamily="50" charset="-128"/>
                         <a:ea typeface="メイリオ" panose="020B0604030504040204" pitchFamily="50" charset="-128"/>
                       </a:endParaRPr>
@@ -32996,28 +32996,28 @@
           <a:p>
             <a:pPr lvl="2"/>
             <a:r>
-              <a:rPr lang="en-US" altLang="ja-JP" sz="2400" dirty="0" smtClean="0"/>
+              <a:rPr lang="en-US" altLang="ja-JP" sz="2400" i="1" dirty="0" smtClean="0"/>
               <a:t>Mean Reciprocal Rank (MRR)</a:t>
             </a:r>
           </a:p>
           <a:p>
             <a:pPr lvl="2"/>
             <a:r>
-              <a:rPr lang="en-US" altLang="ja-JP" sz="2400" dirty="0" smtClean="0"/>
+              <a:rPr lang="en-US" altLang="ja-JP" sz="2400" i="1" dirty="0" smtClean="0"/>
               <a:t>Mean Average Precision (MAP)</a:t>
             </a:r>
           </a:p>
           <a:p>
             <a:pPr lvl="2"/>
             <a:r>
-              <a:rPr lang="en-US" altLang="ja-JP" sz="2400" dirty="0" smtClean="0"/>
+              <a:rPr lang="en-US" altLang="ja-JP" sz="2400" i="1" dirty="0" smtClean="0"/>
               <a:t>Mean </a:t>
             </a:r>
             <a:r>
-              <a:rPr lang="en-US" altLang="ja-JP" sz="2400" dirty="0" err="1" smtClean="0"/>
+              <a:rPr lang="en-US" altLang="ja-JP" sz="2400" i="1" dirty="0" err="1" smtClean="0"/>
               <a:t>Precision@N</a:t>
             </a:r>
-            <a:endParaRPr lang="en-US" altLang="ja-JP" sz="2400" dirty="0" smtClean="0"/>
+            <a:endParaRPr lang="en-US" altLang="ja-JP" sz="2400" i="1" dirty="0" smtClean="0"/>
           </a:p>
         </p:txBody>
       </p:sp>
@@ -33068,7 +33068,7 @@
             <p:ph idx="1"/>
             <p:extLst>
               <p:ext uri="{D42A27DB-BD31-4B8C-83A1-F6EECF244321}">
-                <p14:modId xmlns:p14="http://schemas.microsoft.com/office/powerpoint/2010/main" val="3726771377"/>
+                <p14:modId xmlns:p14="http://schemas.microsoft.com/office/powerpoint/2010/main" val="1717171348"/>
               </p:ext>
             </p:extLst>
           </p:nvPr>
@@ -33130,13 +33130,13 @@
                     <a:lstStyle/>
                     <a:p>
                       <a:r>
-                        <a:rPr kumimoji="1" lang="en-US" altLang="ja-JP" sz="2400" dirty="0" smtClean="0">
+                        <a:rPr kumimoji="1" lang="en-US" altLang="ja-JP" sz="2400" i="1" dirty="0" smtClean="0">
                           <a:latin typeface="メイリオ" panose="020B0604030504040204" pitchFamily="50" charset="-128"/>
                           <a:ea typeface="メイリオ" panose="020B0604030504040204" pitchFamily="50" charset="-128"/>
                         </a:rPr>
                         <a:t>MAP</a:t>
                       </a:r>
-                      <a:endParaRPr kumimoji="1" lang="ja-JP" altLang="en-US" sz="2400" dirty="0">
+                      <a:endParaRPr kumimoji="1" lang="ja-JP" altLang="en-US" sz="2400" i="1" dirty="0">
                         <a:latin typeface="メイリオ" panose="020B0604030504040204" pitchFamily="50" charset="-128"/>
                         <a:ea typeface="メイリオ" panose="020B0604030504040204" pitchFamily="50" charset="-128"/>
                       </a:endParaRPr>
@@ -33154,13 +33154,13 @@
                     <a:lstStyle/>
                     <a:p>
                       <a:r>
-                        <a:rPr kumimoji="1" lang="en-US" altLang="ja-JP" sz="2400" dirty="0" smtClean="0">
+                        <a:rPr kumimoji="1" lang="en-US" altLang="ja-JP" sz="2400" i="1" dirty="0" smtClean="0">
                           <a:latin typeface="メイリオ" panose="020B0604030504040204" pitchFamily="50" charset="-128"/>
                           <a:ea typeface="メイリオ" panose="020B0604030504040204" pitchFamily="50" charset="-128"/>
                         </a:rPr>
                         <a:t>MRR</a:t>
                       </a:r>
-                      <a:endParaRPr kumimoji="1" lang="ja-JP" altLang="en-US" sz="2400" dirty="0">
+                      <a:endParaRPr kumimoji="1" lang="ja-JP" altLang="en-US" sz="2400" i="1" dirty="0">
                         <a:latin typeface="メイリオ" panose="020B0604030504040204" pitchFamily="50" charset="-128"/>
                         <a:ea typeface="メイリオ" panose="020B0604030504040204" pitchFamily="50" charset="-128"/>
                       </a:endParaRPr>
@@ -33460,7 +33460,7 @@
           <p:nvPr>
             <p:extLst>
               <p:ext uri="{D42A27DB-BD31-4B8C-83A1-F6EECF244321}">
-                <p14:modId xmlns:p14="http://schemas.microsoft.com/office/powerpoint/2010/main" val="3795927568"/>
+                <p14:modId xmlns:p14="http://schemas.microsoft.com/office/powerpoint/2010/main" val="3822037572"/>
               </p:ext>
             </p:extLst>
           </p:nvPr>
@@ -33519,20 +33519,20 @@
                     <a:lstStyle/>
                     <a:p>
                       <a:r>
-                        <a:rPr kumimoji="1" lang="en-US" altLang="ja-JP" sz="2400" dirty="0" smtClean="0">
+                        <a:rPr kumimoji="1" lang="en-US" altLang="ja-JP" sz="2400" i="1" dirty="0" smtClean="0">
                           <a:latin typeface="メイリオ" panose="020B0604030504040204" pitchFamily="50" charset="-128"/>
                           <a:ea typeface="メイリオ" panose="020B0604030504040204" pitchFamily="50" charset="-128"/>
                         </a:rPr>
                         <a:t>Precision-</a:t>
                       </a:r>
                       <a:r>
-                        <a:rPr kumimoji="1" lang="en-US" altLang="ja-JP" sz="2400" dirty="0" err="1" smtClean="0">
+                        <a:rPr kumimoji="1" lang="en-US" altLang="ja-JP" sz="2400" i="1" dirty="0" err="1" smtClean="0">
                           <a:latin typeface="メイリオ" panose="020B0604030504040204" pitchFamily="50" charset="-128"/>
                           <a:ea typeface="メイリオ" panose="020B0604030504040204" pitchFamily="50" charset="-128"/>
                         </a:rPr>
                         <a:t>topN</a:t>
                       </a:r>
-                      <a:endParaRPr kumimoji="1" lang="ja-JP" altLang="en-US" sz="2400" dirty="0">
+                      <a:endParaRPr kumimoji="1" lang="ja-JP" altLang="en-US" sz="2400" i="1" dirty="0">
                         <a:latin typeface="メイリオ" panose="020B0604030504040204" pitchFamily="50" charset="-128"/>
                         <a:ea typeface="メイリオ" panose="020B0604030504040204" pitchFamily="50" charset="-128"/>
                       </a:endParaRPr>
@@ -33550,13 +33550,13 @@
                     <a:lstStyle/>
                     <a:p>
                       <a:r>
-                        <a:rPr kumimoji="1" lang="en-US" altLang="ja-JP" sz="2400" dirty="0" smtClean="0">
+                        <a:rPr kumimoji="1" lang="en-US" altLang="ja-JP" sz="2400" i="1" dirty="0" smtClean="0">
                           <a:latin typeface="メイリオ" panose="020B0604030504040204" pitchFamily="50" charset="-128"/>
                           <a:ea typeface="メイリオ" panose="020B0604030504040204" pitchFamily="50" charset="-128"/>
                         </a:rPr>
                         <a:t>top1</a:t>
                       </a:r>
-                      <a:endParaRPr kumimoji="1" lang="ja-JP" altLang="en-US" sz="2400" dirty="0">
+                      <a:endParaRPr kumimoji="1" lang="ja-JP" altLang="en-US" sz="2400" i="1" dirty="0">
                         <a:latin typeface="メイリオ" panose="020B0604030504040204" pitchFamily="50" charset="-128"/>
                         <a:ea typeface="メイリオ" panose="020B0604030504040204" pitchFamily="50" charset="-128"/>
                       </a:endParaRPr>
@@ -33574,13 +33574,13 @@
                     <a:lstStyle/>
                     <a:p>
                       <a:r>
-                        <a:rPr kumimoji="1" lang="en-US" altLang="ja-JP" sz="2400" dirty="0" smtClean="0">
+                        <a:rPr kumimoji="1" lang="en-US" altLang="ja-JP" sz="2400" i="1" dirty="0" smtClean="0">
                           <a:latin typeface="メイリオ" panose="020B0604030504040204" pitchFamily="50" charset="-128"/>
                           <a:ea typeface="メイリオ" panose="020B0604030504040204" pitchFamily="50" charset="-128"/>
                         </a:rPr>
                         <a:t>top2</a:t>
                       </a:r>
-                      <a:endParaRPr kumimoji="1" lang="ja-JP" altLang="en-US" sz="2400" dirty="0">
+                      <a:endParaRPr kumimoji="1" lang="ja-JP" altLang="en-US" sz="2400" i="1" dirty="0">
                         <a:latin typeface="メイリオ" panose="020B0604030504040204" pitchFamily="50" charset="-128"/>
                         <a:ea typeface="メイリオ" panose="020B0604030504040204" pitchFamily="50" charset="-128"/>
                       </a:endParaRPr>
@@ -33598,13 +33598,13 @@
                     <a:lstStyle/>
                     <a:p>
                       <a:r>
-                        <a:rPr kumimoji="1" lang="en-US" altLang="ja-JP" sz="2400" dirty="0" smtClean="0">
+                        <a:rPr kumimoji="1" lang="en-US" altLang="ja-JP" sz="2400" i="1" dirty="0" smtClean="0">
                           <a:latin typeface="メイリオ" panose="020B0604030504040204" pitchFamily="50" charset="-128"/>
                           <a:ea typeface="メイリオ" panose="020B0604030504040204" pitchFamily="50" charset="-128"/>
                         </a:rPr>
                         <a:t>top5</a:t>
                       </a:r>
-                      <a:endParaRPr kumimoji="1" lang="ja-JP" altLang="en-US" sz="2400" dirty="0">
+                      <a:endParaRPr kumimoji="1" lang="ja-JP" altLang="en-US" sz="2400" i="1" dirty="0">
                         <a:latin typeface="メイリオ" panose="020B0604030504040204" pitchFamily="50" charset="-128"/>
                         <a:ea typeface="メイリオ" panose="020B0604030504040204" pitchFamily="50" charset="-128"/>
                       </a:endParaRPr>
@@ -33622,13 +33622,13 @@
                     <a:lstStyle/>
                     <a:p>
                       <a:r>
-                        <a:rPr kumimoji="1" lang="en-US" altLang="ja-JP" sz="2400" dirty="0" smtClean="0">
+                        <a:rPr kumimoji="1" lang="en-US" altLang="ja-JP" sz="2400" i="1" dirty="0" smtClean="0">
                           <a:latin typeface="メイリオ" panose="020B0604030504040204" pitchFamily="50" charset="-128"/>
                           <a:ea typeface="メイリオ" panose="020B0604030504040204" pitchFamily="50" charset="-128"/>
                         </a:rPr>
                         <a:t>top10</a:t>
                       </a:r>
-                      <a:endParaRPr kumimoji="1" lang="ja-JP" altLang="en-US" sz="2400" dirty="0">
+                      <a:endParaRPr kumimoji="1" lang="ja-JP" altLang="en-US" sz="2400" i="1" dirty="0">
                         <a:latin typeface="メイリオ" panose="020B0604030504040204" pitchFamily="50" charset="-128"/>
                         <a:ea typeface="メイリオ" panose="020B0604030504040204" pitchFamily="50" charset="-128"/>
                       </a:endParaRPr>
@@ -34021,7 +34021,7 @@
           <a:p>
             <a:pPr algn="ctr"/>
             <a:r>
-              <a:rPr lang="en-US" altLang="ja-JP" sz="2000" dirty="0" smtClean="0">
+              <a:rPr lang="en-US" altLang="ja-JP" sz="2000" i="1" dirty="0" smtClean="0">
                 <a:latin typeface="メイリオ" panose="020B0604030504040204" pitchFamily="50" charset="-128"/>
                 <a:ea typeface="メイリオ" panose="020B0604030504040204" pitchFamily="50" charset="-128"/>
               </a:rPr>
@@ -34035,7 +34035,7 @@
               <a:t>と</a:t>
             </a:r>
             <a:r>
-              <a:rPr lang="en-US" altLang="ja-JP" sz="2000" dirty="0" smtClean="0">
+              <a:rPr lang="en-US" altLang="ja-JP" sz="2000" i="1" dirty="0" smtClean="0">
                 <a:latin typeface="メイリオ" panose="020B0604030504040204" pitchFamily="50" charset="-128"/>
                 <a:ea typeface="メイリオ" panose="020B0604030504040204" pitchFamily="50" charset="-128"/>
               </a:rPr>
@@ -34079,7 +34079,7 @@
           <a:p>
             <a:pPr algn="ctr"/>
             <a:r>
-              <a:rPr lang="en-US" altLang="ja-JP" sz="2000" dirty="0" smtClean="0">
+              <a:rPr lang="en-US" altLang="ja-JP" sz="2000" i="1" dirty="0" smtClean="0">
                 <a:latin typeface="メイリオ" panose="020B0604030504040204" pitchFamily="50" charset="-128"/>
                 <a:ea typeface="メイリオ" panose="020B0604030504040204" pitchFamily="50" charset="-128"/>
               </a:rPr>

--- a/presentation_kurachi.pptx
+++ b/presentation_kurachi.pptx
@@ -16940,8 +16940,12 @@
           <a:lstStyle/>
           <a:p>
             <a:r>
+              <a:rPr lang="en-US" altLang="ja-JP" sz="2800" b="1" i="1" dirty="0"/>
+              <a:t>Step4:</a:t>
+            </a:r>
+            <a:r>
               <a:rPr lang="en-US" altLang="ja-JP" sz="2800" b="1" dirty="0"/>
-              <a:t>Step4: </a:t>
+              <a:t> </a:t>
             </a:r>
             <a:r>
               <a:rPr lang="ja-JP" altLang="en-US" sz="2800" dirty="0"/>
@@ -19107,8 +19111,12 @@
               <a:buNone/>
             </a:pPr>
             <a:r>
+              <a:rPr lang="en-US" altLang="ja-JP" b="1" i="1" dirty="0" smtClean="0"/>
+              <a:t>RQ1.</a:t>
+            </a:r>
+            <a:r>
               <a:rPr lang="en-US" altLang="ja-JP" b="1" dirty="0" smtClean="0"/>
-              <a:t>RQ1. </a:t>
+              <a:t> </a:t>
             </a:r>
             <a:r>
               <a:rPr lang="en-US" altLang="ja-JP" dirty="0" err="1" smtClean="0"/>
@@ -19160,7 +19168,7 @@
               <a:buNone/>
             </a:pPr>
             <a:r>
-              <a:rPr lang="en-US" altLang="ja-JP" b="1" dirty="0" smtClean="0"/>
+              <a:rPr lang="en-US" altLang="ja-JP" b="1" i="1" dirty="0" smtClean="0"/>
               <a:t>RQ2. </a:t>
             </a:r>
             <a:r>
@@ -19198,7 +19206,7 @@
               <a:buNone/>
             </a:pPr>
             <a:r>
-              <a:rPr lang="en-US" altLang="ja-JP" b="1" dirty="0" smtClean="0"/>
+              <a:rPr lang="en-US" altLang="ja-JP" b="1" i="1" dirty="0" smtClean="0"/>
               <a:t>RQ3. </a:t>
             </a:r>
             <a:r>
@@ -19243,7 +19251,7 @@
               <a:buNone/>
             </a:pPr>
             <a:r>
-              <a:rPr lang="en-US" altLang="ja-JP" b="1" dirty="0" smtClean="0"/>
+              <a:rPr lang="en-US" altLang="ja-JP" b="1" i="1" dirty="0" smtClean="0"/>
               <a:t>RQ4. </a:t>
             </a:r>
             <a:r>
@@ -19328,8 +19336,12 @@
           <a:lstStyle/>
           <a:p>
             <a:r>
+              <a:rPr lang="en-US" altLang="ja-JP" b="1" i="1" dirty="0"/>
+              <a:t>RQ1.</a:t>
+            </a:r>
+            <a:r>
               <a:rPr lang="en-US" altLang="ja-JP" b="1" dirty="0"/>
-              <a:t>RQ1. </a:t>
+              <a:t> </a:t>
             </a:r>
             <a:r>
               <a:rPr lang="en-US" altLang="ja-JP" dirty="0" err="1"/>
@@ -19772,7 +19784,7 @@
           <a:lstStyle/>
           <a:p>
             <a:r>
-              <a:rPr lang="en-US" altLang="ja-JP" b="1" dirty="0"/>
+              <a:rPr lang="en-US" altLang="ja-JP" b="1" i="1" dirty="0"/>
               <a:t>RQ2. </a:t>
             </a:r>
             <a:r>
@@ -20499,8 +20511,12 @@
           <a:lstStyle/>
           <a:p>
             <a:r>
+              <a:rPr lang="en-US" altLang="ja-JP" b="1" i="1" dirty="0"/>
+              <a:t>RQ3.</a:t>
+            </a:r>
+            <a:r>
               <a:rPr lang="en-US" altLang="ja-JP" b="1" dirty="0"/>
-              <a:t>RQ3. </a:t>
+              <a:t> </a:t>
             </a:r>
             <a:r>
               <a:rPr lang="en-US" altLang="ja-JP" dirty="0" err="1"/>
@@ -21153,7 +21169,7 @@
           <a:lstStyle/>
           <a:p>
             <a:r>
-              <a:rPr lang="en-US" altLang="ja-JP" b="1" dirty="0"/>
+              <a:rPr lang="en-US" altLang="ja-JP" b="1" i="1" dirty="0"/>
               <a:t>RQ4.</a:t>
             </a:r>
             <a:r>
@@ -21335,7 +21351,7 @@
           <p:nvPr>
             <p:extLst>
               <p:ext uri="{D42A27DB-BD31-4B8C-83A1-F6EECF244321}">
-                <p14:modId xmlns:p14="http://schemas.microsoft.com/office/powerpoint/2010/main" val="3851486168"/>
+                <p14:modId xmlns:p14="http://schemas.microsoft.com/office/powerpoint/2010/main" val="3480954555"/>
               </p:ext>
             </p:extLst>
           </p:nvPr>
@@ -21416,13 +21432,13 @@
                     <a:p>
                       <a:pPr algn="ctr"/>
                       <a:r>
-                        <a:rPr kumimoji="1" lang="en-US" altLang="ja-JP" sz="2400" b="0" dirty="0" smtClean="0">
+                        <a:rPr kumimoji="1" lang="en-US" altLang="ja-JP" sz="2400" b="0" i="1" dirty="0" smtClean="0">
                           <a:latin typeface="メイリオ" panose="020B0604030504040204" pitchFamily="50" charset="-128"/>
                           <a:ea typeface="メイリオ" panose="020B0604030504040204" pitchFamily="50" charset="-128"/>
                         </a:rPr>
                         <a:t>Q1-a</a:t>
                       </a:r>
-                      <a:endParaRPr kumimoji="1" lang="ja-JP" altLang="en-US" sz="2400" b="0" dirty="0">
+                      <a:endParaRPr kumimoji="1" lang="ja-JP" altLang="en-US" sz="2400" b="0" i="1" dirty="0">
                         <a:latin typeface="メイリオ" panose="020B0604030504040204" pitchFamily="50" charset="-128"/>
                         <a:ea typeface="メイリオ" panose="020B0604030504040204" pitchFamily="50" charset="-128"/>
                       </a:endParaRPr>
@@ -21485,13 +21501,13 @@
                     <a:p>
                       <a:pPr algn="ctr"/>
                       <a:r>
-                        <a:rPr kumimoji="1" lang="en-US" altLang="ja-JP" sz="2400" b="0" dirty="0" smtClean="0">
+                        <a:rPr kumimoji="1" lang="en-US" altLang="ja-JP" sz="2400" b="0" i="1" dirty="0" smtClean="0">
                           <a:latin typeface="メイリオ" panose="020B0604030504040204" pitchFamily="50" charset="-128"/>
                           <a:ea typeface="メイリオ" panose="020B0604030504040204" pitchFamily="50" charset="-128"/>
                         </a:rPr>
                         <a:t>Q1-b</a:t>
                       </a:r>
-                      <a:endParaRPr kumimoji="1" lang="ja-JP" altLang="en-US" sz="2400" b="0" dirty="0">
+                      <a:endParaRPr kumimoji="1" lang="ja-JP" altLang="en-US" sz="2400" b="0" i="1" dirty="0">
                         <a:latin typeface="メイリオ" panose="020B0604030504040204" pitchFamily="50" charset="-128"/>
                         <a:ea typeface="メイリオ" panose="020B0604030504040204" pitchFamily="50" charset="-128"/>
                       </a:endParaRPr>
@@ -21571,13 +21587,13 @@
                     <a:p>
                       <a:pPr algn="ctr"/>
                       <a:r>
-                        <a:rPr kumimoji="1" lang="en-US" altLang="ja-JP" sz="2400" b="0" dirty="0" smtClean="0">
+                        <a:rPr kumimoji="1" lang="en-US" altLang="ja-JP" sz="2400" b="0" i="1" dirty="0" smtClean="0">
                           <a:latin typeface="メイリオ" panose="020B0604030504040204" pitchFamily="50" charset="-128"/>
                           <a:ea typeface="メイリオ" panose="020B0604030504040204" pitchFamily="50" charset="-128"/>
                         </a:rPr>
                         <a:t>Q2-a</a:t>
                       </a:r>
-                      <a:endParaRPr kumimoji="1" lang="ja-JP" altLang="en-US" sz="2400" b="0" dirty="0">
+                      <a:endParaRPr kumimoji="1" lang="ja-JP" altLang="en-US" sz="2400" b="0" i="1" dirty="0">
                         <a:latin typeface="メイリオ" panose="020B0604030504040204" pitchFamily="50" charset="-128"/>
                         <a:ea typeface="メイリオ" panose="020B0604030504040204" pitchFamily="50" charset="-128"/>
                       </a:endParaRPr>
@@ -21657,13 +21673,13 @@
                     <a:p>
                       <a:pPr algn="ctr"/>
                       <a:r>
-                        <a:rPr kumimoji="1" lang="en-US" altLang="ja-JP" sz="2400" b="0" dirty="0" smtClean="0">
+                        <a:rPr kumimoji="1" lang="en-US" altLang="ja-JP" sz="2400" b="0" i="1" dirty="0" smtClean="0">
                           <a:latin typeface="メイリオ" panose="020B0604030504040204" pitchFamily="50" charset="-128"/>
                           <a:ea typeface="メイリオ" panose="020B0604030504040204" pitchFamily="50" charset="-128"/>
                         </a:rPr>
                         <a:t>Q2-b</a:t>
                       </a:r>
-                      <a:endParaRPr kumimoji="1" lang="ja-JP" altLang="en-US" sz="2400" b="0" dirty="0">
+                      <a:endParaRPr kumimoji="1" lang="ja-JP" altLang="en-US" sz="2400" b="0" i="1" dirty="0">
                         <a:latin typeface="メイリオ" panose="020B0604030504040204" pitchFamily="50" charset="-128"/>
                         <a:ea typeface="メイリオ" panose="020B0604030504040204" pitchFamily="50" charset="-128"/>
                       </a:endParaRPr>
@@ -21743,13 +21759,13 @@
                     <a:p>
                       <a:pPr algn="ctr"/>
                       <a:r>
-                        <a:rPr kumimoji="1" lang="en-US" altLang="ja-JP" sz="2400" b="0" dirty="0" smtClean="0">
+                        <a:rPr kumimoji="1" lang="en-US" altLang="ja-JP" sz="2400" b="0" i="1" dirty="0" smtClean="0">
                           <a:latin typeface="メイリオ" panose="020B0604030504040204" pitchFamily="50" charset="-128"/>
                           <a:ea typeface="メイリオ" panose="020B0604030504040204" pitchFamily="50" charset="-128"/>
                         </a:rPr>
                         <a:t>Q3-a</a:t>
                       </a:r>
-                      <a:endParaRPr kumimoji="1" lang="ja-JP" altLang="en-US" sz="2400" b="0" dirty="0">
+                      <a:endParaRPr kumimoji="1" lang="ja-JP" altLang="en-US" sz="2400" b="0" i="1" dirty="0">
                         <a:latin typeface="メイリオ" panose="020B0604030504040204" pitchFamily="50" charset="-128"/>
                         <a:ea typeface="メイリオ" panose="020B0604030504040204" pitchFamily="50" charset="-128"/>
                       </a:endParaRPr>
@@ -21829,13 +21845,13 @@
                     <a:p>
                       <a:pPr algn="ctr"/>
                       <a:r>
-                        <a:rPr kumimoji="1" lang="en-US" altLang="ja-JP" sz="2400" b="0" dirty="0" smtClean="0">
+                        <a:rPr kumimoji="1" lang="en-US" altLang="ja-JP" sz="2400" b="0" i="1" dirty="0" smtClean="0">
                           <a:latin typeface="メイリオ" panose="020B0604030504040204" pitchFamily="50" charset="-128"/>
                           <a:ea typeface="メイリオ" panose="020B0604030504040204" pitchFamily="50" charset="-128"/>
                         </a:rPr>
                         <a:t>Q3-b</a:t>
                       </a:r>
-                      <a:endParaRPr kumimoji="1" lang="ja-JP" altLang="en-US" sz="2400" b="0" dirty="0">
+                      <a:endParaRPr kumimoji="1" lang="ja-JP" altLang="en-US" sz="2400" b="0" i="1" dirty="0">
                         <a:latin typeface="メイリオ" panose="020B0604030504040204" pitchFamily="50" charset="-128"/>
                         <a:ea typeface="メイリオ" panose="020B0604030504040204" pitchFamily="50" charset="-128"/>
                       </a:endParaRPr>
@@ -21966,7 +21982,7 @@
           <a:lstStyle/>
           <a:p>
             <a:r>
-              <a:rPr lang="en-US" altLang="ja-JP" b="1" dirty="0"/>
+              <a:rPr lang="en-US" altLang="ja-JP" b="1" i="1" dirty="0"/>
               <a:t>RQ4.</a:t>
             </a:r>
             <a:r>
@@ -41601,7 +41617,7 @@
           <a:lstStyle/>
           <a:p>
             <a:r>
-              <a:rPr lang="en-US" altLang="ja-JP" b="1" dirty="0">
+              <a:rPr lang="en-US" altLang="ja-JP" b="1" i="1" dirty="0">
                 <a:solidFill>
                   <a:schemeClr val="bg1"/>
                 </a:solidFill>
@@ -42909,12 +42925,20 @@
           <a:lstStyle/>
           <a:p>
             <a:r>
+              <a:rPr lang="en-US" altLang="ja-JP" b="1" i="1" dirty="0">
+                <a:solidFill>
+                  <a:schemeClr val="bg1"/>
+                </a:solidFill>
+              </a:rPr>
+              <a:t>Step2:</a:t>
+            </a:r>
+            <a:r>
               <a:rPr lang="en-US" altLang="ja-JP" b="1" dirty="0">
                 <a:solidFill>
                   <a:schemeClr val="bg1"/>
                 </a:solidFill>
               </a:rPr>
-              <a:t>Step2: </a:t>
+              <a:t> </a:t>
             </a:r>
             <a:r>
               <a:rPr lang="ja-JP" altLang="en-US" dirty="0">
@@ -44026,7 +44050,7 @@
           <a:lstStyle/>
           <a:p>
             <a:r>
-              <a:rPr lang="en-US" altLang="ja-JP" b="1" dirty="0"/>
+              <a:rPr lang="en-US" altLang="ja-JP" b="1" i="1" dirty="0"/>
               <a:t>Step3:</a:t>
             </a:r>
             <a:r>

--- a/presentation_kurachi.pptx
+++ b/presentation_kurachi.pptx
@@ -5,7 +5,7 @@
     <p:sldMasterId id="2147483648" r:id="rId1"/>
   </p:sldMasterIdLst>
   <p:notesMasterIdLst>
-    <p:notesMasterId r:id="rId43"/>
+    <p:notesMasterId r:id="rId44"/>
   </p:notesMasterIdLst>
   <p:sldIdLst>
     <p:sldId id="274" r:id="rId2"/>
@@ -49,6 +49,7 @@
     <p:sldId id="377" r:id="rId40"/>
     <p:sldId id="379" r:id="rId41"/>
     <p:sldId id="378" r:id="rId42"/>
+    <p:sldId id="383" r:id="rId43"/>
   </p:sldIdLst>
   <p:sldSz cx="12192000" cy="6858000"/>
   <p:notesSz cx="6805613" cy="9939338"/>
@@ -4315,6 +4316,12 @@
           <a:lstStyle/>
           <a:p>
             <a:r>
+              <a:rPr kumimoji="1" lang="en-US" altLang="ja-JP" dirty="0" smtClean="0"/>
+              <a:t>0:12</a:t>
+            </a:r>
+          </a:p>
+          <a:p>
+            <a:r>
               <a:rPr kumimoji="1" lang="ja-JP" altLang="en-US" dirty="0" smtClean="0"/>
               <a:t>ソースコード</a:t>
             </a:r>
@@ -4418,8 +4425,18 @@
           <a:lstStyle/>
           <a:p>
             <a:r>
+              <a:rPr kumimoji="1" lang="en-US" altLang="ja-JP" dirty="0" smtClean="0"/>
+              <a:t>8:30</a:t>
+            </a:r>
+          </a:p>
+          <a:p>
+            <a:r>
               <a:rPr kumimoji="1" lang="ja-JP" altLang="en-US" dirty="0" smtClean="0"/>
-              <a:t>最後の</a:t>
+              <a:t>最後</a:t>
+            </a:r>
+            <a:r>
+              <a:rPr kumimoji="1" lang="ja-JP" altLang="en-US" dirty="0" smtClean="0"/>
+              <a:t>の</a:t>
             </a:r>
             <a:r>
               <a:rPr kumimoji="1" lang="en-US" altLang="ja-JP" dirty="0" smtClean="0"/>
@@ -4741,8 +4758,18 @@
           <a:lstStyle/>
           <a:p>
             <a:r>
+              <a:rPr kumimoji="1" lang="en-US" altLang="ja-JP" dirty="0" smtClean="0"/>
+              <a:t>9:01</a:t>
+            </a:r>
+          </a:p>
+          <a:p>
+            <a:r>
               <a:rPr kumimoji="1" lang="ja-JP" altLang="en-US" dirty="0" smtClean="0"/>
-              <a:t>こちらは、</a:t>
+              <a:t>こちら</a:t>
+            </a:r>
+            <a:r>
+              <a:rPr kumimoji="1" lang="ja-JP" altLang="en-US" dirty="0" smtClean="0"/>
+              <a:t>は、</a:t>
             </a:r>
             <a:r>
               <a:rPr kumimoji="1" lang="en-US" altLang="ja-JP" dirty="0" err="1" smtClean="0"/>
@@ -4893,12 +4920,27 @@
           <a:bodyPr/>
           <a:lstStyle/>
           <a:p>
+            <a:pPr marL="0" marR="0" indent="0" algn="l" defTabSz="914400" rtl="0" eaLnBrk="1" fontAlgn="auto" latinLnBrk="0" hangingPunct="1">
+              <a:lnSpc>
+                <a:spcPct val="100000"/>
+              </a:lnSpc>
+              <a:spcBef>
+                <a:spcPts val="0"/>
+              </a:spcBef>
+              <a:spcAft>
+                <a:spcPts val="0"/>
+              </a:spcAft>
+              <a:buClrTx/>
+              <a:buSzTx/>
+              <a:buFontTx/>
+              <a:buNone/>
+              <a:tabLst/>
+              <a:defRPr/>
+            </a:pPr>
             <a:r>
               <a:rPr kumimoji="1" lang="en-US" altLang="ja-JP" dirty="0" smtClean="0"/>
-              <a:t>0:54</a:t>
-            </a:r>
-          </a:p>
-          <a:p>
+              <a:t>10:01</a:t>
+            </a:r>
             <a:endParaRPr kumimoji="1" lang="en-US" altLang="ja-JP" dirty="0" smtClean="0"/>
           </a:p>
           <a:p>
@@ -5231,8 +5273,35 @@
               <a:defRPr/>
             </a:pPr>
             <a:r>
+              <a:rPr kumimoji="1" lang="en-US" altLang="ja-JP" dirty="0" smtClean="0"/>
+              <a:t>11:00</a:t>
+            </a:r>
+          </a:p>
+          <a:p>
+            <a:pPr marL="0" marR="0" indent="0" algn="l" defTabSz="914400" rtl="0" eaLnBrk="1" fontAlgn="auto" latinLnBrk="0" hangingPunct="1">
+              <a:lnSpc>
+                <a:spcPct val="100000"/>
+              </a:lnSpc>
+              <a:spcBef>
+                <a:spcPts val="0"/>
+              </a:spcBef>
+              <a:spcAft>
+                <a:spcPts val="0"/>
+              </a:spcAft>
+              <a:buClrTx/>
+              <a:buSzTx/>
+              <a:buFontTx/>
+              <a:buNone/>
+              <a:tabLst/>
+              <a:defRPr/>
+            </a:pPr>
+            <a:r>
               <a:rPr kumimoji="1" lang="ja-JP" altLang="en-US" dirty="0" smtClean="0"/>
-              <a:t>評価実験</a:t>
+              <a:t>評価</a:t>
+            </a:r>
+            <a:r>
+              <a:rPr kumimoji="1" lang="ja-JP" altLang="en-US" dirty="0" smtClean="0"/>
+              <a:t>実験</a:t>
             </a:r>
             <a:r>
               <a:rPr kumimoji="1" lang="en-US" altLang="ja-JP" dirty="0" smtClean="0"/>
@@ -5586,8 +5655,18 @@
           <a:lstStyle/>
           <a:p>
             <a:r>
+              <a:rPr kumimoji="1" lang="en-US" altLang="ja-JP" dirty="0" smtClean="0"/>
+              <a:t>12:18</a:t>
+            </a:r>
+          </a:p>
+          <a:p>
+            <a:r>
               <a:rPr kumimoji="1" lang="ja-JP" altLang="en-US" dirty="0" smtClean="0"/>
-              <a:t>そして、本研究では、評価実験</a:t>
+              <a:t>そして</a:t>
+            </a:r>
+            <a:r>
+              <a:rPr kumimoji="1" lang="ja-JP" altLang="en-US" dirty="0" smtClean="0"/>
+              <a:t>、本研究では、評価実験</a:t>
             </a:r>
             <a:r>
               <a:rPr kumimoji="1" lang="en-US" altLang="ja-JP" dirty="0" smtClean="0"/>
@@ -5657,7 +5736,15 @@
             </a:r>
             <a:r>
               <a:rPr kumimoji="1" lang="en-US" altLang="ja-JP" dirty="0" smtClean="0"/>
-              <a:t>2,3</a:t>
+              <a:t>2</a:t>
+            </a:r>
+            <a:r>
+              <a:rPr kumimoji="1" lang="ja-JP" altLang="en-US" dirty="0" smtClean="0"/>
+              <a:t>と</a:t>
+            </a:r>
+            <a:r>
+              <a:rPr kumimoji="1" lang="en-US" altLang="ja-JP" dirty="0" smtClean="0"/>
+              <a:t>3</a:t>
             </a:r>
             <a:r>
               <a:rPr kumimoji="1" lang="ja-JP" altLang="en-US" dirty="0" smtClean="0"/>
@@ -5699,15 +5786,11 @@
             </a:r>
             <a:r>
               <a:rPr kumimoji="1" lang="ja-JP" altLang="en-US" dirty="0" smtClean="0"/>
-              <a:t>リサーチクエスチョン</a:t>
-            </a:r>
-            <a:r>
-              <a:rPr kumimoji="1" lang="en-US" altLang="ja-JP" dirty="0" smtClean="0"/>
-              <a:t>2</a:t>
+              <a:t>リサーチクエスチョンに</a:t>
             </a:r>
             <a:r>
               <a:rPr kumimoji="1" lang="ja-JP" altLang="en-US" dirty="0" smtClean="0"/>
-              <a:t>に答えることで、</a:t>
+              <a:t>答えることで、</a:t>
             </a:r>
             <a:r>
               <a:rPr kumimoji="1" lang="en-US" altLang="ja-JP" dirty="0" err="1" smtClean="0"/>
@@ -5715,11 +5798,12 @@
             </a:r>
             <a:r>
               <a:rPr kumimoji="1" lang="ja-JP" altLang="en-US" dirty="0" smtClean="0"/>
-              <a:t>を利用は、</a:t>
-            </a:r>
-            <a:endParaRPr kumimoji="1" lang="en-US" altLang="ja-JP" dirty="0" smtClean="0"/>
-          </a:p>
-          <a:p>
+              <a:t>を利用は</a:t>
+            </a:r>
+            <a:r>
+              <a:rPr kumimoji="1" lang="ja-JP" altLang="en-US" dirty="0" smtClean="0"/>
+              <a:t>、</a:t>
+            </a:r>
             <a:endParaRPr kumimoji="1" lang="en-US" altLang="ja-JP" dirty="0" smtClean="0"/>
           </a:p>
           <a:p>
@@ -5891,8 +5975,9 @@
           <a:p>
             <a:r>
               <a:rPr kumimoji="1" lang="en-US" altLang="ja-JP" dirty="0" smtClean="0"/>
-              <a:t>1:02</a:t>
-            </a:r>
+              <a:t>13:24</a:t>
+            </a:r>
+            <a:endParaRPr kumimoji="1" lang="en-US" altLang="ja-JP" dirty="0" smtClean="0"/>
           </a:p>
           <a:p>
             <a:endParaRPr kumimoji="1" lang="en-US" altLang="ja-JP" dirty="0" smtClean="0"/>
@@ -6178,8 +6263,9 @@
           <a:p>
             <a:r>
               <a:rPr kumimoji="1" lang="en-US" altLang="ja-JP" dirty="0" smtClean="0"/>
-              <a:t>2:35 (1:33)</a:t>
-            </a:r>
+              <a:t>15:08</a:t>
+            </a:r>
+            <a:endParaRPr kumimoji="1" lang="en-US" altLang="ja-JP" dirty="0" smtClean="0"/>
           </a:p>
           <a:p>
             <a:r>
@@ -6496,18 +6582,8 @@
           <a:p>
             <a:r>
               <a:rPr kumimoji="1" lang="en-US" altLang="ja-JP" dirty="0" smtClean="0"/>
-              <a:t>4:05</a:t>
-            </a:r>
-            <a:r>
-              <a:rPr kumimoji="1" lang="en-US" altLang="ja-JP" baseline="0" dirty="0" smtClean="0"/>
-              <a:t> (</a:t>
-            </a:r>
-            <a:r>
-              <a:rPr kumimoji="1" lang="en-US" altLang="ja-JP" dirty="0" smtClean="0"/>
-              <a:t>1:30)</a:t>
-            </a:r>
-          </a:p>
-          <a:p>
+              <a:t>16:39</a:t>
+            </a:r>
             <a:endParaRPr kumimoji="1" lang="en-US" altLang="ja-JP" dirty="0" smtClean="0"/>
           </a:p>
           <a:p>
@@ -6576,14 +6652,14 @@
               <a:t>これは、</a:t>
             </a:r>
             <a:r>
-              <a:rPr kumimoji="1" lang="en-US" altLang="ja-JP" dirty="0" err="1" smtClean="0"/>
+              <a:rPr kumimoji="1" lang="en-US" altLang="ja-JP" b="1" dirty="0" err="1" smtClean="0"/>
               <a:t>SuiteRec</a:t>
             </a:r>
             <a:r>
-              <a:rPr kumimoji="1" lang="ja-JP" altLang="en-US" dirty="0" smtClean="0"/>
+              <a:rPr kumimoji="1" lang="ja-JP" altLang="en-US" b="1" dirty="0" smtClean="0"/>
               <a:t>によって推薦されたテストコードの品質が高く、被験者はそれを再利用することで品質を維持したままテストコードを作成できた可能性があります。</a:t>
             </a:r>
-            <a:endParaRPr kumimoji="1" lang="en-US" altLang="ja-JP" dirty="0" smtClean="0"/>
+            <a:endParaRPr kumimoji="1" lang="en-US" altLang="ja-JP" b="1" dirty="0" smtClean="0"/>
           </a:p>
           <a:p>
             <a:endParaRPr kumimoji="1" lang="en-US" altLang="ja-JP" dirty="0" smtClean="0"/>
@@ -6750,8 +6826,9 @@
           <a:p>
             <a:r>
               <a:rPr kumimoji="1" lang="en-US" altLang="ja-JP" dirty="0" smtClean="0"/>
-              <a:t>4:33 (0:28)</a:t>
-            </a:r>
+              <a:t>17:07</a:t>
+            </a:r>
+            <a:endParaRPr kumimoji="1" lang="en-US" altLang="ja-JP" dirty="0" smtClean="0"/>
           </a:p>
           <a:p>
             <a:r>
@@ -6883,14 +6960,12 @@
           <a:lstStyle/>
           <a:p>
             <a:r>
-              <a:rPr kumimoji="1" lang="en-US" altLang="ja-JP" dirty="0" smtClean="0"/>
-              <a:t>5:41 (1:08)</a:t>
-            </a:r>
-          </a:p>
-          <a:p>
-            <a:r>
               <a:rPr kumimoji="1" lang="ja-JP" altLang="en-US" dirty="0" smtClean="0"/>
-              <a:t>こちらがアンケートの結果になります。</a:t>
+              <a:t>こちら</a:t>
+            </a:r>
+            <a:r>
+              <a:rPr kumimoji="1" lang="ja-JP" altLang="en-US" dirty="0" smtClean="0"/>
+              <a:t>がアンケートの結果になります。</a:t>
             </a:r>
             <a:endParaRPr kumimoji="1" lang="en-US" altLang="ja-JP" dirty="0" smtClean="0"/>
           </a:p>
@@ -7071,7 +7146,7 @@
             </a:pPr>
             <a:r>
               <a:rPr kumimoji="1" lang="ja-JP" altLang="en-US" dirty="0" smtClean="0"/>
-              <a:t>不安なくソフトウェアをユーザに提供することは、ソフトウェアテストの目的の</a:t>
+              <a:t>開発者が自分で作成したコードに自信持てることは重要なことで、不安なくソフトウェアをユーザに提供することは、ソフトウェアテストの目的の</a:t>
             </a:r>
             <a:r>
               <a:rPr kumimoji="1" lang="en-US" altLang="ja-JP" dirty="0" smtClean="0"/>
@@ -7079,11 +7154,8 @@
             </a:r>
             <a:r>
               <a:rPr kumimoji="1" lang="ja-JP" altLang="en-US" dirty="0" smtClean="0"/>
-              <a:t>つなので、自分が作成したコードに自信持てることは重要です。</a:t>
-            </a:r>
-            <a:endParaRPr kumimoji="1" lang="en-US" altLang="ja-JP" dirty="0" smtClean="0"/>
-          </a:p>
-          <a:p>
+              <a:t>つです。</a:t>
+            </a:r>
             <a:endParaRPr kumimoji="1" lang="en-US" altLang="ja-JP" dirty="0" smtClean="0"/>
           </a:p>
           <a:p>
@@ -7118,18 +7190,12 @@
             </a:r>
             <a:r>
               <a:rPr kumimoji="1" lang="ja-JP" altLang="en-US" dirty="0" smtClean="0"/>
-              <a:t>では、</a:t>
-            </a:r>
-            <a:r>
-              <a:rPr lang="ja-JP" altLang="en-US" sz="1200" dirty="0" smtClean="0">
-                <a:latin typeface="メイリオ" panose="020B0604030504040204" pitchFamily="50" charset="-128"/>
-                <a:ea typeface="メイリオ" panose="020B0604030504040204" pitchFamily="50" charset="-128"/>
-              </a:rPr>
-              <a:t>開発者はテスト作成タスクを容易だと認識し、作成したテストコードに自信が持てることが分かりました。</a:t>
-            </a:r>
-            <a:endParaRPr kumimoji="1" lang="en-US" altLang="ja-JP" dirty="0" smtClean="0"/>
-          </a:p>
-          <a:p>
+              <a:t>では</a:t>
+            </a:r>
+            <a:r>
+              <a:rPr kumimoji="1" lang="ja-JP" altLang="en-US" dirty="0" smtClean="0"/>
+              <a:t>、～～</a:t>
+            </a:r>
             <a:endParaRPr kumimoji="1" lang="en-US" altLang="ja-JP" dirty="0" smtClean="0"/>
           </a:p>
           <a:p>
@@ -7245,6 +7311,29 @@
               <a:defRPr/>
             </a:pPr>
             <a:r>
+              <a:rPr kumimoji="1" lang="en-US" altLang="ja-JP" dirty="0" smtClean="0"/>
+              <a:t>1:00</a:t>
+            </a:r>
+          </a:p>
+          <a:p>
+            <a:pPr marL="0" marR="0" indent="0" algn="l" defTabSz="914400" rtl="0" eaLnBrk="1" fontAlgn="auto" latinLnBrk="0" hangingPunct="1">
+              <a:lnSpc>
+                <a:spcPct val="100000"/>
+              </a:lnSpc>
+              <a:spcBef>
+                <a:spcPts val="0"/>
+              </a:spcBef>
+              <a:spcAft>
+                <a:spcPts val="0"/>
+              </a:spcAft>
+              <a:buClrTx/>
+              <a:buSzTx/>
+              <a:buFontTx/>
+              <a:buNone/>
+              <a:tabLst/>
+              <a:defRPr/>
+            </a:pPr>
+            <a:r>
               <a:rPr kumimoji="1" lang="ja-JP" altLang="en-US" dirty="0" smtClean="0"/>
               <a:t>まず</a:t>
             </a:r>
@@ -7443,7 +7532,27 @@
           <a:p>
             <a:r>
               <a:rPr kumimoji="1" lang="ja-JP" altLang="en-US" dirty="0" smtClean="0"/>
-              <a:t>今後の課題として、提案ツールのより実用的な利用に備えてツールを改善していく必要があります</a:t>
+              <a:t>今後の課題として、</a:t>
+            </a:r>
+            <a:r>
+              <a:rPr kumimoji="1" lang="ja-JP" altLang="en-US" b="1" dirty="0" smtClean="0"/>
+              <a:t>提案</a:t>
+            </a:r>
+            <a:r>
+              <a:rPr kumimoji="1" lang="ja-JP" altLang="en-US" b="1" dirty="0" smtClean="0"/>
+              <a:t>ツールをより</a:t>
+            </a:r>
+            <a:r>
+              <a:rPr kumimoji="1" lang="ja-JP" altLang="en-US" b="1" dirty="0" smtClean="0"/>
+              <a:t>実用的な利用に</a:t>
+            </a:r>
+            <a:r>
+              <a:rPr kumimoji="1" lang="ja-JP" altLang="en-US" b="1" dirty="0" smtClean="0"/>
+              <a:t>備えてさらに改善</a:t>
+            </a:r>
+            <a:r>
+              <a:rPr kumimoji="1" lang="ja-JP" altLang="en-US" b="1" dirty="0" smtClean="0"/>
+              <a:t>していく必要があります</a:t>
             </a:r>
             <a:r>
               <a:rPr kumimoji="1" lang="ja-JP" altLang="en-US" dirty="0" smtClean="0"/>
@@ -8442,6 +8551,12 @@
           <a:lstStyle/>
           <a:p>
             <a:r>
+              <a:rPr kumimoji="1" lang="en-US" altLang="ja-JP" dirty="0" smtClean="0"/>
+              <a:t>1:28</a:t>
+            </a:r>
+          </a:p>
+          <a:p>
+            <a:r>
               <a:rPr kumimoji="1" lang="ja-JP" altLang="en-US" dirty="0" smtClean="0"/>
               <a:t>その</a:t>
             </a:r>
@@ -10138,6 +10253,12 @@
           <a:lstStyle/>
           <a:p>
             <a:r>
+              <a:rPr kumimoji="1" lang="en-US" altLang="ja-JP" dirty="0" smtClean="0"/>
+              <a:t>2:27</a:t>
+            </a:r>
+          </a:p>
+          <a:p>
+            <a:r>
               <a:rPr kumimoji="1" lang="ja-JP" altLang="en-US" dirty="0" smtClean="0"/>
               <a:t>次</a:t>
             </a:r>
@@ -10331,6 +10452,12 @@
           <a:lstStyle/>
           <a:p>
             <a:r>
+              <a:rPr kumimoji="1" lang="en-US" altLang="ja-JP" dirty="0" smtClean="0"/>
+              <a:t>3:18</a:t>
+            </a:r>
+          </a:p>
+          <a:p>
+            <a:r>
               <a:rPr kumimoji="1" lang="ja-JP" altLang="en-US" dirty="0" smtClean="0"/>
               <a:t>そこ</a:t>
             </a:r>
@@ -10552,25 +10679,9 @@
           <a:lstStyle/>
           <a:p>
             <a:r>
-              <a:rPr kumimoji="1" lang="ja-JP" altLang="en-US" dirty="0" smtClean="0"/>
-              <a:t>こちら</a:t>
-            </a:r>
-            <a:r>
-              <a:rPr kumimoji="1" lang="ja-JP" altLang="en-US" dirty="0" smtClean="0"/>
-              <a:t>が</a:t>
-            </a:r>
-            <a:r>
-              <a:rPr kumimoji="1" lang="en-US" altLang="ja-JP" dirty="0" err="1" smtClean="0"/>
-              <a:t>SuiteRec</a:t>
-            </a:r>
-            <a:r>
-              <a:rPr kumimoji="1" lang="ja-JP" altLang="en-US" dirty="0" smtClean="0"/>
-              <a:t>の概要になります</a:t>
-            </a:r>
-            <a:endParaRPr kumimoji="1" lang="en-US" altLang="ja-JP" dirty="0" smtClean="0"/>
-          </a:p>
-          <a:p>
-            <a:endParaRPr kumimoji="1" lang="en-US" altLang="ja-JP" dirty="0" smtClean="0"/>
+              <a:rPr kumimoji="1" lang="en-US" altLang="ja-JP" dirty="0" smtClean="0"/>
+              <a:t>4:16</a:t>
+            </a:r>
           </a:p>
           <a:p>
             <a:r>
@@ -10872,6 +10983,12 @@
           <a:p>
             <a:r>
               <a:rPr kumimoji="1" lang="en-US" altLang="ja-JP" dirty="0" smtClean="0"/>
+              <a:t>5:02</a:t>
+            </a:r>
+          </a:p>
+          <a:p>
+            <a:r>
+              <a:rPr kumimoji="1" lang="en-US" altLang="ja-JP" dirty="0" smtClean="0"/>
               <a:t>Step1</a:t>
             </a:r>
             <a:r>
@@ -11056,6 +11173,12 @@
           <a:p>
             <a:r>
               <a:rPr kumimoji="1" lang="en-US" altLang="ja-JP" dirty="0" smtClean="0"/>
+              <a:t>6:11</a:t>
+            </a:r>
+          </a:p>
+          <a:p>
+            <a:r>
+              <a:rPr kumimoji="1" lang="en-US" altLang="ja-JP" dirty="0" smtClean="0"/>
               <a:t>Step2</a:t>
             </a:r>
             <a:r>
@@ -11323,6 +11446,12 @@
         <p:txBody>
           <a:bodyPr/>
           <a:lstStyle/>
+          <a:p>
+            <a:r>
+              <a:rPr kumimoji="1" lang="en-US" altLang="ja-JP" dirty="0" smtClean="0"/>
+              <a:t>7:22</a:t>
+            </a:r>
+          </a:p>
           <a:p>
             <a:r>
               <a:rPr kumimoji="1" lang="en-US" altLang="ja-JP" dirty="0" smtClean="0"/>
@@ -19076,7 +19205,15 @@
             </a:r>
             <a:r>
               <a:rPr lang="en-US" altLang="ja-JP" dirty="0"/>
-              <a:t>(RQ)</a:t>
+              <a:t>(</a:t>
+            </a:r>
+            <a:r>
+              <a:rPr lang="en-US" altLang="ja-JP" i="1" dirty="0"/>
+              <a:t>RQ</a:t>
+            </a:r>
+            <a:r>
+              <a:rPr lang="en-US" altLang="ja-JP" dirty="0"/>
+              <a:t>)</a:t>
             </a:r>
             <a:endParaRPr kumimoji="1" lang="ja-JP" altLang="en-US" dirty="0"/>
           </a:p>
@@ -20443,11 +20580,25 @@
           <a:lstStyle/>
           <a:p>
             <a:r>
+              <a:rPr lang="en-US" altLang="ja-JP" sz="2800" dirty="0" err="1" smtClean="0">
+                <a:latin typeface="メイリオ" panose="020B0604030504040204" pitchFamily="50" charset="-128"/>
+                <a:ea typeface="メイリオ" panose="020B0604030504040204" pitchFamily="50" charset="-128"/>
+              </a:rPr>
+              <a:t>SuiteRec</a:t>
+            </a:r>
+            <a:r>
               <a:rPr lang="ja-JP" altLang="en-US" sz="2800" dirty="0" smtClean="0">
                 <a:latin typeface="メイリオ" panose="020B0604030504040204" pitchFamily="50" charset="-128"/>
                 <a:ea typeface="メイリオ" panose="020B0604030504040204" pitchFamily="50" charset="-128"/>
               </a:rPr>
-              <a:t>開発者はテストコード作成に多くの時間を費やす</a:t>
+              <a:t>の利用によって、開発者</a:t>
+            </a:r>
+            <a:r>
+              <a:rPr lang="ja-JP" altLang="en-US" sz="2800" dirty="0" smtClean="0">
+                <a:latin typeface="メイリオ" panose="020B0604030504040204" pitchFamily="50" charset="-128"/>
+                <a:ea typeface="メイリオ" panose="020B0604030504040204" pitchFamily="50" charset="-128"/>
+              </a:rPr>
+              <a:t>はテストコード作成に多くの時間を費やす</a:t>
             </a:r>
             <a:endParaRPr lang="en-US" altLang="ja-JP" sz="2800" dirty="0" smtClean="0">
               <a:latin typeface="メイリオ" panose="020B0604030504040204" pitchFamily="50" charset="-128"/>
@@ -20868,7 +21019,7 @@
         <p:spPr>
           <a:xfrm>
             <a:off x="1045535" y="5423883"/>
-            <a:ext cx="9375775" cy="1126218"/>
+            <a:ext cx="9679615" cy="1126218"/>
           </a:xfrm>
           <a:prstGeom prst="roundRect">
             <a:avLst/>
@@ -20893,11 +21044,39 @@
           <a:lstStyle/>
           <a:p>
             <a:r>
+              <a:rPr lang="en-US" altLang="ja-JP" sz="2800" dirty="0" err="1" smtClean="0">
+                <a:latin typeface="メイリオ" panose="020B0604030504040204" pitchFamily="50" charset="-128"/>
+                <a:ea typeface="メイリオ" panose="020B0604030504040204" pitchFamily="50" charset="-128"/>
+              </a:rPr>
+              <a:t>SuiteRec</a:t>
+            </a:r>
+            <a:r>
               <a:rPr lang="ja-JP" altLang="en-US" sz="2800" dirty="0" smtClean="0">
                 <a:latin typeface="メイリオ" panose="020B0604030504040204" pitchFamily="50" charset="-128"/>
                 <a:ea typeface="メイリオ" panose="020B0604030504040204" pitchFamily="50" charset="-128"/>
               </a:rPr>
-              <a:t>テストスメルの数が少なく、品質の高いテストコードの作成を支援できる</a:t>
+              <a:t>の利用は、テストスメル</a:t>
+            </a:r>
+            <a:r>
+              <a:rPr lang="ja-JP" altLang="en-US" sz="2800" dirty="0" smtClean="0">
+                <a:latin typeface="メイリオ" panose="020B0604030504040204" pitchFamily="50" charset="-128"/>
+                <a:ea typeface="メイリオ" panose="020B0604030504040204" pitchFamily="50" charset="-128"/>
+              </a:rPr>
+              <a:t>の数が</a:t>
+            </a:r>
+            <a:r>
+              <a:rPr lang="ja-JP" altLang="en-US" sz="2800" dirty="0" smtClean="0">
+                <a:latin typeface="メイリオ" panose="020B0604030504040204" pitchFamily="50" charset="-128"/>
+                <a:ea typeface="メイリオ" panose="020B0604030504040204" pitchFamily="50" charset="-128"/>
+              </a:rPr>
+              <a:t>少なく品質</a:t>
+            </a:r>
+            <a:r>
+              <a:rPr lang="ja-JP" altLang="en-US" sz="2800" dirty="0" smtClean="0">
+                <a:latin typeface="メイリオ" panose="020B0604030504040204" pitchFamily="50" charset="-128"/>
+                <a:ea typeface="メイリオ" panose="020B0604030504040204" pitchFamily="50" charset="-128"/>
+              </a:rPr>
+              <a:t>の高いテストコードの作成を支援できる</a:t>
             </a:r>
             <a:endParaRPr lang="ja-JP" altLang="en-US" sz="2800" dirty="0">
               <a:latin typeface="メイリオ" panose="020B0604030504040204" pitchFamily="50" charset="-128"/>
@@ -22028,8 +22207,8 @@
         </p:nvSpPr>
         <p:spPr>
           <a:xfrm>
-            <a:off x="1470353" y="5649806"/>
-            <a:ext cx="9431327" cy="1005029"/>
+            <a:off x="1414069" y="5629486"/>
+            <a:ext cx="9177731" cy="970820"/>
           </a:xfrm>
           <a:prstGeom prst="roundRect">
             <a:avLst/>
@@ -22054,11 +22233,39 @@
           <a:lstStyle/>
           <a:p>
             <a:r>
+              <a:rPr lang="en-US" altLang="ja-JP" sz="2800" dirty="0" err="1" smtClean="0">
+                <a:latin typeface="メイリオ" panose="020B0604030504040204" pitchFamily="50" charset="-128"/>
+                <a:ea typeface="メイリオ" panose="020B0604030504040204" pitchFamily="50" charset="-128"/>
+              </a:rPr>
+              <a:t>SuiteRec</a:t>
+            </a:r>
+            <a:r>
               <a:rPr lang="ja-JP" altLang="en-US" sz="2800" dirty="0" smtClean="0">
                 <a:latin typeface="メイリオ" panose="020B0604030504040204" pitchFamily="50" charset="-128"/>
                 <a:ea typeface="メイリオ" panose="020B0604030504040204" pitchFamily="50" charset="-128"/>
               </a:rPr>
-              <a:t>開発者はテスト作成タスクを容易だと認識し、作成したテストコードに自信が持てる</a:t>
+              <a:t>を利用すると、開発者はテスト</a:t>
+            </a:r>
+            <a:r>
+              <a:rPr lang="ja-JP" altLang="en-US" sz="2800" dirty="0" smtClean="0">
+                <a:latin typeface="メイリオ" panose="020B0604030504040204" pitchFamily="50" charset="-128"/>
+                <a:ea typeface="メイリオ" panose="020B0604030504040204" pitchFamily="50" charset="-128"/>
+              </a:rPr>
+              <a:t>作成タスクを容易だと認識</a:t>
+            </a:r>
+            <a:r>
+              <a:rPr lang="ja-JP" altLang="en-US" sz="2800" dirty="0" smtClean="0">
+                <a:latin typeface="メイリオ" panose="020B0604030504040204" pitchFamily="50" charset="-128"/>
+                <a:ea typeface="メイリオ" panose="020B0604030504040204" pitchFamily="50" charset="-128"/>
+              </a:rPr>
+              <a:t>し、作成</a:t>
+            </a:r>
+            <a:r>
+              <a:rPr lang="ja-JP" altLang="en-US" sz="2800" dirty="0" smtClean="0">
+                <a:latin typeface="メイリオ" panose="020B0604030504040204" pitchFamily="50" charset="-128"/>
+                <a:ea typeface="メイリオ" panose="020B0604030504040204" pitchFamily="50" charset="-128"/>
+              </a:rPr>
+              <a:t>したテストコードに自信が持てる</a:t>
             </a:r>
             <a:endParaRPr lang="ja-JP" altLang="en-US" sz="2800" dirty="0">
               <a:latin typeface="メイリオ" panose="020B0604030504040204" pitchFamily="50" charset="-128"/>
@@ -26032,15 +26239,15 @@
           <a:lstStyle/>
           <a:p>
             <a:r>
-              <a:rPr lang="en-US" altLang="ja-JP" sz="2700" dirty="0"/>
+              <a:rPr lang="en-US" altLang="ja-JP" sz="2700" i="1" dirty="0"/>
               <a:t>Assertion </a:t>
             </a:r>
             <a:r>
-              <a:rPr lang="en-US" altLang="ja-JP" sz="2700" dirty="0" smtClean="0"/>
+              <a:rPr lang="en-US" altLang="ja-JP" sz="2700" i="1" dirty="0" smtClean="0"/>
               <a:t>Roulette</a:t>
             </a:r>
             <a:r>
-              <a:rPr lang="ja-JP" altLang="en-US" sz="2700" dirty="0"/>
+              <a:rPr lang="ja-JP" altLang="en-US" sz="2700" i="1" dirty="0"/>
               <a:t> </a:t>
             </a:r>
             <a:r>
@@ -26668,11 +26875,11 @@
           <a:lstStyle/>
           <a:p>
             <a:r>
-              <a:rPr lang="en-US" altLang="ja-JP" dirty="0"/>
+              <a:rPr lang="en-US" altLang="ja-JP" i="1" dirty="0"/>
               <a:t>Mystery Guest</a:t>
             </a:r>
             <a:r>
-              <a:rPr lang="ja-JP" altLang="en-US" dirty="0"/>
+              <a:rPr lang="ja-JP" altLang="en-US" i="1" dirty="0"/>
               <a:t> </a:t>
             </a:r>
             <a:r>
@@ -27209,8 +27416,12 @@
           <a:lstStyle/>
           <a:p>
             <a:r>
+              <a:rPr lang="en-US" altLang="ja-JP" i="1" dirty="0"/>
+              <a:t>Eager Test </a:t>
+            </a:r>
+            <a:r>
               <a:rPr lang="en-US" altLang="ja-JP" dirty="0"/>
-              <a:t>Eager Test (</a:t>
+              <a:t>(</a:t>
             </a:r>
             <a:r>
               <a:rPr lang="ja-JP" altLang="en-US" dirty="0"/>
@@ -40633,6 +40844,224 @@
 </p:sld>
 </file>
 
+<file path=ppt/slides/slide42.xml><?xml version="1.0" encoding="utf-8"?>
+<p:sld xmlns:a="http://schemas.openxmlformats.org/drawingml/2006/main" xmlns:r="http://schemas.openxmlformats.org/officeDocument/2006/relationships" xmlns:p="http://schemas.openxmlformats.org/presentationml/2006/main">
+  <p:cSld>
+    <p:spTree>
+      <p:nvGrpSpPr>
+        <p:cNvPr id="1" name=""/>
+        <p:cNvGrpSpPr/>
+        <p:nvPr/>
+      </p:nvGrpSpPr>
+      <p:grpSpPr>
+        <a:xfrm>
+          <a:off x="0" y="0"/>
+          <a:ext cx="0" cy="0"/>
+          <a:chOff x="0" y="0"/>
+          <a:chExt cx="0" cy="0"/>
+        </a:xfrm>
+      </p:grpSpPr>
+      <p:sp>
+        <p:nvSpPr>
+          <p:cNvPr id="2" name="コンテンツ プレースホルダー 1"/>
+          <p:cNvSpPr>
+            <a:spLocks noGrp="1"/>
+          </p:cNvSpPr>
+          <p:nvPr>
+            <p:ph idx="1"/>
+          </p:nvPr>
+        </p:nvSpPr>
+        <p:spPr>
+          <a:xfrm>
+            <a:off x="654268" y="1468602"/>
+            <a:ext cx="10848975" cy="4653674"/>
+          </a:xfrm>
+        </p:spPr>
+        <p:txBody>
+          <a:bodyPr>
+            <a:normAutofit/>
+          </a:bodyPr>
+          <a:lstStyle/>
+          <a:p>
+            <a:pPr marL="0" indent="0">
+              <a:buNone/>
+            </a:pPr>
+            <a:r>
+              <a:rPr lang="ja-JP" altLang="en-US" sz="3200" dirty="0" smtClean="0"/>
+              <a:t>自由記述欄の回答</a:t>
+            </a:r>
+            <a:endParaRPr lang="en-US" altLang="ja-JP" sz="3200" dirty="0" smtClean="0"/>
+          </a:p>
+          <a:p>
+            <a:endParaRPr lang="en-US" altLang="ja-JP" sz="100" dirty="0" smtClean="0"/>
+          </a:p>
+          <a:p>
+            <a:pPr marL="0" indent="0">
+              <a:buNone/>
+            </a:pPr>
+            <a:r>
+              <a:rPr lang="ja-JP" altLang="en-US" dirty="0" smtClean="0"/>
+              <a:t>「テスト項目を推薦されたテストコードを見て，見落としていた</a:t>
+            </a:r>
+            <a:r>
+              <a:rPr lang="en-US" altLang="ja-JP" dirty="0" smtClean="0"/>
+              <a:t/>
+            </a:r>
+            <a:br>
+              <a:rPr lang="en-US" altLang="ja-JP" dirty="0" smtClean="0"/>
+            </a:br>
+            <a:r>
+              <a:rPr lang="ja-JP" altLang="en-US" dirty="0" smtClean="0"/>
+              <a:t>　テスト項目に気づくことができた」</a:t>
+            </a:r>
+            <a:endParaRPr lang="en-US" altLang="ja-JP" dirty="0" smtClean="0"/>
+          </a:p>
+          <a:p>
+            <a:pPr marL="0" indent="0">
+              <a:buNone/>
+            </a:pPr>
+            <a:endParaRPr kumimoji="1" lang="en-US" altLang="ja-JP" dirty="0"/>
+          </a:p>
+          <a:p>
+            <a:pPr marL="0" indent="0">
+              <a:buNone/>
+            </a:pPr>
+            <a:r>
+              <a:rPr lang="ja-JP" altLang="en-US" dirty="0"/>
+              <a:t>「提示されたテストスメルを 理解し，それを無くすよう</a:t>
+            </a:r>
+            <a:r>
+              <a:rPr lang="ja-JP" altLang="en-US" dirty="0" smtClean="0"/>
+              <a:t>にリファ</a:t>
+            </a:r>
+            <a:r>
+              <a:rPr lang="en-US" altLang="ja-JP" dirty="0" smtClean="0"/>
+              <a:t/>
+            </a:r>
+            <a:br>
+              <a:rPr lang="en-US" altLang="ja-JP" dirty="0" smtClean="0"/>
+            </a:br>
+            <a:r>
+              <a:rPr lang="ja-JP" altLang="en-US" dirty="0" smtClean="0"/>
+              <a:t>　クタリング</a:t>
+            </a:r>
+            <a:r>
+              <a:rPr lang="ja-JP" altLang="en-US" dirty="0"/>
+              <a:t>しテストコードを</a:t>
+            </a:r>
+            <a:r>
+              <a:rPr lang="ja-JP" altLang="en-US" dirty="0" smtClean="0"/>
+              <a:t>作成でき</a:t>
+            </a:r>
+            <a:r>
+              <a:rPr lang="ja-JP" altLang="en-US" dirty="0"/>
+              <a:t>た</a:t>
+            </a:r>
+            <a:r>
+              <a:rPr lang="ja-JP" altLang="en-US" dirty="0" smtClean="0"/>
+              <a:t>」</a:t>
+            </a:r>
+            <a:endParaRPr lang="en-US" altLang="ja-JP" dirty="0" smtClean="0"/>
+          </a:p>
+          <a:p>
+            <a:pPr marL="0" indent="0">
+              <a:buNone/>
+            </a:pPr>
+            <a:endParaRPr lang="en-US" altLang="ja-JP" dirty="0"/>
+          </a:p>
+          <a:p>
+            <a:pPr marL="0" indent="0">
+              <a:buNone/>
+            </a:pPr>
+            <a:r>
+              <a:rPr lang="ja-JP" altLang="en-US" dirty="0"/>
+              <a:t>「テストスメルの存在は意識できたが，</a:t>
+            </a:r>
+            <a:r>
+              <a:rPr lang="ja-JP" altLang="en-US" dirty="0" smtClean="0"/>
+              <a:t>具体的</a:t>
+            </a:r>
+            <a:r>
+              <a:rPr lang="ja-JP" altLang="en-US" dirty="0"/>
+              <a:t>にどう修正</a:t>
+            </a:r>
+            <a:r>
+              <a:rPr lang="ja-JP" altLang="en-US" dirty="0" smtClean="0"/>
+              <a:t>して</a:t>
+            </a:r>
+            <a:r>
+              <a:rPr lang="en-US" altLang="ja-JP" dirty="0" smtClean="0"/>
+              <a:t/>
+            </a:r>
+            <a:br>
+              <a:rPr lang="en-US" altLang="ja-JP" dirty="0" smtClean="0"/>
+            </a:br>
+            <a:r>
+              <a:rPr lang="ja-JP" altLang="en-US" dirty="0" smtClean="0"/>
+              <a:t>　無くす</a:t>
+            </a:r>
+            <a:r>
+              <a:rPr lang="ja-JP" altLang="en-US" dirty="0"/>
+              <a:t>ことができるのか</a:t>
+            </a:r>
+            <a:r>
+              <a:rPr lang="ja-JP" altLang="en-US" dirty="0" smtClean="0"/>
+              <a:t>分からなかった」</a:t>
+            </a:r>
+            <a:endParaRPr lang="en-US" altLang="ja-JP" dirty="0" smtClean="0"/>
+          </a:p>
+          <a:p>
+            <a:pPr marL="0" indent="0">
+              <a:buNone/>
+            </a:pPr>
+            <a:endParaRPr lang="en-US" altLang="ja-JP" dirty="0"/>
+          </a:p>
+          <a:p>
+            <a:pPr marL="0" indent="0">
+              <a:buNone/>
+            </a:pPr>
+            <a:endParaRPr lang="en-US" altLang="ja-JP" dirty="0" smtClean="0"/>
+          </a:p>
+        </p:txBody>
+      </p:sp>
+      <p:sp>
+        <p:nvSpPr>
+          <p:cNvPr id="3" name="タイトル 2"/>
+          <p:cNvSpPr>
+            <a:spLocks noGrp="1"/>
+          </p:cNvSpPr>
+          <p:nvPr>
+            <p:ph type="title"/>
+          </p:nvPr>
+        </p:nvSpPr>
+        <p:spPr/>
+        <p:txBody>
+          <a:bodyPr>
+            <a:normAutofit/>
+          </a:bodyPr>
+          <a:lstStyle/>
+          <a:p>
+            <a:r>
+              <a:rPr kumimoji="1" lang="ja-JP" altLang="en-US" dirty="0" smtClean="0"/>
+              <a:t>アンケートの自由記述欄</a:t>
+            </a:r>
+            <a:endParaRPr kumimoji="1" lang="ja-JP" altLang="en-US" dirty="0"/>
+          </a:p>
+        </p:txBody>
+      </p:sp>
+    </p:spTree>
+    <p:extLst>
+      <p:ext uri="{BB962C8B-B14F-4D97-AF65-F5344CB8AC3E}">
+        <p14:creationId xmlns:p14="http://schemas.microsoft.com/office/powerpoint/2010/main" val="1657726625"/>
+      </p:ext>
+    </p:extLst>
+  </p:cSld>
+  <p:clrMapOvr>
+    <a:masterClrMapping/>
+  </p:clrMapOvr>
+</p:sld>
+</file>
+
 <file path=ppt/slides/slide5.xml><?xml version="1.0" encoding="utf-8"?>
 <p:sld xmlns:a="http://schemas.openxmlformats.org/drawingml/2006/main" xmlns:r="http://schemas.openxmlformats.org/officeDocument/2006/relationships" xmlns:p="http://schemas.openxmlformats.org/presentationml/2006/main">
   <p:cSld>

--- a/presentation_kurachi.pptx
+++ b/presentation_kurachi.pptx
@@ -5,7 +5,7 @@
     <p:sldMasterId id="2147483648" r:id="rId1"/>
   </p:sldMasterIdLst>
   <p:notesMasterIdLst>
-    <p:notesMasterId r:id="rId44"/>
+    <p:notesMasterId r:id="rId45"/>
   </p:notesMasterIdLst>
   <p:sldIdLst>
     <p:sldId id="274" r:id="rId2"/>
@@ -30,26 +30,27 @@
     <p:sldId id="375" r:id="rId21"/>
     <p:sldId id="292" r:id="rId22"/>
     <p:sldId id="354" r:id="rId23"/>
-    <p:sldId id="381" r:id="rId24"/>
-    <p:sldId id="382" r:id="rId25"/>
-    <p:sldId id="367" r:id="rId26"/>
-    <p:sldId id="366" r:id="rId27"/>
-    <p:sldId id="368" r:id="rId28"/>
-    <p:sldId id="293" r:id="rId29"/>
-    <p:sldId id="290" r:id="rId30"/>
-    <p:sldId id="291" r:id="rId31"/>
-    <p:sldId id="334" r:id="rId32"/>
-    <p:sldId id="288" r:id="rId33"/>
-    <p:sldId id="353" r:id="rId34"/>
-    <p:sldId id="371" r:id="rId35"/>
-    <p:sldId id="370" r:id="rId36"/>
-    <p:sldId id="286" r:id="rId37"/>
-    <p:sldId id="295" r:id="rId38"/>
-    <p:sldId id="380" r:id="rId39"/>
-    <p:sldId id="377" r:id="rId40"/>
-    <p:sldId id="379" r:id="rId41"/>
-    <p:sldId id="378" r:id="rId42"/>
-    <p:sldId id="383" r:id="rId43"/>
+    <p:sldId id="384" r:id="rId24"/>
+    <p:sldId id="381" r:id="rId25"/>
+    <p:sldId id="382" r:id="rId26"/>
+    <p:sldId id="367" r:id="rId27"/>
+    <p:sldId id="366" r:id="rId28"/>
+    <p:sldId id="368" r:id="rId29"/>
+    <p:sldId id="293" r:id="rId30"/>
+    <p:sldId id="290" r:id="rId31"/>
+    <p:sldId id="291" r:id="rId32"/>
+    <p:sldId id="334" r:id="rId33"/>
+    <p:sldId id="288" r:id="rId34"/>
+    <p:sldId id="353" r:id="rId35"/>
+    <p:sldId id="371" r:id="rId36"/>
+    <p:sldId id="370" r:id="rId37"/>
+    <p:sldId id="286" r:id="rId38"/>
+    <p:sldId id="295" r:id="rId39"/>
+    <p:sldId id="380" r:id="rId40"/>
+    <p:sldId id="377" r:id="rId41"/>
+    <p:sldId id="379" r:id="rId42"/>
+    <p:sldId id="378" r:id="rId43"/>
+    <p:sldId id="383" r:id="rId44"/>
   </p:sldIdLst>
   <p:sldSz cx="12192000" cy="6858000"/>
   <p:notesSz cx="6805613" cy="9939338"/>
@@ -7859,7 +7860,7 @@
           <a:p>
             <a:fld id="{A375FAFC-A5AB-4FEC-AA23-92E34682EFAF}" type="slidenum">
               <a:rPr kumimoji="1" lang="ja-JP" altLang="en-US" smtClean="0"/>
-              <a:t>25</a:t>
+              <a:t>26</a:t>
             </a:fld>
             <a:endParaRPr kumimoji="1" lang="ja-JP" altLang="en-US"/>
           </a:p>
@@ -7943,7 +7944,7 @@
           <a:p>
             <a:fld id="{A375FAFC-A5AB-4FEC-AA23-92E34682EFAF}" type="slidenum">
               <a:rPr kumimoji="1" lang="ja-JP" altLang="en-US" smtClean="0"/>
-              <a:t>26</a:t>
+              <a:t>27</a:t>
             </a:fld>
             <a:endParaRPr kumimoji="1" lang="ja-JP" altLang="en-US"/>
           </a:p>
@@ -8027,7 +8028,7 @@
           <a:p>
             <a:fld id="{A375FAFC-A5AB-4FEC-AA23-92E34682EFAF}" type="slidenum">
               <a:rPr kumimoji="1" lang="ja-JP" altLang="en-US" smtClean="0"/>
-              <a:t>27</a:t>
+              <a:t>28</a:t>
             </a:fld>
             <a:endParaRPr kumimoji="1" lang="ja-JP" altLang="en-US"/>
           </a:p>
@@ -8111,7 +8112,7 @@
           <a:p>
             <a:fld id="{A375FAFC-A5AB-4FEC-AA23-92E34682EFAF}" type="slidenum">
               <a:rPr kumimoji="1" lang="ja-JP" altLang="en-US" smtClean="0"/>
-              <a:t>28</a:t>
+              <a:t>29</a:t>
             </a:fld>
             <a:endParaRPr kumimoji="1" lang="ja-JP" altLang="en-US"/>
           </a:p>
@@ -8195,7 +8196,7 @@
           <a:p>
             <a:fld id="{A375FAFC-A5AB-4FEC-AA23-92E34682EFAF}" type="slidenum">
               <a:rPr kumimoji="1" lang="ja-JP" altLang="en-US" smtClean="0"/>
-              <a:t>29</a:t>
+              <a:t>30</a:t>
             </a:fld>
             <a:endParaRPr kumimoji="1" lang="ja-JP" altLang="en-US"/>
           </a:p>
@@ -8279,7 +8280,7 @@
           <a:p>
             <a:fld id="{A375FAFC-A5AB-4FEC-AA23-92E34682EFAF}" type="slidenum">
               <a:rPr kumimoji="1" lang="ja-JP" altLang="en-US" smtClean="0"/>
-              <a:t>30</a:t>
+              <a:t>31</a:t>
             </a:fld>
             <a:endParaRPr kumimoji="1" lang="ja-JP" altLang="en-US"/>
           </a:p>
@@ -8487,7 +8488,7 @@
           <a:p>
             <a:fld id="{A375FAFC-A5AB-4FEC-AA23-92E34682EFAF}" type="slidenum">
               <a:rPr kumimoji="1" lang="ja-JP" altLang="en-US" smtClean="0"/>
-              <a:t>31</a:t>
+              <a:t>32</a:t>
             </a:fld>
             <a:endParaRPr kumimoji="1" lang="ja-JP" altLang="en-US"/>
           </a:p>
@@ -8709,7 +8710,7 @@
           <a:p>
             <a:fld id="{A375FAFC-A5AB-4FEC-AA23-92E34682EFAF}" type="slidenum">
               <a:rPr kumimoji="1" lang="ja-JP" altLang="en-US" smtClean="0"/>
-              <a:t>32</a:t>
+              <a:t>33</a:t>
             </a:fld>
             <a:endParaRPr kumimoji="1" lang="ja-JP" altLang="en-US"/>
           </a:p>
@@ -8962,7 +8963,7 @@
           <a:p>
             <a:fld id="{A375FAFC-A5AB-4FEC-AA23-92E34682EFAF}" type="slidenum">
               <a:rPr kumimoji="1" lang="ja-JP" altLang="en-US" smtClean="0"/>
-              <a:t>33</a:t>
+              <a:t>34</a:t>
             </a:fld>
             <a:endParaRPr kumimoji="1" lang="ja-JP" altLang="en-US"/>
           </a:p>
@@ -9313,7 +9314,7 @@
           <a:p>
             <a:fld id="{A375FAFC-A5AB-4FEC-AA23-92E34682EFAF}" type="slidenum">
               <a:rPr kumimoji="1" lang="ja-JP" altLang="en-US" smtClean="0"/>
-              <a:t>34</a:t>
+              <a:t>35</a:t>
             </a:fld>
             <a:endParaRPr kumimoji="1" lang="ja-JP" altLang="en-US"/>
           </a:p>
@@ -9397,7 +9398,7 @@
           <a:p>
             <a:fld id="{A375FAFC-A5AB-4FEC-AA23-92E34682EFAF}" type="slidenum">
               <a:rPr kumimoji="1" lang="ja-JP" altLang="en-US" smtClean="0"/>
-              <a:t>35</a:t>
+              <a:t>36</a:t>
             </a:fld>
             <a:endParaRPr kumimoji="1" lang="ja-JP" altLang="en-US"/>
           </a:p>
@@ -9481,7 +9482,7 @@
           <a:p>
             <a:fld id="{A375FAFC-A5AB-4FEC-AA23-92E34682EFAF}" type="slidenum">
               <a:rPr kumimoji="1" lang="ja-JP" altLang="en-US" smtClean="0"/>
-              <a:t>36</a:t>
+              <a:t>37</a:t>
             </a:fld>
             <a:endParaRPr kumimoji="1" lang="ja-JP" altLang="en-US"/>
           </a:p>
@@ -9565,7 +9566,7 @@
           <a:p>
             <a:fld id="{A375FAFC-A5AB-4FEC-AA23-92E34682EFAF}" type="slidenum">
               <a:rPr kumimoji="1" lang="ja-JP" altLang="en-US" smtClean="0"/>
-              <a:t>37</a:t>
+              <a:t>38</a:t>
             </a:fld>
             <a:endParaRPr kumimoji="1" lang="ja-JP" altLang="en-US"/>
           </a:p>
@@ -9937,7 +9938,7 @@
           <a:p>
             <a:fld id="{A375FAFC-A5AB-4FEC-AA23-92E34682EFAF}" type="slidenum">
               <a:rPr kumimoji="1" lang="ja-JP" altLang="en-US" smtClean="0"/>
-              <a:t>38</a:t>
+              <a:t>39</a:t>
             </a:fld>
             <a:endParaRPr kumimoji="1" lang="ja-JP" altLang="en-US"/>
           </a:p>
@@ -10021,7 +10022,7 @@
           <a:p>
             <a:fld id="{A375FAFC-A5AB-4FEC-AA23-92E34682EFAF}" type="slidenum">
               <a:rPr kumimoji="1" lang="ja-JP" altLang="en-US" smtClean="0"/>
-              <a:t>39</a:t>
+              <a:t>40</a:t>
             </a:fld>
             <a:endParaRPr kumimoji="1" lang="ja-JP" altLang="en-US"/>
           </a:p>
@@ -10105,7 +10106,7 @@
           <a:p>
             <a:fld id="{A375FAFC-A5AB-4FEC-AA23-92E34682EFAF}" type="slidenum">
               <a:rPr kumimoji="1" lang="ja-JP" altLang="en-US" smtClean="0"/>
-              <a:t>40</a:t>
+              <a:t>41</a:t>
             </a:fld>
             <a:endParaRPr kumimoji="1" lang="ja-JP" altLang="en-US"/>
           </a:p>
@@ -10189,7 +10190,7 @@
           <a:p>
             <a:fld id="{A375FAFC-A5AB-4FEC-AA23-92E34682EFAF}" type="slidenum">
               <a:rPr kumimoji="1" lang="ja-JP" altLang="en-US" smtClean="0"/>
-              <a:t>41</a:t>
+              <a:t>42</a:t>
             </a:fld>
             <a:endParaRPr kumimoji="1" lang="ja-JP" altLang="en-US"/>
           </a:p>
@@ -23932,7 +23933,7 @@
                         </a:rPr>
                         <a:t>要求分析</a:t>
                       </a:r>
-                      <a:endParaRPr sz="2400">
+                      <a:endParaRPr sz="2400" dirty="0">
                         <a:latin typeface="Noto Sans CJK JP Regular"/>
                         <a:cs typeface="Noto Sans CJK JP Regular"/>
                       </a:endParaRPr>
@@ -25156,6 +25157,724 @@
         </p:nvSpPr>
         <p:spPr>
           <a:xfrm>
+            <a:off x="838200" y="1457326"/>
+            <a:ext cx="5257800" cy="568440"/>
+          </a:xfrm>
+        </p:spPr>
+        <p:txBody>
+          <a:bodyPr/>
+          <a:lstStyle/>
+          <a:p>
+            <a:r>
+              <a:rPr lang="ja-JP" altLang="en-US" dirty="0" smtClean="0"/>
+              <a:t>ソフトウェアの保守シナリオ</a:t>
+            </a:r>
+            <a:endParaRPr kumimoji="1" lang="ja-JP" altLang="en-US" dirty="0"/>
+          </a:p>
+        </p:txBody>
+      </p:sp>
+      <p:sp>
+        <p:nvSpPr>
+          <p:cNvPr id="3" name="タイトル 2"/>
+          <p:cNvSpPr>
+            <a:spLocks noGrp="1"/>
+          </p:cNvSpPr>
+          <p:nvPr>
+            <p:ph type="title"/>
+          </p:nvPr>
+        </p:nvSpPr>
+        <p:spPr/>
+        <p:txBody>
+          <a:bodyPr>
+            <a:normAutofit/>
+          </a:bodyPr>
+          <a:lstStyle/>
+          <a:p>
+            <a:r>
+              <a:rPr kumimoji="1" lang="ja-JP" altLang="en-US" dirty="0" smtClean="0"/>
+              <a:t>ソフトウェアの保守活動</a:t>
+            </a:r>
+            <a:endParaRPr kumimoji="1" lang="ja-JP" altLang="en-US" dirty="0"/>
+          </a:p>
+        </p:txBody>
+      </p:sp>
+      <p:sp>
+        <p:nvSpPr>
+          <p:cNvPr id="4" name="角丸四角形 3"/>
+          <p:cNvSpPr/>
+          <p:nvPr/>
+        </p:nvSpPr>
+        <p:spPr>
+          <a:xfrm>
+            <a:off x="618513" y="2164146"/>
+            <a:ext cx="2483840" cy="2046914"/>
+          </a:xfrm>
+          <a:prstGeom prst="roundRect">
+            <a:avLst/>
+          </a:prstGeom>
+          <a:ln w="38100"/>
+        </p:spPr>
+        <p:style>
+          <a:lnRef idx="2">
+            <a:schemeClr val="accent1"/>
+          </a:lnRef>
+          <a:fillRef idx="1">
+            <a:schemeClr val="lt1"/>
+          </a:fillRef>
+          <a:effectRef idx="0">
+            <a:schemeClr val="accent1"/>
+          </a:effectRef>
+          <a:fontRef idx="minor">
+            <a:schemeClr val="dk1"/>
+          </a:fontRef>
+        </p:style>
+        <p:txBody>
+          <a:bodyPr rtlCol="0" anchor="ctr"/>
+          <a:lstStyle/>
+          <a:p>
+            <a:pPr algn="ctr"/>
+            <a:r>
+              <a:rPr kumimoji="1" lang="ja-JP" altLang="en-US" sz="2800" b="1" dirty="0" smtClean="0">
+                <a:latin typeface="メイリオ" panose="020B0604030504040204" pitchFamily="50" charset="-128"/>
+                <a:ea typeface="メイリオ" panose="020B0604030504040204" pitchFamily="50" charset="-128"/>
+              </a:rPr>
+              <a:t>不具合</a:t>
+            </a:r>
+            <a:r>
+              <a:rPr lang="ja-JP" altLang="en-US" sz="2800" b="1" dirty="0" smtClean="0">
+                <a:latin typeface="メイリオ" panose="020B0604030504040204" pitchFamily="50" charset="-128"/>
+                <a:ea typeface="メイリオ" panose="020B0604030504040204" pitchFamily="50" charset="-128"/>
+              </a:rPr>
+              <a:t>の</a:t>
+            </a:r>
+            <a:endParaRPr lang="en-US" altLang="ja-JP" sz="2800" b="1" dirty="0" smtClean="0">
+              <a:latin typeface="メイリオ" panose="020B0604030504040204" pitchFamily="50" charset="-128"/>
+              <a:ea typeface="メイリオ" panose="020B0604030504040204" pitchFamily="50" charset="-128"/>
+            </a:endParaRPr>
+          </a:p>
+          <a:p>
+            <a:pPr algn="ctr"/>
+            <a:r>
+              <a:rPr kumimoji="1" lang="ja-JP" altLang="en-US" sz="2800" b="1" dirty="0" smtClean="0">
+                <a:latin typeface="メイリオ" panose="020B0604030504040204" pitchFamily="50" charset="-128"/>
+                <a:ea typeface="メイリオ" panose="020B0604030504040204" pitchFamily="50" charset="-128"/>
+              </a:rPr>
+              <a:t>発見</a:t>
+            </a:r>
+            <a:endParaRPr kumimoji="1" lang="en-US" altLang="ja-JP" sz="2800" b="1" dirty="0" smtClean="0">
+              <a:latin typeface="メイリオ" panose="020B0604030504040204" pitchFamily="50" charset="-128"/>
+              <a:ea typeface="メイリオ" panose="020B0604030504040204" pitchFamily="50" charset="-128"/>
+            </a:endParaRPr>
+          </a:p>
+          <a:p>
+            <a:pPr algn="ctr"/>
+            <a:r>
+              <a:rPr lang="en-US" altLang="ja-JP" sz="2000" dirty="0" smtClean="0">
+                <a:latin typeface="メイリオ" panose="020B0604030504040204" pitchFamily="50" charset="-128"/>
+                <a:ea typeface="メイリオ" panose="020B0604030504040204" pitchFamily="50" charset="-128"/>
+              </a:rPr>
+              <a:t>(</a:t>
+            </a:r>
+            <a:r>
+              <a:rPr lang="ja-JP" altLang="en-US" sz="2000" dirty="0" smtClean="0">
+                <a:latin typeface="メイリオ" panose="020B0604030504040204" pitchFamily="50" charset="-128"/>
+                <a:ea typeface="メイリオ" panose="020B0604030504040204" pitchFamily="50" charset="-128"/>
+              </a:rPr>
+              <a:t>テスト失敗</a:t>
+            </a:r>
+            <a:r>
+              <a:rPr lang="en-US" altLang="ja-JP" sz="2000" dirty="0" smtClean="0">
+                <a:latin typeface="メイリオ" panose="020B0604030504040204" pitchFamily="50" charset="-128"/>
+                <a:ea typeface="メイリオ" panose="020B0604030504040204" pitchFamily="50" charset="-128"/>
+              </a:rPr>
+              <a:t>)</a:t>
+            </a:r>
+            <a:endParaRPr kumimoji="1" lang="ja-JP" altLang="en-US" sz="2000" dirty="0">
+              <a:latin typeface="メイリオ" panose="020B0604030504040204" pitchFamily="50" charset="-128"/>
+              <a:ea typeface="メイリオ" panose="020B0604030504040204" pitchFamily="50" charset="-128"/>
+            </a:endParaRPr>
+          </a:p>
+        </p:txBody>
+      </p:sp>
+      <p:sp>
+        <p:nvSpPr>
+          <p:cNvPr id="5" name="角丸四角形 4"/>
+          <p:cNvSpPr/>
+          <p:nvPr/>
+        </p:nvSpPr>
+        <p:spPr>
+          <a:xfrm>
+            <a:off x="3467100" y="2164146"/>
+            <a:ext cx="2483840" cy="2046914"/>
+          </a:xfrm>
+          <a:prstGeom prst="roundRect">
+            <a:avLst/>
+          </a:prstGeom>
+          <a:ln w="38100"/>
+        </p:spPr>
+        <p:style>
+          <a:lnRef idx="2">
+            <a:schemeClr val="accent1"/>
+          </a:lnRef>
+          <a:fillRef idx="1">
+            <a:schemeClr val="lt1"/>
+          </a:fillRef>
+          <a:effectRef idx="0">
+            <a:schemeClr val="accent1"/>
+          </a:effectRef>
+          <a:fontRef idx="minor">
+            <a:schemeClr val="dk1"/>
+          </a:fontRef>
+        </p:style>
+        <p:txBody>
+          <a:bodyPr rtlCol="0" anchor="ctr"/>
+          <a:lstStyle/>
+          <a:p>
+            <a:pPr algn="ctr"/>
+            <a:r>
+              <a:rPr lang="ja-JP" altLang="en-US" sz="2800" b="1" dirty="0">
+                <a:latin typeface="メイリオ" panose="020B0604030504040204" pitchFamily="50" charset="-128"/>
+                <a:ea typeface="メイリオ" panose="020B0604030504040204" pitchFamily="50" charset="-128"/>
+              </a:rPr>
+              <a:t>原因</a:t>
+            </a:r>
+            <a:r>
+              <a:rPr lang="ja-JP" altLang="en-US" sz="2800" b="1" dirty="0" smtClean="0">
+                <a:latin typeface="メイリオ" panose="020B0604030504040204" pitchFamily="50" charset="-128"/>
+                <a:ea typeface="メイリオ" panose="020B0604030504040204" pitchFamily="50" charset="-128"/>
+              </a:rPr>
+              <a:t>の特定</a:t>
+            </a:r>
+            <a:endParaRPr lang="en-US" altLang="ja-JP" sz="2800" b="1" dirty="0" smtClean="0">
+              <a:latin typeface="メイリオ" panose="020B0604030504040204" pitchFamily="50" charset="-128"/>
+              <a:ea typeface="メイリオ" panose="020B0604030504040204" pitchFamily="50" charset="-128"/>
+            </a:endParaRPr>
+          </a:p>
+          <a:p>
+            <a:pPr algn="ctr"/>
+            <a:r>
+              <a:rPr kumimoji="1" lang="en-US" altLang="ja-JP" dirty="0" smtClean="0">
+                <a:latin typeface="メイリオ" panose="020B0604030504040204" pitchFamily="50" charset="-128"/>
+                <a:ea typeface="メイリオ" panose="020B0604030504040204" pitchFamily="50" charset="-128"/>
+              </a:rPr>
+              <a:t>(</a:t>
+            </a:r>
+            <a:r>
+              <a:rPr kumimoji="1" lang="ja-JP" altLang="en-US" dirty="0" smtClean="0">
+                <a:latin typeface="メイリオ" panose="020B0604030504040204" pitchFamily="50" charset="-128"/>
+                <a:ea typeface="メイリオ" panose="020B0604030504040204" pitchFamily="50" charset="-128"/>
+              </a:rPr>
+              <a:t>どの部分に不具合があるのか</a:t>
+            </a:r>
+            <a:r>
+              <a:rPr kumimoji="1" lang="en-US" altLang="ja-JP" dirty="0" smtClean="0">
+                <a:latin typeface="メイリオ" panose="020B0604030504040204" pitchFamily="50" charset="-128"/>
+                <a:ea typeface="メイリオ" panose="020B0604030504040204" pitchFamily="50" charset="-128"/>
+              </a:rPr>
+              <a:t>)</a:t>
+            </a:r>
+            <a:endParaRPr kumimoji="1" lang="ja-JP" altLang="en-US" dirty="0">
+              <a:latin typeface="メイリオ" panose="020B0604030504040204" pitchFamily="50" charset="-128"/>
+              <a:ea typeface="メイリオ" panose="020B0604030504040204" pitchFamily="50" charset="-128"/>
+            </a:endParaRPr>
+          </a:p>
+        </p:txBody>
+      </p:sp>
+      <p:sp>
+        <p:nvSpPr>
+          <p:cNvPr id="6" name="角丸四角形 5"/>
+          <p:cNvSpPr/>
+          <p:nvPr/>
+        </p:nvSpPr>
+        <p:spPr>
+          <a:xfrm>
+            <a:off x="6315687" y="2169949"/>
+            <a:ext cx="2483840" cy="2046914"/>
+          </a:xfrm>
+          <a:prstGeom prst="roundRect">
+            <a:avLst/>
+          </a:prstGeom>
+          <a:ln w="38100"/>
+        </p:spPr>
+        <p:style>
+          <a:lnRef idx="2">
+            <a:schemeClr val="accent1"/>
+          </a:lnRef>
+          <a:fillRef idx="1">
+            <a:schemeClr val="lt1"/>
+          </a:fillRef>
+          <a:effectRef idx="0">
+            <a:schemeClr val="accent1"/>
+          </a:effectRef>
+          <a:fontRef idx="minor">
+            <a:schemeClr val="dk1"/>
+          </a:fontRef>
+        </p:style>
+        <p:txBody>
+          <a:bodyPr rtlCol="0" anchor="ctr"/>
+          <a:lstStyle/>
+          <a:p>
+            <a:pPr algn="ctr"/>
+            <a:r>
+              <a:rPr kumimoji="1" lang="ja-JP" altLang="en-US" sz="2800" b="1" dirty="0" smtClean="0">
+                <a:latin typeface="メイリオ" panose="020B0604030504040204" pitchFamily="50" charset="-128"/>
+                <a:ea typeface="メイリオ" panose="020B0604030504040204" pitchFamily="50" charset="-128"/>
+              </a:rPr>
+              <a:t>不具合の</a:t>
+            </a:r>
+            <a:endParaRPr kumimoji="1" lang="en-US" altLang="ja-JP" sz="2800" b="1" dirty="0" smtClean="0">
+              <a:latin typeface="メイリオ" panose="020B0604030504040204" pitchFamily="50" charset="-128"/>
+              <a:ea typeface="メイリオ" panose="020B0604030504040204" pitchFamily="50" charset="-128"/>
+            </a:endParaRPr>
+          </a:p>
+          <a:p>
+            <a:pPr algn="ctr"/>
+            <a:r>
+              <a:rPr kumimoji="1" lang="ja-JP" altLang="en-US" sz="2800" b="1" dirty="0" smtClean="0">
+                <a:latin typeface="メイリオ" panose="020B0604030504040204" pitchFamily="50" charset="-128"/>
+                <a:ea typeface="メイリオ" panose="020B0604030504040204" pitchFamily="50" charset="-128"/>
+              </a:rPr>
+              <a:t>修正</a:t>
+            </a:r>
+            <a:endParaRPr kumimoji="1" lang="en-US" altLang="ja-JP" sz="2800" b="1" dirty="0" smtClean="0">
+              <a:latin typeface="メイリオ" panose="020B0604030504040204" pitchFamily="50" charset="-128"/>
+              <a:ea typeface="メイリオ" panose="020B0604030504040204" pitchFamily="50" charset="-128"/>
+            </a:endParaRPr>
+          </a:p>
+        </p:txBody>
+      </p:sp>
+      <p:sp>
+        <p:nvSpPr>
+          <p:cNvPr id="7" name="角丸四角形 6"/>
+          <p:cNvSpPr/>
+          <p:nvPr/>
+        </p:nvSpPr>
+        <p:spPr>
+          <a:xfrm>
+            <a:off x="9164274" y="2164146"/>
+            <a:ext cx="2483840" cy="2046914"/>
+          </a:xfrm>
+          <a:prstGeom prst="roundRect">
+            <a:avLst/>
+          </a:prstGeom>
+          <a:ln w="38100"/>
+        </p:spPr>
+        <p:style>
+          <a:lnRef idx="2">
+            <a:schemeClr val="accent1"/>
+          </a:lnRef>
+          <a:fillRef idx="1">
+            <a:schemeClr val="lt1"/>
+          </a:fillRef>
+          <a:effectRef idx="0">
+            <a:schemeClr val="accent1"/>
+          </a:effectRef>
+          <a:fontRef idx="minor">
+            <a:schemeClr val="dk1"/>
+          </a:fontRef>
+        </p:style>
+        <p:txBody>
+          <a:bodyPr rtlCol="0" anchor="ctr"/>
+          <a:lstStyle/>
+          <a:p>
+            <a:pPr algn="ctr"/>
+            <a:r>
+              <a:rPr kumimoji="1" lang="ja-JP" altLang="en-US" sz="2800" b="1" dirty="0" smtClean="0">
+                <a:latin typeface="メイリオ" panose="020B0604030504040204" pitchFamily="50" charset="-128"/>
+                <a:ea typeface="メイリオ" panose="020B0604030504040204" pitchFamily="50" charset="-128"/>
+              </a:rPr>
+              <a:t>回帰テスト</a:t>
+            </a:r>
+            <a:endParaRPr kumimoji="1" lang="en-US" altLang="ja-JP" sz="2800" b="1" dirty="0" smtClean="0">
+              <a:latin typeface="メイリオ" panose="020B0604030504040204" pitchFamily="50" charset="-128"/>
+              <a:ea typeface="メイリオ" panose="020B0604030504040204" pitchFamily="50" charset="-128"/>
+            </a:endParaRPr>
+          </a:p>
+          <a:p>
+            <a:pPr algn="ctr"/>
+            <a:r>
+              <a:rPr kumimoji="1" lang="en-US" altLang="ja-JP" sz="1600" dirty="0" smtClean="0">
+                <a:latin typeface="メイリオ" panose="020B0604030504040204" pitchFamily="50" charset="-128"/>
+                <a:ea typeface="メイリオ" panose="020B0604030504040204" pitchFamily="50" charset="-128"/>
+              </a:rPr>
+              <a:t>(</a:t>
+            </a:r>
+            <a:r>
+              <a:rPr kumimoji="1" lang="ja-JP" altLang="en-US" sz="1600" dirty="0" smtClean="0">
+                <a:latin typeface="メイリオ" panose="020B0604030504040204" pitchFamily="50" charset="-128"/>
+                <a:ea typeface="メイリオ" panose="020B0604030504040204" pitchFamily="50" charset="-128"/>
+              </a:rPr>
+              <a:t>修正後の他の箇所に影響がないか確認</a:t>
+            </a:r>
+            <a:r>
+              <a:rPr lang="en-US" altLang="ja-JP" sz="1600" dirty="0">
+                <a:latin typeface="メイリオ" panose="020B0604030504040204" pitchFamily="50" charset="-128"/>
+                <a:ea typeface="メイリオ" panose="020B0604030504040204" pitchFamily="50" charset="-128"/>
+              </a:rPr>
+              <a:t>)</a:t>
+            </a:r>
+            <a:endParaRPr kumimoji="1" lang="en-US" altLang="ja-JP" sz="1600" dirty="0" smtClean="0">
+              <a:latin typeface="メイリオ" panose="020B0604030504040204" pitchFamily="50" charset="-128"/>
+              <a:ea typeface="メイリオ" panose="020B0604030504040204" pitchFamily="50" charset="-128"/>
+            </a:endParaRPr>
+          </a:p>
+        </p:txBody>
+      </p:sp>
+      <p:sp>
+        <p:nvSpPr>
+          <p:cNvPr id="11" name="二等辺三角形 10"/>
+          <p:cNvSpPr/>
+          <p:nvPr/>
+        </p:nvSpPr>
+        <p:spPr>
+          <a:xfrm rot="5400000">
+            <a:off x="2830152" y="3050969"/>
+            <a:ext cx="909147" cy="273268"/>
+          </a:xfrm>
+          <a:prstGeom prst="triangle">
+            <a:avLst/>
+          </a:prstGeom>
+        </p:spPr>
+        <p:style>
+          <a:lnRef idx="1">
+            <a:schemeClr val="accent1"/>
+          </a:lnRef>
+          <a:fillRef idx="2">
+            <a:schemeClr val="accent1"/>
+          </a:fillRef>
+          <a:effectRef idx="1">
+            <a:schemeClr val="accent1"/>
+          </a:effectRef>
+          <a:fontRef idx="minor">
+            <a:schemeClr val="dk1"/>
+          </a:fontRef>
+        </p:style>
+        <p:txBody>
+          <a:bodyPr rtlCol="0" anchor="ctr"/>
+          <a:lstStyle/>
+          <a:p>
+            <a:pPr algn="ctr"/>
+            <a:endParaRPr kumimoji="1" lang="ja-JP" altLang="en-US"/>
+          </a:p>
+        </p:txBody>
+      </p:sp>
+      <p:sp>
+        <p:nvSpPr>
+          <p:cNvPr id="12" name="二等辺三角形 11"/>
+          <p:cNvSpPr/>
+          <p:nvPr/>
+        </p:nvSpPr>
+        <p:spPr>
+          <a:xfrm rot="5400000">
+            <a:off x="5678740" y="3050970"/>
+            <a:ext cx="909147" cy="273268"/>
+          </a:xfrm>
+          <a:prstGeom prst="triangle">
+            <a:avLst/>
+          </a:prstGeom>
+        </p:spPr>
+        <p:style>
+          <a:lnRef idx="1">
+            <a:schemeClr val="accent1"/>
+          </a:lnRef>
+          <a:fillRef idx="2">
+            <a:schemeClr val="accent1"/>
+          </a:fillRef>
+          <a:effectRef idx="1">
+            <a:schemeClr val="accent1"/>
+          </a:effectRef>
+          <a:fontRef idx="minor">
+            <a:schemeClr val="dk1"/>
+          </a:fontRef>
+        </p:style>
+        <p:txBody>
+          <a:bodyPr rtlCol="0" anchor="ctr"/>
+          <a:lstStyle/>
+          <a:p>
+            <a:pPr algn="ctr"/>
+            <a:endParaRPr kumimoji="1" lang="ja-JP" altLang="en-US"/>
+          </a:p>
+        </p:txBody>
+      </p:sp>
+      <p:sp>
+        <p:nvSpPr>
+          <p:cNvPr id="13" name="二等辺三角形 12"/>
+          <p:cNvSpPr/>
+          <p:nvPr/>
+        </p:nvSpPr>
+        <p:spPr>
+          <a:xfrm rot="5400000">
+            <a:off x="8530322" y="3055471"/>
+            <a:ext cx="909147" cy="273268"/>
+          </a:xfrm>
+          <a:prstGeom prst="triangle">
+            <a:avLst/>
+          </a:prstGeom>
+        </p:spPr>
+        <p:style>
+          <a:lnRef idx="1">
+            <a:schemeClr val="accent1"/>
+          </a:lnRef>
+          <a:fillRef idx="2">
+            <a:schemeClr val="accent1"/>
+          </a:fillRef>
+          <a:effectRef idx="1">
+            <a:schemeClr val="accent1"/>
+          </a:effectRef>
+          <a:fontRef idx="minor">
+            <a:schemeClr val="dk1"/>
+          </a:fontRef>
+        </p:style>
+        <p:txBody>
+          <a:bodyPr rtlCol="0" anchor="ctr"/>
+          <a:lstStyle/>
+          <a:p>
+            <a:pPr algn="ctr"/>
+            <a:endParaRPr kumimoji="1" lang="ja-JP" altLang="en-US"/>
+          </a:p>
+        </p:txBody>
+      </p:sp>
+      <p:sp>
+        <p:nvSpPr>
+          <p:cNvPr id="14" name="Rectangle 4"/>
+          <p:cNvSpPr>
+            <a:spLocks noChangeArrowheads="1"/>
+          </p:cNvSpPr>
+          <p:nvPr/>
+        </p:nvSpPr>
+        <p:spPr bwMode="auto">
+          <a:xfrm>
+            <a:off x="1094280" y="6018114"/>
+            <a:ext cx="10078064" cy="461665"/>
+          </a:xfrm>
+          <a:prstGeom prst="rect">
+            <a:avLst/>
+          </a:prstGeom>
+          <a:ln>
+            <a:headEnd/>
+            <a:tailEnd/>
+          </a:ln>
+        </p:spPr>
+        <p:style>
+          <a:lnRef idx="2">
+            <a:schemeClr val="dk1"/>
+          </a:lnRef>
+          <a:fillRef idx="1">
+            <a:schemeClr val="lt1"/>
+          </a:fillRef>
+          <a:effectRef idx="0">
+            <a:schemeClr val="dk1"/>
+          </a:effectRef>
+          <a:fontRef idx="minor">
+            <a:schemeClr val="dk1"/>
+          </a:fontRef>
+        </p:style>
+        <p:txBody>
+          <a:bodyPr wrap="square">
+            <a:spAutoFit/>
+          </a:bodyPr>
+          <a:lstStyle/>
+          <a:p>
+            <a:pPr>
+              <a:defRPr/>
+            </a:pPr>
+            <a:r>
+              <a:rPr lang="en-US" altLang="ja-JP" sz="1200" dirty="0" smtClean="0">
+                <a:solidFill>
+                  <a:schemeClr val="tx2"/>
+                </a:solidFill>
+              </a:rPr>
+              <a:t>[2] </a:t>
+            </a:r>
+            <a:r>
+              <a:rPr lang="en-US" altLang="ja-JP" sz="1200" dirty="0" smtClean="0">
+                <a:solidFill>
+                  <a:schemeClr val="tx2"/>
+                </a:solidFill>
+              </a:rPr>
+              <a:t>S</a:t>
+            </a:r>
+            <a:r>
+              <a:rPr lang="en-US" altLang="ja-JP" sz="1200" dirty="0">
+                <a:solidFill>
+                  <a:schemeClr val="tx2"/>
+                </a:solidFill>
+              </a:rPr>
+              <a:t>. </a:t>
+            </a:r>
+            <a:r>
+              <a:rPr lang="en-US" altLang="ja-JP" sz="1200" dirty="0" err="1">
+                <a:solidFill>
+                  <a:schemeClr val="tx2"/>
+                </a:solidFill>
+              </a:rPr>
+              <a:t>Shamshiri</a:t>
+            </a:r>
+            <a:r>
+              <a:rPr lang="en-US" altLang="ja-JP" sz="1200" dirty="0">
+                <a:solidFill>
+                  <a:schemeClr val="tx2"/>
+                </a:solidFill>
+              </a:rPr>
+              <a:t>, J. M. Rojas, J. P. </a:t>
+            </a:r>
+            <a:r>
+              <a:rPr lang="en-US" altLang="ja-JP" sz="1200" dirty="0" err="1">
+                <a:solidFill>
+                  <a:schemeClr val="tx2"/>
+                </a:solidFill>
+              </a:rPr>
+              <a:t>Galeotti</a:t>
+            </a:r>
+            <a:r>
+              <a:rPr lang="en-US" altLang="ja-JP" sz="1200" dirty="0">
+                <a:solidFill>
+                  <a:schemeClr val="tx2"/>
+                </a:solidFill>
+              </a:rPr>
+              <a:t>, N. Walkinshaw, and G. Fraser. How do automatically generated unit tests inﬂuence software maintenance? In </a:t>
+            </a:r>
+            <a:r>
+              <a:rPr lang="en-US" altLang="ja-JP" sz="1200" i="1" dirty="0">
+                <a:solidFill>
+                  <a:schemeClr val="tx2"/>
+                </a:solidFill>
+              </a:rPr>
+              <a:t>Proceedings of the International Conference on Software Testing, Veriﬁcation and Validation (ICST)</a:t>
+            </a:r>
+            <a:r>
+              <a:rPr lang="en-US" altLang="ja-JP" sz="1200" dirty="0">
+                <a:solidFill>
+                  <a:schemeClr val="tx2"/>
+                </a:solidFill>
+              </a:rPr>
+              <a:t>, pages 250–261, 2018..</a:t>
+            </a:r>
+            <a:endParaRPr lang="en-US" altLang="ja-JP" sz="1200" dirty="0">
+              <a:solidFill>
+                <a:schemeClr val="tx2"/>
+              </a:solidFill>
+            </a:endParaRPr>
+          </a:p>
+        </p:txBody>
+      </p:sp>
+      <p:sp>
+        <p:nvSpPr>
+          <p:cNvPr id="15" name="角丸四角形 14"/>
+          <p:cNvSpPr/>
+          <p:nvPr/>
+        </p:nvSpPr>
+        <p:spPr>
+          <a:xfrm>
+            <a:off x="1498510" y="4546600"/>
+            <a:ext cx="9269604" cy="1039332"/>
+          </a:xfrm>
+          <a:prstGeom prst="roundRect">
+            <a:avLst/>
+          </a:prstGeom>
+        </p:spPr>
+        <p:style>
+          <a:lnRef idx="1">
+            <a:schemeClr val="accent4"/>
+          </a:lnRef>
+          <a:fillRef idx="2">
+            <a:schemeClr val="accent4"/>
+          </a:fillRef>
+          <a:effectRef idx="1">
+            <a:schemeClr val="accent4"/>
+          </a:effectRef>
+          <a:fontRef idx="minor">
+            <a:schemeClr val="dk1"/>
+          </a:fontRef>
+        </p:style>
+        <p:txBody>
+          <a:bodyPr rtlCol="0" anchor="ctr"/>
+          <a:lstStyle/>
+          <a:p>
+            <a:r>
+              <a:rPr lang="ja-JP" altLang="en-US" sz="2800" dirty="0" smtClean="0">
+                <a:latin typeface="メイリオ" panose="020B0604030504040204" pitchFamily="50" charset="-128"/>
+                <a:ea typeface="メイリオ" panose="020B0604030504040204" pitchFamily="50" charset="-128"/>
+              </a:rPr>
+              <a:t>品質の低いテストコードは、</a:t>
+            </a:r>
+            <a:r>
+              <a:rPr lang="ja-JP" altLang="en-US" sz="2800" b="1" dirty="0" smtClean="0">
+                <a:latin typeface="メイリオ" panose="020B0604030504040204" pitchFamily="50" charset="-128"/>
+                <a:ea typeface="メイリオ" panose="020B0604030504040204" pitchFamily="50" charset="-128"/>
+              </a:rPr>
+              <a:t>原因の特定</a:t>
+            </a:r>
+            <a:r>
+              <a:rPr lang="ja-JP" altLang="en-US" sz="2800" dirty="0" smtClean="0">
+                <a:latin typeface="メイリオ" panose="020B0604030504040204" pitchFamily="50" charset="-128"/>
+                <a:ea typeface="メイリオ" panose="020B0604030504040204" pitchFamily="50" charset="-128"/>
+              </a:rPr>
+              <a:t>と</a:t>
+            </a:r>
+            <a:r>
+              <a:rPr lang="ja-JP" altLang="en-US" sz="2800" b="1" dirty="0" smtClean="0">
+                <a:latin typeface="メイリオ" panose="020B0604030504040204" pitchFamily="50" charset="-128"/>
+                <a:ea typeface="メイリオ" panose="020B0604030504040204" pitchFamily="50" charset="-128"/>
+              </a:rPr>
+              <a:t>不具合の修正</a:t>
+            </a:r>
+            <a:r>
+              <a:rPr lang="ja-JP" altLang="en-US" sz="2800" dirty="0" smtClean="0">
+                <a:latin typeface="メイリオ" panose="020B0604030504040204" pitchFamily="50" charset="-128"/>
+                <a:ea typeface="メイリオ" panose="020B0604030504040204" pitchFamily="50" charset="-128"/>
+              </a:rPr>
+              <a:t>が困難になり保守コストがかかる</a:t>
+            </a:r>
+            <a:endParaRPr lang="ja-JP" altLang="en-US" sz="2800" dirty="0">
+              <a:latin typeface="メイリオ" panose="020B0604030504040204" pitchFamily="50" charset="-128"/>
+              <a:ea typeface="メイリオ" panose="020B0604030504040204" pitchFamily="50" charset="-128"/>
+            </a:endParaRPr>
+          </a:p>
+        </p:txBody>
+      </p:sp>
+    </p:spTree>
+    <p:extLst>
+      <p:ext uri="{BB962C8B-B14F-4D97-AF65-F5344CB8AC3E}">
+        <p14:creationId xmlns:p14="http://schemas.microsoft.com/office/powerpoint/2010/main" val="2501858860"/>
+      </p:ext>
+    </p:extLst>
+  </p:cSld>
+  <p:clrMapOvr>
+    <a:masterClrMapping/>
+  </p:clrMapOvr>
+</p:sld>
+</file>
+
+<file path=ppt/slides/slide24.xml><?xml version="1.0" encoding="utf-8"?>
+<p:sld xmlns:a="http://schemas.openxmlformats.org/drawingml/2006/main" xmlns:r="http://schemas.openxmlformats.org/officeDocument/2006/relationships" xmlns:p="http://schemas.openxmlformats.org/presentationml/2006/main">
+  <p:cSld>
+    <p:spTree>
+      <p:nvGrpSpPr>
+        <p:cNvPr id="1" name=""/>
+        <p:cNvGrpSpPr/>
+        <p:nvPr/>
+      </p:nvGrpSpPr>
+      <p:grpSpPr>
+        <a:xfrm>
+          <a:off x="0" y="0"/>
+          <a:ext cx="0" cy="0"/>
+          <a:chOff x="0" y="0"/>
+          <a:chExt cx="0" cy="0"/>
+        </a:xfrm>
+      </p:grpSpPr>
+      <p:sp>
+        <p:nvSpPr>
+          <p:cNvPr id="2" name="コンテンツ プレースホルダー 1"/>
+          <p:cNvSpPr>
+            <a:spLocks noGrp="1"/>
+          </p:cNvSpPr>
+          <p:nvPr>
+            <p:ph idx="1"/>
+          </p:nvPr>
+        </p:nvSpPr>
+        <p:spPr>
+          <a:xfrm>
             <a:off x="838200" y="1825625"/>
             <a:ext cx="10162880" cy="3811604"/>
           </a:xfrm>
@@ -25370,7 +26089,7 @@
 </p:sld>
 </file>
 
-<file path=ppt/slides/slide24.xml><?xml version="1.0" encoding="utf-8"?>
+<file path=ppt/slides/slide25.xml><?xml version="1.0" encoding="utf-8"?>
 <p:sld xmlns:a="http://schemas.openxmlformats.org/drawingml/2006/main" xmlns:r="http://schemas.openxmlformats.org/officeDocument/2006/relationships" xmlns:p="http://schemas.openxmlformats.org/presentationml/2006/main">
   <p:cSld>
     <p:spTree>
@@ -26199,7 +26918,7 @@
 </p:sld>
 </file>
 
-<file path=ppt/slides/slide25.xml><?xml version="1.0" encoding="utf-8"?>
+<file path=ppt/slides/slide26.xml><?xml version="1.0" encoding="utf-8"?>
 <p:sld xmlns:a="http://schemas.openxmlformats.org/drawingml/2006/main" xmlns:r="http://schemas.openxmlformats.org/officeDocument/2006/relationships" xmlns:p="http://schemas.openxmlformats.org/presentationml/2006/main">
   <p:cSld>
     <p:spTree>
@@ -26819,547 +27538,6 @@
     <p:extLst>
       <p:ext uri="{BB962C8B-B14F-4D97-AF65-F5344CB8AC3E}">
         <p14:creationId xmlns:p14="http://schemas.microsoft.com/office/powerpoint/2010/main" val="35493437"/>
-      </p:ext>
-    </p:extLst>
-  </p:cSld>
-  <p:clrMapOvr>
-    <a:masterClrMapping/>
-  </p:clrMapOvr>
-  <p:timing>
-    <p:tnLst>
-      <p:par>
-        <p:cTn id="1" dur="indefinite" restart="never" nodeType="tmRoot"/>
-      </p:par>
-    </p:tnLst>
-  </p:timing>
-</p:sld>
-</file>
-
-<file path=ppt/slides/slide26.xml><?xml version="1.0" encoding="utf-8"?>
-<p:sld xmlns:a="http://schemas.openxmlformats.org/drawingml/2006/main" xmlns:r="http://schemas.openxmlformats.org/officeDocument/2006/relationships" xmlns:p="http://schemas.openxmlformats.org/presentationml/2006/main">
-  <p:cSld>
-    <p:spTree>
-      <p:nvGrpSpPr>
-        <p:cNvPr id="1" name=""/>
-        <p:cNvGrpSpPr/>
-        <p:nvPr/>
-      </p:nvGrpSpPr>
-      <p:grpSpPr>
-        <a:xfrm>
-          <a:off x="0" y="0"/>
-          <a:ext cx="0" cy="0"/>
-          <a:chOff x="0" y="0"/>
-          <a:chExt cx="0" cy="0"/>
-        </a:xfrm>
-      </p:grpSpPr>
-      <p:sp>
-        <p:nvSpPr>
-          <p:cNvPr id="3" name="タイトル 2"/>
-          <p:cNvSpPr>
-            <a:spLocks noGrp="1"/>
-          </p:cNvSpPr>
-          <p:nvPr>
-            <p:ph type="title"/>
-          </p:nvPr>
-        </p:nvSpPr>
-        <p:spPr>
-          <a:xfrm>
-            <a:off x="221598" y="219428"/>
-            <a:ext cx="6991371" cy="729386"/>
-          </a:xfrm>
-        </p:spPr>
-        <p:txBody>
-          <a:bodyPr>
-            <a:normAutofit fontScale="90000"/>
-          </a:bodyPr>
-          <a:lstStyle/>
-          <a:p>
-            <a:r>
-              <a:rPr lang="en-US" altLang="ja-JP" i="1" dirty="0"/>
-              <a:t>Mystery Guest</a:t>
-            </a:r>
-            <a:r>
-              <a:rPr lang="ja-JP" altLang="en-US" i="1" dirty="0"/>
-              <a:t> </a:t>
-            </a:r>
-            <a:r>
-              <a:rPr lang="en-US" altLang="ja-JP" dirty="0"/>
-              <a:t>(</a:t>
-            </a:r>
-            <a:r>
-              <a:rPr lang="ja-JP" altLang="en-US" dirty="0"/>
-              <a:t>ミステリー・ゲスト</a:t>
-            </a:r>
-            <a:r>
-              <a:rPr lang="en-US" altLang="ja-JP" dirty="0"/>
-              <a:t>)</a:t>
-            </a:r>
-            <a:endParaRPr kumimoji="1" lang="ja-JP" altLang="en-US" dirty="0"/>
-          </a:p>
-        </p:txBody>
-      </p:sp>
-      <p:sp>
-        <p:nvSpPr>
-          <p:cNvPr id="4" name="コンテンツ プレースホルダー 2"/>
-          <p:cNvSpPr>
-            <a:spLocks noGrp="1"/>
-          </p:cNvSpPr>
-          <p:nvPr>
-            <p:ph idx="1"/>
-          </p:nvPr>
-        </p:nvSpPr>
-        <p:spPr>
-          <a:xfrm>
-            <a:off x="838200" y="1467809"/>
-            <a:ext cx="10515600" cy="1746250"/>
-          </a:xfrm>
-        </p:spPr>
-        <p:txBody>
-          <a:bodyPr/>
-          <a:lstStyle/>
-          <a:p>
-            <a:r>
-              <a:rPr lang="ja-JP" altLang="en-US" b="1" dirty="0"/>
-              <a:t>テストメソッド内</a:t>
-            </a:r>
-            <a:r>
-              <a:rPr lang="ja-JP" altLang="en-US" b="1" dirty="0" smtClean="0"/>
-              <a:t>で、外部</a:t>
-            </a:r>
-            <a:r>
-              <a:rPr lang="ja-JP" altLang="en-US" b="1" dirty="0"/>
-              <a:t>リソースを利用</a:t>
-            </a:r>
-            <a:r>
-              <a:rPr lang="ja-JP" altLang="en-US" b="1" dirty="0" smtClean="0"/>
-              <a:t>する</a:t>
-            </a:r>
-            <a:endParaRPr lang="en-US" altLang="ja-JP" b="1" dirty="0" smtClean="0"/>
-          </a:p>
-          <a:p>
-            <a:pPr lvl="1"/>
-            <a:r>
-              <a:rPr lang="ja-JP" altLang="en-US" dirty="0"/>
-              <a:t>テストメソッド内だけでなく外部ファイルなど、外部リソースを使用すると見えない依存関係が生じる</a:t>
-            </a:r>
-          </a:p>
-          <a:p>
-            <a:pPr lvl="1"/>
-            <a:r>
-              <a:rPr lang="ja-JP" altLang="en-US" dirty="0"/>
-              <a:t>誰かが、外部ファイルを削除するとテストが失敗してしまう</a:t>
-            </a:r>
-          </a:p>
-          <a:p>
-            <a:pPr lvl="1"/>
-            <a:endParaRPr kumimoji="1" lang="ja-JP" altLang="en-US" dirty="0"/>
-          </a:p>
-        </p:txBody>
-      </p:sp>
-      <p:sp>
-        <p:nvSpPr>
-          <p:cNvPr id="5" name="Google Shape;137;p22"/>
-          <p:cNvSpPr/>
-          <p:nvPr/>
-        </p:nvSpPr>
-        <p:spPr>
-          <a:xfrm>
-            <a:off x="838200" y="3766728"/>
-            <a:ext cx="8374137" cy="2066706"/>
-          </a:xfrm>
-          <a:prstGeom prst="rect">
-            <a:avLst/>
-          </a:prstGeom>
-          <a:solidFill>
-            <a:srgbClr val="F3F3F3"/>
-          </a:solidFill>
-          <a:ln w="9525" cap="flat" cmpd="sng">
-            <a:solidFill>
-              <a:srgbClr val="595959"/>
-            </a:solidFill>
-            <a:prstDash val="solid"/>
-            <a:round/>
-            <a:headEnd type="none" w="sm" len="sm"/>
-            <a:tailEnd type="none" w="sm" len="sm"/>
-          </a:ln>
-        </p:spPr>
-        <p:txBody>
-          <a:bodyPr spcFirstLastPara="1" wrap="square" lIns="91425" tIns="91425" rIns="91425" bIns="91425" anchor="t" anchorCtr="0">
-            <a:noAutofit/>
-          </a:bodyPr>
-          <a:lstStyle/>
-          <a:p>
-            <a:pPr marL="0" lvl="0" indent="0" algn="l" rtl="0">
-              <a:lnSpc>
-                <a:spcPct val="115000"/>
-              </a:lnSpc>
-              <a:spcBef>
-                <a:spcPts val="0"/>
-              </a:spcBef>
-              <a:spcAft>
-                <a:spcPts val="0"/>
-              </a:spcAft>
-              <a:buClr>
-                <a:srgbClr val="000000"/>
-              </a:buClr>
-              <a:buSzPts val="1100"/>
-              <a:buFont typeface="Arial"/>
-              <a:buNone/>
-            </a:pPr>
-            <a:r>
-              <a:rPr lang="ja" b="1" dirty="0">
-                <a:solidFill>
-                  <a:srgbClr val="000000"/>
-                </a:solidFill>
-                <a:latin typeface="Consolas"/>
-                <a:ea typeface="Consolas"/>
-                <a:cs typeface="Consolas"/>
-                <a:sym typeface="Consolas"/>
-              </a:rPr>
-              <a:t>public void testPersistence() {</a:t>
-            </a:r>
-            <a:endParaRPr b="1" dirty="0">
-              <a:solidFill>
-                <a:srgbClr val="000000"/>
-              </a:solidFill>
-              <a:latin typeface="Consolas"/>
-              <a:ea typeface="Consolas"/>
-              <a:cs typeface="Consolas"/>
-              <a:sym typeface="Consolas"/>
-            </a:endParaRPr>
-          </a:p>
-          <a:p>
-            <a:pPr marL="0" lvl="0" indent="0" algn="l" rtl="0">
-              <a:lnSpc>
-                <a:spcPct val="115000"/>
-              </a:lnSpc>
-              <a:spcBef>
-                <a:spcPts val="0"/>
-              </a:spcBef>
-              <a:spcAft>
-                <a:spcPts val="0"/>
-              </a:spcAft>
-              <a:buClr>
-                <a:srgbClr val="000000"/>
-              </a:buClr>
-              <a:buSzPts val="1100"/>
-              <a:buFont typeface="Arial"/>
-              <a:buNone/>
-            </a:pPr>
-            <a:r>
-              <a:rPr lang="ja" b="1" dirty="0">
-                <a:solidFill>
-                  <a:srgbClr val="000000"/>
-                </a:solidFill>
-                <a:latin typeface="Consolas"/>
-                <a:ea typeface="Consolas"/>
-                <a:cs typeface="Consolas"/>
-                <a:sym typeface="Consolas"/>
-              </a:rPr>
-              <a:t>    .....   </a:t>
-            </a:r>
-            <a:endParaRPr b="1" dirty="0">
-              <a:solidFill>
-                <a:srgbClr val="000000"/>
-              </a:solidFill>
-              <a:latin typeface="Consolas"/>
-              <a:ea typeface="Consolas"/>
-              <a:cs typeface="Consolas"/>
-              <a:sym typeface="Consolas"/>
-            </a:endParaRPr>
-          </a:p>
-          <a:p>
-            <a:pPr marL="0" lvl="0" indent="0" algn="l" rtl="0">
-              <a:lnSpc>
-                <a:spcPct val="115000"/>
-              </a:lnSpc>
-              <a:spcBef>
-                <a:spcPts val="0"/>
-              </a:spcBef>
-              <a:spcAft>
-                <a:spcPts val="0"/>
-              </a:spcAft>
-              <a:buClr>
-                <a:srgbClr val="000000"/>
-              </a:buClr>
-              <a:buSzPts val="1100"/>
-              <a:buFont typeface="Arial"/>
-              <a:buNone/>
-            </a:pPr>
-            <a:r>
-              <a:rPr lang="ja" b="1" dirty="0">
-                <a:solidFill>
-                  <a:srgbClr val="000000"/>
-                </a:solidFill>
-                <a:latin typeface="Consolas"/>
-                <a:ea typeface="Consolas"/>
-                <a:cs typeface="Consolas"/>
-                <a:sym typeface="Consolas"/>
-              </a:rPr>
-              <a:t>    File tempFile = File.createTempFile("systemstate-", ".txt");</a:t>
-            </a:r>
-            <a:endParaRPr b="1" dirty="0">
-              <a:solidFill>
-                <a:srgbClr val="000000"/>
-              </a:solidFill>
-              <a:latin typeface="Consolas"/>
-              <a:ea typeface="Consolas"/>
-              <a:cs typeface="Consolas"/>
-              <a:sym typeface="Consolas"/>
-            </a:endParaRPr>
-          </a:p>
-          <a:p>
-            <a:pPr marL="0" lvl="0" indent="0" algn="l" rtl="0">
-              <a:lnSpc>
-                <a:spcPct val="115000"/>
-              </a:lnSpc>
-              <a:spcBef>
-                <a:spcPts val="0"/>
-              </a:spcBef>
-              <a:spcAft>
-                <a:spcPts val="0"/>
-              </a:spcAft>
-              <a:buClr>
-                <a:srgbClr val="000000"/>
-              </a:buClr>
-              <a:buSzPts val="1100"/>
-              <a:buFont typeface="Arial"/>
-              <a:buNone/>
-            </a:pPr>
-            <a:r>
-              <a:rPr lang="ja" b="1" dirty="0">
-                <a:solidFill>
-                  <a:srgbClr val="000000"/>
-                </a:solidFill>
-                <a:latin typeface="Consolas"/>
-                <a:ea typeface="Consolas"/>
-                <a:cs typeface="Consolas"/>
-                <a:sym typeface="Consolas"/>
-              </a:rPr>
-              <a:t>    .....</a:t>
-            </a:r>
-            <a:endParaRPr b="1" dirty="0">
-              <a:solidFill>
-                <a:srgbClr val="000000"/>
-              </a:solidFill>
-              <a:latin typeface="Consolas"/>
-              <a:ea typeface="Consolas"/>
-              <a:cs typeface="Consolas"/>
-              <a:sym typeface="Consolas"/>
-            </a:endParaRPr>
-          </a:p>
-          <a:p>
-            <a:pPr marL="0" lvl="0" indent="0" algn="l" rtl="0">
-              <a:lnSpc>
-                <a:spcPct val="115000"/>
-              </a:lnSpc>
-              <a:spcBef>
-                <a:spcPts val="0"/>
-              </a:spcBef>
-              <a:spcAft>
-                <a:spcPts val="0"/>
-              </a:spcAft>
-              <a:buClr>
-                <a:srgbClr val="000000"/>
-              </a:buClr>
-              <a:buSzPts val="1100"/>
-              <a:buFont typeface="Arial"/>
-              <a:buNone/>
-            </a:pPr>
-            <a:r>
-              <a:rPr lang="ja" b="1" dirty="0">
-                <a:solidFill>
-                  <a:srgbClr val="000000"/>
-                </a:solidFill>
-                <a:latin typeface="Consolas"/>
-                <a:ea typeface="Consolas"/>
-                <a:cs typeface="Consolas"/>
-                <a:sym typeface="Consolas"/>
-              </a:rPr>
-              <a:t>}</a:t>
-            </a:r>
-            <a:endParaRPr b="1" dirty="0">
-              <a:solidFill>
-                <a:srgbClr val="000000"/>
-              </a:solidFill>
-              <a:latin typeface="Consolas"/>
-              <a:ea typeface="Consolas"/>
-              <a:cs typeface="Consolas"/>
-              <a:sym typeface="Consolas"/>
-            </a:endParaRPr>
-          </a:p>
-          <a:p>
-            <a:pPr marL="0" lvl="0" indent="0" algn="l" rtl="0">
-              <a:lnSpc>
-                <a:spcPct val="115000"/>
-              </a:lnSpc>
-              <a:spcBef>
-                <a:spcPts val="0"/>
-              </a:spcBef>
-              <a:spcAft>
-                <a:spcPts val="0"/>
-              </a:spcAft>
-              <a:buClr>
-                <a:srgbClr val="000000"/>
-              </a:buClr>
-              <a:buSzPts val="1100"/>
-              <a:buFont typeface="Arial"/>
-              <a:buNone/>
-            </a:pPr>
-            <a:endParaRPr b="1" dirty="0">
-              <a:solidFill>
-                <a:srgbClr val="000000"/>
-              </a:solidFill>
-              <a:latin typeface="Consolas"/>
-              <a:ea typeface="Consolas"/>
-              <a:cs typeface="Consolas"/>
-              <a:sym typeface="Consolas"/>
-            </a:endParaRPr>
-          </a:p>
-        </p:txBody>
-      </p:sp>
-      <p:sp>
-        <p:nvSpPr>
-          <p:cNvPr id="6" name="Google Shape;138;p22"/>
-          <p:cNvSpPr/>
-          <p:nvPr/>
-        </p:nvSpPr>
-        <p:spPr>
-          <a:xfrm>
-            <a:off x="1341413" y="4488827"/>
-            <a:ext cx="7697812" cy="382581"/>
-          </a:xfrm>
-          <a:prstGeom prst="rect">
-            <a:avLst/>
-          </a:prstGeom>
-          <a:noFill/>
-          <a:ln w="28575" cap="flat" cmpd="sng">
-            <a:solidFill>
-              <a:srgbClr val="4A86E8"/>
-            </a:solidFill>
-            <a:prstDash val="solid"/>
-            <a:round/>
-            <a:headEnd type="none" w="sm" len="sm"/>
-            <a:tailEnd type="none" w="sm" len="sm"/>
-          </a:ln>
-        </p:spPr>
-        <p:txBody>
-          <a:bodyPr spcFirstLastPara="1" wrap="square" lIns="91425" tIns="91425" rIns="91425" bIns="91425" anchor="t" anchorCtr="0">
-            <a:noAutofit/>
-          </a:bodyPr>
-          <a:lstStyle/>
-          <a:p>
-            <a:pPr marL="0" lvl="0" indent="0" algn="l" rtl="0">
-              <a:spcBef>
-                <a:spcPts val="0"/>
-              </a:spcBef>
-              <a:spcAft>
-                <a:spcPts val="0"/>
-              </a:spcAft>
-              <a:buNone/>
-            </a:pPr>
-            <a:endParaRPr/>
-          </a:p>
-        </p:txBody>
-      </p:sp>
-      <p:sp>
-        <p:nvSpPr>
-          <p:cNvPr id="7" name="Google Shape;139;p22"/>
-          <p:cNvSpPr/>
-          <p:nvPr/>
-        </p:nvSpPr>
-        <p:spPr>
-          <a:xfrm>
-            <a:off x="7086600" y="3491543"/>
-            <a:ext cx="4600781" cy="743169"/>
-          </a:xfrm>
-          <a:prstGeom prst="wedgeRoundRectCallout">
-            <a:avLst>
-              <a:gd name="adj1" fmla="val -72835"/>
-              <a:gd name="adj2" fmla="val 94594"/>
-              <a:gd name="adj3" fmla="val 0"/>
-            </a:avLst>
-          </a:prstGeom>
-          <a:solidFill>
-            <a:srgbClr val="FFDD9C"/>
-          </a:solidFill>
-          <a:ln w="9525" cap="flat" cmpd="sng">
-            <a:solidFill>
-              <a:srgbClr val="FFC000"/>
-            </a:solidFill>
-            <a:prstDash val="solid"/>
-            <a:round/>
-            <a:headEnd type="none" w="sm" len="sm"/>
-            <a:tailEnd type="none" w="sm" len="sm"/>
-          </a:ln>
-        </p:spPr>
-        <p:txBody>
-          <a:bodyPr spcFirstLastPara="1" wrap="square" lIns="91425" tIns="91425" rIns="91425" bIns="91425" anchor="ctr" anchorCtr="0">
-            <a:noAutofit/>
-          </a:bodyPr>
-          <a:lstStyle/>
-          <a:p>
-            <a:pPr marL="0" lvl="0" indent="0" algn="l" rtl="0">
-              <a:spcBef>
-                <a:spcPts val="0"/>
-              </a:spcBef>
-              <a:spcAft>
-                <a:spcPts val="0"/>
-              </a:spcAft>
-              <a:buNone/>
-            </a:pPr>
-            <a:r>
-              <a:rPr lang="ja" b="1" dirty="0">
-                <a:solidFill>
-                  <a:srgbClr val="000000"/>
-                </a:solidFill>
-              </a:rPr>
-              <a:t>外部にファイルを生成</a:t>
-            </a:r>
-            <a:r>
-              <a:rPr lang="ja" b="1" dirty="0" smtClean="0">
-                <a:solidFill>
-                  <a:srgbClr val="000000"/>
-                </a:solidFill>
-              </a:rPr>
-              <a:t>し</a:t>
-            </a:r>
-            <a:r>
-              <a:rPr lang="ja-JP" altLang="en-US" b="1" dirty="0" err="1" smtClean="0">
-                <a:solidFill>
-                  <a:srgbClr val="000000"/>
-                </a:solidFill>
-              </a:rPr>
-              <a:t>、</a:t>
-            </a:r>
-            <a:r>
-              <a:rPr lang="ja" b="1" dirty="0" smtClean="0">
-                <a:solidFill>
-                  <a:srgbClr val="000000"/>
-                </a:solidFill>
-              </a:rPr>
-              <a:t>テストプロセス</a:t>
-            </a:r>
-            <a:r>
-              <a:rPr lang="ja" b="1" dirty="0">
-                <a:solidFill>
-                  <a:srgbClr val="000000"/>
-                </a:solidFill>
-              </a:rPr>
-              <a:t>で利用している</a:t>
-            </a:r>
-            <a:endParaRPr b="1" dirty="0">
-              <a:solidFill>
-                <a:srgbClr val="000000"/>
-              </a:solidFill>
-            </a:endParaRPr>
-          </a:p>
-        </p:txBody>
-      </p:sp>
-    </p:spTree>
-    <p:extLst>
-      <p:ext uri="{BB962C8B-B14F-4D97-AF65-F5344CB8AC3E}">
-        <p14:creationId xmlns:p14="http://schemas.microsoft.com/office/powerpoint/2010/main" val="1048154990"/>
       </p:ext>
     </p:extLst>
   </p:cSld>
@@ -27411,6 +27589,547 @@
         </p:spPr>
         <p:txBody>
           <a:bodyPr>
+            <a:normAutofit fontScale="90000"/>
+          </a:bodyPr>
+          <a:lstStyle/>
+          <a:p>
+            <a:r>
+              <a:rPr lang="en-US" altLang="ja-JP" i="1" dirty="0"/>
+              <a:t>Mystery Guest</a:t>
+            </a:r>
+            <a:r>
+              <a:rPr lang="ja-JP" altLang="en-US" i="1" dirty="0"/>
+              <a:t> </a:t>
+            </a:r>
+            <a:r>
+              <a:rPr lang="en-US" altLang="ja-JP" dirty="0"/>
+              <a:t>(</a:t>
+            </a:r>
+            <a:r>
+              <a:rPr lang="ja-JP" altLang="en-US" dirty="0"/>
+              <a:t>ミステリー・ゲスト</a:t>
+            </a:r>
+            <a:r>
+              <a:rPr lang="en-US" altLang="ja-JP" dirty="0"/>
+              <a:t>)</a:t>
+            </a:r>
+            <a:endParaRPr kumimoji="1" lang="ja-JP" altLang="en-US" dirty="0"/>
+          </a:p>
+        </p:txBody>
+      </p:sp>
+      <p:sp>
+        <p:nvSpPr>
+          <p:cNvPr id="4" name="コンテンツ プレースホルダー 2"/>
+          <p:cNvSpPr>
+            <a:spLocks noGrp="1"/>
+          </p:cNvSpPr>
+          <p:nvPr>
+            <p:ph idx="1"/>
+          </p:nvPr>
+        </p:nvSpPr>
+        <p:spPr>
+          <a:xfrm>
+            <a:off x="838200" y="1467809"/>
+            <a:ext cx="10515600" cy="1746250"/>
+          </a:xfrm>
+        </p:spPr>
+        <p:txBody>
+          <a:bodyPr/>
+          <a:lstStyle/>
+          <a:p>
+            <a:r>
+              <a:rPr lang="ja-JP" altLang="en-US" b="1" dirty="0"/>
+              <a:t>テストメソッド内</a:t>
+            </a:r>
+            <a:r>
+              <a:rPr lang="ja-JP" altLang="en-US" b="1" dirty="0" smtClean="0"/>
+              <a:t>で、外部</a:t>
+            </a:r>
+            <a:r>
+              <a:rPr lang="ja-JP" altLang="en-US" b="1" dirty="0"/>
+              <a:t>リソースを利用</a:t>
+            </a:r>
+            <a:r>
+              <a:rPr lang="ja-JP" altLang="en-US" b="1" dirty="0" smtClean="0"/>
+              <a:t>する</a:t>
+            </a:r>
+            <a:endParaRPr lang="en-US" altLang="ja-JP" b="1" dirty="0" smtClean="0"/>
+          </a:p>
+          <a:p>
+            <a:pPr lvl="1"/>
+            <a:r>
+              <a:rPr lang="ja-JP" altLang="en-US" dirty="0"/>
+              <a:t>テストメソッド内だけでなく外部ファイルなど、外部リソースを使用すると見えない依存関係が生じる</a:t>
+            </a:r>
+          </a:p>
+          <a:p>
+            <a:pPr lvl="1"/>
+            <a:r>
+              <a:rPr lang="ja-JP" altLang="en-US" dirty="0"/>
+              <a:t>誰かが、外部ファイルを削除するとテストが失敗してしまう</a:t>
+            </a:r>
+          </a:p>
+          <a:p>
+            <a:pPr lvl="1"/>
+            <a:endParaRPr kumimoji="1" lang="ja-JP" altLang="en-US" dirty="0"/>
+          </a:p>
+        </p:txBody>
+      </p:sp>
+      <p:sp>
+        <p:nvSpPr>
+          <p:cNvPr id="5" name="Google Shape;137;p22"/>
+          <p:cNvSpPr/>
+          <p:nvPr/>
+        </p:nvSpPr>
+        <p:spPr>
+          <a:xfrm>
+            <a:off x="838200" y="3766728"/>
+            <a:ext cx="8374137" cy="2066706"/>
+          </a:xfrm>
+          <a:prstGeom prst="rect">
+            <a:avLst/>
+          </a:prstGeom>
+          <a:solidFill>
+            <a:srgbClr val="F3F3F3"/>
+          </a:solidFill>
+          <a:ln w="9525" cap="flat" cmpd="sng">
+            <a:solidFill>
+              <a:srgbClr val="595959"/>
+            </a:solidFill>
+            <a:prstDash val="solid"/>
+            <a:round/>
+            <a:headEnd type="none" w="sm" len="sm"/>
+            <a:tailEnd type="none" w="sm" len="sm"/>
+          </a:ln>
+        </p:spPr>
+        <p:txBody>
+          <a:bodyPr spcFirstLastPara="1" wrap="square" lIns="91425" tIns="91425" rIns="91425" bIns="91425" anchor="t" anchorCtr="0">
+            <a:noAutofit/>
+          </a:bodyPr>
+          <a:lstStyle/>
+          <a:p>
+            <a:pPr marL="0" lvl="0" indent="0" algn="l" rtl="0">
+              <a:lnSpc>
+                <a:spcPct val="115000"/>
+              </a:lnSpc>
+              <a:spcBef>
+                <a:spcPts val="0"/>
+              </a:spcBef>
+              <a:spcAft>
+                <a:spcPts val="0"/>
+              </a:spcAft>
+              <a:buClr>
+                <a:srgbClr val="000000"/>
+              </a:buClr>
+              <a:buSzPts val="1100"/>
+              <a:buFont typeface="Arial"/>
+              <a:buNone/>
+            </a:pPr>
+            <a:r>
+              <a:rPr lang="ja" b="1" dirty="0">
+                <a:solidFill>
+                  <a:srgbClr val="000000"/>
+                </a:solidFill>
+                <a:latin typeface="Consolas"/>
+                <a:ea typeface="Consolas"/>
+                <a:cs typeface="Consolas"/>
+                <a:sym typeface="Consolas"/>
+              </a:rPr>
+              <a:t>public void testPersistence() {</a:t>
+            </a:r>
+            <a:endParaRPr b="1" dirty="0">
+              <a:solidFill>
+                <a:srgbClr val="000000"/>
+              </a:solidFill>
+              <a:latin typeface="Consolas"/>
+              <a:ea typeface="Consolas"/>
+              <a:cs typeface="Consolas"/>
+              <a:sym typeface="Consolas"/>
+            </a:endParaRPr>
+          </a:p>
+          <a:p>
+            <a:pPr marL="0" lvl="0" indent="0" algn="l" rtl="0">
+              <a:lnSpc>
+                <a:spcPct val="115000"/>
+              </a:lnSpc>
+              <a:spcBef>
+                <a:spcPts val="0"/>
+              </a:spcBef>
+              <a:spcAft>
+                <a:spcPts val="0"/>
+              </a:spcAft>
+              <a:buClr>
+                <a:srgbClr val="000000"/>
+              </a:buClr>
+              <a:buSzPts val="1100"/>
+              <a:buFont typeface="Arial"/>
+              <a:buNone/>
+            </a:pPr>
+            <a:r>
+              <a:rPr lang="ja" b="1" dirty="0">
+                <a:solidFill>
+                  <a:srgbClr val="000000"/>
+                </a:solidFill>
+                <a:latin typeface="Consolas"/>
+                <a:ea typeface="Consolas"/>
+                <a:cs typeface="Consolas"/>
+                <a:sym typeface="Consolas"/>
+              </a:rPr>
+              <a:t>    .....   </a:t>
+            </a:r>
+            <a:endParaRPr b="1" dirty="0">
+              <a:solidFill>
+                <a:srgbClr val="000000"/>
+              </a:solidFill>
+              <a:latin typeface="Consolas"/>
+              <a:ea typeface="Consolas"/>
+              <a:cs typeface="Consolas"/>
+              <a:sym typeface="Consolas"/>
+            </a:endParaRPr>
+          </a:p>
+          <a:p>
+            <a:pPr marL="0" lvl="0" indent="0" algn="l" rtl="0">
+              <a:lnSpc>
+                <a:spcPct val="115000"/>
+              </a:lnSpc>
+              <a:spcBef>
+                <a:spcPts val="0"/>
+              </a:spcBef>
+              <a:spcAft>
+                <a:spcPts val="0"/>
+              </a:spcAft>
+              <a:buClr>
+                <a:srgbClr val="000000"/>
+              </a:buClr>
+              <a:buSzPts val="1100"/>
+              <a:buFont typeface="Arial"/>
+              <a:buNone/>
+            </a:pPr>
+            <a:r>
+              <a:rPr lang="ja" b="1" dirty="0">
+                <a:solidFill>
+                  <a:srgbClr val="000000"/>
+                </a:solidFill>
+                <a:latin typeface="Consolas"/>
+                <a:ea typeface="Consolas"/>
+                <a:cs typeface="Consolas"/>
+                <a:sym typeface="Consolas"/>
+              </a:rPr>
+              <a:t>    File tempFile = File.createTempFile("systemstate-", ".txt");</a:t>
+            </a:r>
+            <a:endParaRPr b="1" dirty="0">
+              <a:solidFill>
+                <a:srgbClr val="000000"/>
+              </a:solidFill>
+              <a:latin typeface="Consolas"/>
+              <a:ea typeface="Consolas"/>
+              <a:cs typeface="Consolas"/>
+              <a:sym typeface="Consolas"/>
+            </a:endParaRPr>
+          </a:p>
+          <a:p>
+            <a:pPr marL="0" lvl="0" indent="0" algn="l" rtl="0">
+              <a:lnSpc>
+                <a:spcPct val="115000"/>
+              </a:lnSpc>
+              <a:spcBef>
+                <a:spcPts val="0"/>
+              </a:spcBef>
+              <a:spcAft>
+                <a:spcPts val="0"/>
+              </a:spcAft>
+              <a:buClr>
+                <a:srgbClr val="000000"/>
+              </a:buClr>
+              <a:buSzPts val="1100"/>
+              <a:buFont typeface="Arial"/>
+              <a:buNone/>
+            </a:pPr>
+            <a:r>
+              <a:rPr lang="ja" b="1" dirty="0">
+                <a:solidFill>
+                  <a:srgbClr val="000000"/>
+                </a:solidFill>
+                <a:latin typeface="Consolas"/>
+                <a:ea typeface="Consolas"/>
+                <a:cs typeface="Consolas"/>
+                <a:sym typeface="Consolas"/>
+              </a:rPr>
+              <a:t>    .....</a:t>
+            </a:r>
+            <a:endParaRPr b="1" dirty="0">
+              <a:solidFill>
+                <a:srgbClr val="000000"/>
+              </a:solidFill>
+              <a:latin typeface="Consolas"/>
+              <a:ea typeface="Consolas"/>
+              <a:cs typeface="Consolas"/>
+              <a:sym typeface="Consolas"/>
+            </a:endParaRPr>
+          </a:p>
+          <a:p>
+            <a:pPr marL="0" lvl="0" indent="0" algn="l" rtl="0">
+              <a:lnSpc>
+                <a:spcPct val="115000"/>
+              </a:lnSpc>
+              <a:spcBef>
+                <a:spcPts val="0"/>
+              </a:spcBef>
+              <a:spcAft>
+                <a:spcPts val="0"/>
+              </a:spcAft>
+              <a:buClr>
+                <a:srgbClr val="000000"/>
+              </a:buClr>
+              <a:buSzPts val="1100"/>
+              <a:buFont typeface="Arial"/>
+              <a:buNone/>
+            </a:pPr>
+            <a:r>
+              <a:rPr lang="ja" b="1" dirty="0">
+                <a:solidFill>
+                  <a:srgbClr val="000000"/>
+                </a:solidFill>
+                <a:latin typeface="Consolas"/>
+                <a:ea typeface="Consolas"/>
+                <a:cs typeface="Consolas"/>
+                <a:sym typeface="Consolas"/>
+              </a:rPr>
+              <a:t>}</a:t>
+            </a:r>
+            <a:endParaRPr b="1" dirty="0">
+              <a:solidFill>
+                <a:srgbClr val="000000"/>
+              </a:solidFill>
+              <a:latin typeface="Consolas"/>
+              <a:ea typeface="Consolas"/>
+              <a:cs typeface="Consolas"/>
+              <a:sym typeface="Consolas"/>
+            </a:endParaRPr>
+          </a:p>
+          <a:p>
+            <a:pPr marL="0" lvl="0" indent="0" algn="l" rtl="0">
+              <a:lnSpc>
+                <a:spcPct val="115000"/>
+              </a:lnSpc>
+              <a:spcBef>
+                <a:spcPts val="0"/>
+              </a:spcBef>
+              <a:spcAft>
+                <a:spcPts val="0"/>
+              </a:spcAft>
+              <a:buClr>
+                <a:srgbClr val="000000"/>
+              </a:buClr>
+              <a:buSzPts val="1100"/>
+              <a:buFont typeface="Arial"/>
+              <a:buNone/>
+            </a:pPr>
+            <a:endParaRPr b="1" dirty="0">
+              <a:solidFill>
+                <a:srgbClr val="000000"/>
+              </a:solidFill>
+              <a:latin typeface="Consolas"/>
+              <a:ea typeface="Consolas"/>
+              <a:cs typeface="Consolas"/>
+              <a:sym typeface="Consolas"/>
+            </a:endParaRPr>
+          </a:p>
+        </p:txBody>
+      </p:sp>
+      <p:sp>
+        <p:nvSpPr>
+          <p:cNvPr id="6" name="Google Shape;138;p22"/>
+          <p:cNvSpPr/>
+          <p:nvPr/>
+        </p:nvSpPr>
+        <p:spPr>
+          <a:xfrm>
+            <a:off x="1341413" y="4488827"/>
+            <a:ext cx="7697812" cy="382581"/>
+          </a:xfrm>
+          <a:prstGeom prst="rect">
+            <a:avLst/>
+          </a:prstGeom>
+          <a:noFill/>
+          <a:ln w="28575" cap="flat" cmpd="sng">
+            <a:solidFill>
+              <a:srgbClr val="4A86E8"/>
+            </a:solidFill>
+            <a:prstDash val="solid"/>
+            <a:round/>
+            <a:headEnd type="none" w="sm" len="sm"/>
+            <a:tailEnd type="none" w="sm" len="sm"/>
+          </a:ln>
+        </p:spPr>
+        <p:txBody>
+          <a:bodyPr spcFirstLastPara="1" wrap="square" lIns="91425" tIns="91425" rIns="91425" bIns="91425" anchor="t" anchorCtr="0">
+            <a:noAutofit/>
+          </a:bodyPr>
+          <a:lstStyle/>
+          <a:p>
+            <a:pPr marL="0" lvl="0" indent="0" algn="l" rtl="0">
+              <a:spcBef>
+                <a:spcPts val="0"/>
+              </a:spcBef>
+              <a:spcAft>
+                <a:spcPts val="0"/>
+              </a:spcAft>
+              <a:buNone/>
+            </a:pPr>
+            <a:endParaRPr/>
+          </a:p>
+        </p:txBody>
+      </p:sp>
+      <p:sp>
+        <p:nvSpPr>
+          <p:cNvPr id="7" name="Google Shape;139;p22"/>
+          <p:cNvSpPr/>
+          <p:nvPr/>
+        </p:nvSpPr>
+        <p:spPr>
+          <a:xfrm>
+            <a:off x="7086600" y="3491543"/>
+            <a:ext cx="4600781" cy="743169"/>
+          </a:xfrm>
+          <a:prstGeom prst="wedgeRoundRectCallout">
+            <a:avLst>
+              <a:gd name="adj1" fmla="val -72835"/>
+              <a:gd name="adj2" fmla="val 94594"/>
+              <a:gd name="adj3" fmla="val 0"/>
+            </a:avLst>
+          </a:prstGeom>
+          <a:solidFill>
+            <a:srgbClr val="FFDD9C"/>
+          </a:solidFill>
+          <a:ln w="9525" cap="flat" cmpd="sng">
+            <a:solidFill>
+              <a:srgbClr val="FFC000"/>
+            </a:solidFill>
+            <a:prstDash val="solid"/>
+            <a:round/>
+            <a:headEnd type="none" w="sm" len="sm"/>
+            <a:tailEnd type="none" w="sm" len="sm"/>
+          </a:ln>
+        </p:spPr>
+        <p:txBody>
+          <a:bodyPr spcFirstLastPara="1" wrap="square" lIns="91425" tIns="91425" rIns="91425" bIns="91425" anchor="ctr" anchorCtr="0">
+            <a:noAutofit/>
+          </a:bodyPr>
+          <a:lstStyle/>
+          <a:p>
+            <a:pPr marL="0" lvl="0" indent="0" algn="l" rtl="0">
+              <a:spcBef>
+                <a:spcPts val="0"/>
+              </a:spcBef>
+              <a:spcAft>
+                <a:spcPts val="0"/>
+              </a:spcAft>
+              <a:buNone/>
+            </a:pPr>
+            <a:r>
+              <a:rPr lang="ja" b="1" dirty="0">
+                <a:solidFill>
+                  <a:srgbClr val="000000"/>
+                </a:solidFill>
+              </a:rPr>
+              <a:t>外部にファイルを生成</a:t>
+            </a:r>
+            <a:r>
+              <a:rPr lang="ja" b="1" dirty="0" smtClean="0">
+                <a:solidFill>
+                  <a:srgbClr val="000000"/>
+                </a:solidFill>
+              </a:rPr>
+              <a:t>し</a:t>
+            </a:r>
+            <a:r>
+              <a:rPr lang="ja-JP" altLang="en-US" b="1" dirty="0" err="1" smtClean="0">
+                <a:solidFill>
+                  <a:srgbClr val="000000"/>
+                </a:solidFill>
+              </a:rPr>
+              <a:t>、</a:t>
+            </a:r>
+            <a:r>
+              <a:rPr lang="ja" b="1" dirty="0" smtClean="0">
+                <a:solidFill>
+                  <a:srgbClr val="000000"/>
+                </a:solidFill>
+              </a:rPr>
+              <a:t>テストプロセス</a:t>
+            </a:r>
+            <a:r>
+              <a:rPr lang="ja" b="1" dirty="0">
+                <a:solidFill>
+                  <a:srgbClr val="000000"/>
+                </a:solidFill>
+              </a:rPr>
+              <a:t>で利用している</a:t>
+            </a:r>
+            <a:endParaRPr b="1" dirty="0">
+              <a:solidFill>
+                <a:srgbClr val="000000"/>
+              </a:solidFill>
+            </a:endParaRPr>
+          </a:p>
+        </p:txBody>
+      </p:sp>
+    </p:spTree>
+    <p:extLst>
+      <p:ext uri="{BB962C8B-B14F-4D97-AF65-F5344CB8AC3E}">
+        <p14:creationId xmlns:p14="http://schemas.microsoft.com/office/powerpoint/2010/main" val="1048154990"/>
+      </p:ext>
+    </p:extLst>
+  </p:cSld>
+  <p:clrMapOvr>
+    <a:masterClrMapping/>
+  </p:clrMapOvr>
+  <p:timing>
+    <p:tnLst>
+      <p:par>
+        <p:cTn id="1" dur="indefinite" restart="never" nodeType="tmRoot"/>
+      </p:par>
+    </p:tnLst>
+  </p:timing>
+</p:sld>
+</file>
+
+<file path=ppt/slides/slide28.xml><?xml version="1.0" encoding="utf-8"?>
+<p:sld xmlns:a="http://schemas.openxmlformats.org/drawingml/2006/main" xmlns:r="http://schemas.openxmlformats.org/officeDocument/2006/relationships" xmlns:p="http://schemas.openxmlformats.org/presentationml/2006/main">
+  <p:cSld>
+    <p:spTree>
+      <p:nvGrpSpPr>
+        <p:cNvPr id="1" name=""/>
+        <p:cNvGrpSpPr/>
+        <p:nvPr/>
+      </p:nvGrpSpPr>
+      <p:grpSpPr>
+        <a:xfrm>
+          <a:off x="0" y="0"/>
+          <a:ext cx="0" cy="0"/>
+          <a:chOff x="0" y="0"/>
+          <a:chExt cx="0" cy="0"/>
+        </a:xfrm>
+      </p:grpSpPr>
+      <p:sp>
+        <p:nvSpPr>
+          <p:cNvPr id="3" name="タイトル 2"/>
+          <p:cNvSpPr>
+            <a:spLocks noGrp="1"/>
+          </p:cNvSpPr>
+          <p:nvPr>
+            <p:ph type="title"/>
+          </p:nvPr>
+        </p:nvSpPr>
+        <p:spPr>
+          <a:xfrm>
+            <a:off x="221598" y="219428"/>
+            <a:ext cx="6991371" cy="729386"/>
+          </a:xfrm>
+        </p:spPr>
+        <p:txBody>
+          <a:bodyPr>
             <a:normAutofit/>
           </a:bodyPr>
           <a:lstStyle/>
@@ -27967,7 +28686,7 @@
 </p:sld>
 </file>
 
-<file path=ppt/slides/slide28.xml><?xml version="1.0" encoding="utf-8"?>
+<file path=ppt/slides/slide29.xml><?xml version="1.0" encoding="utf-8"?>
 <p:sld xmlns:a="http://schemas.openxmlformats.org/drawingml/2006/main" xmlns:r="http://schemas.openxmlformats.org/officeDocument/2006/relationships" xmlns:p="http://schemas.openxmlformats.org/presentationml/2006/main">
   <p:cSld>
     <p:spTree>
@@ -29076,396 +29795,6 @@
 </p:sld>
 </file>
 
-<file path=ppt/slides/slide29.xml><?xml version="1.0" encoding="utf-8"?>
-<p:sld xmlns:a="http://schemas.openxmlformats.org/drawingml/2006/main" xmlns:r="http://schemas.openxmlformats.org/officeDocument/2006/relationships" xmlns:p="http://schemas.openxmlformats.org/presentationml/2006/main">
-  <p:cSld>
-    <p:spTree>
-      <p:nvGrpSpPr>
-        <p:cNvPr id="1" name=""/>
-        <p:cNvGrpSpPr/>
-        <p:nvPr/>
-      </p:nvGrpSpPr>
-      <p:grpSpPr>
-        <a:xfrm>
-          <a:off x="0" y="0"/>
-          <a:ext cx="0" cy="0"/>
-          <a:chOff x="0" y="0"/>
-          <a:chExt cx="0" cy="0"/>
-        </a:xfrm>
-      </p:grpSpPr>
-      <p:sp>
-        <p:nvSpPr>
-          <p:cNvPr id="3" name="タイトル 2"/>
-          <p:cNvSpPr>
-            <a:spLocks noGrp="1"/>
-          </p:cNvSpPr>
-          <p:nvPr>
-            <p:ph type="title"/>
-          </p:nvPr>
-        </p:nvSpPr>
-        <p:spPr/>
-        <p:txBody>
-          <a:bodyPr/>
-          <a:lstStyle/>
-          <a:p>
-            <a:r>
-              <a:rPr kumimoji="1" lang="ja-JP" altLang="en-US" dirty="0" smtClean="0"/>
-              <a:t>ソースコードデータベース</a:t>
-            </a:r>
-            <a:endParaRPr kumimoji="1" lang="ja-JP" altLang="en-US" dirty="0"/>
-          </a:p>
-        </p:txBody>
-      </p:sp>
-      <p:sp>
-        <p:nvSpPr>
-          <p:cNvPr id="4" name="フローチャート: 磁気ディスク 3"/>
-          <p:cNvSpPr/>
-          <p:nvPr/>
-        </p:nvSpPr>
-        <p:spPr>
-          <a:xfrm>
-            <a:off x="1680309" y="1414585"/>
-            <a:ext cx="8628184" cy="4400061"/>
-          </a:xfrm>
-          <a:prstGeom prst="flowChartMagneticDisk">
-            <a:avLst/>
-          </a:prstGeom>
-        </p:spPr>
-        <p:style>
-          <a:lnRef idx="2">
-            <a:schemeClr val="accent1"/>
-          </a:lnRef>
-          <a:fillRef idx="1">
-            <a:schemeClr val="lt1"/>
-          </a:fillRef>
-          <a:effectRef idx="0">
-            <a:schemeClr val="accent1"/>
-          </a:effectRef>
-          <a:fontRef idx="minor">
-            <a:schemeClr val="dk1"/>
-          </a:fontRef>
-        </p:style>
-        <p:txBody>
-          <a:bodyPr rtlCol="0" anchor="ctr"/>
-          <a:lstStyle/>
-          <a:p>
-            <a:pPr algn="ctr"/>
-            <a:endParaRPr kumimoji="1" lang="ja-JP" altLang="en-US" dirty="0"/>
-          </a:p>
-        </p:txBody>
-      </p:sp>
-      <p:sp>
-        <p:nvSpPr>
-          <p:cNvPr id="5" name="テキスト ボックス 4"/>
-          <p:cNvSpPr txBox="1"/>
-          <p:nvPr/>
-        </p:nvSpPr>
-        <p:spPr>
-          <a:xfrm>
-            <a:off x="2352429" y="1773538"/>
-            <a:ext cx="7221417" cy="830997"/>
-          </a:xfrm>
-          <a:prstGeom prst="rect">
-            <a:avLst/>
-          </a:prstGeom>
-          <a:noFill/>
-        </p:spPr>
-        <p:txBody>
-          <a:bodyPr wrap="square" rtlCol="0">
-            <a:spAutoFit/>
-          </a:bodyPr>
-          <a:lstStyle/>
-          <a:p>
-            <a:r>
-              <a:rPr lang="en-US" altLang="ja-JP" sz="2400" b="1" dirty="0" err="1" smtClean="0">
-                <a:latin typeface="メイリオ" panose="020B0604030504040204" pitchFamily="50" charset="-128"/>
-                <a:ea typeface="メイリオ" panose="020B0604030504040204" pitchFamily="50" charset="-128"/>
-              </a:rPr>
-              <a:t>Github</a:t>
-            </a:r>
-            <a:r>
-              <a:rPr lang="ja-JP" altLang="en-US" sz="2400" b="1" dirty="0" smtClean="0">
-                <a:latin typeface="メイリオ" panose="020B0604030504040204" pitchFamily="50" charset="-128"/>
-                <a:ea typeface="メイリオ" panose="020B0604030504040204" pitchFamily="50" charset="-128"/>
-              </a:rPr>
-              <a:t>上に存在する</a:t>
-            </a:r>
-            <a:r>
-              <a:rPr lang="en-US" altLang="ja-JP" sz="2400" b="1" dirty="0" smtClean="0">
-                <a:latin typeface="メイリオ" panose="020B0604030504040204" pitchFamily="50" charset="-128"/>
-                <a:ea typeface="メイリオ" panose="020B0604030504040204" pitchFamily="50" charset="-128"/>
-              </a:rPr>
-              <a:t>3,205</a:t>
-            </a:r>
-            <a:r>
-              <a:rPr lang="ja-JP" altLang="en-US" sz="2400" b="1" dirty="0">
-                <a:latin typeface="メイリオ" panose="020B0604030504040204" pitchFamily="50" charset="-128"/>
-                <a:ea typeface="メイリオ" panose="020B0604030504040204" pitchFamily="50" charset="-128"/>
-              </a:rPr>
-              <a:t>個の</a:t>
-            </a:r>
-            <a:r>
-              <a:rPr lang="en-US" altLang="ja-JP" sz="2400" b="1" dirty="0">
-                <a:latin typeface="メイリオ" panose="020B0604030504040204" pitchFamily="50" charset="-128"/>
-                <a:ea typeface="メイリオ" panose="020B0604030504040204" pitchFamily="50" charset="-128"/>
-              </a:rPr>
-              <a:t>OSS</a:t>
-            </a:r>
-            <a:r>
-              <a:rPr lang="ja-JP" altLang="en-US" sz="2400" b="1" dirty="0">
-                <a:latin typeface="メイリオ" panose="020B0604030504040204" pitchFamily="50" charset="-128"/>
-                <a:ea typeface="メイリオ" panose="020B0604030504040204" pitchFamily="50" charset="-128"/>
-              </a:rPr>
-              <a:t>プロジェクトのプロダクションコード</a:t>
-            </a:r>
-          </a:p>
-        </p:txBody>
-      </p:sp>
-      <p:sp>
-        <p:nvSpPr>
-          <p:cNvPr id="6" name="テキスト ボックス 5"/>
-          <p:cNvSpPr txBox="1"/>
-          <p:nvPr/>
-        </p:nvSpPr>
-        <p:spPr>
-          <a:xfrm>
-            <a:off x="2102340" y="3290278"/>
-            <a:ext cx="8002952" cy="1569660"/>
-          </a:xfrm>
-          <a:prstGeom prst="rect">
-            <a:avLst/>
-          </a:prstGeom>
-          <a:noFill/>
-        </p:spPr>
-        <p:txBody>
-          <a:bodyPr wrap="square" rtlCol="0">
-            <a:spAutoFit/>
-          </a:bodyPr>
-          <a:lstStyle/>
-          <a:p>
-            <a:r>
-              <a:rPr kumimoji="1" lang="ja-JP" altLang="en-US" sz="2400" dirty="0" smtClean="0">
-                <a:latin typeface="メイリオ" panose="020B0604030504040204" pitchFamily="50" charset="-128"/>
-                <a:ea typeface="メイリオ" panose="020B0604030504040204" pitchFamily="50" charset="-128"/>
-              </a:rPr>
-              <a:t>既存のコード検索エンジン</a:t>
-            </a:r>
-            <a:r>
-              <a:rPr kumimoji="1" lang="en-US" altLang="ja-JP" sz="2400" dirty="0" smtClean="0">
-                <a:latin typeface="メイリオ" panose="020B0604030504040204" pitchFamily="50" charset="-128"/>
-                <a:ea typeface="メイリオ" panose="020B0604030504040204" pitchFamily="50" charset="-128"/>
-              </a:rPr>
-              <a:t>[7]</a:t>
-            </a:r>
-            <a:r>
-              <a:rPr kumimoji="1" lang="ja-JP" altLang="en-US" sz="2400" dirty="0" smtClean="0">
-                <a:latin typeface="メイリオ" panose="020B0604030504040204" pitchFamily="50" charset="-128"/>
-                <a:ea typeface="メイリオ" panose="020B0604030504040204" pitchFamily="50" charset="-128"/>
-              </a:rPr>
-              <a:t>で利用されたデータセットの中から、以下の条件を満たすプロジェクトを選択</a:t>
-            </a:r>
-            <a:endParaRPr kumimoji="1" lang="en-US" altLang="ja-JP" sz="2400" dirty="0" smtClean="0">
-              <a:latin typeface="メイリオ" panose="020B0604030504040204" pitchFamily="50" charset="-128"/>
-              <a:ea typeface="メイリオ" panose="020B0604030504040204" pitchFamily="50" charset="-128"/>
-            </a:endParaRPr>
-          </a:p>
-          <a:p>
-            <a:pPr marL="342900" indent="-342900">
-              <a:buFont typeface="Arial" panose="020B0604020202020204" pitchFamily="34" charset="0"/>
-              <a:buChar char="•"/>
-            </a:pPr>
-            <a:r>
-              <a:rPr kumimoji="1" lang="ja-JP" altLang="en-US" sz="2400" dirty="0" smtClean="0">
-                <a:latin typeface="メイリオ" panose="020B0604030504040204" pitchFamily="50" charset="-128"/>
-                <a:ea typeface="メイリオ" panose="020B0604030504040204" pitchFamily="50" charset="-128"/>
-              </a:rPr>
-              <a:t>テストフォルダが存在</a:t>
-            </a:r>
-            <a:r>
-              <a:rPr lang="ja-JP" altLang="en-US" sz="2400" dirty="0" smtClean="0">
-                <a:latin typeface="メイリオ" panose="020B0604030504040204" pitchFamily="50" charset="-128"/>
-                <a:ea typeface="メイリオ" panose="020B0604030504040204" pitchFamily="50" charset="-128"/>
-              </a:rPr>
-              <a:t>する</a:t>
-            </a:r>
-            <a:endParaRPr lang="en-US" altLang="ja-JP" sz="2400" dirty="0" smtClean="0">
-              <a:latin typeface="メイリオ" panose="020B0604030504040204" pitchFamily="50" charset="-128"/>
-              <a:ea typeface="メイリオ" panose="020B0604030504040204" pitchFamily="50" charset="-128"/>
-            </a:endParaRPr>
-          </a:p>
-          <a:p>
-            <a:pPr marL="342900" indent="-342900">
-              <a:buFont typeface="Arial" panose="020B0604020202020204" pitchFamily="34" charset="0"/>
-              <a:buChar char="•"/>
-            </a:pPr>
-            <a:r>
-              <a:rPr kumimoji="1" lang="en-US" altLang="ja-JP" sz="2400" dirty="0" smtClean="0">
-                <a:latin typeface="メイリオ" panose="020B0604030504040204" pitchFamily="50" charset="-128"/>
-                <a:ea typeface="メイリオ" panose="020B0604030504040204" pitchFamily="50" charset="-128"/>
-              </a:rPr>
-              <a:t>JUnit</a:t>
-            </a:r>
-            <a:r>
-              <a:rPr kumimoji="1" lang="ja-JP" altLang="en-US" sz="2400" dirty="0" smtClean="0">
-                <a:latin typeface="メイリオ" panose="020B0604030504040204" pitchFamily="50" charset="-128"/>
-                <a:ea typeface="メイリオ" panose="020B0604030504040204" pitchFamily="50" charset="-128"/>
-              </a:rPr>
-              <a:t>のテスティングフレームワークを採用している</a:t>
-            </a:r>
-            <a:endParaRPr kumimoji="1" lang="ja-JP" altLang="en-US" sz="2400" dirty="0">
-              <a:latin typeface="メイリオ" panose="020B0604030504040204" pitchFamily="50" charset="-128"/>
-              <a:ea typeface="メイリオ" panose="020B0604030504040204" pitchFamily="50" charset="-128"/>
-            </a:endParaRPr>
-          </a:p>
-        </p:txBody>
-      </p:sp>
-      <p:sp>
-        <p:nvSpPr>
-          <p:cNvPr id="8" name="Rectangle 4"/>
-          <p:cNvSpPr>
-            <a:spLocks noChangeArrowheads="1"/>
-          </p:cNvSpPr>
-          <p:nvPr/>
-        </p:nvSpPr>
-        <p:spPr bwMode="auto">
-          <a:xfrm>
-            <a:off x="1159965" y="6101007"/>
-            <a:ext cx="9668870" cy="523220"/>
-          </a:xfrm>
-          <a:prstGeom prst="rect">
-            <a:avLst/>
-          </a:prstGeom>
-          <a:ln>
-            <a:headEnd/>
-            <a:tailEnd/>
-          </a:ln>
-        </p:spPr>
-        <p:style>
-          <a:lnRef idx="2">
-            <a:schemeClr val="dk1"/>
-          </a:lnRef>
-          <a:fillRef idx="1">
-            <a:schemeClr val="lt1"/>
-          </a:fillRef>
-          <a:effectRef idx="0">
-            <a:schemeClr val="dk1"/>
-          </a:effectRef>
-          <a:fontRef idx="minor">
-            <a:schemeClr val="dk1"/>
-          </a:fontRef>
-        </p:style>
-        <p:txBody>
-          <a:bodyPr wrap="square">
-            <a:spAutoFit/>
-          </a:bodyPr>
-          <a:lstStyle/>
-          <a:p>
-            <a:pPr>
-              <a:defRPr/>
-            </a:pPr>
-            <a:r>
-              <a:rPr lang="en-US" altLang="ja-JP" sz="1400" dirty="0" smtClean="0">
-                <a:solidFill>
-                  <a:schemeClr val="tx2"/>
-                </a:solidFill>
-              </a:rPr>
-              <a:t>[7] K</a:t>
-            </a:r>
-            <a:r>
-              <a:rPr lang="en-US" altLang="ja-JP" sz="1400" dirty="0">
-                <a:solidFill>
-                  <a:schemeClr val="tx2"/>
-                </a:solidFill>
-              </a:rPr>
-              <a:t>. Kim, D. Kim, T. F. </a:t>
-            </a:r>
-            <a:r>
-              <a:rPr lang="en-US" altLang="ja-JP" sz="1400" dirty="0" err="1">
-                <a:solidFill>
-                  <a:schemeClr val="tx2"/>
-                </a:solidFill>
-              </a:rPr>
-              <a:t>Bissyand´e</a:t>
-            </a:r>
-            <a:r>
-              <a:rPr lang="en-US" altLang="ja-JP" sz="1400" dirty="0">
-                <a:solidFill>
-                  <a:schemeClr val="tx2"/>
-                </a:solidFill>
-              </a:rPr>
-              <a:t>, E. Choi, L. Li, J. Klein, and Y. Le </a:t>
-            </a:r>
-            <a:r>
-              <a:rPr lang="en-US" altLang="ja-JP" sz="1400" dirty="0" err="1">
-                <a:solidFill>
-                  <a:schemeClr val="tx2"/>
-                </a:solidFill>
-              </a:rPr>
-              <a:t>Traon</a:t>
-            </a:r>
-            <a:r>
-              <a:rPr lang="en-US" altLang="ja-JP" sz="1400" dirty="0">
-                <a:solidFill>
-                  <a:schemeClr val="tx2"/>
-                </a:solidFill>
-              </a:rPr>
-              <a:t>. </a:t>
-            </a:r>
-            <a:r>
-              <a:rPr lang="en-US" altLang="ja-JP" sz="1400" dirty="0" err="1">
-                <a:solidFill>
-                  <a:schemeClr val="tx2"/>
-                </a:solidFill>
-              </a:rPr>
-              <a:t>Facoy</a:t>
-            </a:r>
-            <a:r>
-              <a:rPr lang="en-US" altLang="ja-JP" sz="1400" dirty="0">
-                <a:solidFill>
-                  <a:schemeClr val="tx2"/>
-                </a:solidFill>
-              </a:rPr>
-              <a:t> - a code-to-code search engine. In </a:t>
-            </a:r>
-            <a:r>
-              <a:rPr lang="en-US" altLang="ja-JP" sz="1400" i="1" dirty="0">
-                <a:solidFill>
-                  <a:schemeClr val="tx2"/>
-                </a:solidFill>
-              </a:rPr>
-              <a:t>Proceedings of the International Conference on Software Engineering (ICSE), </a:t>
-            </a:r>
-            <a:r>
-              <a:rPr lang="en-US" altLang="ja-JP" sz="1400" dirty="0">
-                <a:solidFill>
-                  <a:schemeClr val="tx2"/>
-                </a:solidFill>
-              </a:rPr>
-              <a:t>pages 946–957, 2018.</a:t>
-            </a:r>
-          </a:p>
-        </p:txBody>
-      </p:sp>
-    </p:spTree>
-    <p:extLst>
-      <p:ext uri="{BB962C8B-B14F-4D97-AF65-F5344CB8AC3E}">
-        <p14:creationId xmlns:p14="http://schemas.microsoft.com/office/powerpoint/2010/main" val="1766140946"/>
-      </p:ext>
-    </p:extLst>
-  </p:cSld>
-  <p:clrMapOvr>
-    <a:masterClrMapping/>
-  </p:clrMapOvr>
-  <p:timing>
-    <p:tnLst>
-      <p:par>
-        <p:cTn id="1" dur="indefinite" restart="never" nodeType="tmRoot"/>
-      </p:par>
-    </p:tnLst>
-  </p:timing>
-</p:sld>
-</file>
-
 <file path=ppt/slides/slide3.xml><?xml version="1.0" encoding="utf-8"?>
 <p:sld xmlns:a="http://schemas.openxmlformats.org/drawingml/2006/main" xmlns:r="http://schemas.openxmlformats.org/officeDocument/2006/relationships" xmlns:p="http://schemas.openxmlformats.org/presentationml/2006/main">
   <p:cSld>
@@ -29909,12 +30238,8 @@
           <a:lstStyle/>
           <a:p>
             <a:r>
-              <a:rPr lang="ja-JP" altLang="en-US" dirty="0"/>
-              <a:t>テスト</a:t>
-            </a:r>
-            <a:r>
               <a:rPr kumimoji="1" lang="ja-JP" altLang="en-US" dirty="0" smtClean="0"/>
-              <a:t>コードデータベース</a:t>
+              <a:t>ソースコードデータベース</a:t>
             </a:r>
             <a:endParaRPr kumimoji="1" lang="ja-JP" altLang="en-US" dirty="0"/>
           </a:p>
@@ -29966,6 +30291,400 @@
         </p:nvSpPr>
         <p:spPr>
           <a:xfrm>
+            <a:off x="2352429" y="1773538"/>
+            <a:ext cx="7221417" cy="830997"/>
+          </a:xfrm>
+          <a:prstGeom prst="rect">
+            <a:avLst/>
+          </a:prstGeom>
+          <a:noFill/>
+        </p:spPr>
+        <p:txBody>
+          <a:bodyPr wrap="square" rtlCol="0">
+            <a:spAutoFit/>
+          </a:bodyPr>
+          <a:lstStyle/>
+          <a:p>
+            <a:r>
+              <a:rPr lang="en-US" altLang="ja-JP" sz="2400" b="1" dirty="0" err="1" smtClean="0">
+                <a:latin typeface="メイリオ" panose="020B0604030504040204" pitchFamily="50" charset="-128"/>
+                <a:ea typeface="メイリオ" panose="020B0604030504040204" pitchFamily="50" charset="-128"/>
+              </a:rPr>
+              <a:t>Github</a:t>
+            </a:r>
+            <a:r>
+              <a:rPr lang="ja-JP" altLang="en-US" sz="2400" b="1" dirty="0" smtClean="0">
+                <a:latin typeface="メイリオ" panose="020B0604030504040204" pitchFamily="50" charset="-128"/>
+                <a:ea typeface="メイリオ" panose="020B0604030504040204" pitchFamily="50" charset="-128"/>
+              </a:rPr>
+              <a:t>上に存在する</a:t>
+            </a:r>
+            <a:r>
+              <a:rPr lang="en-US" altLang="ja-JP" sz="2400" b="1" dirty="0" smtClean="0">
+                <a:latin typeface="メイリオ" panose="020B0604030504040204" pitchFamily="50" charset="-128"/>
+                <a:ea typeface="メイリオ" panose="020B0604030504040204" pitchFamily="50" charset="-128"/>
+              </a:rPr>
+              <a:t>3,205</a:t>
+            </a:r>
+            <a:r>
+              <a:rPr lang="ja-JP" altLang="en-US" sz="2400" b="1" dirty="0">
+                <a:latin typeface="メイリオ" panose="020B0604030504040204" pitchFamily="50" charset="-128"/>
+                <a:ea typeface="メイリオ" panose="020B0604030504040204" pitchFamily="50" charset="-128"/>
+              </a:rPr>
+              <a:t>個の</a:t>
+            </a:r>
+            <a:r>
+              <a:rPr lang="en-US" altLang="ja-JP" sz="2400" b="1" dirty="0">
+                <a:latin typeface="メイリオ" panose="020B0604030504040204" pitchFamily="50" charset="-128"/>
+                <a:ea typeface="メイリオ" panose="020B0604030504040204" pitchFamily="50" charset="-128"/>
+              </a:rPr>
+              <a:t>OSS</a:t>
+            </a:r>
+            <a:r>
+              <a:rPr lang="ja-JP" altLang="en-US" sz="2400" b="1" dirty="0">
+                <a:latin typeface="メイリオ" panose="020B0604030504040204" pitchFamily="50" charset="-128"/>
+                <a:ea typeface="メイリオ" panose="020B0604030504040204" pitchFamily="50" charset="-128"/>
+              </a:rPr>
+              <a:t>プロジェクトのプロダクションコード</a:t>
+            </a:r>
+          </a:p>
+        </p:txBody>
+      </p:sp>
+      <p:sp>
+        <p:nvSpPr>
+          <p:cNvPr id="6" name="テキスト ボックス 5"/>
+          <p:cNvSpPr txBox="1"/>
+          <p:nvPr/>
+        </p:nvSpPr>
+        <p:spPr>
+          <a:xfrm>
+            <a:off x="2102340" y="3290278"/>
+            <a:ext cx="8002952" cy="1569660"/>
+          </a:xfrm>
+          <a:prstGeom prst="rect">
+            <a:avLst/>
+          </a:prstGeom>
+          <a:noFill/>
+        </p:spPr>
+        <p:txBody>
+          <a:bodyPr wrap="square" rtlCol="0">
+            <a:spAutoFit/>
+          </a:bodyPr>
+          <a:lstStyle/>
+          <a:p>
+            <a:r>
+              <a:rPr kumimoji="1" lang="ja-JP" altLang="en-US" sz="2400" dirty="0" smtClean="0">
+                <a:latin typeface="メイリオ" panose="020B0604030504040204" pitchFamily="50" charset="-128"/>
+                <a:ea typeface="メイリオ" panose="020B0604030504040204" pitchFamily="50" charset="-128"/>
+              </a:rPr>
+              <a:t>既存のコード検索エンジン</a:t>
+            </a:r>
+            <a:r>
+              <a:rPr kumimoji="1" lang="en-US" altLang="ja-JP" sz="2400" dirty="0" smtClean="0">
+                <a:latin typeface="メイリオ" panose="020B0604030504040204" pitchFamily="50" charset="-128"/>
+                <a:ea typeface="メイリオ" panose="020B0604030504040204" pitchFamily="50" charset="-128"/>
+              </a:rPr>
+              <a:t>[7]</a:t>
+            </a:r>
+            <a:r>
+              <a:rPr kumimoji="1" lang="ja-JP" altLang="en-US" sz="2400" dirty="0" smtClean="0">
+                <a:latin typeface="メイリオ" panose="020B0604030504040204" pitchFamily="50" charset="-128"/>
+                <a:ea typeface="メイリオ" panose="020B0604030504040204" pitchFamily="50" charset="-128"/>
+              </a:rPr>
+              <a:t>で利用されたデータセットの中から、以下の条件を満たすプロジェクトを選択</a:t>
+            </a:r>
+            <a:endParaRPr kumimoji="1" lang="en-US" altLang="ja-JP" sz="2400" dirty="0" smtClean="0">
+              <a:latin typeface="メイリオ" panose="020B0604030504040204" pitchFamily="50" charset="-128"/>
+              <a:ea typeface="メイリオ" panose="020B0604030504040204" pitchFamily="50" charset="-128"/>
+            </a:endParaRPr>
+          </a:p>
+          <a:p>
+            <a:pPr marL="342900" indent="-342900">
+              <a:buFont typeface="Arial" panose="020B0604020202020204" pitchFamily="34" charset="0"/>
+              <a:buChar char="•"/>
+            </a:pPr>
+            <a:r>
+              <a:rPr kumimoji="1" lang="ja-JP" altLang="en-US" sz="2400" dirty="0" smtClean="0">
+                <a:latin typeface="メイリオ" panose="020B0604030504040204" pitchFamily="50" charset="-128"/>
+                <a:ea typeface="メイリオ" panose="020B0604030504040204" pitchFamily="50" charset="-128"/>
+              </a:rPr>
+              <a:t>テストフォルダが存在</a:t>
+            </a:r>
+            <a:r>
+              <a:rPr lang="ja-JP" altLang="en-US" sz="2400" dirty="0" smtClean="0">
+                <a:latin typeface="メイリオ" panose="020B0604030504040204" pitchFamily="50" charset="-128"/>
+                <a:ea typeface="メイリオ" panose="020B0604030504040204" pitchFamily="50" charset="-128"/>
+              </a:rPr>
+              <a:t>する</a:t>
+            </a:r>
+            <a:endParaRPr lang="en-US" altLang="ja-JP" sz="2400" dirty="0" smtClean="0">
+              <a:latin typeface="メイリオ" panose="020B0604030504040204" pitchFamily="50" charset="-128"/>
+              <a:ea typeface="メイリオ" panose="020B0604030504040204" pitchFamily="50" charset="-128"/>
+            </a:endParaRPr>
+          </a:p>
+          <a:p>
+            <a:pPr marL="342900" indent="-342900">
+              <a:buFont typeface="Arial" panose="020B0604020202020204" pitchFamily="34" charset="0"/>
+              <a:buChar char="•"/>
+            </a:pPr>
+            <a:r>
+              <a:rPr kumimoji="1" lang="en-US" altLang="ja-JP" sz="2400" dirty="0" smtClean="0">
+                <a:latin typeface="メイリオ" panose="020B0604030504040204" pitchFamily="50" charset="-128"/>
+                <a:ea typeface="メイリオ" panose="020B0604030504040204" pitchFamily="50" charset="-128"/>
+              </a:rPr>
+              <a:t>JUnit</a:t>
+            </a:r>
+            <a:r>
+              <a:rPr kumimoji="1" lang="ja-JP" altLang="en-US" sz="2400" dirty="0" smtClean="0">
+                <a:latin typeface="メイリオ" panose="020B0604030504040204" pitchFamily="50" charset="-128"/>
+                <a:ea typeface="メイリオ" panose="020B0604030504040204" pitchFamily="50" charset="-128"/>
+              </a:rPr>
+              <a:t>のテスティングフレームワークを採用している</a:t>
+            </a:r>
+            <a:endParaRPr kumimoji="1" lang="ja-JP" altLang="en-US" sz="2400" dirty="0">
+              <a:latin typeface="メイリオ" panose="020B0604030504040204" pitchFamily="50" charset="-128"/>
+              <a:ea typeface="メイリオ" panose="020B0604030504040204" pitchFamily="50" charset="-128"/>
+            </a:endParaRPr>
+          </a:p>
+        </p:txBody>
+      </p:sp>
+      <p:sp>
+        <p:nvSpPr>
+          <p:cNvPr id="8" name="Rectangle 4"/>
+          <p:cNvSpPr>
+            <a:spLocks noChangeArrowheads="1"/>
+          </p:cNvSpPr>
+          <p:nvPr/>
+        </p:nvSpPr>
+        <p:spPr bwMode="auto">
+          <a:xfrm>
+            <a:off x="1159965" y="6101007"/>
+            <a:ext cx="9668870" cy="523220"/>
+          </a:xfrm>
+          <a:prstGeom prst="rect">
+            <a:avLst/>
+          </a:prstGeom>
+          <a:ln>
+            <a:headEnd/>
+            <a:tailEnd/>
+          </a:ln>
+        </p:spPr>
+        <p:style>
+          <a:lnRef idx="2">
+            <a:schemeClr val="dk1"/>
+          </a:lnRef>
+          <a:fillRef idx="1">
+            <a:schemeClr val="lt1"/>
+          </a:fillRef>
+          <a:effectRef idx="0">
+            <a:schemeClr val="dk1"/>
+          </a:effectRef>
+          <a:fontRef idx="minor">
+            <a:schemeClr val="dk1"/>
+          </a:fontRef>
+        </p:style>
+        <p:txBody>
+          <a:bodyPr wrap="square">
+            <a:spAutoFit/>
+          </a:bodyPr>
+          <a:lstStyle/>
+          <a:p>
+            <a:pPr>
+              <a:defRPr/>
+            </a:pPr>
+            <a:r>
+              <a:rPr lang="en-US" altLang="ja-JP" sz="1400" dirty="0" smtClean="0">
+                <a:solidFill>
+                  <a:schemeClr val="tx2"/>
+                </a:solidFill>
+              </a:rPr>
+              <a:t>[7] K</a:t>
+            </a:r>
+            <a:r>
+              <a:rPr lang="en-US" altLang="ja-JP" sz="1400" dirty="0">
+                <a:solidFill>
+                  <a:schemeClr val="tx2"/>
+                </a:solidFill>
+              </a:rPr>
+              <a:t>. Kim, D. Kim, T. F. </a:t>
+            </a:r>
+            <a:r>
+              <a:rPr lang="en-US" altLang="ja-JP" sz="1400" dirty="0" err="1">
+                <a:solidFill>
+                  <a:schemeClr val="tx2"/>
+                </a:solidFill>
+              </a:rPr>
+              <a:t>Bissyand´e</a:t>
+            </a:r>
+            <a:r>
+              <a:rPr lang="en-US" altLang="ja-JP" sz="1400" dirty="0">
+                <a:solidFill>
+                  <a:schemeClr val="tx2"/>
+                </a:solidFill>
+              </a:rPr>
+              <a:t>, E. Choi, L. Li, J. Klein, and Y. Le </a:t>
+            </a:r>
+            <a:r>
+              <a:rPr lang="en-US" altLang="ja-JP" sz="1400" dirty="0" err="1">
+                <a:solidFill>
+                  <a:schemeClr val="tx2"/>
+                </a:solidFill>
+              </a:rPr>
+              <a:t>Traon</a:t>
+            </a:r>
+            <a:r>
+              <a:rPr lang="en-US" altLang="ja-JP" sz="1400" dirty="0">
+                <a:solidFill>
+                  <a:schemeClr val="tx2"/>
+                </a:solidFill>
+              </a:rPr>
+              <a:t>. </a:t>
+            </a:r>
+            <a:r>
+              <a:rPr lang="en-US" altLang="ja-JP" sz="1400" dirty="0" err="1">
+                <a:solidFill>
+                  <a:schemeClr val="tx2"/>
+                </a:solidFill>
+              </a:rPr>
+              <a:t>Facoy</a:t>
+            </a:r>
+            <a:r>
+              <a:rPr lang="en-US" altLang="ja-JP" sz="1400" dirty="0">
+                <a:solidFill>
+                  <a:schemeClr val="tx2"/>
+                </a:solidFill>
+              </a:rPr>
+              <a:t> - a code-to-code search engine. In </a:t>
+            </a:r>
+            <a:r>
+              <a:rPr lang="en-US" altLang="ja-JP" sz="1400" i="1" dirty="0">
+                <a:solidFill>
+                  <a:schemeClr val="tx2"/>
+                </a:solidFill>
+              </a:rPr>
+              <a:t>Proceedings of the International Conference on Software Engineering (ICSE), </a:t>
+            </a:r>
+            <a:r>
+              <a:rPr lang="en-US" altLang="ja-JP" sz="1400" dirty="0">
+                <a:solidFill>
+                  <a:schemeClr val="tx2"/>
+                </a:solidFill>
+              </a:rPr>
+              <a:t>pages 946–957, 2018.</a:t>
+            </a:r>
+          </a:p>
+        </p:txBody>
+      </p:sp>
+    </p:spTree>
+    <p:extLst>
+      <p:ext uri="{BB962C8B-B14F-4D97-AF65-F5344CB8AC3E}">
+        <p14:creationId xmlns:p14="http://schemas.microsoft.com/office/powerpoint/2010/main" val="1766140946"/>
+      </p:ext>
+    </p:extLst>
+  </p:cSld>
+  <p:clrMapOvr>
+    <a:masterClrMapping/>
+  </p:clrMapOvr>
+  <p:timing>
+    <p:tnLst>
+      <p:par>
+        <p:cTn id="1" dur="indefinite" restart="never" nodeType="tmRoot"/>
+      </p:par>
+    </p:tnLst>
+  </p:timing>
+</p:sld>
+</file>
+
+<file path=ppt/slides/slide31.xml><?xml version="1.0" encoding="utf-8"?>
+<p:sld xmlns:a="http://schemas.openxmlformats.org/drawingml/2006/main" xmlns:r="http://schemas.openxmlformats.org/officeDocument/2006/relationships" xmlns:p="http://schemas.openxmlformats.org/presentationml/2006/main">
+  <p:cSld>
+    <p:spTree>
+      <p:nvGrpSpPr>
+        <p:cNvPr id="1" name=""/>
+        <p:cNvGrpSpPr/>
+        <p:nvPr/>
+      </p:nvGrpSpPr>
+      <p:grpSpPr>
+        <a:xfrm>
+          <a:off x="0" y="0"/>
+          <a:ext cx="0" cy="0"/>
+          <a:chOff x="0" y="0"/>
+          <a:chExt cx="0" cy="0"/>
+        </a:xfrm>
+      </p:grpSpPr>
+      <p:sp>
+        <p:nvSpPr>
+          <p:cNvPr id="3" name="タイトル 2"/>
+          <p:cNvSpPr>
+            <a:spLocks noGrp="1"/>
+          </p:cNvSpPr>
+          <p:nvPr>
+            <p:ph type="title"/>
+          </p:nvPr>
+        </p:nvSpPr>
+        <p:spPr/>
+        <p:txBody>
+          <a:bodyPr/>
+          <a:lstStyle/>
+          <a:p>
+            <a:r>
+              <a:rPr lang="ja-JP" altLang="en-US" dirty="0"/>
+              <a:t>テスト</a:t>
+            </a:r>
+            <a:r>
+              <a:rPr kumimoji="1" lang="ja-JP" altLang="en-US" dirty="0" smtClean="0"/>
+              <a:t>コードデータベース</a:t>
+            </a:r>
+            <a:endParaRPr kumimoji="1" lang="ja-JP" altLang="en-US" dirty="0"/>
+          </a:p>
+        </p:txBody>
+      </p:sp>
+      <p:sp>
+        <p:nvSpPr>
+          <p:cNvPr id="4" name="フローチャート: 磁気ディスク 3"/>
+          <p:cNvSpPr/>
+          <p:nvPr/>
+        </p:nvSpPr>
+        <p:spPr>
+          <a:xfrm>
+            <a:off x="1680309" y="1414585"/>
+            <a:ext cx="8628184" cy="4400061"/>
+          </a:xfrm>
+          <a:prstGeom prst="flowChartMagneticDisk">
+            <a:avLst/>
+          </a:prstGeom>
+        </p:spPr>
+        <p:style>
+          <a:lnRef idx="2">
+            <a:schemeClr val="accent1"/>
+          </a:lnRef>
+          <a:fillRef idx="1">
+            <a:schemeClr val="lt1"/>
+          </a:fillRef>
+          <a:effectRef idx="0">
+            <a:schemeClr val="accent1"/>
+          </a:effectRef>
+          <a:fontRef idx="minor">
+            <a:schemeClr val="dk1"/>
+          </a:fontRef>
+        </p:style>
+        <p:txBody>
+          <a:bodyPr rtlCol="0" anchor="ctr"/>
+          <a:lstStyle/>
+          <a:p>
+            <a:pPr algn="ctr"/>
+            <a:endParaRPr kumimoji="1" lang="ja-JP" altLang="en-US" dirty="0"/>
+          </a:p>
+        </p:txBody>
+      </p:sp>
+      <p:sp>
+        <p:nvSpPr>
+          <p:cNvPr id="5" name="テキスト ボックス 4"/>
+          <p:cNvSpPr txBox="1"/>
+          <p:nvPr/>
+        </p:nvSpPr>
+        <p:spPr>
+          <a:xfrm>
             <a:off x="2715846" y="1750092"/>
             <a:ext cx="6775940" cy="830997"/>
           </a:xfrm>
@@ -30154,7 +30873,7 @@
 </p:sld>
 </file>
 
-<file path=ppt/slides/slide31.xml><?xml version="1.0" encoding="utf-8"?>
+<file path=ppt/slides/slide32.xml><?xml version="1.0" encoding="utf-8"?>
 <p:sld xmlns:a="http://schemas.openxmlformats.org/drawingml/2006/main" xmlns:r="http://schemas.openxmlformats.org/officeDocument/2006/relationships" xmlns:p="http://schemas.openxmlformats.org/presentationml/2006/main">
   <p:cSld>
     <p:spTree>
@@ -30873,7 +31592,7 @@
 </p:sld>
 </file>
 
-<file path=ppt/slides/slide32.xml><?xml version="1.0" encoding="utf-8"?>
+<file path=ppt/slides/slide33.xml><?xml version="1.0" encoding="utf-8"?>
 <p:sld xmlns:a="http://schemas.openxmlformats.org/drawingml/2006/main" xmlns:r="http://schemas.openxmlformats.org/officeDocument/2006/relationships" xmlns:p="http://schemas.openxmlformats.org/presentationml/2006/main">
   <p:cSld>
     <p:spTree>
@@ -32065,7 +32784,7 @@
 </p:sld>
 </file>
 
-<file path=ppt/slides/slide33.xml><?xml version="1.0" encoding="utf-8"?>
+<file path=ppt/slides/slide34.xml><?xml version="1.0" encoding="utf-8"?>
 <p:sld xmlns:a="http://schemas.openxmlformats.org/drawingml/2006/main" xmlns:r="http://schemas.openxmlformats.org/officeDocument/2006/relationships" xmlns:p="http://schemas.openxmlformats.org/presentationml/2006/main">
   <p:cSld>
     <p:spTree>
@@ -33074,7 +33793,7 @@
 </p:sld>
 </file>
 
-<file path=ppt/slides/slide34.xml><?xml version="1.0" encoding="utf-8"?>
+<file path=ppt/slides/slide35.xml><?xml version="1.0" encoding="utf-8"?>
 <p:sld xmlns:a="http://schemas.openxmlformats.org/drawingml/2006/main" xmlns:r="http://schemas.openxmlformats.org/officeDocument/2006/relationships" xmlns:p="http://schemas.openxmlformats.org/presentationml/2006/main">
   <p:cSld>
     <p:spTree>
@@ -33268,7 +33987,7 @@
 </p:sld>
 </file>
 
-<file path=ppt/slides/slide35.xml><?xml version="1.0" encoding="utf-8"?>
+<file path=ppt/slides/slide36.xml><?xml version="1.0" encoding="utf-8"?>
 <p:sld xmlns:a="http://schemas.openxmlformats.org/drawingml/2006/main" xmlns:r="http://schemas.openxmlformats.org/officeDocument/2006/relationships" xmlns:p="http://schemas.openxmlformats.org/presentationml/2006/main">
   <p:cSld>
     <p:spTree>
@@ -33648,11 +34367,11 @@
           <a:lstStyle/>
           <a:p>
             <a:r>
-              <a:rPr lang="en-US" altLang="ja-JP" b="1" dirty="0"/>
+              <a:rPr lang="en-US" altLang="ja-JP" b="1" i="1" dirty="0"/>
               <a:t>RQ5.</a:t>
             </a:r>
             <a:r>
-              <a:rPr lang="en-US" altLang="ja-JP" dirty="0"/>
+              <a:rPr lang="en-US" altLang="ja-JP" i="1" dirty="0"/>
               <a:t> </a:t>
             </a:r>
             <a:r>
@@ -34346,7 +35065,7 @@
 </p:sld>
 </file>
 
-<file path=ppt/slides/slide36.xml><?xml version="1.0" encoding="utf-8"?>
+<file path=ppt/slides/slide37.xml><?xml version="1.0" encoding="utf-8"?>
 <p:sld xmlns:a="http://schemas.openxmlformats.org/drawingml/2006/main" xmlns:r="http://schemas.openxmlformats.org/officeDocument/2006/relationships" xmlns:p="http://schemas.openxmlformats.org/presentationml/2006/main">
   <p:cSld>
     <p:spTree>
@@ -34590,7 +35309,7 @@
 </p:sld>
 </file>
 
-<file path=ppt/slides/slide37.xml><?xml version="1.0" encoding="utf-8"?>
+<file path=ppt/slides/slide38.xml><?xml version="1.0" encoding="utf-8"?>
 <p:sld xmlns:a="http://schemas.openxmlformats.org/drawingml/2006/main" xmlns:r="http://schemas.openxmlformats.org/officeDocument/2006/relationships" xmlns:p="http://schemas.openxmlformats.org/presentationml/2006/main">
   <p:cSld>
     <p:spTree>
@@ -34669,11 +35388,23 @@
             </a:pPr>
             <a:r>
               <a:rPr lang="en-US" altLang="ja-JP" dirty="0" smtClean="0"/>
-              <a:t>Zhang[8]</a:t>
+              <a:t>Zhang</a:t>
             </a:r>
             <a:r>
               <a:rPr lang="ja-JP" altLang="en-US" dirty="0" smtClean="0"/>
-              <a:t>らは、クローンペア間</a:t>
+              <a:t>ら</a:t>
+            </a:r>
+            <a:r>
+              <a:rPr lang="en-US" altLang="ja-JP" dirty="0"/>
+              <a:t>[8]</a:t>
+            </a:r>
+            <a:r>
+              <a:rPr lang="ja-JP" altLang="en-US" dirty="0" smtClean="0"/>
+              <a:t>は</a:t>
+            </a:r>
+            <a:r>
+              <a:rPr lang="ja-JP" altLang="en-US" dirty="0" smtClean="0"/>
+              <a:t>、クローンペア間</a:t>
             </a:r>
             <a:r>
               <a:rPr lang="ja-JP" altLang="en-US" dirty="0"/>
@@ -35084,7 +35815,7 @@
 </p:sld>
 </file>
 
-<file path=ppt/slides/slide38.xml><?xml version="1.0" encoding="utf-8"?>
+<file path=ppt/slides/slide39.xml><?xml version="1.0" encoding="utf-8"?>
 <p:sld xmlns:a="http://schemas.openxmlformats.org/drawingml/2006/main" xmlns:r="http://schemas.openxmlformats.org/officeDocument/2006/relationships" xmlns:p="http://schemas.openxmlformats.org/presentationml/2006/main">
   <p:cSld>
     <p:spTree>
@@ -35146,14 +35877,14 @@
           <p:nvPr>
             <p:extLst>
               <p:ext uri="{D42A27DB-BD31-4B8C-83A1-F6EECF244321}">
-                <p14:modId xmlns:p14="http://schemas.microsoft.com/office/powerpoint/2010/main" val="872673716"/>
+                <p14:modId xmlns:p14="http://schemas.microsoft.com/office/powerpoint/2010/main" val="384675379"/>
               </p:ext>
             </p:extLst>
           </p:nvPr>
         </p:nvGraphicFramePr>
         <p:xfrm>
-          <a:off x="1266227" y="1923011"/>
-          <a:ext cx="9157619" cy="3756638"/>
+          <a:off x="1253527" y="1694411"/>
+          <a:ext cx="9157619" cy="4231194"/>
         </p:xfrm>
         <a:graphic>
           <a:graphicData uri="http://schemas.openxmlformats.org/drawingml/2006/table">
@@ -35646,6 +36377,97 @@
                     <a:p>
                       <a:pPr algn="l"/>
                       <a:r>
+                        <a:rPr kumimoji="1" lang="ja-JP" altLang="en-US" dirty="0" smtClean="0">
+                          <a:latin typeface="メイリオ" panose="020B0604030504040204" pitchFamily="50" charset="-128"/>
+                          <a:ea typeface="メイリオ" panose="020B0604030504040204" pitchFamily="50" charset="-128"/>
+                        </a:rPr>
+                        <a:t>言語</a:t>
+                      </a:r>
+                      <a:endParaRPr kumimoji="1" lang="ja-JP" altLang="en-US" dirty="0">
+                        <a:latin typeface="メイリオ" panose="020B0604030504040204" pitchFamily="50" charset="-128"/>
+                        <a:ea typeface="メイリオ" panose="020B0604030504040204" pitchFamily="50" charset="-128"/>
+                      </a:endParaRPr>
+                    </a:p>
+                  </a:txBody>
+                  <a:tcPr/>
+                </a:tc>
+                <a:tc>
+                  <a:txBody>
+                    <a:bodyPr/>
+                    <a:lstStyle/>
+                    <a:p>
+                      <a:pPr algn="r"/>
+                      <a:r>
+                        <a:rPr lang="en-US" altLang="ja-JP" dirty="0" smtClean="0">
+                          <a:latin typeface="メイリオ" panose="020B0604030504040204" pitchFamily="50" charset="-128"/>
+                          <a:ea typeface="メイリオ" panose="020B0604030504040204" pitchFamily="50" charset="-128"/>
+                        </a:rPr>
+                        <a:t>Java</a:t>
+                      </a:r>
+                      <a:endParaRPr lang="ja-JP" altLang="en-US" dirty="0">
+                        <a:latin typeface="メイリオ" panose="020B0604030504040204" pitchFamily="50" charset="-128"/>
+                        <a:ea typeface="メイリオ" panose="020B0604030504040204" pitchFamily="50" charset="-128"/>
+                      </a:endParaRPr>
+                    </a:p>
+                  </a:txBody>
+                  <a:tcPr/>
+                </a:tc>
+                <a:tc>
+                  <a:txBody>
+                    <a:bodyPr/>
+                    <a:lstStyle/>
+                    <a:p>
+                      <a:pPr algn="r"/>
+                      <a:r>
+                        <a:rPr lang="en-US" altLang="ja-JP" b="0" dirty="0" smtClean="0">
+                          <a:latin typeface="メイリオ" panose="020B0604030504040204" pitchFamily="50" charset="-128"/>
+                          <a:ea typeface="メイリオ" panose="020B0604030504040204" pitchFamily="50" charset="-128"/>
+                        </a:rPr>
+                        <a:t>Java</a:t>
+                      </a:r>
+                      <a:endParaRPr lang="ja-JP" altLang="en-US" b="0" dirty="0">
+                        <a:latin typeface="メイリオ" panose="020B0604030504040204" pitchFamily="50" charset="-128"/>
+                        <a:ea typeface="メイリオ" panose="020B0604030504040204" pitchFamily="50" charset="-128"/>
+                      </a:endParaRPr>
+                    </a:p>
+                  </a:txBody>
+                  <a:tcPr/>
+                </a:tc>
+                <a:tc>
+                  <a:txBody>
+                    <a:bodyPr/>
+                    <a:lstStyle/>
+                    <a:p>
+                      <a:pPr algn="r"/>
+                      <a:r>
+                        <a:rPr lang="en-US" altLang="ja-JP" dirty="0" smtClean="0">
+                          <a:latin typeface="メイリオ" panose="020B0604030504040204" pitchFamily="50" charset="-128"/>
+                          <a:ea typeface="メイリオ" panose="020B0604030504040204" pitchFamily="50" charset="-128"/>
+                        </a:rPr>
+                        <a:t>Java</a:t>
+                      </a:r>
+                      <a:endParaRPr lang="ja-JP" altLang="en-US" dirty="0">
+                        <a:latin typeface="メイリオ" panose="020B0604030504040204" pitchFamily="50" charset="-128"/>
+                        <a:ea typeface="メイリオ" panose="020B0604030504040204" pitchFamily="50" charset="-128"/>
+                      </a:endParaRPr>
+                    </a:p>
+                  </a:txBody>
+                  <a:tcPr/>
+                </a:tc>
+                <a:extLst>
+                  <a:ext uri="{0D108BD9-81ED-4DB2-BD59-A6C34878D82A}">
+                    <a16:rowId xmlns:a16="http://schemas.microsoft.com/office/drawing/2014/main" val="951779587"/>
+                  </a:ext>
+                </a:extLst>
+              </a:tr>
+              <a:tr h="474556">
+                <a:tc>
+                  <a:txBody>
+                    <a:bodyPr/>
+                    <a:lstStyle/>
+                    <a:p>
+                      <a:pPr algn="l"/>
+                      <a:r>
                         <a:rPr kumimoji="1" lang="en-US" altLang="ja-JP" dirty="0" smtClean="0">
                           <a:latin typeface="メイリオ" panose="020B0604030504040204" pitchFamily="50" charset="-128"/>
                           <a:ea typeface="メイリオ" panose="020B0604030504040204" pitchFamily="50" charset="-128"/>
@@ -36062,7 +36884,484 @@
 </p:sld>
 </file>
 
-<file path=ppt/slides/slide39.xml><?xml version="1.0" encoding="utf-8"?>
+<file path=ppt/slides/slide4.xml><?xml version="1.0" encoding="utf-8"?>
+<p:sld xmlns:a="http://schemas.openxmlformats.org/drawingml/2006/main" xmlns:r="http://schemas.openxmlformats.org/officeDocument/2006/relationships" xmlns:p="http://schemas.openxmlformats.org/presentationml/2006/main">
+  <p:cSld>
+    <p:spTree>
+      <p:nvGrpSpPr>
+        <p:cNvPr id="1" name=""/>
+        <p:cNvGrpSpPr/>
+        <p:nvPr/>
+      </p:nvGrpSpPr>
+      <p:grpSpPr>
+        <a:xfrm>
+          <a:off x="0" y="0"/>
+          <a:ext cx="0" cy="0"/>
+          <a:chOff x="0" y="0"/>
+          <a:chExt cx="0" cy="0"/>
+        </a:xfrm>
+      </p:grpSpPr>
+      <p:sp>
+        <p:nvSpPr>
+          <p:cNvPr id="2" name="タイトル 1"/>
+          <p:cNvSpPr>
+            <a:spLocks noGrp="1"/>
+          </p:cNvSpPr>
+          <p:nvPr>
+            <p:ph type="title"/>
+          </p:nvPr>
+        </p:nvSpPr>
+        <p:spPr>
+          <a:xfrm>
+            <a:off x="192102" y="219428"/>
+            <a:ext cx="5608931" cy="729386"/>
+          </a:xfrm>
+        </p:spPr>
+        <p:txBody>
+          <a:bodyPr/>
+          <a:lstStyle/>
+          <a:p>
+            <a:r>
+              <a:rPr kumimoji="1" lang="ja-JP" altLang="en-US" dirty="0" smtClean="0">
+                <a:solidFill>
+                  <a:schemeClr val="bg1"/>
+                </a:solidFill>
+              </a:rPr>
+              <a:t>自動生成ツールにおける課題</a:t>
+            </a:r>
+            <a:endParaRPr kumimoji="1" lang="ja-JP" altLang="en-US" dirty="0">
+              <a:solidFill>
+                <a:schemeClr val="bg1"/>
+              </a:solidFill>
+            </a:endParaRPr>
+          </a:p>
+        </p:txBody>
+      </p:sp>
+      <p:sp>
+        <p:nvSpPr>
+          <p:cNvPr id="4" name="コンテンツ プレースホルダー 2"/>
+          <p:cNvSpPr>
+            <a:spLocks noGrp="1"/>
+          </p:cNvSpPr>
+          <p:nvPr>
+            <p:ph idx="1"/>
+          </p:nvPr>
+        </p:nvSpPr>
+        <p:spPr>
+          <a:xfrm>
+            <a:off x="913333" y="1409665"/>
+            <a:ext cx="10601150" cy="3559023"/>
+          </a:xfrm>
+        </p:spPr>
+        <p:txBody>
+          <a:bodyPr>
+            <a:normAutofit/>
+          </a:bodyPr>
+          <a:lstStyle/>
+          <a:p>
+            <a:pPr marL="0" indent="0">
+              <a:buNone/>
+            </a:pPr>
+            <a:r>
+              <a:rPr lang="ja-JP" altLang="en-US" sz="3000" dirty="0"/>
+              <a:t>自動生成されたテストコード</a:t>
+            </a:r>
+            <a:r>
+              <a:rPr lang="ja-JP" altLang="en-US" sz="3000" dirty="0" smtClean="0"/>
+              <a:t>は、保守</a:t>
+            </a:r>
+            <a:r>
+              <a:rPr lang="ja-JP" altLang="en-US" sz="3000" dirty="0"/>
+              <a:t>作業を困難にする</a:t>
+            </a:r>
+            <a:r>
+              <a:rPr lang="en-US" altLang="ja-JP" sz="3000" dirty="0" smtClean="0"/>
+              <a:t>[2]</a:t>
+            </a:r>
+          </a:p>
+          <a:p>
+            <a:pPr lvl="1"/>
+            <a:endParaRPr lang="en-US" altLang="ja-JP" sz="800" dirty="0"/>
+          </a:p>
+          <a:p>
+            <a:pPr lvl="1"/>
+            <a:r>
+              <a:rPr lang="ja-JP" altLang="en-US" sz="2800" dirty="0" smtClean="0"/>
+              <a:t>対象コードの</a:t>
+            </a:r>
+            <a:r>
+              <a:rPr lang="ja-JP" altLang="en-US" sz="2800" dirty="0" smtClean="0">
+                <a:solidFill>
+                  <a:srgbClr val="FF0000"/>
+                </a:solidFill>
+              </a:rPr>
+              <a:t>作成経緯</a:t>
+            </a:r>
+            <a:r>
+              <a:rPr lang="ja-JP" altLang="en-US" sz="2800" dirty="0">
+                <a:solidFill>
+                  <a:srgbClr val="FF0000"/>
+                </a:solidFill>
+              </a:rPr>
+              <a:t>や意図に基づいて生成されて</a:t>
+            </a:r>
+            <a:r>
+              <a:rPr lang="ja-JP" altLang="en-US" sz="2800" dirty="0" smtClean="0">
+                <a:solidFill>
+                  <a:srgbClr val="FF0000"/>
+                </a:solidFill>
+              </a:rPr>
+              <a:t>いない</a:t>
+            </a:r>
+            <a:r>
+              <a:rPr lang="en-US" altLang="ja-JP" sz="2800" dirty="0" smtClean="0">
+                <a:solidFill>
+                  <a:srgbClr val="FF0000"/>
+                </a:solidFill>
+              </a:rPr>
+              <a:t/>
+            </a:r>
+            <a:br>
+              <a:rPr lang="en-US" altLang="ja-JP" sz="2800" dirty="0" smtClean="0">
+                <a:solidFill>
+                  <a:srgbClr val="FF0000"/>
+                </a:solidFill>
+              </a:rPr>
+            </a:br>
+            <a:endParaRPr lang="en-US" altLang="ja-JP" sz="600" dirty="0"/>
+          </a:p>
+          <a:p>
+            <a:pPr lvl="1"/>
+            <a:r>
+              <a:rPr lang="ja-JP" altLang="en-US" sz="2800" dirty="0" smtClean="0"/>
+              <a:t>テストコードの保守に悪影響を与える</a:t>
+            </a:r>
+            <a:r>
+              <a:rPr lang="ja-JP" altLang="en-US" sz="2800" dirty="0" smtClean="0">
+                <a:solidFill>
+                  <a:srgbClr val="FF0000"/>
+                </a:solidFill>
+              </a:rPr>
+              <a:t>テストスメルが多い</a:t>
+            </a:r>
+            <a:endParaRPr lang="en-US" altLang="ja-JP" sz="2800" dirty="0">
+              <a:solidFill>
+                <a:srgbClr val="FF0000"/>
+              </a:solidFill>
+            </a:endParaRPr>
+          </a:p>
+          <a:p>
+            <a:pPr lvl="1"/>
+            <a:endParaRPr lang="en-US" altLang="ja-JP" sz="2800" dirty="0" smtClean="0">
+              <a:solidFill>
+                <a:srgbClr val="FF0000"/>
+              </a:solidFill>
+            </a:endParaRPr>
+          </a:p>
+          <a:p>
+            <a:pPr lvl="1"/>
+            <a:endParaRPr lang="en-US" altLang="ja-JP" sz="1400" dirty="0" smtClean="0">
+              <a:solidFill>
+                <a:srgbClr val="FF0000"/>
+              </a:solidFill>
+            </a:endParaRPr>
+          </a:p>
+          <a:p>
+            <a:pPr marL="457200" lvl="1" indent="0">
+              <a:buNone/>
+            </a:pPr>
+            <a:r>
+              <a:rPr lang="ja-JP" altLang="en-US" sz="2800" dirty="0" smtClean="0"/>
+              <a:t>　　　　　</a:t>
+            </a:r>
+            <a:r>
+              <a:rPr lang="ja-JP" altLang="en-US" sz="2800" u="sng" dirty="0" smtClean="0"/>
+              <a:t>テスト</a:t>
+            </a:r>
+            <a:r>
+              <a:rPr lang="ja-JP" altLang="en-US" sz="2800" u="sng" dirty="0"/>
+              <a:t>失敗</a:t>
+            </a:r>
+            <a:r>
+              <a:rPr lang="ja-JP" altLang="en-US" sz="2800" u="sng" dirty="0" smtClean="0"/>
+              <a:t>の原因を特定するのが難しい</a:t>
+            </a:r>
+            <a:endParaRPr lang="ja-JP" altLang="en-US" sz="2800" u="sng" dirty="0"/>
+          </a:p>
+          <a:p>
+            <a:pPr lvl="1"/>
+            <a:endParaRPr lang="en-US" altLang="ja-JP" sz="2800" dirty="0">
+              <a:solidFill>
+                <a:srgbClr val="FF0000"/>
+              </a:solidFill>
+            </a:endParaRPr>
+          </a:p>
+          <a:p>
+            <a:pPr lvl="1"/>
+            <a:endParaRPr lang="ja-JP" altLang="en-US" sz="2800" dirty="0" smtClean="0">
+              <a:solidFill>
+                <a:srgbClr val="FF0000"/>
+              </a:solidFill>
+            </a:endParaRPr>
+          </a:p>
+          <a:p>
+            <a:pPr marL="457200" lvl="1" indent="0">
+              <a:buNone/>
+            </a:pPr>
+            <a:endParaRPr lang="en-US" altLang="ja-JP" sz="2800" dirty="0"/>
+          </a:p>
+          <a:p>
+            <a:pPr lvl="1"/>
+            <a:endParaRPr kumimoji="1" lang="ja-JP" altLang="en-US" dirty="0"/>
+          </a:p>
+        </p:txBody>
+      </p:sp>
+      <p:sp>
+        <p:nvSpPr>
+          <p:cNvPr id="5" name="Rectangle 4"/>
+          <p:cNvSpPr>
+            <a:spLocks noChangeArrowheads="1"/>
+          </p:cNvSpPr>
+          <p:nvPr/>
+        </p:nvSpPr>
+        <p:spPr bwMode="auto">
+          <a:xfrm>
+            <a:off x="1043518" y="5981522"/>
+            <a:ext cx="10078064" cy="461665"/>
+          </a:xfrm>
+          <a:prstGeom prst="rect">
+            <a:avLst/>
+          </a:prstGeom>
+          <a:ln>
+            <a:headEnd/>
+            <a:tailEnd/>
+          </a:ln>
+        </p:spPr>
+        <p:style>
+          <a:lnRef idx="2">
+            <a:schemeClr val="dk1"/>
+          </a:lnRef>
+          <a:fillRef idx="1">
+            <a:schemeClr val="lt1"/>
+          </a:fillRef>
+          <a:effectRef idx="0">
+            <a:schemeClr val="dk1"/>
+          </a:effectRef>
+          <a:fontRef idx="minor">
+            <a:schemeClr val="dk1"/>
+          </a:fontRef>
+        </p:style>
+        <p:txBody>
+          <a:bodyPr wrap="square">
+            <a:spAutoFit/>
+          </a:bodyPr>
+          <a:lstStyle/>
+          <a:p>
+            <a:pPr>
+              <a:defRPr/>
+            </a:pPr>
+            <a:r>
+              <a:rPr lang="en-US" altLang="ja-JP" sz="1200" dirty="0" smtClean="0">
+                <a:solidFill>
+                  <a:schemeClr val="tx2"/>
+                </a:solidFill>
+              </a:rPr>
+              <a:t>[2] </a:t>
+            </a:r>
+            <a:r>
+              <a:rPr lang="en-US" altLang="ja-JP" sz="1200" dirty="0" smtClean="0">
+                <a:solidFill>
+                  <a:schemeClr val="tx2"/>
+                </a:solidFill>
+              </a:rPr>
+              <a:t>S</a:t>
+            </a:r>
+            <a:r>
+              <a:rPr lang="en-US" altLang="ja-JP" sz="1200" dirty="0">
+                <a:solidFill>
+                  <a:schemeClr val="tx2"/>
+                </a:solidFill>
+              </a:rPr>
+              <a:t>. </a:t>
+            </a:r>
+            <a:r>
+              <a:rPr lang="en-US" altLang="ja-JP" sz="1200" dirty="0" err="1">
+                <a:solidFill>
+                  <a:schemeClr val="tx2"/>
+                </a:solidFill>
+              </a:rPr>
+              <a:t>Shamshiri</a:t>
+            </a:r>
+            <a:r>
+              <a:rPr lang="en-US" altLang="ja-JP" sz="1200" dirty="0">
+                <a:solidFill>
+                  <a:schemeClr val="tx2"/>
+                </a:solidFill>
+              </a:rPr>
+              <a:t>, J. M. Rojas, J. P. </a:t>
+            </a:r>
+            <a:r>
+              <a:rPr lang="en-US" altLang="ja-JP" sz="1200" dirty="0" err="1">
+                <a:solidFill>
+                  <a:schemeClr val="tx2"/>
+                </a:solidFill>
+              </a:rPr>
+              <a:t>Galeotti</a:t>
+            </a:r>
+            <a:r>
+              <a:rPr lang="en-US" altLang="ja-JP" sz="1200" dirty="0">
+                <a:solidFill>
+                  <a:schemeClr val="tx2"/>
+                </a:solidFill>
+              </a:rPr>
+              <a:t>, N. Walkinshaw, and G. Fraser. How do automatically generated unit tests inﬂuence software maintenance? In </a:t>
+            </a:r>
+            <a:r>
+              <a:rPr lang="en-US" altLang="ja-JP" sz="1200" i="1" dirty="0">
+                <a:solidFill>
+                  <a:schemeClr val="tx2"/>
+                </a:solidFill>
+              </a:rPr>
+              <a:t>Proceedings of the International Conference on Software Testing, Veriﬁcation and Validation (ICST)</a:t>
+            </a:r>
+            <a:r>
+              <a:rPr lang="en-US" altLang="ja-JP" sz="1200" dirty="0">
+                <a:solidFill>
+                  <a:schemeClr val="tx2"/>
+                </a:solidFill>
+              </a:rPr>
+              <a:t>, pages 250–261, 2018..</a:t>
+            </a:r>
+            <a:endParaRPr lang="en-US" altLang="ja-JP" sz="1200" dirty="0">
+              <a:solidFill>
+                <a:schemeClr val="tx2"/>
+              </a:solidFill>
+            </a:endParaRPr>
+          </a:p>
+        </p:txBody>
+      </p:sp>
+      <p:sp>
+        <p:nvSpPr>
+          <p:cNvPr id="6" name="フローチャート: 組合せ 5"/>
+          <p:cNvSpPr/>
+          <p:nvPr/>
+        </p:nvSpPr>
+        <p:spPr>
+          <a:xfrm>
+            <a:off x="4118742" y="3136669"/>
+            <a:ext cx="3927616" cy="411133"/>
+          </a:xfrm>
+          <a:prstGeom prst="flowChartMerge">
+            <a:avLst/>
+          </a:prstGeom>
+          <a:ln/>
+        </p:spPr>
+        <p:style>
+          <a:lnRef idx="1">
+            <a:schemeClr val="accent3"/>
+          </a:lnRef>
+          <a:fillRef idx="2">
+            <a:schemeClr val="accent3"/>
+          </a:fillRef>
+          <a:effectRef idx="1">
+            <a:schemeClr val="accent3"/>
+          </a:effectRef>
+          <a:fontRef idx="minor">
+            <a:schemeClr val="dk1"/>
+          </a:fontRef>
+        </p:style>
+        <p:txBody>
+          <a:bodyPr rtlCol="0" anchor="ctr"/>
+          <a:lstStyle/>
+          <a:p>
+            <a:pPr algn="ctr"/>
+            <a:endParaRPr kumimoji="1" lang="ja-JP" altLang="en-US" dirty="0"/>
+          </a:p>
+        </p:txBody>
+      </p:sp>
+      <p:sp>
+        <p:nvSpPr>
+          <p:cNvPr id="7" name="フローチャート: 代替処理 6"/>
+          <p:cNvSpPr/>
+          <p:nvPr/>
+        </p:nvSpPr>
+        <p:spPr>
+          <a:xfrm>
+            <a:off x="1460959" y="4492556"/>
+            <a:ext cx="9243182" cy="1005877"/>
+          </a:xfrm>
+          <a:prstGeom prst="flowChartAlternateProcess">
+            <a:avLst/>
+          </a:prstGeom>
+          <a:ln w="6350"/>
+        </p:spPr>
+        <p:style>
+          <a:lnRef idx="1">
+            <a:schemeClr val="accent4"/>
+          </a:lnRef>
+          <a:fillRef idx="2">
+            <a:schemeClr val="accent4"/>
+          </a:fillRef>
+          <a:effectRef idx="1">
+            <a:schemeClr val="accent4"/>
+          </a:effectRef>
+          <a:fontRef idx="minor">
+            <a:schemeClr val="dk1"/>
+          </a:fontRef>
+        </p:style>
+        <p:txBody>
+          <a:bodyPr rtlCol="0" anchor="ctr"/>
+          <a:lstStyle/>
+          <a:p>
+            <a:r>
+              <a:rPr lang="ja-JP" altLang="en-US" sz="2800" dirty="0" smtClean="0">
+                <a:latin typeface="メイリオ" panose="020B0604030504040204" pitchFamily="50" charset="-128"/>
+                <a:ea typeface="メイリオ" panose="020B0604030504040204" pitchFamily="50" charset="-128"/>
+              </a:rPr>
+              <a:t>理解</a:t>
+            </a:r>
+            <a:r>
+              <a:rPr lang="ja-JP" altLang="en-US" sz="2800" dirty="0">
+                <a:latin typeface="メイリオ" panose="020B0604030504040204" pitchFamily="50" charset="-128"/>
+                <a:ea typeface="メイリオ" panose="020B0604030504040204" pitchFamily="50" charset="-128"/>
+              </a:rPr>
+              <a:t>しやすく良質なテストコードを作成する必要が</a:t>
+            </a:r>
+            <a:r>
+              <a:rPr lang="ja-JP" altLang="en-US" sz="2800" dirty="0" smtClean="0">
+                <a:latin typeface="メイリオ" panose="020B0604030504040204" pitchFamily="50" charset="-128"/>
+                <a:ea typeface="メイリオ" panose="020B0604030504040204" pitchFamily="50" charset="-128"/>
+              </a:rPr>
+              <a:t>ある</a:t>
+            </a:r>
+            <a:endParaRPr lang="ja-JP" altLang="en-US" sz="2800" dirty="0">
+              <a:latin typeface="メイリオ" panose="020B0604030504040204" pitchFamily="50" charset="-128"/>
+              <a:ea typeface="メイリオ" panose="020B0604030504040204" pitchFamily="50" charset="-128"/>
+            </a:endParaRPr>
+          </a:p>
+        </p:txBody>
+      </p:sp>
+    </p:spTree>
+    <p:extLst>
+      <p:ext uri="{BB962C8B-B14F-4D97-AF65-F5344CB8AC3E}">
+        <p14:creationId xmlns:p14="http://schemas.microsoft.com/office/powerpoint/2010/main" val="3663765090"/>
+      </p:ext>
+    </p:extLst>
+  </p:cSld>
+  <p:clrMapOvr>
+    <a:masterClrMapping/>
+  </p:clrMapOvr>
+  <p:timing>
+    <p:tnLst>
+      <p:par>
+        <p:cTn id="1" dur="indefinite" restart="never" nodeType="tmRoot"/>
+      </p:par>
+    </p:tnLst>
+  </p:timing>
+</p:sld>
+</file>
+
+<file path=ppt/slides/slide40.xml><?xml version="1.0" encoding="utf-8"?>
 <p:sld xmlns:a="http://schemas.openxmlformats.org/drawingml/2006/main" xmlns:r="http://schemas.openxmlformats.org/officeDocument/2006/relationships" xmlns:p="http://schemas.openxmlformats.org/presentationml/2006/main">
   <p:cSld>
     <p:spTree>
@@ -37236,484 +38535,7 @@
 </p:sld>
 </file>
 
-<file path=ppt/slides/slide4.xml><?xml version="1.0" encoding="utf-8"?>
-<p:sld xmlns:a="http://schemas.openxmlformats.org/drawingml/2006/main" xmlns:r="http://schemas.openxmlformats.org/officeDocument/2006/relationships" xmlns:p="http://schemas.openxmlformats.org/presentationml/2006/main">
-  <p:cSld>
-    <p:spTree>
-      <p:nvGrpSpPr>
-        <p:cNvPr id="1" name=""/>
-        <p:cNvGrpSpPr/>
-        <p:nvPr/>
-      </p:nvGrpSpPr>
-      <p:grpSpPr>
-        <a:xfrm>
-          <a:off x="0" y="0"/>
-          <a:ext cx="0" cy="0"/>
-          <a:chOff x="0" y="0"/>
-          <a:chExt cx="0" cy="0"/>
-        </a:xfrm>
-      </p:grpSpPr>
-      <p:sp>
-        <p:nvSpPr>
-          <p:cNvPr id="2" name="タイトル 1"/>
-          <p:cNvSpPr>
-            <a:spLocks noGrp="1"/>
-          </p:cNvSpPr>
-          <p:nvPr>
-            <p:ph type="title"/>
-          </p:nvPr>
-        </p:nvSpPr>
-        <p:spPr>
-          <a:xfrm>
-            <a:off x="192102" y="219428"/>
-            <a:ext cx="5608931" cy="729386"/>
-          </a:xfrm>
-        </p:spPr>
-        <p:txBody>
-          <a:bodyPr/>
-          <a:lstStyle/>
-          <a:p>
-            <a:r>
-              <a:rPr kumimoji="1" lang="ja-JP" altLang="en-US" dirty="0" smtClean="0">
-                <a:solidFill>
-                  <a:schemeClr val="bg1"/>
-                </a:solidFill>
-              </a:rPr>
-              <a:t>自動生成ツールにおける課題</a:t>
-            </a:r>
-            <a:endParaRPr kumimoji="1" lang="ja-JP" altLang="en-US" dirty="0">
-              <a:solidFill>
-                <a:schemeClr val="bg1"/>
-              </a:solidFill>
-            </a:endParaRPr>
-          </a:p>
-        </p:txBody>
-      </p:sp>
-      <p:sp>
-        <p:nvSpPr>
-          <p:cNvPr id="4" name="コンテンツ プレースホルダー 2"/>
-          <p:cNvSpPr>
-            <a:spLocks noGrp="1"/>
-          </p:cNvSpPr>
-          <p:nvPr>
-            <p:ph idx="1"/>
-          </p:nvPr>
-        </p:nvSpPr>
-        <p:spPr>
-          <a:xfrm>
-            <a:off x="913333" y="1409665"/>
-            <a:ext cx="10601150" cy="3559023"/>
-          </a:xfrm>
-        </p:spPr>
-        <p:txBody>
-          <a:bodyPr>
-            <a:normAutofit/>
-          </a:bodyPr>
-          <a:lstStyle/>
-          <a:p>
-            <a:pPr marL="0" indent="0">
-              <a:buNone/>
-            </a:pPr>
-            <a:r>
-              <a:rPr lang="ja-JP" altLang="en-US" sz="3000" dirty="0"/>
-              <a:t>自動生成されたテストコード</a:t>
-            </a:r>
-            <a:r>
-              <a:rPr lang="ja-JP" altLang="en-US" sz="3000" dirty="0" smtClean="0"/>
-              <a:t>は、保守</a:t>
-            </a:r>
-            <a:r>
-              <a:rPr lang="ja-JP" altLang="en-US" sz="3000" dirty="0"/>
-              <a:t>作業を困難にする</a:t>
-            </a:r>
-            <a:r>
-              <a:rPr lang="en-US" altLang="ja-JP" sz="3000" dirty="0" smtClean="0"/>
-              <a:t>[2]</a:t>
-            </a:r>
-          </a:p>
-          <a:p>
-            <a:pPr lvl="1"/>
-            <a:endParaRPr lang="en-US" altLang="ja-JP" sz="800" dirty="0"/>
-          </a:p>
-          <a:p>
-            <a:pPr lvl="1"/>
-            <a:r>
-              <a:rPr lang="ja-JP" altLang="en-US" sz="2800" dirty="0" smtClean="0"/>
-              <a:t>対象コードの</a:t>
-            </a:r>
-            <a:r>
-              <a:rPr lang="ja-JP" altLang="en-US" sz="2800" dirty="0" smtClean="0">
-                <a:solidFill>
-                  <a:srgbClr val="FF0000"/>
-                </a:solidFill>
-              </a:rPr>
-              <a:t>作成経緯</a:t>
-            </a:r>
-            <a:r>
-              <a:rPr lang="ja-JP" altLang="en-US" sz="2800" dirty="0">
-                <a:solidFill>
-                  <a:srgbClr val="FF0000"/>
-                </a:solidFill>
-              </a:rPr>
-              <a:t>や意図に基づいて生成されて</a:t>
-            </a:r>
-            <a:r>
-              <a:rPr lang="ja-JP" altLang="en-US" sz="2800" dirty="0" smtClean="0">
-                <a:solidFill>
-                  <a:srgbClr val="FF0000"/>
-                </a:solidFill>
-              </a:rPr>
-              <a:t>いない</a:t>
-            </a:r>
-            <a:r>
-              <a:rPr lang="en-US" altLang="ja-JP" sz="2800" dirty="0" smtClean="0">
-                <a:solidFill>
-                  <a:srgbClr val="FF0000"/>
-                </a:solidFill>
-              </a:rPr>
-              <a:t/>
-            </a:r>
-            <a:br>
-              <a:rPr lang="en-US" altLang="ja-JP" sz="2800" dirty="0" smtClean="0">
-                <a:solidFill>
-                  <a:srgbClr val="FF0000"/>
-                </a:solidFill>
-              </a:rPr>
-            </a:br>
-            <a:endParaRPr lang="en-US" altLang="ja-JP" sz="600" dirty="0"/>
-          </a:p>
-          <a:p>
-            <a:pPr lvl="1"/>
-            <a:r>
-              <a:rPr lang="ja-JP" altLang="en-US" sz="2800" dirty="0" smtClean="0"/>
-              <a:t>テストコードの保守に悪影響を与える</a:t>
-            </a:r>
-            <a:r>
-              <a:rPr lang="ja-JP" altLang="en-US" sz="2800" dirty="0" smtClean="0">
-                <a:solidFill>
-                  <a:srgbClr val="FF0000"/>
-                </a:solidFill>
-              </a:rPr>
-              <a:t>テストスメルが多い</a:t>
-            </a:r>
-            <a:endParaRPr lang="en-US" altLang="ja-JP" sz="2800" dirty="0">
-              <a:solidFill>
-                <a:srgbClr val="FF0000"/>
-              </a:solidFill>
-            </a:endParaRPr>
-          </a:p>
-          <a:p>
-            <a:pPr lvl="1"/>
-            <a:endParaRPr lang="en-US" altLang="ja-JP" sz="2800" dirty="0" smtClean="0">
-              <a:solidFill>
-                <a:srgbClr val="FF0000"/>
-              </a:solidFill>
-            </a:endParaRPr>
-          </a:p>
-          <a:p>
-            <a:pPr lvl="1"/>
-            <a:endParaRPr lang="en-US" altLang="ja-JP" sz="1400" dirty="0" smtClean="0">
-              <a:solidFill>
-                <a:srgbClr val="FF0000"/>
-              </a:solidFill>
-            </a:endParaRPr>
-          </a:p>
-          <a:p>
-            <a:pPr marL="457200" lvl="1" indent="0">
-              <a:buNone/>
-            </a:pPr>
-            <a:r>
-              <a:rPr lang="ja-JP" altLang="en-US" sz="2800" dirty="0" smtClean="0"/>
-              <a:t>　　　　　</a:t>
-            </a:r>
-            <a:r>
-              <a:rPr lang="ja-JP" altLang="en-US" sz="2800" u="sng" dirty="0" smtClean="0"/>
-              <a:t>テスト</a:t>
-            </a:r>
-            <a:r>
-              <a:rPr lang="ja-JP" altLang="en-US" sz="2800" u="sng" dirty="0"/>
-              <a:t>失敗</a:t>
-            </a:r>
-            <a:r>
-              <a:rPr lang="ja-JP" altLang="en-US" sz="2800" u="sng" dirty="0" smtClean="0"/>
-              <a:t>の原因を特定するのが難しい</a:t>
-            </a:r>
-            <a:endParaRPr lang="ja-JP" altLang="en-US" sz="2800" u="sng" dirty="0"/>
-          </a:p>
-          <a:p>
-            <a:pPr lvl="1"/>
-            <a:endParaRPr lang="en-US" altLang="ja-JP" sz="2800" dirty="0">
-              <a:solidFill>
-                <a:srgbClr val="FF0000"/>
-              </a:solidFill>
-            </a:endParaRPr>
-          </a:p>
-          <a:p>
-            <a:pPr lvl="1"/>
-            <a:endParaRPr lang="ja-JP" altLang="en-US" sz="2800" dirty="0" smtClean="0">
-              <a:solidFill>
-                <a:srgbClr val="FF0000"/>
-              </a:solidFill>
-            </a:endParaRPr>
-          </a:p>
-          <a:p>
-            <a:pPr marL="457200" lvl="1" indent="0">
-              <a:buNone/>
-            </a:pPr>
-            <a:endParaRPr lang="en-US" altLang="ja-JP" sz="2800" dirty="0"/>
-          </a:p>
-          <a:p>
-            <a:pPr lvl="1"/>
-            <a:endParaRPr kumimoji="1" lang="ja-JP" altLang="en-US" dirty="0"/>
-          </a:p>
-        </p:txBody>
-      </p:sp>
-      <p:sp>
-        <p:nvSpPr>
-          <p:cNvPr id="5" name="Rectangle 4"/>
-          <p:cNvSpPr>
-            <a:spLocks noChangeArrowheads="1"/>
-          </p:cNvSpPr>
-          <p:nvPr/>
-        </p:nvSpPr>
-        <p:spPr bwMode="auto">
-          <a:xfrm>
-            <a:off x="1043518" y="5981522"/>
-            <a:ext cx="10078064" cy="461665"/>
-          </a:xfrm>
-          <a:prstGeom prst="rect">
-            <a:avLst/>
-          </a:prstGeom>
-          <a:ln>
-            <a:headEnd/>
-            <a:tailEnd/>
-          </a:ln>
-        </p:spPr>
-        <p:style>
-          <a:lnRef idx="2">
-            <a:schemeClr val="dk1"/>
-          </a:lnRef>
-          <a:fillRef idx="1">
-            <a:schemeClr val="lt1"/>
-          </a:fillRef>
-          <a:effectRef idx="0">
-            <a:schemeClr val="dk1"/>
-          </a:effectRef>
-          <a:fontRef idx="minor">
-            <a:schemeClr val="dk1"/>
-          </a:fontRef>
-        </p:style>
-        <p:txBody>
-          <a:bodyPr wrap="square">
-            <a:spAutoFit/>
-          </a:bodyPr>
-          <a:lstStyle/>
-          <a:p>
-            <a:pPr>
-              <a:defRPr/>
-            </a:pPr>
-            <a:r>
-              <a:rPr lang="en-US" altLang="ja-JP" sz="1200" dirty="0" smtClean="0">
-                <a:solidFill>
-                  <a:schemeClr val="tx2"/>
-                </a:solidFill>
-              </a:rPr>
-              <a:t>[2] </a:t>
-            </a:r>
-            <a:r>
-              <a:rPr lang="en-US" altLang="ja-JP" sz="1200" dirty="0" smtClean="0">
-                <a:solidFill>
-                  <a:schemeClr val="tx2"/>
-                </a:solidFill>
-              </a:rPr>
-              <a:t>S</a:t>
-            </a:r>
-            <a:r>
-              <a:rPr lang="en-US" altLang="ja-JP" sz="1200" dirty="0">
-                <a:solidFill>
-                  <a:schemeClr val="tx2"/>
-                </a:solidFill>
-              </a:rPr>
-              <a:t>. </a:t>
-            </a:r>
-            <a:r>
-              <a:rPr lang="en-US" altLang="ja-JP" sz="1200" dirty="0" err="1">
-                <a:solidFill>
-                  <a:schemeClr val="tx2"/>
-                </a:solidFill>
-              </a:rPr>
-              <a:t>Shamshiri</a:t>
-            </a:r>
-            <a:r>
-              <a:rPr lang="en-US" altLang="ja-JP" sz="1200" dirty="0">
-                <a:solidFill>
-                  <a:schemeClr val="tx2"/>
-                </a:solidFill>
-              </a:rPr>
-              <a:t>, J. M. Rojas, J. P. </a:t>
-            </a:r>
-            <a:r>
-              <a:rPr lang="en-US" altLang="ja-JP" sz="1200" dirty="0" err="1">
-                <a:solidFill>
-                  <a:schemeClr val="tx2"/>
-                </a:solidFill>
-              </a:rPr>
-              <a:t>Galeotti</a:t>
-            </a:r>
-            <a:r>
-              <a:rPr lang="en-US" altLang="ja-JP" sz="1200" dirty="0">
-                <a:solidFill>
-                  <a:schemeClr val="tx2"/>
-                </a:solidFill>
-              </a:rPr>
-              <a:t>, N. Walkinshaw, and G. Fraser. How do automatically generated unit tests inﬂuence software maintenance? In </a:t>
-            </a:r>
-            <a:r>
-              <a:rPr lang="en-US" altLang="ja-JP" sz="1200" i="1" dirty="0">
-                <a:solidFill>
-                  <a:schemeClr val="tx2"/>
-                </a:solidFill>
-              </a:rPr>
-              <a:t>Proceedings of the International Conference on Software Testing, Veriﬁcation and Validation (ICST)</a:t>
-            </a:r>
-            <a:r>
-              <a:rPr lang="en-US" altLang="ja-JP" sz="1200" dirty="0">
-                <a:solidFill>
-                  <a:schemeClr val="tx2"/>
-                </a:solidFill>
-              </a:rPr>
-              <a:t>, pages 250–261, 2018..</a:t>
-            </a:r>
-            <a:endParaRPr lang="en-US" altLang="ja-JP" sz="1200" dirty="0">
-              <a:solidFill>
-                <a:schemeClr val="tx2"/>
-              </a:solidFill>
-            </a:endParaRPr>
-          </a:p>
-        </p:txBody>
-      </p:sp>
-      <p:sp>
-        <p:nvSpPr>
-          <p:cNvPr id="6" name="フローチャート: 組合せ 5"/>
-          <p:cNvSpPr/>
-          <p:nvPr/>
-        </p:nvSpPr>
-        <p:spPr>
-          <a:xfrm>
-            <a:off x="4118742" y="3136669"/>
-            <a:ext cx="3927616" cy="411133"/>
-          </a:xfrm>
-          <a:prstGeom prst="flowChartMerge">
-            <a:avLst/>
-          </a:prstGeom>
-          <a:ln/>
-        </p:spPr>
-        <p:style>
-          <a:lnRef idx="1">
-            <a:schemeClr val="accent3"/>
-          </a:lnRef>
-          <a:fillRef idx="2">
-            <a:schemeClr val="accent3"/>
-          </a:fillRef>
-          <a:effectRef idx="1">
-            <a:schemeClr val="accent3"/>
-          </a:effectRef>
-          <a:fontRef idx="minor">
-            <a:schemeClr val="dk1"/>
-          </a:fontRef>
-        </p:style>
-        <p:txBody>
-          <a:bodyPr rtlCol="0" anchor="ctr"/>
-          <a:lstStyle/>
-          <a:p>
-            <a:pPr algn="ctr"/>
-            <a:endParaRPr kumimoji="1" lang="ja-JP" altLang="en-US" dirty="0"/>
-          </a:p>
-        </p:txBody>
-      </p:sp>
-      <p:sp>
-        <p:nvSpPr>
-          <p:cNvPr id="7" name="フローチャート: 代替処理 6"/>
-          <p:cNvSpPr/>
-          <p:nvPr/>
-        </p:nvSpPr>
-        <p:spPr>
-          <a:xfrm>
-            <a:off x="1460959" y="4492556"/>
-            <a:ext cx="9243182" cy="1005877"/>
-          </a:xfrm>
-          <a:prstGeom prst="flowChartAlternateProcess">
-            <a:avLst/>
-          </a:prstGeom>
-          <a:ln w="6350"/>
-        </p:spPr>
-        <p:style>
-          <a:lnRef idx="1">
-            <a:schemeClr val="accent4"/>
-          </a:lnRef>
-          <a:fillRef idx="2">
-            <a:schemeClr val="accent4"/>
-          </a:fillRef>
-          <a:effectRef idx="1">
-            <a:schemeClr val="accent4"/>
-          </a:effectRef>
-          <a:fontRef idx="minor">
-            <a:schemeClr val="dk1"/>
-          </a:fontRef>
-        </p:style>
-        <p:txBody>
-          <a:bodyPr rtlCol="0" anchor="ctr"/>
-          <a:lstStyle/>
-          <a:p>
-            <a:r>
-              <a:rPr lang="ja-JP" altLang="en-US" sz="2800" dirty="0" smtClean="0">
-                <a:latin typeface="メイリオ" panose="020B0604030504040204" pitchFamily="50" charset="-128"/>
-                <a:ea typeface="メイリオ" panose="020B0604030504040204" pitchFamily="50" charset="-128"/>
-              </a:rPr>
-              <a:t>理解</a:t>
-            </a:r>
-            <a:r>
-              <a:rPr lang="ja-JP" altLang="en-US" sz="2800" dirty="0">
-                <a:latin typeface="メイリオ" panose="020B0604030504040204" pitchFamily="50" charset="-128"/>
-                <a:ea typeface="メイリオ" panose="020B0604030504040204" pitchFamily="50" charset="-128"/>
-              </a:rPr>
-              <a:t>しやすく良質なテストコードを作成する必要が</a:t>
-            </a:r>
-            <a:r>
-              <a:rPr lang="ja-JP" altLang="en-US" sz="2800" dirty="0" smtClean="0">
-                <a:latin typeface="メイリオ" panose="020B0604030504040204" pitchFamily="50" charset="-128"/>
-                <a:ea typeface="メイリオ" panose="020B0604030504040204" pitchFamily="50" charset="-128"/>
-              </a:rPr>
-              <a:t>ある</a:t>
-            </a:r>
-            <a:endParaRPr lang="ja-JP" altLang="en-US" sz="2800" dirty="0">
-              <a:latin typeface="メイリオ" panose="020B0604030504040204" pitchFamily="50" charset="-128"/>
-              <a:ea typeface="メイリオ" panose="020B0604030504040204" pitchFamily="50" charset="-128"/>
-            </a:endParaRPr>
-          </a:p>
-        </p:txBody>
-      </p:sp>
-    </p:spTree>
-    <p:extLst>
-      <p:ext uri="{BB962C8B-B14F-4D97-AF65-F5344CB8AC3E}">
-        <p14:creationId xmlns:p14="http://schemas.microsoft.com/office/powerpoint/2010/main" val="3663765090"/>
-      </p:ext>
-    </p:extLst>
-  </p:cSld>
-  <p:clrMapOvr>
-    <a:masterClrMapping/>
-  </p:clrMapOvr>
-  <p:timing>
-    <p:tnLst>
-      <p:par>
-        <p:cTn id="1" dur="indefinite" restart="never" nodeType="tmRoot"/>
-      </p:par>
-    </p:tnLst>
-  </p:timing>
-</p:sld>
-</file>
-
-<file path=ppt/slides/slide40.xml><?xml version="1.0" encoding="utf-8"?>
+<file path=ppt/slides/slide41.xml><?xml version="1.0" encoding="utf-8"?>
 <p:sld xmlns:a="http://schemas.openxmlformats.org/drawingml/2006/main" xmlns:r="http://schemas.openxmlformats.org/officeDocument/2006/relationships" xmlns:p="http://schemas.openxmlformats.org/presentationml/2006/main">
   <p:cSld>
     <p:spTree>
@@ -39439,7 +40261,7 @@
 </p:sld>
 </file>
 
-<file path=ppt/slides/slide41.xml><?xml version="1.0" encoding="utf-8"?>
+<file path=ppt/slides/slide42.xml><?xml version="1.0" encoding="utf-8"?>
 <p:sld xmlns:a="http://schemas.openxmlformats.org/drawingml/2006/main" xmlns:r="http://schemas.openxmlformats.org/officeDocument/2006/relationships" xmlns:p="http://schemas.openxmlformats.org/presentationml/2006/main">
   <p:cSld>
     <p:spTree>
@@ -40844,7 +41666,7 @@
 </p:sld>
 </file>
 
-<file path=ppt/slides/slide42.xml><?xml version="1.0" encoding="utf-8"?>
+<file path=ppt/slides/slide43.xml><?xml version="1.0" encoding="utf-8"?>
 <p:sld xmlns:a="http://schemas.openxmlformats.org/drawingml/2006/main" xmlns:r="http://schemas.openxmlformats.org/officeDocument/2006/relationships" xmlns:p="http://schemas.openxmlformats.org/presentationml/2006/main">
   <p:cSld>
     <p:spTree>
@@ -40901,18 +41723,30 @@
             </a:pPr>
             <a:r>
               <a:rPr lang="ja-JP" altLang="en-US" dirty="0" smtClean="0"/>
-              <a:t>「テスト項目を推薦されたテストコードを見て，見落としていた</a:t>
-            </a:r>
-            <a:r>
-              <a:rPr lang="en-US" altLang="ja-JP" dirty="0" smtClean="0"/>
+              <a:t>「テスト項目を推薦されたテストコードを見て，</a:t>
+            </a:r>
+            <a:r>
+              <a:rPr lang="ja-JP" altLang="en-US" u="sng" dirty="0" smtClean="0"/>
+              <a:t>見落としていた</a:t>
+            </a:r>
+            <a:r>
+              <a:rPr lang="en-US" altLang="ja-JP" u="sng" dirty="0" smtClean="0"/>
               <a:t/>
             </a:r>
             <a:br>
-              <a:rPr lang="en-US" altLang="ja-JP" dirty="0" smtClean="0"/>
+              <a:rPr lang="en-US" altLang="ja-JP" u="sng" dirty="0" smtClean="0"/>
             </a:br>
             <a:r>
               <a:rPr lang="ja-JP" altLang="en-US" dirty="0" smtClean="0"/>
-              <a:t>　テスト項目に気づくことができた」</a:t>
+              <a:t>　</a:t>
+            </a:r>
+            <a:r>
+              <a:rPr lang="ja-JP" altLang="en-US" u="sng" dirty="0" smtClean="0"/>
+              <a:t>テスト項目に気づくことができた</a:t>
+            </a:r>
+            <a:r>
+              <a:rPr lang="ja-JP" altLang="en-US" dirty="0" smtClean="0"/>
+              <a:t>」</a:t>
             </a:r>
             <a:endParaRPr lang="en-US" altLang="ja-JP" dirty="0" smtClean="0"/>
           </a:p>
@@ -40928,33 +41762,49 @@
             </a:pPr>
             <a:r>
               <a:rPr lang="ja-JP" altLang="en-US" dirty="0"/>
-              <a:t>「提示されたテストスメルを 理解し，それを無くすよう</a:t>
+              <a:t>「提示されたテストスメル</a:t>
             </a:r>
             <a:r>
               <a:rPr lang="ja-JP" altLang="en-US" dirty="0" smtClean="0"/>
-              <a:t>にリファ</a:t>
-            </a:r>
-            <a:r>
-              <a:rPr lang="en-US" altLang="ja-JP" dirty="0" smtClean="0"/>
+              <a:t>を理解</a:t>
+            </a:r>
+            <a:r>
+              <a:rPr lang="ja-JP" altLang="en-US" dirty="0"/>
+              <a:t>し，それを無くすよう</a:t>
+            </a:r>
+            <a:r>
+              <a:rPr lang="ja-JP" altLang="en-US" dirty="0" smtClean="0"/>
+              <a:t>に</a:t>
+            </a:r>
+            <a:r>
+              <a:rPr lang="ja-JP" altLang="en-US" u="sng" dirty="0" smtClean="0"/>
+              <a:t>リファ</a:t>
+            </a:r>
+            <a:r>
+              <a:rPr lang="en-US" altLang="ja-JP" u="sng" dirty="0" smtClean="0"/>
               <a:t/>
             </a:r>
             <a:br>
-              <a:rPr lang="en-US" altLang="ja-JP" dirty="0" smtClean="0"/>
+              <a:rPr lang="en-US" altLang="ja-JP" u="sng" dirty="0" smtClean="0"/>
             </a:br>
             <a:r>
               <a:rPr lang="ja-JP" altLang="en-US" dirty="0" smtClean="0"/>
-              <a:t>　クタリング</a:t>
-            </a:r>
-            <a:r>
-              <a:rPr lang="ja-JP" altLang="en-US" dirty="0"/>
+              <a:t>　</a:t>
+            </a:r>
+            <a:r>
+              <a:rPr lang="ja-JP" altLang="en-US" u="sng" dirty="0" smtClean="0"/>
+              <a:t>クタリング</a:t>
+            </a:r>
+            <a:r>
+              <a:rPr lang="ja-JP" altLang="en-US" u="sng" dirty="0"/>
               <a:t>しテストコードを</a:t>
             </a:r>
             <a:r>
-              <a:rPr lang="ja-JP" altLang="en-US" dirty="0" smtClean="0"/>
+              <a:rPr lang="ja-JP" altLang="en-US" u="sng" dirty="0" smtClean="0"/>
               <a:t>作成でき</a:t>
             </a:r>
             <a:r>
-              <a:rPr lang="ja-JP" altLang="en-US" dirty="0"/>
+              <a:rPr lang="ja-JP" altLang="en-US" u="sng" dirty="0"/>
               <a:t>た</a:t>
             </a:r>
             <a:r>
@@ -40983,30 +41833,42 @@
             </a:r>
             <a:r>
               <a:rPr lang="ja-JP" altLang="en-US" dirty="0"/>
-              <a:t>にどう修正</a:t>
-            </a:r>
+              <a:t>に</a:t>
+            </a:r>
+            <a:r>
+              <a:rPr lang="ja-JP" altLang="en-US" u="sng" dirty="0"/>
+              <a:t>どう修正</a:t>
+            </a:r>
+            <a:r>
+              <a:rPr lang="ja-JP" altLang="en-US" u="sng" dirty="0" smtClean="0"/>
+              <a:t>して</a:t>
+            </a:r>
+            <a:r>
+              <a:rPr lang="en-US" altLang="ja-JP" u="sng" dirty="0" smtClean="0"/>
+              <a:t/>
+            </a:r>
+            <a:br>
+              <a:rPr lang="en-US" altLang="ja-JP" u="sng" dirty="0" smtClean="0"/>
+            </a:br>
             <a:r>
               <a:rPr lang="ja-JP" altLang="en-US" dirty="0" smtClean="0"/>
-              <a:t>して</a:t>
-            </a:r>
-            <a:r>
-              <a:rPr lang="en-US" altLang="ja-JP" dirty="0" smtClean="0"/>
-              <a:t/>
-            </a:r>
-            <a:br>
-              <a:rPr lang="en-US" altLang="ja-JP" dirty="0" smtClean="0"/>
-            </a:br>
+              <a:t>　</a:t>
+            </a:r>
+            <a:r>
+              <a:rPr lang="ja-JP" altLang="en-US" u="sng" dirty="0" smtClean="0"/>
+              <a:t>無くす</a:t>
+            </a:r>
+            <a:r>
+              <a:rPr lang="ja-JP" altLang="en-US" u="sng" dirty="0"/>
+              <a:t>ことができるのか</a:t>
+            </a:r>
+            <a:r>
+              <a:rPr lang="ja-JP" altLang="en-US" u="sng" dirty="0" smtClean="0"/>
+              <a:t>分からなかった</a:t>
+            </a:r>
             <a:r>
               <a:rPr lang="ja-JP" altLang="en-US" dirty="0" smtClean="0"/>
-              <a:t>　無くす</a:t>
-            </a:r>
-            <a:r>
-              <a:rPr lang="ja-JP" altLang="en-US" dirty="0"/>
-              <a:t>ことができるのか</a:t>
-            </a:r>
-            <a:r>
-              <a:rPr lang="ja-JP" altLang="en-US" dirty="0" smtClean="0"/>
-              <a:t>分からなかった」</a:t>
+              <a:t>」</a:t>
             </a:r>
             <a:endParaRPr lang="en-US" altLang="ja-JP" dirty="0" smtClean="0"/>
           </a:p>

--- a/presentation_kurachi.pptx
+++ b/presentation_kurachi.pptx
@@ -26114,8 +26114,8 @@
         </p:nvSpPr>
         <p:spPr>
           <a:xfrm>
-            <a:off x="3257641" y="2734994"/>
-            <a:ext cx="5423885" cy="2554545"/>
+            <a:off x="2860720" y="2747303"/>
+            <a:ext cx="6217726" cy="2862322"/>
           </a:xfrm>
           <a:prstGeom prst="rect">
             <a:avLst/>
@@ -26143,36 +26143,36 @@
           <a:lstStyle/>
           <a:p>
             <a:r>
-              <a:rPr lang="en-US" altLang="ja-JP" sz="1600" dirty="0" smtClean="0">
+              <a:rPr lang="en-US" altLang="ja-JP" dirty="0" smtClean="0">
                 <a:latin typeface="Consolas" panose="020B0609020204030204" pitchFamily="49" charset="0"/>
               </a:rPr>
               <a:t>public void test8 throws </a:t>
             </a:r>
             <a:r>
-              <a:rPr lang="en-US" altLang="ja-JP" sz="1600" dirty="0" err="1" smtClean="0">
+              <a:rPr lang="en-US" altLang="ja-JP" dirty="0" err="1" smtClean="0">
                 <a:latin typeface="Consolas" panose="020B0609020204030204" pitchFamily="49" charset="0"/>
               </a:rPr>
               <a:t>Throwable</a:t>
             </a:r>
             <a:r>
-              <a:rPr lang="en-US" altLang="ja-JP" sz="1600" dirty="0" smtClean="0">
+              <a:rPr lang="en-US" altLang="ja-JP" dirty="0" smtClean="0">
                 <a:latin typeface="Consolas" panose="020B0609020204030204" pitchFamily="49" charset="0"/>
               </a:rPr>
               <a:t>  {</a:t>
             </a:r>
-            <a:endParaRPr lang="en-US" altLang="ja-JP" sz="1600" dirty="0" smtClean="0">
+            <a:endParaRPr lang="en-US" altLang="ja-JP" dirty="0" smtClean="0">
               <a:latin typeface="Consolas" panose="020B0609020204030204" pitchFamily="49" charset="0"/>
             </a:endParaRPr>
           </a:p>
           <a:p>
             <a:r>
-              <a:rPr lang="ja-JP" altLang="en-US" sz="1600" dirty="0" smtClean="0">
+              <a:rPr lang="ja-JP" altLang="en-US" dirty="0" smtClean="0">
                 <a:latin typeface="Consolas" panose="020B0609020204030204" pitchFamily="49" charset="0"/>
               </a:rPr>
               <a:t>    </a:t>
             </a:r>
             <a:r>
-              <a:rPr lang="en-US" altLang="ja-JP" sz="1600" dirty="0" smtClean="0">
+              <a:rPr lang="en-US" altLang="ja-JP" dirty="0" smtClean="0">
                 <a:latin typeface="Consolas" panose="020B0609020204030204" pitchFamily="49" charset="0"/>
               </a:rPr>
               <a:t>Document document0 = new Document(””, ””);</a:t>
@@ -26180,47 +26180,47 @@
           </a:p>
           <a:p>
             <a:r>
-              <a:rPr lang="en-US" altLang="ja-JP" sz="1600" dirty="0">
+              <a:rPr lang="en-US" altLang="ja-JP" dirty="0">
                 <a:latin typeface="Consolas" panose="020B0609020204030204" pitchFamily="49" charset="0"/>
               </a:rPr>
               <a:t> </a:t>
             </a:r>
             <a:r>
-              <a:rPr lang="en-US" altLang="ja-JP" sz="1600" dirty="0" smtClean="0">
+              <a:rPr lang="en-US" altLang="ja-JP" dirty="0" smtClean="0">
                 <a:latin typeface="Consolas" panose="020B0609020204030204" pitchFamily="49" charset="0"/>
               </a:rPr>
               <a:t>   </a:t>
             </a:r>
             <a:r>
-              <a:rPr lang="en-US" altLang="ja-JP" sz="1600" dirty="0" err="1" smtClean="0">
+              <a:rPr lang="en-US" altLang="ja-JP" dirty="0" err="1" smtClean="0">
                 <a:latin typeface="Consolas" panose="020B0609020204030204" pitchFamily="49" charset="0"/>
               </a:rPr>
               <a:t>assertNotNull</a:t>
             </a:r>
             <a:r>
-              <a:rPr lang="en-US" altLang="ja-JP" sz="1600" dirty="0" smtClean="0">
+              <a:rPr lang="en-US" altLang="ja-JP" dirty="0" smtClean="0">
                 <a:latin typeface="Consolas" panose="020B0609020204030204" pitchFamily="49" charset="0"/>
               </a:rPr>
               <a:t>(document0);</a:t>
             </a:r>
-            <a:endParaRPr lang="en-US" altLang="ja-JP" sz="1600" dirty="0" smtClean="0">
+            <a:endParaRPr lang="en-US" altLang="ja-JP" dirty="0" smtClean="0">
               <a:latin typeface="Consolas" panose="020B0609020204030204" pitchFamily="49" charset="0"/>
             </a:endParaRPr>
           </a:p>
           <a:p>
-            <a:endParaRPr lang="en-US" altLang="ja-JP" sz="1600" dirty="0" smtClean="0">
+            <a:endParaRPr lang="en-US" altLang="ja-JP" dirty="0" smtClean="0">
               <a:latin typeface="Consolas" panose="020B0609020204030204" pitchFamily="49" charset="0"/>
             </a:endParaRPr>
           </a:p>
           <a:p>
             <a:r>
-              <a:rPr lang="ja-JP" altLang="en-US" sz="1600" dirty="0" smtClean="0">
+              <a:rPr lang="ja-JP" altLang="en-US" dirty="0" smtClean="0">
                 <a:latin typeface="Consolas" panose="020B0609020204030204" pitchFamily="49" charset="0"/>
               </a:rPr>
               <a:t>    </a:t>
             </a:r>
             <a:r>
-              <a:rPr lang="en-US" altLang="ja-JP" sz="1600" dirty="0" smtClean="0">
+              <a:rPr lang="en-US" altLang="ja-JP" dirty="0" smtClean="0">
                 <a:latin typeface="Consolas" panose="020B0609020204030204" pitchFamily="49" charset="0"/>
               </a:rPr>
               <a:t>document0.procText.add((Character) ’s’);</a:t>
@@ -26228,13 +26228,13 @@
           </a:p>
           <a:p>
             <a:r>
-              <a:rPr lang="en-US" altLang="ja-JP" sz="1600" dirty="0">
+              <a:rPr lang="en-US" altLang="ja-JP" dirty="0">
                 <a:latin typeface="Consolas" panose="020B0609020204030204" pitchFamily="49" charset="0"/>
               </a:rPr>
               <a:t> </a:t>
             </a:r>
             <a:r>
-              <a:rPr lang="en-US" altLang="ja-JP" sz="1600" dirty="0" smtClean="0">
+              <a:rPr lang="en-US" altLang="ja-JP" dirty="0" smtClean="0">
                 <a:latin typeface="Consolas" panose="020B0609020204030204" pitchFamily="49" charset="0"/>
               </a:rPr>
               <a:t>   String string0 = document0.stringify();</a:t>
@@ -26242,25 +26242,25 @@
           </a:p>
           <a:p>
             <a:r>
-              <a:rPr lang="en-US" altLang="ja-JP" sz="1600" dirty="0">
+              <a:rPr lang="en-US" altLang="ja-JP" dirty="0">
                 <a:latin typeface="Consolas" panose="020B0609020204030204" pitchFamily="49" charset="0"/>
               </a:rPr>
               <a:t> </a:t>
             </a:r>
             <a:r>
-              <a:rPr lang="en-US" altLang="ja-JP" sz="1600" dirty="0" smtClean="0">
+              <a:rPr lang="en-US" altLang="ja-JP" dirty="0" smtClean="0">
                 <a:latin typeface="Consolas" panose="020B0609020204030204" pitchFamily="49" charset="0"/>
               </a:rPr>
               <a:t>   </a:t>
             </a:r>
             <a:r>
-              <a:rPr lang="en-US" altLang="ja-JP" sz="1600" dirty="0" err="1" smtClean="0">
+              <a:rPr lang="en-US" altLang="ja-JP" dirty="0" err="1" smtClean="0">
                 <a:latin typeface="Consolas" panose="020B0609020204030204" pitchFamily="49" charset="0"/>
               </a:rPr>
               <a:t>assertEquals</a:t>
             </a:r>
             <a:r>
-              <a:rPr lang="en-US" altLang="ja-JP" sz="1600" dirty="0" smtClean="0">
+              <a:rPr lang="en-US" altLang="ja-JP" dirty="0" smtClean="0">
                 <a:latin typeface="Consolas" panose="020B0609020204030204" pitchFamily="49" charset="0"/>
               </a:rPr>
               <a:t>(”s”, document0.stringify());</a:t>
@@ -26268,25 +26268,25 @@
           </a:p>
           <a:p>
             <a:r>
-              <a:rPr lang="en-US" altLang="ja-JP" sz="1600" dirty="0">
+              <a:rPr lang="en-US" altLang="ja-JP" dirty="0">
                 <a:latin typeface="Consolas" panose="020B0609020204030204" pitchFamily="49" charset="0"/>
               </a:rPr>
               <a:t> </a:t>
             </a:r>
             <a:r>
-              <a:rPr lang="en-US" altLang="ja-JP" sz="1600" dirty="0" smtClean="0">
+              <a:rPr lang="en-US" altLang="ja-JP" dirty="0" smtClean="0">
                 <a:latin typeface="Consolas" panose="020B0609020204030204" pitchFamily="49" charset="0"/>
               </a:rPr>
               <a:t>   </a:t>
             </a:r>
             <a:r>
-              <a:rPr lang="en-US" altLang="ja-JP" sz="1600" dirty="0" err="1" smtClean="0">
+              <a:rPr lang="en-US" altLang="ja-JP" dirty="0" err="1" smtClean="0">
                 <a:latin typeface="Consolas" panose="020B0609020204030204" pitchFamily="49" charset="0"/>
               </a:rPr>
               <a:t>assertNotNull</a:t>
             </a:r>
             <a:r>
-              <a:rPr lang="en-US" altLang="ja-JP" sz="1600" dirty="0" smtClean="0">
+              <a:rPr lang="en-US" altLang="ja-JP" dirty="0" smtClean="0">
                 <a:latin typeface="Consolas" panose="020B0609020204030204" pitchFamily="49" charset="0"/>
               </a:rPr>
               <a:t>(string0);</a:t>
@@ -26294,25 +26294,25 @@
           </a:p>
           <a:p>
             <a:r>
-              <a:rPr lang="en-US" altLang="ja-JP" sz="1600" dirty="0">
+              <a:rPr lang="en-US" altLang="ja-JP" dirty="0">
                 <a:latin typeface="Consolas" panose="020B0609020204030204" pitchFamily="49" charset="0"/>
               </a:rPr>
               <a:t> </a:t>
             </a:r>
             <a:r>
-              <a:rPr lang="en-US" altLang="ja-JP" sz="1600" dirty="0" smtClean="0">
+              <a:rPr lang="en-US" altLang="ja-JP" dirty="0" smtClean="0">
                 <a:latin typeface="Consolas" panose="020B0609020204030204" pitchFamily="49" charset="0"/>
               </a:rPr>
               <a:t>   </a:t>
             </a:r>
             <a:r>
-              <a:rPr lang="en-US" altLang="ja-JP" sz="1600" dirty="0" err="1" smtClean="0">
+              <a:rPr lang="en-US" altLang="ja-JP" dirty="0" err="1" smtClean="0">
                 <a:latin typeface="Consolas" panose="020B0609020204030204" pitchFamily="49" charset="0"/>
               </a:rPr>
               <a:t>assertEquals</a:t>
             </a:r>
             <a:r>
-              <a:rPr lang="en-US" altLang="ja-JP" sz="1600" dirty="0" smtClean="0">
+              <a:rPr lang="en-US" altLang="ja-JP" dirty="0" smtClean="0">
                 <a:latin typeface="Consolas" panose="020B0609020204030204" pitchFamily="49" charset="0"/>
               </a:rPr>
               <a:t>(”s”, string0);</a:t>
@@ -26320,12 +26320,12 @@
           </a:p>
           <a:p>
             <a:r>
-              <a:rPr lang="en-US" altLang="ja-JP" sz="1600" dirty="0" smtClean="0">
+              <a:rPr lang="en-US" altLang="ja-JP" dirty="0" smtClean="0">
                 <a:latin typeface="Consolas" panose="020B0609020204030204" pitchFamily="49" charset="0"/>
               </a:rPr>
               <a:t>}</a:t>
             </a:r>
-            <a:endParaRPr lang="en-US" altLang="ja-JP" sz="1600" dirty="0" smtClean="0">
+            <a:endParaRPr lang="en-US" altLang="ja-JP" dirty="0" smtClean="0">
               <a:latin typeface="Consolas" panose="020B0609020204030204" pitchFamily="49" charset="0"/>
             </a:endParaRPr>
           </a:p>
@@ -26405,7 +26405,7 @@
         </p:nvSpPr>
         <p:spPr>
           <a:xfrm>
-            <a:off x="8236169" y="2019499"/>
+            <a:off x="8045669" y="1995447"/>
             <a:ext cx="3027849" cy="690095"/>
           </a:xfrm>
           <a:prstGeom prst="wedgeRoundRectCallout">
@@ -26470,12 +26470,12 @@
         </p:nvSpPr>
         <p:spPr>
           <a:xfrm>
-            <a:off x="1279127" y="2019499"/>
+            <a:off x="1418827" y="2014696"/>
             <a:ext cx="2556013" cy="652249"/>
           </a:xfrm>
           <a:prstGeom prst="wedgeRoundRectCallout">
             <a:avLst>
-              <a:gd name="adj1" fmla="val 91068"/>
+              <a:gd name="adj1" fmla="val 80634"/>
               <a:gd name="adj2" fmla="val 68885"/>
               <a:gd name="adj3" fmla="val 16667"/>
             </a:avLst>
@@ -26537,8 +26537,8 @@
         </p:nvSpPr>
         <p:spPr>
           <a:xfrm>
-            <a:off x="3715789" y="4264429"/>
-            <a:ext cx="4684222" cy="739833"/>
+            <a:off x="3359266" y="4464563"/>
+            <a:ext cx="5346583" cy="882137"/>
           </a:xfrm>
           <a:prstGeom prst="rect">
             <a:avLst/>
@@ -26577,7 +26577,7 @@
         </p:nvSpPr>
         <p:spPr>
           <a:xfrm>
-            <a:off x="7979171" y="4869496"/>
+            <a:off x="8144271" y="5180572"/>
             <a:ext cx="3027849" cy="660020"/>
           </a:xfrm>
           <a:prstGeom prst="wedgeRoundRectCallout">
@@ -26670,7 +26670,7 @@
         </p:blipFill>
         <p:spPr>
           <a:xfrm>
-            <a:off x="913014" y="1907704"/>
+            <a:off x="1052714" y="1902901"/>
             <a:ext cx="445604" cy="445604"/>
           </a:xfrm>
           <a:prstGeom prst="rect">
@@ -26700,7 +26700,7 @@
         </p:blipFill>
         <p:spPr>
           <a:xfrm>
-            <a:off x="7882227" y="1907704"/>
+            <a:off x="7691727" y="1883652"/>
             <a:ext cx="445604" cy="445604"/>
           </a:xfrm>
           <a:prstGeom prst="rect">
@@ -26716,7 +26716,7 @@
         </p:nvSpPr>
         <p:spPr>
           <a:xfrm>
-            <a:off x="7701182" y="4851865"/>
+            <a:off x="7866282" y="5162941"/>
             <a:ext cx="303143" cy="327991"/>
           </a:xfrm>
           <a:prstGeom prst="rect">
@@ -26773,7 +26773,7 @@
         </p:blipFill>
         <p:spPr>
           <a:xfrm>
-            <a:off x="7629952" y="4791184"/>
+            <a:off x="7795052" y="5102260"/>
             <a:ext cx="445604" cy="445604"/>
           </a:xfrm>
           <a:prstGeom prst="rect">

--- a/presentation_kurachi.pptx
+++ b/presentation_kurachi.pptx
@@ -5,7 +5,7 @@
     <p:sldMasterId id="2147483648" r:id="rId1"/>
   </p:sldMasterIdLst>
   <p:notesMasterIdLst>
-    <p:notesMasterId r:id="rId45"/>
+    <p:notesMasterId r:id="rId46"/>
   </p:notesMasterIdLst>
   <p:sldIdLst>
     <p:sldId id="274" r:id="rId2"/>
@@ -34,23 +34,24 @@
     <p:sldId id="381" r:id="rId25"/>
     <p:sldId id="382" r:id="rId26"/>
     <p:sldId id="367" r:id="rId27"/>
-    <p:sldId id="366" r:id="rId28"/>
-    <p:sldId id="368" r:id="rId29"/>
-    <p:sldId id="293" r:id="rId30"/>
-    <p:sldId id="290" r:id="rId31"/>
-    <p:sldId id="291" r:id="rId32"/>
-    <p:sldId id="334" r:id="rId33"/>
-    <p:sldId id="288" r:id="rId34"/>
-    <p:sldId id="353" r:id="rId35"/>
-    <p:sldId id="371" r:id="rId36"/>
-    <p:sldId id="370" r:id="rId37"/>
-    <p:sldId id="286" r:id="rId38"/>
-    <p:sldId id="295" r:id="rId39"/>
-    <p:sldId id="380" r:id="rId40"/>
-    <p:sldId id="377" r:id="rId41"/>
-    <p:sldId id="379" r:id="rId42"/>
-    <p:sldId id="378" r:id="rId43"/>
-    <p:sldId id="383" r:id="rId44"/>
+    <p:sldId id="387" r:id="rId28"/>
+    <p:sldId id="366" r:id="rId29"/>
+    <p:sldId id="368" r:id="rId30"/>
+    <p:sldId id="293" r:id="rId31"/>
+    <p:sldId id="290" r:id="rId32"/>
+    <p:sldId id="291" r:id="rId33"/>
+    <p:sldId id="334" r:id="rId34"/>
+    <p:sldId id="288" r:id="rId35"/>
+    <p:sldId id="353" r:id="rId36"/>
+    <p:sldId id="371" r:id="rId37"/>
+    <p:sldId id="370" r:id="rId38"/>
+    <p:sldId id="286" r:id="rId39"/>
+    <p:sldId id="295" r:id="rId40"/>
+    <p:sldId id="380" r:id="rId41"/>
+    <p:sldId id="377" r:id="rId42"/>
+    <p:sldId id="379" r:id="rId43"/>
+    <p:sldId id="378" r:id="rId44"/>
+    <p:sldId id="383" r:id="rId45"/>
   </p:sldIdLst>
   <p:sldSz cx="12192000" cy="6858000"/>
   <p:notesSz cx="6805613" cy="9939338"/>
@@ -7944,7 +7945,7 @@
           <a:p>
             <a:fld id="{A375FAFC-A5AB-4FEC-AA23-92E34682EFAF}" type="slidenum">
               <a:rPr kumimoji="1" lang="ja-JP" altLang="en-US" smtClean="0"/>
-              <a:t>27</a:t>
+              <a:t>28</a:t>
             </a:fld>
             <a:endParaRPr kumimoji="1" lang="ja-JP" altLang="en-US"/>
           </a:p>
@@ -8028,7 +8029,7 @@
           <a:p>
             <a:fld id="{A375FAFC-A5AB-4FEC-AA23-92E34682EFAF}" type="slidenum">
               <a:rPr kumimoji="1" lang="ja-JP" altLang="en-US" smtClean="0"/>
-              <a:t>28</a:t>
+              <a:t>29</a:t>
             </a:fld>
             <a:endParaRPr kumimoji="1" lang="ja-JP" altLang="en-US"/>
           </a:p>
@@ -8112,7 +8113,7 @@
           <a:p>
             <a:fld id="{A375FAFC-A5AB-4FEC-AA23-92E34682EFAF}" type="slidenum">
               <a:rPr kumimoji="1" lang="ja-JP" altLang="en-US" smtClean="0"/>
-              <a:t>29</a:t>
+              <a:t>30</a:t>
             </a:fld>
             <a:endParaRPr kumimoji="1" lang="ja-JP" altLang="en-US"/>
           </a:p>
@@ -8196,7 +8197,7 @@
           <a:p>
             <a:fld id="{A375FAFC-A5AB-4FEC-AA23-92E34682EFAF}" type="slidenum">
               <a:rPr kumimoji="1" lang="ja-JP" altLang="en-US" smtClean="0"/>
-              <a:t>30</a:t>
+              <a:t>31</a:t>
             </a:fld>
             <a:endParaRPr kumimoji="1" lang="ja-JP" altLang="en-US"/>
           </a:p>
@@ -8280,7 +8281,7 @@
           <a:p>
             <a:fld id="{A375FAFC-A5AB-4FEC-AA23-92E34682EFAF}" type="slidenum">
               <a:rPr kumimoji="1" lang="ja-JP" altLang="en-US" smtClean="0"/>
-              <a:t>31</a:t>
+              <a:t>32</a:t>
             </a:fld>
             <a:endParaRPr kumimoji="1" lang="ja-JP" altLang="en-US"/>
           </a:p>
@@ -8488,7 +8489,7 @@
           <a:p>
             <a:fld id="{A375FAFC-A5AB-4FEC-AA23-92E34682EFAF}" type="slidenum">
               <a:rPr kumimoji="1" lang="ja-JP" altLang="en-US" smtClean="0"/>
-              <a:t>32</a:t>
+              <a:t>33</a:t>
             </a:fld>
             <a:endParaRPr kumimoji="1" lang="ja-JP" altLang="en-US"/>
           </a:p>
@@ -8710,7 +8711,7 @@
           <a:p>
             <a:fld id="{A375FAFC-A5AB-4FEC-AA23-92E34682EFAF}" type="slidenum">
               <a:rPr kumimoji="1" lang="ja-JP" altLang="en-US" smtClean="0"/>
-              <a:t>33</a:t>
+              <a:t>34</a:t>
             </a:fld>
             <a:endParaRPr kumimoji="1" lang="ja-JP" altLang="en-US"/>
           </a:p>
@@ -8963,7 +8964,7 @@
           <a:p>
             <a:fld id="{A375FAFC-A5AB-4FEC-AA23-92E34682EFAF}" type="slidenum">
               <a:rPr kumimoji="1" lang="ja-JP" altLang="en-US" smtClean="0"/>
-              <a:t>34</a:t>
+              <a:t>35</a:t>
             </a:fld>
             <a:endParaRPr kumimoji="1" lang="ja-JP" altLang="en-US"/>
           </a:p>
@@ -9314,7 +9315,7 @@
           <a:p>
             <a:fld id="{A375FAFC-A5AB-4FEC-AA23-92E34682EFAF}" type="slidenum">
               <a:rPr kumimoji="1" lang="ja-JP" altLang="en-US" smtClean="0"/>
-              <a:t>35</a:t>
+              <a:t>36</a:t>
             </a:fld>
             <a:endParaRPr kumimoji="1" lang="ja-JP" altLang="en-US"/>
           </a:p>
@@ -9398,7 +9399,7 @@
           <a:p>
             <a:fld id="{A375FAFC-A5AB-4FEC-AA23-92E34682EFAF}" type="slidenum">
               <a:rPr kumimoji="1" lang="ja-JP" altLang="en-US" smtClean="0"/>
-              <a:t>36</a:t>
+              <a:t>37</a:t>
             </a:fld>
             <a:endParaRPr kumimoji="1" lang="ja-JP" altLang="en-US"/>
           </a:p>
@@ -9482,7 +9483,7 @@
           <a:p>
             <a:fld id="{A375FAFC-A5AB-4FEC-AA23-92E34682EFAF}" type="slidenum">
               <a:rPr kumimoji="1" lang="ja-JP" altLang="en-US" smtClean="0"/>
-              <a:t>37</a:t>
+              <a:t>38</a:t>
             </a:fld>
             <a:endParaRPr kumimoji="1" lang="ja-JP" altLang="en-US"/>
           </a:p>
@@ -9566,7 +9567,7 @@
           <a:p>
             <a:fld id="{A375FAFC-A5AB-4FEC-AA23-92E34682EFAF}" type="slidenum">
               <a:rPr kumimoji="1" lang="ja-JP" altLang="en-US" smtClean="0"/>
-              <a:t>38</a:t>
+              <a:t>39</a:t>
             </a:fld>
             <a:endParaRPr kumimoji="1" lang="ja-JP" altLang="en-US"/>
           </a:p>
@@ -9938,7 +9939,7 @@
           <a:p>
             <a:fld id="{A375FAFC-A5AB-4FEC-AA23-92E34682EFAF}" type="slidenum">
               <a:rPr kumimoji="1" lang="ja-JP" altLang="en-US" smtClean="0"/>
-              <a:t>39</a:t>
+              <a:t>40</a:t>
             </a:fld>
             <a:endParaRPr kumimoji="1" lang="ja-JP" altLang="en-US"/>
           </a:p>
@@ -10022,7 +10023,7 @@
           <a:p>
             <a:fld id="{A375FAFC-A5AB-4FEC-AA23-92E34682EFAF}" type="slidenum">
               <a:rPr kumimoji="1" lang="ja-JP" altLang="en-US" smtClean="0"/>
-              <a:t>40</a:t>
+              <a:t>41</a:t>
             </a:fld>
             <a:endParaRPr kumimoji="1" lang="ja-JP" altLang="en-US"/>
           </a:p>
@@ -10106,7 +10107,7 @@
           <a:p>
             <a:fld id="{A375FAFC-A5AB-4FEC-AA23-92E34682EFAF}" type="slidenum">
               <a:rPr kumimoji="1" lang="ja-JP" altLang="en-US" smtClean="0"/>
-              <a:t>41</a:t>
+              <a:t>42</a:t>
             </a:fld>
             <a:endParaRPr kumimoji="1" lang="ja-JP" altLang="en-US"/>
           </a:p>
@@ -10190,7 +10191,7 @@
           <a:p>
             <a:fld id="{A375FAFC-A5AB-4FEC-AA23-92E34682EFAF}" type="slidenum">
               <a:rPr kumimoji="1" lang="ja-JP" altLang="en-US" smtClean="0"/>
-              <a:t>42</a:t>
+              <a:t>43</a:t>
             </a:fld>
             <a:endParaRPr kumimoji="1" lang="ja-JP" altLang="en-US"/>
           </a:p>
@@ -27104,432 +27105,425 @@
       </p:sp>
       <p:sp>
         <p:nvSpPr>
-          <p:cNvPr id="9" name="Google Shape;92;p17"/>
+          <p:cNvPr id="7" name="正方形/長方形 6"/>
           <p:cNvSpPr/>
           <p:nvPr/>
         </p:nvSpPr>
         <p:spPr>
           <a:xfrm>
-            <a:off x="838199" y="3306697"/>
-            <a:ext cx="7419975" cy="2551113"/>
+            <a:off x="838200" y="3363915"/>
+            <a:ext cx="8316685" cy="2893100"/>
           </a:xfrm>
           <a:prstGeom prst="rect">
             <a:avLst/>
           </a:prstGeom>
           <a:solidFill>
-            <a:srgbClr val="F3F3F3"/>
+            <a:schemeClr val="accent2">
+              <a:lumMod val="20000"/>
+              <a:lumOff val="80000"/>
+            </a:schemeClr>
           </a:solidFill>
-          <a:ln w="9525" cap="flat" cmpd="sng">
-            <a:solidFill>
-              <a:srgbClr val="595959"/>
-            </a:solidFill>
-            <a:prstDash val="solid"/>
-            <a:round/>
-            <a:headEnd type="none" w="sm" len="sm"/>
-            <a:tailEnd type="none" w="sm" len="sm"/>
-          </a:ln>
         </p:spPr>
         <p:txBody>
-          <a:bodyPr spcFirstLastPara="1" wrap="square" lIns="91425" tIns="91425" rIns="91425" bIns="91425" anchor="t" anchorCtr="0">
-            <a:noAutofit/>
+          <a:bodyPr wrap="square">
+            <a:spAutoFit/>
           </a:bodyPr>
           <a:lstStyle/>
           <a:p>
-            <a:pPr marL="0" lvl="0" indent="0" algn="l" rtl="0">
-              <a:lnSpc>
-                <a:spcPct val="115000"/>
-              </a:lnSpc>
-              <a:spcBef>
-                <a:spcPts val="0"/>
-              </a:spcBef>
-              <a:spcAft>
-                <a:spcPts val="0"/>
-              </a:spcAft>
-              <a:buClr>
-                <a:srgbClr val="000000"/>
-              </a:buClr>
-              <a:buSzPts val="1100"/>
-              <a:buFont typeface="Arial"/>
-              <a:buNone/>
-            </a:pPr>
-            <a:r>
-              <a:rPr lang="ja" b="1" dirty="0">
-                <a:solidFill>
-                  <a:srgbClr val="000000"/>
-                </a:solidFill>
-                <a:latin typeface="Consolas"/>
-                <a:ea typeface="Consolas"/>
-                <a:cs typeface="Consolas"/>
-                <a:sym typeface="Consolas"/>
-              </a:rPr>
-              <a:t> @Test</a:t>
-            </a:r>
-            <a:endParaRPr b="1" dirty="0">
-              <a:solidFill>
-                <a:srgbClr val="000000"/>
-              </a:solidFill>
-              <a:latin typeface="Consolas"/>
-              <a:ea typeface="Consolas"/>
-              <a:cs typeface="Consolas"/>
-              <a:sym typeface="Consolas"/>
+            <a:r>
+              <a:rPr lang="en-US" altLang="ja-JP" sz="1400" dirty="0" smtClean="0">
+                <a:latin typeface="Consolas" panose="020B0609020204030204" pitchFamily="49" charset="0"/>
+              </a:rPr>
+              <a:t>@</a:t>
+            </a:r>
+            <a:r>
+              <a:rPr lang="en-US" altLang="ja-JP" sz="1400" dirty="0" err="1" smtClean="0">
+                <a:latin typeface="Consolas" panose="020B0609020204030204" pitchFamily="49" charset="0"/>
+              </a:rPr>
+              <a:t>MediumTest</a:t>
+            </a:r>
+            <a:endParaRPr lang="en-US" altLang="ja-JP" sz="1400" dirty="0" smtClean="0">
+              <a:latin typeface="Consolas" panose="020B0609020204030204" pitchFamily="49" charset="0"/>
             </a:endParaRPr>
           </a:p>
           <a:p>
-            <a:pPr marL="0" lvl="0" indent="0" algn="l" rtl="0">
-              <a:lnSpc>
-                <a:spcPct val="115000"/>
-              </a:lnSpc>
-              <a:spcBef>
-                <a:spcPts val="0"/>
-              </a:spcBef>
-              <a:spcAft>
-                <a:spcPts val="0"/>
-              </a:spcAft>
-              <a:buClr>
-                <a:srgbClr val="000000"/>
-              </a:buClr>
-              <a:buSzPts val="1100"/>
-              <a:buFont typeface="Arial"/>
-              <a:buNone/>
-            </a:pPr>
-            <a:r>
-              <a:rPr lang="ja" b="1" dirty="0">
-                <a:solidFill>
-                  <a:srgbClr val="000000"/>
-                </a:solidFill>
-                <a:latin typeface="Consolas"/>
-                <a:ea typeface="Consolas"/>
-                <a:cs typeface="Consolas"/>
-                <a:sym typeface="Consolas"/>
-              </a:rPr>
-              <a:t> public void testCloneNonBareRepoFromLocalTestServer () {</a:t>
-            </a:r>
-            <a:endParaRPr b="1" dirty="0">
-              <a:solidFill>
-                <a:srgbClr val="000000"/>
-              </a:solidFill>
-              <a:latin typeface="Consolas"/>
-              <a:ea typeface="Consolas"/>
-              <a:cs typeface="Consolas"/>
-              <a:sym typeface="Consolas"/>
+            <a:r>
+              <a:rPr lang="en-US" altLang="ja-JP" sz="1400" dirty="0" smtClean="0">
+                <a:latin typeface="Consolas" panose="020B0609020204030204" pitchFamily="49" charset="0"/>
+              </a:rPr>
+              <a:t>public void </a:t>
+            </a:r>
+            <a:r>
+              <a:rPr lang="en-US" altLang="ja-JP" sz="1400" dirty="0" err="1" smtClean="0">
+                <a:latin typeface="Consolas" panose="020B0609020204030204" pitchFamily="49" charset="0"/>
+              </a:rPr>
+              <a:t>testCloneNonBareRepoFromLocalTestServer</a:t>
+            </a:r>
+            <a:r>
+              <a:rPr lang="en-US" altLang="ja-JP" sz="1400" dirty="0" smtClean="0">
+                <a:latin typeface="Consolas" panose="020B0609020204030204" pitchFamily="49" charset="0"/>
+              </a:rPr>
+              <a:t>() throws Exception {</a:t>
+            </a:r>
+          </a:p>
+          <a:p>
+            <a:r>
+              <a:rPr lang="en-US" altLang="ja-JP" sz="1400" dirty="0" smtClean="0">
+                <a:latin typeface="Consolas" panose="020B0609020204030204" pitchFamily="49" charset="0"/>
+              </a:rPr>
+              <a:t>    Clone </a:t>
+            </a:r>
+            <a:r>
+              <a:rPr lang="en-US" altLang="ja-JP" sz="1400" dirty="0" err="1" smtClean="0">
+                <a:latin typeface="Consolas" panose="020B0609020204030204" pitchFamily="49" charset="0"/>
+              </a:rPr>
+              <a:t>cloneOp</a:t>
+            </a:r>
+            <a:r>
+              <a:rPr lang="en-US" altLang="ja-JP" sz="1400" dirty="0" smtClean="0">
+                <a:latin typeface="Consolas" panose="020B0609020204030204" pitchFamily="49" charset="0"/>
+              </a:rPr>
+              <a:t> = new Clone(false, </a:t>
+            </a:r>
+            <a:r>
+              <a:rPr lang="en-US" altLang="ja-JP" sz="1400" dirty="0" err="1" smtClean="0">
+                <a:latin typeface="Consolas" panose="020B0609020204030204" pitchFamily="49" charset="0"/>
+              </a:rPr>
+              <a:t>integrationGitServerURIFor</a:t>
+            </a:r>
+            <a:r>
+              <a:rPr lang="en-US" altLang="ja-JP" sz="1400" dirty="0" smtClean="0">
+                <a:latin typeface="Consolas" panose="020B0609020204030204" pitchFamily="49" charset="0"/>
+              </a:rPr>
+              <a:t>("small-</a:t>
+            </a:r>
+            <a:r>
+              <a:rPr lang="en-US" altLang="ja-JP" sz="1400" dirty="0" err="1" smtClean="0">
+                <a:latin typeface="Consolas" panose="020B0609020204030204" pitchFamily="49" charset="0"/>
+              </a:rPr>
+              <a:t>repo.early.git</a:t>
+            </a:r>
+            <a:r>
+              <a:rPr lang="en-US" altLang="ja-JP" sz="1400" dirty="0" smtClean="0">
+                <a:latin typeface="Consolas" panose="020B0609020204030204" pitchFamily="49" charset="0"/>
+              </a:rPr>
+              <a:t>"), helper().</a:t>
+            </a:r>
+            <a:r>
+              <a:rPr lang="en-US" altLang="ja-JP" sz="1400" dirty="0" err="1" smtClean="0">
+                <a:latin typeface="Consolas" panose="020B0609020204030204" pitchFamily="49" charset="0"/>
+              </a:rPr>
+              <a:t>newFolder</a:t>
+            </a:r>
+            <a:r>
+              <a:rPr lang="en-US" altLang="ja-JP" sz="1400" dirty="0" smtClean="0">
+                <a:latin typeface="Consolas" panose="020B0609020204030204" pitchFamily="49" charset="0"/>
+              </a:rPr>
+              <a:t>());</a:t>
+            </a:r>
+          </a:p>
+          <a:p>
+            <a:endParaRPr lang="en-US" altLang="ja-JP" sz="1400" dirty="0" smtClean="0">
+              <a:latin typeface="Consolas" panose="020B0609020204030204" pitchFamily="49" charset="0"/>
             </a:endParaRPr>
           </a:p>
           <a:p>
-            <a:pPr marL="0" lvl="0" indent="0" algn="l" rtl="0">
-              <a:lnSpc>
-                <a:spcPct val="115000"/>
-              </a:lnSpc>
-              <a:spcBef>
-                <a:spcPts val="0"/>
-              </a:spcBef>
-              <a:spcAft>
-                <a:spcPts val="0"/>
-              </a:spcAft>
-              <a:buClr>
-                <a:srgbClr val="000000"/>
-              </a:buClr>
-              <a:buSzPts val="1100"/>
-              <a:buFont typeface="Arial"/>
-              <a:buNone/>
-            </a:pPr>
-            <a:r>
-              <a:rPr lang="ja" b="1" dirty="0">
-                <a:solidFill>
-                  <a:srgbClr val="000000"/>
-                </a:solidFill>
-                <a:latin typeface="Consolas"/>
-                <a:ea typeface="Consolas"/>
-                <a:cs typeface="Consolas"/>
-                <a:sym typeface="Consolas"/>
-              </a:rPr>
-              <a:t>  　.....</a:t>
-            </a:r>
-            <a:endParaRPr b="1" dirty="0">
-              <a:solidFill>
-                <a:srgbClr val="000000"/>
-              </a:solidFill>
-              <a:latin typeface="Consolas"/>
-              <a:ea typeface="Consolas"/>
-              <a:cs typeface="Consolas"/>
-              <a:sym typeface="Consolas"/>
+            <a:r>
+              <a:rPr lang="en-US" altLang="ja-JP" sz="1400" dirty="0" smtClean="0">
+                <a:latin typeface="Consolas" panose="020B0609020204030204" pitchFamily="49" charset="0"/>
+              </a:rPr>
+              <a:t>    Repository repo = </a:t>
+            </a:r>
+            <a:r>
+              <a:rPr lang="en-US" altLang="ja-JP" sz="1400" dirty="0" err="1" smtClean="0">
+                <a:latin typeface="Consolas" panose="020B0609020204030204" pitchFamily="49" charset="0"/>
+              </a:rPr>
+              <a:t>executeAndWaitFor</a:t>
+            </a:r>
+            <a:r>
+              <a:rPr lang="en-US" altLang="ja-JP" sz="1400" dirty="0" smtClean="0">
+                <a:latin typeface="Consolas" panose="020B0609020204030204" pitchFamily="49" charset="0"/>
+              </a:rPr>
+              <a:t>(</a:t>
+            </a:r>
+            <a:r>
+              <a:rPr lang="en-US" altLang="ja-JP" sz="1400" dirty="0" err="1" smtClean="0">
+                <a:latin typeface="Consolas" panose="020B0609020204030204" pitchFamily="49" charset="0"/>
+              </a:rPr>
+              <a:t>cloneOp</a:t>
+            </a:r>
+            <a:r>
+              <a:rPr lang="en-US" altLang="ja-JP" sz="1400" dirty="0" smtClean="0">
+                <a:latin typeface="Consolas" panose="020B0609020204030204" pitchFamily="49" charset="0"/>
+              </a:rPr>
+              <a:t>);</a:t>
+            </a:r>
+          </a:p>
+          <a:p>
+            <a:endParaRPr lang="en-US" altLang="ja-JP" sz="1400" dirty="0" smtClean="0">
+              <a:latin typeface="Consolas" panose="020B0609020204030204" pitchFamily="49" charset="0"/>
             </a:endParaRPr>
           </a:p>
           <a:p>
-            <a:pPr marL="0" lvl="0" indent="0" algn="l" rtl="0">
-              <a:lnSpc>
-                <a:spcPct val="115000"/>
-              </a:lnSpc>
-              <a:spcBef>
-                <a:spcPts val="0"/>
-              </a:spcBef>
-              <a:spcAft>
-                <a:spcPts val="0"/>
-              </a:spcAft>
-              <a:buClr>
-                <a:srgbClr val="000000"/>
-              </a:buClr>
-              <a:buSzPts val="1100"/>
-              <a:buFont typeface="Arial"/>
-              <a:buNone/>
-            </a:pPr>
-            <a:r>
-              <a:rPr lang="ja" b="1" dirty="0">
-                <a:solidFill>
-                  <a:srgbClr val="000000"/>
-                </a:solidFill>
-                <a:latin typeface="Consolas"/>
-                <a:ea typeface="Consolas"/>
-                <a:cs typeface="Consolas"/>
-                <a:sym typeface="Consolas"/>
-              </a:rPr>
-              <a:t>    assertThat(readmeFile, exists());</a:t>
-            </a:r>
-            <a:endParaRPr b="1" dirty="0">
-              <a:solidFill>
-                <a:srgbClr val="000000"/>
-              </a:solidFill>
-              <a:latin typeface="Consolas"/>
-              <a:ea typeface="Consolas"/>
-              <a:cs typeface="Consolas"/>
-              <a:sym typeface="Consolas"/>
+            <a:r>
+              <a:rPr lang="en-US" altLang="ja-JP" sz="1400" dirty="0" smtClean="0">
+                <a:latin typeface="Consolas" panose="020B0609020204030204" pitchFamily="49" charset="0"/>
+              </a:rPr>
+              <a:t>    </a:t>
+            </a:r>
+            <a:r>
+              <a:rPr lang="en-US" altLang="ja-JP" sz="1400" dirty="0" err="1" smtClean="0">
+                <a:latin typeface="Consolas" panose="020B0609020204030204" pitchFamily="49" charset="0"/>
+              </a:rPr>
+              <a:t>assertThat</a:t>
+            </a:r>
+            <a:r>
+              <a:rPr lang="en-US" altLang="ja-JP" sz="1400" dirty="0" smtClean="0">
+                <a:latin typeface="Consolas" panose="020B0609020204030204" pitchFamily="49" charset="0"/>
+              </a:rPr>
+              <a:t>(repo, </a:t>
+            </a:r>
+            <a:r>
+              <a:rPr lang="en-US" altLang="ja-JP" sz="1400" dirty="0" err="1" smtClean="0">
+                <a:latin typeface="Consolas" panose="020B0609020204030204" pitchFamily="49" charset="0"/>
+              </a:rPr>
+              <a:t>hasGitObject</a:t>
+            </a:r>
+            <a:r>
+              <a:rPr lang="en-US" altLang="ja-JP" sz="1400" dirty="0" smtClean="0">
+                <a:latin typeface="Consolas" panose="020B0609020204030204" pitchFamily="49" charset="0"/>
+              </a:rPr>
+              <a:t>("ba1f63e4430bff267d112b1e8afc1d6294db0ccc"));</a:t>
+            </a:r>
+          </a:p>
+          <a:p>
+            <a:endParaRPr lang="en-US" altLang="ja-JP" sz="1400" dirty="0" smtClean="0">
+              <a:latin typeface="Consolas" panose="020B0609020204030204" pitchFamily="49" charset="0"/>
             </a:endParaRPr>
           </a:p>
           <a:p>
-            <a:pPr marL="0" lvl="0" indent="0" algn="l" rtl="0">
-              <a:lnSpc>
-                <a:spcPct val="115000"/>
-              </a:lnSpc>
-              <a:spcBef>
-                <a:spcPts val="0"/>
-              </a:spcBef>
-              <a:spcAft>
-                <a:spcPts val="0"/>
-              </a:spcAft>
-              <a:buClr>
-                <a:srgbClr val="000000"/>
-              </a:buClr>
-              <a:buSzPts val="1100"/>
-              <a:buFont typeface="Arial"/>
-              <a:buNone/>
-            </a:pPr>
-            <a:r>
-              <a:rPr lang="ja" b="1" dirty="0">
-                <a:solidFill>
-                  <a:srgbClr val="000000"/>
-                </a:solidFill>
-                <a:latin typeface="Consolas"/>
-                <a:ea typeface="Consolas"/>
-                <a:cs typeface="Consolas"/>
-                <a:sym typeface="Consolas"/>
-              </a:rPr>
-              <a:t>    assertThat(readmeFile, ofLength(-1));</a:t>
-            </a:r>
-            <a:endParaRPr b="1" dirty="0">
-              <a:solidFill>
-                <a:srgbClr val="000000"/>
-              </a:solidFill>
-              <a:latin typeface="Consolas"/>
-              <a:ea typeface="Consolas"/>
-              <a:cs typeface="Consolas"/>
-              <a:sym typeface="Consolas"/>
+            <a:r>
+              <a:rPr lang="en-US" altLang="ja-JP" sz="1400" dirty="0" smtClean="0">
+                <a:latin typeface="Consolas" panose="020B0609020204030204" pitchFamily="49" charset="0"/>
+              </a:rPr>
+              <a:t>    File </a:t>
+            </a:r>
+            <a:r>
+              <a:rPr lang="en-US" altLang="ja-JP" sz="1400" dirty="0" err="1" smtClean="0">
+                <a:latin typeface="Consolas" panose="020B0609020204030204" pitchFamily="49" charset="0"/>
+              </a:rPr>
+              <a:t>readmeFile</a:t>
+            </a:r>
+            <a:r>
+              <a:rPr lang="en-US" altLang="ja-JP" sz="1400" dirty="0" smtClean="0">
+                <a:latin typeface="Consolas" panose="020B0609020204030204" pitchFamily="49" charset="0"/>
+              </a:rPr>
+              <a:t> = new File(</a:t>
+            </a:r>
+            <a:r>
+              <a:rPr lang="en-US" altLang="ja-JP" sz="1400" dirty="0" err="1" smtClean="0">
+                <a:latin typeface="Consolas" panose="020B0609020204030204" pitchFamily="49" charset="0"/>
+              </a:rPr>
+              <a:t>repo.getWorkTree</a:t>
+            </a:r>
+            <a:r>
+              <a:rPr lang="en-US" altLang="ja-JP" sz="1400" dirty="0" smtClean="0">
+                <a:latin typeface="Consolas" panose="020B0609020204030204" pitchFamily="49" charset="0"/>
+              </a:rPr>
+              <a:t>(), "README");</a:t>
+            </a:r>
+          </a:p>
+          <a:p>
+            <a:r>
+              <a:rPr lang="en-US" altLang="ja-JP" sz="1400" dirty="0" smtClean="0">
+                <a:latin typeface="Consolas" panose="020B0609020204030204" pitchFamily="49" charset="0"/>
+              </a:rPr>
+              <a:t>    </a:t>
+            </a:r>
+            <a:r>
+              <a:rPr lang="en-US" altLang="ja-JP" sz="1400" dirty="0" err="1" smtClean="0">
+                <a:latin typeface="Consolas" panose="020B0609020204030204" pitchFamily="49" charset="0"/>
+              </a:rPr>
+              <a:t>assertThat</a:t>
+            </a:r>
+            <a:r>
+              <a:rPr lang="en-US" altLang="ja-JP" sz="1400" dirty="0" smtClean="0">
+                <a:latin typeface="Consolas" panose="020B0609020204030204" pitchFamily="49" charset="0"/>
+              </a:rPr>
+              <a:t>(</a:t>
+            </a:r>
+            <a:r>
+              <a:rPr lang="en-US" altLang="ja-JP" sz="1400" dirty="0" err="1" smtClean="0">
+                <a:latin typeface="Consolas" panose="020B0609020204030204" pitchFamily="49" charset="0"/>
+              </a:rPr>
+              <a:t>readmeFile</a:t>
+            </a:r>
+            <a:r>
+              <a:rPr lang="en-US" altLang="ja-JP" sz="1400" dirty="0" smtClean="0">
+                <a:latin typeface="Consolas" panose="020B0609020204030204" pitchFamily="49" charset="0"/>
+              </a:rPr>
+              <a:t>, exists());</a:t>
+            </a:r>
+          </a:p>
+          <a:p>
+            <a:r>
+              <a:rPr lang="en-US" altLang="ja-JP" sz="1400" dirty="0" smtClean="0">
+                <a:latin typeface="Consolas" panose="020B0609020204030204" pitchFamily="49" charset="0"/>
+              </a:rPr>
+              <a:t>    </a:t>
+            </a:r>
+            <a:r>
+              <a:rPr lang="en-US" altLang="ja-JP" sz="1400" dirty="0" err="1" smtClean="0">
+                <a:latin typeface="Consolas" panose="020B0609020204030204" pitchFamily="49" charset="0"/>
+              </a:rPr>
+              <a:t>assertThat</a:t>
+            </a:r>
+            <a:r>
+              <a:rPr lang="en-US" altLang="ja-JP" sz="1400" dirty="0" smtClean="0">
+                <a:latin typeface="Consolas" panose="020B0609020204030204" pitchFamily="49" charset="0"/>
+              </a:rPr>
+              <a:t>(</a:t>
+            </a:r>
+            <a:r>
+              <a:rPr lang="en-US" altLang="ja-JP" sz="1400" dirty="0" err="1" smtClean="0">
+                <a:latin typeface="Consolas" panose="020B0609020204030204" pitchFamily="49" charset="0"/>
+              </a:rPr>
+              <a:t>readmeFile</a:t>
+            </a:r>
+            <a:r>
+              <a:rPr lang="en-US" altLang="ja-JP" sz="1400" dirty="0" smtClean="0">
+                <a:latin typeface="Consolas" panose="020B0609020204030204" pitchFamily="49" charset="0"/>
+              </a:rPr>
+              <a:t>, </a:t>
+            </a:r>
+            <a:r>
+              <a:rPr lang="en-US" altLang="ja-JP" sz="1400" dirty="0" err="1" smtClean="0">
+                <a:latin typeface="Consolas" panose="020B0609020204030204" pitchFamily="49" charset="0"/>
+              </a:rPr>
+              <a:t>ofLength</a:t>
+            </a:r>
+            <a:r>
+              <a:rPr lang="en-US" altLang="ja-JP" sz="1400" dirty="0" smtClean="0">
+                <a:latin typeface="Consolas" panose="020B0609020204030204" pitchFamily="49" charset="0"/>
+              </a:rPr>
+              <a:t>(12));</a:t>
+            </a:r>
+          </a:p>
+          <a:p>
+            <a:r>
+              <a:rPr lang="en-US" altLang="ja-JP" sz="1400" dirty="0" smtClean="0">
+                <a:latin typeface="Consolas" panose="020B0609020204030204" pitchFamily="49" charset="0"/>
+              </a:rPr>
+              <a:t>}</a:t>
+            </a:r>
+            <a:endParaRPr lang="ja-JP" altLang="en-US" sz="1400" dirty="0">
+              <a:latin typeface="Consolas" panose="020B0609020204030204" pitchFamily="49" charset="0"/>
             </a:endParaRPr>
-          </a:p>
-          <a:p>
-            <a:pPr marL="0" lvl="0" indent="0" algn="l" rtl="0">
-              <a:lnSpc>
-                <a:spcPct val="115000"/>
-              </a:lnSpc>
-              <a:spcBef>
-                <a:spcPts val="0"/>
-              </a:spcBef>
-              <a:spcAft>
-                <a:spcPts val="0"/>
-              </a:spcAft>
-              <a:buClr>
-                <a:srgbClr val="000000"/>
-              </a:buClr>
-              <a:buSzPts val="1100"/>
-              <a:buFont typeface="Arial"/>
-              <a:buNone/>
-            </a:pPr>
-            <a:r>
-              <a:rPr lang="ja" b="1" dirty="0">
-                <a:solidFill>
-                  <a:srgbClr val="000000"/>
-                </a:solidFill>
-                <a:latin typeface="Consolas"/>
-                <a:ea typeface="Consolas"/>
-                <a:cs typeface="Consolas"/>
-                <a:sym typeface="Consolas"/>
-              </a:rPr>
-              <a:t>    assertThat(readmeFile, ofLength(1));</a:t>
-            </a:r>
-            <a:endParaRPr b="1" dirty="0">
-              <a:solidFill>
-                <a:srgbClr val="000000"/>
-              </a:solidFill>
-              <a:latin typeface="Consolas"/>
-              <a:ea typeface="Consolas"/>
-              <a:cs typeface="Consolas"/>
-              <a:sym typeface="Consolas"/>
-            </a:endParaRPr>
-          </a:p>
-          <a:p>
-            <a:pPr marL="0" lvl="0" indent="0" algn="l" rtl="0">
-              <a:lnSpc>
-                <a:spcPct val="115000"/>
-              </a:lnSpc>
-              <a:spcBef>
-                <a:spcPts val="0"/>
-              </a:spcBef>
-              <a:spcAft>
-                <a:spcPts val="0"/>
-              </a:spcAft>
-              <a:buClr>
-                <a:srgbClr val="000000"/>
-              </a:buClr>
-              <a:buSzPts val="1100"/>
-              <a:buFont typeface="Arial"/>
-              <a:buNone/>
-            </a:pPr>
-            <a:r>
-              <a:rPr lang="ja" b="1" dirty="0">
-                <a:solidFill>
-                  <a:srgbClr val="000000"/>
-                </a:solidFill>
-                <a:latin typeface="Consolas"/>
-                <a:ea typeface="Consolas"/>
-                <a:cs typeface="Consolas"/>
-                <a:sym typeface="Consolas"/>
-              </a:rPr>
-              <a:t> }</a:t>
-            </a:r>
-            <a:endParaRPr b="1" dirty="0">
-              <a:solidFill>
-                <a:srgbClr val="000000"/>
-              </a:solidFill>
-              <a:latin typeface="Consolas"/>
-              <a:ea typeface="Consolas"/>
-              <a:cs typeface="Consolas"/>
-              <a:sym typeface="Consolas"/>
-            </a:endParaRPr>
-          </a:p>
-          <a:p>
-            <a:pPr marL="0" lvl="0" indent="0" algn="l" rtl="0">
-              <a:spcBef>
-                <a:spcPts val="0"/>
-              </a:spcBef>
-              <a:spcAft>
-                <a:spcPts val="0"/>
-              </a:spcAft>
-              <a:buNone/>
-            </a:pPr>
-            <a:endParaRPr dirty="0"/>
           </a:p>
         </p:txBody>
       </p:sp>
       <p:sp>
         <p:nvSpPr>
-          <p:cNvPr id="10" name="Google Shape;93;p17"/>
+          <p:cNvPr id="12" name="正方形/長方形 11"/>
           <p:cNvSpPr/>
           <p:nvPr/>
         </p:nvSpPr>
         <p:spPr>
           <a:xfrm>
-            <a:off x="1339749" y="4354248"/>
-            <a:ext cx="4861025" cy="1017788"/>
+            <a:off x="1270001" y="4905829"/>
+            <a:ext cx="7561942" cy="1124857"/>
           </a:xfrm>
           <a:prstGeom prst="rect">
             <a:avLst/>
           </a:prstGeom>
           <a:noFill/>
-          <a:ln w="28575" cap="flat" cmpd="sng">
-            <a:solidFill>
-              <a:srgbClr val="4A86E8"/>
-            </a:solidFill>
-            <a:prstDash val="solid"/>
-            <a:round/>
-            <a:headEnd type="none" w="sm" len="sm"/>
-            <a:tailEnd type="none" w="sm" len="sm"/>
-          </a:ln>
+          <a:ln w="38100"/>
         </p:spPr>
+        <p:style>
+          <a:lnRef idx="2">
+            <a:schemeClr val="accent1"/>
+          </a:lnRef>
+          <a:fillRef idx="1">
+            <a:schemeClr val="lt1"/>
+          </a:fillRef>
+          <a:effectRef idx="0">
+            <a:schemeClr val="accent1"/>
+          </a:effectRef>
+          <a:fontRef idx="minor">
+            <a:schemeClr val="dk1"/>
+          </a:fontRef>
+        </p:style>
         <p:txBody>
-          <a:bodyPr spcFirstLastPara="1" wrap="square" lIns="91425" tIns="91425" rIns="91425" bIns="91425" anchor="t" anchorCtr="0">
-            <a:noAutofit/>
-          </a:bodyPr>
+          <a:bodyPr rtlCol="0" anchor="ctr"/>
           <a:lstStyle/>
           <a:p>
-            <a:pPr marL="0" lvl="0" indent="0" algn="l" rtl="0">
-              <a:spcBef>
-                <a:spcPts val="0"/>
-              </a:spcBef>
-              <a:spcAft>
-                <a:spcPts val="0"/>
-              </a:spcAft>
-              <a:buNone/>
-            </a:pPr>
-            <a:endParaRPr/>
+            <a:pPr algn="ctr"/>
+            <a:endParaRPr kumimoji="1" lang="ja-JP" altLang="en-US"/>
           </a:p>
         </p:txBody>
       </p:sp>
       <p:sp>
         <p:nvSpPr>
-          <p:cNvPr id="11" name="Google Shape;94;p17"/>
+          <p:cNvPr id="13" name="四角形吹き出し 12"/>
           <p:cNvSpPr/>
           <p:nvPr/>
         </p:nvSpPr>
         <p:spPr>
           <a:xfrm>
-            <a:off x="8393075" y="4161061"/>
-            <a:ext cx="3179800" cy="572700"/>
+            <a:off x="7162800" y="4235449"/>
+            <a:ext cx="4495800" cy="575015"/>
           </a:xfrm>
-          <a:prstGeom prst="wedgeRoundRectCallout">
+          <a:prstGeom prst="wedgeRectCallout">
             <a:avLst>
-              <a:gd name="adj1" fmla="val -121020"/>
-              <a:gd name="adj2" fmla="val 45382"/>
-              <a:gd name="adj3" fmla="val 0"/>
+              <a:gd name="adj1" fmla="val -54081"/>
+              <a:gd name="adj2" fmla="val 135245"/>
             </a:avLst>
           </a:prstGeom>
-          <a:solidFill>
-            <a:srgbClr val="FFDD9C"/>
-          </a:solidFill>
-          <a:ln w="9525" cap="flat" cmpd="sng">
-            <a:solidFill>
-              <a:srgbClr val="FFC000"/>
-            </a:solidFill>
-            <a:prstDash val="solid"/>
-            <a:round/>
-            <a:headEnd type="none" w="sm" len="sm"/>
-            <a:tailEnd type="none" w="sm" len="sm"/>
-          </a:ln>
+          <a:ln/>
         </p:spPr>
+        <p:style>
+          <a:lnRef idx="1">
+            <a:schemeClr val="accent4"/>
+          </a:lnRef>
+          <a:fillRef idx="2">
+            <a:schemeClr val="accent4"/>
+          </a:fillRef>
+          <a:effectRef idx="1">
+            <a:schemeClr val="accent4"/>
+          </a:effectRef>
+          <a:fontRef idx="minor">
+            <a:schemeClr val="dk1"/>
+          </a:fontRef>
+        </p:style>
         <p:txBody>
-          <a:bodyPr spcFirstLastPara="1" wrap="square" lIns="91425" tIns="91425" rIns="91425" bIns="91425" anchor="ctr" anchorCtr="0">
-            <a:noAutofit/>
-          </a:bodyPr>
+          <a:bodyPr rtlCol="0" anchor="ctr"/>
           <a:lstStyle/>
           <a:p>
-            <a:pPr marL="0" lvl="0" indent="0" algn="l" rtl="0">
-              <a:spcBef>
-                <a:spcPts val="0"/>
-              </a:spcBef>
-              <a:spcAft>
-                <a:spcPts val="0"/>
-              </a:spcAft>
-              <a:buNone/>
-            </a:pPr>
-            <a:r>
-              <a:rPr lang="ja" b="1" dirty="0">
+            <a:pPr algn="ctr"/>
+            <a:r>
+              <a:rPr lang="ja-JP" altLang="en-US" sz="2800" dirty="0" smtClean="0">
                 <a:latin typeface="メイリオ" panose="020B0604030504040204" pitchFamily="50" charset="-128"/>
                 <a:ea typeface="メイリオ" panose="020B0604030504040204" pitchFamily="50" charset="-128"/>
-                <a:cs typeface="Arial" panose="020B0604020202020204" pitchFamily="34" charset="0"/>
-              </a:rPr>
-              <a:t>複数のassert文が存在する</a:t>
-            </a:r>
-            <a:endParaRPr b="1" dirty="0">
+              </a:rPr>
+              <a:t>複数の</a:t>
+            </a:r>
+            <a:r>
+              <a:rPr lang="en-US" altLang="ja-JP" sz="2800" dirty="0" smtClean="0">
+                <a:latin typeface="メイリオ" panose="020B0604030504040204" pitchFamily="50" charset="-128"/>
+                <a:ea typeface="メイリオ" panose="020B0604030504040204" pitchFamily="50" charset="-128"/>
+              </a:rPr>
+              <a:t>assert</a:t>
+            </a:r>
+            <a:r>
+              <a:rPr lang="ja-JP" altLang="en-US" sz="2800" dirty="0" smtClean="0">
+                <a:latin typeface="メイリオ" panose="020B0604030504040204" pitchFamily="50" charset="-128"/>
+                <a:ea typeface="メイリオ" panose="020B0604030504040204" pitchFamily="50" charset="-128"/>
+              </a:rPr>
+              <a:t>文が存在する</a:t>
+            </a:r>
+            <a:endParaRPr lang="ja-JP" altLang="en-US" sz="2800" dirty="0">
               <a:latin typeface="メイリオ" panose="020B0604030504040204" pitchFamily="50" charset="-128"/>
               <a:ea typeface="メイリオ" panose="020B0604030504040204" pitchFamily="50" charset="-128"/>
-              <a:cs typeface="Arial" panose="020B0604020202020204" pitchFamily="34" charset="0"/>
             </a:endParaRPr>
           </a:p>
         </p:txBody>
@@ -27573,53 +27567,7 @@
       </p:grpSpPr>
       <p:sp>
         <p:nvSpPr>
-          <p:cNvPr id="3" name="タイトル 2"/>
-          <p:cNvSpPr>
-            <a:spLocks noGrp="1"/>
-          </p:cNvSpPr>
-          <p:nvPr>
-            <p:ph type="title"/>
-          </p:nvPr>
-        </p:nvSpPr>
-        <p:spPr>
-          <a:xfrm>
-            <a:off x="221598" y="219428"/>
-            <a:ext cx="6991371" cy="729386"/>
-          </a:xfrm>
-        </p:spPr>
-        <p:txBody>
-          <a:bodyPr>
-            <a:normAutofit fontScale="90000"/>
-          </a:bodyPr>
-          <a:lstStyle/>
-          <a:p>
-            <a:r>
-              <a:rPr lang="en-US" altLang="ja-JP" i="1" dirty="0"/>
-              <a:t>Mystery Guest</a:t>
-            </a:r>
-            <a:r>
-              <a:rPr lang="ja-JP" altLang="en-US" i="1" dirty="0"/>
-              <a:t> </a:t>
-            </a:r>
-            <a:r>
-              <a:rPr lang="en-US" altLang="ja-JP" dirty="0"/>
-              <a:t>(</a:t>
-            </a:r>
-            <a:r>
-              <a:rPr lang="ja-JP" altLang="en-US" dirty="0"/>
-              <a:t>ミステリー・ゲスト</a:t>
-            </a:r>
-            <a:r>
-              <a:rPr lang="en-US" altLang="ja-JP" dirty="0"/>
-              <a:t>)</a:t>
-            </a:r>
-            <a:endParaRPr kumimoji="1" lang="ja-JP" altLang="en-US" dirty="0"/>
-          </a:p>
-        </p:txBody>
-      </p:sp>
-      <p:sp>
-        <p:nvSpPr>
-          <p:cNvPr id="4" name="コンテンツ プレースホルダー 2"/>
+          <p:cNvPr id="2" name="コンテンツ プレースホルダー 1"/>
           <p:cNvSpPr>
             <a:spLocks noGrp="1"/>
           </p:cNvSpPr>
@@ -27629,8 +27577,8 @@
         </p:nvSpPr>
         <p:spPr>
           <a:xfrm>
-            <a:off x="838200" y="1467809"/>
-            <a:ext cx="10515600" cy="1746250"/>
+            <a:off x="838200" y="1288075"/>
+            <a:ext cx="10382250" cy="1317625"/>
           </a:xfrm>
         </p:spPr>
         <p:txBody>
@@ -27638,439 +27586,840 @@
           <a:lstStyle/>
           <a:p>
             <a:r>
-              <a:rPr lang="ja-JP" altLang="en-US" b="1" dirty="0"/>
-              <a:t>テストメソッド内</a:t>
-            </a:r>
-            <a:r>
-              <a:rPr lang="ja-JP" altLang="en-US" b="1" dirty="0" smtClean="0"/>
-              <a:t>で、外部</a:t>
-            </a:r>
-            <a:r>
-              <a:rPr lang="ja-JP" altLang="en-US" b="1" dirty="0"/>
-              <a:t>リソースを利用</a:t>
-            </a:r>
-            <a:r>
-              <a:rPr lang="ja-JP" altLang="en-US" b="1" dirty="0" smtClean="0"/>
-              <a:t>する</a:t>
-            </a:r>
-            <a:endParaRPr lang="en-US" altLang="ja-JP" b="1" dirty="0" smtClean="0"/>
+              <a:rPr lang="ja-JP" altLang="en-US" dirty="0"/>
+              <a:t>テストメソッド内に複数の制御文が含まれている</a:t>
+            </a:r>
+            <a:endParaRPr lang="en-US" altLang="ja-JP" dirty="0"/>
           </a:p>
           <a:p>
             <a:pPr lvl="1"/>
             <a:r>
               <a:rPr lang="ja-JP" altLang="en-US" dirty="0"/>
-              <a:t>テストメソッド内だけでなく外部ファイルなど、外部リソースを使用すると見えない依存関係が生じる</a:t>
-            </a:r>
-          </a:p>
-          <a:p>
-            <a:pPr lvl="1"/>
+              <a:t>テストの成功・失敗は制御フロー内にある</a:t>
+            </a:r>
+            <a:r>
+              <a:rPr lang="en-US" altLang="ja-JP" dirty="0"/>
+              <a:t>assert</a:t>
+            </a:r>
             <a:r>
               <a:rPr lang="ja-JP" altLang="en-US" dirty="0"/>
-              <a:t>誰かが、外部ファイルを削除するとテストが失敗してしまう</a:t>
-            </a:r>
-          </a:p>
-          <a:p>
-            <a:pPr lvl="1"/>
+              <a:t>文に基づく</a:t>
+            </a:r>
+            <a:r>
+              <a:rPr lang="ja-JP" altLang="en-US" dirty="0" smtClean="0"/>
+              <a:t>ため結果を予測</a:t>
+            </a:r>
+            <a:r>
+              <a:rPr lang="ja-JP" altLang="en-US" dirty="0"/>
+              <a:t>できない</a:t>
+            </a:r>
+          </a:p>
+          <a:p>
             <a:endParaRPr kumimoji="1" lang="ja-JP" altLang="en-US" dirty="0"/>
           </a:p>
         </p:txBody>
       </p:sp>
       <p:sp>
         <p:nvSpPr>
-          <p:cNvPr id="5" name="Google Shape;137;p22"/>
+          <p:cNvPr id="3" name="タイトル 2"/>
+          <p:cNvSpPr>
+            <a:spLocks noGrp="1"/>
+          </p:cNvSpPr>
+          <p:nvPr>
+            <p:ph type="title"/>
+          </p:nvPr>
+        </p:nvSpPr>
+        <p:spPr/>
+        <p:txBody>
+          <a:bodyPr/>
+          <a:lstStyle/>
+          <a:p>
+            <a:r>
+              <a:rPr lang="en-US" altLang="ja-JP" i="1" dirty="0"/>
+              <a:t>Conditional Test </a:t>
+            </a:r>
+            <a:r>
+              <a:rPr lang="en-US" altLang="ja-JP" i="1" dirty="0" smtClean="0"/>
+              <a:t>Logic </a:t>
+            </a:r>
+            <a:endParaRPr kumimoji="1" lang="ja-JP" altLang="en-US" i="1" dirty="0"/>
+          </a:p>
+        </p:txBody>
+      </p:sp>
+      <p:sp>
+        <p:nvSpPr>
+          <p:cNvPr id="4" name="正方形/長方形 3"/>
           <p:cNvSpPr/>
           <p:nvPr/>
         </p:nvSpPr>
         <p:spPr>
           <a:xfrm>
-            <a:off x="838200" y="3766728"/>
-            <a:ext cx="8374137" cy="2066706"/>
+            <a:off x="1085850" y="2653998"/>
+            <a:ext cx="8105321" cy="3647152"/>
           </a:xfrm>
           <a:prstGeom prst="rect">
             <a:avLst/>
           </a:prstGeom>
           <a:solidFill>
-            <a:srgbClr val="F3F3F3"/>
+            <a:schemeClr val="accent2">
+              <a:lumMod val="20000"/>
+              <a:lumOff val="80000"/>
+            </a:schemeClr>
           </a:solidFill>
-          <a:ln w="9525" cap="flat" cmpd="sng">
-            <a:solidFill>
-              <a:srgbClr val="595959"/>
-            </a:solidFill>
-            <a:prstDash val="solid"/>
-            <a:round/>
-            <a:headEnd type="none" w="sm" len="sm"/>
-            <a:tailEnd type="none" w="sm" len="sm"/>
-          </a:ln>
         </p:spPr>
         <p:txBody>
-          <a:bodyPr spcFirstLastPara="1" wrap="square" lIns="91425" tIns="91425" rIns="91425" bIns="91425" anchor="t" anchorCtr="0">
-            <a:noAutofit/>
+          <a:bodyPr wrap="square">
+            <a:spAutoFit/>
           </a:bodyPr>
           <a:lstStyle/>
           <a:p>
-            <a:pPr marL="0" lvl="0" indent="0" algn="l" rtl="0">
-              <a:lnSpc>
-                <a:spcPct val="115000"/>
-              </a:lnSpc>
-              <a:spcBef>
-                <a:spcPts val="0"/>
-              </a:spcBef>
-              <a:spcAft>
-                <a:spcPts val="0"/>
-              </a:spcAft>
-              <a:buClr>
-                <a:srgbClr val="000000"/>
-              </a:buClr>
-              <a:buSzPts val="1100"/>
-              <a:buFont typeface="Arial"/>
-              <a:buNone/>
-            </a:pPr>
-            <a:r>
-              <a:rPr lang="ja" b="1" dirty="0">
-                <a:solidFill>
-                  <a:srgbClr val="000000"/>
-                </a:solidFill>
-                <a:latin typeface="Consolas"/>
-                <a:ea typeface="Consolas"/>
-                <a:cs typeface="Consolas"/>
-                <a:sym typeface="Consolas"/>
-              </a:rPr>
-              <a:t>public void testPersistence() {</a:t>
-            </a:r>
-            <a:endParaRPr b="1" dirty="0">
-              <a:solidFill>
-                <a:srgbClr val="000000"/>
-              </a:solidFill>
-              <a:latin typeface="Consolas"/>
-              <a:ea typeface="Consolas"/>
-              <a:cs typeface="Consolas"/>
-              <a:sym typeface="Consolas"/>
+            <a:r>
+              <a:rPr lang="en-US" altLang="ja-JP" sz="1050" b="1" dirty="0" smtClean="0">
+                <a:latin typeface="Consolas" panose="020B0609020204030204" pitchFamily="49" charset="0"/>
+              </a:rPr>
+              <a:t>@Test</a:t>
+            </a:r>
+          </a:p>
+          <a:p>
+            <a:r>
+              <a:rPr lang="en-US" altLang="ja-JP" sz="1050" b="1" dirty="0" smtClean="0">
+                <a:latin typeface="Consolas" panose="020B0609020204030204" pitchFamily="49" charset="0"/>
+              </a:rPr>
+              <a:t>public void </a:t>
+            </a:r>
+            <a:r>
+              <a:rPr lang="en-US" altLang="ja-JP" sz="1050" b="1" dirty="0" err="1" smtClean="0">
+                <a:latin typeface="Consolas" panose="020B0609020204030204" pitchFamily="49" charset="0"/>
+              </a:rPr>
+              <a:t>testSpinner</a:t>
+            </a:r>
+            <a:r>
+              <a:rPr lang="en-US" altLang="ja-JP" sz="1050" b="1" dirty="0" smtClean="0">
+                <a:latin typeface="Consolas" panose="020B0609020204030204" pitchFamily="49" charset="0"/>
+              </a:rPr>
+              <a:t>() {</a:t>
+            </a:r>
+          </a:p>
+          <a:p>
+            <a:r>
+              <a:rPr lang="en-US" altLang="ja-JP" sz="1050" b="1" dirty="0" smtClean="0">
+                <a:latin typeface="Consolas" panose="020B0609020204030204" pitchFamily="49" charset="0"/>
+              </a:rPr>
+              <a:t>    for (</a:t>
+            </a:r>
+            <a:r>
+              <a:rPr lang="en-US" altLang="ja-JP" sz="1050" b="1" dirty="0" err="1" smtClean="0">
+                <a:latin typeface="Consolas" panose="020B0609020204030204" pitchFamily="49" charset="0"/>
+              </a:rPr>
+              <a:t>Map.Entry</a:t>
+            </a:r>
+            <a:r>
+              <a:rPr lang="en-US" altLang="ja-JP" sz="1050" b="1" dirty="0" smtClean="0">
+                <a:latin typeface="Consolas" panose="020B0609020204030204" pitchFamily="49" charset="0"/>
+              </a:rPr>
+              <a:t> entry : </a:t>
+            </a:r>
+            <a:r>
+              <a:rPr lang="en-US" altLang="ja-JP" sz="1050" b="1" dirty="0" err="1" smtClean="0">
+                <a:latin typeface="Consolas" panose="020B0609020204030204" pitchFamily="49" charset="0"/>
+              </a:rPr>
+              <a:t>sourcesMap.entrySet</a:t>
+            </a:r>
+            <a:r>
+              <a:rPr lang="en-US" altLang="ja-JP" sz="1050" b="1" dirty="0" smtClean="0">
+                <a:latin typeface="Consolas" panose="020B0609020204030204" pitchFamily="49" charset="0"/>
+              </a:rPr>
+              <a:t>()) {</a:t>
+            </a:r>
+          </a:p>
+          <a:p>
+            <a:endParaRPr lang="en-US" altLang="ja-JP" sz="1050" b="1" dirty="0" smtClean="0">
+              <a:latin typeface="Consolas" panose="020B0609020204030204" pitchFamily="49" charset="0"/>
             </a:endParaRPr>
           </a:p>
           <a:p>
-            <a:pPr marL="0" lvl="0" indent="0" algn="l" rtl="0">
-              <a:lnSpc>
-                <a:spcPct val="115000"/>
-              </a:lnSpc>
-              <a:spcBef>
-                <a:spcPts val="0"/>
-              </a:spcBef>
-              <a:spcAft>
-                <a:spcPts val="0"/>
-              </a:spcAft>
-              <a:buClr>
-                <a:srgbClr val="000000"/>
-              </a:buClr>
-              <a:buSzPts val="1100"/>
-              <a:buFont typeface="Arial"/>
-              <a:buNone/>
-            </a:pPr>
-            <a:r>
-              <a:rPr lang="ja" b="1" dirty="0">
-                <a:solidFill>
-                  <a:srgbClr val="000000"/>
-                </a:solidFill>
-                <a:latin typeface="Consolas"/>
-                <a:ea typeface="Consolas"/>
-                <a:cs typeface="Consolas"/>
-                <a:sym typeface="Consolas"/>
-              </a:rPr>
-              <a:t>    .....   </a:t>
-            </a:r>
-            <a:endParaRPr b="1" dirty="0">
-              <a:solidFill>
-                <a:srgbClr val="000000"/>
-              </a:solidFill>
-              <a:latin typeface="Consolas"/>
-              <a:ea typeface="Consolas"/>
-              <a:cs typeface="Consolas"/>
-              <a:sym typeface="Consolas"/>
-            </a:endParaRPr>
-          </a:p>
-          <a:p>
-            <a:pPr marL="0" lvl="0" indent="0" algn="l" rtl="0">
-              <a:lnSpc>
-                <a:spcPct val="115000"/>
-              </a:lnSpc>
-              <a:spcBef>
-                <a:spcPts val="0"/>
-              </a:spcBef>
-              <a:spcAft>
-                <a:spcPts val="0"/>
-              </a:spcAft>
-              <a:buClr>
-                <a:srgbClr val="000000"/>
-              </a:buClr>
-              <a:buSzPts val="1100"/>
-              <a:buFont typeface="Arial"/>
-              <a:buNone/>
-            </a:pPr>
-            <a:r>
-              <a:rPr lang="ja" b="1" dirty="0">
-                <a:solidFill>
-                  <a:srgbClr val="000000"/>
-                </a:solidFill>
-                <a:latin typeface="Consolas"/>
-                <a:ea typeface="Consolas"/>
-                <a:cs typeface="Consolas"/>
-                <a:sym typeface="Consolas"/>
-              </a:rPr>
-              <a:t>    File tempFile = File.createTempFile("systemstate-", ".txt");</a:t>
-            </a:r>
-            <a:endParaRPr b="1" dirty="0">
-              <a:solidFill>
-                <a:srgbClr val="000000"/>
-              </a:solidFill>
-              <a:latin typeface="Consolas"/>
-              <a:ea typeface="Consolas"/>
-              <a:cs typeface="Consolas"/>
-              <a:sym typeface="Consolas"/>
-            </a:endParaRPr>
-          </a:p>
-          <a:p>
-            <a:pPr marL="0" lvl="0" indent="0" algn="l" rtl="0">
-              <a:lnSpc>
-                <a:spcPct val="115000"/>
-              </a:lnSpc>
-              <a:spcBef>
-                <a:spcPts val="0"/>
-              </a:spcBef>
-              <a:spcAft>
-                <a:spcPts val="0"/>
-              </a:spcAft>
-              <a:buClr>
-                <a:srgbClr val="000000"/>
-              </a:buClr>
-              <a:buSzPts val="1100"/>
-              <a:buFont typeface="Arial"/>
-              <a:buNone/>
-            </a:pPr>
-            <a:r>
-              <a:rPr lang="ja" b="1" dirty="0">
-                <a:solidFill>
-                  <a:srgbClr val="000000"/>
-                </a:solidFill>
-                <a:latin typeface="Consolas"/>
-                <a:ea typeface="Consolas"/>
-                <a:cs typeface="Consolas"/>
-                <a:sym typeface="Consolas"/>
-              </a:rPr>
-              <a:t>    .....</a:t>
-            </a:r>
-            <a:endParaRPr b="1" dirty="0">
-              <a:solidFill>
-                <a:srgbClr val="000000"/>
-              </a:solidFill>
-              <a:latin typeface="Consolas"/>
-              <a:ea typeface="Consolas"/>
-              <a:cs typeface="Consolas"/>
-              <a:sym typeface="Consolas"/>
-            </a:endParaRPr>
-          </a:p>
-          <a:p>
-            <a:pPr marL="0" lvl="0" indent="0" algn="l" rtl="0">
-              <a:lnSpc>
-                <a:spcPct val="115000"/>
-              </a:lnSpc>
-              <a:spcBef>
-                <a:spcPts val="0"/>
-              </a:spcBef>
-              <a:spcAft>
-                <a:spcPts val="0"/>
-              </a:spcAft>
-              <a:buClr>
-                <a:srgbClr val="000000"/>
-              </a:buClr>
-              <a:buSzPts val="1100"/>
-              <a:buFont typeface="Arial"/>
-              <a:buNone/>
-            </a:pPr>
-            <a:r>
-              <a:rPr lang="ja" b="1" dirty="0">
-                <a:solidFill>
-                  <a:srgbClr val="000000"/>
-                </a:solidFill>
-                <a:latin typeface="Consolas"/>
-                <a:ea typeface="Consolas"/>
-                <a:cs typeface="Consolas"/>
-                <a:sym typeface="Consolas"/>
+            <a:r>
+              <a:rPr lang="en-US" altLang="ja-JP" sz="1050" b="1" dirty="0" smtClean="0">
+                <a:latin typeface="Consolas" panose="020B0609020204030204" pitchFamily="49" charset="0"/>
+              </a:rPr>
+              <a:t>        String id = </a:t>
+            </a:r>
+            <a:r>
+              <a:rPr lang="en-US" altLang="ja-JP" sz="1050" b="1" dirty="0" err="1" smtClean="0">
+                <a:latin typeface="Consolas" panose="020B0609020204030204" pitchFamily="49" charset="0"/>
+              </a:rPr>
+              <a:t>entry.getKey</a:t>
+            </a:r>
+            <a:r>
+              <a:rPr lang="en-US" altLang="ja-JP" sz="1050" b="1" dirty="0" smtClean="0">
+                <a:latin typeface="Consolas" panose="020B0609020204030204" pitchFamily="49" charset="0"/>
+              </a:rPr>
+              <a:t>();</a:t>
+            </a:r>
+          </a:p>
+          <a:p>
+            <a:r>
+              <a:rPr lang="en-US" altLang="ja-JP" sz="1050" b="1" dirty="0" smtClean="0">
+                <a:latin typeface="Consolas" panose="020B0609020204030204" pitchFamily="49" charset="0"/>
+              </a:rPr>
+              <a:t>        Object </a:t>
+            </a:r>
+            <a:r>
+              <a:rPr lang="en-US" altLang="ja-JP" sz="1050" b="1" dirty="0" err="1" smtClean="0">
+                <a:latin typeface="Consolas" panose="020B0609020204030204" pitchFamily="49" charset="0"/>
+              </a:rPr>
+              <a:t>resultObject</a:t>
+            </a:r>
+            <a:r>
+              <a:rPr lang="en-US" altLang="ja-JP" sz="1050" b="1" dirty="0" smtClean="0">
+                <a:latin typeface="Consolas" panose="020B0609020204030204" pitchFamily="49" charset="0"/>
+              </a:rPr>
+              <a:t> = </a:t>
+            </a:r>
+            <a:r>
+              <a:rPr lang="en-US" altLang="ja-JP" sz="1050" b="1" dirty="0" err="1" smtClean="0">
+                <a:latin typeface="Consolas" panose="020B0609020204030204" pitchFamily="49" charset="0"/>
+              </a:rPr>
+              <a:t>resultsMap.get</a:t>
+            </a:r>
+            <a:r>
+              <a:rPr lang="en-US" altLang="ja-JP" sz="1050" b="1" dirty="0" smtClean="0">
+                <a:latin typeface="Consolas" panose="020B0609020204030204" pitchFamily="49" charset="0"/>
+              </a:rPr>
+              <a:t>(id);</a:t>
+            </a:r>
+          </a:p>
+          <a:p>
+            <a:r>
+              <a:rPr lang="en-US" altLang="ja-JP" sz="1050" b="1" dirty="0" smtClean="0">
+                <a:latin typeface="Consolas" panose="020B0609020204030204" pitchFamily="49" charset="0"/>
+              </a:rPr>
+              <a:t>        if (</a:t>
+            </a:r>
+            <a:r>
+              <a:rPr lang="en-US" altLang="ja-JP" sz="1050" b="1" dirty="0" err="1" smtClean="0">
+                <a:latin typeface="Consolas" panose="020B0609020204030204" pitchFamily="49" charset="0"/>
+              </a:rPr>
+              <a:t>resultObject</a:t>
+            </a:r>
+            <a:r>
+              <a:rPr lang="en-US" altLang="ja-JP" sz="1050" b="1" dirty="0" smtClean="0">
+                <a:latin typeface="Consolas" panose="020B0609020204030204" pitchFamily="49" charset="0"/>
+              </a:rPr>
+              <a:t> </a:t>
+            </a:r>
+            <a:r>
+              <a:rPr lang="en-US" altLang="ja-JP" sz="1050" b="1" dirty="0" err="1" smtClean="0">
+                <a:latin typeface="Consolas" panose="020B0609020204030204" pitchFamily="49" charset="0"/>
+              </a:rPr>
+              <a:t>instanceof</a:t>
+            </a:r>
+            <a:r>
+              <a:rPr lang="en-US" altLang="ja-JP" sz="1050" b="1" dirty="0" smtClean="0">
+                <a:latin typeface="Consolas" panose="020B0609020204030204" pitchFamily="49" charset="0"/>
+              </a:rPr>
+              <a:t> </a:t>
+            </a:r>
+            <a:r>
+              <a:rPr lang="en-US" altLang="ja-JP" sz="1050" b="1" dirty="0" err="1" smtClean="0">
+                <a:latin typeface="Consolas" panose="020B0609020204030204" pitchFamily="49" charset="0"/>
+              </a:rPr>
+              <a:t>EventsModel</a:t>
+            </a:r>
+            <a:r>
+              <a:rPr lang="en-US" altLang="ja-JP" sz="1050" b="1" dirty="0" smtClean="0">
+                <a:latin typeface="Consolas" panose="020B0609020204030204" pitchFamily="49" charset="0"/>
+              </a:rPr>
+              <a:t>) {</a:t>
+            </a:r>
+          </a:p>
+          <a:p>
+            <a:r>
+              <a:rPr lang="en-US" altLang="ja-JP" sz="1050" b="1" dirty="0" smtClean="0">
+                <a:latin typeface="Consolas" panose="020B0609020204030204" pitchFamily="49" charset="0"/>
+              </a:rPr>
+              <a:t>            </a:t>
+            </a:r>
+            <a:r>
+              <a:rPr lang="en-US" altLang="ja-JP" sz="1050" b="1" dirty="0" err="1" smtClean="0">
+                <a:latin typeface="Consolas" panose="020B0609020204030204" pitchFamily="49" charset="0"/>
+              </a:rPr>
+              <a:t>EventsModel</a:t>
+            </a:r>
+            <a:r>
+              <a:rPr lang="en-US" altLang="ja-JP" sz="1050" b="1" dirty="0" smtClean="0">
+                <a:latin typeface="Consolas" panose="020B0609020204030204" pitchFamily="49" charset="0"/>
+              </a:rPr>
+              <a:t> result = (</a:t>
+            </a:r>
+            <a:r>
+              <a:rPr lang="en-US" altLang="ja-JP" sz="1050" b="1" dirty="0" err="1" smtClean="0">
+                <a:latin typeface="Consolas" panose="020B0609020204030204" pitchFamily="49" charset="0"/>
+              </a:rPr>
+              <a:t>EventsModel</a:t>
+            </a:r>
+            <a:r>
+              <a:rPr lang="en-US" altLang="ja-JP" sz="1050" b="1" dirty="0" smtClean="0">
+                <a:latin typeface="Consolas" panose="020B0609020204030204" pitchFamily="49" charset="0"/>
+              </a:rPr>
+              <a:t>) </a:t>
+            </a:r>
+            <a:r>
+              <a:rPr lang="en-US" altLang="ja-JP" sz="1050" b="1" dirty="0" err="1" smtClean="0">
+                <a:latin typeface="Consolas" panose="020B0609020204030204" pitchFamily="49" charset="0"/>
+              </a:rPr>
+              <a:t>resultObject</a:t>
+            </a:r>
+            <a:r>
+              <a:rPr lang="en-US" altLang="ja-JP" sz="1050" b="1" dirty="0" smtClean="0">
+                <a:latin typeface="Consolas" panose="020B0609020204030204" pitchFamily="49" charset="0"/>
+              </a:rPr>
+              <a:t>;</a:t>
+            </a:r>
+          </a:p>
+          <a:p>
+            <a:r>
+              <a:rPr lang="en-US" altLang="ja-JP" sz="1050" b="1" dirty="0" smtClean="0">
+                <a:latin typeface="Consolas" panose="020B0609020204030204" pitchFamily="49" charset="0"/>
+              </a:rPr>
+              <a:t>            if (</a:t>
+            </a:r>
+            <a:r>
+              <a:rPr lang="en-US" altLang="ja-JP" sz="1050" b="1" dirty="0" err="1" smtClean="0">
+                <a:latin typeface="Consolas" panose="020B0609020204030204" pitchFamily="49" charset="0"/>
+              </a:rPr>
+              <a:t>result.testSpinner.runTest</a:t>
+            </a:r>
+            <a:r>
+              <a:rPr lang="en-US" altLang="ja-JP" sz="1050" b="1" dirty="0" smtClean="0">
+                <a:latin typeface="Consolas" panose="020B0609020204030204" pitchFamily="49" charset="0"/>
+              </a:rPr>
+              <a:t>) {</a:t>
+            </a:r>
+          </a:p>
+          <a:p>
+            <a:r>
+              <a:rPr lang="en-US" altLang="ja-JP" sz="1050" b="1" dirty="0" smtClean="0">
+                <a:latin typeface="Consolas" panose="020B0609020204030204" pitchFamily="49" charset="0"/>
+              </a:rPr>
+              <a:t>                </a:t>
+            </a:r>
+            <a:r>
+              <a:rPr lang="en-US" altLang="ja-JP" sz="1050" b="1" dirty="0" err="1" smtClean="0">
+                <a:latin typeface="Consolas" panose="020B0609020204030204" pitchFamily="49" charset="0"/>
+              </a:rPr>
+              <a:t>System.out.println</a:t>
+            </a:r>
+            <a:r>
+              <a:rPr lang="en-US" altLang="ja-JP" sz="1050" b="1" dirty="0" smtClean="0">
+                <a:latin typeface="Consolas" panose="020B0609020204030204" pitchFamily="49" charset="0"/>
+              </a:rPr>
+              <a:t>("Testing " + id + " (</a:t>
+            </a:r>
+            <a:r>
+              <a:rPr lang="en-US" altLang="ja-JP" sz="1050" b="1" dirty="0" err="1" smtClean="0">
+                <a:latin typeface="Consolas" panose="020B0609020204030204" pitchFamily="49" charset="0"/>
+              </a:rPr>
+              <a:t>testSpinner</a:t>
+            </a:r>
+            <a:r>
+              <a:rPr lang="en-US" altLang="ja-JP" sz="1050" b="1" dirty="0" smtClean="0">
+                <a:latin typeface="Consolas" panose="020B0609020204030204" pitchFamily="49" charset="0"/>
+              </a:rPr>
+              <a:t>)");</a:t>
+            </a:r>
+          </a:p>
+          <a:p>
+            <a:r>
+              <a:rPr lang="en-US" altLang="ja-JP" sz="1050" b="1" dirty="0" smtClean="0">
+                <a:latin typeface="Consolas" panose="020B0609020204030204" pitchFamily="49" charset="0"/>
+              </a:rPr>
+              <a:t>                //</a:t>
+            </a:r>
+            <a:r>
+              <a:rPr lang="en-US" altLang="ja-JP" sz="1050" b="1" dirty="0" err="1" smtClean="0">
+                <a:latin typeface="Consolas" panose="020B0609020204030204" pitchFamily="49" charset="0"/>
+              </a:rPr>
+              <a:t>System.out.println</a:t>
+            </a:r>
+            <a:r>
+              <a:rPr lang="en-US" altLang="ja-JP" sz="1050" b="1" dirty="0" smtClean="0">
+                <a:latin typeface="Consolas" panose="020B0609020204030204" pitchFamily="49" charset="0"/>
+              </a:rPr>
+              <a:t>(result);</a:t>
+            </a:r>
+          </a:p>
+          <a:p>
+            <a:r>
+              <a:rPr lang="en-US" altLang="ja-JP" sz="1050" b="1" dirty="0" smtClean="0">
+                <a:latin typeface="Consolas" panose="020B0609020204030204" pitchFamily="49" charset="0"/>
+              </a:rPr>
+              <a:t>                </a:t>
+            </a:r>
+            <a:r>
+              <a:rPr lang="en-US" altLang="ja-JP" sz="1050" b="1" dirty="0" err="1" smtClean="0">
+                <a:latin typeface="Consolas" panose="020B0609020204030204" pitchFamily="49" charset="0"/>
+              </a:rPr>
+              <a:t>AnswerObject</a:t>
+            </a:r>
+            <a:r>
+              <a:rPr lang="en-US" altLang="ja-JP" sz="1050" b="1" dirty="0" smtClean="0">
+                <a:latin typeface="Consolas" panose="020B0609020204030204" pitchFamily="49" charset="0"/>
+              </a:rPr>
+              <a:t> answer = new </a:t>
+            </a:r>
+            <a:r>
+              <a:rPr lang="en-US" altLang="ja-JP" sz="1050" b="1" dirty="0" err="1" smtClean="0">
+                <a:latin typeface="Consolas" panose="020B0609020204030204" pitchFamily="49" charset="0"/>
+              </a:rPr>
+              <a:t>AnswerObject</a:t>
+            </a:r>
+            <a:r>
+              <a:rPr lang="en-US" altLang="ja-JP" sz="1050" b="1" dirty="0" smtClean="0">
+                <a:latin typeface="Consolas" panose="020B0609020204030204" pitchFamily="49" charset="0"/>
+              </a:rPr>
+              <a:t>(</a:t>
+            </a:r>
+            <a:r>
+              <a:rPr lang="en-US" altLang="ja-JP" sz="1050" b="1" dirty="0" err="1" smtClean="0">
+                <a:latin typeface="Consolas" panose="020B0609020204030204" pitchFamily="49" charset="0"/>
+              </a:rPr>
+              <a:t>entry.getValue</a:t>
+            </a:r>
+            <a:r>
+              <a:rPr lang="en-US" altLang="ja-JP" sz="1050" b="1" dirty="0" smtClean="0">
+                <a:latin typeface="Consolas" panose="020B0609020204030204" pitchFamily="49" charset="0"/>
+              </a:rPr>
+              <a:t>(), "", new </a:t>
+            </a:r>
+            <a:r>
+              <a:rPr lang="en-US" altLang="ja-JP" sz="1050" b="1" dirty="0" err="1" smtClean="0">
+                <a:latin typeface="Consolas" panose="020B0609020204030204" pitchFamily="49" charset="0"/>
+              </a:rPr>
+              <a:t>CookieManager</a:t>
+            </a:r>
+            <a:r>
+              <a:rPr lang="en-US" altLang="ja-JP" sz="1050" b="1" dirty="0" smtClean="0">
+                <a:latin typeface="Consolas" panose="020B0609020204030204" pitchFamily="49" charset="0"/>
+              </a:rPr>
+              <a:t>(), "");</a:t>
+            </a:r>
+          </a:p>
+          <a:p>
+            <a:r>
+              <a:rPr lang="en-US" altLang="ja-JP" sz="1050" b="1" dirty="0" smtClean="0">
+                <a:latin typeface="Consolas" panose="020B0609020204030204" pitchFamily="49" charset="0"/>
+              </a:rPr>
+              <a:t>                </a:t>
+            </a:r>
+            <a:r>
+              <a:rPr lang="en-US" altLang="ja-JP" sz="1050" b="1" dirty="0" err="1" smtClean="0">
+                <a:latin typeface="Consolas" panose="020B0609020204030204" pitchFamily="49" charset="0"/>
+              </a:rPr>
+              <a:t>EventsScraper</a:t>
+            </a:r>
+            <a:r>
+              <a:rPr lang="en-US" altLang="ja-JP" sz="1050" b="1" dirty="0" smtClean="0">
+                <a:latin typeface="Consolas" panose="020B0609020204030204" pitchFamily="49" charset="0"/>
+              </a:rPr>
+              <a:t> scraper = new </a:t>
+            </a:r>
+            <a:r>
+              <a:rPr lang="en-US" altLang="ja-JP" sz="1050" b="1" dirty="0" err="1" smtClean="0">
+                <a:latin typeface="Consolas" panose="020B0609020204030204" pitchFamily="49" charset="0"/>
+              </a:rPr>
+              <a:t>EventsScraper</a:t>
+            </a:r>
+            <a:r>
+              <a:rPr lang="en-US" altLang="ja-JP" sz="1050" b="1" dirty="0" smtClean="0">
+                <a:latin typeface="Consolas" panose="020B0609020204030204" pitchFamily="49" charset="0"/>
+              </a:rPr>
+              <a:t>(</a:t>
+            </a:r>
+            <a:r>
+              <a:rPr lang="en-US" altLang="ja-JP" sz="1050" b="1" dirty="0" err="1" smtClean="0">
+                <a:latin typeface="Consolas" panose="020B0609020204030204" pitchFamily="49" charset="0"/>
+              </a:rPr>
+              <a:t>RuntimeEnvironment.application</a:t>
+            </a:r>
+            <a:r>
+              <a:rPr lang="en-US" altLang="ja-JP" sz="1050" b="1" dirty="0" smtClean="0">
+                <a:latin typeface="Consolas" panose="020B0609020204030204" pitchFamily="49" charset="0"/>
+              </a:rPr>
+              <a:t>, answer);</a:t>
+            </a:r>
+          </a:p>
+          <a:p>
+            <a:r>
+              <a:rPr lang="en-US" altLang="ja-JP" sz="1050" b="1" dirty="0" smtClean="0">
+                <a:latin typeface="Consolas" panose="020B0609020204030204" pitchFamily="49" charset="0"/>
+              </a:rPr>
+              <a:t>                </a:t>
+            </a:r>
+            <a:r>
+              <a:rPr lang="en-US" altLang="ja-JP" sz="1050" b="1" dirty="0" err="1" smtClean="0">
+                <a:latin typeface="Consolas" panose="020B0609020204030204" pitchFamily="49" charset="0"/>
+              </a:rPr>
+              <a:t>SpinnerAdapter</a:t>
+            </a:r>
+            <a:r>
+              <a:rPr lang="en-US" altLang="ja-JP" sz="1050" b="1" dirty="0" smtClean="0">
+                <a:latin typeface="Consolas" panose="020B0609020204030204" pitchFamily="49" charset="0"/>
+              </a:rPr>
+              <a:t> </a:t>
+            </a:r>
+            <a:r>
+              <a:rPr lang="en-US" altLang="ja-JP" sz="1050" b="1" dirty="0" err="1" smtClean="0">
+                <a:latin typeface="Consolas" panose="020B0609020204030204" pitchFamily="49" charset="0"/>
+              </a:rPr>
+              <a:t>spinnerAdapter</a:t>
+            </a:r>
+            <a:r>
+              <a:rPr lang="en-US" altLang="ja-JP" sz="1050" b="1" dirty="0" smtClean="0">
+                <a:latin typeface="Consolas" panose="020B0609020204030204" pitchFamily="49" charset="0"/>
+              </a:rPr>
+              <a:t> = </a:t>
+            </a:r>
+            <a:r>
+              <a:rPr lang="en-US" altLang="ja-JP" sz="1050" b="1" dirty="0" err="1" smtClean="0">
+                <a:latin typeface="Consolas" panose="020B0609020204030204" pitchFamily="49" charset="0"/>
+              </a:rPr>
+              <a:t>scraper.spinnerAdapter</a:t>
+            </a:r>
+            <a:r>
+              <a:rPr lang="en-US" altLang="ja-JP" sz="1050" b="1" dirty="0" smtClean="0">
+                <a:latin typeface="Consolas" panose="020B0609020204030204" pitchFamily="49" charset="0"/>
+              </a:rPr>
+              <a:t>();</a:t>
+            </a:r>
+          </a:p>
+          <a:p>
+            <a:r>
+              <a:rPr lang="en-US" altLang="ja-JP" sz="1050" b="1" dirty="0" smtClean="0">
+                <a:latin typeface="Consolas" panose="020B0609020204030204" pitchFamily="49" charset="0"/>
+              </a:rPr>
+              <a:t>                </a:t>
+            </a:r>
+            <a:r>
+              <a:rPr lang="en-US" altLang="ja-JP" sz="1050" b="1" dirty="0" err="1" smtClean="0">
+                <a:latin typeface="Consolas" panose="020B0609020204030204" pitchFamily="49" charset="0"/>
+              </a:rPr>
+              <a:t>assertEquals</a:t>
+            </a:r>
+            <a:r>
+              <a:rPr lang="en-US" altLang="ja-JP" sz="1050" b="1" dirty="0" smtClean="0">
+                <a:latin typeface="Consolas" panose="020B0609020204030204" pitchFamily="49" charset="0"/>
+              </a:rPr>
+              <a:t>(</a:t>
+            </a:r>
+            <a:r>
+              <a:rPr lang="en-US" altLang="ja-JP" sz="1050" b="1" dirty="0" err="1" smtClean="0">
+                <a:latin typeface="Consolas" panose="020B0609020204030204" pitchFamily="49" charset="0"/>
+              </a:rPr>
+              <a:t>spinnerAdapter.getCount</a:t>
+            </a:r>
+            <a:r>
+              <a:rPr lang="en-US" altLang="ja-JP" sz="1050" b="1" dirty="0" smtClean="0">
+                <a:latin typeface="Consolas" panose="020B0609020204030204" pitchFamily="49" charset="0"/>
+              </a:rPr>
+              <a:t>(), </a:t>
+            </a:r>
+            <a:r>
+              <a:rPr lang="en-US" altLang="ja-JP" sz="1050" b="1" dirty="0" err="1" smtClean="0">
+                <a:latin typeface="Consolas" panose="020B0609020204030204" pitchFamily="49" charset="0"/>
+              </a:rPr>
+              <a:t>result.testSpinner.data.size</a:t>
+            </a:r>
+            <a:r>
+              <a:rPr lang="en-US" altLang="ja-JP" sz="1050" b="1" dirty="0" smtClean="0">
+                <a:latin typeface="Consolas" panose="020B0609020204030204" pitchFamily="49" charset="0"/>
+              </a:rPr>
+              <a:t>());</a:t>
+            </a:r>
+          </a:p>
+          <a:p>
+            <a:r>
+              <a:rPr lang="en-US" altLang="ja-JP" sz="1050" b="1" dirty="0" smtClean="0">
+                <a:latin typeface="Consolas" panose="020B0609020204030204" pitchFamily="49" charset="0"/>
+              </a:rPr>
+              <a:t>                for (</a:t>
+            </a:r>
+            <a:r>
+              <a:rPr lang="en-US" altLang="ja-JP" sz="1050" b="1" dirty="0" err="1" smtClean="0">
+                <a:latin typeface="Consolas" panose="020B0609020204030204" pitchFamily="49" charset="0"/>
+              </a:rPr>
+              <a:t>int</a:t>
+            </a:r>
+            <a:r>
+              <a:rPr lang="en-US" altLang="ja-JP" sz="1050" b="1" dirty="0" smtClean="0">
+                <a:latin typeface="Consolas" panose="020B0609020204030204" pitchFamily="49" charset="0"/>
+              </a:rPr>
+              <a:t> </a:t>
+            </a:r>
+            <a:r>
+              <a:rPr lang="en-US" altLang="ja-JP" sz="1050" b="1" dirty="0" err="1" smtClean="0">
+                <a:latin typeface="Consolas" panose="020B0609020204030204" pitchFamily="49" charset="0"/>
+              </a:rPr>
+              <a:t>i</a:t>
+            </a:r>
+            <a:r>
+              <a:rPr lang="en-US" altLang="ja-JP" sz="1050" b="1" dirty="0" smtClean="0">
+                <a:latin typeface="Consolas" panose="020B0609020204030204" pitchFamily="49" charset="0"/>
+              </a:rPr>
+              <a:t> = 0; </a:t>
+            </a:r>
+            <a:r>
+              <a:rPr lang="en-US" altLang="ja-JP" sz="1050" b="1" dirty="0" err="1" smtClean="0">
+                <a:latin typeface="Consolas" panose="020B0609020204030204" pitchFamily="49" charset="0"/>
+              </a:rPr>
+              <a:t>i</a:t>
+            </a:r>
+            <a:r>
+              <a:rPr lang="en-US" altLang="ja-JP" sz="1050" b="1" dirty="0" smtClean="0">
+                <a:latin typeface="Consolas" panose="020B0609020204030204" pitchFamily="49" charset="0"/>
+              </a:rPr>
+              <a:t> &lt; </a:t>
+            </a:r>
+            <a:r>
+              <a:rPr lang="en-US" altLang="ja-JP" sz="1050" b="1" dirty="0" err="1" smtClean="0">
+                <a:latin typeface="Consolas" panose="020B0609020204030204" pitchFamily="49" charset="0"/>
+              </a:rPr>
+              <a:t>spinnerAdapter.getCount</a:t>
+            </a:r>
+            <a:r>
+              <a:rPr lang="en-US" altLang="ja-JP" sz="1050" b="1" dirty="0" smtClean="0">
+                <a:latin typeface="Consolas" panose="020B0609020204030204" pitchFamily="49" charset="0"/>
+              </a:rPr>
+              <a:t>(); </a:t>
+            </a:r>
+            <a:r>
+              <a:rPr lang="en-US" altLang="ja-JP" sz="1050" b="1" dirty="0" err="1" smtClean="0">
+                <a:latin typeface="Consolas" panose="020B0609020204030204" pitchFamily="49" charset="0"/>
+              </a:rPr>
+              <a:t>i</a:t>
+            </a:r>
+            <a:r>
+              <a:rPr lang="en-US" altLang="ja-JP" sz="1050" b="1" dirty="0" smtClean="0">
+                <a:latin typeface="Consolas" panose="020B0609020204030204" pitchFamily="49" charset="0"/>
+              </a:rPr>
+              <a:t>++) {</a:t>
+            </a:r>
+          </a:p>
+          <a:p>
+            <a:r>
+              <a:rPr lang="en-US" altLang="ja-JP" sz="1050" b="1" dirty="0" smtClean="0">
+                <a:latin typeface="Consolas" panose="020B0609020204030204" pitchFamily="49" charset="0"/>
+              </a:rPr>
+              <a:t>                    </a:t>
+            </a:r>
+            <a:r>
+              <a:rPr lang="en-US" altLang="ja-JP" sz="1050" b="1" dirty="0" err="1" smtClean="0">
+                <a:latin typeface="Consolas" panose="020B0609020204030204" pitchFamily="49" charset="0"/>
+              </a:rPr>
+              <a:t>assertEquals</a:t>
+            </a:r>
+            <a:r>
+              <a:rPr lang="en-US" altLang="ja-JP" sz="1050" b="1" dirty="0" smtClean="0">
+                <a:latin typeface="Consolas" panose="020B0609020204030204" pitchFamily="49" charset="0"/>
+              </a:rPr>
+              <a:t>(</a:t>
+            </a:r>
+            <a:r>
+              <a:rPr lang="en-US" altLang="ja-JP" sz="1050" b="1" dirty="0" err="1" smtClean="0">
+                <a:latin typeface="Consolas" panose="020B0609020204030204" pitchFamily="49" charset="0"/>
+              </a:rPr>
+              <a:t>spinnerAdapter.getItem</a:t>
+            </a:r>
+            <a:r>
+              <a:rPr lang="en-US" altLang="ja-JP" sz="1050" b="1" dirty="0" smtClean="0">
+                <a:latin typeface="Consolas" panose="020B0609020204030204" pitchFamily="49" charset="0"/>
+              </a:rPr>
+              <a:t>(</a:t>
+            </a:r>
+            <a:r>
+              <a:rPr lang="en-US" altLang="ja-JP" sz="1050" b="1" dirty="0" err="1" smtClean="0">
+                <a:latin typeface="Consolas" panose="020B0609020204030204" pitchFamily="49" charset="0"/>
+              </a:rPr>
+              <a:t>i</a:t>
+            </a:r>
+            <a:r>
+              <a:rPr lang="en-US" altLang="ja-JP" sz="1050" b="1" dirty="0" smtClean="0">
+                <a:latin typeface="Consolas" panose="020B0609020204030204" pitchFamily="49" charset="0"/>
+              </a:rPr>
+              <a:t>), </a:t>
+            </a:r>
+            <a:r>
+              <a:rPr lang="en-US" altLang="ja-JP" sz="1050" b="1" dirty="0" err="1" smtClean="0">
+                <a:latin typeface="Consolas" panose="020B0609020204030204" pitchFamily="49" charset="0"/>
+              </a:rPr>
+              <a:t>result.testSpinner.data.get</a:t>
+            </a:r>
+            <a:r>
+              <a:rPr lang="en-US" altLang="ja-JP" sz="1050" b="1" dirty="0" smtClean="0">
+                <a:latin typeface="Consolas" panose="020B0609020204030204" pitchFamily="49" charset="0"/>
+              </a:rPr>
+              <a:t>(</a:t>
+            </a:r>
+            <a:r>
+              <a:rPr lang="en-US" altLang="ja-JP" sz="1050" b="1" dirty="0" err="1" smtClean="0">
+                <a:latin typeface="Consolas" panose="020B0609020204030204" pitchFamily="49" charset="0"/>
+              </a:rPr>
+              <a:t>i</a:t>
+            </a:r>
+            <a:r>
+              <a:rPr lang="en-US" altLang="ja-JP" sz="1050" b="1" dirty="0" smtClean="0">
+                <a:latin typeface="Consolas" panose="020B0609020204030204" pitchFamily="49" charset="0"/>
+              </a:rPr>
+              <a:t>));</a:t>
+            </a:r>
+          </a:p>
+          <a:p>
+            <a:r>
+              <a:rPr lang="en-US" altLang="ja-JP" sz="1050" b="1" dirty="0" smtClean="0">
+                <a:latin typeface="Consolas" panose="020B0609020204030204" pitchFamily="49" charset="0"/>
+              </a:rPr>
+              <a:t>                }</a:t>
+            </a:r>
+          </a:p>
+          <a:p>
+            <a:r>
+              <a:rPr lang="en-US" altLang="ja-JP" sz="1050" b="1" dirty="0" smtClean="0">
+                <a:latin typeface="Consolas" panose="020B0609020204030204" pitchFamily="49" charset="0"/>
+              </a:rPr>
+              <a:t>            }</a:t>
+            </a:r>
+          </a:p>
+          <a:p>
+            <a:r>
+              <a:rPr lang="en-US" altLang="ja-JP" sz="1050" b="1" dirty="0" smtClean="0">
+                <a:latin typeface="Consolas" panose="020B0609020204030204" pitchFamily="49" charset="0"/>
+              </a:rPr>
+              <a:t>         }</a:t>
+            </a:r>
+          </a:p>
+          <a:p>
+            <a:r>
+              <a:rPr lang="en-US" altLang="ja-JP" sz="1050" b="1" dirty="0" smtClean="0">
+                <a:latin typeface="Consolas" panose="020B0609020204030204" pitchFamily="49" charset="0"/>
+              </a:rPr>
+              <a:t>    }</a:t>
+            </a:r>
+          </a:p>
+          <a:p>
+            <a:r>
+              <a:rPr lang="en-US" altLang="ja-JP" sz="1050" b="1" dirty="0" smtClean="0">
+                <a:latin typeface="Consolas" panose="020B0609020204030204" pitchFamily="49" charset="0"/>
               </a:rPr>
               <a:t>}</a:t>
             </a:r>
-            <a:endParaRPr b="1" dirty="0">
-              <a:solidFill>
-                <a:srgbClr val="000000"/>
-              </a:solidFill>
-              <a:latin typeface="Consolas"/>
-              <a:ea typeface="Consolas"/>
-              <a:cs typeface="Consolas"/>
-              <a:sym typeface="Consolas"/>
-            </a:endParaRPr>
-          </a:p>
-          <a:p>
-            <a:pPr marL="0" lvl="0" indent="0" algn="l" rtl="0">
-              <a:lnSpc>
-                <a:spcPct val="115000"/>
-              </a:lnSpc>
-              <a:spcBef>
-                <a:spcPts val="0"/>
-              </a:spcBef>
-              <a:spcAft>
-                <a:spcPts val="0"/>
-              </a:spcAft>
-              <a:buClr>
-                <a:srgbClr val="000000"/>
-              </a:buClr>
-              <a:buSzPts val="1100"/>
-              <a:buFont typeface="Arial"/>
-              <a:buNone/>
-            </a:pPr>
-            <a:endParaRPr b="1" dirty="0">
-              <a:solidFill>
-                <a:srgbClr val="000000"/>
-              </a:solidFill>
-              <a:latin typeface="Consolas"/>
-              <a:ea typeface="Consolas"/>
-              <a:cs typeface="Consolas"/>
-              <a:sym typeface="Consolas"/>
+            <a:endParaRPr lang="ja-JP" altLang="en-US" sz="1050" b="1" dirty="0">
+              <a:latin typeface="Consolas" panose="020B0609020204030204" pitchFamily="49" charset="0"/>
             </a:endParaRPr>
           </a:p>
         </p:txBody>
       </p:sp>
       <p:sp>
         <p:nvSpPr>
-          <p:cNvPr id="6" name="Google Shape;138;p22"/>
+          <p:cNvPr id="5" name="正方形/長方形 4"/>
           <p:cNvSpPr/>
           <p:nvPr/>
         </p:nvSpPr>
         <p:spPr>
           <a:xfrm>
-            <a:off x="1341413" y="4488827"/>
-            <a:ext cx="7697812" cy="382581"/>
+            <a:off x="1700893" y="3661138"/>
+            <a:ext cx="6943725" cy="2274887"/>
           </a:xfrm>
           <a:prstGeom prst="rect">
             <a:avLst/>
           </a:prstGeom>
           <a:noFill/>
-          <a:ln w="28575" cap="flat" cmpd="sng">
-            <a:solidFill>
-              <a:srgbClr val="4A86E8"/>
-            </a:solidFill>
-            <a:prstDash val="solid"/>
-            <a:round/>
-            <a:headEnd type="none" w="sm" len="sm"/>
-            <a:tailEnd type="none" w="sm" len="sm"/>
-          </a:ln>
+          <a:ln w="38100"/>
         </p:spPr>
+        <p:style>
+          <a:lnRef idx="2">
+            <a:schemeClr val="accent1"/>
+          </a:lnRef>
+          <a:fillRef idx="1">
+            <a:schemeClr val="lt1"/>
+          </a:fillRef>
+          <a:effectRef idx="0">
+            <a:schemeClr val="accent1"/>
+          </a:effectRef>
+          <a:fontRef idx="minor">
+            <a:schemeClr val="dk1"/>
+          </a:fontRef>
+        </p:style>
         <p:txBody>
-          <a:bodyPr spcFirstLastPara="1" wrap="square" lIns="91425" tIns="91425" rIns="91425" bIns="91425" anchor="t" anchorCtr="0">
-            <a:noAutofit/>
-          </a:bodyPr>
+          <a:bodyPr rtlCol="0" anchor="ctr"/>
           <a:lstStyle/>
           <a:p>
-            <a:pPr marL="0" lvl="0" indent="0" algn="l" rtl="0">
-              <a:spcBef>
-                <a:spcPts val="0"/>
-              </a:spcBef>
-              <a:spcAft>
-                <a:spcPts val="0"/>
-              </a:spcAft>
-              <a:buNone/>
-            </a:pPr>
-            <a:endParaRPr/>
+            <a:pPr algn="ctr"/>
+            <a:endParaRPr kumimoji="1" lang="ja-JP" altLang="en-US"/>
           </a:p>
         </p:txBody>
       </p:sp>
       <p:sp>
         <p:nvSpPr>
-          <p:cNvPr id="7" name="Google Shape;139;p22"/>
+          <p:cNvPr id="6" name="四角形吹き出し 5"/>
           <p:cNvSpPr/>
           <p:nvPr/>
         </p:nvSpPr>
         <p:spPr>
           <a:xfrm>
-            <a:off x="7086600" y="3491543"/>
-            <a:ext cx="4600781" cy="743169"/>
+            <a:off x="6350907" y="2762250"/>
+            <a:ext cx="5087257" cy="662169"/>
           </a:xfrm>
-          <a:prstGeom prst="wedgeRoundRectCallout">
+          <a:prstGeom prst="wedgeRectCallout">
             <a:avLst>
-              <a:gd name="adj1" fmla="val -72835"/>
-              <a:gd name="adj2" fmla="val 94594"/>
-              <a:gd name="adj3" fmla="val 0"/>
+              <a:gd name="adj1" fmla="val -49689"/>
+              <a:gd name="adj2" fmla="val 109638"/>
             </a:avLst>
           </a:prstGeom>
-          <a:solidFill>
-            <a:srgbClr val="FFDD9C"/>
-          </a:solidFill>
-          <a:ln w="9525" cap="flat" cmpd="sng">
-            <a:solidFill>
-              <a:srgbClr val="FFC000"/>
-            </a:solidFill>
-            <a:prstDash val="solid"/>
-            <a:round/>
-            <a:headEnd type="none" w="sm" len="sm"/>
-            <a:tailEnd type="none" w="sm" len="sm"/>
-          </a:ln>
+          <a:ln/>
         </p:spPr>
+        <p:style>
+          <a:lnRef idx="1">
+            <a:schemeClr val="accent4"/>
+          </a:lnRef>
+          <a:fillRef idx="2">
+            <a:schemeClr val="accent4"/>
+          </a:fillRef>
+          <a:effectRef idx="1">
+            <a:schemeClr val="accent4"/>
+          </a:effectRef>
+          <a:fontRef idx="minor">
+            <a:schemeClr val="dk1"/>
+          </a:fontRef>
+        </p:style>
         <p:txBody>
-          <a:bodyPr spcFirstLastPara="1" wrap="square" lIns="91425" tIns="91425" rIns="91425" bIns="91425" anchor="ctr" anchorCtr="0">
-            <a:noAutofit/>
-          </a:bodyPr>
+          <a:bodyPr rtlCol="0" anchor="ctr"/>
           <a:lstStyle/>
           <a:p>
-            <a:pPr marL="0" lvl="0" indent="0" algn="l" rtl="0">
-              <a:spcBef>
-                <a:spcPts val="0"/>
-              </a:spcBef>
-              <a:spcAft>
-                <a:spcPts val="0"/>
-              </a:spcAft>
-              <a:buNone/>
-            </a:pPr>
-            <a:r>
-              <a:rPr lang="ja" b="1" dirty="0">
-                <a:solidFill>
-                  <a:srgbClr val="000000"/>
-                </a:solidFill>
-              </a:rPr>
-              <a:t>外部にファイルを生成</a:t>
-            </a:r>
-            <a:r>
-              <a:rPr lang="ja" b="1" dirty="0" smtClean="0">
-                <a:solidFill>
-                  <a:srgbClr val="000000"/>
-                </a:solidFill>
-              </a:rPr>
-              <a:t>し</a:t>
-            </a:r>
-            <a:r>
-              <a:rPr lang="ja-JP" altLang="en-US" b="1" dirty="0" err="1" smtClean="0">
-                <a:solidFill>
-                  <a:srgbClr val="000000"/>
-                </a:solidFill>
-              </a:rPr>
-              <a:t>、</a:t>
-            </a:r>
-            <a:r>
-              <a:rPr lang="ja" b="1" dirty="0" smtClean="0">
-                <a:solidFill>
-                  <a:srgbClr val="000000"/>
-                </a:solidFill>
-              </a:rPr>
-              <a:t>テストプロセス</a:t>
-            </a:r>
-            <a:r>
-              <a:rPr lang="ja" b="1" dirty="0">
-                <a:solidFill>
-                  <a:srgbClr val="000000"/>
-                </a:solidFill>
-              </a:rPr>
-              <a:t>で利用している</a:t>
-            </a:r>
-            <a:endParaRPr b="1" dirty="0">
-              <a:solidFill>
-                <a:srgbClr val="000000"/>
-              </a:solidFill>
+            <a:pPr algn="ctr"/>
+            <a:r>
+              <a:rPr lang="ja-JP" altLang="en-US" sz="3200" dirty="0" smtClean="0">
+                <a:latin typeface="メイリオ" panose="020B0604030504040204" pitchFamily="50" charset="-128"/>
+                <a:ea typeface="メイリオ" panose="020B0604030504040204" pitchFamily="50" charset="-128"/>
+              </a:rPr>
+              <a:t>複数の</a:t>
+            </a:r>
+            <a:r>
+              <a:rPr lang="ja-JP" altLang="en-US" sz="3200" dirty="0">
+                <a:latin typeface="メイリオ" panose="020B0604030504040204" pitchFamily="50" charset="-128"/>
+                <a:ea typeface="メイリオ" panose="020B0604030504040204" pitchFamily="50" charset="-128"/>
+              </a:rPr>
+              <a:t>制御</a:t>
+            </a:r>
+            <a:r>
+              <a:rPr lang="ja-JP" altLang="en-US" sz="3200" dirty="0" smtClean="0">
+                <a:latin typeface="メイリオ" panose="020B0604030504040204" pitchFamily="50" charset="-128"/>
+                <a:ea typeface="メイリオ" panose="020B0604030504040204" pitchFamily="50" charset="-128"/>
+              </a:rPr>
+              <a:t>文が存在する</a:t>
+            </a:r>
+            <a:endParaRPr lang="ja-JP" altLang="en-US" sz="3200" dirty="0">
+              <a:latin typeface="メイリオ" panose="020B0604030504040204" pitchFamily="50" charset="-128"/>
+              <a:ea typeface="メイリオ" panose="020B0604030504040204" pitchFamily="50" charset="-128"/>
             </a:endParaRPr>
           </a:p>
         </p:txBody>
@@ -28078,20 +28427,13 @@
     </p:spTree>
     <p:extLst>
       <p:ext uri="{BB962C8B-B14F-4D97-AF65-F5344CB8AC3E}">
-        <p14:creationId xmlns:p14="http://schemas.microsoft.com/office/powerpoint/2010/main" val="1048154990"/>
+        <p14:creationId xmlns:p14="http://schemas.microsoft.com/office/powerpoint/2010/main" val="236327120"/>
       </p:ext>
     </p:extLst>
   </p:cSld>
   <p:clrMapOvr>
     <a:masterClrMapping/>
   </p:clrMapOvr>
-  <p:timing>
-    <p:tnLst>
-      <p:par>
-        <p:cTn id="1" dur="indefinite" restart="never" nodeType="tmRoot"/>
-      </p:par>
-    </p:tnLst>
-  </p:timing>
 </p:sld>
 </file>
 
@@ -28130,6 +28472,684 @@
         </p:spPr>
         <p:txBody>
           <a:bodyPr>
+            <a:normAutofit fontScale="90000"/>
+          </a:bodyPr>
+          <a:lstStyle/>
+          <a:p>
+            <a:r>
+              <a:rPr lang="en-US" altLang="ja-JP" i="1" dirty="0"/>
+              <a:t>Mystery Guest</a:t>
+            </a:r>
+            <a:r>
+              <a:rPr lang="ja-JP" altLang="en-US" i="1" dirty="0"/>
+              <a:t> </a:t>
+            </a:r>
+            <a:r>
+              <a:rPr lang="en-US" altLang="ja-JP" dirty="0"/>
+              <a:t>(</a:t>
+            </a:r>
+            <a:r>
+              <a:rPr lang="ja-JP" altLang="en-US" dirty="0"/>
+              <a:t>ミステリー・ゲスト</a:t>
+            </a:r>
+            <a:r>
+              <a:rPr lang="en-US" altLang="ja-JP" dirty="0"/>
+              <a:t>)</a:t>
+            </a:r>
+            <a:endParaRPr kumimoji="1" lang="ja-JP" altLang="en-US" dirty="0"/>
+          </a:p>
+        </p:txBody>
+      </p:sp>
+      <p:sp>
+        <p:nvSpPr>
+          <p:cNvPr id="4" name="コンテンツ プレースホルダー 2"/>
+          <p:cNvSpPr>
+            <a:spLocks noGrp="1"/>
+          </p:cNvSpPr>
+          <p:nvPr>
+            <p:ph idx="1"/>
+          </p:nvPr>
+        </p:nvSpPr>
+        <p:spPr>
+          <a:xfrm>
+            <a:off x="838200" y="1214172"/>
+            <a:ext cx="10515600" cy="1746250"/>
+          </a:xfrm>
+        </p:spPr>
+        <p:txBody>
+          <a:bodyPr/>
+          <a:lstStyle/>
+          <a:p>
+            <a:r>
+              <a:rPr lang="ja-JP" altLang="en-US" b="1" dirty="0"/>
+              <a:t>テストメソッド内</a:t>
+            </a:r>
+            <a:r>
+              <a:rPr lang="ja-JP" altLang="en-US" b="1" dirty="0" smtClean="0"/>
+              <a:t>で、外部</a:t>
+            </a:r>
+            <a:r>
+              <a:rPr lang="ja-JP" altLang="en-US" b="1" dirty="0"/>
+              <a:t>リソースを利用</a:t>
+            </a:r>
+            <a:r>
+              <a:rPr lang="ja-JP" altLang="en-US" b="1" dirty="0" smtClean="0"/>
+              <a:t>する</a:t>
+            </a:r>
+            <a:endParaRPr lang="en-US" altLang="ja-JP" b="1" dirty="0" smtClean="0"/>
+          </a:p>
+          <a:p>
+            <a:pPr lvl="1"/>
+            <a:r>
+              <a:rPr lang="ja-JP" altLang="en-US" dirty="0"/>
+              <a:t>テストメソッド内だけでなく外部ファイルなど、外部リソースを使用すると見えない依存関係が生じる</a:t>
+            </a:r>
+          </a:p>
+          <a:p>
+            <a:pPr lvl="1"/>
+            <a:r>
+              <a:rPr lang="ja-JP" altLang="en-US" dirty="0"/>
+              <a:t>誰かが、外部ファイルを削除するとテストが失敗してしまう</a:t>
+            </a:r>
+          </a:p>
+          <a:p>
+            <a:pPr lvl="1"/>
+            <a:endParaRPr kumimoji="1" lang="ja-JP" altLang="en-US" dirty="0"/>
+          </a:p>
+        </p:txBody>
+      </p:sp>
+      <p:sp>
+        <p:nvSpPr>
+          <p:cNvPr id="8" name="正方形/長方形 7"/>
+          <p:cNvSpPr/>
+          <p:nvPr/>
+        </p:nvSpPr>
+        <p:spPr>
+          <a:xfrm>
+            <a:off x="838200" y="2883474"/>
+            <a:ext cx="6476999" cy="3785652"/>
+          </a:xfrm>
+          <a:prstGeom prst="rect">
+            <a:avLst/>
+          </a:prstGeom>
+          <a:solidFill>
+            <a:schemeClr val="accent2">
+              <a:lumMod val="20000"/>
+              <a:lumOff val="80000"/>
+            </a:schemeClr>
+          </a:solidFill>
+        </p:spPr>
+        <p:txBody>
+          <a:bodyPr wrap="square">
+            <a:spAutoFit/>
+          </a:bodyPr>
+          <a:lstStyle/>
+          <a:p>
+            <a:r>
+              <a:rPr lang="en-US" altLang="ja-JP" sz="1200" b="1" dirty="0" smtClean="0">
+                <a:latin typeface="Consolas" panose="020B0609020204030204" pitchFamily="49" charset="0"/>
+              </a:rPr>
+              <a:t>public void </a:t>
+            </a:r>
+            <a:r>
+              <a:rPr lang="en-US" altLang="ja-JP" sz="1200" b="1" dirty="0" err="1" smtClean="0">
+                <a:latin typeface="Consolas" panose="020B0609020204030204" pitchFamily="49" charset="0"/>
+              </a:rPr>
+              <a:t>testPersistence</a:t>
+            </a:r>
+            <a:r>
+              <a:rPr lang="en-US" altLang="ja-JP" sz="1200" b="1" dirty="0" smtClean="0">
+                <a:latin typeface="Consolas" panose="020B0609020204030204" pitchFamily="49" charset="0"/>
+              </a:rPr>
+              <a:t>() throws Exception {</a:t>
+            </a:r>
+          </a:p>
+          <a:p>
+            <a:endParaRPr lang="en-US" altLang="ja-JP" sz="1200" b="1" dirty="0" smtClean="0">
+              <a:latin typeface="Consolas" panose="020B0609020204030204" pitchFamily="49" charset="0"/>
+            </a:endParaRPr>
+          </a:p>
+          <a:p>
+            <a:r>
+              <a:rPr lang="en-US" altLang="ja-JP" sz="1200" b="1" dirty="0" smtClean="0">
+                <a:latin typeface="Consolas" panose="020B0609020204030204" pitchFamily="49" charset="0"/>
+              </a:rPr>
+              <a:t>    File </a:t>
+            </a:r>
+            <a:r>
+              <a:rPr lang="en-US" altLang="ja-JP" sz="1200" b="1" dirty="0" err="1" smtClean="0">
+                <a:latin typeface="Consolas" panose="020B0609020204030204" pitchFamily="49" charset="0"/>
+              </a:rPr>
+              <a:t>tempFile</a:t>
+            </a:r>
+            <a:r>
+              <a:rPr lang="en-US" altLang="ja-JP" sz="1200" b="1" dirty="0" smtClean="0">
+                <a:latin typeface="Consolas" panose="020B0609020204030204" pitchFamily="49" charset="0"/>
+              </a:rPr>
+              <a:t> = </a:t>
+            </a:r>
+            <a:r>
+              <a:rPr lang="en-US" altLang="ja-JP" sz="1200" b="1" dirty="0" err="1" smtClean="0">
+                <a:latin typeface="Consolas" panose="020B0609020204030204" pitchFamily="49" charset="0"/>
+              </a:rPr>
+              <a:t>File.createTempFile</a:t>
+            </a:r>
+            <a:r>
+              <a:rPr lang="en-US" altLang="ja-JP" sz="1200" b="1" dirty="0" smtClean="0">
+                <a:latin typeface="Consolas" panose="020B0609020204030204" pitchFamily="49" charset="0"/>
+              </a:rPr>
+              <a:t>("</a:t>
+            </a:r>
+            <a:r>
+              <a:rPr lang="en-US" altLang="ja-JP" sz="1200" b="1" dirty="0" err="1" smtClean="0">
+                <a:latin typeface="Consolas" panose="020B0609020204030204" pitchFamily="49" charset="0"/>
+              </a:rPr>
+              <a:t>systemstate</a:t>
+            </a:r>
+            <a:r>
+              <a:rPr lang="en-US" altLang="ja-JP" sz="1200" b="1" dirty="0" smtClean="0">
+                <a:latin typeface="Consolas" panose="020B0609020204030204" pitchFamily="49" charset="0"/>
+              </a:rPr>
+              <a:t>-", ".txt");</a:t>
+            </a:r>
+          </a:p>
+          <a:p>
+            <a:endParaRPr lang="en-US" altLang="ja-JP" sz="1200" b="1" dirty="0" smtClean="0">
+              <a:latin typeface="Consolas" panose="020B0609020204030204" pitchFamily="49" charset="0"/>
+            </a:endParaRPr>
+          </a:p>
+          <a:p>
+            <a:r>
+              <a:rPr lang="en-US" altLang="ja-JP" sz="1200" b="1" dirty="0" smtClean="0">
+                <a:latin typeface="Consolas" panose="020B0609020204030204" pitchFamily="49" charset="0"/>
+              </a:rPr>
+              <a:t>    try {</a:t>
+            </a:r>
+          </a:p>
+          <a:p>
+            <a:r>
+              <a:rPr lang="en-US" altLang="ja-JP" sz="1200" b="1" dirty="0" smtClean="0">
+                <a:latin typeface="Consolas" panose="020B0609020204030204" pitchFamily="49" charset="0"/>
+              </a:rPr>
+              <a:t>        </a:t>
+            </a:r>
+            <a:r>
+              <a:rPr lang="en-US" altLang="ja-JP" sz="1200" b="1" dirty="0" err="1" smtClean="0">
+                <a:latin typeface="Consolas" panose="020B0609020204030204" pitchFamily="49" charset="0"/>
+              </a:rPr>
+              <a:t>SystemState</a:t>
+            </a:r>
+            <a:r>
+              <a:rPr lang="en-US" altLang="ja-JP" sz="1200" b="1" dirty="0" smtClean="0">
+                <a:latin typeface="Consolas" panose="020B0609020204030204" pitchFamily="49" charset="0"/>
+              </a:rPr>
+              <a:t> a = new </a:t>
+            </a:r>
+            <a:r>
+              <a:rPr lang="en-US" altLang="ja-JP" sz="1200" b="1" dirty="0" err="1" smtClean="0">
+                <a:latin typeface="Consolas" panose="020B0609020204030204" pitchFamily="49" charset="0"/>
+              </a:rPr>
+              <a:t>SystemState</a:t>
+            </a:r>
+            <a:r>
+              <a:rPr lang="en-US" altLang="ja-JP" sz="1200" b="1" dirty="0" smtClean="0">
+                <a:latin typeface="Consolas" panose="020B0609020204030204" pitchFamily="49" charset="0"/>
+              </a:rPr>
+              <a:t>(then, 27, false, </a:t>
+            </a:r>
+            <a:r>
+              <a:rPr lang="en-US" altLang="ja-JP" sz="1200" b="1" dirty="0" err="1" smtClean="0">
+                <a:latin typeface="Consolas" panose="020B0609020204030204" pitchFamily="49" charset="0"/>
+              </a:rPr>
+              <a:t>bootTimestamp</a:t>
+            </a:r>
+            <a:r>
+              <a:rPr lang="en-US" altLang="ja-JP" sz="1200" b="1" dirty="0" smtClean="0">
+                <a:latin typeface="Consolas" panose="020B0609020204030204" pitchFamily="49" charset="0"/>
+              </a:rPr>
+              <a:t>);</a:t>
+            </a:r>
+          </a:p>
+          <a:p>
+            <a:r>
+              <a:rPr lang="en-US" altLang="ja-JP" sz="1200" b="1" dirty="0" smtClean="0">
+                <a:latin typeface="Consolas" panose="020B0609020204030204" pitchFamily="49" charset="0"/>
+              </a:rPr>
+              <a:t>        </a:t>
+            </a:r>
+            <a:r>
+              <a:rPr lang="en-US" altLang="ja-JP" sz="1200" b="1" dirty="0" err="1" smtClean="0">
+                <a:latin typeface="Consolas" panose="020B0609020204030204" pitchFamily="49" charset="0"/>
+              </a:rPr>
+              <a:t>a.addInstalledApp</a:t>
+            </a:r>
+            <a:r>
+              <a:rPr lang="en-US" altLang="ja-JP" sz="1200" b="1" dirty="0" smtClean="0">
+                <a:latin typeface="Consolas" panose="020B0609020204030204" pitchFamily="49" charset="0"/>
+              </a:rPr>
+              <a:t>("</a:t>
+            </a:r>
+            <a:r>
+              <a:rPr lang="en-US" altLang="ja-JP" sz="1200" b="1" dirty="0" err="1" smtClean="0">
+                <a:latin typeface="Consolas" panose="020B0609020204030204" pitchFamily="49" charset="0"/>
+              </a:rPr>
+              <a:t>a.b.c</a:t>
+            </a:r>
+            <a:r>
+              <a:rPr lang="en-US" altLang="ja-JP" sz="1200" b="1" dirty="0" smtClean="0">
+                <a:latin typeface="Consolas" panose="020B0609020204030204" pitchFamily="49" charset="0"/>
+              </a:rPr>
+              <a:t>", "ABC", "1.2.3");</a:t>
+            </a:r>
+          </a:p>
+          <a:p>
+            <a:endParaRPr lang="en-US" altLang="ja-JP" sz="1200" b="1" dirty="0" smtClean="0">
+              <a:latin typeface="Consolas" panose="020B0609020204030204" pitchFamily="49" charset="0"/>
+            </a:endParaRPr>
+          </a:p>
+          <a:p>
+            <a:r>
+              <a:rPr lang="en-US" altLang="ja-JP" sz="1200" b="1" dirty="0" smtClean="0">
+                <a:latin typeface="Consolas" panose="020B0609020204030204" pitchFamily="49" charset="0"/>
+              </a:rPr>
+              <a:t>        </a:t>
+            </a:r>
+            <a:r>
+              <a:rPr lang="en-US" altLang="ja-JP" sz="1200" b="1" dirty="0" err="1" smtClean="0">
+                <a:latin typeface="Consolas" panose="020B0609020204030204" pitchFamily="49" charset="0"/>
+              </a:rPr>
+              <a:t>a.writeToFile</a:t>
+            </a:r>
+            <a:r>
+              <a:rPr lang="en-US" altLang="ja-JP" sz="1200" b="1" dirty="0" smtClean="0">
+                <a:latin typeface="Consolas" panose="020B0609020204030204" pitchFamily="49" charset="0"/>
+              </a:rPr>
+              <a:t>(</a:t>
+            </a:r>
+            <a:r>
+              <a:rPr lang="en-US" altLang="ja-JP" sz="1200" b="1" dirty="0" err="1" smtClean="0">
+                <a:latin typeface="Consolas" panose="020B0609020204030204" pitchFamily="49" charset="0"/>
+              </a:rPr>
+              <a:t>tempFile</a:t>
+            </a:r>
+            <a:r>
+              <a:rPr lang="en-US" altLang="ja-JP" sz="1200" b="1" dirty="0" smtClean="0">
+                <a:latin typeface="Consolas" panose="020B0609020204030204" pitchFamily="49" charset="0"/>
+              </a:rPr>
+              <a:t>);</a:t>
+            </a:r>
+          </a:p>
+          <a:p>
+            <a:r>
+              <a:rPr lang="en-US" altLang="ja-JP" sz="1200" b="1" dirty="0" smtClean="0">
+                <a:latin typeface="Consolas" panose="020B0609020204030204" pitchFamily="49" charset="0"/>
+              </a:rPr>
+              <a:t>        </a:t>
+            </a:r>
+            <a:r>
+              <a:rPr lang="en-US" altLang="ja-JP" sz="1200" b="1" dirty="0" err="1" smtClean="0">
+                <a:latin typeface="Consolas" panose="020B0609020204030204" pitchFamily="49" charset="0"/>
+              </a:rPr>
+              <a:t>SystemState</a:t>
+            </a:r>
+            <a:r>
+              <a:rPr lang="en-US" altLang="ja-JP" sz="1200" b="1" dirty="0" smtClean="0">
+                <a:latin typeface="Consolas" panose="020B0609020204030204" pitchFamily="49" charset="0"/>
+              </a:rPr>
+              <a:t> b = </a:t>
+            </a:r>
+            <a:r>
+              <a:rPr lang="en-US" altLang="ja-JP" sz="1200" b="1" dirty="0" err="1" smtClean="0">
+                <a:latin typeface="Consolas" panose="020B0609020204030204" pitchFamily="49" charset="0"/>
+              </a:rPr>
+              <a:t>SystemState.readFromFile</a:t>
+            </a:r>
+            <a:r>
+              <a:rPr lang="en-US" altLang="ja-JP" sz="1200" b="1" dirty="0" smtClean="0">
+                <a:latin typeface="Consolas" panose="020B0609020204030204" pitchFamily="49" charset="0"/>
+              </a:rPr>
+              <a:t>(</a:t>
+            </a:r>
+            <a:r>
+              <a:rPr lang="en-US" altLang="ja-JP" sz="1200" b="1" dirty="0" err="1" smtClean="0">
+                <a:latin typeface="Consolas" panose="020B0609020204030204" pitchFamily="49" charset="0"/>
+              </a:rPr>
+              <a:t>tempFile</a:t>
+            </a:r>
+            <a:r>
+              <a:rPr lang="en-US" altLang="ja-JP" sz="1200" b="1" dirty="0" smtClean="0">
+                <a:latin typeface="Consolas" panose="020B0609020204030204" pitchFamily="49" charset="0"/>
+              </a:rPr>
+              <a:t>);</a:t>
+            </a:r>
+          </a:p>
+          <a:p>
+            <a:endParaRPr lang="en-US" altLang="ja-JP" sz="1200" b="1" dirty="0" smtClean="0">
+              <a:latin typeface="Consolas" panose="020B0609020204030204" pitchFamily="49" charset="0"/>
+            </a:endParaRPr>
+          </a:p>
+          <a:p>
+            <a:r>
+              <a:rPr lang="en-US" altLang="ja-JP" sz="1200" b="1" dirty="0" smtClean="0">
+                <a:latin typeface="Consolas" panose="020B0609020204030204" pitchFamily="49" charset="0"/>
+              </a:rPr>
+              <a:t>        </a:t>
+            </a:r>
+            <a:r>
+              <a:rPr lang="en-US" altLang="ja-JP" sz="1200" b="1" dirty="0" err="1" smtClean="0">
+                <a:latin typeface="Consolas" panose="020B0609020204030204" pitchFamily="49" charset="0"/>
+              </a:rPr>
+              <a:t>assertEquals</a:t>
+            </a:r>
+            <a:r>
+              <a:rPr lang="en-US" altLang="ja-JP" sz="1200" b="1" dirty="0" smtClean="0">
+                <a:latin typeface="Consolas" panose="020B0609020204030204" pitchFamily="49" charset="0"/>
+              </a:rPr>
+              <a:t>(a, b);</a:t>
+            </a:r>
+          </a:p>
+          <a:p>
+            <a:r>
+              <a:rPr lang="en-US" altLang="ja-JP" sz="1200" b="1" dirty="0" smtClean="0">
+                <a:latin typeface="Consolas" panose="020B0609020204030204" pitchFamily="49" charset="0"/>
+              </a:rPr>
+              <a:t>    } finally {</a:t>
+            </a:r>
+          </a:p>
+          <a:p>
+            <a:r>
+              <a:rPr lang="en-US" altLang="ja-JP" sz="1200" b="1" dirty="0" smtClean="0">
+                <a:latin typeface="Consolas" panose="020B0609020204030204" pitchFamily="49" charset="0"/>
+              </a:rPr>
+              <a:t>        //</a:t>
+            </a:r>
+            <a:r>
+              <a:rPr lang="en-US" altLang="ja-JP" sz="1200" b="1" dirty="0" err="1" smtClean="0">
+                <a:latin typeface="Consolas" panose="020B0609020204030204" pitchFamily="49" charset="0"/>
+              </a:rPr>
+              <a:t>noinspection</a:t>
+            </a:r>
+            <a:r>
+              <a:rPr lang="en-US" altLang="ja-JP" sz="1200" b="1" dirty="0" smtClean="0">
+                <a:latin typeface="Consolas" panose="020B0609020204030204" pitchFamily="49" charset="0"/>
+              </a:rPr>
+              <a:t> </a:t>
+            </a:r>
+            <a:r>
+              <a:rPr lang="en-US" altLang="ja-JP" sz="1200" b="1" dirty="0" err="1" smtClean="0">
+                <a:latin typeface="Consolas" panose="020B0609020204030204" pitchFamily="49" charset="0"/>
+              </a:rPr>
+              <a:t>ConstantConditions</a:t>
+            </a:r>
+            <a:endParaRPr lang="en-US" altLang="ja-JP" sz="1200" b="1" dirty="0" smtClean="0">
+              <a:latin typeface="Consolas" panose="020B0609020204030204" pitchFamily="49" charset="0"/>
+            </a:endParaRPr>
+          </a:p>
+          <a:p>
+            <a:r>
+              <a:rPr lang="en-US" altLang="ja-JP" sz="1200" b="1" dirty="0" smtClean="0">
+                <a:latin typeface="Consolas" panose="020B0609020204030204" pitchFamily="49" charset="0"/>
+              </a:rPr>
+              <a:t>        if (</a:t>
+            </a:r>
+            <a:r>
+              <a:rPr lang="en-US" altLang="ja-JP" sz="1200" b="1" dirty="0" err="1" smtClean="0">
+                <a:latin typeface="Consolas" panose="020B0609020204030204" pitchFamily="49" charset="0"/>
+              </a:rPr>
+              <a:t>tempFile</a:t>
+            </a:r>
+            <a:r>
+              <a:rPr lang="en-US" altLang="ja-JP" sz="1200" b="1" dirty="0" smtClean="0">
+                <a:latin typeface="Consolas" panose="020B0609020204030204" pitchFamily="49" charset="0"/>
+              </a:rPr>
+              <a:t> != null) {</a:t>
+            </a:r>
+          </a:p>
+          <a:p>
+            <a:r>
+              <a:rPr lang="en-US" altLang="ja-JP" sz="1200" b="1" dirty="0" smtClean="0">
+                <a:latin typeface="Consolas" panose="020B0609020204030204" pitchFamily="49" charset="0"/>
+              </a:rPr>
+              <a:t>            //</a:t>
+            </a:r>
+            <a:r>
+              <a:rPr lang="en-US" altLang="ja-JP" sz="1200" b="1" dirty="0" err="1" smtClean="0">
+                <a:latin typeface="Consolas" panose="020B0609020204030204" pitchFamily="49" charset="0"/>
+              </a:rPr>
+              <a:t>noinspection</a:t>
+            </a:r>
+            <a:r>
+              <a:rPr lang="en-US" altLang="ja-JP" sz="1200" b="1" dirty="0" smtClean="0">
+                <a:latin typeface="Consolas" panose="020B0609020204030204" pitchFamily="49" charset="0"/>
+              </a:rPr>
+              <a:t> </a:t>
+            </a:r>
+            <a:r>
+              <a:rPr lang="en-US" altLang="ja-JP" sz="1200" b="1" dirty="0" err="1" smtClean="0">
+                <a:latin typeface="Consolas" panose="020B0609020204030204" pitchFamily="49" charset="0"/>
+              </a:rPr>
+              <a:t>ResultOfMethodCallIgnored</a:t>
+            </a:r>
+            <a:endParaRPr lang="en-US" altLang="ja-JP" sz="1200" b="1" dirty="0" smtClean="0">
+              <a:latin typeface="Consolas" panose="020B0609020204030204" pitchFamily="49" charset="0"/>
+            </a:endParaRPr>
+          </a:p>
+          <a:p>
+            <a:r>
+              <a:rPr lang="en-US" altLang="ja-JP" sz="1200" b="1" dirty="0" smtClean="0">
+                <a:latin typeface="Consolas" panose="020B0609020204030204" pitchFamily="49" charset="0"/>
+              </a:rPr>
+              <a:t>            </a:t>
+            </a:r>
+            <a:r>
+              <a:rPr lang="en-US" altLang="ja-JP" sz="1200" b="1" dirty="0" err="1" smtClean="0">
+                <a:latin typeface="Consolas" panose="020B0609020204030204" pitchFamily="49" charset="0"/>
+              </a:rPr>
+              <a:t>tempFile.delete</a:t>
+            </a:r>
+            <a:r>
+              <a:rPr lang="en-US" altLang="ja-JP" sz="1200" b="1" dirty="0" smtClean="0">
+                <a:latin typeface="Consolas" panose="020B0609020204030204" pitchFamily="49" charset="0"/>
+              </a:rPr>
+              <a:t>();</a:t>
+            </a:r>
+          </a:p>
+          <a:p>
+            <a:r>
+              <a:rPr lang="en-US" altLang="ja-JP" sz="1200" b="1" dirty="0" smtClean="0">
+                <a:latin typeface="Consolas" panose="020B0609020204030204" pitchFamily="49" charset="0"/>
+              </a:rPr>
+              <a:t>        }</a:t>
+            </a:r>
+          </a:p>
+          <a:p>
+            <a:r>
+              <a:rPr lang="en-US" altLang="ja-JP" sz="1200" b="1" dirty="0" smtClean="0">
+                <a:latin typeface="Consolas" panose="020B0609020204030204" pitchFamily="49" charset="0"/>
+              </a:rPr>
+              <a:t>    }</a:t>
+            </a:r>
+          </a:p>
+          <a:p>
+            <a:r>
+              <a:rPr lang="en-US" altLang="ja-JP" sz="1200" b="1" dirty="0" smtClean="0">
+                <a:latin typeface="Consolas" panose="020B0609020204030204" pitchFamily="49" charset="0"/>
+              </a:rPr>
+              <a:t>}</a:t>
+            </a:r>
+            <a:endParaRPr lang="ja-JP" altLang="en-US" sz="1200" b="1" dirty="0">
+              <a:latin typeface="Consolas" panose="020B0609020204030204" pitchFamily="49" charset="0"/>
+            </a:endParaRPr>
+          </a:p>
+        </p:txBody>
+      </p:sp>
+      <p:sp>
+        <p:nvSpPr>
+          <p:cNvPr id="9" name="正方形/長方形 8"/>
+          <p:cNvSpPr/>
+          <p:nvPr/>
+        </p:nvSpPr>
+        <p:spPr>
+          <a:xfrm>
+            <a:off x="1182165" y="3182891"/>
+            <a:ext cx="5283528" cy="454251"/>
+          </a:xfrm>
+          <a:prstGeom prst="rect">
+            <a:avLst/>
+          </a:prstGeom>
+          <a:noFill/>
+          <a:ln w="38100"/>
+        </p:spPr>
+        <p:style>
+          <a:lnRef idx="2">
+            <a:schemeClr val="accent1"/>
+          </a:lnRef>
+          <a:fillRef idx="1">
+            <a:schemeClr val="lt1"/>
+          </a:fillRef>
+          <a:effectRef idx="0">
+            <a:schemeClr val="accent1"/>
+          </a:effectRef>
+          <a:fontRef idx="minor">
+            <a:schemeClr val="dk1"/>
+          </a:fontRef>
+        </p:style>
+        <p:txBody>
+          <a:bodyPr rtlCol="0" anchor="ctr"/>
+          <a:lstStyle/>
+          <a:p>
+            <a:pPr algn="ctr"/>
+            <a:endParaRPr kumimoji="1" lang="ja-JP" altLang="en-US"/>
+          </a:p>
+        </p:txBody>
+      </p:sp>
+      <p:sp>
+        <p:nvSpPr>
+          <p:cNvPr id="10" name="四角形吹き出し 9"/>
+          <p:cNvSpPr/>
+          <p:nvPr/>
+        </p:nvSpPr>
+        <p:spPr>
+          <a:xfrm>
+            <a:off x="6633825" y="4186587"/>
+            <a:ext cx="5325150" cy="1256374"/>
+          </a:xfrm>
+          <a:prstGeom prst="wedgeRectCallout">
+            <a:avLst>
+              <a:gd name="adj1" fmla="val -53565"/>
+              <a:gd name="adj2" fmla="val -111797"/>
+            </a:avLst>
+          </a:prstGeom>
+          <a:ln/>
+        </p:spPr>
+        <p:style>
+          <a:lnRef idx="1">
+            <a:schemeClr val="accent4"/>
+          </a:lnRef>
+          <a:fillRef idx="2">
+            <a:schemeClr val="accent4"/>
+          </a:fillRef>
+          <a:effectRef idx="1">
+            <a:schemeClr val="accent4"/>
+          </a:effectRef>
+          <a:fontRef idx="minor">
+            <a:schemeClr val="dk1"/>
+          </a:fontRef>
+        </p:style>
+        <p:txBody>
+          <a:bodyPr rtlCol="0" anchor="ctr"/>
+          <a:lstStyle/>
+          <a:p>
+            <a:pPr algn="ctr"/>
+            <a:r>
+              <a:rPr lang="ja-JP" altLang="en-US" sz="2800" dirty="0" smtClean="0">
+                <a:latin typeface="メイリオ" panose="020B0604030504040204" pitchFamily="50" charset="-128"/>
+                <a:ea typeface="メイリオ" panose="020B0604030504040204" pitchFamily="50" charset="-128"/>
+              </a:rPr>
+              <a:t>外部にファイルを生成し、</a:t>
+            </a:r>
+            <a:r>
+              <a:rPr lang="en-US" altLang="ja-JP" sz="2800" dirty="0" smtClean="0">
+                <a:latin typeface="メイリオ" panose="020B0604030504040204" pitchFamily="50" charset="-128"/>
+                <a:ea typeface="メイリオ" panose="020B0604030504040204" pitchFamily="50" charset="-128"/>
+              </a:rPr>
+              <a:t/>
+            </a:r>
+            <a:br>
+              <a:rPr lang="en-US" altLang="ja-JP" sz="2800" dirty="0" smtClean="0">
+                <a:latin typeface="メイリオ" panose="020B0604030504040204" pitchFamily="50" charset="-128"/>
+                <a:ea typeface="メイリオ" panose="020B0604030504040204" pitchFamily="50" charset="-128"/>
+              </a:rPr>
+            </a:br>
+            <a:r>
+              <a:rPr lang="ja-JP" altLang="en-US" sz="2800" dirty="0" smtClean="0">
+                <a:latin typeface="メイリオ" panose="020B0604030504040204" pitchFamily="50" charset="-128"/>
+                <a:ea typeface="メイリオ" panose="020B0604030504040204" pitchFamily="50" charset="-128"/>
+              </a:rPr>
+              <a:t>テストプロセスで利用している</a:t>
+            </a:r>
+            <a:endParaRPr lang="ja-JP" altLang="en-US" sz="2800" dirty="0">
+              <a:latin typeface="メイリオ" panose="020B0604030504040204" pitchFamily="50" charset="-128"/>
+              <a:ea typeface="メイリオ" panose="020B0604030504040204" pitchFamily="50" charset="-128"/>
+            </a:endParaRPr>
+          </a:p>
+        </p:txBody>
+      </p:sp>
+    </p:spTree>
+    <p:extLst>
+      <p:ext uri="{BB962C8B-B14F-4D97-AF65-F5344CB8AC3E}">
+        <p14:creationId xmlns:p14="http://schemas.microsoft.com/office/powerpoint/2010/main" val="1048154990"/>
+      </p:ext>
+    </p:extLst>
+  </p:cSld>
+  <p:clrMapOvr>
+    <a:masterClrMapping/>
+  </p:clrMapOvr>
+  <p:timing>
+    <p:tnLst>
+      <p:par>
+        <p:cTn id="1" dur="indefinite" restart="never" nodeType="tmRoot"/>
+      </p:par>
+    </p:tnLst>
+  </p:timing>
+</p:sld>
+</file>
+
+<file path=ppt/slides/slide29.xml><?xml version="1.0" encoding="utf-8"?>
+<p:sld xmlns:a="http://schemas.openxmlformats.org/drawingml/2006/main" xmlns:r="http://schemas.openxmlformats.org/officeDocument/2006/relationships" xmlns:p="http://schemas.openxmlformats.org/presentationml/2006/main">
+  <p:cSld>
+    <p:spTree>
+      <p:nvGrpSpPr>
+        <p:cNvPr id="1" name=""/>
+        <p:cNvGrpSpPr/>
+        <p:nvPr/>
+      </p:nvGrpSpPr>
+      <p:grpSpPr>
+        <a:xfrm>
+          <a:off x="0" y="0"/>
+          <a:ext cx="0" cy="0"/>
+          <a:chOff x="0" y="0"/>
+          <a:chExt cx="0" cy="0"/>
+        </a:xfrm>
+      </p:grpSpPr>
+      <p:sp>
+        <p:nvSpPr>
+          <p:cNvPr id="3" name="タイトル 2"/>
+          <p:cNvSpPr>
+            <a:spLocks noGrp="1"/>
+          </p:cNvSpPr>
+          <p:nvPr>
+            <p:ph type="title"/>
+          </p:nvPr>
+        </p:nvSpPr>
+        <p:spPr>
+          <a:xfrm>
+            <a:off x="221598" y="219428"/>
+            <a:ext cx="6991371" cy="729386"/>
+          </a:xfrm>
+        </p:spPr>
+        <p:txBody>
+          <a:bodyPr>
             <a:normAutofit/>
           </a:bodyPr>
           <a:lstStyle/>
@@ -28208,460 +29228,306 @@
       </p:sp>
       <p:sp>
         <p:nvSpPr>
-          <p:cNvPr id="9" name="Google Shape;119;p20"/>
+          <p:cNvPr id="7" name="正方形/長方形 6"/>
           <p:cNvSpPr/>
           <p:nvPr/>
         </p:nvSpPr>
         <p:spPr>
           <a:xfrm>
-            <a:off x="838200" y="3289896"/>
-            <a:ext cx="8537156" cy="2520400"/>
+            <a:off x="838200" y="3535137"/>
+            <a:ext cx="9964056" cy="2308324"/>
           </a:xfrm>
           <a:prstGeom prst="rect">
             <a:avLst/>
           </a:prstGeom>
           <a:solidFill>
-            <a:srgbClr val="F3F3F3"/>
+            <a:schemeClr val="accent2">
+              <a:lumMod val="20000"/>
+              <a:lumOff val="80000"/>
+            </a:schemeClr>
           </a:solidFill>
-          <a:ln w="9525" cap="flat" cmpd="sng">
-            <a:solidFill>
-              <a:srgbClr val="595959"/>
-            </a:solidFill>
-            <a:prstDash val="solid"/>
-            <a:round/>
-            <a:headEnd type="none" w="sm" len="sm"/>
-            <a:tailEnd type="none" w="sm" len="sm"/>
-          </a:ln>
         </p:spPr>
         <p:txBody>
-          <a:bodyPr spcFirstLastPara="1" wrap="square" lIns="91425" tIns="91425" rIns="91425" bIns="91425" anchor="t" anchorCtr="0">
-            <a:noAutofit/>
+          <a:bodyPr wrap="square">
+            <a:spAutoFit/>
           </a:bodyPr>
           <a:lstStyle/>
           <a:p>
-            <a:pPr marL="0" lvl="0" indent="0" algn="l" rtl="0">
-              <a:lnSpc>
-                <a:spcPct val="115000"/>
-              </a:lnSpc>
-              <a:spcBef>
-                <a:spcPts val="0"/>
-              </a:spcBef>
-              <a:spcAft>
-                <a:spcPts val="0"/>
-              </a:spcAft>
-              <a:buClr>
-                <a:srgbClr val="000000"/>
-              </a:buClr>
-              <a:buSzPts val="1100"/>
-              <a:buFont typeface="Arial"/>
-              <a:buNone/>
-            </a:pPr>
-            <a:r>
-              <a:rPr lang="ja" b="1" dirty="0">
-                <a:solidFill>
-                  <a:srgbClr val="000000"/>
-                </a:solidFill>
-                <a:latin typeface="Consolas"/>
-                <a:ea typeface="Consolas"/>
-                <a:cs typeface="Consolas"/>
-                <a:sym typeface="Consolas"/>
+            <a:r>
+              <a:rPr lang="en-US" altLang="ja-JP" dirty="0" smtClean="0">
+                <a:latin typeface="Consolas" panose="020B0609020204030204" pitchFamily="49" charset="0"/>
               </a:rPr>
               <a:t>@Test</a:t>
             </a:r>
-            <a:endParaRPr b="1" dirty="0">
-              <a:solidFill>
-                <a:srgbClr val="000000"/>
-              </a:solidFill>
-              <a:latin typeface="Consolas"/>
-              <a:ea typeface="Consolas"/>
-              <a:cs typeface="Consolas"/>
-              <a:sym typeface="Consolas"/>
+          </a:p>
+          <a:p>
+            <a:r>
+              <a:rPr lang="en-US" altLang="ja-JP" dirty="0" smtClean="0">
+                <a:latin typeface="Consolas" panose="020B0609020204030204" pitchFamily="49" charset="0"/>
+              </a:rPr>
+              <a:t>public void </a:t>
+            </a:r>
+            <a:r>
+              <a:rPr lang="en-US" altLang="ja-JP" dirty="0" err="1" smtClean="0">
+                <a:latin typeface="Consolas" panose="020B0609020204030204" pitchFamily="49" charset="0"/>
+              </a:rPr>
+              <a:t>NmeaSentence_GPGSA_ReadValidValues</a:t>
+            </a:r>
+            <a:r>
+              <a:rPr lang="en-US" altLang="ja-JP" dirty="0" smtClean="0">
+                <a:latin typeface="Consolas" panose="020B0609020204030204" pitchFamily="49" charset="0"/>
+              </a:rPr>
+              <a:t>(){</a:t>
+            </a:r>
+          </a:p>
+          <a:p>
+            <a:r>
+              <a:rPr lang="en-US" altLang="ja-JP" dirty="0" smtClean="0">
+                <a:latin typeface="Consolas" panose="020B0609020204030204" pitchFamily="49" charset="0"/>
+              </a:rPr>
+              <a:t>    </a:t>
+            </a:r>
+            <a:r>
+              <a:rPr lang="en-US" altLang="ja-JP" dirty="0" err="1" smtClean="0">
+                <a:latin typeface="Consolas" panose="020B0609020204030204" pitchFamily="49" charset="0"/>
+              </a:rPr>
+              <a:t>NmeaSentence</a:t>
+            </a:r>
+            <a:r>
+              <a:rPr lang="en-US" altLang="ja-JP" dirty="0" smtClean="0">
+                <a:latin typeface="Consolas" panose="020B0609020204030204" pitchFamily="49" charset="0"/>
+              </a:rPr>
+              <a:t> </a:t>
+            </a:r>
+            <a:r>
+              <a:rPr lang="en-US" altLang="ja-JP" dirty="0" err="1" smtClean="0">
+                <a:latin typeface="Consolas" panose="020B0609020204030204" pitchFamily="49" charset="0"/>
+              </a:rPr>
+              <a:t>nmeaSentence</a:t>
+            </a:r>
+            <a:r>
+              <a:rPr lang="en-US" altLang="ja-JP" dirty="0" smtClean="0">
+                <a:latin typeface="Consolas" panose="020B0609020204030204" pitchFamily="49" charset="0"/>
+              </a:rPr>
+              <a:t> = new </a:t>
+            </a:r>
+            <a:r>
+              <a:rPr lang="en-US" altLang="ja-JP" dirty="0" err="1" smtClean="0">
+                <a:latin typeface="Consolas" panose="020B0609020204030204" pitchFamily="49" charset="0"/>
+              </a:rPr>
+              <a:t>NmeaSentence</a:t>
+            </a:r>
+            <a:r>
+              <a:rPr lang="en-US" altLang="ja-JP" dirty="0" smtClean="0">
+                <a:latin typeface="Consolas" panose="020B0609020204030204" pitchFamily="49" charset="0"/>
+              </a:rPr>
+              <a:t>("$GPGSA,A,3,04,05,,09,12,,,24,,,,,2.5,1.3,2.1*39");</a:t>
+            </a:r>
+          </a:p>
+          <a:p>
+            <a:r>
+              <a:rPr lang="en-US" altLang="ja-JP" dirty="0" smtClean="0">
+                <a:latin typeface="Consolas" panose="020B0609020204030204" pitchFamily="49" charset="0"/>
+              </a:rPr>
+              <a:t>    </a:t>
+            </a:r>
+            <a:r>
+              <a:rPr lang="en-US" altLang="ja-JP" dirty="0" err="1" smtClean="0">
+                <a:latin typeface="Consolas" panose="020B0609020204030204" pitchFamily="49" charset="0"/>
+              </a:rPr>
+              <a:t>assertThat</a:t>
+            </a:r>
+            <a:r>
+              <a:rPr lang="en-US" altLang="ja-JP" dirty="0" smtClean="0">
+                <a:latin typeface="Consolas" panose="020B0609020204030204" pitchFamily="49" charset="0"/>
+              </a:rPr>
+              <a:t>("GPGSA - read PDOP", </a:t>
+            </a:r>
+            <a:r>
+              <a:rPr lang="en-US" altLang="ja-JP" dirty="0" err="1" smtClean="0">
+                <a:latin typeface="Consolas" panose="020B0609020204030204" pitchFamily="49" charset="0"/>
+              </a:rPr>
+              <a:t>nmeaSentence.getLatestPdop</a:t>
+            </a:r>
+            <a:r>
+              <a:rPr lang="en-US" altLang="ja-JP" dirty="0" smtClean="0">
+                <a:latin typeface="Consolas" panose="020B0609020204030204" pitchFamily="49" charset="0"/>
+              </a:rPr>
+              <a:t>(), is("2.5"));</a:t>
+            </a:r>
+          </a:p>
+          <a:p>
+            <a:r>
+              <a:rPr lang="en-US" altLang="ja-JP" dirty="0" smtClean="0">
+                <a:latin typeface="Consolas" panose="020B0609020204030204" pitchFamily="49" charset="0"/>
+              </a:rPr>
+              <a:t>    </a:t>
+            </a:r>
+            <a:r>
+              <a:rPr lang="en-US" altLang="ja-JP" dirty="0" err="1" smtClean="0">
+                <a:latin typeface="Consolas" panose="020B0609020204030204" pitchFamily="49" charset="0"/>
+              </a:rPr>
+              <a:t>assertThat</a:t>
+            </a:r>
+            <a:r>
+              <a:rPr lang="en-US" altLang="ja-JP" dirty="0" smtClean="0">
+                <a:latin typeface="Consolas" panose="020B0609020204030204" pitchFamily="49" charset="0"/>
+              </a:rPr>
+              <a:t>("GPGSA - read HDOP", </a:t>
+            </a:r>
+            <a:r>
+              <a:rPr lang="en-US" altLang="ja-JP" dirty="0" err="1" smtClean="0">
+                <a:latin typeface="Consolas" panose="020B0609020204030204" pitchFamily="49" charset="0"/>
+              </a:rPr>
+              <a:t>nmeaSentence.getLatestHdop</a:t>
+            </a:r>
+            <a:r>
+              <a:rPr lang="en-US" altLang="ja-JP" dirty="0" smtClean="0">
+                <a:latin typeface="Consolas" panose="020B0609020204030204" pitchFamily="49" charset="0"/>
+              </a:rPr>
+              <a:t>(), is("1.3"));</a:t>
+            </a:r>
+          </a:p>
+          <a:p>
+            <a:r>
+              <a:rPr lang="en-US" altLang="ja-JP" dirty="0" smtClean="0">
+                <a:latin typeface="Consolas" panose="020B0609020204030204" pitchFamily="49" charset="0"/>
+              </a:rPr>
+              <a:t>    </a:t>
+            </a:r>
+            <a:r>
+              <a:rPr lang="en-US" altLang="ja-JP" dirty="0" err="1" smtClean="0">
+                <a:latin typeface="Consolas" panose="020B0609020204030204" pitchFamily="49" charset="0"/>
+              </a:rPr>
+              <a:t>assertThat</a:t>
+            </a:r>
+            <a:r>
+              <a:rPr lang="en-US" altLang="ja-JP" dirty="0" smtClean="0">
+                <a:latin typeface="Consolas" panose="020B0609020204030204" pitchFamily="49" charset="0"/>
+              </a:rPr>
+              <a:t>("GPGSA - read VDOP", </a:t>
+            </a:r>
+            <a:r>
+              <a:rPr lang="en-US" altLang="ja-JP" dirty="0" err="1" smtClean="0">
+                <a:latin typeface="Consolas" panose="020B0609020204030204" pitchFamily="49" charset="0"/>
+              </a:rPr>
+              <a:t>nmeaSentence.getLatestVdop</a:t>
+            </a:r>
+            <a:r>
+              <a:rPr lang="en-US" altLang="ja-JP" dirty="0" smtClean="0">
+                <a:latin typeface="Consolas" panose="020B0609020204030204" pitchFamily="49" charset="0"/>
+              </a:rPr>
+              <a:t>(), is("2.1"));</a:t>
+            </a:r>
+          </a:p>
+          <a:p>
+            <a:r>
+              <a:rPr lang="en-US" altLang="ja-JP" dirty="0" smtClean="0">
+                <a:latin typeface="Consolas" panose="020B0609020204030204" pitchFamily="49" charset="0"/>
+              </a:rPr>
+              <a:t>}</a:t>
+            </a:r>
+            <a:endParaRPr lang="ja-JP" altLang="en-US" dirty="0">
+              <a:latin typeface="Consolas" panose="020B0609020204030204" pitchFamily="49" charset="0"/>
             </a:endParaRPr>
-          </a:p>
-          <a:p>
-            <a:pPr marL="0" lvl="0" indent="0" algn="l" rtl="0">
-              <a:lnSpc>
-                <a:spcPct val="115000"/>
-              </a:lnSpc>
-              <a:spcBef>
-                <a:spcPts val="0"/>
-              </a:spcBef>
-              <a:spcAft>
-                <a:spcPts val="0"/>
-              </a:spcAft>
-              <a:buClr>
-                <a:srgbClr val="000000"/>
-              </a:buClr>
-              <a:buSzPts val="1100"/>
-              <a:buFont typeface="Arial"/>
-              <a:buNone/>
-            </a:pPr>
-            <a:r>
-              <a:rPr lang="ja" b="1" dirty="0">
-                <a:solidFill>
-                  <a:srgbClr val="000000"/>
-                </a:solidFill>
-                <a:latin typeface="Consolas"/>
-                <a:ea typeface="Consolas"/>
-                <a:cs typeface="Consolas"/>
-                <a:sym typeface="Consolas"/>
-              </a:rPr>
-              <a:t>public void NmeaSentence_GPGSA_ReadValidValues(){</a:t>
-            </a:r>
-            <a:endParaRPr b="1" dirty="0">
-              <a:solidFill>
-                <a:srgbClr val="000000"/>
-              </a:solidFill>
-              <a:latin typeface="Consolas"/>
-              <a:ea typeface="Consolas"/>
-              <a:cs typeface="Consolas"/>
-              <a:sym typeface="Consolas"/>
-            </a:endParaRPr>
-          </a:p>
-          <a:p>
-            <a:pPr marL="0" lvl="0" indent="0" algn="l" rtl="0">
-              <a:lnSpc>
-                <a:spcPct val="115000"/>
-              </a:lnSpc>
-              <a:spcBef>
-                <a:spcPts val="0"/>
-              </a:spcBef>
-              <a:spcAft>
-                <a:spcPts val="0"/>
-              </a:spcAft>
-              <a:buClr>
-                <a:srgbClr val="000000"/>
-              </a:buClr>
-              <a:buSzPts val="1100"/>
-              <a:buFont typeface="Arial"/>
-              <a:buNone/>
-            </a:pPr>
-            <a:r>
-              <a:rPr lang="ja" b="1" dirty="0">
-                <a:solidFill>
-                  <a:srgbClr val="000000"/>
-                </a:solidFill>
-                <a:latin typeface="Consolas"/>
-                <a:ea typeface="Consolas"/>
-                <a:cs typeface="Consolas"/>
-                <a:sym typeface="Consolas"/>
-              </a:rPr>
-              <a:t>    .....</a:t>
-            </a:r>
-            <a:endParaRPr b="1" dirty="0">
-              <a:solidFill>
-                <a:srgbClr val="000000"/>
-              </a:solidFill>
-              <a:latin typeface="Consolas"/>
-              <a:ea typeface="Consolas"/>
-              <a:cs typeface="Consolas"/>
-              <a:sym typeface="Consolas"/>
-            </a:endParaRPr>
-          </a:p>
-          <a:p>
-            <a:pPr marL="0" lvl="0" indent="0" algn="l" rtl="0">
-              <a:lnSpc>
-                <a:spcPct val="115000"/>
-              </a:lnSpc>
-              <a:spcBef>
-                <a:spcPts val="0"/>
-              </a:spcBef>
-              <a:spcAft>
-                <a:spcPts val="0"/>
-              </a:spcAft>
-              <a:buClr>
-                <a:srgbClr val="000000"/>
-              </a:buClr>
-              <a:buSzPts val="1100"/>
-              <a:buFont typeface="Arial"/>
-              <a:buNone/>
-            </a:pPr>
-            <a:r>
-              <a:rPr lang="ja" b="1" dirty="0">
-                <a:solidFill>
-                  <a:srgbClr val="000000"/>
-                </a:solidFill>
-                <a:latin typeface="Consolas"/>
-                <a:ea typeface="Consolas"/>
-                <a:cs typeface="Consolas"/>
-                <a:sym typeface="Consolas"/>
-              </a:rPr>
-              <a:t>    assertThat("GPGSA", nmeaSentence.getPdop(), is("2"));</a:t>
-            </a:r>
-            <a:endParaRPr b="1" dirty="0">
-              <a:solidFill>
-                <a:srgbClr val="000000"/>
-              </a:solidFill>
-              <a:latin typeface="Consolas"/>
-              <a:ea typeface="Consolas"/>
-              <a:cs typeface="Consolas"/>
-              <a:sym typeface="Consolas"/>
-            </a:endParaRPr>
-          </a:p>
-          <a:p>
-            <a:pPr marL="0" lvl="0" indent="0" algn="l" rtl="0">
-              <a:lnSpc>
-                <a:spcPct val="115000"/>
-              </a:lnSpc>
-              <a:spcBef>
-                <a:spcPts val="0"/>
-              </a:spcBef>
-              <a:spcAft>
-                <a:spcPts val="0"/>
-              </a:spcAft>
-              <a:buClr>
-                <a:srgbClr val="000000"/>
-              </a:buClr>
-              <a:buSzPts val="1100"/>
-              <a:buFont typeface="Arial"/>
-              <a:buNone/>
-            </a:pPr>
-            <a:r>
-              <a:rPr lang="ja" b="1" dirty="0">
-                <a:solidFill>
-                  <a:srgbClr val="000000"/>
-                </a:solidFill>
-                <a:latin typeface="Consolas"/>
-                <a:ea typeface="Consolas"/>
-                <a:cs typeface="Consolas"/>
-                <a:sym typeface="Consolas"/>
-              </a:rPr>
-              <a:t>    assertThat("GPGSA", nmeaSentence.getHdop(), is("1"));</a:t>
-            </a:r>
-            <a:endParaRPr b="1" dirty="0">
-              <a:solidFill>
-                <a:srgbClr val="000000"/>
-              </a:solidFill>
-              <a:latin typeface="Consolas"/>
-              <a:ea typeface="Consolas"/>
-              <a:cs typeface="Consolas"/>
-              <a:sym typeface="Consolas"/>
-            </a:endParaRPr>
-          </a:p>
-          <a:p>
-            <a:pPr marL="0" lvl="0" indent="0" algn="l" rtl="0">
-              <a:lnSpc>
-                <a:spcPct val="115000"/>
-              </a:lnSpc>
-              <a:spcBef>
-                <a:spcPts val="0"/>
-              </a:spcBef>
-              <a:spcAft>
-                <a:spcPts val="0"/>
-              </a:spcAft>
-              <a:buClr>
-                <a:srgbClr val="000000"/>
-              </a:buClr>
-              <a:buSzPts val="1100"/>
-              <a:buFont typeface="Arial"/>
-              <a:buNone/>
-            </a:pPr>
-            <a:r>
-              <a:rPr lang="ja" b="1" dirty="0">
-                <a:solidFill>
-                  <a:srgbClr val="000000"/>
-                </a:solidFill>
-                <a:latin typeface="Consolas"/>
-                <a:ea typeface="Consolas"/>
-                <a:cs typeface="Consolas"/>
-                <a:sym typeface="Consolas"/>
-              </a:rPr>
-              <a:t>    assertThat("GPGSA", nmeaSentence.getVdop(), is(“-2"));</a:t>
-            </a:r>
-            <a:endParaRPr b="1" dirty="0">
-              <a:solidFill>
-                <a:srgbClr val="000000"/>
-              </a:solidFill>
-              <a:latin typeface="Consolas"/>
-              <a:ea typeface="Consolas"/>
-              <a:cs typeface="Consolas"/>
-              <a:sym typeface="Consolas"/>
-            </a:endParaRPr>
-          </a:p>
-          <a:p>
-            <a:pPr marL="0" lvl="0" indent="0" algn="l" rtl="0">
-              <a:lnSpc>
-                <a:spcPct val="115000"/>
-              </a:lnSpc>
-              <a:spcBef>
-                <a:spcPts val="0"/>
-              </a:spcBef>
-              <a:spcAft>
-                <a:spcPts val="0"/>
-              </a:spcAft>
-              <a:buClr>
-                <a:srgbClr val="000000"/>
-              </a:buClr>
-              <a:buSzPts val="1100"/>
-              <a:buFont typeface="Arial"/>
-              <a:buNone/>
-            </a:pPr>
-            <a:r>
-              <a:rPr lang="ja" b="1" dirty="0">
-                <a:solidFill>
-                  <a:srgbClr val="000000"/>
-                </a:solidFill>
-                <a:latin typeface="Consolas"/>
-                <a:ea typeface="Consolas"/>
-                <a:cs typeface="Consolas"/>
-                <a:sym typeface="Consolas"/>
-              </a:rPr>
-              <a:t>}</a:t>
-            </a:r>
-            <a:endParaRPr b="1" dirty="0">
-              <a:solidFill>
-                <a:srgbClr val="000000"/>
-              </a:solidFill>
-              <a:latin typeface="Consolas"/>
-              <a:ea typeface="Consolas"/>
-              <a:cs typeface="Consolas"/>
-              <a:sym typeface="Consolas"/>
-            </a:endParaRPr>
-          </a:p>
-          <a:p>
-            <a:pPr marL="0" lvl="0" indent="0" algn="l" rtl="0">
-              <a:lnSpc>
-                <a:spcPct val="115000"/>
-              </a:lnSpc>
-              <a:spcBef>
-                <a:spcPts val="0"/>
-              </a:spcBef>
-              <a:spcAft>
-                <a:spcPts val="0"/>
-              </a:spcAft>
-              <a:buClr>
-                <a:srgbClr val="000000"/>
-              </a:buClr>
-              <a:buSzPts val="1100"/>
-              <a:buFont typeface="Arial"/>
-              <a:buNone/>
-            </a:pPr>
-            <a:endParaRPr b="1" dirty="0">
-              <a:solidFill>
-                <a:srgbClr val="000000"/>
-              </a:solidFill>
-              <a:latin typeface="Consolas"/>
-              <a:ea typeface="Consolas"/>
-              <a:cs typeface="Consolas"/>
-              <a:sym typeface="Consolas"/>
-            </a:endParaRPr>
-          </a:p>
-          <a:p>
-            <a:pPr marL="0" lvl="0" indent="0" algn="l" rtl="0">
-              <a:spcBef>
-                <a:spcPts val="0"/>
-              </a:spcBef>
-              <a:spcAft>
-                <a:spcPts val="0"/>
-              </a:spcAft>
-              <a:buNone/>
-            </a:pPr>
-            <a:endParaRPr dirty="0"/>
           </a:p>
         </p:txBody>
       </p:sp>
       <p:sp>
         <p:nvSpPr>
-          <p:cNvPr id="10" name="Google Shape;120;p20"/>
+          <p:cNvPr id="12" name="正方形/長方形 11"/>
           <p:cNvSpPr/>
           <p:nvPr/>
         </p:nvSpPr>
         <p:spPr>
           <a:xfrm>
-            <a:off x="1358075" y="4338209"/>
-            <a:ext cx="7014400" cy="953250"/>
+            <a:off x="5365747" y="4689299"/>
+            <a:ext cx="3614966" cy="857476"/>
           </a:xfrm>
           <a:prstGeom prst="rect">
             <a:avLst/>
           </a:prstGeom>
           <a:noFill/>
-          <a:ln w="28575" cap="flat" cmpd="sng">
-            <a:solidFill>
-              <a:srgbClr val="4A86E8"/>
-            </a:solidFill>
-            <a:prstDash val="solid"/>
-            <a:round/>
-            <a:headEnd type="none" w="sm" len="sm"/>
-            <a:tailEnd type="none" w="sm" len="sm"/>
-          </a:ln>
+          <a:ln w="38100"/>
         </p:spPr>
+        <p:style>
+          <a:lnRef idx="2">
+            <a:schemeClr val="accent1"/>
+          </a:lnRef>
+          <a:fillRef idx="1">
+            <a:schemeClr val="lt1"/>
+          </a:fillRef>
+          <a:effectRef idx="0">
+            <a:schemeClr val="accent1"/>
+          </a:effectRef>
+          <a:fontRef idx="minor">
+            <a:schemeClr val="dk1"/>
+          </a:fontRef>
+        </p:style>
         <p:txBody>
-          <a:bodyPr spcFirstLastPara="1" wrap="square" lIns="91425" tIns="91425" rIns="91425" bIns="91425" anchor="t" anchorCtr="0">
-            <a:noAutofit/>
-          </a:bodyPr>
+          <a:bodyPr rtlCol="0" anchor="ctr"/>
           <a:lstStyle/>
           <a:p>
-            <a:pPr marL="0" lvl="0" indent="0" algn="l" rtl="0">
-              <a:spcBef>
-                <a:spcPts val="0"/>
-              </a:spcBef>
-              <a:spcAft>
-                <a:spcPts val="0"/>
-              </a:spcAft>
-              <a:buNone/>
-            </a:pPr>
-            <a:endParaRPr/>
+            <a:pPr algn="ctr"/>
+            <a:endParaRPr kumimoji="1" lang="ja-JP" altLang="en-US"/>
           </a:p>
         </p:txBody>
       </p:sp>
       <p:sp>
         <p:nvSpPr>
-          <p:cNvPr id="11" name="Google Shape;121;p20"/>
+          <p:cNvPr id="13" name="四角形吹き出し 12"/>
           <p:cNvSpPr/>
           <p:nvPr/>
         </p:nvSpPr>
         <p:spPr>
           <a:xfrm>
-            <a:off x="8372475" y="3559784"/>
-            <a:ext cx="3589500" cy="778425"/>
+            <a:off x="7339969" y="3199453"/>
+            <a:ext cx="4597399" cy="956702"/>
           </a:xfrm>
-          <a:prstGeom prst="wedgeRoundRectCallout">
+          <a:prstGeom prst="wedgeRectCallout">
             <a:avLst>
-              <a:gd name="adj1" fmla="val -86597"/>
-              <a:gd name="adj2" fmla="val 57142"/>
-              <a:gd name="adj3" fmla="val 0"/>
+              <a:gd name="adj1" fmla="val -67553"/>
+              <a:gd name="adj2" fmla="val 106705"/>
             </a:avLst>
           </a:prstGeom>
-          <a:solidFill>
-            <a:srgbClr val="FFDD9C"/>
-          </a:solidFill>
-          <a:ln w="9525" cap="flat" cmpd="sng">
-            <a:solidFill>
-              <a:srgbClr val="FFC000"/>
-            </a:solidFill>
-            <a:prstDash val="solid"/>
-            <a:round/>
-            <a:headEnd type="none" w="sm" len="sm"/>
-            <a:tailEnd type="none" w="sm" len="sm"/>
-          </a:ln>
+          <a:ln/>
         </p:spPr>
+        <p:style>
+          <a:lnRef idx="1">
+            <a:schemeClr val="accent4"/>
+          </a:lnRef>
+          <a:fillRef idx="2">
+            <a:schemeClr val="accent4"/>
+          </a:fillRef>
+          <a:effectRef idx="1">
+            <a:schemeClr val="accent4"/>
+          </a:effectRef>
+          <a:fontRef idx="minor">
+            <a:schemeClr val="dk1"/>
+          </a:fontRef>
+        </p:style>
         <p:txBody>
-          <a:bodyPr spcFirstLastPara="1" wrap="square" lIns="91425" tIns="91425" rIns="91425" bIns="91425" anchor="ctr" anchorCtr="0">
-            <a:noAutofit/>
-          </a:bodyPr>
+          <a:bodyPr rtlCol="0" anchor="ctr"/>
           <a:lstStyle/>
           <a:p>
-            <a:pPr marL="0" lvl="0" indent="0" algn="l" rtl="0">
-              <a:spcBef>
-                <a:spcPts val="0"/>
-              </a:spcBef>
-              <a:spcAft>
-                <a:spcPts val="0"/>
-              </a:spcAft>
-              <a:buNone/>
-            </a:pPr>
-            <a:r>
-              <a:rPr lang="ja" b="1" dirty="0">
-                <a:solidFill>
-                  <a:srgbClr val="000000"/>
-                </a:solidFill>
-              </a:rPr>
-              <a:t>テスト対象コードのメソッドが複数回呼び出される</a:t>
-            </a:r>
-            <a:endParaRPr b="1" dirty="0">
-              <a:solidFill>
-                <a:srgbClr val="000000"/>
-              </a:solidFill>
+            <a:pPr algn="ctr"/>
+            <a:r>
+              <a:rPr lang="ja-JP" altLang="en-US" sz="2600" dirty="0" smtClean="0">
+                <a:latin typeface="メイリオ" panose="020B0604030504040204" pitchFamily="50" charset="-128"/>
+                <a:ea typeface="メイリオ" panose="020B0604030504040204" pitchFamily="50" charset="-128"/>
+              </a:rPr>
+              <a:t>テスト対象</a:t>
+            </a:r>
+            <a:r>
+              <a:rPr lang="ja-JP" altLang="en-US" sz="2600" dirty="0" smtClean="0">
+                <a:latin typeface="メイリオ" panose="020B0604030504040204" pitchFamily="50" charset="-128"/>
+                <a:ea typeface="メイリオ" panose="020B0604030504040204" pitchFamily="50" charset="-128"/>
+              </a:rPr>
+              <a:t>コードのメソッドが複数回呼び出される</a:t>
+            </a:r>
+            <a:endParaRPr lang="ja-JP" altLang="en-US" sz="2600" dirty="0">
+              <a:latin typeface="メイリオ" panose="020B0604030504040204" pitchFamily="50" charset="-128"/>
+              <a:ea typeface="メイリオ" panose="020B0604030504040204" pitchFamily="50" charset="-128"/>
             </a:endParaRPr>
           </a:p>
         </p:txBody>
@@ -28686,7 +29552,417 @@
 </p:sld>
 </file>
 
-<file path=ppt/slides/slide29.xml><?xml version="1.0" encoding="utf-8"?>
+<file path=ppt/slides/slide3.xml><?xml version="1.0" encoding="utf-8"?>
+<p:sld xmlns:a="http://schemas.openxmlformats.org/drawingml/2006/main" xmlns:r="http://schemas.openxmlformats.org/officeDocument/2006/relationships" xmlns:p="http://schemas.openxmlformats.org/presentationml/2006/main">
+  <p:cSld>
+    <p:spTree>
+      <p:nvGrpSpPr>
+        <p:cNvPr id="1" name=""/>
+        <p:cNvGrpSpPr/>
+        <p:nvPr/>
+      </p:nvGrpSpPr>
+      <p:grpSpPr>
+        <a:xfrm>
+          <a:off x="0" y="0"/>
+          <a:ext cx="0" cy="0"/>
+          <a:chOff x="0" y="0"/>
+          <a:chExt cx="0" cy="0"/>
+        </a:xfrm>
+      </p:grpSpPr>
+      <p:sp>
+        <p:nvSpPr>
+          <p:cNvPr id="2" name="タイトル 1"/>
+          <p:cNvSpPr>
+            <a:spLocks noGrp="1"/>
+          </p:cNvSpPr>
+          <p:nvPr>
+            <p:ph type="title"/>
+          </p:nvPr>
+        </p:nvSpPr>
+        <p:spPr>
+          <a:xfrm>
+            <a:off x="197018" y="219428"/>
+            <a:ext cx="5608931" cy="729386"/>
+          </a:xfrm>
+        </p:spPr>
+        <p:txBody>
+          <a:bodyPr/>
+          <a:lstStyle/>
+          <a:p>
+            <a:r>
+              <a:rPr kumimoji="1" lang="ja-JP" altLang="en-US" dirty="0" smtClean="0">
+                <a:solidFill>
+                  <a:schemeClr val="bg1"/>
+                </a:solidFill>
+              </a:rPr>
+              <a:t>テストコード自動生成ツール</a:t>
+            </a:r>
+            <a:endParaRPr kumimoji="1" lang="ja-JP" altLang="en-US" dirty="0">
+              <a:solidFill>
+                <a:schemeClr val="bg1"/>
+              </a:solidFill>
+            </a:endParaRPr>
+          </a:p>
+        </p:txBody>
+      </p:sp>
+      <p:sp>
+        <p:nvSpPr>
+          <p:cNvPr id="4" name="コンテンツ プレースホルダー 2"/>
+          <p:cNvSpPr>
+            <a:spLocks noGrp="1"/>
+          </p:cNvSpPr>
+          <p:nvPr>
+            <p:ph idx="1"/>
+          </p:nvPr>
+        </p:nvSpPr>
+        <p:spPr>
+          <a:xfrm>
+            <a:off x="838198" y="1587161"/>
+            <a:ext cx="10741183" cy="902666"/>
+          </a:xfrm>
+        </p:spPr>
+        <p:txBody>
+          <a:bodyPr/>
+          <a:lstStyle/>
+          <a:p>
+            <a:r>
+              <a:rPr lang="ja-JP" altLang="en-US" dirty="0" smtClean="0"/>
+              <a:t>テスト</a:t>
+            </a:r>
+            <a:r>
+              <a:rPr lang="ja-JP" altLang="en-US" dirty="0"/>
+              <a:t>工程</a:t>
+            </a:r>
+            <a:r>
+              <a:rPr lang="ja-JP" altLang="en-US" dirty="0" smtClean="0"/>
+              <a:t>を支援するために、これまでに様々</a:t>
+            </a:r>
+            <a:r>
+              <a:rPr lang="ja-JP" altLang="en-US" dirty="0" smtClean="0"/>
+              <a:t>な自動</a:t>
+            </a:r>
+            <a:r>
+              <a:rPr lang="ja-JP" altLang="en-US" dirty="0" smtClean="0"/>
+              <a:t>生成ツールが提案されてき</a:t>
+            </a:r>
+            <a:r>
+              <a:rPr lang="ja-JP" altLang="en-US" dirty="0"/>
+              <a:t>た</a:t>
+            </a:r>
+            <a:endParaRPr kumimoji="1" lang="ja-JP" altLang="en-US" dirty="0"/>
+          </a:p>
+        </p:txBody>
+      </p:sp>
+      <p:pic>
+        <p:nvPicPr>
+          <p:cNvPr id="5" name="Picture 2" descr="site logo"/>
+          <p:cNvPicPr>
+            <a:picLocks noChangeAspect="1" noChangeArrowheads="1"/>
+          </p:cNvPicPr>
+          <p:nvPr/>
+        </p:nvPicPr>
+        <p:blipFill>
+          <a:blip r:embed="rId3">
+            <a:extLst>
+              <a:ext uri="{28A0092B-C50C-407E-A947-70E740481C1C}">
+                <a14:useLocalDpi xmlns:a14="http://schemas.microsoft.com/office/drawing/2010/main" val="0"/>
+              </a:ext>
+            </a:extLst>
+          </a:blip>
+          <a:srcRect/>
+          <a:stretch>
+            <a:fillRect/>
+          </a:stretch>
+        </p:blipFill>
+        <p:spPr bwMode="auto">
+          <a:xfrm>
+            <a:off x="1793321" y="2748979"/>
+            <a:ext cx="2692699" cy="435477"/>
+          </a:xfrm>
+          <a:prstGeom prst="rect">
+            <a:avLst/>
+          </a:prstGeom>
+          <a:noFill/>
+          <a:extLst>
+            <a:ext uri="{909E8E84-426E-40DD-AFC4-6F175D3DCCD1}">
+              <a14:hiddenFill xmlns:a14="http://schemas.microsoft.com/office/drawing/2010/main">
+                <a:solidFill>
+                  <a:srgbClr val="FFFFFF"/>
+                </a:solidFill>
+              </a14:hiddenFill>
+            </a:ext>
+          </a:extLst>
+        </p:spPr>
+      </p:pic>
+      <p:pic>
+        <p:nvPicPr>
+          <p:cNvPr id="6" name="Picture 8" descr="Javaå¯¾å¿éçè§£æã»åä½ãã¹ããã¼ã« Jtest"/>
+          <p:cNvPicPr>
+            <a:picLocks noChangeAspect="1" noChangeArrowheads="1"/>
+          </p:cNvPicPr>
+          <p:nvPr/>
+        </p:nvPicPr>
+        <p:blipFill>
+          <a:blip r:embed="rId4" cstate="print">
+            <a:extLst>
+              <a:ext uri="{28A0092B-C50C-407E-A947-70E740481C1C}">
+                <a14:useLocalDpi xmlns:a14="http://schemas.microsoft.com/office/drawing/2010/main" val="0"/>
+              </a:ext>
+            </a:extLst>
+          </a:blip>
+          <a:srcRect/>
+          <a:stretch>
+            <a:fillRect/>
+          </a:stretch>
+        </p:blipFill>
+        <p:spPr bwMode="auto">
+          <a:xfrm>
+            <a:off x="5019255" y="3465187"/>
+            <a:ext cx="1902255" cy="1141353"/>
+          </a:xfrm>
+          <a:prstGeom prst="rect">
+            <a:avLst/>
+          </a:prstGeom>
+          <a:noFill/>
+          <a:extLst>
+            <a:ext uri="{909E8E84-426E-40DD-AFC4-6F175D3DCCD1}">
+              <a14:hiddenFill xmlns:a14="http://schemas.microsoft.com/office/drawing/2010/main">
+                <a:solidFill>
+                  <a:srgbClr val="FFFFFF"/>
+                </a:solidFill>
+              </a14:hiddenFill>
+            </a:ext>
+          </a:extLst>
+        </p:spPr>
+      </p:pic>
+      <p:pic>
+        <p:nvPicPr>
+          <p:cNvPr id="7" name="図 6"/>
+          <p:cNvPicPr>
+            <a:picLocks noChangeAspect="1"/>
+          </p:cNvPicPr>
+          <p:nvPr/>
+        </p:nvPicPr>
+        <p:blipFill rotWithShape="1">
+          <a:blip r:embed="rId5"/>
+          <a:srcRect l="2412" t="14151" r="48903" b="69708"/>
+          <a:stretch/>
+        </p:blipFill>
+        <p:spPr>
+          <a:xfrm>
+            <a:off x="1238895" y="3613445"/>
+            <a:ext cx="3451873" cy="643728"/>
+          </a:xfrm>
+          <a:prstGeom prst="rect">
+            <a:avLst/>
+          </a:prstGeom>
+        </p:spPr>
+      </p:pic>
+      <p:sp>
+        <p:nvSpPr>
+          <p:cNvPr id="8" name="テキスト ボックス 7"/>
+          <p:cNvSpPr txBox="1"/>
+          <p:nvPr/>
+        </p:nvSpPr>
+        <p:spPr>
+          <a:xfrm>
+            <a:off x="5195276" y="2652720"/>
+            <a:ext cx="2286000" cy="707886"/>
+          </a:xfrm>
+          <a:prstGeom prst="rect">
+            <a:avLst/>
+          </a:prstGeom>
+          <a:noFill/>
+        </p:spPr>
+        <p:txBody>
+          <a:bodyPr wrap="square" rtlCol="0">
+            <a:spAutoFit/>
+          </a:bodyPr>
+          <a:lstStyle/>
+          <a:p>
+            <a:r>
+              <a:rPr kumimoji="1" lang="en-US" altLang="ja-JP" sz="4000" b="1" dirty="0" err="1" smtClean="0"/>
+              <a:t>TestFul</a:t>
+            </a:r>
+            <a:endParaRPr kumimoji="1" lang="ja-JP" altLang="en-US" sz="4000" b="1" dirty="0"/>
+          </a:p>
+        </p:txBody>
+      </p:sp>
+      <p:sp>
+        <p:nvSpPr>
+          <p:cNvPr id="9" name="テキスト ボックス 8"/>
+          <p:cNvSpPr txBox="1"/>
+          <p:nvPr/>
+        </p:nvSpPr>
+        <p:spPr>
+          <a:xfrm>
+            <a:off x="7299996" y="3549287"/>
+            <a:ext cx="1140622" cy="707886"/>
+          </a:xfrm>
+          <a:prstGeom prst="rect">
+            <a:avLst/>
+          </a:prstGeom>
+          <a:noFill/>
+        </p:spPr>
+        <p:txBody>
+          <a:bodyPr wrap="square" rtlCol="0">
+            <a:spAutoFit/>
+          </a:bodyPr>
+          <a:lstStyle/>
+          <a:p>
+            <a:r>
+              <a:rPr lang="en-US" altLang="ja-JP" sz="4000" b="1" dirty="0" err="1" smtClean="0"/>
+              <a:t>Pex</a:t>
+            </a:r>
+            <a:endParaRPr kumimoji="1" lang="ja-JP" altLang="en-US" sz="4000" b="1" dirty="0"/>
+          </a:p>
+        </p:txBody>
+      </p:sp>
+      <p:sp>
+        <p:nvSpPr>
+          <p:cNvPr id="10" name="テキスト ボックス 9"/>
+          <p:cNvSpPr txBox="1"/>
+          <p:nvPr/>
+        </p:nvSpPr>
+        <p:spPr>
+          <a:xfrm>
+            <a:off x="7825156" y="2612774"/>
+            <a:ext cx="2286000" cy="707886"/>
+          </a:xfrm>
+          <a:prstGeom prst="rect">
+            <a:avLst/>
+          </a:prstGeom>
+          <a:noFill/>
+        </p:spPr>
+        <p:txBody>
+          <a:bodyPr wrap="square" rtlCol="0">
+            <a:spAutoFit/>
+          </a:bodyPr>
+          <a:lstStyle/>
+          <a:p>
+            <a:r>
+              <a:rPr kumimoji="1" lang="en-US" altLang="ja-JP" sz="4000" b="1" dirty="0" smtClean="0"/>
+              <a:t>Seeker</a:t>
+            </a:r>
+            <a:endParaRPr kumimoji="1" lang="ja-JP" altLang="en-US" sz="4000" b="1" dirty="0"/>
+          </a:p>
+        </p:txBody>
+      </p:sp>
+      <p:sp>
+        <p:nvSpPr>
+          <p:cNvPr id="11" name="角丸四角形 10"/>
+          <p:cNvSpPr/>
+          <p:nvPr/>
+        </p:nvSpPr>
+        <p:spPr>
+          <a:xfrm>
+            <a:off x="872601" y="5153688"/>
+            <a:ext cx="10195561" cy="1152939"/>
+          </a:xfrm>
+          <a:prstGeom prst="roundRect">
+            <a:avLst/>
+          </a:prstGeom>
+        </p:spPr>
+        <p:style>
+          <a:lnRef idx="1">
+            <a:schemeClr val="accent4"/>
+          </a:lnRef>
+          <a:fillRef idx="2">
+            <a:schemeClr val="accent4"/>
+          </a:fillRef>
+          <a:effectRef idx="1">
+            <a:schemeClr val="accent4"/>
+          </a:effectRef>
+          <a:fontRef idx="minor">
+            <a:schemeClr val="dk1"/>
+          </a:fontRef>
+        </p:style>
+        <p:txBody>
+          <a:bodyPr rtlCol="0" anchor="ctr"/>
+          <a:lstStyle/>
+          <a:p>
+            <a:r>
+              <a:rPr lang="ja-JP" altLang="en-US" sz="3200" dirty="0" smtClean="0">
+                <a:latin typeface="メイリオ" panose="020B0604030504040204" pitchFamily="50" charset="-128"/>
+                <a:ea typeface="メイリオ" panose="020B0604030504040204" pitchFamily="50" charset="-128"/>
+              </a:rPr>
+              <a:t>開発者</a:t>
+            </a:r>
+            <a:r>
+              <a:rPr lang="ja-JP" altLang="en-US" sz="3200" dirty="0">
+                <a:latin typeface="メイリオ" panose="020B0604030504040204" pitchFamily="50" charset="-128"/>
+                <a:ea typeface="メイリオ" panose="020B0604030504040204" pitchFamily="50" charset="-128"/>
+              </a:rPr>
+              <a:t>の実装コストを削減</a:t>
+            </a:r>
+            <a:r>
+              <a:rPr lang="ja-JP" altLang="en-US" sz="3200" dirty="0" smtClean="0">
+                <a:latin typeface="メイリオ" panose="020B0604030504040204" pitchFamily="50" charset="-128"/>
+                <a:ea typeface="メイリオ" panose="020B0604030504040204" pitchFamily="50" charset="-128"/>
+              </a:rPr>
+              <a:t>し、短期間</a:t>
+            </a:r>
+            <a:r>
+              <a:rPr lang="ja-JP" altLang="en-US" sz="3200" dirty="0">
+                <a:latin typeface="メイリオ" panose="020B0604030504040204" pitchFamily="50" charset="-128"/>
+                <a:ea typeface="メイリオ" panose="020B0604030504040204" pitchFamily="50" charset="-128"/>
+              </a:rPr>
+              <a:t>でテストコードを作成できる</a:t>
+            </a:r>
+          </a:p>
+        </p:txBody>
+      </p:sp>
+      <p:sp>
+        <p:nvSpPr>
+          <p:cNvPr id="12" name="テキスト ボックス 11"/>
+          <p:cNvSpPr txBox="1"/>
+          <p:nvPr/>
+        </p:nvSpPr>
+        <p:spPr>
+          <a:xfrm>
+            <a:off x="8671593" y="3549287"/>
+            <a:ext cx="2286000" cy="707886"/>
+          </a:xfrm>
+          <a:prstGeom prst="rect">
+            <a:avLst/>
+          </a:prstGeom>
+          <a:noFill/>
+        </p:spPr>
+        <p:txBody>
+          <a:bodyPr wrap="square" rtlCol="0">
+            <a:spAutoFit/>
+          </a:bodyPr>
+          <a:lstStyle/>
+          <a:p>
+            <a:r>
+              <a:rPr lang="en-US" altLang="ja-JP" sz="4000" b="1" dirty="0" smtClean="0"/>
+              <a:t>Grafter</a:t>
+            </a:r>
+            <a:endParaRPr kumimoji="1" lang="ja-JP" altLang="en-US" sz="4000" b="1" dirty="0"/>
+          </a:p>
+        </p:txBody>
+      </p:sp>
+    </p:spTree>
+    <p:extLst>
+      <p:ext uri="{BB962C8B-B14F-4D97-AF65-F5344CB8AC3E}">
+        <p14:creationId xmlns:p14="http://schemas.microsoft.com/office/powerpoint/2010/main" val="2209929105"/>
+      </p:ext>
+    </p:extLst>
+  </p:cSld>
+  <p:clrMapOvr>
+    <a:masterClrMapping/>
+  </p:clrMapOvr>
+  <p:timing>
+    <p:tnLst>
+      <p:par>
+        <p:cTn id="1" dur="indefinite" restart="never" nodeType="tmRoot"/>
+      </p:par>
+    </p:tnLst>
+  </p:timing>
+</p:sld>
+</file>
+
+<file path=ppt/slides/slide30.xml><?xml version="1.0" encoding="utf-8"?>
 <p:sld xmlns:a="http://schemas.openxmlformats.org/drawingml/2006/main" xmlns:r="http://schemas.openxmlformats.org/officeDocument/2006/relationships" xmlns:p="http://schemas.openxmlformats.org/presentationml/2006/main">
   <p:cSld>
     <p:spTree>
@@ -29795,417 +31071,7 @@
 </p:sld>
 </file>
 
-<file path=ppt/slides/slide3.xml><?xml version="1.0" encoding="utf-8"?>
-<p:sld xmlns:a="http://schemas.openxmlformats.org/drawingml/2006/main" xmlns:r="http://schemas.openxmlformats.org/officeDocument/2006/relationships" xmlns:p="http://schemas.openxmlformats.org/presentationml/2006/main">
-  <p:cSld>
-    <p:spTree>
-      <p:nvGrpSpPr>
-        <p:cNvPr id="1" name=""/>
-        <p:cNvGrpSpPr/>
-        <p:nvPr/>
-      </p:nvGrpSpPr>
-      <p:grpSpPr>
-        <a:xfrm>
-          <a:off x="0" y="0"/>
-          <a:ext cx="0" cy="0"/>
-          <a:chOff x="0" y="0"/>
-          <a:chExt cx="0" cy="0"/>
-        </a:xfrm>
-      </p:grpSpPr>
-      <p:sp>
-        <p:nvSpPr>
-          <p:cNvPr id="2" name="タイトル 1"/>
-          <p:cNvSpPr>
-            <a:spLocks noGrp="1"/>
-          </p:cNvSpPr>
-          <p:nvPr>
-            <p:ph type="title"/>
-          </p:nvPr>
-        </p:nvSpPr>
-        <p:spPr>
-          <a:xfrm>
-            <a:off x="197018" y="219428"/>
-            <a:ext cx="5608931" cy="729386"/>
-          </a:xfrm>
-        </p:spPr>
-        <p:txBody>
-          <a:bodyPr/>
-          <a:lstStyle/>
-          <a:p>
-            <a:r>
-              <a:rPr kumimoji="1" lang="ja-JP" altLang="en-US" dirty="0" smtClean="0">
-                <a:solidFill>
-                  <a:schemeClr val="bg1"/>
-                </a:solidFill>
-              </a:rPr>
-              <a:t>テストコード自動生成ツール</a:t>
-            </a:r>
-            <a:endParaRPr kumimoji="1" lang="ja-JP" altLang="en-US" dirty="0">
-              <a:solidFill>
-                <a:schemeClr val="bg1"/>
-              </a:solidFill>
-            </a:endParaRPr>
-          </a:p>
-        </p:txBody>
-      </p:sp>
-      <p:sp>
-        <p:nvSpPr>
-          <p:cNvPr id="4" name="コンテンツ プレースホルダー 2"/>
-          <p:cNvSpPr>
-            <a:spLocks noGrp="1"/>
-          </p:cNvSpPr>
-          <p:nvPr>
-            <p:ph idx="1"/>
-          </p:nvPr>
-        </p:nvSpPr>
-        <p:spPr>
-          <a:xfrm>
-            <a:off x="838198" y="1587161"/>
-            <a:ext cx="10741183" cy="902666"/>
-          </a:xfrm>
-        </p:spPr>
-        <p:txBody>
-          <a:bodyPr/>
-          <a:lstStyle/>
-          <a:p>
-            <a:r>
-              <a:rPr lang="ja-JP" altLang="en-US" dirty="0" smtClean="0"/>
-              <a:t>テスト</a:t>
-            </a:r>
-            <a:r>
-              <a:rPr lang="ja-JP" altLang="en-US" dirty="0"/>
-              <a:t>工程</a:t>
-            </a:r>
-            <a:r>
-              <a:rPr lang="ja-JP" altLang="en-US" dirty="0" smtClean="0"/>
-              <a:t>を支援するために、これまでに様々</a:t>
-            </a:r>
-            <a:r>
-              <a:rPr lang="ja-JP" altLang="en-US" dirty="0" smtClean="0"/>
-              <a:t>な自動</a:t>
-            </a:r>
-            <a:r>
-              <a:rPr lang="ja-JP" altLang="en-US" dirty="0" smtClean="0"/>
-              <a:t>生成ツールが提案されてき</a:t>
-            </a:r>
-            <a:r>
-              <a:rPr lang="ja-JP" altLang="en-US" dirty="0"/>
-              <a:t>た</a:t>
-            </a:r>
-            <a:endParaRPr kumimoji="1" lang="ja-JP" altLang="en-US" dirty="0"/>
-          </a:p>
-        </p:txBody>
-      </p:sp>
-      <p:pic>
-        <p:nvPicPr>
-          <p:cNvPr id="5" name="Picture 2" descr="site logo"/>
-          <p:cNvPicPr>
-            <a:picLocks noChangeAspect="1" noChangeArrowheads="1"/>
-          </p:cNvPicPr>
-          <p:nvPr/>
-        </p:nvPicPr>
-        <p:blipFill>
-          <a:blip r:embed="rId3">
-            <a:extLst>
-              <a:ext uri="{28A0092B-C50C-407E-A947-70E740481C1C}">
-                <a14:useLocalDpi xmlns:a14="http://schemas.microsoft.com/office/drawing/2010/main" val="0"/>
-              </a:ext>
-            </a:extLst>
-          </a:blip>
-          <a:srcRect/>
-          <a:stretch>
-            <a:fillRect/>
-          </a:stretch>
-        </p:blipFill>
-        <p:spPr bwMode="auto">
-          <a:xfrm>
-            <a:off x="1793321" y="2748979"/>
-            <a:ext cx="2692699" cy="435477"/>
-          </a:xfrm>
-          <a:prstGeom prst="rect">
-            <a:avLst/>
-          </a:prstGeom>
-          <a:noFill/>
-          <a:extLst>
-            <a:ext uri="{909E8E84-426E-40DD-AFC4-6F175D3DCCD1}">
-              <a14:hiddenFill xmlns:a14="http://schemas.microsoft.com/office/drawing/2010/main">
-                <a:solidFill>
-                  <a:srgbClr val="FFFFFF"/>
-                </a:solidFill>
-              </a14:hiddenFill>
-            </a:ext>
-          </a:extLst>
-        </p:spPr>
-      </p:pic>
-      <p:pic>
-        <p:nvPicPr>
-          <p:cNvPr id="6" name="Picture 8" descr="Javaå¯¾å¿éçè§£æã»åä½ãã¹ããã¼ã« Jtest"/>
-          <p:cNvPicPr>
-            <a:picLocks noChangeAspect="1" noChangeArrowheads="1"/>
-          </p:cNvPicPr>
-          <p:nvPr/>
-        </p:nvPicPr>
-        <p:blipFill>
-          <a:blip r:embed="rId4" cstate="print">
-            <a:extLst>
-              <a:ext uri="{28A0092B-C50C-407E-A947-70E740481C1C}">
-                <a14:useLocalDpi xmlns:a14="http://schemas.microsoft.com/office/drawing/2010/main" val="0"/>
-              </a:ext>
-            </a:extLst>
-          </a:blip>
-          <a:srcRect/>
-          <a:stretch>
-            <a:fillRect/>
-          </a:stretch>
-        </p:blipFill>
-        <p:spPr bwMode="auto">
-          <a:xfrm>
-            <a:off x="5019255" y="3465187"/>
-            <a:ext cx="1902255" cy="1141353"/>
-          </a:xfrm>
-          <a:prstGeom prst="rect">
-            <a:avLst/>
-          </a:prstGeom>
-          <a:noFill/>
-          <a:extLst>
-            <a:ext uri="{909E8E84-426E-40DD-AFC4-6F175D3DCCD1}">
-              <a14:hiddenFill xmlns:a14="http://schemas.microsoft.com/office/drawing/2010/main">
-                <a:solidFill>
-                  <a:srgbClr val="FFFFFF"/>
-                </a:solidFill>
-              </a14:hiddenFill>
-            </a:ext>
-          </a:extLst>
-        </p:spPr>
-      </p:pic>
-      <p:pic>
-        <p:nvPicPr>
-          <p:cNvPr id="7" name="図 6"/>
-          <p:cNvPicPr>
-            <a:picLocks noChangeAspect="1"/>
-          </p:cNvPicPr>
-          <p:nvPr/>
-        </p:nvPicPr>
-        <p:blipFill rotWithShape="1">
-          <a:blip r:embed="rId5"/>
-          <a:srcRect l="2412" t="14151" r="48903" b="69708"/>
-          <a:stretch/>
-        </p:blipFill>
-        <p:spPr>
-          <a:xfrm>
-            <a:off x="1238895" y="3613445"/>
-            <a:ext cx="3451873" cy="643728"/>
-          </a:xfrm>
-          <a:prstGeom prst="rect">
-            <a:avLst/>
-          </a:prstGeom>
-        </p:spPr>
-      </p:pic>
-      <p:sp>
-        <p:nvSpPr>
-          <p:cNvPr id="8" name="テキスト ボックス 7"/>
-          <p:cNvSpPr txBox="1"/>
-          <p:nvPr/>
-        </p:nvSpPr>
-        <p:spPr>
-          <a:xfrm>
-            <a:off x="5195276" y="2652720"/>
-            <a:ext cx="2286000" cy="707886"/>
-          </a:xfrm>
-          <a:prstGeom prst="rect">
-            <a:avLst/>
-          </a:prstGeom>
-          <a:noFill/>
-        </p:spPr>
-        <p:txBody>
-          <a:bodyPr wrap="square" rtlCol="0">
-            <a:spAutoFit/>
-          </a:bodyPr>
-          <a:lstStyle/>
-          <a:p>
-            <a:r>
-              <a:rPr kumimoji="1" lang="en-US" altLang="ja-JP" sz="4000" b="1" dirty="0" err="1" smtClean="0"/>
-              <a:t>TestFul</a:t>
-            </a:r>
-            <a:endParaRPr kumimoji="1" lang="ja-JP" altLang="en-US" sz="4000" b="1" dirty="0"/>
-          </a:p>
-        </p:txBody>
-      </p:sp>
-      <p:sp>
-        <p:nvSpPr>
-          <p:cNvPr id="9" name="テキスト ボックス 8"/>
-          <p:cNvSpPr txBox="1"/>
-          <p:nvPr/>
-        </p:nvSpPr>
-        <p:spPr>
-          <a:xfrm>
-            <a:off x="7299996" y="3549287"/>
-            <a:ext cx="1140622" cy="707886"/>
-          </a:xfrm>
-          <a:prstGeom prst="rect">
-            <a:avLst/>
-          </a:prstGeom>
-          <a:noFill/>
-        </p:spPr>
-        <p:txBody>
-          <a:bodyPr wrap="square" rtlCol="0">
-            <a:spAutoFit/>
-          </a:bodyPr>
-          <a:lstStyle/>
-          <a:p>
-            <a:r>
-              <a:rPr lang="en-US" altLang="ja-JP" sz="4000" b="1" dirty="0" err="1" smtClean="0"/>
-              <a:t>Pex</a:t>
-            </a:r>
-            <a:endParaRPr kumimoji="1" lang="ja-JP" altLang="en-US" sz="4000" b="1" dirty="0"/>
-          </a:p>
-        </p:txBody>
-      </p:sp>
-      <p:sp>
-        <p:nvSpPr>
-          <p:cNvPr id="10" name="テキスト ボックス 9"/>
-          <p:cNvSpPr txBox="1"/>
-          <p:nvPr/>
-        </p:nvSpPr>
-        <p:spPr>
-          <a:xfrm>
-            <a:off x="7825156" y="2612774"/>
-            <a:ext cx="2286000" cy="707886"/>
-          </a:xfrm>
-          <a:prstGeom prst="rect">
-            <a:avLst/>
-          </a:prstGeom>
-          <a:noFill/>
-        </p:spPr>
-        <p:txBody>
-          <a:bodyPr wrap="square" rtlCol="0">
-            <a:spAutoFit/>
-          </a:bodyPr>
-          <a:lstStyle/>
-          <a:p>
-            <a:r>
-              <a:rPr kumimoji="1" lang="en-US" altLang="ja-JP" sz="4000" b="1" dirty="0" smtClean="0"/>
-              <a:t>Seeker</a:t>
-            </a:r>
-            <a:endParaRPr kumimoji="1" lang="ja-JP" altLang="en-US" sz="4000" b="1" dirty="0"/>
-          </a:p>
-        </p:txBody>
-      </p:sp>
-      <p:sp>
-        <p:nvSpPr>
-          <p:cNvPr id="11" name="角丸四角形 10"/>
-          <p:cNvSpPr/>
-          <p:nvPr/>
-        </p:nvSpPr>
-        <p:spPr>
-          <a:xfrm>
-            <a:off x="872601" y="5153688"/>
-            <a:ext cx="10195561" cy="1152939"/>
-          </a:xfrm>
-          <a:prstGeom prst="roundRect">
-            <a:avLst/>
-          </a:prstGeom>
-        </p:spPr>
-        <p:style>
-          <a:lnRef idx="1">
-            <a:schemeClr val="accent4"/>
-          </a:lnRef>
-          <a:fillRef idx="2">
-            <a:schemeClr val="accent4"/>
-          </a:fillRef>
-          <a:effectRef idx="1">
-            <a:schemeClr val="accent4"/>
-          </a:effectRef>
-          <a:fontRef idx="minor">
-            <a:schemeClr val="dk1"/>
-          </a:fontRef>
-        </p:style>
-        <p:txBody>
-          <a:bodyPr rtlCol="0" anchor="ctr"/>
-          <a:lstStyle/>
-          <a:p>
-            <a:r>
-              <a:rPr lang="ja-JP" altLang="en-US" sz="3200" dirty="0" smtClean="0">
-                <a:latin typeface="メイリオ" panose="020B0604030504040204" pitchFamily="50" charset="-128"/>
-                <a:ea typeface="メイリオ" panose="020B0604030504040204" pitchFamily="50" charset="-128"/>
-              </a:rPr>
-              <a:t>開発者</a:t>
-            </a:r>
-            <a:r>
-              <a:rPr lang="ja-JP" altLang="en-US" sz="3200" dirty="0">
-                <a:latin typeface="メイリオ" panose="020B0604030504040204" pitchFamily="50" charset="-128"/>
-                <a:ea typeface="メイリオ" panose="020B0604030504040204" pitchFamily="50" charset="-128"/>
-              </a:rPr>
-              <a:t>の実装コストを削減</a:t>
-            </a:r>
-            <a:r>
-              <a:rPr lang="ja-JP" altLang="en-US" sz="3200" dirty="0" smtClean="0">
-                <a:latin typeface="メイリオ" panose="020B0604030504040204" pitchFamily="50" charset="-128"/>
-                <a:ea typeface="メイリオ" panose="020B0604030504040204" pitchFamily="50" charset="-128"/>
-              </a:rPr>
-              <a:t>し、短期間</a:t>
-            </a:r>
-            <a:r>
-              <a:rPr lang="ja-JP" altLang="en-US" sz="3200" dirty="0">
-                <a:latin typeface="メイリオ" panose="020B0604030504040204" pitchFamily="50" charset="-128"/>
-                <a:ea typeface="メイリオ" panose="020B0604030504040204" pitchFamily="50" charset="-128"/>
-              </a:rPr>
-              <a:t>でテストコードを作成できる</a:t>
-            </a:r>
-          </a:p>
-        </p:txBody>
-      </p:sp>
-      <p:sp>
-        <p:nvSpPr>
-          <p:cNvPr id="12" name="テキスト ボックス 11"/>
-          <p:cNvSpPr txBox="1"/>
-          <p:nvPr/>
-        </p:nvSpPr>
-        <p:spPr>
-          <a:xfrm>
-            <a:off x="8671593" y="3549287"/>
-            <a:ext cx="2286000" cy="707886"/>
-          </a:xfrm>
-          <a:prstGeom prst="rect">
-            <a:avLst/>
-          </a:prstGeom>
-          <a:noFill/>
-        </p:spPr>
-        <p:txBody>
-          <a:bodyPr wrap="square" rtlCol="0">
-            <a:spAutoFit/>
-          </a:bodyPr>
-          <a:lstStyle/>
-          <a:p>
-            <a:r>
-              <a:rPr lang="en-US" altLang="ja-JP" sz="4000" b="1" dirty="0" smtClean="0"/>
-              <a:t>Grafter</a:t>
-            </a:r>
-            <a:endParaRPr kumimoji="1" lang="ja-JP" altLang="en-US" sz="4000" b="1" dirty="0"/>
-          </a:p>
-        </p:txBody>
-      </p:sp>
-    </p:spTree>
-    <p:extLst>
-      <p:ext uri="{BB962C8B-B14F-4D97-AF65-F5344CB8AC3E}">
-        <p14:creationId xmlns:p14="http://schemas.microsoft.com/office/powerpoint/2010/main" val="2209929105"/>
-      </p:ext>
-    </p:extLst>
-  </p:cSld>
-  <p:clrMapOvr>
-    <a:masterClrMapping/>
-  </p:clrMapOvr>
-  <p:timing>
-    <p:tnLst>
-      <p:par>
-        <p:cTn id="1" dur="indefinite" restart="never" nodeType="tmRoot"/>
-      </p:par>
-    </p:tnLst>
-  </p:timing>
-</p:sld>
-</file>
-
-<file path=ppt/slides/slide30.xml><?xml version="1.0" encoding="utf-8"?>
+<file path=ppt/slides/slide31.xml><?xml version="1.0" encoding="utf-8"?>
 <p:sld xmlns:a="http://schemas.openxmlformats.org/drawingml/2006/main" xmlns:r="http://schemas.openxmlformats.org/officeDocument/2006/relationships" xmlns:p="http://schemas.openxmlformats.org/presentationml/2006/main">
   <p:cSld>
     <p:spTree>
@@ -30595,7 +31461,7 @@
 </p:sld>
 </file>
 
-<file path=ppt/slides/slide31.xml><?xml version="1.0" encoding="utf-8"?>
+<file path=ppt/slides/slide32.xml><?xml version="1.0" encoding="utf-8"?>
 <p:sld xmlns:a="http://schemas.openxmlformats.org/drawingml/2006/main" xmlns:r="http://schemas.openxmlformats.org/officeDocument/2006/relationships" xmlns:p="http://schemas.openxmlformats.org/presentationml/2006/main">
   <p:cSld>
     <p:spTree>
@@ -30873,7 +31739,7 @@
 </p:sld>
 </file>
 
-<file path=ppt/slides/slide32.xml><?xml version="1.0" encoding="utf-8"?>
+<file path=ppt/slides/slide33.xml><?xml version="1.0" encoding="utf-8"?>
 <p:sld xmlns:a="http://schemas.openxmlformats.org/drawingml/2006/main" xmlns:r="http://schemas.openxmlformats.org/officeDocument/2006/relationships" xmlns:p="http://schemas.openxmlformats.org/presentationml/2006/main">
   <p:cSld>
     <p:spTree>
@@ -31592,7 +32458,7 @@
 </p:sld>
 </file>
 
-<file path=ppt/slides/slide33.xml><?xml version="1.0" encoding="utf-8"?>
+<file path=ppt/slides/slide34.xml><?xml version="1.0" encoding="utf-8"?>
 <p:sld xmlns:a="http://schemas.openxmlformats.org/drawingml/2006/main" xmlns:r="http://schemas.openxmlformats.org/officeDocument/2006/relationships" xmlns:p="http://schemas.openxmlformats.org/presentationml/2006/main">
   <p:cSld>
     <p:spTree>
@@ -32784,7 +33650,7 @@
 </p:sld>
 </file>
 
-<file path=ppt/slides/slide34.xml><?xml version="1.0" encoding="utf-8"?>
+<file path=ppt/slides/slide35.xml><?xml version="1.0" encoding="utf-8"?>
 <p:sld xmlns:a="http://schemas.openxmlformats.org/drawingml/2006/main" xmlns:r="http://schemas.openxmlformats.org/officeDocument/2006/relationships" xmlns:p="http://schemas.openxmlformats.org/presentationml/2006/main">
   <p:cSld>
     <p:spTree>
@@ -33793,7 +34659,7 @@
 </p:sld>
 </file>
 
-<file path=ppt/slides/slide35.xml><?xml version="1.0" encoding="utf-8"?>
+<file path=ppt/slides/slide36.xml><?xml version="1.0" encoding="utf-8"?>
 <p:sld xmlns:a="http://schemas.openxmlformats.org/drawingml/2006/main" xmlns:r="http://schemas.openxmlformats.org/officeDocument/2006/relationships" xmlns:p="http://schemas.openxmlformats.org/presentationml/2006/main">
   <p:cSld>
     <p:spTree>
@@ -33987,7 +34853,7 @@
 </p:sld>
 </file>
 
-<file path=ppt/slides/slide36.xml><?xml version="1.0" encoding="utf-8"?>
+<file path=ppt/slides/slide37.xml><?xml version="1.0" encoding="utf-8"?>
 <p:sld xmlns:a="http://schemas.openxmlformats.org/drawingml/2006/main" xmlns:r="http://schemas.openxmlformats.org/officeDocument/2006/relationships" xmlns:p="http://schemas.openxmlformats.org/presentationml/2006/main">
   <p:cSld>
     <p:spTree>
@@ -35065,7 +35931,7 @@
 </p:sld>
 </file>
 
-<file path=ppt/slides/slide37.xml><?xml version="1.0" encoding="utf-8"?>
+<file path=ppt/slides/slide38.xml><?xml version="1.0" encoding="utf-8"?>
 <p:sld xmlns:a="http://schemas.openxmlformats.org/drawingml/2006/main" xmlns:r="http://schemas.openxmlformats.org/officeDocument/2006/relationships" xmlns:p="http://schemas.openxmlformats.org/presentationml/2006/main">
   <p:cSld>
     <p:spTree>
@@ -35309,7 +36175,7 @@
 </p:sld>
 </file>
 
-<file path=ppt/slides/slide38.xml><?xml version="1.0" encoding="utf-8"?>
+<file path=ppt/slides/slide39.xml><?xml version="1.0" encoding="utf-8"?>
 <p:sld xmlns:a="http://schemas.openxmlformats.org/drawingml/2006/main" xmlns:r="http://schemas.openxmlformats.org/officeDocument/2006/relationships" xmlns:p="http://schemas.openxmlformats.org/presentationml/2006/main">
   <p:cSld>
     <p:spTree>
@@ -35815,7 +36681,484 @@
 </p:sld>
 </file>
 
-<file path=ppt/slides/slide39.xml><?xml version="1.0" encoding="utf-8"?>
+<file path=ppt/slides/slide4.xml><?xml version="1.0" encoding="utf-8"?>
+<p:sld xmlns:a="http://schemas.openxmlformats.org/drawingml/2006/main" xmlns:r="http://schemas.openxmlformats.org/officeDocument/2006/relationships" xmlns:p="http://schemas.openxmlformats.org/presentationml/2006/main">
+  <p:cSld>
+    <p:spTree>
+      <p:nvGrpSpPr>
+        <p:cNvPr id="1" name=""/>
+        <p:cNvGrpSpPr/>
+        <p:nvPr/>
+      </p:nvGrpSpPr>
+      <p:grpSpPr>
+        <a:xfrm>
+          <a:off x="0" y="0"/>
+          <a:ext cx="0" cy="0"/>
+          <a:chOff x="0" y="0"/>
+          <a:chExt cx="0" cy="0"/>
+        </a:xfrm>
+      </p:grpSpPr>
+      <p:sp>
+        <p:nvSpPr>
+          <p:cNvPr id="2" name="タイトル 1"/>
+          <p:cNvSpPr>
+            <a:spLocks noGrp="1"/>
+          </p:cNvSpPr>
+          <p:nvPr>
+            <p:ph type="title"/>
+          </p:nvPr>
+        </p:nvSpPr>
+        <p:spPr>
+          <a:xfrm>
+            <a:off x="192102" y="219428"/>
+            <a:ext cx="5608931" cy="729386"/>
+          </a:xfrm>
+        </p:spPr>
+        <p:txBody>
+          <a:bodyPr/>
+          <a:lstStyle/>
+          <a:p>
+            <a:r>
+              <a:rPr kumimoji="1" lang="ja-JP" altLang="en-US" dirty="0" smtClean="0">
+                <a:solidFill>
+                  <a:schemeClr val="bg1"/>
+                </a:solidFill>
+              </a:rPr>
+              <a:t>自動生成ツールにおける課題</a:t>
+            </a:r>
+            <a:endParaRPr kumimoji="1" lang="ja-JP" altLang="en-US" dirty="0">
+              <a:solidFill>
+                <a:schemeClr val="bg1"/>
+              </a:solidFill>
+            </a:endParaRPr>
+          </a:p>
+        </p:txBody>
+      </p:sp>
+      <p:sp>
+        <p:nvSpPr>
+          <p:cNvPr id="4" name="コンテンツ プレースホルダー 2"/>
+          <p:cNvSpPr>
+            <a:spLocks noGrp="1"/>
+          </p:cNvSpPr>
+          <p:nvPr>
+            <p:ph idx="1"/>
+          </p:nvPr>
+        </p:nvSpPr>
+        <p:spPr>
+          <a:xfrm>
+            <a:off x="913333" y="1409665"/>
+            <a:ext cx="10601150" cy="3559023"/>
+          </a:xfrm>
+        </p:spPr>
+        <p:txBody>
+          <a:bodyPr>
+            <a:normAutofit/>
+          </a:bodyPr>
+          <a:lstStyle/>
+          <a:p>
+            <a:pPr marL="0" indent="0">
+              <a:buNone/>
+            </a:pPr>
+            <a:r>
+              <a:rPr lang="ja-JP" altLang="en-US" sz="3000" dirty="0"/>
+              <a:t>自動生成されたテストコード</a:t>
+            </a:r>
+            <a:r>
+              <a:rPr lang="ja-JP" altLang="en-US" sz="3000" dirty="0" smtClean="0"/>
+              <a:t>は、保守</a:t>
+            </a:r>
+            <a:r>
+              <a:rPr lang="ja-JP" altLang="en-US" sz="3000" dirty="0"/>
+              <a:t>作業を困難にする</a:t>
+            </a:r>
+            <a:r>
+              <a:rPr lang="en-US" altLang="ja-JP" sz="3000" dirty="0" smtClean="0"/>
+              <a:t>[2]</a:t>
+            </a:r>
+          </a:p>
+          <a:p>
+            <a:pPr lvl="1"/>
+            <a:endParaRPr lang="en-US" altLang="ja-JP" sz="800" dirty="0"/>
+          </a:p>
+          <a:p>
+            <a:pPr lvl="1"/>
+            <a:r>
+              <a:rPr lang="ja-JP" altLang="en-US" sz="2800" dirty="0" smtClean="0"/>
+              <a:t>対象コードの</a:t>
+            </a:r>
+            <a:r>
+              <a:rPr lang="ja-JP" altLang="en-US" sz="2800" dirty="0" smtClean="0">
+                <a:solidFill>
+                  <a:srgbClr val="FF0000"/>
+                </a:solidFill>
+              </a:rPr>
+              <a:t>作成経緯</a:t>
+            </a:r>
+            <a:r>
+              <a:rPr lang="ja-JP" altLang="en-US" sz="2800" dirty="0">
+                <a:solidFill>
+                  <a:srgbClr val="FF0000"/>
+                </a:solidFill>
+              </a:rPr>
+              <a:t>や意図に基づいて生成されて</a:t>
+            </a:r>
+            <a:r>
+              <a:rPr lang="ja-JP" altLang="en-US" sz="2800" dirty="0" smtClean="0">
+                <a:solidFill>
+                  <a:srgbClr val="FF0000"/>
+                </a:solidFill>
+              </a:rPr>
+              <a:t>いない</a:t>
+            </a:r>
+            <a:r>
+              <a:rPr lang="en-US" altLang="ja-JP" sz="2800" dirty="0" smtClean="0">
+                <a:solidFill>
+                  <a:srgbClr val="FF0000"/>
+                </a:solidFill>
+              </a:rPr>
+              <a:t/>
+            </a:r>
+            <a:br>
+              <a:rPr lang="en-US" altLang="ja-JP" sz="2800" dirty="0" smtClean="0">
+                <a:solidFill>
+                  <a:srgbClr val="FF0000"/>
+                </a:solidFill>
+              </a:rPr>
+            </a:br>
+            <a:endParaRPr lang="en-US" altLang="ja-JP" sz="600" dirty="0"/>
+          </a:p>
+          <a:p>
+            <a:pPr lvl="1"/>
+            <a:r>
+              <a:rPr lang="ja-JP" altLang="en-US" sz="2800" dirty="0" smtClean="0"/>
+              <a:t>テストコードの保守に悪影響を与える</a:t>
+            </a:r>
+            <a:r>
+              <a:rPr lang="ja-JP" altLang="en-US" sz="2800" dirty="0" smtClean="0">
+                <a:solidFill>
+                  <a:srgbClr val="FF0000"/>
+                </a:solidFill>
+              </a:rPr>
+              <a:t>テストスメルが多い</a:t>
+            </a:r>
+            <a:endParaRPr lang="en-US" altLang="ja-JP" sz="2800" dirty="0">
+              <a:solidFill>
+                <a:srgbClr val="FF0000"/>
+              </a:solidFill>
+            </a:endParaRPr>
+          </a:p>
+          <a:p>
+            <a:pPr lvl="1"/>
+            <a:endParaRPr lang="en-US" altLang="ja-JP" sz="2800" dirty="0" smtClean="0">
+              <a:solidFill>
+                <a:srgbClr val="FF0000"/>
+              </a:solidFill>
+            </a:endParaRPr>
+          </a:p>
+          <a:p>
+            <a:pPr lvl="1"/>
+            <a:endParaRPr lang="en-US" altLang="ja-JP" sz="1400" dirty="0" smtClean="0">
+              <a:solidFill>
+                <a:srgbClr val="FF0000"/>
+              </a:solidFill>
+            </a:endParaRPr>
+          </a:p>
+          <a:p>
+            <a:pPr marL="457200" lvl="1" indent="0">
+              <a:buNone/>
+            </a:pPr>
+            <a:r>
+              <a:rPr lang="ja-JP" altLang="en-US" sz="2800" dirty="0" smtClean="0"/>
+              <a:t>　　　　　</a:t>
+            </a:r>
+            <a:r>
+              <a:rPr lang="ja-JP" altLang="en-US" sz="2800" u="sng" dirty="0" smtClean="0"/>
+              <a:t>テスト</a:t>
+            </a:r>
+            <a:r>
+              <a:rPr lang="ja-JP" altLang="en-US" sz="2800" u="sng" dirty="0"/>
+              <a:t>失敗</a:t>
+            </a:r>
+            <a:r>
+              <a:rPr lang="ja-JP" altLang="en-US" sz="2800" u="sng" dirty="0" smtClean="0"/>
+              <a:t>の原因を特定するのが難しい</a:t>
+            </a:r>
+            <a:endParaRPr lang="ja-JP" altLang="en-US" sz="2800" u="sng" dirty="0"/>
+          </a:p>
+          <a:p>
+            <a:pPr lvl="1"/>
+            <a:endParaRPr lang="en-US" altLang="ja-JP" sz="2800" dirty="0">
+              <a:solidFill>
+                <a:srgbClr val="FF0000"/>
+              </a:solidFill>
+            </a:endParaRPr>
+          </a:p>
+          <a:p>
+            <a:pPr lvl="1"/>
+            <a:endParaRPr lang="ja-JP" altLang="en-US" sz="2800" dirty="0" smtClean="0">
+              <a:solidFill>
+                <a:srgbClr val="FF0000"/>
+              </a:solidFill>
+            </a:endParaRPr>
+          </a:p>
+          <a:p>
+            <a:pPr marL="457200" lvl="1" indent="0">
+              <a:buNone/>
+            </a:pPr>
+            <a:endParaRPr lang="en-US" altLang="ja-JP" sz="2800" dirty="0"/>
+          </a:p>
+          <a:p>
+            <a:pPr lvl="1"/>
+            <a:endParaRPr kumimoji="1" lang="ja-JP" altLang="en-US" dirty="0"/>
+          </a:p>
+        </p:txBody>
+      </p:sp>
+      <p:sp>
+        <p:nvSpPr>
+          <p:cNvPr id="5" name="Rectangle 4"/>
+          <p:cNvSpPr>
+            <a:spLocks noChangeArrowheads="1"/>
+          </p:cNvSpPr>
+          <p:nvPr/>
+        </p:nvSpPr>
+        <p:spPr bwMode="auto">
+          <a:xfrm>
+            <a:off x="1043518" y="5981522"/>
+            <a:ext cx="10078064" cy="461665"/>
+          </a:xfrm>
+          <a:prstGeom prst="rect">
+            <a:avLst/>
+          </a:prstGeom>
+          <a:ln>
+            <a:headEnd/>
+            <a:tailEnd/>
+          </a:ln>
+        </p:spPr>
+        <p:style>
+          <a:lnRef idx="2">
+            <a:schemeClr val="dk1"/>
+          </a:lnRef>
+          <a:fillRef idx="1">
+            <a:schemeClr val="lt1"/>
+          </a:fillRef>
+          <a:effectRef idx="0">
+            <a:schemeClr val="dk1"/>
+          </a:effectRef>
+          <a:fontRef idx="minor">
+            <a:schemeClr val="dk1"/>
+          </a:fontRef>
+        </p:style>
+        <p:txBody>
+          <a:bodyPr wrap="square">
+            <a:spAutoFit/>
+          </a:bodyPr>
+          <a:lstStyle/>
+          <a:p>
+            <a:pPr>
+              <a:defRPr/>
+            </a:pPr>
+            <a:r>
+              <a:rPr lang="en-US" altLang="ja-JP" sz="1200" dirty="0" smtClean="0">
+                <a:solidFill>
+                  <a:schemeClr val="tx2"/>
+                </a:solidFill>
+              </a:rPr>
+              <a:t>[2] </a:t>
+            </a:r>
+            <a:r>
+              <a:rPr lang="en-US" altLang="ja-JP" sz="1200" dirty="0" smtClean="0">
+                <a:solidFill>
+                  <a:schemeClr val="tx2"/>
+                </a:solidFill>
+              </a:rPr>
+              <a:t>S</a:t>
+            </a:r>
+            <a:r>
+              <a:rPr lang="en-US" altLang="ja-JP" sz="1200" dirty="0">
+                <a:solidFill>
+                  <a:schemeClr val="tx2"/>
+                </a:solidFill>
+              </a:rPr>
+              <a:t>. </a:t>
+            </a:r>
+            <a:r>
+              <a:rPr lang="en-US" altLang="ja-JP" sz="1200" dirty="0" err="1">
+                <a:solidFill>
+                  <a:schemeClr val="tx2"/>
+                </a:solidFill>
+              </a:rPr>
+              <a:t>Shamshiri</a:t>
+            </a:r>
+            <a:r>
+              <a:rPr lang="en-US" altLang="ja-JP" sz="1200" dirty="0">
+                <a:solidFill>
+                  <a:schemeClr val="tx2"/>
+                </a:solidFill>
+              </a:rPr>
+              <a:t>, J. M. Rojas, J. P. </a:t>
+            </a:r>
+            <a:r>
+              <a:rPr lang="en-US" altLang="ja-JP" sz="1200" dirty="0" err="1">
+                <a:solidFill>
+                  <a:schemeClr val="tx2"/>
+                </a:solidFill>
+              </a:rPr>
+              <a:t>Galeotti</a:t>
+            </a:r>
+            <a:r>
+              <a:rPr lang="en-US" altLang="ja-JP" sz="1200" dirty="0">
+                <a:solidFill>
+                  <a:schemeClr val="tx2"/>
+                </a:solidFill>
+              </a:rPr>
+              <a:t>, N. Walkinshaw, and G. Fraser. How do automatically generated unit tests inﬂuence software maintenance? In </a:t>
+            </a:r>
+            <a:r>
+              <a:rPr lang="en-US" altLang="ja-JP" sz="1200" i="1" dirty="0">
+                <a:solidFill>
+                  <a:schemeClr val="tx2"/>
+                </a:solidFill>
+              </a:rPr>
+              <a:t>Proceedings of the International Conference on Software Testing, Veriﬁcation and Validation (ICST)</a:t>
+            </a:r>
+            <a:r>
+              <a:rPr lang="en-US" altLang="ja-JP" sz="1200" dirty="0">
+                <a:solidFill>
+                  <a:schemeClr val="tx2"/>
+                </a:solidFill>
+              </a:rPr>
+              <a:t>, pages 250–261, 2018..</a:t>
+            </a:r>
+            <a:endParaRPr lang="en-US" altLang="ja-JP" sz="1200" dirty="0">
+              <a:solidFill>
+                <a:schemeClr val="tx2"/>
+              </a:solidFill>
+            </a:endParaRPr>
+          </a:p>
+        </p:txBody>
+      </p:sp>
+      <p:sp>
+        <p:nvSpPr>
+          <p:cNvPr id="6" name="フローチャート: 組合せ 5"/>
+          <p:cNvSpPr/>
+          <p:nvPr/>
+        </p:nvSpPr>
+        <p:spPr>
+          <a:xfrm>
+            <a:off x="4118742" y="3136669"/>
+            <a:ext cx="3927616" cy="411133"/>
+          </a:xfrm>
+          <a:prstGeom prst="flowChartMerge">
+            <a:avLst/>
+          </a:prstGeom>
+          <a:ln/>
+        </p:spPr>
+        <p:style>
+          <a:lnRef idx="1">
+            <a:schemeClr val="accent3"/>
+          </a:lnRef>
+          <a:fillRef idx="2">
+            <a:schemeClr val="accent3"/>
+          </a:fillRef>
+          <a:effectRef idx="1">
+            <a:schemeClr val="accent3"/>
+          </a:effectRef>
+          <a:fontRef idx="minor">
+            <a:schemeClr val="dk1"/>
+          </a:fontRef>
+        </p:style>
+        <p:txBody>
+          <a:bodyPr rtlCol="0" anchor="ctr"/>
+          <a:lstStyle/>
+          <a:p>
+            <a:pPr algn="ctr"/>
+            <a:endParaRPr kumimoji="1" lang="ja-JP" altLang="en-US" dirty="0"/>
+          </a:p>
+        </p:txBody>
+      </p:sp>
+      <p:sp>
+        <p:nvSpPr>
+          <p:cNvPr id="7" name="フローチャート: 代替処理 6"/>
+          <p:cNvSpPr/>
+          <p:nvPr/>
+        </p:nvSpPr>
+        <p:spPr>
+          <a:xfrm>
+            <a:off x="1460959" y="4492556"/>
+            <a:ext cx="9243182" cy="1005877"/>
+          </a:xfrm>
+          <a:prstGeom prst="flowChartAlternateProcess">
+            <a:avLst/>
+          </a:prstGeom>
+          <a:ln w="6350"/>
+        </p:spPr>
+        <p:style>
+          <a:lnRef idx="1">
+            <a:schemeClr val="accent4"/>
+          </a:lnRef>
+          <a:fillRef idx="2">
+            <a:schemeClr val="accent4"/>
+          </a:fillRef>
+          <a:effectRef idx="1">
+            <a:schemeClr val="accent4"/>
+          </a:effectRef>
+          <a:fontRef idx="minor">
+            <a:schemeClr val="dk1"/>
+          </a:fontRef>
+        </p:style>
+        <p:txBody>
+          <a:bodyPr rtlCol="0" anchor="ctr"/>
+          <a:lstStyle/>
+          <a:p>
+            <a:r>
+              <a:rPr lang="ja-JP" altLang="en-US" sz="2800" dirty="0" smtClean="0">
+                <a:latin typeface="メイリオ" panose="020B0604030504040204" pitchFamily="50" charset="-128"/>
+                <a:ea typeface="メイリオ" panose="020B0604030504040204" pitchFamily="50" charset="-128"/>
+              </a:rPr>
+              <a:t>理解</a:t>
+            </a:r>
+            <a:r>
+              <a:rPr lang="ja-JP" altLang="en-US" sz="2800" dirty="0">
+                <a:latin typeface="メイリオ" panose="020B0604030504040204" pitchFamily="50" charset="-128"/>
+                <a:ea typeface="メイリオ" panose="020B0604030504040204" pitchFamily="50" charset="-128"/>
+              </a:rPr>
+              <a:t>しやすく良質なテストコードを作成する必要が</a:t>
+            </a:r>
+            <a:r>
+              <a:rPr lang="ja-JP" altLang="en-US" sz="2800" dirty="0" smtClean="0">
+                <a:latin typeface="メイリオ" panose="020B0604030504040204" pitchFamily="50" charset="-128"/>
+                <a:ea typeface="メイリオ" panose="020B0604030504040204" pitchFamily="50" charset="-128"/>
+              </a:rPr>
+              <a:t>ある</a:t>
+            </a:r>
+            <a:endParaRPr lang="ja-JP" altLang="en-US" sz="2800" dirty="0">
+              <a:latin typeface="メイリオ" panose="020B0604030504040204" pitchFamily="50" charset="-128"/>
+              <a:ea typeface="メイリオ" panose="020B0604030504040204" pitchFamily="50" charset="-128"/>
+            </a:endParaRPr>
+          </a:p>
+        </p:txBody>
+      </p:sp>
+    </p:spTree>
+    <p:extLst>
+      <p:ext uri="{BB962C8B-B14F-4D97-AF65-F5344CB8AC3E}">
+        <p14:creationId xmlns:p14="http://schemas.microsoft.com/office/powerpoint/2010/main" val="3663765090"/>
+      </p:ext>
+    </p:extLst>
+  </p:cSld>
+  <p:clrMapOvr>
+    <a:masterClrMapping/>
+  </p:clrMapOvr>
+  <p:timing>
+    <p:tnLst>
+      <p:par>
+        <p:cTn id="1" dur="indefinite" restart="never" nodeType="tmRoot"/>
+      </p:par>
+    </p:tnLst>
+  </p:timing>
+</p:sld>
+</file>
+
+<file path=ppt/slides/slide40.xml><?xml version="1.0" encoding="utf-8"?>
 <p:sld xmlns:a="http://schemas.openxmlformats.org/drawingml/2006/main" xmlns:r="http://schemas.openxmlformats.org/officeDocument/2006/relationships" xmlns:p="http://schemas.openxmlformats.org/presentationml/2006/main">
   <p:cSld>
     <p:spTree>
@@ -36884,484 +38227,7 @@
 </p:sld>
 </file>
 
-<file path=ppt/slides/slide4.xml><?xml version="1.0" encoding="utf-8"?>
-<p:sld xmlns:a="http://schemas.openxmlformats.org/drawingml/2006/main" xmlns:r="http://schemas.openxmlformats.org/officeDocument/2006/relationships" xmlns:p="http://schemas.openxmlformats.org/presentationml/2006/main">
-  <p:cSld>
-    <p:spTree>
-      <p:nvGrpSpPr>
-        <p:cNvPr id="1" name=""/>
-        <p:cNvGrpSpPr/>
-        <p:nvPr/>
-      </p:nvGrpSpPr>
-      <p:grpSpPr>
-        <a:xfrm>
-          <a:off x="0" y="0"/>
-          <a:ext cx="0" cy="0"/>
-          <a:chOff x="0" y="0"/>
-          <a:chExt cx="0" cy="0"/>
-        </a:xfrm>
-      </p:grpSpPr>
-      <p:sp>
-        <p:nvSpPr>
-          <p:cNvPr id="2" name="タイトル 1"/>
-          <p:cNvSpPr>
-            <a:spLocks noGrp="1"/>
-          </p:cNvSpPr>
-          <p:nvPr>
-            <p:ph type="title"/>
-          </p:nvPr>
-        </p:nvSpPr>
-        <p:spPr>
-          <a:xfrm>
-            <a:off x="192102" y="219428"/>
-            <a:ext cx="5608931" cy="729386"/>
-          </a:xfrm>
-        </p:spPr>
-        <p:txBody>
-          <a:bodyPr/>
-          <a:lstStyle/>
-          <a:p>
-            <a:r>
-              <a:rPr kumimoji="1" lang="ja-JP" altLang="en-US" dirty="0" smtClean="0">
-                <a:solidFill>
-                  <a:schemeClr val="bg1"/>
-                </a:solidFill>
-              </a:rPr>
-              <a:t>自動生成ツールにおける課題</a:t>
-            </a:r>
-            <a:endParaRPr kumimoji="1" lang="ja-JP" altLang="en-US" dirty="0">
-              <a:solidFill>
-                <a:schemeClr val="bg1"/>
-              </a:solidFill>
-            </a:endParaRPr>
-          </a:p>
-        </p:txBody>
-      </p:sp>
-      <p:sp>
-        <p:nvSpPr>
-          <p:cNvPr id="4" name="コンテンツ プレースホルダー 2"/>
-          <p:cNvSpPr>
-            <a:spLocks noGrp="1"/>
-          </p:cNvSpPr>
-          <p:nvPr>
-            <p:ph idx="1"/>
-          </p:nvPr>
-        </p:nvSpPr>
-        <p:spPr>
-          <a:xfrm>
-            <a:off x="913333" y="1409665"/>
-            <a:ext cx="10601150" cy="3559023"/>
-          </a:xfrm>
-        </p:spPr>
-        <p:txBody>
-          <a:bodyPr>
-            <a:normAutofit/>
-          </a:bodyPr>
-          <a:lstStyle/>
-          <a:p>
-            <a:pPr marL="0" indent="0">
-              <a:buNone/>
-            </a:pPr>
-            <a:r>
-              <a:rPr lang="ja-JP" altLang="en-US" sz="3000" dirty="0"/>
-              <a:t>自動生成されたテストコード</a:t>
-            </a:r>
-            <a:r>
-              <a:rPr lang="ja-JP" altLang="en-US" sz="3000" dirty="0" smtClean="0"/>
-              <a:t>は、保守</a:t>
-            </a:r>
-            <a:r>
-              <a:rPr lang="ja-JP" altLang="en-US" sz="3000" dirty="0"/>
-              <a:t>作業を困難にする</a:t>
-            </a:r>
-            <a:r>
-              <a:rPr lang="en-US" altLang="ja-JP" sz="3000" dirty="0" smtClean="0"/>
-              <a:t>[2]</a:t>
-            </a:r>
-          </a:p>
-          <a:p>
-            <a:pPr lvl="1"/>
-            <a:endParaRPr lang="en-US" altLang="ja-JP" sz="800" dirty="0"/>
-          </a:p>
-          <a:p>
-            <a:pPr lvl="1"/>
-            <a:r>
-              <a:rPr lang="ja-JP" altLang="en-US" sz="2800" dirty="0" smtClean="0"/>
-              <a:t>対象コードの</a:t>
-            </a:r>
-            <a:r>
-              <a:rPr lang="ja-JP" altLang="en-US" sz="2800" dirty="0" smtClean="0">
-                <a:solidFill>
-                  <a:srgbClr val="FF0000"/>
-                </a:solidFill>
-              </a:rPr>
-              <a:t>作成経緯</a:t>
-            </a:r>
-            <a:r>
-              <a:rPr lang="ja-JP" altLang="en-US" sz="2800" dirty="0">
-                <a:solidFill>
-                  <a:srgbClr val="FF0000"/>
-                </a:solidFill>
-              </a:rPr>
-              <a:t>や意図に基づいて生成されて</a:t>
-            </a:r>
-            <a:r>
-              <a:rPr lang="ja-JP" altLang="en-US" sz="2800" dirty="0" smtClean="0">
-                <a:solidFill>
-                  <a:srgbClr val="FF0000"/>
-                </a:solidFill>
-              </a:rPr>
-              <a:t>いない</a:t>
-            </a:r>
-            <a:r>
-              <a:rPr lang="en-US" altLang="ja-JP" sz="2800" dirty="0" smtClean="0">
-                <a:solidFill>
-                  <a:srgbClr val="FF0000"/>
-                </a:solidFill>
-              </a:rPr>
-              <a:t/>
-            </a:r>
-            <a:br>
-              <a:rPr lang="en-US" altLang="ja-JP" sz="2800" dirty="0" smtClean="0">
-                <a:solidFill>
-                  <a:srgbClr val="FF0000"/>
-                </a:solidFill>
-              </a:rPr>
-            </a:br>
-            <a:endParaRPr lang="en-US" altLang="ja-JP" sz="600" dirty="0"/>
-          </a:p>
-          <a:p>
-            <a:pPr lvl="1"/>
-            <a:r>
-              <a:rPr lang="ja-JP" altLang="en-US" sz="2800" dirty="0" smtClean="0"/>
-              <a:t>テストコードの保守に悪影響を与える</a:t>
-            </a:r>
-            <a:r>
-              <a:rPr lang="ja-JP" altLang="en-US" sz="2800" dirty="0" smtClean="0">
-                <a:solidFill>
-                  <a:srgbClr val="FF0000"/>
-                </a:solidFill>
-              </a:rPr>
-              <a:t>テストスメルが多い</a:t>
-            </a:r>
-            <a:endParaRPr lang="en-US" altLang="ja-JP" sz="2800" dirty="0">
-              <a:solidFill>
-                <a:srgbClr val="FF0000"/>
-              </a:solidFill>
-            </a:endParaRPr>
-          </a:p>
-          <a:p>
-            <a:pPr lvl="1"/>
-            <a:endParaRPr lang="en-US" altLang="ja-JP" sz="2800" dirty="0" smtClean="0">
-              <a:solidFill>
-                <a:srgbClr val="FF0000"/>
-              </a:solidFill>
-            </a:endParaRPr>
-          </a:p>
-          <a:p>
-            <a:pPr lvl="1"/>
-            <a:endParaRPr lang="en-US" altLang="ja-JP" sz="1400" dirty="0" smtClean="0">
-              <a:solidFill>
-                <a:srgbClr val="FF0000"/>
-              </a:solidFill>
-            </a:endParaRPr>
-          </a:p>
-          <a:p>
-            <a:pPr marL="457200" lvl="1" indent="0">
-              <a:buNone/>
-            </a:pPr>
-            <a:r>
-              <a:rPr lang="ja-JP" altLang="en-US" sz="2800" dirty="0" smtClean="0"/>
-              <a:t>　　　　　</a:t>
-            </a:r>
-            <a:r>
-              <a:rPr lang="ja-JP" altLang="en-US" sz="2800" u="sng" dirty="0" smtClean="0"/>
-              <a:t>テスト</a:t>
-            </a:r>
-            <a:r>
-              <a:rPr lang="ja-JP" altLang="en-US" sz="2800" u="sng" dirty="0"/>
-              <a:t>失敗</a:t>
-            </a:r>
-            <a:r>
-              <a:rPr lang="ja-JP" altLang="en-US" sz="2800" u="sng" dirty="0" smtClean="0"/>
-              <a:t>の原因を特定するのが難しい</a:t>
-            </a:r>
-            <a:endParaRPr lang="ja-JP" altLang="en-US" sz="2800" u="sng" dirty="0"/>
-          </a:p>
-          <a:p>
-            <a:pPr lvl="1"/>
-            <a:endParaRPr lang="en-US" altLang="ja-JP" sz="2800" dirty="0">
-              <a:solidFill>
-                <a:srgbClr val="FF0000"/>
-              </a:solidFill>
-            </a:endParaRPr>
-          </a:p>
-          <a:p>
-            <a:pPr lvl="1"/>
-            <a:endParaRPr lang="ja-JP" altLang="en-US" sz="2800" dirty="0" smtClean="0">
-              <a:solidFill>
-                <a:srgbClr val="FF0000"/>
-              </a:solidFill>
-            </a:endParaRPr>
-          </a:p>
-          <a:p>
-            <a:pPr marL="457200" lvl="1" indent="0">
-              <a:buNone/>
-            </a:pPr>
-            <a:endParaRPr lang="en-US" altLang="ja-JP" sz="2800" dirty="0"/>
-          </a:p>
-          <a:p>
-            <a:pPr lvl="1"/>
-            <a:endParaRPr kumimoji="1" lang="ja-JP" altLang="en-US" dirty="0"/>
-          </a:p>
-        </p:txBody>
-      </p:sp>
-      <p:sp>
-        <p:nvSpPr>
-          <p:cNvPr id="5" name="Rectangle 4"/>
-          <p:cNvSpPr>
-            <a:spLocks noChangeArrowheads="1"/>
-          </p:cNvSpPr>
-          <p:nvPr/>
-        </p:nvSpPr>
-        <p:spPr bwMode="auto">
-          <a:xfrm>
-            <a:off x="1043518" y="5981522"/>
-            <a:ext cx="10078064" cy="461665"/>
-          </a:xfrm>
-          <a:prstGeom prst="rect">
-            <a:avLst/>
-          </a:prstGeom>
-          <a:ln>
-            <a:headEnd/>
-            <a:tailEnd/>
-          </a:ln>
-        </p:spPr>
-        <p:style>
-          <a:lnRef idx="2">
-            <a:schemeClr val="dk1"/>
-          </a:lnRef>
-          <a:fillRef idx="1">
-            <a:schemeClr val="lt1"/>
-          </a:fillRef>
-          <a:effectRef idx="0">
-            <a:schemeClr val="dk1"/>
-          </a:effectRef>
-          <a:fontRef idx="minor">
-            <a:schemeClr val="dk1"/>
-          </a:fontRef>
-        </p:style>
-        <p:txBody>
-          <a:bodyPr wrap="square">
-            <a:spAutoFit/>
-          </a:bodyPr>
-          <a:lstStyle/>
-          <a:p>
-            <a:pPr>
-              <a:defRPr/>
-            </a:pPr>
-            <a:r>
-              <a:rPr lang="en-US" altLang="ja-JP" sz="1200" dirty="0" smtClean="0">
-                <a:solidFill>
-                  <a:schemeClr val="tx2"/>
-                </a:solidFill>
-              </a:rPr>
-              <a:t>[2] </a:t>
-            </a:r>
-            <a:r>
-              <a:rPr lang="en-US" altLang="ja-JP" sz="1200" dirty="0" smtClean="0">
-                <a:solidFill>
-                  <a:schemeClr val="tx2"/>
-                </a:solidFill>
-              </a:rPr>
-              <a:t>S</a:t>
-            </a:r>
-            <a:r>
-              <a:rPr lang="en-US" altLang="ja-JP" sz="1200" dirty="0">
-                <a:solidFill>
-                  <a:schemeClr val="tx2"/>
-                </a:solidFill>
-              </a:rPr>
-              <a:t>. </a:t>
-            </a:r>
-            <a:r>
-              <a:rPr lang="en-US" altLang="ja-JP" sz="1200" dirty="0" err="1">
-                <a:solidFill>
-                  <a:schemeClr val="tx2"/>
-                </a:solidFill>
-              </a:rPr>
-              <a:t>Shamshiri</a:t>
-            </a:r>
-            <a:r>
-              <a:rPr lang="en-US" altLang="ja-JP" sz="1200" dirty="0">
-                <a:solidFill>
-                  <a:schemeClr val="tx2"/>
-                </a:solidFill>
-              </a:rPr>
-              <a:t>, J. M. Rojas, J. P. </a:t>
-            </a:r>
-            <a:r>
-              <a:rPr lang="en-US" altLang="ja-JP" sz="1200" dirty="0" err="1">
-                <a:solidFill>
-                  <a:schemeClr val="tx2"/>
-                </a:solidFill>
-              </a:rPr>
-              <a:t>Galeotti</a:t>
-            </a:r>
-            <a:r>
-              <a:rPr lang="en-US" altLang="ja-JP" sz="1200" dirty="0">
-                <a:solidFill>
-                  <a:schemeClr val="tx2"/>
-                </a:solidFill>
-              </a:rPr>
-              <a:t>, N. Walkinshaw, and G. Fraser. How do automatically generated unit tests inﬂuence software maintenance? In </a:t>
-            </a:r>
-            <a:r>
-              <a:rPr lang="en-US" altLang="ja-JP" sz="1200" i="1" dirty="0">
-                <a:solidFill>
-                  <a:schemeClr val="tx2"/>
-                </a:solidFill>
-              </a:rPr>
-              <a:t>Proceedings of the International Conference on Software Testing, Veriﬁcation and Validation (ICST)</a:t>
-            </a:r>
-            <a:r>
-              <a:rPr lang="en-US" altLang="ja-JP" sz="1200" dirty="0">
-                <a:solidFill>
-                  <a:schemeClr val="tx2"/>
-                </a:solidFill>
-              </a:rPr>
-              <a:t>, pages 250–261, 2018..</a:t>
-            </a:r>
-            <a:endParaRPr lang="en-US" altLang="ja-JP" sz="1200" dirty="0">
-              <a:solidFill>
-                <a:schemeClr val="tx2"/>
-              </a:solidFill>
-            </a:endParaRPr>
-          </a:p>
-        </p:txBody>
-      </p:sp>
-      <p:sp>
-        <p:nvSpPr>
-          <p:cNvPr id="6" name="フローチャート: 組合せ 5"/>
-          <p:cNvSpPr/>
-          <p:nvPr/>
-        </p:nvSpPr>
-        <p:spPr>
-          <a:xfrm>
-            <a:off x="4118742" y="3136669"/>
-            <a:ext cx="3927616" cy="411133"/>
-          </a:xfrm>
-          <a:prstGeom prst="flowChartMerge">
-            <a:avLst/>
-          </a:prstGeom>
-          <a:ln/>
-        </p:spPr>
-        <p:style>
-          <a:lnRef idx="1">
-            <a:schemeClr val="accent3"/>
-          </a:lnRef>
-          <a:fillRef idx="2">
-            <a:schemeClr val="accent3"/>
-          </a:fillRef>
-          <a:effectRef idx="1">
-            <a:schemeClr val="accent3"/>
-          </a:effectRef>
-          <a:fontRef idx="minor">
-            <a:schemeClr val="dk1"/>
-          </a:fontRef>
-        </p:style>
-        <p:txBody>
-          <a:bodyPr rtlCol="0" anchor="ctr"/>
-          <a:lstStyle/>
-          <a:p>
-            <a:pPr algn="ctr"/>
-            <a:endParaRPr kumimoji="1" lang="ja-JP" altLang="en-US" dirty="0"/>
-          </a:p>
-        </p:txBody>
-      </p:sp>
-      <p:sp>
-        <p:nvSpPr>
-          <p:cNvPr id="7" name="フローチャート: 代替処理 6"/>
-          <p:cNvSpPr/>
-          <p:nvPr/>
-        </p:nvSpPr>
-        <p:spPr>
-          <a:xfrm>
-            <a:off x="1460959" y="4492556"/>
-            <a:ext cx="9243182" cy="1005877"/>
-          </a:xfrm>
-          <a:prstGeom prst="flowChartAlternateProcess">
-            <a:avLst/>
-          </a:prstGeom>
-          <a:ln w="6350"/>
-        </p:spPr>
-        <p:style>
-          <a:lnRef idx="1">
-            <a:schemeClr val="accent4"/>
-          </a:lnRef>
-          <a:fillRef idx="2">
-            <a:schemeClr val="accent4"/>
-          </a:fillRef>
-          <a:effectRef idx="1">
-            <a:schemeClr val="accent4"/>
-          </a:effectRef>
-          <a:fontRef idx="minor">
-            <a:schemeClr val="dk1"/>
-          </a:fontRef>
-        </p:style>
-        <p:txBody>
-          <a:bodyPr rtlCol="0" anchor="ctr"/>
-          <a:lstStyle/>
-          <a:p>
-            <a:r>
-              <a:rPr lang="ja-JP" altLang="en-US" sz="2800" dirty="0" smtClean="0">
-                <a:latin typeface="メイリオ" panose="020B0604030504040204" pitchFamily="50" charset="-128"/>
-                <a:ea typeface="メイリオ" panose="020B0604030504040204" pitchFamily="50" charset="-128"/>
-              </a:rPr>
-              <a:t>理解</a:t>
-            </a:r>
-            <a:r>
-              <a:rPr lang="ja-JP" altLang="en-US" sz="2800" dirty="0">
-                <a:latin typeface="メイリオ" panose="020B0604030504040204" pitchFamily="50" charset="-128"/>
-                <a:ea typeface="メイリオ" panose="020B0604030504040204" pitchFamily="50" charset="-128"/>
-              </a:rPr>
-              <a:t>しやすく良質なテストコードを作成する必要が</a:t>
-            </a:r>
-            <a:r>
-              <a:rPr lang="ja-JP" altLang="en-US" sz="2800" dirty="0" smtClean="0">
-                <a:latin typeface="メイリオ" panose="020B0604030504040204" pitchFamily="50" charset="-128"/>
-                <a:ea typeface="メイリオ" panose="020B0604030504040204" pitchFamily="50" charset="-128"/>
-              </a:rPr>
-              <a:t>ある</a:t>
-            </a:r>
-            <a:endParaRPr lang="ja-JP" altLang="en-US" sz="2800" dirty="0">
-              <a:latin typeface="メイリオ" panose="020B0604030504040204" pitchFamily="50" charset="-128"/>
-              <a:ea typeface="メイリオ" panose="020B0604030504040204" pitchFamily="50" charset="-128"/>
-            </a:endParaRPr>
-          </a:p>
-        </p:txBody>
-      </p:sp>
-    </p:spTree>
-    <p:extLst>
-      <p:ext uri="{BB962C8B-B14F-4D97-AF65-F5344CB8AC3E}">
-        <p14:creationId xmlns:p14="http://schemas.microsoft.com/office/powerpoint/2010/main" val="3663765090"/>
-      </p:ext>
-    </p:extLst>
-  </p:cSld>
-  <p:clrMapOvr>
-    <a:masterClrMapping/>
-  </p:clrMapOvr>
-  <p:timing>
-    <p:tnLst>
-      <p:par>
-        <p:cTn id="1" dur="indefinite" restart="never" nodeType="tmRoot"/>
-      </p:par>
-    </p:tnLst>
-  </p:timing>
-</p:sld>
-</file>
-
-<file path=ppt/slides/slide40.xml><?xml version="1.0" encoding="utf-8"?>
+<file path=ppt/slides/slide41.xml><?xml version="1.0" encoding="utf-8"?>
 <p:sld xmlns:a="http://schemas.openxmlformats.org/drawingml/2006/main" xmlns:r="http://schemas.openxmlformats.org/officeDocument/2006/relationships" xmlns:p="http://schemas.openxmlformats.org/presentationml/2006/main">
   <p:cSld>
     <p:spTree>
@@ -38535,7 +39401,7 @@
 </p:sld>
 </file>
 
-<file path=ppt/slides/slide41.xml><?xml version="1.0" encoding="utf-8"?>
+<file path=ppt/slides/slide42.xml><?xml version="1.0" encoding="utf-8"?>
 <p:sld xmlns:a="http://schemas.openxmlformats.org/drawingml/2006/main" xmlns:r="http://schemas.openxmlformats.org/officeDocument/2006/relationships" xmlns:p="http://schemas.openxmlformats.org/presentationml/2006/main">
   <p:cSld>
     <p:spTree>
@@ -40261,7 +41127,7 @@
 </p:sld>
 </file>
 
-<file path=ppt/slides/slide42.xml><?xml version="1.0" encoding="utf-8"?>
+<file path=ppt/slides/slide43.xml><?xml version="1.0" encoding="utf-8"?>
 <p:sld xmlns:a="http://schemas.openxmlformats.org/drawingml/2006/main" xmlns:r="http://schemas.openxmlformats.org/officeDocument/2006/relationships" xmlns:p="http://schemas.openxmlformats.org/presentationml/2006/main">
   <p:cSld>
     <p:spTree>
@@ -41666,7 +42532,7 @@
 </p:sld>
 </file>
 
-<file path=ppt/slides/slide43.xml><?xml version="1.0" encoding="utf-8"?>
+<file path=ppt/slides/slide44.xml><?xml version="1.0" encoding="utf-8"?>
 <p:sld xmlns:a="http://schemas.openxmlformats.org/drawingml/2006/main" xmlns:r="http://schemas.openxmlformats.org/officeDocument/2006/relationships" xmlns:p="http://schemas.openxmlformats.org/presentationml/2006/main">
   <p:cSld>
     <p:spTree>

--- a/presentation_kurachi.pptx
+++ b/presentation_kurachi.pptx
@@ -5,7 +5,7 @@
     <p:sldMasterId id="2147483648" r:id="rId1"/>
   </p:sldMasterIdLst>
   <p:notesMasterIdLst>
-    <p:notesMasterId r:id="rId46"/>
+    <p:notesMasterId r:id="rId50"/>
   </p:notesMasterIdLst>
   <p:sldIdLst>
     <p:sldId id="274" r:id="rId2"/>
@@ -30,28 +30,32 @@
     <p:sldId id="375" r:id="rId21"/>
     <p:sldId id="292" r:id="rId22"/>
     <p:sldId id="354" r:id="rId23"/>
-    <p:sldId id="384" r:id="rId24"/>
-    <p:sldId id="381" r:id="rId25"/>
-    <p:sldId id="382" r:id="rId26"/>
-    <p:sldId id="367" r:id="rId27"/>
-    <p:sldId id="387" r:id="rId28"/>
-    <p:sldId id="366" r:id="rId29"/>
-    <p:sldId id="368" r:id="rId30"/>
-    <p:sldId id="293" r:id="rId31"/>
-    <p:sldId id="290" r:id="rId32"/>
-    <p:sldId id="291" r:id="rId33"/>
-    <p:sldId id="334" r:id="rId34"/>
-    <p:sldId id="288" r:id="rId35"/>
-    <p:sldId id="353" r:id="rId36"/>
-    <p:sldId id="371" r:id="rId37"/>
-    <p:sldId id="370" r:id="rId38"/>
-    <p:sldId id="286" r:id="rId39"/>
-    <p:sldId id="295" r:id="rId40"/>
-    <p:sldId id="380" r:id="rId41"/>
-    <p:sldId id="377" r:id="rId42"/>
-    <p:sldId id="379" r:id="rId43"/>
-    <p:sldId id="378" r:id="rId44"/>
-    <p:sldId id="383" r:id="rId45"/>
+    <p:sldId id="388" r:id="rId24"/>
+    <p:sldId id="384" r:id="rId25"/>
+    <p:sldId id="381" r:id="rId26"/>
+    <p:sldId id="382" r:id="rId27"/>
+    <p:sldId id="367" r:id="rId28"/>
+    <p:sldId id="387" r:id="rId29"/>
+    <p:sldId id="366" r:id="rId30"/>
+    <p:sldId id="368" r:id="rId31"/>
+    <p:sldId id="293" r:id="rId32"/>
+    <p:sldId id="290" r:id="rId33"/>
+    <p:sldId id="291" r:id="rId34"/>
+    <p:sldId id="334" r:id="rId35"/>
+    <p:sldId id="288" r:id="rId36"/>
+    <p:sldId id="389" r:id="rId37"/>
+    <p:sldId id="390" r:id="rId38"/>
+    <p:sldId id="353" r:id="rId39"/>
+    <p:sldId id="391" r:id="rId40"/>
+    <p:sldId id="371" r:id="rId41"/>
+    <p:sldId id="370" r:id="rId42"/>
+    <p:sldId id="286" r:id="rId43"/>
+    <p:sldId id="295" r:id="rId44"/>
+    <p:sldId id="380" r:id="rId45"/>
+    <p:sldId id="377" r:id="rId46"/>
+    <p:sldId id="379" r:id="rId47"/>
+    <p:sldId id="378" r:id="rId48"/>
+    <p:sldId id="383" r:id="rId49"/>
   </p:sldIdLst>
   <p:sldSz cx="12192000" cy="6858000"/>
   <p:notesSz cx="6805613" cy="9939338"/>
@@ -7861,7 +7865,7 @@
           <a:p>
             <a:fld id="{A375FAFC-A5AB-4FEC-AA23-92E34682EFAF}" type="slidenum">
               <a:rPr kumimoji="1" lang="ja-JP" altLang="en-US" smtClean="0"/>
-              <a:t>26</a:t>
+              <a:t>27</a:t>
             </a:fld>
             <a:endParaRPr kumimoji="1" lang="ja-JP" altLang="en-US"/>
           </a:p>
@@ -7945,7 +7949,7 @@
           <a:p>
             <a:fld id="{A375FAFC-A5AB-4FEC-AA23-92E34682EFAF}" type="slidenum">
               <a:rPr kumimoji="1" lang="ja-JP" altLang="en-US" smtClean="0"/>
-              <a:t>28</a:t>
+              <a:t>29</a:t>
             </a:fld>
             <a:endParaRPr kumimoji="1" lang="ja-JP" altLang="en-US"/>
           </a:p>
@@ -8029,7 +8033,7 @@
           <a:p>
             <a:fld id="{A375FAFC-A5AB-4FEC-AA23-92E34682EFAF}" type="slidenum">
               <a:rPr kumimoji="1" lang="ja-JP" altLang="en-US" smtClean="0"/>
-              <a:t>29</a:t>
+              <a:t>30</a:t>
             </a:fld>
             <a:endParaRPr kumimoji="1" lang="ja-JP" altLang="en-US"/>
           </a:p>
@@ -8113,7 +8117,7 @@
           <a:p>
             <a:fld id="{A375FAFC-A5AB-4FEC-AA23-92E34682EFAF}" type="slidenum">
               <a:rPr kumimoji="1" lang="ja-JP" altLang="en-US" smtClean="0"/>
-              <a:t>30</a:t>
+              <a:t>31</a:t>
             </a:fld>
             <a:endParaRPr kumimoji="1" lang="ja-JP" altLang="en-US"/>
           </a:p>
@@ -8197,7 +8201,7 @@
           <a:p>
             <a:fld id="{A375FAFC-A5AB-4FEC-AA23-92E34682EFAF}" type="slidenum">
               <a:rPr kumimoji="1" lang="ja-JP" altLang="en-US" smtClean="0"/>
-              <a:t>31</a:t>
+              <a:t>32</a:t>
             </a:fld>
             <a:endParaRPr kumimoji="1" lang="ja-JP" altLang="en-US"/>
           </a:p>
@@ -8281,7 +8285,7 @@
           <a:p>
             <a:fld id="{A375FAFC-A5AB-4FEC-AA23-92E34682EFAF}" type="slidenum">
               <a:rPr kumimoji="1" lang="ja-JP" altLang="en-US" smtClean="0"/>
-              <a:t>32</a:t>
+              <a:t>33</a:t>
             </a:fld>
             <a:endParaRPr kumimoji="1" lang="ja-JP" altLang="en-US"/>
           </a:p>
@@ -8489,7 +8493,7 @@
           <a:p>
             <a:fld id="{A375FAFC-A5AB-4FEC-AA23-92E34682EFAF}" type="slidenum">
               <a:rPr kumimoji="1" lang="ja-JP" altLang="en-US" smtClean="0"/>
-              <a:t>33</a:t>
+              <a:t>34</a:t>
             </a:fld>
             <a:endParaRPr kumimoji="1" lang="ja-JP" altLang="en-US"/>
           </a:p>
@@ -8711,7 +8715,7 @@
           <a:p>
             <a:fld id="{A375FAFC-A5AB-4FEC-AA23-92E34682EFAF}" type="slidenum">
               <a:rPr kumimoji="1" lang="ja-JP" altLang="en-US" smtClean="0"/>
-              <a:t>34</a:t>
+              <a:t>35</a:t>
             </a:fld>
             <a:endParaRPr kumimoji="1" lang="ja-JP" altLang="en-US"/>
           </a:p>
@@ -8774,176 +8778,7 @@
           <a:bodyPr/>
           <a:lstStyle/>
           <a:p>
-            <a:r>
-              <a:rPr kumimoji="1" lang="ja-JP" altLang="en-US" dirty="0" smtClean="0"/>
-              <a:t>次に</a:t>
-            </a:r>
-            <a:r>
-              <a:rPr kumimoji="1" lang="en-US" altLang="ja-JP" dirty="0" smtClean="0"/>
-              <a:t>RQ2</a:t>
-            </a:r>
-            <a:r>
-              <a:rPr kumimoji="1" lang="ja-JP" altLang="en-US" dirty="0" smtClean="0"/>
-              <a:t>は、</a:t>
-            </a:r>
-            <a:r>
-              <a:rPr kumimoji="1" lang="en-US" altLang="ja-JP" dirty="0" err="1" smtClean="0"/>
-              <a:t>SuiteRec</a:t>
-            </a:r>
-            <a:r>
-              <a:rPr kumimoji="1" lang="ja-JP" altLang="en-US" dirty="0" smtClean="0"/>
-              <a:t>は、開発者のテストコードの作成時間を削減できるか？という質問です。</a:t>
-            </a:r>
-            <a:endParaRPr kumimoji="1" lang="en-US" altLang="ja-JP" dirty="0" smtClean="0"/>
-          </a:p>
-          <a:p>
-            <a:endParaRPr kumimoji="1" lang="en-US" altLang="ja-JP" dirty="0" smtClean="0"/>
-          </a:p>
-          <a:p>
-            <a:r>
-              <a:rPr kumimoji="1" lang="ja-JP" altLang="en-US" dirty="0" smtClean="0"/>
-              <a:t>この質問に答えるために、被験者のタスク完了までの時間を比較しました。</a:t>
-            </a:r>
-            <a:endParaRPr kumimoji="1" lang="en-US" altLang="ja-JP" dirty="0" smtClean="0"/>
-          </a:p>
-          <a:p>
-            <a:endParaRPr kumimoji="1" lang="en-US" altLang="ja-JP" dirty="0" smtClean="0"/>
-          </a:p>
-          <a:p>
-            <a:r>
-              <a:rPr kumimoji="1" lang="ja-JP" altLang="en-US" dirty="0" smtClean="0"/>
-              <a:t>この図は、各被験者のタスク完了までに費やした時間の分布が示されています。</a:t>
-            </a:r>
-            <a:endParaRPr kumimoji="1" lang="en-US" altLang="ja-JP" dirty="0" smtClean="0"/>
-          </a:p>
-          <a:p>
-            <a:endParaRPr kumimoji="1" lang="en-US" altLang="ja-JP" dirty="0" smtClean="0"/>
-          </a:p>
-          <a:p>
-            <a:r>
-              <a:rPr lang="ja-JP" altLang="en-US" sz="1200" dirty="0" smtClean="0">
-                <a:latin typeface="メイリオ" panose="020B0604030504040204" pitchFamily="50" charset="-128"/>
-                <a:ea typeface="メイリオ" panose="020B0604030504040204" pitchFamily="50" charset="-128"/>
-              </a:rPr>
-              <a:t>結果をみるとタスク</a:t>
-            </a:r>
-            <a:r>
-              <a:rPr lang="en-US" altLang="ja-JP" sz="1200" dirty="0" smtClean="0">
-                <a:latin typeface="メイリオ" panose="020B0604030504040204" pitchFamily="50" charset="-128"/>
-                <a:ea typeface="メイリオ" panose="020B0604030504040204" pitchFamily="50" charset="-128"/>
-              </a:rPr>
-              <a:t>1,3</a:t>
-            </a:r>
-            <a:r>
-              <a:rPr lang="ja-JP" altLang="en-US" sz="1200" dirty="0" smtClean="0">
-                <a:latin typeface="メイリオ" panose="020B0604030504040204" pitchFamily="50" charset="-128"/>
-                <a:ea typeface="メイリオ" panose="020B0604030504040204" pitchFamily="50" charset="-128"/>
-              </a:rPr>
-              <a:t>は、</a:t>
-            </a:r>
-            <a:r>
-              <a:rPr kumimoji="1" lang="en-US" altLang="ja-JP" u="sng" dirty="0" err="1" smtClean="0"/>
-              <a:t>SuiRec</a:t>
-            </a:r>
-            <a:r>
-              <a:rPr kumimoji="1" lang="ja-JP" altLang="en-US" u="sng" dirty="0" smtClean="0"/>
-              <a:t>を利用した場合の方が、タスク完了までの時間が長いことが分かります。 </a:t>
-            </a:r>
-            <a:endParaRPr kumimoji="1" lang="en-US" altLang="ja-JP" u="sng" dirty="0" smtClean="0"/>
-          </a:p>
-          <a:p>
-            <a:endParaRPr kumimoji="1" lang="en-US" altLang="ja-JP" dirty="0" smtClean="0"/>
-          </a:p>
-          <a:p>
-            <a:r>
-              <a:rPr kumimoji="1" lang="en-US" altLang="ja-JP" b="1" dirty="0" err="1" smtClean="0"/>
-              <a:t>SuiteRec</a:t>
-            </a:r>
-            <a:r>
-              <a:rPr kumimoji="1" lang="ja-JP" altLang="en-US" b="1" dirty="0" smtClean="0"/>
-              <a:t>を利用した場合に、時間がかかる原因として、開発者は、推薦される複数のテストコードを理解し、再利用する際に変更をしなければならないことが考えられます。</a:t>
-            </a:r>
-            <a:endParaRPr kumimoji="1" lang="en-US" altLang="ja-JP" b="1" dirty="0" smtClean="0"/>
-          </a:p>
-          <a:p>
-            <a:endParaRPr kumimoji="1" lang="en-US" altLang="ja-JP" dirty="0" smtClean="0"/>
-          </a:p>
-          <a:p>
-            <a:r>
-              <a:rPr kumimoji="1" lang="ja-JP" altLang="en-US" dirty="0" smtClean="0"/>
-              <a:t>一方で、タスク</a:t>
-            </a:r>
-            <a:r>
-              <a:rPr kumimoji="1" lang="en-US" altLang="ja-JP" dirty="0" smtClean="0"/>
-              <a:t>2</a:t>
-            </a:r>
-            <a:r>
-              <a:rPr kumimoji="1" lang="ja-JP" altLang="en-US" dirty="0" smtClean="0"/>
-              <a:t>については、</a:t>
-            </a:r>
-            <a:r>
-              <a:rPr kumimoji="1" lang="en-US" altLang="ja-JP" dirty="0" err="1" smtClean="0"/>
-              <a:t>SuiteRec</a:t>
-            </a:r>
-            <a:r>
-              <a:rPr kumimoji="1" lang="ja-JP" altLang="en-US" dirty="0" smtClean="0"/>
-              <a:t>を使用した方がタスク完了時間が短いことが分かる。</a:t>
-            </a:r>
-            <a:endParaRPr kumimoji="1" lang="en-US" altLang="ja-JP" dirty="0" smtClean="0"/>
-          </a:p>
-          <a:p>
-            <a:endParaRPr kumimoji="1" lang="en-US" altLang="ja-JP" dirty="0" smtClean="0"/>
-          </a:p>
-          <a:p>
-            <a:r>
-              <a:rPr kumimoji="1" lang="ja-JP" altLang="en-US" dirty="0" smtClean="0"/>
-              <a:t>我々は、提出されたテストコードを調査したところ、カバレッジに差はないものの</a:t>
-            </a:r>
-            <a:r>
-              <a:rPr kumimoji="1" lang="en-US" altLang="ja-JP" dirty="0" err="1" smtClean="0"/>
-              <a:t>SuiteRec</a:t>
-            </a:r>
-            <a:r>
-              <a:rPr kumimoji="1" lang="ja-JP" altLang="en-US" dirty="0" smtClean="0"/>
-              <a:t>を使用しない場合は、テスト項目の重複が多いことが分かりました。</a:t>
-            </a:r>
-            <a:endParaRPr kumimoji="1" lang="en-US" altLang="ja-JP" dirty="0" smtClean="0"/>
-          </a:p>
-          <a:p>
-            <a:endParaRPr kumimoji="1" lang="en-US" altLang="ja-JP" dirty="0" smtClean="0"/>
-          </a:p>
-          <a:p>
-            <a:r>
-              <a:rPr kumimoji="1" lang="ja-JP" altLang="en-US" dirty="0" smtClean="0"/>
-              <a:t>この結果から、</a:t>
-            </a:r>
-            <a:r>
-              <a:rPr kumimoji="1" lang="en-US" altLang="ja-JP" dirty="0" err="1" smtClean="0"/>
-              <a:t>SuiteRec</a:t>
-            </a:r>
-            <a:r>
-              <a:rPr kumimoji="1" lang="ja-JP" altLang="en-US" dirty="0" smtClean="0"/>
-              <a:t>を利用は、被験者が無駄なテストコードを作成するのを防ぎ、短期間でのテストコード作成を支援できる場合もあることが分かった。</a:t>
-            </a:r>
-            <a:endParaRPr kumimoji="1" lang="en-US" altLang="ja-JP" dirty="0" smtClean="0"/>
-          </a:p>
-          <a:p>
-            <a:endParaRPr kumimoji="1" lang="en-US" altLang="ja-JP" dirty="0" smtClean="0"/>
-          </a:p>
-          <a:p>
-            <a:r>
-              <a:rPr kumimoji="1" lang="ja-JP" altLang="en-US" dirty="0" smtClean="0"/>
-              <a:t>次に</a:t>
-            </a:r>
-            <a:r>
-              <a:rPr kumimoji="1" lang="en-US" altLang="ja-JP" dirty="0" smtClean="0"/>
-              <a:t>RQ3</a:t>
-            </a:r>
-            <a:r>
-              <a:rPr kumimoji="1" lang="ja-JP" altLang="en-US" dirty="0" err="1" smtClean="0"/>
-              <a:t>です</a:t>
-            </a:r>
-            <a:endParaRPr kumimoji="1" lang="en-US" altLang="ja-JP" dirty="0" smtClean="0"/>
+            <a:endParaRPr kumimoji="1" lang="ja-JP" altLang="en-US" dirty="0"/>
           </a:p>
         </p:txBody>
       </p:sp>
@@ -8964,7 +8799,7 @@
           <a:p>
             <a:fld id="{A375FAFC-A5AB-4FEC-AA23-92E34682EFAF}" type="slidenum">
               <a:rPr kumimoji="1" lang="ja-JP" altLang="en-US" smtClean="0"/>
-              <a:t>35</a:t>
+              <a:t>36</a:t>
             </a:fld>
             <a:endParaRPr kumimoji="1" lang="ja-JP" altLang="en-US"/>
           </a:p>
@@ -8973,7 +8808,7 @@
     </p:spTree>
     <p:extLst>
       <p:ext uri="{BB962C8B-B14F-4D97-AF65-F5344CB8AC3E}">
-        <p14:creationId xmlns:p14="http://schemas.microsoft.com/office/powerpoint/2010/main" val="638208642"/>
+        <p14:creationId xmlns:p14="http://schemas.microsoft.com/office/powerpoint/2010/main" val="3605589458"/>
       </p:ext>
     </p:extLst>
   </p:cSld>
@@ -9027,273 +8862,6 @@
           <a:bodyPr/>
           <a:lstStyle/>
           <a:p>
-            <a:r>
-              <a:rPr kumimoji="1" lang="ja-JP" altLang="en-US" dirty="0" smtClean="0"/>
-              <a:t>評価実験</a:t>
-            </a:r>
-            <a:r>
-              <a:rPr kumimoji="1" lang="en-US" altLang="ja-JP" dirty="0" smtClean="0"/>
-              <a:t>1</a:t>
-            </a:r>
-            <a:r>
-              <a:rPr kumimoji="1" lang="ja-JP" altLang="en-US" dirty="0" smtClean="0"/>
-              <a:t>では、</a:t>
-            </a:r>
-            <a:r>
-              <a:rPr kumimoji="1" lang="en-US" altLang="ja-JP" b="1" dirty="0" err="1" smtClean="0"/>
-              <a:t>SuiteRec</a:t>
-            </a:r>
-            <a:r>
-              <a:rPr kumimoji="1" lang="ja-JP" altLang="en-US" b="1" dirty="0" smtClean="0"/>
-              <a:t>が開発者の</a:t>
-            </a:r>
-            <a:r>
-              <a:rPr lang="ja-JP" altLang="en-US" sz="1200" b="1" dirty="0" smtClean="0"/>
-              <a:t>テストコード作成をどの程度支援できるかを評価するために被験者実験を行いました。</a:t>
-            </a:r>
-            <a:endParaRPr lang="en-US" altLang="ja-JP" sz="1200" b="1" dirty="0" smtClean="0"/>
-          </a:p>
-          <a:p>
-            <a:endParaRPr kumimoji="1" lang="en-US" altLang="ja-JP" sz="1200" dirty="0" smtClean="0"/>
-          </a:p>
-          <a:p>
-            <a:pPr marL="0" marR="0" lvl="1" indent="0" algn="l" defTabSz="914400" rtl="0" eaLnBrk="1" fontAlgn="auto" latinLnBrk="0" hangingPunct="1">
-              <a:lnSpc>
-                <a:spcPct val="100000"/>
-              </a:lnSpc>
-              <a:spcBef>
-                <a:spcPts val="0"/>
-              </a:spcBef>
-              <a:spcAft>
-                <a:spcPts val="0"/>
-              </a:spcAft>
-              <a:buClrTx/>
-              <a:buSzTx/>
-              <a:buFontTx/>
-              <a:buNone/>
-              <a:tabLst/>
-              <a:defRPr/>
-            </a:pPr>
-            <a:r>
-              <a:rPr kumimoji="1" lang="ja-JP" altLang="en-US" sz="1200" dirty="0" smtClean="0"/>
-              <a:t>具体的には、情報科学を専攻する修士課程の学生</a:t>
-            </a:r>
-            <a:r>
-              <a:rPr kumimoji="1" lang="en-US" altLang="ja-JP" sz="1200" dirty="0" smtClean="0"/>
-              <a:t>10</a:t>
-            </a:r>
-            <a:r>
-              <a:rPr kumimoji="1" lang="ja-JP" altLang="en-US" sz="1200" dirty="0" smtClean="0"/>
-              <a:t>人に対して</a:t>
-            </a:r>
-            <a:r>
-              <a:rPr kumimoji="1" lang="ja-JP" altLang="en-US" sz="1200" b="1" dirty="0" smtClean="0"/>
-              <a:t>プログラムとその仕様が書かれた</a:t>
-            </a:r>
-            <a:r>
-              <a:rPr kumimoji="1" lang="en-US" altLang="ja-JP" sz="1200" b="1" dirty="0" smtClean="0"/>
-              <a:t>3</a:t>
-            </a:r>
-            <a:r>
-              <a:rPr kumimoji="1" lang="ja-JP" altLang="en-US" sz="1200" b="1" dirty="0" err="1" smtClean="0"/>
-              <a:t>つの</a:t>
-            </a:r>
-            <a:r>
-              <a:rPr kumimoji="1" lang="ja-JP" altLang="en-US" sz="1200" b="1" dirty="0" smtClean="0"/>
-              <a:t>タスクを与え</a:t>
-            </a:r>
-            <a:r>
-              <a:rPr kumimoji="1" lang="ja-JP" altLang="en-US" sz="1200" dirty="0" smtClean="0"/>
-              <a:t>、各タスクのテストコードを作成してもらいました。</a:t>
-            </a:r>
-            <a:endParaRPr kumimoji="1" lang="en-US" altLang="ja-JP" sz="1200" dirty="0" smtClean="0"/>
-          </a:p>
-          <a:p>
-            <a:pPr marL="0" marR="0" lvl="1" indent="0" algn="l" defTabSz="914400" rtl="0" eaLnBrk="1" fontAlgn="auto" latinLnBrk="0" hangingPunct="1">
-              <a:lnSpc>
-                <a:spcPct val="100000"/>
-              </a:lnSpc>
-              <a:spcBef>
-                <a:spcPts val="0"/>
-              </a:spcBef>
-              <a:spcAft>
-                <a:spcPts val="0"/>
-              </a:spcAft>
-              <a:buClrTx/>
-              <a:buSzTx/>
-              <a:buFontTx/>
-              <a:buNone/>
-              <a:tabLst/>
-              <a:defRPr/>
-            </a:pPr>
-            <a:endParaRPr kumimoji="1" lang="en-US" altLang="ja-JP" sz="1200" dirty="0" smtClean="0"/>
-          </a:p>
-          <a:p>
-            <a:pPr marL="0" marR="0" lvl="1" indent="0" algn="l" defTabSz="914400" rtl="0" eaLnBrk="1" fontAlgn="auto" latinLnBrk="0" hangingPunct="1">
-              <a:lnSpc>
-                <a:spcPct val="100000"/>
-              </a:lnSpc>
-              <a:spcBef>
-                <a:spcPts val="0"/>
-              </a:spcBef>
-              <a:spcAft>
-                <a:spcPts val="0"/>
-              </a:spcAft>
-              <a:buClrTx/>
-              <a:buSzTx/>
-              <a:buFontTx/>
-              <a:buNone/>
-              <a:tabLst/>
-              <a:defRPr/>
-            </a:pPr>
-            <a:r>
-              <a:rPr kumimoji="1" lang="ja-JP" altLang="en-US" sz="1200" dirty="0" smtClean="0"/>
-              <a:t>こちらが、実験タスクの概要になります。各タスクで違いを出すために、</a:t>
-            </a:r>
-            <a:r>
-              <a:rPr kumimoji="1" lang="ja-JP" altLang="en-US" sz="1200" u="sng" dirty="0" smtClean="0"/>
-              <a:t>プログラムの条件分岐の数が異なっており、タスク</a:t>
-            </a:r>
-            <a:r>
-              <a:rPr kumimoji="1" lang="en-US" altLang="ja-JP" sz="1200" u="sng" dirty="0" smtClean="0"/>
-              <a:t>1</a:t>
-            </a:r>
-            <a:r>
-              <a:rPr kumimoji="1" lang="ja-JP" altLang="en-US" sz="1200" u="sng" dirty="0" smtClean="0"/>
-              <a:t>から</a:t>
-            </a:r>
-            <a:r>
-              <a:rPr kumimoji="1" lang="en-US" altLang="ja-JP" sz="1200" u="sng" dirty="0" smtClean="0"/>
-              <a:t>3</a:t>
-            </a:r>
-            <a:r>
-              <a:rPr kumimoji="1" lang="ja-JP" altLang="en-US" sz="1200" u="sng" dirty="0" smtClean="0"/>
-              <a:t>に行くにつれて分岐の数が多くなり複雑なプログラムになっています。</a:t>
-            </a:r>
-            <a:endParaRPr kumimoji="1" lang="en-US" altLang="ja-JP" sz="1200" u="sng" dirty="0" smtClean="0"/>
-          </a:p>
-          <a:p>
-            <a:pPr marL="0" marR="0" lvl="1" indent="0" algn="l" defTabSz="914400" rtl="0" eaLnBrk="1" fontAlgn="auto" latinLnBrk="0" hangingPunct="1">
-              <a:lnSpc>
-                <a:spcPct val="100000"/>
-              </a:lnSpc>
-              <a:spcBef>
-                <a:spcPts val="0"/>
-              </a:spcBef>
-              <a:spcAft>
-                <a:spcPts val="0"/>
-              </a:spcAft>
-              <a:buClrTx/>
-              <a:buSzTx/>
-              <a:buFontTx/>
-              <a:buNone/>
-              <a:tabLst/>
-              <a:defRPr/>
-            </a:pPr>
-            <a:endParaRPr kumimoji="1" lang="en-US" altLang="ja-JP" sz="1200" dirty="0" smtClean="0"/>
-          </a:p>
-          <a:p>
-            <a:pPr marL="0" marR="0" lvl="1" indent="0" algn="l" defTabSz="914400" rtl="0" eaLnBrk="1" fontAlgn="auto" latinLnBrk="0" hangingPunct="1">
-              <a:lnSpc>
-                <a:spcPct val="100000"/>
-              </a:lnSpc>
-              <a:spcBef>
-                <a:spcPts val="0"/>
-              </a:spcBef>
-              <a:spcAft>
-                <a:spcPts val="0"/>
-              </a:spcAft>
-              <a:buClrTx/>
-              <a:buSzTx/>
-              <a:buFontTx/>
-              <a:buNone/>
-              <a:tabLst/>
-              <a:defRPr/>
-            </a:pPr>
-            <a:r>
-              <a:rPr kumimoji="1" lang="ja-JP" altLang="en-US" sz="1200" dirty="0" smtClean="0"/>
-              <a:t>そして、</a:t>
-            </a:r>
-            <a:r>
-              <a:rPr lang="en-US" altLang="ja-JP" dirty="0" err="1" smtClean="0"/>
-              <a:t>SuiteRec</a:t>
-            </a:r>
-            <a:r>
-              <a:rPr lang="ja-JP" altLang="en-US" dirty="0" smtClean="0"/>
-              <a:t>を使用した場合とそうでない場合で被験者が作成したテストコード比較することで評価します</a:t>
-            </a:r>
-            <a:endParaRPr lang="en-US" altLang="ja-JP" dirty="0" smtClean="0"/>
-          </a:p>
-          <a:p>
-            <a:pPr marL="0" marR="0" lvl="1" indent="0" algn="l" defTabSz="914400" rtl="0" eaLnBrk="1" fontAlgn="auto" latinLnBrk="0" hangingPunct="1">
-              <a:lnSpc>
-                <a:spcPct val="100000"/>
-              </a:lnSpc>
-              <a:spcBef>
-                <a:spcPts val="0"/>
-              </a:spcBef>
-              <a:spcAft>
-                <a:spcPts val="0"/>
-              </a:spcAft>
-              <a:buClrTx/>
-              <a:buSzTx/>
-              <a:buFontTx/>
-              <a:buNone/>
-              <a:tabLst/>
-              <a:defRPr/>
-            </a:pPr>
-            <a:endParaRPr lang="en-US" altLang="ja-JP" dirty="0" smtClean="0"/>
-          </a:p>
-          <a:p>
-            <a:pPr marL="0" marR="0" lvl="1" indent="0" algn="l" defTabSz="914400" rtl="0" eaLnBrk="1" fontAlgn="auto" latinLnBrk="0" hangingPunct="1">
-              <a:lnSpc>
-                <a:spcPct val="100000"/>
-              </a:lnSpc>
-              <a:spcBef>
-                <a:spcPts val="0"/>
-              </a:spcBef>
-              <a:spcAft>
-                <a:spcPts val="0"/>
-              </a:spcAft>
-              <a:buClrTx/>
-              <a:buSzTx/>
-              <a:buFontTx/>
-              <a:buNone/>
-              <a:tabLst/>
-              <a:defRPr/>
-            </a:pPr>
-            <a:r>
-              <a:rPr lang="ja-JP" altLang="en-US" dirty="0" smtClean="0"/>
-              <a:t>また、定性的な評価をするために、</a:t>
-            </a:r>
-            <a:r>
-              <a:rPr lang="ja-JP" altLang="en-US" b="1" dirty="0" smtClean="0"/>
-              <a:t>実験後の被験者に</a:t>
-            </a:r>
-            <a:r>
-              <a:rPr lang="ja-JP" altLang="en-US" dirty="0" smtClean="0"/>
-              <a:t>～～ました。</a:t>
-            </a:r>
-            <a:endParaRPr lang="en-US" altLang="ja-JP" dirty="0" smtClean="0"/>
-          </a:p>
-          <a:p>
-            <a:pPr marL="0" marR="0" lvl="1" indent="0" algn="l" defTabSz="914400" rtl="0" eaLnBrk="1" fontAlgn="auto" latinLnBrk="0" hangingPunct="1">
-              <a:lnSpc>
-                <a:spcPct val="100000"/>
-              </a:lnSpc>
-              <a:spcBef>
-                <a:spcPts val="0"/>
-              </a:spcBef>
-              <a:spcAft>
-                <a:spcPts val="0"/>
-              </a:spcAft>
-              <a:buClrTx/>
-              <a:buSzTx/>
-              <a:buFontTx/>
-              <a:buNone/>
-              <a:tabLst/>
-              <a:defRPr/>
-            </a:pPr>
             <a:endParaRPr kumimoji="1" lang="ja-JP" altLang="en-US" dirty="0"/>
           </a:p>
         </p:txBody>
@@ -9315,7 +8883,7 @@
           <a:p>
             <a:fld id="{A375FAFC-A5AB-4FEC-AA23-92E34682EFAF}" type="slidenum">
               <a:rPr kumimoji="1" lang="ja-JP" altLang="en-US" smtClean="0"/>
-              <a:t>36</a:t>
+              <a:t>37</a:t>
             </a:fld>
             <a:endParaRPr kumimoji="1" lang="ja-JP" altLang="en-US"/>
           </a:p>
@@ -9324,7 +8892,7 @@
     </p:spTree>
     <p:extLst>
       <p:ext uri="{BB962C8B-B14F-4D97-AF65-F5344CB8AC3E}">
-        <p14:creationId xmlns:p14="http://schemas.microsoft.com/office/powerpoint/2010/main" val="2182921646"/>
+        <p14:creationId xmlns:p14="http://schemas.microsoft.com/office/powerpoint/2010/main" val="1703768599"/>
       </p:ext>
     </p:extLst>
   </p:cSld>
@@ -9378,7 +8946,176 @@
           <a:bodyPr/>
           <a:lstStyle/>
           <a:p>
-            <a:endParaRPr kumimoji="1" lang="ja-JP" altLang="en-US"/>
+            <a:r>
+              <a:rPr kumimoji="1" lang="ja-JP" altLang="en-US" dirty="0" smtClean="0"/>
+              <a:t>次に</a:t>
+            </a:r>
+            <a:r>
+              <a:rPr kumimoji="1" lang="en-US" altLang="ja-JP" dirty="0" smtClean="0"/>
+              <a:t>RQ2</a:t>
+            </a:r>
+            <a:r>
+              <a:rPr kumimoji="1" lang="ja-JP" altLang="en-US" dirty="0" smtClean="0"/>
+              <a:t>は、</a:t>
+            </a:r>
+            <a:r>
+              <a:rPr kumimoji="1" lang="en-US" altLang="ja-JP" dirty="0" err="1" smtClean="0"/>
+              <a:t>SuiteRec</a:t>
+            </a:r>
+            <a:r>
+              <a:rPr kumimoji="1" lang="ja-JP" altLang="en-US" dirty="0" smtClean="0"/>
+              <a:t>は、開発者のテストコードの作成時間を削減できるか？という質問です。</a:t>
+            </a:r>
+            <a:endParaRPr kumimoji="1" lang="en-US" altLang="ja-JP" dirty="0" smtClean="0"/>
+          </a:p>
+          <a:p>
+            <a:endParaRPr kumimoji="1" lang="en-US" altLang="ja-JP" dirty="0" smtClean="0"/>
+          </a:p>
+          <a:p>
+            <a:r>
+              <a:rPr kumimoji="1" lang="ja-JP" altLang="en-US" dirty="0" smtClean="0"/>
+              <a:t>この質問に答えるために、被験者のタスク完了までの時間を比較しました。</a:t>
+            </a:r>
+            <a:endParaRPr kumimoji="1" lang="en-US" altLang="ja-JP" dirty="0" smtClean="0"/>
+          </a:p>
+          <a:p>
+            <a:endParaRPr kumimoji="1" lang="en-US" altLang="ja-JP" dirty="0" smtClean="0"/>
+          </a:p>
+          <a:p>
+            <a:r>
+              <a:rPr kumimoji="1" lang="ja-JP" altLang="en-US" dirty="0" smtClean="0"/>
+              <a:t>この図は、各被験者のタスク完了までに費やした時間の分布が示されています。</a:t>
+            </a:r>
+            <a:endParaRPr kumimoji="1" lang="en-US" altLang="ja-JP" dirty="0" smtClean="0"/>
+          </a:p>
+          <a:p>
+            <a:endParaRPr kumimoji="1" lang="en-US" altLang="ja-JP" dirty="0" smtClean="0"/>
+          </a:p>
+          <a:p>
+            <a:r>
+              <a:rPr lang="ja-JP" altLang="en-US" sz="1200" dirty="0" smtClean="0">
+                <a:latin typeface="メイリオ" panose="020B0604030504040204" pitchFamily="50" charset="-128"/>
+                <a:ea typeface="メイリオ" panose="020B0604030504040204" pitchFamily="50" charset="-128"/>
+              </a:rPr>
+              <a:t>結果をみるとタスク</a:t>
+            </a:r>
+            <a:r>
+              <a:rPr lang="en-US" altLang="ja-JP" sz="1200" dirty="0" smtClean="0">
+                <a:latin typeface="メイリオ" panose="020B0604030504040204" pitchFamily="50" charset="-128"/>
+                <a:ea typeface="メイリオ" panose="020B0604030504040204" pitchFamily="50" charset="-128"/>
+              </a:rPr>
+              <a:t>1,3</a:t>
+            </a:r>
+            <a:r>
+              <a:rPr lang="ja-JP" altLang="en-US" sz="1200" dirty="0" smtClean="0">
+                <a:latin typeface="メイリオ" panose="020B0604030504040204" pitchFamily="50" charset="-128"/>
+                <a:ea typeface="メイリオ" panose="020B0604030504040204" pitchFamily="50" charset="-128"/>
+              </a:rPr>
+              <a:t>は、</a:t>
+            </a:r>
+            <a:r>
+              <a:rPr kumimoji="1" lang="en-US" altLang="ja-JP" u="sng" dirty="0" err="1" smtClean="0"/>
+              <a:t>SuiRec</a:t>
+            </a:r>
+            <a:r>
+              <a:rPr kumimoji="1" lang="ja-JP" altLang="en-US" u="sng" dirty="0" smtClean="0"/>
+              <a:t>を利用した場合の方が、タスク完了までの時間が長いことが分かります。 </a:t>
+            </a:r>
+            <a:endParaRPr kumimoji="1" lang="en-US" altLang="ja-JP" u="sng" dirty="0" smtClean="0"/>
+          </a:p>
+          <a:p>
+            <a:endParaRPr kumimoji="1" lang="en-US" altLang="ja-JP" dirty="0" smtClean="0"/>
+          </a:p>
+          <a:p>
+            <a:r>
+              <a:rPr kumimoji="1" lang="en-US" altLang="ja-JP" b="1" dirty="0" err="1" smtClean="0"/>
+              <a:t>SuiteRec</a:t>
+            </a:r>
+            <a:r>
+              <a:rPr kumimoji="1" lang="ja-JP" altLang="en-US" b="1" dirty="0" smtClean="0"/>
+              <a:t>を利用した場合に、時間がかかる原因として、開発者は、推薦される複数のテストコードを理解し、再利用する際に変更をしなければならないことが考えられます。</a:t>
+            </a:r>
+            <a:endParaRPr kumimoji="1" lang="en-US" altLang="ja-JP" b="1" dirty="0" smtClean="0"/>
+          </a:p>
+          <a:p>
+            <a:endParaRPr kumimoji="1" lang="en-US" altLang="ja-JP" dirty="0" smtClean="0"/>
+          </a:p>
+          <a:p>
+            <a:r>
+              <a:rPr kumimoji="1" lang="ja-JP" altLang="en-US" dirty="0" smtClean="0"/>
+              <a:t>一方で、タスク</a:t>
+            </a:r>
+            <a:r>
+              <a:rPr kumimoji="1" lang="en-US" altLang="ja-JP" dirty="0" smtClean="0"/>
+              <a:t>2</a:t>
+            </a:r>
+            <a:r>
+              <a:rPr kumimoji="1" lang="ja-JP" altLang="en-US" dirty="0" smtClean="0"/>
+              <a:t>については、</a:t>
+            </a:r>
+            <a:r>
+              <a:rPr kumimoji="1" lang="en-US" altLang="ja-JP" dirty="0" err="1" smtClean="0"/>
+              <a:t>SuiteRec</a:t>
+            </a:r>
+            <a:r>
+              <a:rPr kumimoji="1" lang="ja-JP" altLang="en-US" dirty="0" smtClean="0"/>
+              <a:t>を使用した方がタスク完了時間が短いことが分かる。</a:t>
+            </a:r>
+            <a:endParaRPr kumimoji="1" lang="en-US" altLang="ja-JP" dirty="0" smtClean="0"/>
+          </a:p>
+          <a:p>
+            <a:endParaRPr kumimoji="1" lang="en-US" altLang="ja-JP" dirty="0" smtClean="0"/>
+          </a:p>
+          <a:p>
+            <a:r>
+              <a:rPr kumimoji="1" lang="ja-JP" altLang="en-US" dirty="0" smtClean="0"/>
+              <a:t>我々は、提出されたテストコードを調査したところ、カバレッジに差はないものの</a:t>
+            </a:r>
+            <a:r>
+              <a:rPr kumimoji="1" lang="en-US" altLang="ja-JP" dirty="0" err="1" smtClean="0"/>
+              <a:t>SuiteRec</a:t>
+            </a:r>
+            <a:r>
+              <a:rPr kumimoji="1" lang="ja-JP" altLang="en-US" dirty="0" smtClean="0"/>
+              <a:t>を使用しない場合は、テスト項目の重複が多いことが分かりました。</a:t>
+            </a:r>
+            <a:endParaRPr kumimoji="1" lang="en-US" altLang="ja-JP" dirty="0" smtClean="0"/>
+          </a:p>
+          <a:p>
+            <a:endParaRPr kumimoji="1" lang="en-US" altLang="ja-JP" dirty="0" smtClean="0"/>
+          </a:p>
+          <a:p>
+            <a:r>
+              <a:rPr kumimoji="1" lang="ja-JP" altLang="en-US" dirty="0" smtClean="0"/>
+              <a:t>この結果から、</a:t>
+            </a:r>
+            <a:r>
+              <a:rPr kumimoji="1" lang="en-US" altLang="ja-JP" dirty="0" err="1" smtClean="0"/>
+              <a:t>SuiteRec</a:t>
+            </a:r>
+            <a:r>
+              <a:rPr kumimoji="1" lang="ja-JP" altLang="en-US" dirty="0" smtClean="0"/>
+              <a:t>を利用は、被験者が無駄なテストコードを作成するのを防ぎ、短期間でのテストコード作成を支援できる場合もあることが分かった。</a:t>
+            </a:r>
+            <a:endParaRPr kumimoji="1" lang="en-US" altLang="ja-JP" dirty="0" smtClean="0"/>
+          </a:p>
+          <a:p>
+            <a:endParaRPr kumimoji="1" lang="en-US" altLang="ja-JP" dirty="0" smtClean="0"/>
+          </a:p>
+          <a:p>
+            <a:r>
+              <a:rPr kumimoji="1" lang="ja-JP" altLang="en-US" dirty="0" smtClean="0"/>
+              <a:t>次に</a:t>
+            </a:r>
+            <a:r>
+              <a:rPr kumimoji="1" lang="en-US" altLang="ja-JP" dirty="0" smtClean="0"/>
+              <a:t>RQ3</a:t>
+            </a:r>
+            <a:r>
+              <a:rPr kumimoji="1" lang="ja-JP" altLang="en-US" dirty="0" err="1" smtClean="0"/>
+              <a:t>です</a:t>
+            </a:r>
+            <a:endParaRPr kumimoji="1" lang="en-US" altLang="ja-JP" dirty="0" smtClean="0"/>
           </a:p>
         </p:txBody>
       </p:sp>
@@ -9399,7 +9136,7 @@
           <a:p>
             <a:fld id="{A375FAFC-A5AB-4FEC-AA23-92E34682EFAF}" type="slidenum">
               <a:rPr kumimoji="1" lang="ja-JP" altLang="en-US" smtClean="0"/>
-              <a:t>37</a:t>
+              <a:t>38</a:t>
             </a:fld>
             <a:endParaRPr kumimoji="1" lang="ja-JP" altLang="en-US"/>
           </a:p>
@@ -9408,7 +9145,7 @@
     </p:spTree>
     <p:extLst>
       <p:ext uri="{BB962C8B-B14F-4D97-AF65-F5344CB8AC3E}">
-        <p14:creationId xmlns:p14="http://schemas.microsoft.com/office/powerpoint/2010/main" val="4107801093"/>
+        <p14:creationId xmlns:p14="http://schemas.microsoft.com/office/powerpoint/2010/main" val="638208642"/>
       </p:ext>
     </p:extLst>
   </p:cSld>
@@ -9462,7 +9199,274 @@
           <a:bodyPr/>
           <a:lstStyle/>
           <a:p>
-            <a:endParaRPr kumimoji="1" lang="ja-JP" altLang="en-US"/>
+            <a:r>
+              <a:rPr kumimoji="1" lang="ja-JP" altLang="en-US" dirty="0" smtClean="0"/>
+              <a:t>評価実験</a:t>
+            </a:r>
+            <a:r>
+              <a:rPr kumimoji="1" lang="en-US" altLang="ja-JP" dirty="0" smtClean="0"/>
+              <a:t>1</a:t>
+            </a:r>
+            <a:r>
+              <a:rPr kumimoji="1" lang="ja-JP" altLang="en-US" dirty="0" smtClean="0"/>
+              <a:t>では、</a:t>
+            </a:r>
+            <a:r>
+              <a:rPr kumimoji="1" lang="en-US" altLang="ja-JP" b="1" dirty="0" err="1" smtClean="0"/>
+              <a:t>SuiteRec</a:t>
+            </a:r>
+            <a:r>
+              <a:rPr kumimoji="1" lang="ja-JP" altLang="en-US" b="1" dirty="0" smtClean="0"/>
+              <a:t>が開発者の</a:t>
+            </a:r>
+            <a:r>
+              <a:rPr lang="ja-JP" altLang="en-US" sz="1200" b="1" dirty="0" smtClean="0"/>
+              <a:t>テストコード作成をどの程度支援できるかを評価するために被験者実験を行いました。</a:t>
+            </a:r>
+            <a:endParaRPr lang="en-US" altLang="ja-JP" sz="1200" b="1" dirty="0" smtClean="0"/>
+          </a:p>
+          <a:p>
+            <a:endParaRPr kumimoji="1" lang="en-US" altLang="ja-JP" sz="1200" dirty="0" smtClean="0"/>
+          </a:p>
+          <a:p>
+            <a:pPr marL="0" marR="0" lvl="1" indent="0" algn="l" defTabSz="914400" rtl="0" eaLnBrk="1" fontAlgn="auto" latinLnBrk="0" hangingPunct="1">
+              <a:lnSpc>
+                <a:spcPct val="100000"/>
+              </a:lnSpc>
+              <a:spcBef>
+                <a:spcPts val="0"/>
+              </a:spcBef>
+              <a:spcAft>
+                <a:spcPts val="0"/>
+              </a:spcAft>
+              <a:buClrTx/>
+              <a:buSzTx/>
+              <a:buFontTx/>
+              <a:buNone/>
+              <a:tabLst/>
+              <a:defRPr/>
+            </a:pPr>
+            <a:r>
+              <a:rPr kumimoji="1" lang="ja-JP" altLang="en-US" sz="1200" dirty="0" smtClean="0"/>
+              <a:t>具体的には、情報科学を専攻する修士課程の学生</a:t>
+            </a:r>
+            <a:r>
+              <a:rPr kumimoji="1" lang="en-US" altLang="ja-JP" sz="1200" dirty="0" smtClean="0"/>
+              <a:t>10</a:t>
+            </a:r>
+            <a:r>
+              <a:rPr kumimoji="1" lang="ja-JP" altLang="en-US" sz="1200" dirty="0" smtClean="0"/>
+              <a:t>人に対して</a:t>
+            </a:r>
+            <a:r>
+              <a:rPr kumimoji="1" lang="ja-JP" altLang="en-US" sz="1200" b="1" dirty="0" smtClean="0"/>
+              <a:t>プログラムとその仕様が書かれた</a:t>
+            </a:r>
+            <a:r>
+              <a:rPr kumimoji="1" lang="en-US" altLang="ja-JP" sz="1200" b="1" dirty="0" smtClean="0"/>
+              <a:t>3</a:t>
+            </a:r>
+            <a:r>
+              <a:rPr kumimoji="1" lang="ja-JP" altLang="en-US" sz="1200" b="1" dirty="0" err="1" smtClean="0"/>
+              <a:t>つの</a:t>
+            </a:r>
+            <a:r>
+              <a:rPr kumimoji="1" lang="ja-JP" altLang="en-US" sz="1200" b="1" dirty="0" smtClean="0"/>
+              <a:t>タスクを与え</a:t>
+            </a:r>
+            <a:r>
+              <a:rPr kumimoji="1" lang="ja-JP" altLang="en-US" sz="1200" dirty="0" smtClean="0"/>
+              <a:t>、各タスクのテストコードを作成してもらいました。</a:t>
+            </a:r>
+            <a:endParaRPr kumimoji="1" lang="en-US" altLang="ja-JP" sz="1200" dirty="0" smtClean="0"/>
+          </a:p>
+          <a:p>
+            <a:pPr marL="0" marR="0" lvl="1" indent="0" algn="l" defTabSz="914400" rtl="0" eaLnBrk="1" fontAlgn="auto" latinLnBrk="0" hangingPunct="1">
+              <a:lnSpc>
+                <a:spcPct val="100000"/>
+              </a:lnSpc>
+              <a:spcBef>
+                <a:spcPts val="0"/>
+              </a:spcBef>
+              <a:spcAft>
+                <a:spcPts val="0"/>
+              </a:spcAft>
+              <a:buClrTx/>
+              <a:buSzTx/>
+              <a:buFontTx/>
+              <a:buNone/>
+              <a:tabLst/>
+              <a:defRPr/>
+            </a:pPr>
+            <a:endParaRPr kumimoji="1" lang="en-US" altLang="ja-JP" sz="1200" dirty="0" smtClean="0"/>
+          </a:p>
+          <a:p>
+            <a:pPr marL="0" marR="0" lvl="1" indent="0" algn="l" defTabSz="914400" rtl="0" eaLnBrk="1" fontAlgn="auto" latinLnBrk="0" hangingPunct="1">
+              <a:lnSpc>
+                <a:spcPct val="100000"/>
+              </a:lnSpc>
+              <a:spcBef>
+                <a:spcPts val="0"/>
+              </a:spcBef>
+              <a:spcAft>
+                <a:spcPts val="0"/>
+              </a:spcAft>
+              <a:buClrTx/>
+              <a:buSzTx/>
+              <a:buFontTx/>
+              <a:buNone/>
+              <a:tabLst/>
+              <a:defRPr/>
+            </a:pPr>
+            <a:r>
+              <a:rPr kumimoji="1" lang="ja-JP" altLang="en-US" sz="1200" dirty="0" smtClean="0"/>
+              <a:t>こちらが、実験タスクの概要になります。各タスクで違いを出すために、</a:t>
+            </a:r>
+            <a:r>
+              <a:rPr kumimoji="1" lang="ja-JP" altLang="en-US" sz="1200" u="sng" dirty="0" smtClean="0"/>
+              <a:t>プログラムの条件分岐の数が異なっており、タスク</a:t>
+            </a:r>
+            <a:r>
+              <a:rPr kumimoji="1" lang="en-US" altLang="ja-JP" sz="1200" u="sng" dirty="0" smtClean="0"/>
+              <a:t>1</a:t>
+            </a:r>
+            <a:r>
+              <a:rPr kumimoji="1" lang="ja-JP" altLang="en-US" sz="1200" u="sng" dirty="0" smtClean="0"/>
+              <a:t>から</a:t>
+            </a:r>
+            <a:r>
+              <a:rPr kumimoji="1" lang="en-US" altLang="ja-JP" sz="1200" u="sng" dirty="0" smtClean="0"/>
+              <a:t>3</a:t>
+            </a:r>
+            <a:r>
+              <a:rPr kumimoji="1" lang="ja-JP" altLang="en-US" sz="1200" u="sng" dirty="0" smtClean="0"/>
+              <a:t>に行くにつれて分岐の数が多くなり複雑なプログラムになっています。</a:t>
+            </a:r>
+            <a:endParaRPr kumimoji="1" lang="en-US" altLang="ja-JP" sz="1200" u="sng" dirty="0" smtClean="0"/>
+          </a:p>
+          <a:p>
+            <a:pPr marL="0" marR="0" lvl="1" indent="0" algn="l" defTabSz="914400" rtl="0" eaLnBrk="1" fontAlgn="auto" latinLnBrk="0" hangingPunct="1">
+              <a:lnSpc>
+                <a:spcPct val="100000"/>
+              </a:lnSpc>
+              <a:spcBef>
+                <a:spcPts val="0"/>
+              </a:spcBef>
+              <a:spcAft>
+                <a:spcPts val="0"/>
+              </a:spcAft>
+              <a:buClrTx/>
+              <a:buSzTx/>
+              <a:buFontTx/>
+              <a:buNone/>
+              <a:tabLst/>
+              <a:defRPr/>
+            </a:pPr>
+            <a:endParaRPr kumimoji="1" lang="en-US" altLang="ja-JP" sz="1200" dirty="0" smtClean="0"/>
+          </a:p>
+          <a:p>
+            <a:pPr marL="0" marR="0" lvl="1" indent="0" algn="l" defTabSz="914400" rtl="0" eaLnBrk="1" fontAlgn="auto" latinLnBrk="0" hangingPunct="1">
+              <a:lnSpc>
+                <a:spcPct val="100000"/>
+              </a:lnSpc>
+              <a:spcBef>
+                <a:spcPts val="0"/>
+              </a:spcBef>
+              <a:spcAft>
+                <a:spcPts val="0"/>
+              </a:spcAft>
+              <a:buClrTx/>
+              <a:buSzTx/>
+              <a:buFontTx/>
+              <a:buNone/>
+              <a:tabLst/>
+              <a:defRPr/>
+            </a:pPr>
+            <a:r>
+              <a:rPr kumimoji="1" lang="ja-JP" altLang="en-US" sz="1200" dirty="0" smtClean="0"/>
+              <a:t>そして、</a:t>
+            </a:r>
+            <a:r>
+              <a:rPr lang="en-US" altLang="ja-JP" dirty="0" err="1" smtClean="0"/>
+              <a:t>SuiteRec</a:t>
+            </a:r>
+            <a:r>
+              <a:rPr lang="ja-JP" altLang="en-US" dirty="0" smtClean="0"/>
+              <a:t>を使用した場合とそうでない場合で被験者が作成したテストコード比較することで評価します</a:t>
+            </a:r>
+            <a:endParaRPr lang="en-US" altLang="ja-JP" dirty="0" smtClean="0"/>
+          </a:p>
+          <a:p>
+            <a:pPr marL="0" marR="0" lvl="1" indent="0" algn="l" defTabSz="914400" rtl="0" eaLnBrk="1" fontAlgn="auto" latinLnBrk="0" hangingPunct="1">
+              <a:lnSpc>
+                <a:spcPct val="100000"/>
+              </a:lnSpc>
+              <a:spcBef>
+                <a:spcPts val="0"/>
+              </a:spcBef>
+              <a:spcAft>
+                <a:spcPts val="0"/>
+              </a:spcAft>
+              <a:buClrTx/>
+              <a:buSzTx/>
+              <a:buFontTx/>
+              <a:buNone/>
+              <a:tabLst/>
+              <a:defRPr/>
+            </a:pPr>
+            <a:endParaRPr lang="en-US" altLang="ja-JP" dirty="0" smtClean="0"/>
+          </a:p>
+          <a:p>
+            <a:pPr marL="0" marR="0" lvl="1" indent="0" algn="l" defTabSz="914400" rtl="0" eaLnBrk="1" fontAlgn="auto" latinLnBrk="0" hangingPunct="1">
+              <a:lnSpc>
+                <a:spcPct val="100000"/>
+              </a:lnSpc>
+              <a:spcBef>
+                <a:spcPts val="0"/>
+              </a:spcBef>
+              <a:spcAft>
+                <a:spcPts val="0"/>
+              </a:spcAft>
+              <a:buClrTx/>
+              <a:buSzTx/>
+              <a:buFontTx/>
+              <a:buNone/>
+              <a:tabLst/>
+              <a:defRPr/>
+            </a:pPr>
+            <a:r>
+              <a:rPr lang="ja-JP" altLang="en-US" dirty="0" smtClean="0"/>
+              <a:t>また、定性的な評価をするために、</a:t>
+            </a:r>
+            <a:r>
+              <a:rPr lang="ja-JP" altLang="en-US" b="1" dirty="0" smtClean="0"/>
+              <a:t>実験後の被験者に</a:t>
+            </a:r>
+            <a:r>
+              <a:rPr lang="ja-JP" altLang="en-US" dirty="0" smtClean="0"/>
+              <a:t>～～ました。</a:t>
+            </a:r>
+            <a:endParaRPr lang="en-US" altLang="ja-JP" dirty="0" smtClean="0"/>
+          </a:p>
+          <a:p>
+            <a:pPr marL="0" marR="0" lvl="1" indent="0" algn="l" defTabSz="914400" rtl="0" eaLnBrk="1" fontAlgn="auto" latinLnBrk="0" hangingPunct="1">
+              <a:lnSpc>
+                <a:spcPct val="100000"/>
+              </a:lnSpc>
+              <a:spcBef>
+                <a:spcPts val="0"/>
+              </a:spcBef>
+              <a:spcAft>
+                <a:spcPts val="0"/>
+              </a:spcAft>
+              <a:buClrTx/>
+              <a:buSzTx/>
+              <a:buFontTx/>
+              <a:buNone/>
+              <a:tabLst/>
+              <a:defRPr/>
+            </a:pPr>
+            <a:endParaRPr kumimoji="1" lang="ja-JP" altLang="en-US" dirty="0"/>
           </a:p>
         </p:txBody>
       </p:sp>
@@ -9483,7 +9487,7 @@
           <a:p>
             <a:fld id="{A375FAFC-A5AB-4FEC-AA23-92E34682EFAF}" type="slidenum">
               <a:rPr kumimoji="1" lang="ja-JP" altLang="en-US" smtClean="0"/>
-              <a:t>38</a:t>
+              <a:t>40</a:t>
             </a:fld>
             <a:endParaRPr kumimoji="1" lang="ja-JP" altLang="en-US"/>
           </a:p>
@@ -9492,7 +9496,7 @@
     </p:spTree>
     <p:extLst>
       <p:ext uri="{BB962C8B-B14F-4D97-AF65-F5344CB8AC3E}">
-        <p14:creationId xmlns:p14="http://schemas.microsoft.com/office/powerpoint/2010/main" val="2867459515"/>
+        <p14:creationId xmlns:p14="http://schemas.microsoft.com/office/powerpoint/2010/main" val="2182921646"/>
       </p:ext>
     </p:extLst>
   </p:cSld>
@@ -9567,7 +9571,7 @@
           <a:p>
             <a:fld id="{A375FAFC-A5AB-4FEC-AA23-92E34682EFAF}" type="slidenum">
               <a:rPr kumimoji="1" lang="ja-JP" altLang="en-US" smtClean="0"/>
-              <a:t>39</a:t>
+              <a:t>41</a:t>
             </a:fld>
             <a:endParaRPr kumimoji="1" lang="ja-JP" altLang="en-US"/>
           </a:p>
@@ -9576,7 +9580,7 @@
     </p:spTree>
     <p:extLst>
       <p:ext uri="{BB962C8B-B14F-4D97-AF65-F5344CB8AC3E}">
-        <p14:creationId xmlns:p14="http://schemas.microsoft.com/office/powerpoint/2010/main" val="1279862555"/>
+        <p14:creationId xmlns:p14="http://schemas.microsoft.com/office/powerpoint/2010/main" val="4107801093"/>
       </p:ext>
     </p:extLst>
   </p:cSld>
@@ -9630,295 +9634,7 @@
           <a:bodyPr/>
           <a:lstStyle/>
           <a:p>
-            <a:pPr marL="0" marR="0" indent="0" algn="l" defTabSz="914400" rtl="0" eaLnBrk="1" fontAlgn="auto" latinLnBrk="0" hangingPunct="1">
-              <a:lnSpc>
-                <a:spcPct val="100000"/>
-              </a:lnSpc>
-              <a:spcBef>
-                <a:spcPts val="0"/>
-              </a:spcBef>
-              <a:spcAft>
-                <a:spcPts val="0"/>
-              </a:spcAft>
-              <a:buClrTx/>
-              <a:buSzTx/>
-              <a:buFontTx/>
-              <a:buNone/>
-              <a:tabLst/>
-              <a:defRPr/>
-            </a:pPr>
-            <a:r>
-              <a:rPr kumimoji="1" lang="ja-JP" altLang="en-US" dirty="0" smtClean="0"/>
-              <a:t>評価実験</a:t>
-            </a:r>
-            <a:r>
-              <a:rPr kumimoji="1" lang="en-US" altLang="ja-JP" dirty="0" smtClean="0"/>
-              <a:t>1</a:t>
-            </a:r>
-            <a:r>
-              <a:rPr kumimoji="1" lang="ja-JP" altLang="en-US" dirty="0" smtClean="0"/>
-              <a:t>では</a:t>
-            </a:r>
-            <a:r>
-              <a:rPr kumimoji="1" lang="ja-JP" altLang="en-US" dirty="0" smtClean="0"/>
-              <a:t>、</a:t>
-            </a:r>
-            <a:r>
-              <a:rPr lang="ja-JP" altLang="en-US" dirty="0" smtClean="0"/>
-              <a:t>テストコードの作成支援に関する実験ということで</a:t>
-            </a:r>
-            <a:r>
-              <a:rPr lang="ja-JP" altLang="en-US" sz="1200" b="1" dirty="0" smtClean="0"/>
-              <a:t>被験者</a:t>
-            </a:r>
-            <a:r>
-              <a:rPr lang="ja-JP" altLang="en-US" sz="1200" b="1" dirty="0" smtClean="0"/>
-              <a:t>実験を行いました。</a:t>
-            </a:r>
-            <a:endParaRPr lang="en-US" altLang="ja-JP" sz="1200" b="1" dirty="0" smtClean="0"/>
-          </a:p>
-          <a:p>
-            <a:endParaRPr kumimoji="1" lang="en-US" altLang="ja-JP" sz="1200" dirty="0" smtClean="0"/>
-          </a:p>
-          <a:p>
-            <a:pPr marL="0" marR="0" lvl="1" indent="0" algn="l" defTabSz="914400" rtl="0" eaLnBrk="1" fontAlgn="auto" latinLnBrk="0" hangingPunct="1">
-              <a:lnSpc>
-                <a:spcPct val="100000"/>
-              </a:lnSpc>
-              <a:spcBef>
-                <a:spcPts val="0"/>
-              </a:spcBef>
-              <a:spcAft>
-                <a:spcPts val="0"/>
-              </a:spcAft>
-              <a:buClrTx/>
-              <a:buSzTx/>
-              <a:buFontTx/>
-              <a:buNone/>
-              <a:tabLst/>
-              <a:defRPr/>
-            </a:pPr>
-            <a:r>
-              <a:rPr kumimoji="1" lang="ja-JP" altLang="en-US" sz="1200" dirty="0" smtClean="0"/>
-              <a:t>具体的には、情報科学を専攻する修士課程の学生</a:t>
-            </a:r>
-            <a:r>
-              <a:rPr kumimoji="1" lang="en-US" altLang="ja-JP" sz="1200" dirty="0" smtClean="0"/>
-              <a:t>10</a:t>
-            </a:r>
-            <a:r>
-              <a:rPr kumimoji="1" lang="ja-JP" altLang="en-US" sz="1200" dirty="0" smtClean="0"/>
-              <a:t>人に対して</a:t>
-            </a:r>
-            <a:r>
-              <a:rPr kumimoji="1" lang="ja-JP" altLang="en-US" sz="1200" b="1" dirty="0" smtClean="0"/>
-              <a:t>プログラムとその仕様が書かれた</a:t>
-            </a:r>
-            <a:r>
-              <a:rPr kumimoji="1" lang="en-US" altLang="ja-JP" sz="1200" b="1" dirty="0" smtClean="0"/>
-              <a:t>3</a:t>
-            </a:r>
-            <a:r>
-              <a:rPr kumimoji="1" lang="ja-JP" altLang="en-US" sz="1200" b="1" dirty="0" err="1" smtClean="0"/>
-              <a:t>つの</a:t>
-            </a:r>
-            <a:r>
-              <a:rPr kumimoji="1" lang="ja-JP" altLang="en-US" sz="1200" b="1" dirty="0" smtClean="0"/>
-              <a:t>タスクを与え</a:t>
-            </a:r>
-            <a:r>
-              <a:rPr kumimoji="1" lang="ja-JP" altLang="en-US" sz="1200" dirty="0" smtClean="0"/>
-              <a:t>、各タスクのテストコードを作成してもらいました。</a:t>
-            </a:r>
-            <a:endParaRPr kumimoji="1" lang="en-US" altLang="ja-JP" sz="1200" dirty="0" smtClean="0"/>
-          </a:p>
-          <a:p>
-            <a:pPr marL="0" marR="0" lvl="1" indent="0" algn="l" defTabSz="914400" rtl="0" eaLnBrk="1" fontAlgn="auto" latinLnBrk="0" hangingPunct="1">
-              <a:lnSpc>
-                <a:spcPct val="100000"/>
-              </a:lnSpc>
-              <a:spcBef>
-                <a:spcPts val="0"/>
-              </a:spcBef>
-              <a:spcAft>
-                <a:spcPts val="0"/>
-              </a:spcAft>
-              <a:buClrTx/>
-              <a:buSzTx/>
-              <a:buFontTx/>
-              <a:buNone/>
-              <a:tabLst/>
-              <a:defRPr/>
-            </a:pPr>
-            <a:endParaRPr kumimoji="1" lang="en-US" altLang="ja-JP" sz="1200" dirty="0" smtClean="0"/>
-          </a:p>
-          <a:p>
-            <a:pPr marL="0" marR="0" lvl="1" indent="0" algn="l" defTabSz="914400" rtl="0" eaLnBrk="1" fontAlgn="auto" latinLnBrk="0" hangingPunct="1">
-              <a:lnSpc>
-                <a:spcPct val="100000"/>
-              </a:lnSpc>
-              <a:spcBef>
-                <a:spcPts val="0"/>
-              </a:spcBef>
-              <a:spcAft>
-                <a:spcPts val="0"/>
-              </a:spcAft>
-              <a:buClrTx/>
-              <a:buSzTx/>
-              <a:buFontTx/>
-              <a:buNone/>
-              <a:tabLst/>
-              <a:defRPr/>
-            </a:pPr>
-            <a:r>
-              <a:rPr kumimoji="1" lang="ja-JP" altLang="en-US" sz="1200" dirty="0" smtClean="0"/>
-              <a:t>こちらが、実験タスクの概要になります。各タスクで違いを出すために、</a:t>
-            </a:r>
-            <a:r>
-              <a:rPr kumimoji="1" lang="ja-JP" altLang="en-US" sz="1200" u="sng" dirty="0" smtClean="0"/>
-              <a:t>プログラムの条件分岐の数が異なっており、タスク</a:t>
-            </a:r>
-            <a:r>
-              <a:rPr kumimoji="1" lang="en-US" altLang="ja-JP" sz="1200" u="sng" dirty="0" smtClean="0"/>
-              <a:t>1</a:t>
-            </a:r>
-            <a:r>
-              <a:rPr kumimoji="1" lang="ja-JP" altLang="en-US" sz="1200" u="sng" dirty="0" smtClean="0"/>
-              <a:t>から</a:t>
-            </a:r>
-            <a:r>
-              <a:rPr kumimoji="1" lang="en-US" altLang="ja-JP" sz="1200" u="sng" dirty="0" smtClean="0"/>
-              <a:t>3</a:t>
-            </a:r>
-            <a:r>
-              <a:rPr kumimoji="1" lang="ja-JP" altLang="en-US" sz="1200" u="sng" dirty="0" smtClean="0"/>
-              <a:t>に行くにつれて分岐の数が多くなり複雑なプログラムになっています。</a:t>
-            </a:r>
-            <a:endParaRPr kumimoji="1" lang="en-US" altLang="ja-JP" sz="1200" u="sng" dirty="0" smtClean="0"/>
-          </a:p>
-          <a:p>
-            <a:pPr marL="0" marR="0" lvl="1" indent="0" algn="l" defTabSz="914400" rtl="0" eaLnBrk="1" fontAlgn="auto" latinLnBrk="0" hangingPunct="1">
-              <a:lnSpc>
-                <a:spcPct val="100000"/>
-              </a:lnSpc>
-              <a:spcBef>
-                <a:spcPts val="0"/>
-              </a:spcBef>
-              <a:spcAft>
-                <a:spcPts val="0"/>
-              </a:spcAft>
-              <a:buClrTx/>
-              <a:buSzTx/>
-              <a:buFontTx/>
-              <a:buNone/>
-              <a:tabLst/>
-              <a:defRPr/>
-            </a:pPr>
-            <a:endParaRPr kumimoji="1" lang="en-US" altLang="ja-JP" sz="1200" dirty="0" smtClean="0"/>
-          </a:p>
-          <a:p>
-            <a:pPr marL="0" marR="0" lvl="1" indent="0" algn="l" defTabSz="914400" rtl="0" eaLnBrk="1" fontAlgn="auto" latinLnBrk="0" hangingPunct="1">
-              <a:lnSpc>
-                <a:spcPct val="100000"/>
-              </a:lnSpc>
-              <a:spcBef>
-                <a:spcPts val="0"/>
-              </a:spcBef>
-              <a:spcAft>
-                <a:spcPts val="0"/>
-              </a:spcAft>
-              <a:buClrTx/>
-              <a:buSzTx/>
-              <a:buFontTx/>
-              <a:buNone/>
-              <a:tabLst/>
-              <a:defRPr/>
-            </a:pPr>
-            <a:r>
-              <a:rPr kumimoji="1" lang="ja-JP" altLang="en-US" sz="1200" dirty="0" smtClean="0"/>
-              <a:t>そして、</a:t>
-            </a:r>
-            <a:r>
-              <a:rPr lang="en-US" altLang="ja-JP" dirty="0" err="1" smtClean="0"/>
-              <a:t>SuiteRec</a:t>
-            </a:r>
-            <a:r>
-              <a:rPr lang="ja-JP" altLang="en-US" dirty="0" smtClean="0"/>
-              <a:t>を使用した場合とそうでない場合で被験者が作成したテストコード比較することで評価します</a:t>
-            </a:r>
-            <a:endParaRPr lang="en-US" altLang="ja-JP" dirty="0" smtClean="0"/>
-          </a:p>
-          <a:p>
-            <a:pPr marL="0" marR="0" lvl="1" indent="0" algn="l" defTabSz="914400" rtl="0" eaLnBrk="1" fontAlgn="auto" latinLnBrk="0" hangingPunct="1">
-              <a:lnSpc>
-                <a:spcPct val="100000"/>
-              </a:lnSpc>
-              <a:spcBef>
-                <a:spcPts val="0"/>
-              </a:spcBef>
-              <a:spcAft>
-                <a:spcPts val="0"/>
-              </a:spcAft>
-              <a:buClrTx/>
-              <a:buSzTx/>
-              <a:buFontTx/>
-              <a:buNone/>
-              <a:tabLst/>
-              <a:defRPr/>
-            </a:pPr>
-            <a:endParaRPr lang="en-US" altLang="ja-JP" dirty="0" smtClean="0"/>
-          </a:p>
-          <a:p>
-            <a:pPr marL="0" marR="0" lvl="1" indent="0" algn="l" defTabSz="914400" rtl="0" eaLnBrk="1" fontAlgn="auto" latinLnBrk="0" hangingPunct="1">
-              <a:lnSpc>
-                <a:spcPct val="100000"/>
-              </a:lnSpc>
-              <a:spcBef>
-                <a:spcPts val="0"/>
-              </a:spcBef>
-              <a:spcAft>
-                <a:spcPts val="0"/>
-              </a:spcAft>
-              <a:buClrTx/>
-              <a:buSzTx/>
-              <a:buFontTx/>
-              <a:buNone/>
-              <a:tabLst/>
-              <a:defRPr/>
-            </a:pPr>
-            <a:r>
-              <a:rPr lang="ja-JP" altLang="en-US" dirty="0" smtClean="0"/>
-              <a:t>また、定性的な評価をするために、</a:t>
-            </a:r>
-            <a:r>
-              <a:rPr lang="ja-JP" altLang="en-US" b="1" dirty="0" smtClean="0"/>
-              <a:t>実験後の被験者に</a:t>
-            </a:r>
-            <a:r>
-              <a:rPr lang="ja-JP" altLang="en-US" dirty="0" smtClean="0"/>
-              <a:t>～～ました。</a:t>
-            </a:r>
-            <a:endParaRPr lang="en-US" altLang="ja-JP" dirty="0" smtClean="0"/>
-          </a:p>
-          <a:p>
-            <a:pPr marL="0" marR="0" lvl="1" indent="0" algn="l" defTabSz="914400" rtl="0" eaLnBrk="1" fontAlgn="auto" latinLnBrk="0" hangingPunct="1">
-              <a:lnSpc>
-                <a:spcPct val="100000"/>
-              </a:lnSpc>
-              <a:spcBef>
-                <a:spcPts val="0"/>
-              </a:spcBef>
-              <a:spcAft>
-                <a:spcPts val="0"/>
-              </a:spcAft>
-              <a:buClrTx/>
-              <a:buSzTx/>
-              <a:buFontTx/>
-              <a:buNone/>
-              <a:tabLst/>
-              <a:defRPr/>
-            </a:pPr>
-            <a:endParaRPr kumimoji="1" lang="ja-JP" altLang="en-US" dirty="0"/>
+            <a:endParaRPr kumimoji="1" lang="ja-JP" altLang="en-US"/>
           </a:p>
         </p:txBody>
       </p:sp>
@@ -9939,7 +9655,7 @@
           <a:p>
             <a:fld id="{A375FAFC-A5AB-4FEC-AA23-92E34682EFAF}" type="slidenum">
               <a:rPr kumimoji="1" lang="ja-JP" altLang="en-US" smtClean="0"/>
-              <a:t>40</a:t>
+              <a:t>42</a:t>
             </a:fld>
             <a:endParaRPr kumimoji="1" lang="ja-JP" altLang="en-US"/>
           </a:p>
@@ -9948,7 +9664,7 @@
     </p:spTree>
     <p:extLst>
       <p:ext uri="{BB962C8B-B14F-4D97-AF65-F5344CB8AC3E}">
-        <p14:creationId xmlns:p14="http://schemas.microsoft.com/office/powerpoint/2010/main" val="2588547504"/>
+        <p14:creationId xmlns:p14="http://schemas.microsoft.com/office/powerpoint/2010/main" val="2867459515"/>
       </p:ext>
     </p:extLst>
   </p:cSld>
@@ -10023,7 +9739,7 @@
           <a:p>
             <a:fld id="{A375FAFC-A5AB-4FEC-AA23-92E34682EFAF}" type="slidenum">
               <a:rPr kumimoji="1" lang="ja-JP" altLang="en-US" smtClean="0"/>
-              <a:t>41</a:t>
+              <a:t>43</a:t>
             </a:fld>
             <a:endParaRPr kumimoji="1" lang="ja-JP" altLang="en-US"/>
           </a:p>
@@ -10032,7 +9748,7 @@
     </p:spTree>
     <p:extLst>
       <p:ext uri="{BB962C8B-B14F-4D97-AF65-F5344CB8AC3E}">
-        <p14:creationId xmlns:p14="http://schemas.microsoft.com/office/powerpoint/2010/main" val="362037145"/>
+        <p14:creationId xmlns:p14="http://schemas.microsoft.com/office/powerpoint/2010/main" val="1279862555"/>
       </p:ext>
     </p:extLst>
   </p:cSld>
@@ -10086,7 +9802,295 @@
           <a:bodyPr/>
           <a:lstStyle/>
           <a:p>
-            <a:endParaRPr kumimoji="1" lang="ja-JP" altLang="en-US"/>
+            <a:pPr marL="0" marR="0" indent="0" algn="l" defTabSz="914400" rtl="0" eaLnBrk="1" fontAlgn="auto" latinLnBrk="0" hangingPunct="1">
+              <a:lnSpc>
+                <a:spcPct val="100000"/>
+              </a:lnSpc>
+              <a:spcBef>
+                <a:spcPts val="0"/>
+              </a:spcBef>
+              <a:spcAft>
+                <a:spcPts val="0"/>
+              </a:spcAft>
+              <a:buClrTx/>
+              <a:buSzTx/>
+              <a:buFontTx/>
+              <a:buNone/>
+              <a:tabLst/>
+              <a:defRPr/>
+            </a:pPr>
+            <a:r>
+              <a:rPr kumimoji="1" lang="ja-JP" altLang="en-US" dirty="0" smtClean="0"/>
+              <a:t>評価実験</a:t>
+            </a:r>
+            <a:r>
+              <a:rPr kumimoji="1" lang="en-US" altLang="ja-JP" dirty="0" smtClean="0"/>
+              <a:t>1</a:t>
+            </a:r>
+            <a:r>
+              <a:rPr kumimoji="1" lang="ja-JP" altLang="en-US" dirty="0" smtClean="0"/>
+              <a:t>では</a:t>
+            </a:r>
+            <a:r>
+              <a:rPr kumimoji="1" lang="ja-JP" altLang="en-US" dirty="0" smtClean="0"/>
+              <a:t>、</a:t>
+            </a:r>
+            <a:r>
+              <a:rPr lang="ja-JP" altLang="en-US" dirty="0" smtClean="0"/>
+              <a:t>テストコードの作成支援に関する実験ということで</a:t>
+            </a:r>
+            <a:r>
+              <a:rPr lang="ja-JP" altLang="en-US" sz="1200" b="1" dirty="0" smtClean="0"/>
+              <a:t>被験者</a:t>
+            </a:r>
+            <a:r>
+              <a:rPr lang="ja-JP" altLang="en-US" sz="1200" b="1" dirty="0" smtClean="0"/>
+              <a:t>実験を行いました。</a:t>
+            </a:r>
+            <a:endParaRPr lang="en-US" altLang="ja-JP" sz="1200" b="1" dirty="0" smtClean="0"/>
+          </a:p>
+          <a:p>
+            <a:endParaRPr kumimoji="1" lang="en-US" altLang="ja-JP" sz="1200" dirty="0" smtClean="0"/>
+          </a:p>
+          <a:p>
+            <a:pPr marL="0" marR="0" lvl="1" indent="0" algn="l" defTabSz="914400" rtl="0" eaLnBrk="1" fontAlgn="auto" latinLnBrk="0" hangingPunct="1">
+              <a:lnSpc>
+                <a:spcPct val="100000"/>
+              </a:lnSpc>
+              <a:spcBef>
+                <a:spcPts val="0"/>
+              </a:spcBef>
+              <a:spcAft>
+                <a:spcPts val="0"/>
+              </a:spcAft>
+              <a:buClrTx/>
+              <a:buSzTx/>
+              <a:buFontTx/>
+              <a:buNone/>
+              <a:tabLst/>
+              <a:defRPr/>
+            </a:pPr>
+            <a:r>
+              <a:rPr kumimoji="1" lang="ja-JP" altLang="en-US" sz="1200" dirty="0" smtClean="0"/>
+              <a:t>具体的には、情報科学を専攻する修士課程の学生</a:t>
+            </a:r>
+            <a:r>
+              <a:rPr kumimoji="1" lang="en-US" altLang="ja-JP" sz="1200" dirty="0" smtClean="0"/>
+              <a:t>10</a:t>
+            </a:r>
+            <a:r>
+              <a:rPr kumimoji="1" lang="ja-JP" altLang="en-US" sz="1200" dirty="0" smtClean="0"/>
+              <a:t>人に対して</a:t>
+            </a:r>
+            <a:r>
+              <a:rPr kumimoji="1" lang="ja-JP" altLang="en-US" sz="1200" b="1" dirty="0" smtClean="0"/>
+              <a:t>プログラムとその仕様が書かれた</a:t>
+            </a:r>
+            <a:r>
+              <a:rPr kumimoji="1" lang="en-US" altLang="ja-JP" sz="1200" b="1" dirty="0" smtClean="0"/>
+              <a:t>3</a:t>
+            </a:r>
+            <a:r>
+              <a:rPr kumimoji="1" lang="ja-JP" altLang="en-US" sz="1200" b="1" dirty="0" err="1" smtClean="0"/>
+              <a:t>つの</a:t>
+            </a:r>
+            <a:r>
+              <a:rPr kumimoji="1" lang="ja-JP" altLang="en-US" sz="1200" b="1" dirty="0" smtClean="0"/>
+              <a:t>タスクを与え</a:t>
+            </a:r>
+            <a:r>
+              <a:rPr kumimoji="1" lang="ja-JP" altLang="en-US" sz="1200" dirty="0" smtClean="0"/>
+              <a:t>、各タスクのテストコードを作成してもらいました。</a:t>
+            </a:r>
+            <a:endParaRPr kumimoji="1" lang="en-US" altLang="ja-JP" sz="1200" dirty="0" smtClean="0"/>
+          </a:p>
+          <a:p>
+            <a:pPr marL="0" marR="0" lvl="1" indent="0" algn="l" defTabSz="914400" rtl="0" eaLnBrk="1" fontAlgn="auto" latinLnBrk="0" hangingPunct="1">
+              <a:lnSpc>
+                <a:spcPct val="100000"/>
+              </a:lnSpc>
+              <a:spcBef>
+                <a:spcPts val="0"/>
+              </a:spcBef>
+              <a:spcAft>
+                <a:spcPts val="0"/>
+              </a:spcAft>
+              <a:buClrTx/>
+              <a:buSzTx/>
+              <a:buFontTx/>
+              <a:buNone/>
+              <a:tabLst/>
+              <a:defRPr/>
+            </a:pPr>
+            <a:endParaRPr kumimoji="1" lang="en-US" altLang="ja-JP" sz="1200" dirty="0" smtClean="0"/>
+          </a:p>
+          <a:p>
+            <a:pPr marL="0" marR="0" lvl="1" indent="0" algn="l" defTabSz="914400" rtl="0" eaLnBrk="1" fontAlgn="auto" latinLnBrk="0" hangingPunct="1">
+              <a:lnSpc>
+                <a:spcPct val="100000"/>
+              </a:lnSpc>
+              <a:spcBef>
+                <a:spcPts val="0"/>
+              </a:spcBef>
+              <a:spcAft>
+                <a:spcPts val="0"/>
+              </a:spcAft>
+              <a:buClrTx/>
+              <a:buSzTx/>
+              <a:buFontTx/>
+              <a:buNone/>
+              <a:tabLst/>
+              <a:defRPr/>
+            </a:pPr>
+            <a:r>
+              <a:rPr kumimoji="1" lang="ja-JP" altLang="en-US" sz="1200" dirty="0" smtClean="0"/>
+              <a:t>こちらが、実験タスクの概要になります。各タスクで違いを出すために、</a:t>
+            </a:r>
+            <a:r>
+              <a:rPr kumimoji="1" lang="ja-JP" altLang="en-US" sz="1200" u="sng" dirty="0" smtClean="0"/>
+              <a:t>プログラムの条件分岐の数が異なっており、タスク</a:t>
+            </a:r>
+            <a:r>
+              <a:rPr kumimoji="1" lang="en-US" altLang="ja-JP" sz="1200" u="sng" dirty="0" smtClean="0"/>
+              <a:t>1</a:t>
+            </a:r>
+            <a:r>
+              <a:rPr kumimoji="1" lang="ja-JP" altLang="en-US" sz="1200" u="sng" dirty="0" smtClean="0"/>
+              <a:t>から</a:t>
+            </a:r>
+            <a:r>
+              <a:rPr kumimoji="1" lang="en-US" altLang="ja-JP" sz="1200" u="sng" dirty="0" smtClean="0"/>
+              <a:t>3</a:t>
+            </a:r>
+            <a:r>
+              <a:rPr kumimoji="1" lang="ja-JP" altLang="en-US" sz="1200" u="sng" dirty="0" smtClean="0"/>
+              <a:t>に行くにつれて分岐の数が多くなり複雑なプログラムになっています。</a:t>
+            </a:r>
+            <a:endParaRPr kumimoji="1" lang="en-US" altLang="ja-JP" sz="1200" u="sng" dirty="0" smtClean="0"/>
+          </a:p>
+          <a:p>
+            <a:pPr marL="0" marR="0" lvl="1" indent="0" algn="l" defTabSz="914400" rtl="0" eaLnBrk="1" fontAlgn="auto" latinLnBrk="0" hangingPunct="1">
+              <a:lnSpc>
+                <a:spcPct val="100000"/>
+              </a:lnSpc>
+              <a:spcBef>
+                <a:spcPts val="0"/>
+              </a:spcBef>
+              <a:spcAft>
+                <a:spcPts val="0"/>
+              </a:spcAft>
+              <a:buClrTx/>
+              <a:buSzTx/>
+              <a:buFontTx/>
+              <a:buNone/>
+              <a:tabLst/>
+              <a:defRPr/>
+            </a:pPr>
+            <a:endParaRPr kumimoji="1" lang="en-US" altLang="ja-JP" sz="1200" dirty="0" smtClean="0"/>
+          </a:p>
+          <a:p>
+            <a:pPr marL="0" marR="0" lvl="1" indent="0" algn="l" defTabSz="914400" rtl="0" eaLnBrk="1" fontAlgn="auto" latinLnBrk="0" hangingPunct="1">
+              <a:lnSpc>
+                <a:spcPct val="100000"/>
+              </a:lnSpc>
+              <a:spcBef>
+                <a:spcPts val="0"/>
+              </a:spcBef>
+              <a:spcAft>
+                <a:spcPts val="0"/>
+              </a:spcAft>
+              <a:buClrTx/>
+              <a:buSzTx/>
+              <a:buFontTx/>
+              <a:buNone/>
+              <a:tabLst/>
+              <a:defRPr/>
+            </a:pPr>
+            <a:r>
+              <a:rPr kumimoji="1" lang="ja-JP" altLang="en-US" sz="1200" dirty="0" smtClean="0"/>
+              <a:t>そして、</a:t>
+            </a:r>
+            <a:r>
+              <a:rPr lang="en-US" altLang="ja-JP" dirty="0" err="1" smtClean="0"/>
+              <a:t>SuiteRec</a:t>
+            </a:r>
+            <a:r>
+              <a:rPr lang="ja-JP" altLang="en-US" dirty="0" smtClean="0"/>
+              <a:t>を使用した場合とそうでない場合で被験者が作成したテストコード比較することで評価します</a:t>
+            </a:r>
+            <a:endParaRPr lang="en-US" altLang="ja-JP" dirty="0" smtClean="0"/>
+          </a:p>
+          <a:p>
+            <a:pPr marL="0" marR="0" lvl="1" indent="0" algn="l" defTabSz="914400" rtl="0" eaLnBrk="1" fontAlgn="auto" latinLnBrk="0" hangingPunct="1">
+              <a:lnSpc>
+                <a:spcPct val="100000"/>
+              </a:lnSpc>
+              <a:spcBef>
+                <a:spcPts val="0"/>
+              </a:spcBef>
+              <a:spcAft>
+                <a:spcPts val="0"/>
+              </a:spcAft>
+              <a:buClrTx/>
+              <a:buSzTx/>
+              <a:buFontTx/>
+              <a:buNone/>
+              <a:tabLst/>
+              <a:defRPr/>
+            </a:pPr>
+            <a:endParaRPr lang="en-US" altLang="ja-JP" dirty="0" smtClean="0"/>
+          </a:p>
+          <a:p>
+            <a:pPr marL="0" marR="0" lvl="1" indent="0" algn="l" defTabSz="914400" rtl="0" eaLnBrk="1" fontAlgn="auto" latinLnBrk="0" hangingPunct="1">
+              <a:lnSpc>
+                <a:spcPct val="100000"/>
+              </a:lnSpc>
+              <a:spcBef>
+                <a:spcPts val="0"/>
+              </a:spcBef>
+              <a:spcAft>
+                <a:spcPts val="0"/>
+              </a:spcAft>
+              <a:buClrTx/>
+              <a:buSzTx/>
+              <a:buFontTx/>
+              <a:buNone/>
+              <a:tabLst/>
+              <a:defRPr/>
+            </a:pPr>
+            <a:r>
+              <a:rPr lang="ja-JP" altLang="en-US" dirty="0" smtClean="0"/>
+              <a:t>また、定性的な評価をするために、</a:t>
+            </a:r>
+            <a:r>
+              <a:rPr lang="ja-JP" altLang="en-US" b="1" dirty="0" smtClean="0"/>
+              <a:t>実験後の被験者に</a:t>
+            </a:r>
+            <a:r>
+              <a:rPr lang="ja-JP" altLang="en-US" dirty="0" smtClean="0"/>
+              <a:t>～～ました。</a:t>
+            </a:r>
+            <a:endParaRPr lang="en-US" altLang="ja-JP" dirty="0" smtClean="0"/>
+          </a:p>
+          <a:p>
+            <a:pPr marL="0" marR="0" lvl="1" indent="0" algn="l" defTabSz="914400" rtl="0" eaLnBrk="1" fontAlgn="auto" latinLnBrk="0" hangingPunct="1">
+              <a:lnSpc>
+                <a:spcPct val="100000"/>
+              </a:lnSpc>
+              <a:spcBef>
+                <a:spcPts val="0"/>
+              </a:spcBef>
+              <a:spcAft>
+                <a:spcPts val="0"/>
+              </a:spcAft>
+              <a:buClrTx/>
+              <a:buSzTx/>
+              <a:buFontTx/>
+              <a:buNone/>
+              <a:tabLst/>
+              <a:defRPr/>
+            </a:pPr>
+            <a:endParaRPr kumimoji="1" lang="ja-JP" altLang="en-US" dirty="0"/>
           </a:p>
         </p:txBody>
       </p:sp>
@@ -10107,7 +10111,7 @@
           <a:p>
             <a:fld id="{A375FAFC-A5AB-4FEC-AA23-92E34682EFAF}" type="slidenum">
               <a:rPr kumimoji="1" lang="ja-JP" altLang="en-US" smtClean="0"/>
-              <a:t>42</a:t>
+              <a:t>44</a:t>
             </a:fld>
             <a:endParaRPr kumimoji="1" lang="ja-JP" altLang="en-US"/>
           </a:p>
@@ -10116,7 +10120,7 @@
     </p:spTree>
     <p:extLst>
       <p:ext uri="{BB962C8B-B14F-4D97-AF65-F5344CB8AC3E}">
-        <p14:creationId xmlns:p14="http://schemas.microsoft.com/office/powerpoint/2010/main" val="2411634035"/>
+        <p14:creationId xmlns:p14="http://schemas.microsoft.com/office/powerpoint/2010/main" val="2588547504"/>
       </p:ext>
     </p:extLst>
   </p:cSld>
@@ -10191,7 +10195,7 @@
           <a:p>
             <a:fld id="{A375FAFC-A5AB-4FEC-AA23-92E34682EFAF}" type="slidenum">
               <a:rPr kumimoji="1" lang="ja-JP" altLang="en-US" smtClean="0"/>
-              <a:t>43</a:t>
+              <a:t>45</a:t>
             </a:fld>
             <a:endParaRPr kumimoji="1" lang="ja-JP" altLang="en-US"/>
           </a:p>
@@ -10200,7 +10204,7 @@
     </p:spTree>
     <p:extLst>
       <p:ext uri="{BB962C8B-B14F-4D97-AF65-F5344CB8AC3E}">
-        <p14:creationId xmlns:p14="http://schemas.microsoft.com/office/powerpoint/2010/main" val="310624394"/>
+        <p14:creationId xmlns:p14="http://schemas.microsoft.com/office/powerpoint/2010/main" val="362037145"/>
       </p:ext>
     </p:extLst>
   </p:cSld>
@@ -10400,6 +10404,174 @@
     <p:extLst>
       <p:ext uri="{BB962C8B-B14F-4D97-AF65-F5344CB8AC3E}">
         <p14:creationId xmlns:p14="http://schemas.microsoft.com/office/powerpoint/2010/main" val="2453551095"/>
+      </p:ext>
+    </p:extLst>
+  </p:cSld>
+  <p:clrMapOvr>
+    <a:masterClrMapping/>
+  </p:clrMapOvr>
+</p:notes>
+</file>
+
+<file path=ppt/notesSlides/notesSlide40.xml><?xml version="1.0" encoding="utf-8"?>
+<p:notes xmlns:a="http://schemas.openxmlformats.org/drawingml/2006/main" xmlns:r="http://schemas.openxmlformats.org/officeDocument/2006/relationships" xmlns:p="http://schemas.openxmlformats.org/presentationml/2006/main">
+  <p:cSld>
+    <p:spTree>
+      <p:nvGrpSpPr>
+        <p:cNvPr id="1" name=""/>
+        <p:cNvGrpSpPr/>
+        <p:nvPr/>
+      </p:nvGrpSpPr>
+      <p:grpSpPr>
+        <a:xfrm>
+          <a:off x="0" y="0"/>
+          <a:ext cx="0" cy="0"/>
+          <a:chOff x="0" y="0"/>
+          <a:chExt cx="0" cy="0"/>
+        </a:xfrm>
+      </p:grpSpPr>
+      <p:sp>
+        <p:nvSpPr>
+          <p:cNvPr id="2" name="スライド イメージ プレースホルダー 1"/>
+          <p:cNvSpPr>
+            <a:spLocks noGrp="1" noRot="1" noChangeAspect="1"/>
+          </p:cNvSpPr>
+          <p:nvPr>
+            <p:ph type="sldImg"/>
+          </p:nvPr>
+        </p:nvSpPr>
+        <p:spPr/>
+      </p:sp>
+      <p:sp>
+        <p:nvSpPr>
+          <p:cNvPr id="3" name="ノート プレースホルダー 2"/>
+          <p:cNvSpPr>
+            <a:spLocks noGrp="1"/>
+          </p:cNvSpPr>
+          <p:nvPr>
+            <p:ph type="body" idx="1"/>
+          </p:nvPr>
+        </p:nvSpPr>
+        <p:spPr/>
+        <p:txBody>
+          <a:bodyPr/>
+          <a:lstStyle/>
+          <a:p>
+            <a:endParaRPr kumimoji="1" lang="ja-JP" altLang="en-US"/>
+          </a:p>
+        </p:txBody>
+      </p:sp>
+      <p:sp>
+        <p:nvSpPr>
+          <p:cNvPr id="4" name="スライド番号プレースホルダー 3"/>
+          <p:cNvSpPr>
+            <a:spLocks noGrp="1"/>
+          </p:cNvSpPr>
+          <p:nvPr>
+            <p:ph type="sldNum" sz="quarter" idx="10"/>
+          </p:nvPr>
+        </p:nvSpPr>
+        <p:spPr/>
+        <p:txBody>
+          <a:bodyPr/>
+          <a:lstStyle/>
+          <a:p>
+            <a:fld id="{A375FAFC-A5AB-4FEC-AA23-92E34682EFAF}" type="slidenum">
+              <a:rPr kumimoji="1" lang="ja-JP" altLang="en-US" smtClean="0"/>
+              <a:t>46</a:t>
+            </a:fld>
+            <a:endParaRPr kumimoji="1" lang="ja-JP" altLang="en-US"/>
+          </a:p>
+        </p:txBody>
+      </p:sp>
+    </p:spTree>
+    <p:extLst>
+      <p:ext uri="{BB962C8B-B14F-4D97-AF65-F5344CB8AC3E}">
+        <p14:creationId xmlns:p14="http://schemas.microsoft.com/office/powerpoint/2010/main" val="2411634035"/>
+      </p:ext>
+    </p:extLst>
+  </p:cSld>
+  <p:clrMapOvr>
+    <a:masterClrMapping/>
+  </p:clrMapOvr>
+</p:notes>
+</file>
+
+<file path=ppt/notesSlides/notesSlide41.xml><?xml version="1.0" encoding="utf-8"?>
+<p:notes xmlns:a="http://schemas.openxmlformats.org/drawingml/2006/main" xmlns:r="http://schemas.openxmlformats.org/officeDocument/2006/relationships" xmlns:p="http://schemas.openxmlformats.org/presentationml/2006/main">
+  <p:cSld>
+    <p:spTree>
+      <p:nvGrpSpPr>
+        <p:cNvPr id="1" name=""/>
+        <p:cNvGrpSpPr/>
+        <p:nvPr/>
+      </p:nvGrpSpPr>
+      <p:grpSpPr>
+        <a:xfrm>
+          <a:off x="0" y="0"/>
+          <a:ext cx="0" cy="0"/>
+          <a:chOff x="0" y="0"/>
+          <a:chExt cx="0" cy="0"/>
+        </a:xfrm>
+      </p:grpSpPr>
+      <p:sp>
+        <p:nvSpPr>
+          <p:cNvPr id="2" name="スライド イメージ プレースホルダー 1"/>
+          <p:cNvSpPr>
+            <a:spLocks noGrp="1" noRot="1" noChangeAspect="1"/>
+          </p:cNvSpPr>
+          <p:nvPr>
+            <p:ph type="sldImg"/>
+          </p:nvPr>
+        </p:nvSpPr>
+        <p:spPr/>
+      </p:sp>
+      <p:sp>
+        <p:nvSpPr>
+          <p:cNvPr id="3" name="ノート プレースホルダー 2"/>
+          <p:cNvSpPr>
+            <a:spLocks noGrp="1"/>
+          </p:cNvSpPr>
+          <p:nvPr>
+            <p:ph type="body" idx="1"/>
+          </p:nvPr>
+        </p:nvSpPr>
+        <p:spPr/>
+        <p:txBody>
+          <a:bodyPr/>
+          <a:lstStyle/>
+          <a:p>
+            <a:endParaRPr kumimoji="1" lang="ja-JP" altLang="en-US"/>
+          </a:p>
+        </p:txBody>
+      </p:sp>
+      <p:sp>
+        <p:nvSpPr>
+          <p:cNvPr id="4" name="スライド番号プレースホルダー 3"/>
+          <p:cNvSpPr>
+            <a:spLocks noGrp="1"/>
+          </p:cNvSpPr>
+          <p:nvPr>
+            <p:ph type="sldNum" sz="quarter" idx="10"/>
+          </p:nvPr>
+        </p:nvSpPr>
+        <p:spPr/>
+        <p:txBody>
+          <a:bodyPr/>
+          <a:lstStyle/>
+          <a:p>
+            <a:fld id="{A375FAFC-A5AB-4FEC-AA23-92E34682EFAF}" type="slidenum">
+              <a:rPr kumimoji="1" lang="ja-JP" altLang="en-US" smtClean="0"/>
+              <a:t>47</a:t>
+            </a:fld>
+            <a:endParaRPr kumimoji="1" lang="ja-JP" altLang="en-US"/>
+          </a:p>
+        </p:txBody>
+      </p:sp>
+    </p:spTree>
+    <p:extLst>
+      <p:ext uri="{BB962C8B-B14F-4D97-AF65-F5344CB8AC3E}">
+        <p14:creationId xmlns:p14="http://schemas.microsoft.com/office/powerpoint/2010/main" val="310624394"/>
       </p:ext>
     </p:extLst>
   </p:cSld>
@@ -25148,6 +25320,347 @@
       </p:grpSpPr>
       <p:sp>
         <p:nvSpPr>
+          <p:cNvPr id="3" name="タイトル 2"/>
+          <p:cNvSpPr>
+            <a:spLocks noGrp="1"/>
+          </p:cNvSpPr>
+          <p:nvPr>
+            <p:ph type="title"/>
+          </p:nvPr>
+        </p:nvSpPr>
+        <p:spPr/>
+        <p:txBody>
+          <a:bodyPr/>
+          <a:lstStyle/>
+          <a:p>
+            <a:r>
+              <a:rPr kumimoji="1" lang="ja-JP" altLang="en-US" dirty="0" smtClean="0"/>
+              <a:t>テストの種類</a:t>
+            </a:r>
+            <a:endParaRPr kumimoji="1" lang="ja-JP" altLang="en-US" dirty="0"/>
+          </a:p>
+        </p:txBody>
+      </p:sp>
+      <p:graphicFrame>
+        <p:nvGraphicFramePr>
+          <p:cNvPr id="5" name="表 4"/>
+          <p:cNvGraphicFramePr>
+            <a:graphicFrameLocks noGrp="1"/>
+          </p:cNvGraphicFramePr>
+          <p:nvPr>
+            <p:extLst>
+              <p:ext uri="{D42A27DB-BD31-4B8C-83A1-F6EECF244321}">
+                <p14:modId xmlns:p14="http://schemas.microsoft.com/office/powerpoint/2010/main" val="3526791998"/>
+              </p:ext>
+            </p:extLst>
+          </p:nvPr>
+        </p:nvGraphicFramePr>
+        <p:xfrm>
+          <a:off x="791028" y="1836057"/>
+          <a:ext cx="10435774" cy="3261544"/>
+        </p:xfrm>
+        <a:graphic>
+          <a:graphicData uri="http://schemas.openxmlformats.org/drawingml/2006/table">
+            <a:tbl>
+              <a:tblPr firstRow="1" bandRow="1">
+                <a:tableStyleId>{68D230F3-CF80-4859-8CE7-A43EE81993B5}</a:tableStyleId>
+              </a:tblPr>
+              <a:tblGrid>
+                <a:gridCol w="2539846">
+                  <a:extLst>
+                    <a:ext uri="{9D8B030D-6E8A-4147-A177-3AD203B41FA5}">
+                      <a16:colId xmlns:a16="http://schemas.microsoft.com/office/drawing/2014/main" val="798993551"/>
+                    </a:ext>
+                  </a:extLst>
+                </a:gridCol>
+                <a:gridCol w="7895928">
+                  <a:extLst>
+                    <a:ext uri="{9D8B030D-6E8A-4147-A177-3AD203B41FA5}">
+                      <a16:colId xmlns:a16="http://schemas.microsoft.com/office/drawing/2014/main" val="3397063031"/>
+                    </a:ext>
+                  </a:extLst>
+                </a:gridCol>
+              </a:tblGrid>
+              <a:tr h="580573">
+                <a:tc>
+                  <a:txBody>
+                    <a:bodyPr/>
+                    <a:lstStyle/>
+                    <a:p>
+                      <a:r>
+                        <a:rPr kumimoji="1" lang="ja-JP" altLang="en-US" sz="2400" dirty="0" smtClean="0">
+                          <a:latin typeface="メイリオ" panose="020B0604030504040204" pitchFamily="50" charset="-128"/>
+                          <a:ea typeface="メイリオ" panose="020B0604030504040204" pitchFamily="50" charset="-128"/>
+                        </a:rPr>
+                        <a:t>テストの種類</a:t>
+                      </a:r>
+                      <a:endParaRPr kumimoji="1" lang="ja-JP" altLang="en-US" sz="2400" dirty="0">
+                        <a:latin typeface="メイリオ" panose="020B0604030504040204" pitchFamily="50" charset="-128"/>
+                        <a:ea typeface="メイリオ" panose="020B0604030504040204" pitchFamily="50" charset="-128"/>
+                      </a:endParaRPr>
+                    </a:p>
+                  </a:txBody>
+                  <a:tcPr/>
+                </a:tc>
+                <a:tc>
+                  <a:txBody>
+                    <a:bodyPr/>
+                    <a:lstStyle/>
+                    <a:p>
+                      <a:r>
+                        <a:rPr kumimoji="1" lang="ja-JP" altLang="en-US" sz="2400" dirty="0" smtClean="0">
+                          <a:latin typeface="メイリオ" panose="020B0604030504040204" pitchFamily="50" charset="-128"/>
+                          <a:ea typeface="メイリオ" panose="020B0604030504040204" pitchFamily="50" charset="-128"/>
+                        </a:rPr>
+                        <a:t>説明</a:t>
+                      </a:r>
+                      <a:endParaRPr kumimoji="1" lang="ja-JP" altLang="en-US" sz="2400" dirty="0">
+                        <a:latin typeface="メイリオ" panose="020B0604030504040204" pitchFamily="50" charset="-128"/>
+                        <a:ea typeface="メイリオ" panose="020B0604030504040204" pitchFamily="50" charset="-128"/>
+                      </a:endParaRPr>
+                    </a:p>
+                  </a:txBody>
+                  <a:tcPr/>
+                </a:tc>
+                <a:extLst>
+                  <a:ext uri="{0D108BD9-81ED-4DB2-BD59-A6C34878D82A}">
+                    <a16:rowId xmlns:a16="http://schemas.microsoft.com/office/drawing/2014/main" val="1176763560"/>
+                  </a:ext>
+                </a:extLst>
+              </a:tr>
+              <a:tr h="893657">
+                <a:tc>
+                  <a:txBody>
+                    <a:bodyPr/>
+                    <a:lstStyle/>
+                    <a:p>
+                      <a:r>
+                        <a:rPr kumimoji="1" lang="ja-JP" altLang="en-US" sz="2400" dirty="0" smtClean="0">
+                          <a:latin typeface="メイリオ" panose="020B0604030504040204" pitchFamily="50" charset="-128"/>
+                          <a:ea typeface="メイリオ" panose="020B0604030504040204" pitchFamily="50" charset="-128"/>
+                        </a:rPr>
+                        <a:t>単体テスト</a:t>
+                      </a:r>
+                      <a:endParaRPr kumimoji="1" lang="ja-JP" altLang="en-US" sz="2400" dirty="0">
+                        <a:latin typeface="メイリオ" panose="020B0604030504040204" pitchFamily="50" charset="-128"/>
+                        <a:ea typeface="メイリオ" panose="020B0604030504040204" pitchFamily="50" charset="-128"/>
+                      </a:endParaRPr>
+                    </a:p>
+                  </a:txBody>
+                  <a:tcPr/>
+                </a:tc>
+                <a:tc>
+                  <a:txBody>
+                    <a:bodyPr/>
+                    <a:lstStyle/>
+                    <a:p>
+                      <a:r>
+                        <a:rPr kumimoji="1" lang="ja-JP" altLang="en-US" sz="2200" dirty="0" smtClean="0">
+                          <a:latin typeface="メイリオ" panose="020B0604030504040204" pitchFamily="50" charset="-128"/>
+                          <a:ea typeface="メイリオ" panose="020B0604030504040204" pitchFamily="50" charset="-128"/>
+                        </a:rPr>
+                        <a:t>プログラムを構成する比較的小さな単位の部品</a:t>
+                      </a:r>
+                      <a:r>
+                        <a:rPr kumimoji="1" lang="en-US" altLang="ja-JP" sz="2200" dirty="0" smtClean="0">
+                          <a:latin typeface="メイリオ" panose="020B0604030504040204" pitchFamily="50" charset="-128"/>
+                          <a:ea typeface="メイリオ" panose="020B0604030504040204" pitchFamily="50" charset="-128"/>
+                        </a:rPr>
+                        <a:t>(</a:t>
+                      </a:r>
+                      <a:r>
+                        <a:rPr kumimoji="1" lang="ja-JP" altLang="en-US" sz="2200" dirty="0" smtClean="0">
+                          <a:latin typeface="メイリオ" panose="020B0604030504040204" pitchFamily="50" charset="-128"/>
+                          <a:ea typeface="メイリオ" panose="020B0604030504040204" pitchFamily="50" charset="-128"/>
+                        </a:rPr>
+                        <a:t>関数</a:t>
+                      </a:r>
+                      <a:r>
+                        <a:rPr kumimoji="1" lang="en-US" altLang="ja-JP" sz="2200" dirty="0" smtClean="0">
+                          <a:latin typeface="メイリオ" panose="020B0604030504040204" pitchFamily="50" charset="-128"/>
+                          <a:ea typeface="メイリオ" panose="020B0604030504040204" pitchFamily="50" charset="-128"/>
+                        </a:rPr>
+                        <a:t>)</a:t>
+                      </a:r>
+                      <a:r>
+                        <a:rPr kumimoji="1" lang="ja-JP" altLang="en-US" sz="2200" dirty="0" smtClean="0">
+                          <a:latin typeface="メイリオ" panose="020B0604030504040204" pitchFamily="50" charset="-128"/>
+                          <a:ea typeface="メイリオ" panose="020B0604030504040204" pitchFamily="50" charset="-128"/>
+                        </a:rPr>
+                        <a:t>が、個々の機能を正しく果たしているかどうかを検証するテスト</a:t>
+                      </a:r>
+                      <a:endParaRPr kumimoji="1" lang="ja-JP" altLang="en-US" sz="2200" dirty="0">
+                        <a:latin typeface="メイリオ" panose="020B0604030504040204" pitchFamily="50" charset="-128"/>
+                        <a:ea typeface="メイリオ" panose="020B0604030504040204" pitchFamily="50" charset="-128"/>
+                      </a:endParaRPr>
+                    </a:p>
+                  </a:txBody>
+                  <a:tcPr/>
+                </a:tc>
+                <a:extLst>
+                  <a:ext uri="{0D108BD9-81ED-4DB2-BD59-A6C34878D82A}">
+                    <a16:rowId xmlns:a16="http://schemas.microsoft.com/office/drawing/2014/main" val="906418478"/>
+                  </a:ext>
+                </a:extLst>
+              </a:tr>
+              <a:tr h="893657">
+                <a:tc>
+                  <a:txBody>
+                    <a:bodyPr/>
+                    <a:lstStyle/>
+                    <a:p>
+                      <a:r>
+                        <a:rPr kumimoji="1" lang="ja-JP" altLang="en-US" sz="2400" dirty="0" smtClean="0">
+                          <a:latin typeface="メイリオ" panose="020B0604030504040204" pitchFamily="50" charset="-128"/>
+                          <a:ea typeface="メイリオ" panose="020B0604030504040204" pitchFamily="50" charset="-128"/>
+                        </a:rPr>
+                        <a:t>結合テスト</a:t>
+                      </a:r>
+                      <a:endParaRPr kumimoji="1" lang="ja-JP" altLang="en-US" sz="2400" dirty="0">
+                        <a:latin typeface="メイリオ" panose="020B0604030504040204" pitchFamily="50" charset="-128"/>
+                        <a:ea typeface="メイリオ" panose="020B0604030504040204" pitchFamily="50" charset="-128"/>
+                      </a:endParaRPr>
+                    </a:p>
+                  </a:txBody>
+                  <a:tcPr/>
+                </a:tc>
+                <a:tc>
+                  <a:txBody>
+                    <a:bodyPr/>
+                    <a:lstStyle/>
+                    <a:p>
+                      <a:r>
+                        <a:rPr kumimoji="1" lang="ja-JP" altLang="en-US" sz="2200" dirty="0" smtClean="0">
+                          <a:latin typeface="メイリオ" panose="020B0604030504040204" pitchFamily="50" charset="-128"/>
+                          <a:ea typeface="メイリオ" panose="020B0604030504040204" pitchFamily="50" charset="-128"/>
+                        </a:rPr>
+                        <a:t>個々の機能を果たすプログラムの部品</a:t>
+                      </a:r>
+                      <a:r>
+                        <a:rPr kumimoji="1" lang="en-US" altLang="ja-JP" sz="2200" dirty="0" smtClean="0">
+                          <a:latin typeface="メイリオ" panose="020B0604030504040204" pitchFamily="50" charset="-128"/>
+                          <a:ea typeface="メイリオ" panose="020B0604030504040204" pitchFamily="50" charset="-128"/>
+                        </a:rPr>
+                        <a:t>(</a:t>
+                      </a:r>
+                      <a:r>
+                        <a:rPr kumimoji="1" lang="ja-JP" altLang="en-US" sz="2200" dirty="0" smtClean="0">
+                          <a:latin typeface="メイリオ" panose="020B0604030504040204" pitchFamily="50" charset="-128"/>
+                          <a:ea typeface="メイリオ" panose="020B0604030504040204" pitchFamily="50" charset="-128"/>
+                        </a:rPr>
+                        <a:t>単体</a:t>
+                      </a:r>
+                      <a:r>
+                        <a:rPr kumimoji="1" lang="en-US" altLang="ja-JP" sz="2200" dirty="0" smtClean="0">
+                          <a:latin typeface="メイリオ" panose="020B0604030504040204" pitchFamily="50" charset="-128"/>
+                          <a:ea typeface="メイリオ" panose="020B0604030504040204" pitchFamily="50" charset="-128"/>
+                        </a:rPr>
+                        <a:t>)</a:t>
+                      </a:r>
+                      <a:r>
+                        <a:rPr kumimoji="1" lang="ja-JP" altLang="en-US" sz="2200" dirty="0" smtClean="0">
+                          <a:latin typeface="メイリオ" panose="020B0604030504040204" pitchFamily="50" charset="-128"/>
+                          <a:ea typeface="メイリオ" panose="020B0604030504040204" pitchFamily="50" charset="-128"/>
+                        </a:rPr>
+                        <a:t>を組み合わせて、仕様通り正しく動作するかを検証するテスト</a:t>
+                      </a:r>
+                      <a:endParaRPr kumimoji="1" lang="ja-JP" altLang="en-US" sz="2200" dirty="0">
+                        <a:latin typeface="メイリオ" panose="020B0604030504040204" pitchFamily="50" charset="-128"/>
+                        <a:ea typeface="メイリオ" panose="020B0604030504040204" pitchFamily="50" charset="-128"/>
+                      </a:endParaRPr>
+                    </a:p>
+                  </a:txBody>
+                  <a:tcPr/>
+                </a:tc>
+                <a:extLst>
+                  <a:ext uri="{0D108BD9-81ED-4DB2-BD59-A6C34878D82A}">
+                    <a16:rowId xmlns:a16="http://schemas.microsoft.com/office/drawing/2014/main" val="3275648728"/>
+                  </a:ext>
+                </a:extLst>
+              </a:tr>
+              <a:tr h="893657">
+                <a:tc>
+                  <a:txBody>
+                    <a:bodyPr/>
+                    <a:lstStyle/>
+                    <a:p>
+                      <a:r>
+                        <a:rPr kumimoji="1" lang="ja-JP" altLang="en-US" sz="2400" dirty="0" smtClean="0">
+                          <a:latin typeface="メイリオ" panose="020B0604030504040204" pitchFamily="50" charset="-128"/>
+                          <a:ea typeface="メイリオ" panose="020B0604030504040204" pitchFamily="50" charset="-128"/>
+                        </a:rPr>
+                        <a:t>システムテスト</a:t>
+                      </a:r>
+                      <a:endParaRPr kumimoji="1" lang="ja-JP" altLang="en-US" sz="2400" dirty="0">
+                        <a:latin typeface="メイリオ" panose="020B0604030504040204" pitchFamily="50" charset="-128"/>
+                        <a:ea typeface="メイリオ" panose="020B0604030504040204" pitchFamily="50" charset="-128"/>
+                      </a:endParaRPr>
+                    </a:p>
+                  </a:txBody>
+                  <a:tcPr/>
+                </a:tc>
+                <a:tc>
+                  <a:txBody>
+                    <a:bodyPr/>
+                    <a:lstStyle/>
+                    <a:p>
+                      <a:r>
+                        <a:rPr kumimoji="1" lang="ja-JP" altLang="en-US" sz="2200" dirty="0" smtClean="0">
+                          <a:latin typeface="メイリオ" panose="020B0604030504040204" pitchFamily="50" charset="-128"/>
+                          <a:ea typeface="メイリオ" panose="020B0604030504040204" pitchFamily="50" charset="-128"/>
+                        </a:rPr>
+                        <a:t>個々の機能や仕組みを総合した全体像のシステムとして、仕様通り正しく動作するかを検証するテスト</a:t>
+                      </a:r>
+                      <a:endParaRPr kumimoji="1" lang="ja-JP" altLang="en-US" sz="2200" dirty="0">
+                        <a:latin typeface="メイリオ" panose="020B0604030504040204" pitchFamily="50" charset="-128"/>
+                        <a:ea typeface="メイリオ" panose="020B0604030504040204" pitchFamily="50" charset="-128"/>
+                      </a:endParaRPr>
+                    </a:p>
+                  </a:txBody>
+                  <a:tcPr/>
+                </a:tc>
+                <a:extLst>
+                  <a:ext uri="{0D108BD9-81ED-4DB2-BD59-A6C34878D82A}">
+                    <a16:rowId xmlns:a16="http://schemas.microsoft.com/office/drawing/2014/main" val="1242792551"/>
+                  </a:ext>
+                </a:extLst>
+              </a:tr>
+            </a:tbl>
+          </a:graphicData>
+        </a:graphic>
+      </p:graphicFrame>
+    </p:spTree>
+    <p:extLst>
+      <p:ext uri="{BB962C8B-B14F-4D97-AF65-F5344CB8AC3E}">
+        <p14:creationId xmlns:p14="http://schemas.microsoft.com/office/powerpoint/2010/main" val="4039132190"/>
+      </p:ext>
+    </p:extLst>
+  </p:cSld>
+  <p:clrMapOvr>
+    <a:masterClrMapping/>
+  </p:clrMapOvr>
+</p:sld>
+</file>
+
+<file path=ppt/slides/slide24.xml><?xml version="1.0" encoding="utf-8"?>
+<p:sld xmlns:a="http://schemas.openxmlformats.org/drawingml/2006/main" xmlns:r="http://schemas.openxmlformats.org/officeDocument/2006/relationships" xmlns:p="http://schemas.openxmlformats.org/presentationml/2006/main">
+  <p:cSld>
+    <p:spTree>
+      <p:nvGrpSpPr>
+        <p:cNvPr id="1" name=""/>
+        <p:cNvGrpSpPr/>
+        <p:nvPr/>
+      </p:nvGrpSpPr>
+      <p:grpSpPr>
+        <a:xfrm>
+          <a:off x="0" y="0"/>
+          <a:ext cx="0" cy="0"/>
+          <a:chOff x="0" y="0"/>
+          <a:chExt cx="0" cy="0"/>
+        </a:xfrm>
+      </p:grpSpPr>
+      <p:sp>
+        <p:nvSpPr>
           <p:cNvPr id="2" name="コンテンツ プレースホルダー 1"/>
           <p:cNvSpPr>
             <a:spLocks noGrp="1"/>
@@ -25767,8 +26280,8 @@
         </p:nvSpPr>
         <p:spPr>
           <a:xfrm>
-            <a:off x="1498510" y="4546600"/>
-            <a:ext cx="9269604" cy="1039332"/>
+            <a:off x="1361505" y="4592019"/>
+            <a:ext cx="9543613" cy="1039332"/>
           </a:xfrm>
           <a:prstGeom prst="roundRect">
             <a:avLst/>
@@ -25847,7 +26360,7 @@
 </p:sld>
 </file>
 
-<file path=ppt/slides/slide24.xml><?xml version="1.0" encoding="utf-8"?>
+<file path=ppt/slides/slide25.xml><?xml version="1.0" encoding="utf-8"?>
 <p:sld xmlns:a="http://schemas.openxmlformats.org/drawingml/2006/main" xmlns:r="http://schemas.openxmlformats.org/officeDocument/2006/relationships" xmlns:p="http://schemas.openxmlformats.org/presentationml/2006/main">
   <p:cSld>
     <p:spTree>
@@ -26090,7 +26603,7 @@
 </p:sld>
 </file>
 
-<file path=ppt/slides/slide25.xml><?xml version="1.0" encoding="utf-8"?>
+<file path=ppt/slides/slide26.xml><?xml version="1.0" encoding="utf-8"?>
 <p:sld xmlns:a="http://schemas.openxmlformats.org/drawingml/2006/main" xmlns:r="http://schemas.openxmlformats.org/officeDocument/2006/relationships" xmlns:p="http://schemas.openxmlformats.org/presentationml/2006/main">
   <p:cSld>
     <p:spTree>
@@ -26919,7 +27432,7 @@
 </p:sld>
 </file>
 
-<file path=ppt/slides/slide26.xml><?xml version="1.0" encoding="utf-8"?>
+<file path=ppt/slides/slide27.xml><?xml version="1.0" encoding="utf-8"?>
 <p:sld xmlns:a="http://schemas.openxmlformats.org/drawingml/2006/main" xmlns:r="http://schemas.openxmlformats.org/officeDocument/2006/relationships" xmlns:p="http://schemas.openxmlformats.org/presentationml/2006/main">
   <p:cSld>
     <p:spTree>
@@ -27548,7 +28061,7 @@
 </p:sld>
 </file>
 
-<file path=ppt/slides/slide27.xml><?xml version="1.0" encoding="utf-8"?>
+<file path=ppt/slides/slide28.xml><?xml version="1.0" encoding="utf-8"?>
 <p:sld xmlns:a="http://schemas.openxmlformats.org/drawingml/2006/main" xmlns:r="http://schemas.openxmlformats.org/officeDocument/2006/relationships" xmlns:p="http://schemas.openxmlformats.org/presentationml/2006/main">
   <p:cSld>
     <p:spTree>
@@ -28437,7 +28950,7 @@
 </p:sld>
 </file>
 
-<file path=ppt/slides/slide28.xml><?xml version="1.0" encoding="utf-8"?>
+<file path=ppt/slides/slide29.xml><?xml version="1.0" encoding="utf-8"?>
 <p:sld xmlns:a="http://schemas.openxmlformats.org/drawingml/2006/main" xmlns:r="http://schemas.openxmlformats.org/officeDocument/2006/relationships" xmlns:p="http://schemas.openxmlformats.org/presentationml/2006/main">
   <p:cSld>
     <p:spTree>
@@ -29099,443 +29612,6 @@
     <p:extLst>
       <p:ext uri="{BB962C8B-B14F-4D97-AF65-F5344CB8AC3E}">
         <p14:creationId xmlns:p14="http://schemas.microsoft.com/office/powerpoint/2010/main" val="1048154990"/>
-      </p:ext>
-    </p:extLst>
-  </p:cSld>
-  <p:clrMapOvr>
-    <a:masterClrMapping/>
-  </p:clrMapOvr>
-  <p:timing>
-    <p:tnLst>
-      <p:par>
-        <p:cTn id="1" dur="indefinite" restart="never" nodeType="tmRoot"/>
-      </p:par>
-    </p:tnLst>
-  </p:timing>
-</p:sld>
-</file>
-
-<file path=ppt/slides/slide29.xml><?xml version="1.0" encoding="utf-8"?>
-<p:sld xmlns:a="http://schemas.openxmlformats.org/drawingml/2006/main" xmlns:r="http://schemas.openxmlformats.org/officeDocument/2006/relationships" xmlns:p="http://schemas.openxmlformats.org/presentationml/2006/main">
-  <p:cSld>
-    <p:spTree>
-      <p:nvGrpSpPr>
-        <p:cNvPr id="1" name=""/>
-        <p:cNvGrpSpPr/>
-        <p:nvPr/>
-      </p:nvGrpSpPr>
-      <p:grpSpPr>
-        <a:xfrm>
-          <a:off x="0" y="0"/>
-          <a:ext cx="0" cy="0"/>
-          <a:chOff x="0" y="0"/>
-          <a:chExt cx="0" cy="0"/>
-        </a:xfrm>
-      </p:grpSpPr>
-      <p:sp>
-        <p:nvSpPr>
-          <p:cNvPr id="3" name="タイトル 2"/>
-          <p:cNvSpPr>
-            <a:spLocks noGrp="1"/>
-          </p:cNvSpPr>
-          <p:nvPr>
-            <p:ph type="title"/>
-          </p:nvPr>
-        </p:nvSpPr>
-        <p:spPr>
-          <a:xfrm>
-            <a:off x="221598" y="219428"/>
-            <a:ext cx="6991371" cy="729386"/>
-          </a:xfrm>
-        </p:spPr>
-        <p:txBody>
-          <a:bodyPr>
-            <a:normAutofit/>
-          </a:bodyPr>
-          <a:lstStyle/>
-          <a:p>
-            <a:r>
-              <a:rPr lang="en-US" altLang="ja-JP" i="1" dirty="0"/>
-              <a:t>Eager Test </a:t>
-            </a:r>
-            <a:r>
-              <a:rPr lang="en-US" altLang="ja-JP" dirty="0"/>
-              <a:t>(</a:t>
-            </a:r>
-            <a:r>
-              <a:rPr lang="ja-JP" altLang="en-US" dirty="0"/>
-              <a:t>イーガー・テスト</a:t>
-            </a:r>
-            <a:r>
-              <a:rPr lang="en-US" altLang="ja-JP" dirty="0"/>
-              <a:t>)</a:t>
-            </a:r>
-            <a:endParaRPr kumimoji="1" lang="ja-JP" altLang="en-US" dirty="0"/>
-          </a:p>
-        </p:txBody>
-      </p:sp>
-      <p:sp>
-        <p:nvSpPr>
-          <p:cNvPr id="8" name="コンテンツ プレースホルダー 2"/>
-          <p:cNvSpPr>
-            <a:spLocks noGrp="1"/>
-          </p:cNvSpPr>
-          <p:nvPr>
-            <p:ph idx="1"/>
-          </p:nvPr>
-        </p:nvSpPr>
-        <p:spPr>
-          <a:xfrm>
-            <a:off x="838200" y="1621159"/>
-            <a:ext cx="10515600" cy="1384300"/>
-          </a:xfrm>
-        </p:spPr>
-        <p:txBody>
-          <a:bodyPr/>
-          <a:lstStyle/>
-          <a:p>
-            <a:r>
-              <a:rPr lang="ja-JP" altLang="en-US" b="1" dirty="0"/>
-              <a:t>テスト対象クラスの複数のメソッドを</a:t>
-            </a:r>
-            <a:r>
-              <a:rPr lang="ja-JP" altLang="en-US" b="1" dirty="0" smtClean="0"/>
-              <a:t>呼び出す</a:t>
-            </a:r>
-            <a:endParaRPr lang="en-US" altLang="ja-JP" b="1" dirty="0" smtClean="0"/>
-          </a:p>
-          <a:p>
-            <a:pPr lvl="1"/>
-            <a:r>
-              <a:rPr lang="en-US" altLang="ja-JP" dirty="0"/>
-              <a:t>1</a:t>
-            </a:r>
-            <a:r>
-              <a:rPr lang="ja-JP" altLang="en-US" dirty="0" err="1"/>
-              <a:t>つの</a:t>
-            </a:r>
-            <a:r>
-              <a:rPr lang="ja-JP" altLang="en-US" dirty="0"/>
-              <a:t>テストメソッドで複数のメソッドをテストすると、他の開発者は何をテストしているかについて混乱が</a:t>
-            </a:r>
-            <a:r>
-              <a:rPr lang="ja-JP" altLang="en-US" dirty="0" smtClean="0"/>
-              <a:t>生じる</a:t>
-            </a:r>
-            <a:endParaRPr lang="ja-JP" altLang="en-US" dirty="0"/>
-          </a:p>
-        </p:txBody>
-      </p:sp>
-      <p:sp>
-        <p:nvSpPr>
-          <p:cNvPr id="7" name="正方形/長方形 6"/>
-          <p:cNvSpPr/>
-          <p:nvPr/>
-        </p:nvSpPr>
-        <p:spPr>
-          <a:xfrm>
-            <a:off x="838200" y="3535137"/>
-            <a:ext cx="9964056" cy="2308324"/>
-          </a:xfrm>
-          <a:prstGeom prst="rect">
-            <a:avLst/>
-          </a:prstGeom>
-          <a:solidFill>
-            <a:schemeClr val="accent2">
-              <a:lumMod val="20000"/>
-              <a:lumOff val="80000"/>
-            </a:schemeClr>
-          </a:solidFill>
-        </p:spPr>
-        <p:txBody>
-          <a:bodyPr wrap="square">
-            <a:spAutoFit/>
-          </a:bodyPr>
-          <a:lstStyle/>
-          <a:p>
-            <a:r>
-              <a:rPr lang="en-US" altLang="ja-JP" dirty="0" smtClean="0">
-                <a:latin typeface="Consolas" panose="020B0609020204030204" pitchFamily="49" charset="0"/>
-              </a:rPr>
-              <a:t>@Test</a:t>
-            </a:r>
-          </a:p>
-          <a:p>
-            <a:r>
-              <a:rPr lang="en-US" altLang="ja-JP" dirty="0" smtClean="0">
-                <a:latin typeface="Consolas" panose="020B0609020204030204" pitchFamily="49" charset="0"/>
-              </a:rPr>
-              <a:t>public void </a:t>
-            </a:r>
-            <a:r>
-              <a:rPr lang="en-US" altLang="ja-JP" dirty="0" err="1" smtClean="0">
-                <a:latin typeface="Consolas" panose="020B0609020204030204" pitchFamily="49" charset="0"/>
-              </a:rPr>
-              <a:t>NmeaSentence_GPGSA_ReadValidValues</a:t>
-            </a:r>
-            <a:r>
-              <a:rPr lang="en-US" altLang="ja-JP" dirty="0" smtClean="0">
-                <a:latin typeface="Consolas" panose="020B0609020204030204" pitchFamily="49" charset="0"/>
-              </a:rPr>
-              <a:t>(){</a:t>
-            </a:r>
-          </a:p>
-          <a:p>
-            <a:r>
-              <a:rPr lang="en-US" altLang="ja-JP" dirty="0" smtClean="0">
-                <a:latin typeface="Consolas" panose="020B0609020204030204" pitchFamily="49" charset="0"/>
-              </a:rPr>
-              <a:t>    </a:t>
-            </a:r>
-            <a:r>
-              <a:rPr lang="en-US" altLang="ja-JP" dirty="0" err="1" smtClean="0">
-                <a:latin typeface="Consolas" panose="020B0609020204030204" pitchFamily="49" charset="0"/>
-              </a:rPr>
-              <a:t>NmeaSentence</a:t>
-            </a:r>
-            <a:r>
-              <a:rPr lang="en-US" altLang="ja-JP" dirty="0" smtClean="0">
-                <a:latin typeface="Consolas" panose="020B0609020204030204" pitchFamily="49" charset="0"/>
-              </a:rPr>
-              <a:t> </a:t>
-            </a:r>
-            <a:r>
-              <a:rPr lang="en-US" altLang="ja-JP" dirty="0" err="1" smtClean="0">
-                <a:latin typeface="Consolas" panose="020B0609020204030204" pitchFamily="49" charset="0"/>
-              </a:rPr>
-              <a:t>nmeaSentence</a:t>
-            </a:r>
-            <a:r>
-              <a:rPr lang="en-US" altLang="ja-JP" dirty="0" smtClean="0">
-                <a:latin typeface="Consolas" panose="020B0609020204030204" pitchFamily="49" charset="0"/>
-              </a:rPr>
-              <a:t> = new </a:t>
-            </a:r>
-            <a:r>
-              <a:rPr lang="en-US" altLang="ja-JP" dirty="0" err="1" smtClean="0">
-                <a:latin typeface="Consolas" panose="020B0609020204030204" pitchFamily="49" charset="0"/>
-              </a:rPr>
-              <a:t>NmeaSentence</a:t>
-            </a:r>
-            <a:r>
-              <a:rPr lang="en-US" altLang="ja-JP" dirty="0" smtClean="0">
-                <a:latin typeface="Consolas" panose="020B0609020204030204" pitchFamily="49" charset="0"/>
-              </a:rPr>
-              <a:t>("$GPGSA,A,3,04,05,,09,12,,,24,,,,,2.5,1.3,2.1*39");</a:t>
-            </a:r>
-          </a:p>
-          <a:p>
-            <a:r>
-              <a:rPr lang="en-US" altLang="ja-JP" dirty="0" smtClean="0">
-                <a:latin typeface="Consolas" panose="020B0609020204030204" pitchFamily="49" charset="0"/>
-              </a:rPr>
-              <a:t>    </a:t>
-            </a:r>
-            <a:r>
-              <a:rPr lang="en-US" altLang="ja-JP" dirty="0" err="1" smtClean="0">
-                <a:latin typeface="Consolas" panose="020B0609020204030204" pitchFamily="49" charset="0"/>
-              </a:rPr>
-              <a:t>assertThat</a:t>
-            </a:r>
-            <a:r>
-              <a:rPr lang="en-US" altLang="ja-JP" dirty="0" smtClean="0">
-                <a:latin typeface="Consolas" panose="020B0609020204030204" pitchFamily="49" charset="0"/>
-              </a:rPr>
-              <a:t>("GPGSA - read PDOP", </a:t>
-            </a:r>
-            <a:r>
-              <a:rPr lang="en-US" altLang="ja-JP" dirty="0" err="1" smtClean="0">
-                <a:latin typeface="Consolas" panose="020B0609020204030204" pitchFamily="49" charset="0"/>
-              </a:rPr>
-              <a:t>nmeaSentence.getLatestPdop</a:t>
-            </a:r>
-            <a:r>
-              <a:rPr lang="en-US" altLang="ja-JP" dirty="0" smtClean="0">
-                <a:latin typeface="Consolas" panose="020B0609020204030204" pitchFamily="49" charset="0"/>
-              </a:rPr>
-              <a:t>(), is("2.5"));</a:t>
-            </a:r>
-          </a:p>
-          <a:p>
-            <a:r>
-              <a:rPr lang="en-US" altLang="ja-JP" dirty="0" smtClean="0">
-                <a:latin typeface="Consolas" panose="020B0609020204030204" pitchFamily="49" charset="0"/>
-              </a:rPr>
-              <a:t>    </a:t>
-            </a:r>
-            <a:r>
-              <a:rPr lang="en-US" altLang="ja-JP" dirty="0" err="1" smtClean="0">
-                <a:latin typeface="Consolas" panose="020B0609020204030204" pitchFamily="49" charset="0"/>
-              </a:rPr>
-              <a:t>assertThat</a:t>
-            </a:r>
-            <a:r>
-              <a:rPr lang="en-US" altLang="ja-JP" dirty="0" smtClean="0">
-                <a:latin typeface="Consolas" panose="020B0609020204030204" pitchFamily="49" charset="0"/>
-              </a:rPr>
-              <a:t>("GPGSA - read HDOP", </a:t>
-            </a:r>
-            <a:r>
-              <a:rPr lang="en-US" altLang="ja-JP" dirty="0" err="1" smtClean="0">
-                <a:latin typeface="Consolas" panose="020B0609020204030204" pitchFamily="49" charset="0"/>
-              </a:rPr>
-              <a:t>nmeaSentence.getLatestHdop</a:t>
-            </a:r>
-            <a:r>
-              <a:rPr lang="en-US" altLang="ja-JP" dirty="0" smtClean="0">
-                <a:latin typeface="Consolas" panose="020B0609020204030204" pitchFamily="49" charset="0"/>
-              </a:rPr>
-              <a:t>(), is("1.3"));</a:t>
-            </a:r>
-          </a:p>
-          <a:p>
-            <a:r>
-              <a:rPr lang="en-US" altLang="ja-JP" dirty="0" smtClean="0">
-                <a:latin typeface="Consolas" panose="020B0609020204030204" pitchFamily="49" charset="0"/>
-              </a:rPr>
-              <a:t>    </a:t>
-            </a:r>
-            <a:r>
-              <a:rPr lang="en-US" altLang="ja-JP" dirty="0" err="1" smtClean="0">
-                <a:latin typeface="Consolas" panose="020B0609020204030204" pitchFamily="49" charset="0"/>
-              </a:rPr>
-              <a:t>assertThat</a:t>
-            </a:r>
-            <a:r>
-              <a:rPr lang="en-US" altLang="ja-JP" dirty="0" smtClean="0">
-                <a:latin typeface="Consolas" panose="020B0609020204030204" pitchFamily="49" charset="0"/>
-              </a:rPr>
-              <a:t>("GPGSA - read VDOP", </a:t>
-            </a:r>
-            <a:r>
-              <a:rPr lang="en-US" altLang="ja-JP" dirty="0" err="1" smtClean="0">
-                <a:latin typeface="Consolas" panose="020B0609020204030204" pitchFamily="49" charset="0"/>
-              </a:rPr>
-              <a:t>nmeaSentence.getLatestVdop</a:t>
-            </a:r>
-            <a:r>
-              <a:rPr lang="en-US" altLang="ja-JP" dirty="0" smtClean="0">
-                <a:latin typeface="Consolas" panose="020B0609020204030204" pitchFamily="49" charset="0"/>
-              </a:rPr>
-              <a:t>(), is("2.1"));</a:t>
-            </a:r>
-          </a:p>
-          <a:p>
-            <a:r>
-              <a:rPr lang="en-US" altLang="ja-JP" dirty="0" smtClean="0">
-                <a:latin typeface="Consolas" panose="020B0609020204030204" pitchFamily="49" charset="0"/>
-              </a:rPr>
-              <a:t>}</a:t>
-            </a:r>
-            <a:endParaRPr lang="ja-JP" altLang="en-US" dirty="0">
-              <a:latin typeface="Consolas" panose="020B0609020204030204" pitchFamily="49" charset="0"/>
-            </a:endParaRPr>
-          </a:p>
-        </p:txBody>
-      </p:sp>
-      <p:sp>
-        <p:nvSpPr>
-          <p:cNvPr id="12" name="正方形/長方形 11"/>
-          <p:cNvSpPr/>
-          <p:nvPr/>
-        </p:nvSpPr>
-        <p:spPr>
-          <a:xfrm>
-            <a:off x="5365747" y="4689299"/>
-            <a:ext cx="3614966" cy="857476"/>
-          </a:xfrm>
-          <a:prstGeom prst="rect">
-            <a:avLst/>
-          </a:prstGeom>
-          <a:noFill/>
-          <a:ln w="38100"/>
-        </p:spPr>
-        <p:style>
-          <a:lnRef idx="2">
-            <a:schemeClr val="accent1"/>
-          </a:lnRef>
-          <a:fillRef idx="1">
-            <a:schemeClr val="lt1"/>
-          </a:fillRef>
-          <a:effectRef idx="0">
-            <a:schemeClr val="accent1"/>
-          </a:effectRef>
-          <a:fontRef idx="minor">
-            <a:schemeClr val="dk1"/>
-          </a:fontRef>
-        </p:style>
-        <p:txBody>
-          <a:bodyPr rtlCol="0" anchor="ctr"/>
-          <a:lstStyle/>
-          <a:p>
-            <a:pPr algn="ctr"/>
-            <a:endParaRPr kumimoji="1" lang="ja-JP" altLang="en-US"/>
-          </a:p>
-        </p:txBody>
-      </p:sp>
-      <p:sp>
-        <p:nvSpPr>
-          <p:cNvPr id="13" name="四角形吹き出し 12"/>
-          <p:cNvSpPr/>
-          <p:nvPr/>
-        </p:nvSpPr>
-        <p:spPr>
-          <a:xfrm>
-            <a:off x="7339969" y="3199453"/>
-            <a:ext cx="4597399" cy="956702"/>
-          </a:xfrm>
-          <a:prstGeom prst="wedgeRectCallout">
-            <a:avLst>
-              <a:gd name="adj1" fmla="val -67553"/>
-              <a:gd name="adj2" fmla="val 106705"/>
-            </a:avLst>
-          </a:prstGeom>
-          <a:ln/>
-        </p:spPr>
-        <p:style>
-          <a:lnRef idx="1">
-            <a:schemeClr val="accent4"/>
-          </a:lnRef>
-          <a:fillRef idx="2">
-            <a:schemeClr val="accent4"/>
-          </a:fillRef>
-          <a:effectRef idx="1">
-            <a:schemeClr val="accent4"/>
-          </a:effectRef>
-          <a:fontRef idx="minor">
-            <a:schemeClr val="dk1"/>
-          </a:fontRef>
-        </p:style>
-        <p:txBody>
-          <a:bodyPr rtlCol="0" anchor="ctr"/>
-          <a:lstStyle/>
-          <a:p>
-            <a:pPr algn="ctr"/>
-            <a:r>
-              <a:rPr lang="ja-JP" altLang="en-US" sz="2600" dirty="0" smtClean="0">
-                <a:latin typeface="メイリオ" panose="020B0604030504040204" pitchFamily="50" charset="-128"/>
-                <a:ea typeface="メイリオ" panose="020B0604030504040204" pitchFamily="50" charset="-128"/>
-              </a:rPr>
-              <a:t>テスト対象</a:t>
-            </a:r>
-            <a:r>
-              <a:rPr lang="ja-JP" altLang="en-US" sz="2600" dirty="0" smtClean="0">
-                <a:latin typeface="メイリオ" panose="020B0604030504040204" pitchFamily="50" charset="-128"/>
-                <a:ea typeface="メイリオ" panose="020B0604030504040204" pitchFamily="50" charset="-128"/>
-              </a:rPr>
-              <a:t>コードのメソッドが複数回呼び出される</a:t>
-            </a:r>
-            <a:endParaRPr lang="ja-JP" altLang="en-US" sz="2600" dirty="0">
-              <a:latin typeface="メイリオ" panose="020B0604030504040204" pitchFamily="50" charset="-128"/>
-              <a:ea typeface="メイリオ" panose="020B0604030504040204" pitchFamily="50" charset="-128"/>
-            </a:endParaRPr>
-          </a:p>
-        </p:txBody>
-      </p:sp>
-    </p:spTree>
-    <p:extLst>
-      <p:ext uri="{BB962C8B-B14F-4D97-AF65-F5344CB8AC3E}">
-        <p14:creationId xmlns:p14="http://schemas.microsoft.com/office/powerpoint/2010/main" val="824349131"/>
       </p:ext>
     </p:extLst>
   </p:cSld>
@@ -29963,6 +30039,443 @@
 </file>
 
 <file path=ppt/slides/slide30.xml><?xml version="1.0" encoding="utf-8"?>
+<p:sld xmlns:a="http://schemas.openxmlformats.org/drawingml/2006/main" xmlns:r="http://schemas.openxmlformats.org/officeDocument/2006/relationships" xmlns:p="http://schemas.openxmlformats.org/presentationml/2006/main">
+  <p:cSld>
+    <p:spTree>
+      <p:nvGrpSpPr>
+        <p:cNvPr id="1" name=""/>
+        <p:cNvGrpSpPr/>
+        <p:nvPr/>
+      </p:nvGrpSpPr>
+      <p:grpSpPr>
+        <a:xfrm>
+          <a:off x="0" y="0"/>
+          <a:ext cx="0" cy="0"/>
+          <a:chOff x="0" y="0"/>
+          <a:chExt cx="0" cy="0"/>
+        </a:xfrm>
+      </p:grpSpPr>
+      <p:sp>
+        <p:nvSpPr>
+          <p:cNvPr id="3" name="タイトル 2"/>
+          <p:cNvSpPr>
+            <a:spLocks noGrp="1"/>
+          </p:cNvSpPr>
+          <p:nvPr>
+            <p:ph type="title"/>
+          </p:nvPr>
+        </p:nvSpPr>
+        <p:spPr>
+          <a:xfrm>
+            <a:off x="221598" y="219428"/>
+            <a:ext cx="6991371" cy="729386"/>
+          </a:xfrm>
+        </p:spPr>
+        <p:txBody>
+          <a:bodyPr>
+            <a:normAutofit/>
+          </a:bodyPr>
+          <a:lstStyle/>
+          <a:p>
+            <a:r>
+              <a:rPr lang="en-US" altLang="ja-JP" i="1" dirty="0"/>
+              <a:t>Eager Test </a:t>
+            </a:r>
+            <a:r>
+              <a:rPr lang="en-US" altLang="ja-JP" dirty="0"/>
+              <a:t>(</a:t>
+            </a:r>
+            <a:r>
+              <a:rPr lang="ja-JP" altLang="en-US" dirty="0"/>
+              <a:t>イーガー・テスト</a:t>
+            </a:r>
+            <a:r>
+              <a:rPr lang="en-US" altLang="ja-JP" dirty="0"/>
+              <a:t>)</a:t>
+            </a:r>
+            <a:endParaRPr kumimoji="1" lang="ja-JP" altLang="en-US" dirty="0"/>
+          </a:p>
+        </p:txBody>
+      </p:sp>
+      <p:sp>
+        <p:nvSpPr>
+          <p:cNvPr id="8" name="コンテンツ プレースホルダー 2"/>
+          <p:cNvSpPr>
+            <a:spLocks noGrp="1"/>
+          </p:cNvSpPr>
+          <p:nvPr>
+            <p:ph idx="1"/>
+          </p:nvPr>
+        </p:nvSpPr>
+        <p:spPr>
+          <a:xfrm>
+            <a:off x="838200" y="1621159"/>
+            <a:ext cx="10515600" cy="1384300"/>
+          </a:xfrm>
+        </p:spPr>
+        <p:txBody>
+          <a:bodyPr/>
+          <a:lstStyle/>
+          <a:p>
+            <a:r>
+              <a:rPr lang="ja-JP" altLang="en-US" b="1" dirty="0"/>
+              <a:t>テスト対象クラスの複数のメソッドを</a:t>
+            </a:r>
+            <a:r>
+              <a:rPr lang="ja-JP" altLang="en-US" b="1" dirty="0" smtClean="0"/>
+              <a:t>呼び出す</a:t>
+            </a:r>
+            <a:endParaRPr lang="en-US" altLang="ja-JP" b="1" dirty="0" smtClean="0"/>
+          </a:p>
+          <a:p>
+            <a:pPr lvl="1"/>
+            <a:r>
+              <a:rPr lang="en-US" altLang="ja-JP" dirty="0"/>
+              <a:t>1</a:t>
+            </a:r>
+            <a:r>
+              <a:rPr lang="ja-JP" altLang="en-US" dirty="0" err="1"/>
+              <a:t>つの</a:t>
+            </a:r>
+            <a:r>
+              <a:rPr lang="ja-JP" altLang="en-US" dirty="0"/>
+              <a:t>テストメソッドで複数のメソッドをテストすると、他の開発者は何をテストしているかについて混乱が</a:t>
+            </a:r>
+            <a:r>
+              <a:rPr lang="ja-JP" altLang="en-US" dirty="0" smtClean="0"/>
+              <a:t>生じる</a:t>
+            </a:r>
+            <a:endParaRPr lang="ja-JP" altLang="en-US" dirty="0"/>
+          </a:p>
+        </p:txBody>
+      </p:sp>
+      <p:sp>
+        <p:nvSpPr>
+          <p:cNvPr id="7" name="正方形/長方形 6"/>
+          <p:cNvSpPr/>
+          <p:nvPr/>
+        </p:nvSpPr>
+        <p:spPr>
+          <a:xfrm>
+            <a:off x="838200" y="3535137"/>
+            <a:ext cx="9964056" cy="2308324"/>
+          </a:xfrm>
+          <a:prstGeom prst="rect">
+            <a:avLst/>
+          </a:prstGeom>
+          <a:solidFill>
+            <a:schemeClr val="accent2">
+              <a:lumMod val="20000"/>
+              <a:lumOff val="80000"/>
+            </a:schemeClr>
+          </a:solidFill>
+        </p:spPr>
+        <p:txBody>
+          <a:bodyPr wrap="square">
+            <a:spAutoFit/>
+          </a:bodyPr>
+          <a:lstStyle/>
+          <a:p>
+            <a:r>
+              <a:rPr lang="en-US" altLang="ja-JP" dirty="0" smtClean="0">
+                <a:latin typeface="Consolas" panose="020B0609020204030204" pitchFamily="49" charset="0"/>
+              </a:rPr>
+              <a:t>@Test</a:t>
+            </a:r>
+          </a:p>
+          <a:p>
+            <a:r>
+              <a:rPr lang="en-US" altLang="ja-JP" dirty="0" smtClean="0">
+                <a:latin typeface="Consolas" panose="020B0609020204030204" pitchFamily="49" charset="0"/>
+              </a:rPr>
+              <a:t>public void </a:t>
+            </a:r>
+            <a:r>
+              <a:rPr lang="en-US" altLang="ja-JP" dirty="0" err="1" smtClean="0">
+                <a:latin typeface="Consolas" panose="020B0609020204030204" pitchFamily="49" charset="0"/>
+              </a:rPr>
+              <a:t>NmeaSentence_GPGSA_ReadValidValues</a:t>
+            </a:r>
+            <a:r>
+              <a:rPr lang="en-US" altLang="ja-JP" dirty="0" smtClean="0">
+                <a:latin typeface="Consolas" panose="020B0609020204030204" pitchFamily="49" charset="0"/>
+              </a:rPr>
+              <a:t>(){</a:t>
+            </a:r>
+          </a:p>
+          <a:p>
+            <a:r>
+              <a:rPr lang="en-US" altLang="ja-JP" dirty="0" smtClean="0">
+                <a:latin typeface="Consolas" panose="020B0609020204030204" pitchFamily="49" charset="0"/>
+              </a:rPr>
+              <a:t>    </a:t>
+            </a:r>
+            <a:r>
+              <a:rPr lang="en-US" altLang="ja-JP" dirty="0" err="1" smtClean="0">
+                <a:latin typeface="Consolas" panose="020B0609020204030204" pitchFamily="49" charset="0"/>
+              </a:rPr>
+              <a:t>NmeaSentence</a:t>
+            </a:r>
+            <a:r>
+              <a:rPr lang="en-US" altLang="ja-JP" dirty="0" smtClean="0">
+                <a:latin typeface="Consolas" panose="020B0609020204030204" pitchFamily="49" charset="0"/>
+              </a:rPr>
+              <a:t> </a:t>
+            </a:r>
+            <a:r>
+              <a:rPr lang="en-US" altLang="ja-JP" dirty="0" err="1" smtClean="0">
+                <a:latin typeface="Consolas" panose="020B0609020204030204" pitchFamily="49" charset="0"/>
+              </a:rPr>
+              <a:t>nmeaSentence</a:t>
+            </a:r>
+            <a:r>
+              <a:rPr lang="en-US" altLang="ja-JP" dirty="0" smtClean="0">
+                <a:latin typeface="Consolas" panose="020B0609020204030204" pitchFamily="49" charset="0"/>
+              </a:rPr>
+              <a:t> = new </a:t>
+            </a:r>
+            <a:r>
+              <a:rPr lang="en-US" altLang="ja-JP" dirty="0" err="1" smtClean="0">
+                <a:latin typeface="Consolas" panose="020B0609020204030204" pitchFamily="49" charset="0"/>
+              </a:rPr>
+              <a:t>NmeaSentence</a:t>
+            </a:r>
+            <a:r>
+              <a:rPr lang="en-US" altLang="ja-JP" dirty="0" smtClean="0">
+                <a:latin typeface="Consolas" panose="020B0609020204030204" pitchFamily="49" charset="0"/>
+              </a:rPr>
+              <a:t>("$GPGSA,A,3,04,05,,09,12,,,24,,,,,2.5,1.3,2.1*39");</a:t>
+            </a:r>
+          </a:p>
+          <a:p>
+            <a:r>
+              <a:rPr lang="en-US" altLang="ja-JP" dirty="0" smtClean="0">
+                <a:latin typeface="Consolas" panose="020B0609020204030204" pitchFamily="49" charset="0"/>
+              </a:rPr>
+              <a:t>    </a:t>
+            </a:r>
+            <a:r>
+              <a:rPr lang="en-US" altLang="ja-JP" dirty="0" err="1" smtClean="0">
+                <a:latin typeface="Consolas" panose="020B0609020204030204" pitchFamily="49" charset="0"/>
+              </a:rPr>
+              <a:t>assertThat</a:t>
+            </a:r>
+            <a:r>
+              <a:rPr lang="en-US" altLang="ja-JP" dirty="0" smtClean="0">
+                <a:latin typeface="Consolas" panose="020B0609020204030204" pitchFamily="49" charset="0"/>
+              </a:rPr>
+              <a:t>("GPGSA - read PDOP", </a:t>
+            </a:r>
+            <a:r>
+              <a:rPr lang="en-US" altLang="ja-JP" dirty="0" err="1" smtClean="0">
+                <a:latin typeface="Consolas" panose="020B0609020204030204" pitchFamily="49" charset="0"/>
+              </a:rPr>
+              <a:t>nmeaSentence.getLatestPdop</a:t>
+            </a:r>
+            <a:r>
+              <a:rPr lang="en-US" altLang="ja-JP" dirty="0" smtClean="0">
+                <a:latin typeface="Consolas" panose="020B0609020204030204" pitchFamily="49" charset="0"/>
+              </a:rPr>
+              <a:t>(), is("2.5"));</a:t>
+            </a:r>
+          </a:p>
+          <a:p>
+            <a:r>
+              <a:rPr lang="en-US" altLang="ja-JP" dirty="0" smtClean="0">
+                <a:latin typeface="Consolas" panose="020B0609020204030204" pitchFamily="49" charset="0"/>
+              </a:rPr>
+              <a:t>    </a:t>
+            </a:r>
+            <a:r>
+              <a:rPr lang="en-US" altLang="ja-JP" dirty="0" err="1" smtClean="0">
+                <a:latin typeface="Consolas" panose="020B0609020204030204" pitchFamily="49" charset="0"/>
+              </a:rPr>
+              <a:t>assertThat</a:t>
+            </a:r>
+            <a:r>
+              <a:rPr lang="en-US" altLang="ja-JP" dirty="0" smtClean="0">
+                <a:latin typeface="Consolas" panose="020B0609020204030204" pitchFamily="49" charset="0"/>
+              </a:rPr>
+              <a:t>("GPGSA - read HDOP", </a:t>
+            </a:r>
+            <a:r>
+              <a:rPr lang="en-US" altLang="ja-JP" dirty="0" err="1" smtClean="0">
+                <a:latin typeface="Consolas" panose="020B0609020204030204" pitchFamily="49" charset="0"/>
+              </a:rPr>
+              <a:t>nmeaSentence.getLatestHdop</a:t>
+            </a:r>
+            <a:r>
+              <a:rPr lang="en-US" altLang="ja-JP" dirty="0" smtClean="0">
+                <a:latin typeface="Consolas" panose="020B0609020204030204" pitchFamily="49" charset="0"/>
+              </a:rPr>
+              <a:t>(), is("1.3"));</a:t>
+            </a:r>
+          </a:p>
+          <a:p>
+            <a:r>
+              <a:rPr lang="en-US" altLang="ja-JP" dirty="0" smtClean="0">
+                <a:latin typeface="Consolas" panose="020B0609020204030204" pitchFamily="49" charset="0"/>
+              </a:rPr>
+              <a:t>    </a:t>
+            </a:r>
+            <a:r>
+              <a:rPr lang="en-US" altLang="ja-JP" dirty="0" err="1" smtClean="0">
+                <a:latin typeface="Consolas" panose="020B0609020204030204" pitchFamily="49" charset="0"/>
+              </a:rPr>
+              <a:t>assertThat</a:t>
+            </a:r>
+            <a:r>
+              <a:rPr lang="en-US" altLang="ja-JP" dirty="0" smtClean="0">
+                <a:latin typeface="Consolas" panose="020B0609020204030204" pitchFamily="49" charset="0"/>
+              </a:rPr>
+              <a:t>("GPGSA - read VDOP", </a:t>
+            </a:r>
+            <a:r>
+              <a:rPr lang="en-US" altLang="ja-JP" dirty="0" err="1" smtClean="0">
+                <a:latin typeface="Consolas" panose="020B0609020204030204" pitchFamily="49" charset="0"/>
+              </a:rPr>
+              <a:t>nmeaSentence.getLatestVdop</a:t>
+            </a:r>
+            <a:r>
+              <a:rPr lang="en-US" altLang="ja-JP" dirty="0" smtClean="0">
+                <a:latin typeface="Consolas" panose="020B0609020204030204" pitchFamily="49" charset="0"/>
+              </a:rPr>
+              <a:t>(), is("2.1"));</a:t>
+            </a:r>
+          </a:p>
+          <a:p>
+            <a:r>
+              <a:rPr lang="en-US" altLang="ja-JP" dirty="0" smtClean="0">
+                <a:latin typeface="Consolas" panose="020B0609020204030204" pitchFamily="49" charset="0"/>
+              </a:rPr>
+              <a:t>}</a:t>
+            </a:r>
+            <a:endParaRPr lang="ja-JP" altLang="en-US" dirty="0">
+              <a:latin typeface="Consolas" panose="020B0609020204030204" pitchFamily="49" charset="0"/>
+            </a:endParaRPr>
+          </a:p>
+        </p:txBody>
+      </p:sp>
+      <p:sp>
+        <p:nvSpPr>
+          <p:cNvPr id="12" name="正方形/長方形 11"/>
+          <p:cNvSpPr/>
+          <p:nvPr/>
+        </p:nvSpPr>
+        <p:spPr>
+          <a:xfrm>
+            <a:off x="5365747" y="4689299"/>
+            <a:ext cx="3614966" cy="857476"/>
+          </a:xfrm>
+          <a:prstGeom prst="rect">
+            <a:avLst/>
+          </a:prstGeom>
+          <a:noFill/>
+          <a:ln w="38100"/>
+        </p:spPr>
+        <p:style>
+          <a:lnRef idx="2">
+            <a:schemeClr val="accent1"/>
+          </a:lnRef>
+          <a:fillRef idx="1">
+            <a:schemeClr val="lt1"/>
+          </a:fillRef>
+          <a:effectRef idx="0">
+            <a:schemeClr val="accent1"/>
+          </a:effectRef>
+          <a:fontRef idx="minor">
+            <a:schemeClr val="dk1"/>
+          </a:fontRef>
+        </p:style>
+        <p:txBody>
+          <a:bodyPr rtlCol="0" anchor="ctr"/>
+          <a:lstStyle/>
+          <a:p>
+            <a:pPr algn="ctr"/>
+            <a:endParaRPr kumimoji="1" lang="ja-JP" altLang="en-US"/>
+          </a:p>
+        </p:txBody>
+      </p:sp>
+      <p:sp>
+        <p:nvSpPr>
+          <p:cNvPr id="13" name="四角形吹き出し 12"/>
+          <p:cNvSpPr/>
+          <p:nvPr/>
+        </p:nvSpPr>
+        <p:spPr>
+          <a:xfrm>
+            <a:off x="7339969" y="3199453"/>
+            <a:ext cx="4597399" cy="956702"/>
+          </a:xfrm>
+          <a:prstGeom prst="wedgeRectCallout">
+            <a:avLst>
+              <a:gd name="adj1" fmla="val -67553"/>
+              <a:gd name="adj2" fmla="val 106705"/>
+            </a:avLst>
+          </a:prstGeom>
+          <a:ln/>
+        </p:spPr>
+        <p:style>
+          <a:lnRef idx="1">
+            <a:schemeClr val="accent4"/>
+          </a:lnRef>
+          <a:fillRef idx="2">
+            <a:schemeClr val="accent4"/>
+          </a:fillRef>
+          <a:effectRef idx="1">
+            <a:schemeClr val="accent4"/>
+          </a:effectRef>
+          <a:fontRef idx="minor">
+            <a:schemeClr val="dk1"/>
+          </a:fontRef>
+        </p:style>
+        <p:txBody>
+          <a:bodyPr rtlCol="0" anchor="ctr"/>
+          <a:lstStyle/>
+          <a:p>
+            <a:pPr algn="ctr"/>
+            <a:r>
+              <a:rPr lang="ja-JP" altLang="en-US" sz="2600" dirty="0" smtClean="0">
+                <a:latin typeface="メイリオ" panose="020B0604030504040204" pitchFamily="50" charset="-128"/>
+                <a:ea typeface="メイリオ" panose="020B0604030504040204" pitchFamily="50" charset="-128"/>
+              </a:rPr>
+              <a:t>テスト対象</a:t>
+            </a:r>
+            <a:r>
+              <a:rPr lang="ja-JP" altLang="en-US" sz="2600" dirty="0" smtClean="0">
+                <a:latin typeface="メイリオ" panose="020B0604030504040204" pitchFamily="50" charset="-128"/>
+                <a:ea typeface="メイリオ" panose="020B0604030504040204" pitchFamily="50" charset="-128"/>
+              </a:rPr>
+              <a:t>コードのメソッドが複数回呼び出される</a:t>
+            </a:r>
+            <a:endParaRPr lang="ja-JP" altLang="en-US" sz="2600" dirty="0">
+              <a:latin typeface="メイリオ" panose="020B0604030504040204" pitchFamily="50" charset="-128"/>
+              <a:ea typeface="メイリオ" panose="020B0604030504040204" pitchFamily="50" charset="-128"/>
+            </a:endParaRPr>
+          </a:p>
+        </p:txBody>
+      </p:sp>
+    </p:spTree>
+    <p:extLst>
+      <p:ext uri="{BB962C8B-B14F-4D97-AF65-F5344CB8AC3E}">
+        <p14:creationId xmlns:p14="http://schemas.microsoft.com/office/powerpoint/2010/main" val="824349131"/>
+      </p:ext>
+    </p:extLst>
+  </p:cSld>
+  <p:clrMapOvr>
+    <a:masterClrMapping/>
+  </p:clrMapOvr>
+  <p:timing>
+    <p:tnLst>
+      <p:par>
+        <p:cTn id="1" dur="indefinite" restart="never" nodeType="tmRoot"/>
+      </p:par>
+    </p:tnLst>
+  </p:timing>
+</p:sld>
+</file>
+
+<file path=ppt/slides/slide31.xml><?xml version="1.0" encoding="utf-8"?>
 <p:sld xmlns:a="http://schemas.openxmlformats.org/drawingml/2006/main" xmlns:r="http://schemas.openxmlformats.org/officeDocument/2006/relationships" xmlns:p="http://schemas.openxmlformats.org/presentationml/2006/main">
   <p:cSld>
     <p:spTree>
@@ -31071,7 +31584,7 @@
 </p:sld>
 </file>
 
-<file path=ppt/slides/slide31.xml><?xml version="1.0" encoding="utf-8"?>
+<file path=ppt/slides/slide32.xml><?xml version="1.0" encoding="utf-8"?>
 <p:sld xmlns:a="http://schemas.openxmlformats.org/drawingml/2006/main" xmlns:r="http://schemas.openxmlformats.org/officeDocument/2006/relationships" xmlns:p="http://schemas.openxmlformats.org/presentationml/2006/main">
   <p:cSld>
     <p:spTree>
@@ -31461,7 +31974,7 @@
 </p:sld>
 </file>
 
-<file path=ppt/slides/slide32.xml><?xml version="1.0" encoding="utf-8"?>
+<file path=ppt/slides/slide33.xml><?xml version="1.0" encoding="utf-8"?>
 <p:sld xmlns:a="http://schemas.openxmlformats.org/drawingml/2006/main" xmlns:r="http://schemas.openxmlformats.org/officeDocument/2006/relationships" xmlns:p="http://schemas.openxmlformats.org/presentationml/2006/main">
   <p:cSld>
     <p:spTree>
@@ -31739,7 +32252,7 @@
 </p:sld>
 </file>
 
-<file path=ppt/slides/slide33.xml><?xml version="1.0" encoding="utf-8"?>
+<file path=ppt/slides/slide34.xml><?xml version="1.0" encoding="utf-8"?>
 <p:sld xmlns:a="http://schemas.openxmlformats.org/drawingml/2006/main" xmlns:r="http://schemas.openxmlformats.org/officeDocument/2006/relationships" xmlns:p="http://schemas.openxmlformats.org/presentationml/2006/main">
   <p:cSld>
     <p:spTree>
@@ -32458,7 +32971,7 @@
 </p:sld>
 </file>
 
-<file path=ppt/slides/slide34.xml><?xml version="1.0" encoding="utf-8"?>
+<file path=ppt/slides/slide35.xml><?xml version="1.0" encoding="utf-8"?>
 <p:sld xmlns:a="http://schemas.openxmlformats.org/drawingml/2006/main" xmlns:r="http://schemas.openxmlformats.org/officeDocument/2006/relationships" xmlns:p="http://schemas.openxmlformats.org/presentationml/2006/main">
   <p:cSld>
     <p:spTree>
@@ -33650,7 +34163,579 @@
 </p:sld>
 </file>
 
-<file path=ppt/slides/slide35.xml><?xml version="1.0" encoding="utf-8"?>
+<file path=ppt/slides/slide36.xml><?xml version="1.0" encoding="utf-8"?>
+<p:sld xmlns:a="http://schemas.openxmlformats.org/drawingml/2006/main" xmlns:r="http://schemas.openxmlformats.org/officeDocument/2006/relationships" xmlns:p="http://schemas.openxmlformats.org/presentationml/2006/main">
+  <p:cSld>
+    <p:spTree>
+      <p:nvGrpSpPr>
+        <p:cNvPr id="1" name=""/>
+        <p:cNvGrpSpPr/>
+        <p:nvPr/>
+      </p:nvGrpSpPr>
+      <p:grpSpPr>
+        <a:xfrm>
+          <a:off x="0" y="0"/>
+          <a:ext cx="0" cy="0"/>
+          <a:chOff x="0" y="0"/>
+          <a:chExt cx="0" cy="0"/>
+        </a:xfrm>
+      </p:grpSpPr>
+      <p:sp>
+        <p:nvSpPr>
+          <p:cNvPr id="2" name="コンテンツ プレースホルダー 1"/>
+          <p:cNvSpPr>
+            <a:spLocks noGrp="1"/>
+          </p:cNvSpPr>
+          <p:nvPr>
+            <p:ph idx="1"/>
+          </p:nvPr>
+        </p:nvSpPr>
+        <p:spPr>
+          <a:xfrm>
+            <a:off x="717621" y="1280029"/>
+            <a:ext cx="10821725" cy="4642361"/>
+          </a:xfrm>
+        </p:spPr>
+        <p:txBody>
+          <a:bodyPr/>
+          <a:lstStyle/>
+          <a:p>
+            <a:r>
+              <a:rPr kumimoji="1" lang="ja-JP" altLang="en-US" dirty="0" smtClean="0"/>
+              <a:t>カバレッジ</a:t>
+            </a:r>
+            <a:r>
+              <a:rPr kumimoji="1" lang="en-US" altLang="ja-JP" dirty="0" smtClean="0"/>
+              <a:t>100%</a:t>
+            </a:r>
+            <a:r>
+              <a:rPr kumimoji="1" lang="ja-JP" altLang="en-US" dirty="0" smtClean="0"/>
+              <a:t>を追究しても品質は高いとは言えない</a:t>
+            </a:r>
+            <a:endParaRPr kumimoji="1" lang="en-US" altLang="ja-JP" dirty="0" smtClean="0"/>
+          </a:p>
+          <a:p>
+            <a:endParaRPr kumimoji="1" lang="en-US" altLang="ja-JP" sz="300" dirty="0" smtClean="0"/>
+          </a:p>
+          <a:p>
+            <a:pPr lvl="1"/>
+            <a:r>
+              <a:rPr lang="ja-JP" altLang="en-US" sz="2200" dirty="0" smtClean="0"/>
+              <a:t>「カバレッジが高い」</a:t>
+            </a:r>
+            <a:r>
+              <a:rPr lang="en-US" altLang="ja-JP" sz="2200" dirty="0" smtClean="0"/>
+              <a:t>=</a:t>
+            </a:r>
+            <a:r>
+              <a:rPr lang="ja-JP" altLang="en-US" sz="2200" dirty="0" smtClean="0"/>
+              <a:t>「テストケースが十分に網羅されている」</a:t>
+            </a:r>
+            <a:endParaRPr lang="en-US" altLang="ja-JP" sz="2200" dirty="0" smtClean="0"/>
+          </a:p>
+          <a:p>
+            <a:pPr lvl="1"/>
+            <a:r>
+              <a:rPr kumimoji="1" lang="ja-JP" altLang="en-US" sz="2200" dirty="0" smtClean="0"/>
+              <a:t>「ソースコードの品質が高い」</a:t>
+            </a:r>
+            <a:r>
+              <a:rPr lang="en-US" altLang="ja-JP" sz="2200" dirty="0" smtClean="0"/>
+              <a:t>=</a:t>
+            </a:r>
+            <a:r>
+              <a:rPr lang="ja-JP" altLang="en-US" sz="2200" dirty="0" smtClean="0"/>
+              <a:t>「バグが潜伏している可能性が低い」</a:t>
+            </a:r>
+            <a:endParaRPr lang="en-US" altLang="ja-JP" sz="2200" dirty="0" smtClean="0"/>
+          </a:p>
+          <a:p>
+            <a:pPr lvl="1"/>
+            <a:r>
+              <a:rPr lang="ja-JP" altLang="en-US" sz="2200" b="1" dirty="0"/>
+              <a:t>「テストケースの品質が高い」 </a:t>
+            </a:r>
+            <a:r>
+              <a:rPr lang="en-US" altLang="ja-JP" sz="2200" b="1" dirty="0"/>
+              <a:t>= </a:t>
+            </a:r>
+            <a:r>
+              <a:rPr lang="ja-JP" altLang="en-US" sz="2200" b="1" dirty="0"/>
+              <a:t>「テストケースがバグを適切に検出できる」</a:t>
+            </a:r>
+            <a:endParaRPr kumimoji="1" lang="ja-JP" altLang="en-US" sz="2200" b="1" dirty="0"/>
+          </a:p>
+        </p:txBody>
+      </p:sp>
+      <p:sp>
+        <p:nvSpPr>
+          <p:cNvPr id="3" name="タイトル 2"/>
+          <p:cNvSpPr>
+            <a:spLocks noGrp="1"/>
+          </p:cNvSpPr>
+          <p:nvPr>
+            <p:ph type="title"/>
+          </p:nvPr>
+        </p:nvSpPr>
+        <p:spPr/>
+        <p:txBody>
+          <a:bodyPr/>
+          <a:lstStyle/>
+          <a:p>
+            <a:r>
+              <a:rPr kumimoji="1" lang="ja-JP" altLang="en-US" dirty="0" smtClean="0"/>
+              <a:t>カバレッジの議論</a:t>
+            </a:r>
+            <a:endParaRPr kumimoji="1" lang="ja-JP" altLang="en-US" dirty="0"/>
+          </a:p>
+        </p:txBody>
+      </p:sp>
+      <p:pic>
+        <p:nvPicPr>
+          <p:cNvPr id="1026" name="Picture 2" descr="https://qiita-user-contents.imgix.net/https%3A%2F%2Fqiita-image-store.s3.amazonaws.com%2F0%2F155486%2Fcd50d4b9-dac7-db53-6f2d-4408eb3de032.png?ixlib=rb-1.2.2&amp;auto=format&amp;gif-q=60&amp;q=75&amp;s=480c60decad938dfbb4a8bab6e722c47"/>
+          <p:cNvPicPr>
+            <a:picLocks noChangeAspect="1" noChangeArrowheads="1"/>
+          </p:cNvPicPr>
+          <p:nvPr/>
+        </p:nvPicPr>
+        <p:blipFill>
+          <a:blip r:embed="rId3" cstate="print">
+            <a:extLst>
+              <a:ext uri="{28A0092B-C50C-407E-A947-70E740481C1C}">
+                <a14:useLocalDpi xmlns:a14="http://schemas.microsoft.com/office/drawing/2010/main" val="0"/>
+              </a:ext>
+            </a:extLst>
+          </a:blip>
+          <a:srcRect/>
+          <a:stretch>
+            <a:fillRect/>
+          </a:stretch>
+        </p:blipFill>
+        <p:spPr bwMode="auto">
+          <a:xfrm>
+            <a:off x="3648678" y="3160975"/>
+            <a:ext cx="4959609" cy="3363235"/>
+          </a:xfrm>
+          <a:prstGeom prst="rect">
+            <a:avLst/>
+          </a:prstGeom>
+          <a:noFill/>
+          <a:extLst>
+            <a:ext uri="{909E8E84-426E-40DD-AFC4-6F175D3DCCD1}">
+              <a14:hiddenFill xmlns:a14="http://schemas.microsoft.com/office/drawing/2010/main">
+                <a:solidFill>
+                  <a:srgbClr val="FFFFFF"/>
+                </a:solidFill>
+              </a14:hiddenFill>
+            </a:ext>
+          </a:extLst>
+        </p:spPr>
+      </p:pic>
+    </p:spTree>
+    <p:extLst>
+      <p:ext uri="{BB962C8B-B14F-4D97-AF65-F5344CB8AC3E}">
+        <p14:creationId xmlns:p14="http://schemas.microsoft.com/office/powerpoint/2010/main" val="2280370843"/>
+      </p:ext>
+    </p:extLst>
+  </p:cSld>
+  <p:clrMapOvr>
+    <a:masterClrMapping/>
+  </p:clrMapOvr>
+</p:sld>
+</file>
+
+<file path=ppt/slides/slide37.xml><?xml version="1.0" encoding="utf-8"?>
+<p:sld xmlns:a="http://schemas.openxmlformats.org/drawingml/2006/main" xmlns:r="http://schemas.openxmlformats.org/officeDocument/2006/relationships" xmlns:p="http://schemas.openxmlformats.org/presentationml/2006/main">
+  <p:cSld>
+    <p:spTree>
+      <p:nvGrpSpPr>
+        <p:cNvPr id="1" name=""/>
+        <p:cNvGrpSpPr/>
+        <p:nvPr/>
+      </p:nvGrpSpPr>
+      <p:grpSpPr>
+        <a:xfrm>
+          <a:off x="0" y="0"/>
+          <a:ext cx="0" cy="0"/>
+          <a:chOff x="0" y="0"/>
+          <a:chExt cx="0" cy="0"/>
+        </a:xfrm>
+      </p:grpSpPr>
+      <p:sp>
+        <p:nvSpPr>
+          <p:cNvPr id="3" name="タイトル 2"/>
+          <p:cNvSpPr>
+            <a:spLocks noGrp="1"/>
+          </p:cNvSpPr>
+          <p:nvPr>
+            <p:ph type="title"/>
+          </p:nvPr>
+        </p:nvSpPr>
+        <p:spPr/>
+        <p:txBody>
+          <a:bodyPr/>
+          <a:lstStyle/>
+          <a:p>
+            <a:r>
+              <a:rPr kumimoji="1" lang="ja-JP" altLang="en-US" dirty="0" smtClean="0"/>
+              <a:t>カバレッジの議論</a:t>
+            </a:r>
+            <a:endParaRPr kumimoji="1" lang="ja-JP" altLang="en-US" dirty="0"/>
+          </a:p>
+        </p:txBody>
+      </p:sp>
+      <p:pic>
+        <p:nvPicPr>
+          <p:cNvPr id="1026" name="Picture 2" descr="https://qiita-user-contents.imgix.net/https%3A%2F%2Fqiita-image-store.s3.amazonaws.com%2F0%2F155486%2Fcd50d4b9-dac7-db53-6f2d-4408eb3de032.png?ixlib=rb-1.2.2&amp;auto=format&amp;gif-q=60&amp;q=75&amp;s=480c60decad938dfbb4a8bab6e722c47"/>
+          <p:cNvPicPr>
+            <a:picLocks noChangeAspect="1" noChangeArrowheads="1"/>
+          </p:cNvPicPr>
+          <p:nvPr/>
+        </p:nvPicPr>
+        <p:blipFill>
+          <a:blip r:embed="rId3" cstate="print">
+            <a:extLst>
+              <a:ext uri="{28A0092B-C50C-407E-A947-70E740481C1C}">
+                <a14:useLocalDpi xmlns:a14="http://schemas.microsoft.com/office/drawing/2010/main" val="0"/>
+              </a:ext>
+            </a:extLst>
+          </a:blip>
+          <a:srcRect/>
+          <a:stretch>
+            <a:fillRect/>
+          </a:stretch>
+        </p:blipFill>
+        <p:spPr bwMode="auto">
+          <a:xfrm>
+            <a:off x="221598" y="2073112"/>
+            <a:ext cx="4959609" cy="3363235"/>
+          </a:xfrm>
+          <a:prstGeom prst="rect">
+            <a:avLst/>
+          </a:prstGeom>
+          <a:noFill/>
+          <a:extLst>
+            <a:ext uri="{909E8E84-426E-40DD-AFC4-6F175D3DCCD1}">
+              <a14:hiddenFill xmlns:a14="http://schemas.microsoft.com/office/drawing/2010/main">
+                <a:solidFill>
+                  <a:srgbClr val="FFFFFF"/>
+                </a:solidFill>
+              </a14:hiddenFill>
+            </a:ext>
+          </a:extLst>
+        </p:spPr>
+      </p:pic>
+      <p:sp>
+        <p:nvSpPr>
+          <p:cNvPr id="5" name="正方形/長方形 4"/>
+          <p:cNvSpPr/>
+          <p:nvPr/>
+        </p:nvSpPr>
+        <p:spPr>
+          <a:xfrm>
+            <a:off x="5086181" y="1640485"/>
+            <a:ext cx="6883182" cy="1200329"/>
+          </a:xfrm>
+          <a:prstGeom prst="rect">
+            <a:avLst/>
+          </a:prstGeom>
+        </p:spPr>
+        <p:txBody>
+          <a:bodyPr wrap="square">
+            <a:spAutoFit/>
+          </a:bodyPr>
+          <a:lstStyle/>
+          <a:p>
+            <a:r>
+              <a:rPr lang="ja-JP" altLang="en-US" sz="2400" dirty="0">
+                <a:latin typeface="メイリオ" panose="020B0604030504040204" pitchFamily="50" charset="-128"/>
+                <a:ea typeface="メイリオ" panose="020B0604030504040204" pitchFamily="50" charset="-128"/>
+              </a:rPr>
+              <a:t>「テストケースが十分に網羅されている」かつ 「テストケースがバグを適切に検出</a:t>
+            </a:r>
+            <a:r>
+              <a:rPr lang="ja-JP" altLang="en-US" sz="2400" dirty="0" smtClean="0">
+                <a:latin typeface="メイリオ" panose="020B0604030504040204" pitchFamily="50" charset="-128"/>
+                <a:ea typeface="メイリオ" panose="020B0604030504040204" pitchFamily="50" charset="-128"/>
+              </a:rPr>
+              <a:t>できる」</a:t>
+            </a:r>
+            <a:r>
+              <a:rPr lang="en-US" altLang="ja-JP" sz="2400" dirty="0" smtClean="0">
+                <a:latin typeface="メイリオ" panose="020B0604030504040204" pitchFamily="50" charset="-128"/>
+                <a:ea typeface="メイリオ" panose="020B0604030504040204" pitchFamily="50" charset="-128"/>
+              </a:rPr>
+              <a:t>=&gt; </a:t>
+            </a:r>
+            <a:r>
+              <a:rPr lang="ja-JP" altLang="en-US" sz="2400" dirty="0">
+                <a:latin typeface="メイリオ" panose="020B0604030504040204" pitchFamily="50" charset="-128"/>
+                <a:ea typeface="メイリオ" panose="020B0604030504040204" pitchFamily="50" charset="-128"/>
+              </a:rPr>
+              <a:t>「</a:t>
+            </a:r>
+            <a:r>
+              <a:rPr lang="ja-JP" altLang="en-US" sz="2400" u="sng" dirty="0">
+                <a:latin typeface="メイリオ" panose="020B0604030504040204" pitchFamily="50" charset="-128"/>
+                <a:ea typeface="メイリオ" panose="020B0604030504040204" pitchFamily="50" charset="-128"/>
+              </a:rPr>
+              <a:t>バグが潜在している可能性が低い</a:t>
+            </a:r>
+            <a:r>
+              <a:rPr lang="ja-JP" altLang="en-US" sz="2400" dirty="0" smtClean="0">
+                <a:latin typeface="メイリオ" panose="020B0604030504040204" pitchFamily="50" charset="-128"/>
+                <a:ea typeface="メイリオ" panose="020B0604030504040204" pitchFamily="50" charset="-128"/>
+              </a:rPr>
+              <a:t>」は</a:t>
+            </a:r>
+            <a:r>
+              <a:rPr lang="ja-JP" altLang="en-US" sz="2400" b="1" dirty="0" smtClean="0">
+                <a:latin typeface="メイリオ" panose="020B0604030504040204" pitchFamily="50" charset="-128"/>
+                <a:ea typeface="メイリオ" panose="020B0604030504040204" pitchFamily="50" charset="-128"/>
+              </a:rPr>
+              <a:t>「真」</a:t>
+            </a:r>
+            <a:endParaRPr lang="en-US" altLang="ja-JP" sz="2400" b="1" dirty="0" smtClean="0">
+              <a:latin typeface="メイリオ" panose="020B0604030504040204" pitchFamily="50" charset="-128"/>
+              <a:ea typeface="メイリオ" panose="020B0604030504040204" pitchFamily="50" charset="-128"/>
+            </a:endParaRPr>
+          </a:p>
+        </p:txBody>
+      </p:sp>
+      <p:sp>
+        <p:nvSpPr>
+          <p:cNvPr id="6" name="正方形/長方形 5"/>
+          <p:cNvSpPr/>
+          <p:nvPr/>
+        </p:nvSpPr>
+        <p:spPr>
+          <a:xfrm>
+            <a:off x="5086181" y="3201565"/>
+            <a:ext cx="6660545" cy="830997"/>
+          </a:xfrm>
+          <a:prstGeom prst="rect">
+            <a:avLst/>
+          </a:prstGeom>
+        </p:spPr>
+        <p:txBody>
+          <a:bodyPr wrap="square">
+            <a:spAutoFit/>
+          </a:bodyPr>
+          <a:lstStyle/>
+          <a:p>
+            <a:r>
+              <a:rPr lang="ja-JP" altLang="en-US" sz="2400" dirty="0">
+                <a:latin typeface="メイリオ" panose="020B0604030504040204" pitchFamily="50" charset="-128"/>
+                <a:ea typeface="メイリオ" panose="020B0604030504040204" pitchFamily="50" charset="-128"/>
+              </a:rPr>
+              <a:t>「テストケースが十分に網羅されている</a:t>
+            </a:r>
+            <a:r>
+              <a:rPr lang="ja-JP" altLang="en-US" sz="2400" dirty="0" smtClean="0">
+                <a:latin typeface="メイリオ" panose="020B0604030504040204" pitchFamily="50" charset="-128"/>
+                <a:ea typeface="メイリオ" panose="020B0604030504040204" pitchFamily="50" charset="-128"/>
+              </a:rPr>
+              <a:t>」</a:t>
+            </a:r>
+            <a:r>
+              <a:rPr lang="en-US" altLang="ja-JP" sz="2400" dirty="0" smtClean="0">
+                <a:latin typeface="メイリオ" panose="020B0604030504040204" pitchFamily="50" charset="-128"/>
+                <a:ea typeface="メイリオ" panose="020B0604030504040204" pitchFamily="50" charset="-128"/>
+              </a:rPr>
+              <a:t>=&gt; </a:t>
+            </a:r>
+            <a:r>
+              <a:rPr lang="ja-JP" altLang="en-US" sz="2400" dirty="0">
+                <a:latin typeface="メイリオ" panose="020B0604030504040204" pitchFamily="50" charset="-128"/>
+                <a:ea typeface="メイリオ" panose="020B0604030504040204" pitchFamily="50" charset="-128"/>
+              </a:rPr>
+              <a:t>「</a:t>
+            </a:r>
+            <a:r>
+              <a:rPr lang="ja-JP" altLang="en-US" sz="2400" u="sng" dirty="0">
+                <a:latin typeface="メイリオ" panose="020B0604030504040204" pitchFamily="50" charset="-128"/>
+                <a:ea typeface="メイリオ" panose="020B0604030504040204" pitchFamily="50" charset="-128"/>
+              </a:rPr>
+              <a:t>バグが潜在している可能性が低い</a:t>
+            </a:r>
+            <a:r>
+              <a:rPr lang="ja-JP" altLang="en-US" sz="2400" dirty="0" smtClean="0">
+                <a:latin typeface="メイリオ" panose="020B0604030504040204" pitchFamily="50" charset="-128"/>
+                <a:ea typeface="メイリオ" panose="020B0604030504040204" pitchFamily="50" charset="-128"/>
+              </a:rPr>
+              <a:t>」は</a:t>
+            </a:r>
+            <a:r>
+              <a:rPr lang="ja-JP" altLang="en-US" sz="2400" b="1" dirty="0">
+                <a:latin typeface="メイリオ" panose="020B0604030504040204" pitchFamily="50" charset="-128"/>
+                <a:ea typeface="メイリオ" panose="020B0604030504040204" pitchFamily="50" charset="-128"/>
+              </a:rPr>
+              <a:t>「偽」</a:t>
+            </a:r>
+          </a:p>
+        </p:txBody>
+      </p:sp>
+      <p:sp>
+        <p:nvSpPr>
+          <p:cNvPr id="7" name="正方形/長方形 6"/>
+          <p:cNvSpPr/>
+          <p:nvPr/>
+        </p:nvSpPr>
+        <p:spPr>
+          <a:xfrm>
+            <a:off x="5151116" y="4393313"/>
+            <a:ext cx="6753311" cy="1569660"/>
+          </a:xfrm>
+          <a:prstGeom prst="rect">
+            <a:avLst/>
+          </a:prstGeom>
+        </p:spPr>
+        <p:txBody>
+          <a:bodyPr wrap="square">
+            <a:spAutoFit/>
+          </a:bodyPr>
+          <a:lstStyle/>
+          <a:p>
+            <a:r>
+              <a:rPr lang="ja-JP" altLang="en-US" sz="2400" b="1" dirty="0">
+                <a:latin typeface="メイリオ" panose="020B0604030504040204" pitchFamily="50" charset="-128"/>
+                <a:ea typeface="メイリオ" panose="020B0604030504040204" pitchFamily="50" charset="-128"/>
+              </a:rPr>
+              <a:t> </a:t>
+            </a:r>
+            <a:r>
+              <a:rPr lang="ja-JP" altLang="en-US" sz="2400" b="1" dirty="0" smtClean="0">
+                <a:latin typeface="メイリオ" panose="020B0604030504040204" pitchFamily="50" charset="-128"/>
+                <a:ea typeface="メイリオ" panose="020B0604030504040204" pitchFamily="50" charset="-128"/>
+              </a:rPr>
+              <a:t> 反例</a:t>
+            </a:r>
+            <a:r>
+              <a:rPr lang="en-US" altLang="ja-JP" sz="2400" dirty="0" smtClean="0">
+                <a:latin typeface="メイリオ" panose="020B0604030504040204" pitchFamily="50" charset="-128"/>
+                <a:ea typeface="メイリオ" panose="020B0604030504040204" pitchFamily="50" charset="-128"/>
+              </a:rPr>
+              <a:t/>
+            </a:r>
+            <a:br>
+              <a:rPr lang="en-US" altLang="ja-JP" sz="2400" dirty="0" smtClean="0">
+                <a:latin typeface="メイリオ" panose="020B0604030504040204" pitchFamily="50" charset="-128"/>
+                <a:ea typeface="メイリオ" panose="020B0604030504040204" pitchFamily="50" charset="-128"/>
+              </a:rPr>
+            </a:br>
+            <a:r>
+              <a:rPr lang="ja-JP" altLang="en-US" sz="2400" dirty="0" smtClean="0">
+                <a:latin typeface="メイリオ" panose="020B0604030504040204" pitchFamily="50" charset="-128"/>
+                <a:ea typeface="メイリオ" panose="020B0604030504040204" pitchFamily="50" charset="-128"/>
+              </a:rPr>
+              <a:t>「</a:t>
+            </a:r>
+            <a:r>
+              <a:rPr lang="ja-JP" altLang="en-US" sz="2400" dirty="0">
+                <a:latin typeface="メイリオ" panose="020B0604030504040204" pitchFamily="50" charset="-128"/>
+                <a:ea typeface="メイリオ" panose="020B0604030504040204" pitchFamily="50" charset="-128"/>
+              </a:rPr>
+              <a:t>テストケースが十分に網羅されている」</a:t>
+            </a:r>
+            <a:r>
+              <a:rPr lang="ja-JP" altLang="en-US" sz="2400" dirty="0" smtClean="0">
+                <a:latin typeface="メイリオ" panose="020B0604030504040204" pitchFamily="50" charset="-128"/>
+                <a:ea typeface="メイリオ" panose="020B0604030504040204" pitchFamily="50" charset="-128"/>
+              </a:rPr>
+              <a:t>かつ</a:t>
+            </a:r>
+            <a:r>
+              <a:rPr lang="en-US" altLang="ja-JP" sz="2400" dirty="0" smtClean="0">
+                <a:latin typeface="メイリオ" panose="020B0604030504040204" pitchFamily="50" charset="-128"/>
+                <a:ea typeface="メイリオ" panose="020B0604030504040204" pitchFamily="50" charset="-128"/>
+              </a:rPr>
+              <a:t/>
+            </a:r>
+            <a:br>
+              <a:rPr lang="en-US" altLang="ja-JP" sz="2400" dirty="0" smtClean="0">
+                <a:latin typeface="メイリオ" panose="020B0604030504040204" pitchFamily="50" charset="-128"/>
+                <a:ea typeface="メイリオ" panose="020B0604030504040204" pitchFamily="50" charset="-128"/>
+              </a:rPr>
+            </a:br>
+            <a:r>
+              <a:rPr lang="ja-JP" altLang="en-US" sz="2400" dirty="0" smtClean="0">
+                <a:latin typeface="メイリオ" panose="020B0604030504040204" pitchFamily="50" charset="-128"/>
+                <a:ea typeface="メイリオ" panose="020B0604030504040204" pitchFamily="50" charset="-128"/>
+              </a:rPr>
+              <a:t>「</a:t>
+            </a:r>
+            <a:r>
+              <a:rPr lang="ja-JP" altLang="en-US" sz="2400" dirty="0">
+                <a:latin typeface="メイリオ" panose="020B0604030504040204" pitchFamily="50" charset="-128"/>
+                <a:ea typeface="メイリオ" panose="020B0604030504040204" pitchFamily="50" charset="-128"/>
+              </a:rPr>
+              <a:t>テストケースがバグを適切に検出できない</a:t>
+            </a:r>
+            <a:r>
+              <a:rPr lang="ja-JP" altLang="en-US" sz="2400" dirty="0" smtClean="0">
+                <a:latin typeface="メイリオ" panose="020B0604030504040204" pitchFamily="50" charset="-128"/>
+                <a:ea typeface="メイリオ" panose="020B0604030504040204" pitchFamily="50" charset="-128"/>
+              </a:rPr>
+              <a:t>」</a:t>
+            </a:r>
+            <a:r>
+              <a:rPr lang="en-US" altLang="ja-JP" sz="2400" dirty="0" smtClean="0">
+                <a:latin typeface="メイリオ" panose="020B0604030504040204" pitchFamily="50" charset="-128"/>
+                <a:ea typeface="メイリオ" panose="020B0604030504040204" pitchFamily="50" charset="-128"/>
+              </a:rPr>
+              <a:t/>
+            </a:r>
+            <a:br>
+              <a:rPr lang="en-US" altLang="ja-JP" sz="2400" dirty="0" smtClean="0">
+                <a:latin typeface="メイリオ" panose="020B0604030504040204" pitchFamily="50" charset="-128"/>
+                <a:ea typeface="メイリオ" panose="020B0604030504040204" pitchFamily="50" charset="-128"/>
+              </a:rPr>
+            </a:br>
+            <a:r>
+              <a:rPr lang="en-US" altLang="ja-JP" sz="2400" dirty="0" smtClean="0">
+                <a:latin typeface="メイリオ" panose="020B0604030504040204" pitchFamily="50" charset="-128"/>
+                <a:ea typeface="メイリオ" panose="020B0604030504040204" pitchFamily="50" charset="-128"/>
+              </a:rPr>
+              <a:t>  =&gt;</a:t>
+            </a:r>
+            <a:r>
+              <a:rPr lang="ja-JP" altLang="en-US" sz="2400" dirty="0" smtClean="0">
+                <a:latin typeface="メイリオ" panose="020B0604030504040204" pitchFamily="50" charset="-128"/>
+                <a:ea typeface="メイリオ" panose="020B0604030504040204" pitchFamily="50" charset="-128"/>
+              </a:rPr>
+              <a:t>「</a:t>
+            </a:r>
+            <a:r>
+              <a:rPr lang="ja-JP" altLang="en-US" sz="2400" u="sng" dirty="0">
+                <a:latin typeface="メイリオ" panose="020B0604030504040204" pitchFamily="50" charset="-128"/>
+                <a:ea typeface="メイリオ" panose="020B0604030504040204" pitchFamily="50" charset="-128"/>
+              </a:rPr>
+              <a:t>バグが潜在している可能性が高い</a:t>
+            </a:r>
+            <a:r>
+              <a:rPr lang="ja-JP" altLang="en-US" sz="2400" dirty="0">
+                <a:latin typeface="メイリオ" panose="020B0604030504040204" pitchFamily="50" charset="-128"/>
+                <a:ea typeface="メイリオ" panose="020B0604030504040204" pitchFamily="50" charset="-128"/>
+              </a:rPr>
+              <a:t>」</a:t>
+            </a:r>
+          </a:p>
+        </p:txBody>
+      </p:sp>
+    </p:spTree>
+    <p:extLst>
+      <p:ext uri="{BB962C8B-B14F-4D97-AF65-F5344CB8AC3E}">
+        <p14:creationId xmlns:p14="http://schemas.microsoft.com/office/powerpoint/2010/main" val="2082148348"/>
+      </p:ext>
+    </p:extLst>
+  </p:cSld>
+  <p:clrMapOvr>
+    <a:masterClrMapping/>
+  </p:clrMapOvr>
+</p:sld>
+</file>
+
+<file path=ppt/slides/slide38.xml><?xml version="1.0" encoding="utf-8"?>
 <p:sld xmlns:a="http://schemas.openxmlformats.org/drawingml/2006/main" xmlns:r="http://schemas.openxmlformats.org/officeDocument/2006/relationships" xmlns:p="http://schemas.openxmlformats.org/presentationml/2006/main">
   <p:cSld>
     <p:spTree>
@@ -34659,7 +35744,844 @@
 </p:sld>
 </file>
 
-<file path=ppt/slides/slide36.xml><?xml version="1.0" encoding="utf-8"?>
+<file path=ppt/slides/slide39.xml><?xml version="1.0" encoding="utf-8"?>
+<p:sld xmlns:a="http://schemas.openxmlformats.org/drawingml/2006/main" xmlns:r="http://schemas.openxmlformats.org/officeDocument/2006/relationships" xmlns:p="http://schemas.openxmlformats.org/presentationml/2006/main">
+  <p:cSld>
+    <p:spTree>
+      <p:nvGrpSpPr>
+        <p:cNvPr id="1" name=""/>
+        <p:cNvGrpSpPr/>
+        <p:nvPr/>
+      </p:nvGrpSpPr>
+      <p:grpSpPr>
+        <a:xfrm>
+          <a:off x="0" y="0"/>
+          <a:ext cx="0" cy="0"/>
+          <a:chOff x="0" y="0"/>
+          <a:chExt cx="0" cy="0"/>
+        </a:xfrm>
+      </p:grpSpPr>
+      <p:sp>
+        <p:nvSpPr>
+          <p:cNvPr id="3" name="タイトル 2"/>
+          <p:cNvSpPr>
+            <a:spLocks noGrp="1"/>
+          </p:cNvSpPr>
+          <p:nvPr>
+            <p:ph type="title"/>
+          </p:nvPr>
+        </p:nvSpPr>
+        <p:spPr>
+          <a:xfrm>
+            <a:off x="48179" y="219428"/>
+            <a:ext cx="8207699" cy="729386"/>
+          </a:xfrm>
+        </p:spPr>
+        <p:txBody>
+          <a:bodyPr>
+            <a:normAutofit fontScale="90000"/>
+          </a:bodyPr>
+          <a:lstStyle/>
+          <a:p>
+            <a:r>
+              <a:rPr lang="ja-JP" altLang="en-US" dirty="0"/>
+              <a:t>カバレッジ</a:t>
+            </a:r>
+            <a:r>
+              <a:rPr lang="ja-JP" altLang="en-US" dirty="0" smtClean="0"/>
+              <a:t>の目標値は何</a:t>
+            </a:r>
+            <a:r>
+              <a:rPr lang="en-US" altLang="ja-JP" dirty="0" smtClean="0"/>
+              <a:t>%</a:t>
+            </a:r>
+            <a:r>
+              <a:rPr lang="ja-JP" altLang="en-US" dirty="0" smtClean="0"/>
+              <a:t>にするべきなのか</a:t>
+            </a:r>
+            <a:r>
+              <a:rPr lang="en-US" altLang="ja-JP" dirty="0" smtClean="0"/>
+              <a:t>?</a:t>
+            </a:r>
+            <a:endParaRPr kumimoji="1" lang="ja-JP" altLang="en-US" dirty="0"/>
+          </a:p>
+        </p:txBody>
+      </p:sp>
+      <p:graphicFrame>
+        <p:nvGraphicFramePr>
+          <p:cNvPr id="4" name="表 3"/>
+          <p:cNvGraphicFramePr>
+            <a:graphicFrameLocks noGrp="1"/>
+          </p:cNvGraphicFramePr>
+          <p:nvPr>
+            <p:extLst>
+              <p:ext uri="{D42A27DB-BD31-4B8C-83A1-F6EECF244321}">
+                <p14:modId xmlns:p14="http://schemas.microsoft.com/office/powerpoint/2010/main" val="457173572"/>
+              </p:ext>
+            </p:extLst>
+          </p:nvPr>
+        </p:nvGraphicFramePr>
+        <p:xfrm>
+          <a:off x="1369848" y="2475185"/>
+          <a:ext cx="9387489" cy="2128344"/>
+        </p:xfrm>
+        <a:graphic>
+          <a:graphicData uri="http://schemas.openxmlformats.org/drawingml/2006/table">
+            <a:tbl>
+              <a:tblPr firstRow="1" bandRow="1">
+                <a:tableStyleId>{5C22544A-7EE6-4342-B048-85BDC9FD1C3A}</a:tableStyleId>
+              </a:tblPr>
+              <a:tblGrid>
+                <a:gridCol w="3129163">
+                  <a:extLst>
+                    <a:ext uri="{9D8B030D-6E8A-4147-A177-3AD203B41FA5}">
+                      <a16:colId xmlns:a16="http://schemas.microsoft.com/office/drawing/2014/main" val="3081703943"/>
+                    </a:ext>
+                  </a:extLst>
+                </a:gridCol>
+                <a:gridCol w="3129163">
+                  <a:extLst>
+                    <a:ext uri="{9D8B030D-6E8A-4147-A177-3AD203B41FA5}">
+                      <a16:colId xmlns:a16="http://schemas.microsoft.com/office/drawing/2014/main" val="1346971037"/>
+                    </a:ext>
+                  </a:extLst>
+                </a:gridCol>
+                <a:gridCol w="3129163">
+                  <a:extLst>
+                    <a:ext uri="{9D8B030D-6E8A-4147-A177-3AD203B41FA5}">
+                      <a16:colId xmlns:a16="http://schemas.microsoft.com/office/drawing/2014/main" val="3631343340"/>
+                    </a:ext>
+                  </a:extLst>
+                </a:gridCol>
+              </a:tblGrid>
+              <a:tr h="709448">
+                <a:tc>
+                  <a:txBody>
+                    <a:bodyPr/>
+                    <a:lstStyle/>
+                    <a:p>
+                      <a:r>
+                        <a:rPr kumimoji="1" lang="ja-JP" altLang="en-US" sz="2400" dirty="0" smtClean="0">
+                          <a:latin typeface="メイリオ" panose="020B0604030504040204" pitchFamily="50" charset="-128"/>
+                          <a:ea typeface="メイリオ" panose="020B0604030504040204" pitchFamily="50" charset="-128"/>
+                        </a:rPr>
+                        <a:t>提唱者</a:t>
+                      </a:r>
+                      <a:endParaRPr kumimoji="1" lang="ja-JP" altLang="en-US" sz="2400" dirty="0">
+                        <a:latin typeface="メイリオ" panose="020B0604030504040204" pitchFamily="50" charset="-128"/>
+                        <a:ea typeface="メイリオ" panose="020B0604030504040204" pitchFamily="50" charset="-128"/>
+                      </a:endParaRPr>
+                    </a:p>
+                  </a:txBody>
+                  <a:tcPr/>
+                </a:tc>
+                <a:tc>
+                  <a:txBody>
+                    <a:bodyPr/>
+                    <a:lstStyle/>
+                    <a:p>
+                      <a:r>
+                        <a:rPr kumimoji="1" lang="ja-JP" altLang="en-US" sz="2400" dirty="0" smtClean="0">
+                          <a:latin typeface="メイリオ" panose="020B0604030504040204" pitchFamily="50" charset="-128"/>
+                          <a:ea typeface="メイリオ" panose="020B0604030504040204" pitchFamily="50" charset="-128"/>
+                        </a:rPr>
+                        <a:t>カバレッジの種類</a:t>
+                      </a:r>
+                      <a:endParaRPr kumimoji="1" lang="ja-JP" altLang="en-US" sz="2400" dirty="0">
+                        <a:latin typeface="メイリオ" panose="020B0604030504040204" pitchFamily="50" charset="-128"/>
+                        <a:ea typeface="メイリオ" panose="020B0604030504040204" pitchFamily="50" charset="-128"/>
+                      </a:endParaRPr>
+                    </a:p>
+                  </a:txBody>
+                  <a:tcPr/>
+                </a:tc>
+                <a:tc>
+                  <a:txBody>
+                    <a:bodyPr/>
+                    <a:lstStyle/>
+                    <a:p>
+                      <a:r>
+                        <a:rPr kumimoji="1" lang="ja-JP" altLang="en-US" sz="2400" dirty="0" smtClean="0">
+                          <a:latin typeface="メイリオ" panose="020B0604030504040204" pitchFamily="50" charset="-128"/>
+                          <a:ea typeface="メイリオ" panose="020B0604030504040204" pitchFamily="50" charset="-128"/>
+                        </a:rPr>
+                        <a:t>目標値</a:t>
+                      </a:r>
+                      <a:endParaRPr kumimoji="1" lang="ja-JP" altLang="en-US" sz="2400" dirty="0">
+                        <a:latin typeface="メイリオ" panose="020B0604030504040204" pitchFamily="50" charset="-128"/>
+                        <a:ea typeface="メイリオ" panose="020B0604030504040204" pitchFamily="50" charset="-128"/>
+                      </a:endParaRPr>
+                    </a:p>
+                  </a:txBody>
+                  <a:tcPr/>
+                </a:tc>
+                <a:extLst>
+                  <a:ext uri="{0D108BD9-81ED-4DB2-BD59-A6C34878D82A}">
+                    <a16:rowId xmlns:a16="http://schemas.microsoft.com/office/drawing/2014/main" val="638895919"/>
+                  </a:ext>
+                </a:extLst>
+              </a:tr>
+              <a:tr h="709448">
+                <a:tc>
+                  <a:txBody>
+                    <a:bodyPr/>
+                    <a:lstStyle/>
+                    <a:p>
+                      <a:r>
+                        <a:rPr kumimoji="1" lang="en-US" altLang="ja-JP" sz="2400" dirty="0" smtClean="0">
+                          <a:latin typeface="メイリオ" panose="020B0604030504040204" pitchFamily="50" charset="-128"/>
+                          <a:ea typeface="メイリオ" panose="020B0604030504040204" pitchFamily="50" charset="-128"/>
+                        </a:rPr>
+                        <a:t>Google</a:t>
+                      </a:r>
+                      <a:r>
+                        <a:rPr kumimoji="1" lang="ja-JP" altLang="en-US" sz="2400" dirty="0" smtClean="0">
+                          <a:latin typeface="メイリオ" panose="020B0604030504040204" pitchFamily="50" charset="-128"/>
+                          <a:ea typeface="メイリオ" panose="020B0604030504040204" pitchFamily="50" charset="-128"/>
+                        </a:rPr>
+                        <a:t>の開発チーム</a:t>
+                      </a:r>
+                      <a:endParaRPr kumimoji="1" lang="ja-JP" altLang="en-US" sz="2400" dirty="0">
+                        <a:latin typeface="メイリオ" panose="020B0604030504040204" pitchFamily="50" charset="-128"/>
+                        <a:ea typeface="メイリオ" panose="020B0604030504040204" pitchFamily="50" charset="-128"/>
+                      </a:endParaRPr>
+                    </a:p>
+                  </a:txBody>
+                  <a:tcPr/>
+                </a:tc>
+                <a:tc>
+                  <a:txBody>
+                    <a:bodyPr/>
+                    <a:lstStyle/>
+                    <a:p>
+                      <a:pPr algn="ctr"/>
+                      <a:r>
+                        <a:rPr kumimoji="1" lang="ja-JP" altLang="en-US" sz="2400" dirty="0" smtClean="0">
+                          <a:latin typeface="メイリオ" panose="020B0604030504040204" pitchFamily="50" charset="-128"/>
+                          <a:ea typeface="メイリオ" panose="020B0604030504040204" pitchFamily="50" charset="-128"/>
+                        </a:rPr>
+                        <a:t>命令網羅率 </a:t>
+                      </a:r>
+                      <a:r>
+                        <a:rPr kumimoji="1" lang="en-US" altLang="ja-JP" sz="2400" dirty="0" smtClean="0">
+                          <a:latin typeface="メイリオ" panose="020B0604030504040204" pitchFamily="50" charset="-128"/>
+                          <a:ea typeface="メイリオ" panose="020B0604030504040204" pitchFamily="50" charset="-128"/>
+                        </a:rPr>
+                        <a:t>C0</a:t>
+                      </a:r>
+                      <a:endParaRPr kumimoji="1" lang="ja-JP" altLang="en-US" sz="2400" dirty="0">
+                        <a:latin typeface="メイリオ" panose="020B0604030504040204" pitchFamily="50" charset="-128"/>
+                        <a:ea typeface="メイリオ" panose="020B0604030504040204" pitchFamily="50" charset="-128"/>
+                      </a:endParaRPr>
+                    </a:p>
+                  </a:txBody>
+                  <a:tcPr/>
+                </a:tc>
+                <a:tc>
+                  <a:txBody>
+                    <a:bodyPr/>
+                    <a:lstStyle/>
+                    <a:p>
+                      <a:pPr algn="r"/>
+                      <a:r>
+                        <a:rPr kumimoji="1" lang="en-US" altLang="ja-JP" sz="2400" dirty="0" smtClean="0">
+                          <a:latin typeface="メイリオ" panose="020B0604030504040204" pitchFamily="50" charset="-128"/>
+                          <a:ea typeface="メイリオ" panose="020B0604030504040204" pitchFamily="50" charset="-128"/>
+                        </a:rPr>
+                        <a:t>85%+</a:t>
+                      </a:r>
+                      <a:endParaRPr kumimoji="1" lang="ja-JP" altLang="en-US" sz="2400" dirty="0">
+                        <a:latin typeface="メイリオ" panose="020B0604030504040204" pitchFamily="50" charset="-128"/>
+                        <a:ea typeface="メイリオ" panose="020B0604030504040204" pitchFamily="50" charset="-128"/>
+                      </a:endParaRPr>
+                    </a:p>
+                  </a:txBody>
+                  <a:tcPr/>
+                </a:tc>
+                <a:extLst>
+                  <a:ext uri="{0D108BD9-81ED-4DB2-BD59-A6C34878D82A}">
+                    <a16:rowId xmlns:a16="http://schemas.microsoft.com/office/drawing/2014/main" val="1339267419"/>
+                  </a:ext>
+                </a:extLst>
+              </a:tr>
+              <a:tr h="709448">
+                <a:tc>
+                  <a:txBody>
+                    <a:bodyPr/>
+                    <a:lstStyle/>
+                    <a:p>
+                      <a:r>
+                        <a:rPr kumimoji="1" lang="en-US" altLang="ja-JP" sz="2400" dirty="0" smtClean="0">
+                          <a:latin typeface="メイリオ" panose="020B0604030504040204" pitchFamily="50" charset="-128"/>
+                          <a:ea typeface="メイリオ" panose="020B0604030504040204" pitchFamily="50" charset="-128"/>
+                        </a:rPr>
+                        <a:t>Martin </a:t>
+                      </a:r>
+                      <a:r>
+                        <a:rPr kumimoji="1" lang="en-US" altLang="ja-JP" sz="2400" dirty="0" err="1" smtClean="0">
+                          <a:latin typeface="メイリオ" panose="020B0604030504040204" pitchFamily="50" charset="-128"/>
+                          <a:ea typeface="メイリオ" panose="020B0604030504040204" pitchFamily="50" charset="-128"/>
+                        </a:rPr>
+                        <a:t>Fowle</a:t>
+                      </a:r>
+                      <a:r>
+                        <a:rPr kumimoji="1" lang="ja-JP" altLang="en-US" sz="2400" dirty="0" smtClean="0">
+                          <a:latin typeface="メイリオ" panose="020B0604030504040204" pitchFamily="50" charset="-128"/>
+                          <a:ea typeface="メイリオ" panose="020B0604030504040204" pitchFamily="50" charset="-128"/>
+                        </a:rPr>
+                        <a:t>氏</a:t>
+                      </a:r>
+                      <a:endParaRPr kumimoji="1" lang="ja-JP" altLang="en-US" sz="2400" dirty="0">
+                        <a:latin typeface="メイリオ" panose="020B0604030504040204" pitchFamily="50" charset="-128"/>
+                        <a:ea typeface="メイリオ" panose="020B0604030504040204" pitchFamily="50" charset="-128"/>
+                      </a:endParaRPr>
+                    </a:p>
+                  </a:txBody>
+                  <a:tcPr/>
+                </a:tc>
+                <a:tc>
+                  <a:txBody>
+                    <a:bodyPr/>
+                    <a:lstStyle/>
+                    <a:p>
+                      <a:pPr algn="ctr"/>
+                      <a:r>
+                        <a:rPr kumimoji="1" lang="ja-JP" altLang="en-US" sz="2400" dirty="0" smtClean="0">
+                          <a:latin typeface="メイリオ" panose="020B0604030504040204" pitchFamily="50" charset="-128"/>
+                          <a:ea typeface="メイリオ" panose="020B0604030504040204" pitchFamily="50" charset="-128"/>
+                        </a:rPr>
+                        <a:t>不明</a:t>
+                      </a:r>
+                      <a:endParaRPr kumimoji="1" lang="ja-JP" altLang="en-US" sz="2400" dirty="0">
+                        <a:latin typeface="メイリオ" panose="020B0604030504040204" pitchFamily="50" charset="-128"/>
+                        <a:ea typeface="メイリオ" panose="020B0604030504040204" pitchFamily="50" charset="-128"/>
+                      </a:endParaRPr>
+                    </a:p>
+                  </a:txBody>
+                  <a:tcPr/>
+                </a:tc>
+                <a:tc>
+                  <a:txBody>
+                    <a:bodyPr/>
+                    <a:lstStyle/>
+                    <a:p>
+                      <a:pPr algn="r"/>
+                      <a:r>
+                        <a:rPr kumimoji="1" lang="en-US" altLang="ja-JP" sz="2400" dirty="0" smtClean="0">
+                          <a:latin typeface="メイリオ" panose="020B0604030504040204" pitchFamily="50" charset="-128"/>
+                          <a:ea typeface="メイリオ" panose="020B0604030504040204" pitchFamily="50" charset="-128"/>
+                        </a:rPr>
+                        <a:t>85% - 99%</a:t>
+                      </a:r>
+                      <a:endParaRPr kumimoji="1" lang="ja-JP" altLang="en-US" sz="2400" dirty="0">
+                        <a:latin typeface="メイリオ" panose="020B0604030504040204" pitchFamily="50" charset="-128"/>
+                        <a:ea typeface="メイリオ" panose="020B0604030504040204" pitchFamily="50" charset="-128"/>
+                      </a:endParaRPr>
+                    </a:p>
+                  </a:txBody>
+                  <a:tcPr/>
+                </a:tc>
+                <a:extLst>
+                  <a:ext uri="{0D108BD9-81ED-4DB2-BD59-A6C34878D82A}">
+                    <a16:rowId xmlns:a16="http://schemas.microsoft.com/office/drawing/2014/main" val="2270194165"/>
+                  </a:ext>
+                </a:extLst>
+              </a:tr>
+            </a:tbl>
+          </a:graphicData>
+        </a:graphic>
+      </p:graphicFrame>
+    </p:spTree>
+    <p:extLst>
+      <p:ext uri="{BB962C8B-B14F-4D97-AF65-F5344CB8AC3E}">
+        <p14:creationId xmlns:p14="http://schemas.microsoft.com/office/powerpoint/2010/main" val="1943180411"/>
+      </p:ext>
+    </p:extLst>
+  </p:cSld>
+  <p:clrMapOvr>
+    <a:masterClrMapping/>
+  </p:clrMapOvr>
+</p:sld>
+</file>
+
+<file path=ppt/slides/slide4.xml><?xml version="1.0" encoding="utf-8"?>
+<p:sld xmlns:a="http://schemas.openxmlformats.org/drawingml/2006/main" xmlns:r="http://schemas.openxmlformats.org/officeDocument/2006/relationships" xmlns:p="http://schemas.openxmlformats.org/presentationml/2006/main">
+  <p:cSld>
+    <p:spTree>
+      <p:nvGrpSpPr>
+        <p:cNvPr id="1" name=""/>
+        <p:cNvGrpSpPr/>
+        <p:nvPr/>
+      </p:nvGrpSpPr>
+      <p:grpSpPr>
+        <a:xfrm>
+          <a:off x="0" y="0"/>
+          <a:ext cx="0" cy="0"/>
+          <a:chOff x="0" y="0"/>
+          <a:chExt cx="0" cy="0"/>
+        </a:xfrm>
+      </p:grpSpPr>
+      <p:sp>
+        <p:nvSpPr>
+          <p:cNvPr id="2" name="タイトル 1"/>
+          <p:cNvSpPr>
+            <a:spLocks noGrp="1"/>
+          </p:cNvSpPr>
+          <p:nvPr>
+            <p:ph type="title"/>
+          </p:nvPr>
+        </p:nvSpPr>
+        <p:spPr>
+          <a:xfrm>
+            <a:off x="192102" y="219428"/>
+            <a:ext cx="5608931" cy="729386"/>
+          </a:xfrm>
+        </p:spPr>
+        <p:txBody>
+          <a:bodyPr/>
+          <a:lstStyle/>
+          <a:p>
+            <a:r>
+              <a:rPr kumimoji="1" lang="ja-JP" altLang="en-US" dirty="0" smtClean="0">
+                <a:solidFill>
+                  <a:schemeClr val="bg1"/>
+                </a:solidFill>
+              </a:rPr>
+              <a:t>自動生成ツールにおける課題</a:t>
+            </a:r>
+            <a:endParaRPr kumimoji="1" lang="ja-JP" altLang="en-US" dirty="0">
+              <a:solidFill>
+                <a:schemeClr val="bg1"/>
+              </a:solidFill>
+            </a:endParaRPr>
+          </a:p>
+        </p:txBody>
+      </p:sp>
+      <p:sp>
+        <p:nvSpPr>
+          <p:cNvPr id="4" name="コンテンツ プレースホルダー 2"/>
+          <p:cNvSpPr>
+            <a:spLocks noGrp="1"/>
+          </p:cNvSpPr>
+          <p:nvPr>
+            <p:ph idx="1"/>
+          </p:nvPr>
+        </p:nvSpPr>
+        <p:spPr>
+          <a:xfrm>
+            <a:off x="913333" y="1409665"/>
+            <a:ext cx="10601150" cy="3559023"/>
+          </a:xfrm>
+        </p:spPr>
+        <p:txBody>
+          <a:bodyPr>
+            <a:normAutofit/>
+          </a:bodyPr>
+          <a:lstStyle/>
+          <a:p>
+            <a:pPr marL="0" indent="0">
+              <a:buNone/>
+            </a:pPr>
+            <a:r>
+              <a:rPr lang="ja-JP" altLang="en-US" sz="3000" dirty="0"/>
+              <a:t>自動生成されたテストコード</a:t>
+            </a:r>
+            <a:r>
+              <a:rPr lang="ja-JP" altLang="en-US" sz="3000" dirty="0" smtClean="0"/>
+              <a:t>は、保守</a:t>
+            </a:r>
+            <a:r>
+              <a:rPr lang="ja-JP" altLang="en-US" sz="3000" dirty="0"/>
+              <a:t>作業を困難にする</a:t>
+            </a:r>
+            <a:r>
+              <a:rPr lang="en-US" altLang="ja-JP" sz="3000" dirty="0" smtClean="0"/>
+              <a:t>[2]</a:t>
+            </a:r>
+          </a:p>
+          <a:p>
+            <a:pPr lvl="1"/>
+            <a:endParaRPr lang="en-US" altLang="ja-JP" sz="800" dirty="0"/>
+          </a:p>
+          <a:p>
+            <a:pPr lvl="1"/>
+            <a:r>
+              <a:rPr lang="ja-JP" altLang="en-US" sz="2800" dirty="0" smtClean="0"/>
+              <a:t>対象コードの</a:t>
+            </a:r>
+            <a:r>
+              <a:rPr lang="ja-JP" altLang="en-US" sz="2800" dirty="0" smtClean="0">
+                <a:solidFill>
+                  <a:srgbClr val="FF0000"/>
+                </a:solidFill>
+              </a:rPr>
+              <a:t>作成経緯</a:t>
+            </a:r>
+            <a:r>
+              <a:rPr lang="ja-JP" altLang="en-US" sz="2800" dirty="0">
+                <a:solidFill>
+                  <a:srgbClr val="FF0000"/>
+                </a:solidFill>
+              </a:rPr>
+              <a:t>や意図に基づいて生成されて</a:t>
+            </a:r>
+            <a:r>
+              <a:rPr lang="ja-JP" altLang="en-US" sz="2800" dirty="0" smtClean="0">
+                <a:solidFill>
+                  <a:srgbClr val="FF0000"/>
+                </a:solidFill>
+              </a:rPr>
+              <a:t>いない</a:t>
+            </a:r>
+            <a:r>
+              <a:rPr lang="en-US" altLang="ja-JP" sz="2800" dirty="0" smtClean="0">
+                <a:solidFill>
+                  <a:srgbClr val="FF0000"/>
+                </a:solidFill>
+              </a:rPr>
+              <a:t/>
+            </a:r>
+            <a:br>
+              <a:rPr lang="en-US" altLang="ja-JP" sz="2800" dirty="0" smtClean="0">
+                <a:solidFill>
+                  <a:srgbClr val="FF0000"/>
+                </a:solidFill>
+              </a:rPr>
+            </a:br>
+            <a:endParaRPr lang="en-US" altLang="ja-JP" sz="600" dirty="0"/>
+          </a:p>
+          <a:p>
+            <a:pPr lvl="1"/>
+            <a:r>
+              <a:rPr lang="ja-JP" altLang="en-US" sz="2800" dirty="0" smtClean="0"/>
+              <a:t>テストコードの保守に悪影響を与える</a:t>
+            </a:r>
+            <a:r>
+              <a:rPr lang="ja-JP" altLang="en-US" sz="2800" dirty="0" smtClean="0">
+                <a:solidFill>
+                  <a:srgbClr val="FF0000"/>
+                </a:solidFill>
+              </a:rPr>
+              <a:t>テストスメルが多い</a:t>
+            </a:r>
+            <a:endParaRPr lang="en-US" altLang="ja-JP" sz="2800" dirty="0">
+              <a:solidFill>
+                <a:srgbClr val="FF0000"/>
+              </a:solidFill>
+            </a:endParaRPr>
+          </a:p>
+          <a:p>
+            <a:pPr lvl="1"/>
+            <a:endParaRPr lang="en-US" altLang="ja-JP" sz="2800" dirty="0" smtClean="0">
+              <a:solidFill>
+                <a:srgbClr val="FF0000"/>
+              </a:solidFill>
+            </a:endParaRPr>
+          </a:p>
+          <a:p>
+            <a:pPr lvl="1"/>
+            <a:endParaRPr lang="en-US" altLang="ja-JP" sz="1400" dirty="0" smtClean="0">
+              <a:solidFill>
+                <a:srgbClr val="FF0000"/>
+              </a:solidFill>
+            </a:endParaRPr>
+          </a:p>
+          <a:p>
+            <a:pPr marL="457200" lvl="1" indent="0">
+              <a:buNone/>
+            </a:pPr>
+            <a:r>
+              <a:rPr lang="ja-JP" altLang="en-US" sz="2800" dirty="0" smtClean="0"/>
+              <a:t>　　　　　</a:t>
+            </a:r>
+            <a:r>
+              <a:rPr lang="ja-JP" altLang="en-US" sz="2800" u="sng" dirty="0" smtClean="0"/>
+              <a:t>テスト</a:t>
+            </a:r>
+            <a:r>
+              <a:rPr lang="ja-JP" altLang="en-US" sz="2800" u="sng" dirty="0"/>
+              <a:t>失敗</a:t>
+            </a:r>
+            <a:r>
+              <a:rPr lang="ja-JP" altLang="en-US" sz="2800" u="sng" dirty="0" smtClean="0"/>
+              <a:t>の原因を特定するのが難しい</a:t>
+            </a:r>
+            <a:endParaRPr lang="ja-JP" altLang="en-US" sz="2800" u="sng" dirty="0"/>
+          </a:p>
+          <a:p>
+            <a:pPr lvl="1"/>
+            <a:endParaRPr lang="en-US" altLang="ja-JP" sz="2800" dirty="0">
+              <a:solidFill>
+                <a:srgbClr val="FF0000"/>
+              </a:solidFill>
+            </a:endParaRPr>
+          </a:p>
+          <a:p>
+            <a:pPr lvl="1"/>
+            <a:endParaRPr lang="ja-JP" altLang="en-US" sz="2800" dirty="0" smtClean="0">
+              <a:solidFill>
+                <a:srgbClr val="FF0000"/>
+              </a:solidFill>
+            </a:endParaRPr>
+          </a:p>
+          <a:p>
+            <a:pPr marL="457200" lvl="1" indent="0">
+              <a:buNone/>
+            </a:pPr>
+            <a:endParaRPr lang="en-US" altLang="ja-JP" sz="2800" dirty="0"/>
+          </a:p>
+          <a:p>
+            <a:pPr lvl="1"/>
+            <a:endParaRPr kumimoji="1" lang="ja-JP" altLang="en-US" dirty="0"/>
+          </a:p>
+        </p:txBody>
+      </p:sp>
+      <p:sp>
+        <p:nvSpPr>
+          <p:cNvPr id="5" name="Rectangle 4"/>
+          <p:cNvSpPr>
+            <a:spLocks noChangeArrowheads="1"/>
+          </p:cNvSpPr>
+          <p:nvPr/>
+        </p:nvSpPr>
+        <p:spPr bwMode="auto">
+          <a:xfrm>
+            <a:off x="1043518" y="5981522"/>
+            <a:ext cx="10078064" cy="461665"/>
+          </a:xfrm>
+          <a:prstGeom prst="rect">
+            <a:avLst/>
+          </a:prstGeom>
+          <a:ln>
+            <a:headEnd/>
+            <a:tailEnd/>
+          </a:ln>
+        </p:spPr>
+        <p:style>
+          <a:lnRef idx="2">
+            <a:schemeClr val="dk1"/>
+          </a:lnRef>
+          <a:fillRef idx="1">
+            <a:schemeClr val="lt1"/>
+          </a:fillRef>
+          <a:effectRef idx="0">
+            <a:schemeClr val="dk1"/>
+          </a:effectRef>
+          <a:fontRef idx="minor">
+            <a:schemeClr val="dk1"/>
+          </a:fontRef>
+        </p:style>
+        <p:txBody>
+          <a:bodyPr wrap="square">
+            <a:spAutoFit/>
+          </a:bodyPr>
+          <a:lstStyle/>
+          <a:p>
+            <a:pPr>
+              <a:defRPr/>
+            </a:pPr>
+            <a:r>
+              <a:rPr lang="en-US" altLang="ja-JP" sz="1200" dirty="0" smtClean="0">
+                <a:solidFill>
+                  <a:schemeClr val="tx2"/>
+                </a:solidFill>
+              </a:rPr>
+              <a:t>[2] </a:t>
+            </a:r>
+            <a:r>
+              <a:rPr lang="en-US" altLang="ja-JP" sz="1200" dirty="0" smtClean="0">
+                <a:solidFill>
+                  <a:schemeClr val="tx2"/>
+                </a:solidFill>
+              </a:rPr>
+              <a:t>S</a:t>
+            </a:r>
+            <a:r>
+              <a:rPr lang="en-US" altLang="ja-JP" sz="1200" dirty="0">
+                <a:solidFill>
+                  <a:schemeClr val="tx2"/>
+                </a:solidFill>
+              </a:rPr>
+              <a:t>. </a:t>
+            </a:r>
+            <a:r>
+              <a:rPr lang="en-US" altLang="ja-JP" sz="1200" dirty="0" err="1">
+                <a:solidFill>
+                  <a:schemeClr val="tx2"/>
+                </a:solidFill>
+              </a:rPr>
+              <a:t>Shamshiri</a:t>
+            </a:r>
+            <a:r>
+              <a:rPr lang="en-US" altLang="ja-JP" sz="1200" dirty="0">
+                <a:solidFill>
+                  <a:schemeClr val="tx2"/>
+                </a:solidFill>
+              </a:rPr>
+              <a:t>, J. M. Rojas, J. P. </a:t>
+            </a:r>
+            <a:r>
+              <a:rPr lang="en-US" altLang="ja-JP" sz="1200" dirty="0" err="1">
+                <a:solidFill>
+                  <a:schemeClr val="tx2"/>
+                </a:solidFill>
+              </a:rPr>
+              <a:t>Galeotti</a:t>
+            </a:r>
+            <a:r>
+              <a:rPr lang="en-US" altLang="ja-JP" sz="1200" dirty="0">
+                <a:solidFill>
+                  <a:schemeClr val="tx2"/>
+                </a:solidFill>
+              </a:rPr>
+              <a:t>, N. Walkinshaw, and G. Fraser. How do automatically generated unit tests inﬂuence software maintenance? In </a:t>
+            </a:r>
+            <a:r>
+              <a:rPr lang="en-US" altLang="ja-JP" sz="1200" i="1" dirty="0">
+                <a:solidFill>
+                  <a:schemeClr val="tx2"/>
+                </a:solidFill>
+              </a:rPr>
+              <a:t>Proceedings of the International Conference on Software Testing, Veriﬁcation and Validation (ICST)</a:t>
+            </a:r>
+            <a:r>
+              <a:rPr lang="en-US" altLang="ja-JP" sz="1200" dirty="0">
+                <a:solidFill>
+                  <a:schemeClr val="tx2"/>
+                </a:solidFill>
+              </a:rPr>
+              <a:t>, pages 250–261, 2018..</a:t>
+            </a:r>
+            <a:endParaRPr lang="en-US" altLang="ja-JP" sz="1200" dirty="0">
+              <a:solidFill>
+                <a:schemeClr val="tx2"/>
+              </a:solidFill>
+            </a:endParaRPr>
+          </a:p>
+        </p:txBody>
+      </p:sp>
+      <p:sp>
+        <p:nvSpPr>
+          <p:cNvPr id="6" name="フローチャート: 組合せ 5"/>
+          <p:cNvSpPr/>
+          <p:nvPr/>
+        </p:nvSpPr>
+        <p:spPr>
+          <a:xfrm>
+            <a:off x="4118742" y="3136669"/>
+            <a:ext cx="3927616" cy="411133"/>
+          </a:xfrm>
+          <a:prstGeom prst="flowChartMerge">
+            <a:avLst/>
+          </a:prstGeom>
+          <a:ln/>
+        </p:spPr>
+        <p:style>
+          <a:lnRef idx="1">
+            <a:schemeClr val="accent3"/>
+          </a:lnRef>
+          <a:fillRef idx="2">
+            <a:schemeClr val="accent3"/>
+          </a:fillRef>
+          <a:effectRef idx="1">
+            <a:schemeClr val="accent3"/>
+          </a:effectRef>
+          <a:fontRef idx="minor">
+            <a:schemeClr val="dk1"/>
+          </a:fontRef>
+        </p:style>
+        <p:txBody>
+          <a:bodyPr rtlCol="0" anchor="ctr"/>
+          <a:lstStyle/>
+          <a:p>
+            <a:pPr algn="ctr"/>
+            <a:endParaRPr kumimoji="1" lang="ja-JP" altLang="en-US" dirty="0"/>
+          </a:p>
+        </p:txBody>
+      </p:sp>
+      <p:sp>
+        <p:nvSpPr>
+          <p:cNvPr id="7" name="フローチャート: 代替処理 6"/>
+          <p:cNvSpPr/>
+          <p:nvPr/>
+        </p:nvSpPr>
+        <p:spPr>
+          <a:xfrm>
+            <a:off x="1460959" y="4492556"/>
+            <a:ext cx="9243182" cy="1005877"/>
+          </a:xfrm>
+          <a:prstGeom prst="flowChartAlternateProcess">
+            <a:avLst/>
+          </a:prstGeom>
+          <a:ln w="6350"/>
+        </p:spPr>
+        <p:style>
+          <a:lnRef idx="1">
+            <a:schemeClr val="accent4"/>
+          </a:lnRef>
+          <a:fillRef idx="2">
+            <a:schemeClr val="accent4"/>
+          </a:fillRef>
+          <a:effectRef idx="1">
+            <a:schemeClr val="accent4"/>
+          </a:effectRef>
+          <a:fontRef idx="minor">
+            <a:schemeClr val="dk1"/>
+          </a:fontRef>
+        </p:style>
+        <p:txBody>
+          <a:bodyPr rtlCol="0" anchor="ctr"/>
+          <a:lstStyle/>
+          <a:p>
+            <a:r>
+              <a:rPr lang="ja-JP" altLang="en-US" sz="2800" dirty="0" smtClean="0">
+                <a:latin typeface="メイリオ" panose="020B0604030504040204" pitchFamily="50" charset="-128"/>
+                <a:ea typeface="メイリオ" panose="020B0604030504040204" pitchFamily="50" charset="-128"/>
+              </a:rPr>
+              <a:t>理解</a:t>
+            </a:r>
+            <a:r>
+              <a:rPr lang="ja-JP" altLang="en-US" sz="2800" dirty="0">
+                <a:latin typeface="メイリオ" panose="020B0604030504040204" pitchFamily="50" charset="-128"/>
+                <a:ea typeface="メイリオ" panose="020B0604030504040204" pitchFamily="50" charset="-128"/>
+              </a:rPr>
+              <a:t>しやすく良質なテストコードを作成する必要が</a:t>
+            </a:r>
+            <a:r>
+              <a:rPr lang="ja-JP" altLang="en-US" sz="2800" dirty="0" smtClean="0">
+                <a:latin typeface="メイリオ" panose="020B0604030504040204" pitchFamily="50" charset="-128"/>
+                <a:ea typeface="メイリオ" panose="020B0604030504040204" pitchFamily="50" charset="-128"/>
+              </a:rPr>
+              <a:t>ある</a:t>
+            </a:r>
+            <a:endParaRPr lang="ja-JP" altLang="en-US" sz="2800" dirty="0">
+              <a:latin typeface="メイリオ" panose="020B0604030504040204" pitchFamily="50" charset="-128"/>
+              <a:ea typeface="メイリオ" panose="020B0604030504040204" pitchFamily="50" charset="-128"/>
+            </a:endParaRPr>
+          </a:p>
+        </p:txBody>
+      </p:sp>
+    </p:spTree>
+    <p:extLst>
+      <p:ext uri="{BB962C8B-B14F-4D97-AF65-F5344CB8AC3E}">
+        <p14:creationId xmlns:p14="http://schemas.microsoft.com/office/powerpoint/2010/main" val="3663765090"/>
+      </p:ext>
+    </p:extLst>
+  </p:cSld>
+  <p:clrMapOvr>
+    <a:masterClrMapping/>
+  </p:clrMapOvr>
+  <p:timing>
+    <p:tnLst>
+      <p:par>
+        <p:cTn id="1" dur="indefinite" restart="never" nodeType="tmRoot"/>
+      </p:par>
+    </p:tnLst>
+  </p:timing>
+</p:sld>
+</file>
+
+<file path=ppt/slides/slide40.xml><?xml version="1.0" encoding="utf-8"?>
 <p:sld xmlns:a="http://schemas.openxmlformats.org/drawingml/2006/main" xmlns:r="http://schemas.openxmlformats.org/officeDocument/2006/relationships" xmlns:p="http://schemas.openxmlformats.org/presentationml/2006/main">
   <p:cSld>
     <p:spTree>
@@ -34853,7 +36775,7 @@
 </p:sld>
 </file>
 
-<file path=ppt/slides/slide37.xml><?xml version="1.0" encoding="utf-8"?>
+<file path=ppt/slides/slide41.xml><?xml version="1.0" encoding="utf-8"?>
 <p:sld xmlns:a="http://schemas.openxmlformats.org/drawingml/2006/main" xmlns:r="http://schemas.openxmlformats.org/officeDocument/2006/relationships" xmlns:p="http://schemas.openxmlformats.org/presentationml/2006/main">
   <p:cSld>
     <p:spTree>
@@ -35931,7 +37853,7 @@
 </p:sld>
 </file>
 
-<file path=ppt/slides/slide38.xml><?xml version="1.0" encoding="utf-8"?>
+<file path=ppt/slides/slide42.xml><?xml version="1.0" encoding="utf-8"?>
 <p:sld xmlns:a="http://schemas.openxmlformats.org/drawingml/2006/main" xmlns:r="http://schemas.openxmlformats.org/officeDocument/2006/relationships" xmlns:p="http://schemas.openxmlformats.org/presentationml/2006/main">
   <p:cSld>
     <p:spTree>
@@ -36175,7 +38097,7 @@
 </p:sld>
 </file>
 
-<file path=ppt/slides/slide39.xml><?xml version="1.0" encoding="utf-8"?>
+<file path=ppt/slides/slide43.xml><?xml version="1.0" encoding="utf-8"?>
 <p:sld xmlns:a="http://schemas.openxmlformats.org/drawingml/2006/main" xmlns:r="http://schemas.openxmlformats.org/officeDocument/2006/relationships" xmlns:p="http://schemas.openxmlformats.org/presentationml/2006/main">
   <p:cSld>
     <p:spTree>
@@ -36681,484 +38603,7 @@
 </p:sld>
 </file>
 
-<file path=ppt/slides/slide4.xml><?xml version="1.0" encoding="utf-8"?>
-<p:sld xmlns:a="http://schemas.openxmlformats.org/drawingml/2006/main" xmlns:r="http://schemas.openxmlformats.org/officeDocument/2006/relationships" xmlns:p="http://schemas.openxmlformats.org/presentationml/2006/main">
-  <p:cSld>
-    <p:spTree>
-      <p:nvGrpSpPr>
-        <p:cNvPr id="1" name=""/>
-        <p:cNvGrpSpPr/>
-        <p:nvPr/>
-      </p:nvGrpSpPr>
-      <p:grpSpPr>
-        <a:xfrm>
-          <a:off x="0" y="0"/>
-          <a:ext cx="0" cy="0"/>
-          <a:chOff x="0" y="0"/>
-          <a:chExt cx="0" cy="0"/>
-        </a:xfrm>
-      </p:grpSpPr>
-      <p:sp>
-        <p:nvSpPr>
-          <p:cNvPr id="2" name="タイトル 1"/>
-          <p:cNvSpPr>
-            <a:spLocks noGrp="1"/>
-          </p:cNvSpPr>
-          <p:nvPr>
-            <p:ph type="title"/>
-          </p:nvPr>
-        </p:nvSpPr>
-        <p:spPr>
-          <a:xfrm>
-            <a:off x="192102" y="219428"/>
-            <a:ext cx="5608931" cy="729386"/>
-          </a:xfrm>
-        </p:spPr>
-        <p:txBody>
-          <a:bodyPr/>
-          <a:lstStyle/>
-          <a:p>
-            <a:r>
-              <a:rPr kumimoji="1" lang="ja-JP" altLang="en-US" dirty="0" smtClean="0">
-                <a:solidFill>
-                  <a:schemeClr val="bg1"/>
-                </a:solidFill>
-              </a:rPr>
-              <a:t>自動生成ツールにおける課題</a:t>
-            </a:r>
-            <a:endParaRPr kumimoji="1" lang="ja-JP" altLang="en-US" dirty="0">
-              <a:solidFill>
-                <a:schemeClr val="bg1"/>
-              </a:solidFill>
-            </a:endParaRPr>
-          </a:p>
-        </p:txBody>
-      </p:sp>
-      <p:sp>
-        <p:nvSpPr>
-          <p:cNvPr id="4" name="コンテンツ プレースホルダー 2"/>
-          <p:cNvSpPr>
-            <a:spLocks noGrp="1"/>
-          </p:cNvSpPr>
-          <p:nvPr>
-            <p:ph idx="1"/>
-          </p:nvPr>
-        </p:nvSpPr>
-        <p:spPr>
-          <a:xfrm>
-            <a:off x="913333" y="1409665"/>
-            <a:ext cx="10601150" cy="3559023"/>
-          </a:xfrm>
-        </p:spPr>
-        <p:txBody>
-          <a:bodyPr>
-            <a:normAutofit/>
-          </a:bodyPr>
-          <a:lstStyle/>
-          <a:p>
-            <a:pPr marL="0" indent="0">
-              <a:buNone/>
-            </a:pPr>
-            <a:r>
-              <a:rPr lang="ja-JP" altLang="en-US" sz="3000" dirty="0"/>
-              <a:t>自動生成されたテストコード</a:t>
-            </a:r>
-            <a:r>
-              <a:rPr lang="ja-JP" altLang="en-US" sz="3000" dirty="0" smtClean="0"/>
-              <a:t>は、保守</a:t>
-            </a:r>
-            <a:r>
-              <a:rPr lang="ja-JP" altLang="en-US" sz="3000" dirty="0"/>
-              <a:t>作業を困難にする</a:t>
-            </a:r>
-            <a:r>
-              <a:rPr lang="en-US" altLang="ja-JP" sz="3000" dirty="0" smtClean="0"/>
-              <a:t>[2]</a:t>
-            </a:r>
-          </a:p>
-          <a:p>
-            <a:pPr lvl="1"/>
-            <a:endParaRPr lang="en-US" altLang="ja-JP" sz="800" dirty="0"/>
-          </a:p>
-          <a:p>
-            <a:pPr lvl="1"/>
-            <a:r>
-              <a:rPr lang="ja-JP" altLang="en-US" sz="2800" dirty="0" smtClean="0"/>
-              <a:t>対象コードの</a:t>
-            </a:r>
-            <a:r>
-              <a:rPr lang="ja-JP" altLang="en-US" sz="2800" dirty="0" smtClean="0">
-                <a:solidFill>
-                  <a:srgbClr val="FF0000"/>
-                </a:solidFill>
-              </a:rPr>
-              <a:t>作成経緯</a:t>
-            </a:r>
-            <a:r>
-              <a:rPr lang="ja-JP" altLang="en-US" sz="2800" dirty="0">
-                <a:solidFill>
-                  <a:srgbClr val="FF0000"/>
-                </a:solidFill>
-              </a:rPr>
-              <a:t>や意図に基づいて生成されて</a:t>
-            </a:r>
-            <a:r>
-              <a:rPr lang="ja-JP" altLang="en-US" sz="2800" dirty="0" smtClean="0">
-                <a:solidFill>
-                  <a:srgbClr val="FF0000"/>
-                </a:solidFill>
-              </a:rPr>
-              <a:t>いない</a:t>
-            </a:r>
-            <a:r>
-              <a:rPr lang="en-US" altLang="ja-JP" sz="2800" dirty="0" smtClean="0">
-                <a:solidFill>
-                  <a:srgbClr val="FF0000"/>
-                </a:solidFill>
-              </a:rPr>
-              <a:t/>
-            </a:r>
-            <a:br>
-              <a:rPr lang="en-US" altLang="ja-JP" sz="2800" dirty="0" smtClean="0">
-                <a:solidFill>
-                  <a:srgbClr val="FF0000"/>
-                </a:solidFill>
-              </a:rPr>
-            </a:br>
-            <a:endParaRPr lang="en-US" altLang="ja-JP" sz="600" dirty="0"/>
-          </a:p>
-          <a:p>
-            <a:pPr lvl="1"/>
-            <a:r>
-              <a:rPr lang="ja-JP" altLang="en-US" sz="2800" dirty="0" smtClean="0"/>
-              <a:t>テストコードの保守に悪影響を与える</a:t>
-            </a:r>
-            <a:r>
-              <a:rPr lang="ja-JP" altLang="en-US" sz="2800" dirty="0" smtClean="0">
-                <a:solidFill>
-                  <a:srgbClr val="FF0000"/>
-                </a:solidFill>
-              </a:rPr>
-              <a:t>テストスメルが多い</a:t>
-            </a:r>
-            <a:endParaRPr lang="en-US" altLang="ja-JP" sz="2800" dirty="0">
-              <a:solidFill>
-                <a:srgbClr val="FF0000"/>
-              </a:solidFill>
-            </a:endParaRPr>
-          </a:p>
-          <a:p>
-            <a:pPr lvl="1"/>
-            <a:endParaRPr lang="en-US" altLang="ja-JP" sz="2800" dirty="0" smtClean="0">
-              <a:solidFill>
-                <a:srgbClr val="FF0000"/>
-              </a:solidFill>
-            </a:endParaRPr>
-          </a:p>
-          <a:p>
-            <a:pPr lvl="1"/>
-            <a:endParaRPr lang="en-US" altLang="ja-JP" sz="1400" dirty="0" smtClean="0">
-              <a:solidFill>
-                <a:srgbClr val="FF0000"/>
-              </a:solidFill>
-            </a:endParaRPr>
-          </a:p>
-          <a:p>
-            <a:pPr marL="457200" lvl="1" indent="0">
-              <a:buNone/>
-            </a:pPr>
-            <a:r>
-              <a:rPr lang="ja-JP" altLang="en-US" sz="2800" dirty="0" smtClean="0"/>
-              <a:t>　　　　　</a:t>
-            </a:r>
-            <a:r>
-              <a:rPr lang="ja-JP" altLang="en-US" sz="2800" u="sng" dirty="0" smtClean="0"/>
-              <a:t>テスト</a:t>
-            </a:r>
-            <a:r>
-              <a:rPr lang="ja-JP" altLang="en-US" sz="2800" u="sng" dirty="0"/>
-              <a:t>失敗</a:t>
-            </a:r>
-            <a:r>
-              <a:rPr lang="ja-JP" altLang="en-US" sz="2800" u="sng" dirty="0" smtClean="0"/>
-              <a:t>の原因を特定するのが難しい</a:t>
-            </a:r>
-            <a:endParaRPr lang="ja-JP" altLang="en-US" sz="2800" u="sng" dirty="0"/>
-          </a:p>
-          <a:p>
-            <a:pPr lvl="1"/>
-            <a:endParaRPr lang="en-US" altLang="ja-JP" sz="2800" dirty="0">
-              <a:solidFill>
-                <a:srgbClr val="FF0000"/>
-              </a:solidFill>
-            </a:endParaRPr>
-          </a:p>
-          <a:p>
-            <a:pPr lvl="1"/>
-            <a:endParaRPr lang="ja-JP" altLang="en-US" sz="2800" dirty="0" smtClean="0">
-              <a:solidFill>
-                <a:srgbClr val="FF0000"/>
-              </a:solidFill>
-            </a:endParaRPr>
-          </a:p>
-          <a:p>
-            <a:pPr marL="457200" lvl="1" indent="0">
-              <a:buNone/>
-            </a:pPr>
-            <a:endParaRPr lang="en-US" altLang="ja-JP" sz="2800" dirty="0"/>
-          </a:p>
-          <a:p>
-            <a:pPr lvl="1"/>
-            <a:endParaRPr kumimoji="1" lang="ja-JP" altLang="en-US" dirty="0"/>
-          </a:p>
-        </p:txBody>
-      </p:sp>
-      <p:sp>
-        <p:nvSpPr>
-          <p:cNvPr id="5" name="Rectangle 4"/>
-          <p:cNvSpPr>
-            <a:spLocks noChangeArrowheads="1"/>
-          </p:cNvSpPr>
-          <p:nvPr/>
-        </p:nvSpPr>
-        <p:spPr bwMode="auto">
-          <a:xfrm>
-            <a:off x="1043518" y="5981522"/>
-            <a:ext cx="10078064" cy="461665"/>
-          </a:xfrm>
-          <a:prstGeom prst="rect">
-            <a:avLst/>
-          </a:prstGeom>
-          <a:ln>
-            <a:headEnd/>
-            <a:tailEnd/>
-          </a:ln>
-        </p:spPr>
-        <p:style>
-          <a:lnRef idx="2">
-            <a:schemeClr val="dk1"/>
-          </a:lnRef>
-          <a:fillRef idx="1">
-            <a:schemeClr val="lt1"/>
-          </a:fillRef>
-          <a:effectRef idx="0">
-            <a:schemeClr val="dk1"/>
-          </a:effectRef>
-          <a:fontRef idx="minor">
-            <a:schemeClr val="dk1"/>
-          </a:fontRef>
-        </p:style>
-        <p:txBody>
-          <a:bodyPr wrap="square">
-            <a:spAutoFit/>
-          </a:bodyPr>
-          <a:lstStyle/>
-          <a:p>
-            <a:pPr>
-              <a:defRPr/>
-            </a:pPr>
-            <a:r>
-              <a:rPr lang="en-US" altLang="ja-JP" sz="1200" dirty="0" smtClean="0">
-                <a:solidFill>
-                  <a:schemeClr val="tx2"/>
-                </a:solidFill>
-              </a:rPr>
-              <a:t>[2] </a:t>
-            </a:r>
-            <a:r>
-              <a:rPr lang="en-US" altLang="ja-JP" sz="1200" dirty="0" smtClean="0">
-                <a:solidFill>
-                  <a:schemeClr val="tx2"/>
-                </a:solidFill>
-              </a:rPr>
-              <a:t>S</a:t>
-            </a:r>
-            <a:r>
-              <a:rPr lang="en-US" altLang="ja-JP" sz="1200" dirty="0">
-                <a:solidFill>
-                  <a:schemeClr val="tx2"/>
-                </a:solidFill>
-              </a:rPr>
-              <a:t>. </a:t>
-            </a:r>
-            <a:r>
-              <a:rPr lang="en-US" altLang="ja-JP" sz="1200" dirty="0" err="1">
-                <a:solidFill>
-                  <a:schemeClr val="tx2"/>
-                </a:solidFill>
-              </a:rPr>
-              <a:t>Shamshiri</a:t>
-            </a:r>
-            <a:r>
-              <a:rPr lang="en-US" altLang="ja-JP" sz="1200" dirty="0">
-                <a:solidFill>
-                  <a:schemeClr val="tx2"/>
-                </a:solidFill>
-              </a:rPr>
-              <a:t>, J. M. Rojas, J. P. </a:t>
-            </a:r>
-            <a:r>
-              <a:rPr lang="en-US" altLang="ja-JP" sz="1200" dirty="0" err="1">
-                <a:solidFill>
-                  <a:schemeClr val="tx2"/>
-                </a:solidFill>
-              </a:rPr>
-              <a:t>Galeotti</a:t>
-            </a:r>
-            <a:r>
-              <a:rPr lang="en-US" altLang="ja-JP" sz="1200" dirty="0">
-                <a:solidFill>
-                  <a:schemeClr val="tx2"/>
-                </a:solidFill>
-              </a:rPr>
-              <a:t>, N. Walkinshaw, and G. Fraser. How do automatically generated unit tests inﬂuence software maintenance? In </a:t>
-            </a:r>
-            <a:r>
-              <a:rPr lang="en-US" altLang="ja-JP" sz="1200" i="1" dirty="0">
-                <a:solidFill>
-                  <a:schemeClr val="tx2"/>
-                </a:solidFill>
-              </a:rPr>
-              <a:t>Proceedings of the International Conference on Software Testing, Veriﬁcation and Validation (ICST)</a:t>
-            </a:r>
-            <a:r>
-              <a:rPr lang="en-US" altLang="ja-JP" sz="1200" dirty="0">
-                <a:solidFill>
-                  <a:schemeClr val="tx2"/>
-                </a:solidFill>
-              </a:rPr>
-              <a:t>, pages 250–261, 2018..</a:t>
-            </a:r>
-            <a:endParaRPr lang="en-US" altLang="ja-JP" sz="1200" dirty="0">
-              <a:solidFill>
-                <a:schemeClr val="tx2"/>
-              </a:solidFill>
-            </a:endParaRPr>
-          </a:p>
-        </p:txBody>
-      </p:sp>
-      <p:sp>
-        <p:nvSpPr>
-          <p:cNvPr id="6" name="フローチャート: 組合せ 5"/>
-          <p:cNvSpPr/>
-          <p:nvPr/>
-        </p:nvSpPr>
-        <p:spPr>
-          <a:xfrm>
-            <a:off x="4118742" y="3136669"/>
-            <a:ext cx="3927616" cy="411133"/>
-          </a:xfrm>
-          <a:prstGeom prst="flowChartMerge">
-            <a:avLst/>
-          </a:prstGeom>
-          <a:ln/>
-        </p:spPr>
-        <p:style>
-          <a:lnRef idx="1">
-            <a:schemeClr val="accent3"/>
-          </a:lnRef>
-          <a:fillRef idx="2">
-            <a:schemeClr val="accent3"/>
-          </a:fillRef>
-          <a:effectRef idx="1">
-            <a:schemeClr val="accent3"/>
-          </a:effectRef>
-          <a:fontRef idx="minor">
-            <a:schemeClr val="dk1"/>
-          </a:fontRef>
-        </p:style>
-        <p:txBody>
-          <a:bodyPr rtlCol="0" anchor="ctr"/>
-          <a:lstStyle/>
-          <a:p>
-            <a:pPr algn="ctr"/>
-            <a:endParaRPr kumimoji="1" lang="ja-JP" altLang="en-US" dirty="0"/>
-          </a:p>
-        </p:txBody>
-      </p:sp>
-      <p:sp>
-        <p:nvSpPr>
-          <p:cNvPr id="7" name="フローチャート: 代替処理 6"/>
-          <p:cNvSpPr/>
-          <p:nvPr/>
-        </p:nvSpPr>
-        <p:spPr>
-          <a:xfrm>
-            <a:off x="1460959" y="4492556"/>
-            <a:ext cx="9243182" cy="1005877"/>
-          </a:xfrm>
-          <a:prstGeom prst="flowChartAlternateProcess">
-            <a:avLst/>
-          </a:prstGeom>
-          <a:ln w="6350"/>
-        </p:spPr>
-        <p:style>
-          <a:lnRef idx="1">
-            <a:schemeClr val="accent4"/>
-          </a:lnRef>
-          <a:fillRef idx="2">
-            <a:schemeClr val="accent4"/>
-          </a:fillRef>
-          <a:effectRef idx="1">
-            <a:schemeClr val="accent4"/>
-          </a:effectRef>
-          <a:fontRef idx="minor">
-            <a:schemeClr val="dk1"/>
-          </a:fontRef>
-        </p:style>
-        <p:txBody>
-          <a:bodyPr rtlCol="0" anchor="ctr"/>
-          <a:lstStyle/>
-          <a:p>
-            <a:r>
-              <a:rPr lang="ja-JP" altLang="en-US" sz="2800" dirty="0" smtClean="0">
-                <a:latin typeface="メイリオ" panose="020B0604030504040204" pitchFamily="50" charset="-128"/>
-                <a:ea typeface="メイリオ" panose="020B0604030504040204" pitchFamily="50" charset="-128"/>
-              </a:rPr>
-              <a:t>理解</a:t>
-            </a:r>
-            <a:r>
-              <a:rPr lang="ja-JP" altLang="en-US" sz="2800" dirty="0">
-                <a:latin typeface="メイリオ" panose="020B0604030504040204" pitchFamily="50" charset="-128"/>
-                <a:ea typeface="メイリオ" panose="020B0604030504040204" pitchFamily="50" charset="-128"/>
-              </a:rPr>
-              <a:t>しやすく良質なテストコードを作成する必要が</a:t>
-            </a:r>
-            <a:r>
-              <a:rPr lang="ja-JP" altLang="en-US" sz="2800" dirty="0" smtClean="0">
-                <a:latin typeface="メイリオ" panose="020B0604030504040204" pitchFamily="50" charset="-128"/>
-                <a:ea typeface="メイリオ" panose="020B0604030504040204" pitchFamily="50" charset="-128"/>
-              </a:rPr>
-              <a:t>ある</a:t>
-            </a:r>
-            <a:endParaRPr lang="ja-JP" altLang="en-US" sz="2800" dirty="0">
-              <a:latin typeface="メイリオ" panose="020B0604030504040204" pitchFamily="50" charset="-128"/>
-              <a:ea typeface="メイリオ" panose="020B0604030504040204" pitchFamily="50" charset="-128"/>
-            </a:endParaRPr>
-          </a:p>
-        </p:txBody>
-      </p:sp>
-    </p:spTree>
-    <p:extLst>
-      <p:ext uri="{BB962C8B-B14F-4D97-AF65-F5344CB8AC3E}">
-        <p14:creationId xmlns:p14="http://schemas.microsoft.com/office/powerpoint/2010/main" val="3663765090"/>
-      </p:ext>
-    </p:extLst>
-  </p:cSld>
-  <p:clrMapOvr>
-    <a:masterClrMapping/>
-  </p:clrMapOvr>
-  <p:timing>
-    <p:tnLst>
-      <p:par>
-        <p:cTn id="1" dur="indefinite" restart="never" nodeType="tmRoot"/>
-      </p:par>
-    </p:tnLst>
-  </p:timing>
-</p:sld>
-</file>
-
-<file path=ppt/slides/slide40.xml><?xml version="1.0" encoding="utf-8"?>
+<file path=ppt/slides/slide44.xml><?xml version="1.0" encoding="utf-8"?>
 <p:sld xmlns:a="http://schemas.openxmlformats.org/drawingml/2006/main" xmlns:r="http://schemas.openxmlformats.org/officeDocument/2006/relationships" xmlns:p="http://schemas.openxmlformats.org/presentationml/2006/main">
   <p:cSld>
     <p:spTree>
@@ -37220,14 +38665,14 @@
           <p:nvPr>
             <p:extLst>
               <p:ext uri="{D42A27DB-BD31-4B8C-83A1-F6EECF244321}">
-                <p14:modId xmlns:p14="http://schemas.microsoft.com/office/powerpoint/2010/main" val="384675379"/>
+                <p14:modId xmlns:p14="http://schemas.microsoft.com/office/powerpoint/2010/main" val="3861781528"/>
               </p:ext>
             </p:extLst>
           </p:nvPr>
         </p:nvGraphicFramePr>
         <p:xfrm>
-          <a:off x="1253527" y="1694411"/>
-          <a:ext cx="9157619" cy="4231194"/>
+          <a:off x="1353376" y="1578797"/>
+          <a:ext cx="9157619" cy="4724852"/>
         </p:xfrm>
         <a:graphic>
           <a:graphicData uri="http://schemas.openxmlformats.org/drawingml/2006/table">
@@ -37370,6 +38815,97 @@
                 <a:extLst>
                   <a:ext uri="{0D108BD9-81ED-4DB2-BD59-A6C34878D82A}">
                     <a16:rowId xmlns:a16="http://schemas.microsoft.com/office/drawing/2014/main" val="1605085478"/>
+                  </a:ext>
+                </a:extLst>
+              </a:tr>
+              <a:tr h="493658">
+                <a:tc>
+                  <a:txBody>
+                    <a:bodyPr/>
+                    <a:lstStyle/>
+                    <a:p>
+                      <a:pPr algn="l"/>
+                      <a:r>
+                        <a:rPr kumimoji="1" lang="ja-JP" altLang="en-US" dirty="0" smtClean="0">
+                          <a:latin typeface="メイリオ" panose="020B0604030504040204" pitchFamily="50" charset="-128"/>
+                          <a:ea typeface="メイリオ" panose="020B0604030504040204" pitchFamily="50" charset="-128"/>
+                        </a:rPr>
+                        <a:t>言語</a:t>
+                      </a:r>
+                      <a:endParaRPr kumimoji="1" lang="ja-JP" altLang="en-US" dirty="0">
+                        <a:latin typeface="メイリオ" panose="020B0604030504040204" pitchFamily="50" charset="-128"/>
+                        <a:ea typeface="メイリオ" panose="020B0604030504040204" pitchFamily="50" charset="-128"/>
+                      </a:endParaRPr>
+                    </a:p>
+                  </a:txBody>
+                  <a:tcPr/>
+                </a:tc>
+                <a:tc>
+                  <a:txBody>
+                    <a:bodyPr/>
+                    <a:lstStyle/>
+                    <a:p>
+                      <a:pPr algn="r"/>
+                      <a:r>
+                        <a:rPr lang="en-US" altLang="ja-JP" dirty="0" smtClean="0">
+                          <a:latin typeface="メイリオ" panose="020B0604030504040204" pitchFamily="50" charset="-128"/>
+                          <a:ea typeface="メイリオ" panose="020B0604030504040204" pitchFamily="50" charset="-128"/>
+                        </a:rPr>
+                        <a:t>Java</a:t>
+                      </a:r>
+                      <a:endParaRPr lang="ja-JP" altLang="en-US" dirty="0">
+                        <a:latin typeface="メイリオ" panose="020B0604030504040204" pitchFamily="50" charset="-128"/>
+                        <a:ea typeface="メイリオ" panose="020B0604030504040204" pitchFamily="50" charset="-128"/>
+                      </a:endParaRPr>
+                    </a:p>
+                  </a:txBody>
+                  <a:tcPr/>
+                </a:tc>
+                <a:tc>
+                  <a:txBody>
+                    <a:bodyPr/>
+                    <a:lstStyle/>
+                    <a:p>
+                      <a:pPr algn="r"/>
+                      <a:r>
+                        <a:rPr lang="en-US" altLang="ja-JP" b="0" dirty="0" smtClean="0">
+                          <a:latin typeface="メイリオ" panose="020B0604030504040204" pitchFamily="50" charset="-128"/>
+                          <a:ea typeface="メイリオ" panose="020B0604030504040204" pitchFamily="50" charset="-128"/>
+                        </a:rPr>
+                        <a:t>Java</a:t>
+                      </a:r>
+                      <a:endParaRPr lang="ja-JP" altLang="en-US" b="0" dirty="0">
+                        <a:latin typeface="メイリオ" panose="020B0604030504040204" pitchFamily="50" charset="-128"/>
+                        <a:ea typeface="メイリオ" panose="020B0604030504040204" pitchFamily="50" charset="-128"/>
+                      </a:endParaRPr>
+                    </a:p>
+                  </a:txBody>
+                  <a:tcPr/>
+                </a:tc>
+                <a:tc>
+                  <a:txBody>
+                    <a:bodyPr/>
+                    <a:lstStyle/>
+                    <a:p>
+                      <a:pPr algn="r"/>
+                      <a:r>
+                        <a:rPr lang="en-US" altLang="ja-JP" dirty="0" smtClean="0">
+                          <a:latin typeface="メイリオ" panose="020B0604030504040204" pitchFamily="50" charset="-128"/>
+                          <a:ea typeface="メイリオ" panose="020B0604030504040204" pitchFamily="50" charset="-128"/>
+                        </a:rPr>
+                        <a:t>Java</a:t>
+                      </a:r>
+                      <a:endParaRPr lang="ja-JP" altLang="en-US" dirty="0">
+                        <a:latin typeface="メイリオ" panose="020B0604030504040204" pitchFamily="50" charset="-128"/>
+                        <a:ea typeface="メイリオ" panose="020B0604030504040204" pitchFamily="50" charset="-128"/>
+                      </a:endParaRPr>
+                    </a:p>
+                  </a:txBody>
+                  <a:tcPr/>
+                </a:tc>
+                <a:extLst>
+                  <a:ext uri="{0D108BD9-81ED-4DB2-BD59-A6C34878D82A}">
+                    <a16:rowId xmlns:a16="http://schemas.microsoft.com/office/drawing/2014/main" val="342442599"/>
                   </a:ext>
                 </a:extLst>
               </a:tr>
@@ -37708,7 +39244,7 @@
                 </a:tc>
                 <a:extLst>
                   <a:ext uri="{0D108BD9-81ED-4DB2-BD59-A6C34878D82A}">
-                    <a16:rowId xmlns:a16="http://schemas.microsoft.com/office/drawing/2014/main" val="2173312194"/>
+                    <a16:rowId xmlns:a16="http://schemas.microsoft.com/office/drawing/2014/main" val="483194699"/>
                   </a:ext>
                 </a:extLst>
               </a:tr>
@@ -38227,7 +39763,7 @@
 </p:sld>
 </file>
 
-<file path=ppt/slides/slide41.xml><?xml version="1.0" encoding="utf-8"?>
+<file path=ppt/slides/slide45.xml><?xml version="1.0" encoding="utf-8"?>
 <p:sld xmlns:a="http://schemas.openxmlformats.org/drawingml/2006/main" xmlns:r="http://schemas.openxmlformats.org/officeDocument/2006/relationships" xmlns:p="http://schemas.openxmlformats.org/presentationml/2006/main">
   <p:cSld>
     <p:spTree>
@@ -39401,7 +40937,7 @@
 </p:sld>
 </file>
 
-<file path=ppt/slides/slide42.xml><?xml version="1.0" encoding="utf-8"?>
+<file path=ppt/slides/slide46.xml><?xml version="1.0" encoding="utf-8"?>
 <p:sld xmlns:a="http://schemas.openxmlformats.org/drawingml/2006/main" xmlns:r="http://schemas.openxmlformats.org/officeDocument/2006/relationships" xmlns:p="http://schemas.openxmlformats.org/presentationml/2006/main">
   <p:cSld>
     <p:spTree>
@@ -41127,7 +42663,7 @@
 </p:sld>
 </file>
 
-<file path=ppt/slides/slide43.xml><?xml version="1.0" encoding="utf-8"?>
+<file path=ppt/slides/slide47.xml><?xml version="1.0" encoding="utf-8"?>
 <p:sld xmlns:a="http://schemas.openxmlformats.org/drawingml/2006/main" xmlns:r="http://schemas.openxmlformats.org/officeDocument/2006/relationships" xmlns:p="http://schemas.openxmlformats.org/presentationml/2006/main">
   <p:cSld>
     <p:spTree>
@@ -42532,7 +44068,7 @@
 </p:sld>
 </file>
 
-<file path=ppt/slides/slide44.xml><?xml version="1.0" encoding="utf-8"?>
+<file path=ppt/slides/slide48.xml><?xml version="1.0" encoding="utf-8"?>
 <p:sld xmlns:a="http://schemas.openxmlformats.org/drawingml/2006/main" xmlns:r="http://schemas.openxmlformats.org/officeDocument/2006/relationships" xmlns:p="http://schemas.openxmlformats.org/presentationml/2006/main">
   <p:cSld>
     <p:spTree>

--- a/presentation_kurachi.pptx
+++ b/presentation_kurachi.pptx
@@ -7040,7 +7040,7 @@
             </a:r>
             <a:r>
               <a:rPr kumimoji="1" lang="ja-JP" altLang="en-US" dirty="0" smtClean="0"/>
-              <a:t>は、作成したテストコードの </a:t>
+              <a:t>ついては、作成したテストコードの </a:t>
             </a:r>
             <a:r>
               <a:rPr kumimoji="1" lang="ja-JP" altLang="en-US" b="1" dirty="0" smtClean="0"/>
@@ -7152,16 +7152,40 @@
             </a:pPr>
             <a:r>
               <a:rPr kumimoji="1" lang="ja-JP" altLang="en-US" dirty="0" smtClean="0"/>
-              <a:t>開発者が自分で作成したコードに自信持てることは重要なことで、不安なくソフトウェアをユーザに提供することは、ソフトウェアテストの目的の</a:t>
-            </a:r>
-            <a:r>
-              <a:rPr kumimoji="1" lang="en-US" altLang="ja-JP" dirty="0" smtClean="0"/>
+              <a:t>開発者が自分で作成したコードに自信持てることは重要なことで、</a:t>
+            </a:r>
+            <a:r>
+              <a:rPr kumimoji="1" lang="ja-JP" altLang="en-US" b="1" dirty="0" smtClean="0"/>
+              <a:t>不安なくソフトウェアをユーザに提供することは、ソフトウェアテストの目的の</a:t>
+            </a:r>
+            <a:r>
+              <a:rPr kumimoji="1" lang="en-US" altLang="ja-JP" b="1" dirty="0" smtClean="0"/>
               <a:t>1</a:t>
             </a:r>
             <a:r>
-              <a:rPr kumimoji="1" lang="ja-JP" altLang="en-US" dirty="0" smtClean="0"/>
+              <a:rPr kumimoji="1" lang="ja-JP" altLang="en-US" b="1" dirty="0" smtClean="0"/>
               <a:t>つです。</a:t>
             </a:r>
+            <a:endParaRPr kumimoji="1" lang="en-US" altLang="ja-JP" b="1" dirty="0" smtClean="0"/>
+          </a:p>
+          <a:p>
+            <a:pPr marL="0" marR="0" indent="0" algn="l" defTabSz="914400" rtl="0" eaLnBrk="1" fontAlgn="auto" latinLnBrk="0" hangingPunct="1">
+              <a:lnSpc>
+                <a:spcPct val="100000"/>
+              </a:lnSpc>
+              <a:spcBef>
+                <a:spcPts val="0"/>
+              </a:spcBef>
+              <a:spcAft>
+                <a:spcPts val="0"/>
+              </a:spcAft>
+              <a:buClrTx/>
+              <a:buSzTx/>
+              <a:buFontTx/>
+              <a:buNone/>
+              <a:tabLst/>
+              <a:defRPr/>
+            </a:pPr>
             <a:endParaRPr kumimoji="1" lang="en-US" altLang="ja-JP" dirty="0" smtClean="0"/>
           </a:p>
           <a:p>
@@ -26660,10 +26684,28 @@
               <a:rPr lang="en-US" altLang="ja-JP" dirty="0" smtClean="0">
                 <a:latin typeface="Consolas" panose="020B0609020204030204" pitchFamily="49" charset="0"/>
               </a:rPr>
-              <a:t>public void test8 throws </a:t>
-            </a:r>
-            <a:r>
-              <a:rPr lang="en-US" altLang="ja-JP" dirty="0" err="1" smtClean="0">
+              <a:t>public void </a:t>
+            </a:r>
+            <a:r>
+              <a:rPr lang="en-US" altLang="ja-JP" b="1" dirty="0" smtClean="0">
+                <a:solidFill>
+                  <a:srgbClr val="FF0000"/>
+                </a:solidFill>
+                <a:latin typeface="Consolas" panose="020B0609020204030204" pitchFamily="49" charset="0"/>
+              </a:rPr>
+              <a:t>test8</a:t>
+            </a:r>
+            <a:r>
+              <a:rPr lang="en-US" altLang="ja-JP" dirty="0" smtClean="0">
+                <a:latin typeface="Consolas" panose="020B0609020204030204" pitchFamily="49" charset="0"/>
+              </a:rPr>
+              <a:t> throws </a:t>
+            </a:r>
+            <a:r>
+              <a:rPr lang="en-US" altLang="ja-JP" b="1" dirty="0" err="1" smtClean="0">
+                <a:solidFill>
+                  <a:srgbClr val="FF0000"/>
+                </a:solidFill>
                 <a:latin typeface="Consolas" panose="020B0609020204030204" pitchFamily="49" charset="0"/>
               </a:rPr>
               <a:t>Throwable</a:t>
@@ -26768,13 +26810,19 @@
               <a:t>   </a:t>
             </a:r>
             <a:r>
-              <a:rPr lang="en-US" altLang="ja-JP" dirty="0" err="1" smtClean="0">
+              <a:rPr lang="en-US" altLang="ja-JP" b="1" dirty="0" err="1" smtClean="0">
+                <a:solidFill>
+                  <a:srgbClr val="FF0000"/>
+                </a:solidFill>
                 <a:latin typeface="Consolas" panose="020B0609020204030204" pitchFamily="49" charset="0"/>
               </a:rPr>
               <a:t>assertEquals</a:t>
             </a:r>
             <a:r>
-              <a:rPr lang="en-US" altLang="ja-JP" dirty="0" smtClean="0">
+              <a:rPr lang="en-US" altLang="ja-JP" b="1" dirty="0" smtClean="0">
+                <a:solidFill>
+                  <a:srgbClr val="FF0000"/>
+                </a:solidFill>
                 <a:latin typeface="Consolas" panose="020B0609020204030204" pitchFamily="49" charset="0"/>
               </a:rPr>
               <a:t>(”s”, document0.stringify());</a:t>
@@ -26782,25 +26830,37 @@
           </a:p>
           <a:p>
             <a:r>
-              <a:rPr lang="en-US" altLang="ja-JP" dirty="0">
+              <a:rPr lang="en-US" altLang="ja-JP" b="1" dirty="0">
+                <a:solidFill>
+                  <a:srgbClr val="FF0000"/>
+                </a:solidFill>
                 <a:latin typeface="Consolas" panose="020B0609020204030204" pitchFamily="49" charset="0"/>
               </a:rPr>
               <a:t> </a:t>
             </a:r>
             <a:r>
-              <a:rPr lang="en-US" altLang="ja-JP" dirty="0" smtClean="0">
+              <a:rPr lang="en-US" altLang="ja-JP" b="1" dirty="0" smtClean="0">
+                <a:solidFill>
+                  <a:srgbClr val="FF0000"/>
+                </a:solidFill>
                 <a:latin typeface="Consolas" panose="020B0609020204030204" pitchFamily="49" charset="0"/>
               </a:rPr>
               <a:t>   </a:t>
             </a:r>
             <a:r>
-              <a:rPr lang="en-US" altLang="ja-JP" dirty="0" err="1" smtClean="0">
+              <a:rPr lang="en-US" altLang="ja-JP" b="1" dirty="0" err="1" smtClean="0">
+                <a:solidFill>
+                  <a:srgbClr val="FF0000"/>
+                </a:solidFill>
                 <a:latin typeface="Consolas" panose="020B0609020204030204" pitchFamily="49" charset="0"/>
               </a:rPr>
               <a:t>assertNotNull</a:t>
             </a:r>
             <a:r>
-              <a:rPr lang="en-US" altLang="ja-JP" dirty="0" smtClean="0">
+              <a:rPr lang="en-US" altLang="ja-JP" b="1" dirty="0" smtClean="0">
+                <a:solidFill>
+                  <a:srgbClr val="FF0000"/>
+                </a:solidFill>
                 <a:latin typeface="Consolas" panose="020B0609020204030204" pitchFamily="49" charset="0"/>
               </a:rPr>
               <a:t>(string0);</a:t>
@@ -26808,25 +26868,37 @@
           </a:p>
           <a:p>
             <a:r>
-              <a:rPr lang="en-US" altLang="ja-JP" dirty="0">
+              <a:rPr lang="en-US" altLang="ja-JP" b="1" dirty="0">
+                <a:solidFill>
+                  <a:srgbClr val="FF0000"/>
+                </a:solidFill>
                 <a:latin typeface="Consolas" panose="020B0609020204030204" pitchFamily="49" charset="0"/>
               </a:rPr>
               <a:t> </a:t>
             </a:r>
             <a:r>
-              <a:rPr lang="en-US" altLang="ja-JP" dirty="0" smtClean="0">
+              <a:rPr lang="en-US" altLang="ja-JP" b="1" dirty="0" smtClean="0">
+                <a:solidFill>
+                  <a:srgbClr val="FF0000"/>
+                </a:solidFill>
                 <a:latin typeface="Consolas" panose="020B0609020204030204" pitchFamily="49" charset="0"/>
               </a:rPr>
               <a:t>   </a:t>
             </a:r>
             <a:r>
-              <a:rPr lang="en-US" altLang="ja-JP" dirty="0" err="1" smtClean="0">
+              <a:rPr lang="en-US" altLang="ja-JP" b="1" dirty="0" err="1" smtClean="0">
+                <a:solidFill>
+                  <a:srgbClr val="FF0000"/>
+                </a:solidFill>
                 <a:latin typeface="Consolas" panose="020B0609020204030204" pitchFamily="49" charset="0"/>
               </a:rPr>
               <a:t>assertEquals</a:t>
             </a:r>
             <a:r>
-              <a:rPr lang="en-US" altLang="ja-JP" dirty="0" smtClean="0">
+              <a:rPr lang="en-US" altLang="ja-JP" b="1" dirty="0" smtClean="0">
+                <a:solidFill>
+                  <a:srgbClr val="FF0000"/>
+                </a:solidFill>
                 <a:latin typeface="Consolas" panose="020B0609020204030204" pitchFamily="49" charset="0"/>
               </a:rPr>
               <a:t>(”s”, string0);</a:t>
@@ -32180,7 +32252,7 @@
               <a:buChar char="•"/>
             </a:pPr>
             <a:r>
-              <a:rPr kumimoji="1" lang="en-US" altLang="ja-JP" sz="2400" dirty="0" smtClean="0">
+              <a:rPr kumimoji="1" lang="en-US" altLang="ja-JP" sz="2400" i="1" dirty="0" smtClean="0">
                 <a:latin typeface="メイリオ" panose="020B0604030504040204" pitchFamily="50" charset="-128"/>
                 <a:ea typeface="メイリオ" panose="020B0604030504040204" pitchFamily="50" charset="-128"/>
               </a:rPr>
@@ -32193,7 +32265,7 @@
               <a:buChar char="•"/>
             </a:pPr>
             <a:r>
-              <a:rPr lang="en-US" altLang="ja-JP" sz="2400" dirty="0" smtClean="0">
+              <a:rPr lang="en-US" altLang="ja-JP" sz="2400" i="1" dirty="0" smtClean="0">
                 <a:latin typeface="メイリオ" panose="020B0604030504040204" pitchFamily="50" charset="-128"/>
                 <a:ea typeface="メイリオ" panose="020B0604030504040204" pitchFamily="50" charset="-128"/>
               </a:rPr>
@@ -32206,7 +32278,7 @@
               <a:buChar char="•"/>
             </a:pPr>
             <a:r>
-              <a:rPr kumimoji="1" lang="en-US" altLang="ja-JP" sz="2400" dirty="0" smtClean="0">
+              <a:rPr kumimoji="1" lang="en-US" altLang="ja-JP" sz="2400" i="1" dirty="0" smtClean="0">
                 <a:latin typeface="メイリオ" panose="020B0604030504040204" pitchFamily="50" charset="-128"/>
                 <a:ea typeface="メイリオ" panose="020B0604030504040204" pitchFamily="50" charset="-128"/>
               </a:rPr>
@@ -32219,11 +32291,18 @@
               <a:buChar char="•"/>
             </a:pPr>
             <a:r>
+              <a:rPr lang="en-US" altLang="ja-JP" sz="2400" i="1" dirty="0" smtClean="0">
+                <a:latin typeface="メイリオ" panose="020B0604030504040204" pitchFamily="50" charset="-128"/>
+                <a:ea typeface="メイリオ" panose="020B0604030504040204" pitchFamily="50" charset="-128"/>
+              </a:rPr>
+              <a:t>Unknown Test</a:t>
+            </a:r>
+            <a:r>
               <a:rPr lang="en-US" altLang="ja-JP" sz="2400" dirty="0" smtClean="0">
                 <a:latin typeface="メイリオ" panose="020B0604030504040204" pitchFamily="50" charset="-128"/>
                 <a:ea typeface="メイリオ" panose="020B0604030504040204" pitchFamily="50" charset="-128"/>
               </a:rPr>
-              <a:t>Unknown Test	</a:t>
+              <a:t>	</a:t>
             </a:r>
             <a:endParaRPr kumimoji="1" lang="en-US" altLang="ja-JP" sz="2400" dirty="0" smtClean="0">
               <a:latin typeface="メイリオ" panose="020B0604030504040204" pitchFamily="50" charset="-128"/>

--- a/presentation_kurachi.pptx
+++ b/presentation_kurachi.pptx
@@ -4450,9 +4450,13 @@
             </a:r>
             <a:r>
               <a:rPr kumimoji="1" lang="ja-JP" altLang="en-US" dirty="0" smtClean="0"/>
-              <a:t>では、開発者が参考にしたいテストコードを上位に推薦できるようにテストコードの順位を並び替えます。</a:t>
-            </a:r>
-            <a:endParaRPr kumimoji="1" lang="en-US" altLang="ja-JP" dirty="0" smtClean="0"/>
+              <a:t>では、</a:t>
+            </a:r>
+            <a:r>
+              <a:rPr kumimoji="1" lang="ja-JP" altLang="en-US" b="1" dirty="0" smtClean="0"/>
+              <a:t>開発者が参考にしたいテストコードを上位に推薦できるようにテストコードの順位を並び替えます。</a:t>
+            </a:r>
+            <a:endParaRPr kumimoji="1" lang="en-US" altLang="ja-JP" b="1" dirty="0" smtClean="0"/>
           </a:p>
           <a:p>
             <a:endParaRPr kumimoji="1" lang="en-US" altLang="ja-JP" dirty="0" smtClean="0"/>
@@ -5986,11 +5990,8 @@
             <a:endParaRPr kumimoji="1" lang="en-US" altLang="ja-JP" dirty="0" smtClean="0"/>
           </a:p>
           <a:p>
-            <a:endParaRPr kumimoji="1" lang="en-US" altLang="ja-JP" dirty="0" smtClean="0"/>
-          </a:p>
-          <a:p>
-            <a:r>
-              <a:rPr kumimoji="1" lang="en-US" altLang="ja-JP" dirty="0" smtClean="0"/>
+            <a:r>
+              <a:rPr kumimoji="1" lang="en-US" altLang="ja-JP" smtClean="0"/>
               <a:t>RQ1</a:t>
             </a:r>
             <a:r>
@@ -8610,7 +8611,23 @@
             </a:r>
             <a:r>
               <a:rPr kumimoji="1" lang="ja-JP" altLang="en-US" dirty="0" smtClean="0"/>
-              <a:t>は記号実行と探索ベースの手法を実装したツールであり、単体テスト自動生成における最先端のツールとなっています</a:t>
+              <a:t>は</a:t>
+            </a:r>
+            <a:r>
+              <a:rPr kumimoji="1" lang="ja-JP" altLang="en-US" b="1" dirty="0" smtClean="0"/>
+              <a:t>記号実行</a:t>
+            </a:r>
+            <a:r>
+              <a:rPr kumimoji="1" lang="ja-JP" altLang="en-US" dirty="0" smtClean="0"/>
+              <a:t>と</a:t>
+            </a:r>
+            <a:r>
+              <a:rPr kumimoji="1" lang="ja-JP" altLang="en-US" b="1" dirty="0" smtClean="0"/>
+              <a:t>探索ベースの手法</a:t>
+            </a:r>
+            <a:r>
+              <a:rPr kumimoji="1" lang="ja-JP" altLang="en-US" dirty="0" smtClean="0"/>
+              <a:t>を実装したツールであり、単体テスト自動生成における最先端のツールとなっています</a:t>
             </a:r>
             <a:endParaRPr kumimoji="1" lang="en-US" altLang="ja-JP" dirty="0" smtClean="0"/>
           </a:p>
@@ -25663,6 +25680,13 @@
   <p:clrMapOvr>
     <a:masterClrMapping/>
   </p:clrMapOvr>
+  <p:timing>
+    <p:tnLst>
+      <p:par>
+        <p:cTn id="1" dur="indefinite" restart="never" nodeType="tmRoot"/>
+      </p:par>
+    </p:tnLst>
+  </p:timing>
 </p:sld>
 </file>
 
@@ -26381,6 +26405,13 @@
   <p:clrMapOvr>
     <a:masterClrMapping/>
   </p:clrMapOvr>
+  <p:timing>
+    <p:tnLst>
+      <p:par>
+        <p:cTn id="1" dur="indefinite" restart="never" nodeType="tmRoot"/>
+      </p:par>
+    </p:tnLst>
+  </p:timing>
 </p:sld>
 </file>
 
@@ -26624,6 +26655,13 @@
   <p:clrMapOvr>
     <a:masterClrMapping/>
   </p:clrMapOvr>
+  <p:timing>
+    <p:tnLst>
+      <p:par>
+        <p:cTn id="1" dur="indefinite" restart="never" nodeType="tmRoot"/>
+      </p:par>
+    </p:tnLst>
+  </p:timing>
 </p:sld>
 </file>
 
@@ -27501,6 +27539,13 @@
   <p:clrMapOvr>
     <a:masterClrMapping/>
   </p:clrMapOvr>
+  <p:timing>
+    <p:tnLst>
+      <p:par>
+        <p:cTn id="1" dur="indefinite" restart="never" nodeType="tmRoot"/>
+      </p:par>
+    </p:tnLst>
+  </p:timing>
 </p:sld>
 </file>
 
@@ -29019,6 +29064,13 @@
   <p:clrMapOvr>
     <a:masterClrMapping/>
   </p:clrMapOvr>
+  <p:timing>
+    <p:tnLst>
+      <p:par>
+        <p:cTn id="1" dur="indefinite" restart="never" nodeType="tmRoot"/>
+      </p:par>
+    </p:tnLst>
+  </p:timing>
 </p:sld>
 </file>
 
@@ -34420,6 +34472,13 @@
   <p:clrMapOvr>
     <a:masterClrMapping/>
   </p:clrMapOvr>
+  <p:timing>
+    <p:tnLst>
+      <p:par>
+        <p:cTn id="1" dur="indefinite" restart="never" nodeType="tmRoot"/>
+      </p:par>
+    </p:tnLst>
+  </p:timing>
 </p:sld>
 </file>
 
@@ -34811,6 +34870,13 @@
   <p:clrMapOvr>
     <a:masterClrMapping/>
   </p:clrMapOvr>
+  <p:timing>
+    <p:tnLst>
+      <p:par>
+        <p:cTn id="1" dur="indefinite" restart="never" nodeType="tmRoot"/>
+      </p:par>
+    </p:tnLst>
+  </p:timing>
 </p:sld>
 </file>
 
@@ -36180,6 +36246,13 @@
   <p:clrMapOvr>
     <a:masterClrMapping/>
   </p:clrMapOvr>
+  <p:timing>
+    <p:tnLst>
+      <p:par>
+        <p:cTn id="1" dur="indefinite" restart="never" nodeType="tmRoot"/>
+      </p:par>
+    </p:tnLst>
+  </p:timing>
 </p:sld>
 </file>
 
@@ -41013,6 +41086,13 @@
   <p:clrMapOvr>
     <a:masterClrMapping/>
   </p:clrMapOvr>
+  <p:timing>
+    <p:tnLst>
+      <p:par>
+        <p:cTn id="1" dur="indefinite" restart="never" nodeType="tmRoot"/>
+      </p:par>
+    </p:tnLst>
+  </p:timing>
 </p:sld>
 </file>
 
@@ -42739,6 +42819,13 @@
   <p:clrMapOvr>
     <a:masterClrMapping/>
   </p:clrMapOvr>
+  <p:timing>
+    <p:tnLst>
+      <p:par>
+        <p:cTn id="1" dur="indefinite" restart="never" nodeType="tmRoot"/>
+      </p:par>
+    </p:tnLst>
+  </p:timing>
 </p:sld>
 </file>
 
@@ -44144,6 +44231,13 @@
   <p:clrMapOvr>
     <a:masterClrMapping/>
   </p:clrMapOvr>
+  <p:timing>
+    <p:tnLst>
+      <p:par>
+        <p:cTn id="1" dur="indefinite" restart="never" nodeType="tmRoot"/>
+      </p:par>
+    </p:tnLst>
+  </p:timing>
 </p:sld>
 </file>
 
@@ -44402,6 +44496,13 @@
   <p:clrMapOvr>
     <a:masterClrMapping/>
   </p:clrMapOvr>
+  <p:timing>
+    <p:tnLst>
+      <p:par>
+        <p:cTn id="1" dur="indefinite" restart="never" nodeType="tmRoot"/>
+      </p:par>
+    </p:tnLst>
+  </p:timing>
 </p:sld>
 </file>
 

--- a/presentation_kurachi.pptx
+++ b/presentation_kurachi.pptx
@@ -3975,7 +3975,7 @@
           <a:p>
             <a:fld id="{C4C8FA46-DAC1-48A5-A534-60EFFD85CDA3}" type="datetimeFigureOut">
               <a:rPr kumimoji="1" lang="ja-JP" altLang="en-US" smtClean="0"/>
-              <a:t>2020/2/14</a:t>
+              <a:t>2020/2/19</a:t>
             </a:fld>
             <a:endParaRPr kumimoji="1" lang="ja-JP" altLang="en-US"/>
           </a:p>
@@ -11976,7 +11976,7 @@
           <a:p>
             <a:fld id="{9A935378-F4F8-4659-868E-727B0E96AC4C}" type="datetimeFigureOut">
               <a:rPr kumimoji="1" lang="ja-JP" altLang="en-US" smtClean="0"/>
-              <a:t>2020/2/14</a:t>
+              <a:t>2020/2/19</a:t>
             </a:fld>
             <a:endParaRPr kumimoji="1" lang="ja-JP" altLang="en-US"/>
           </a:p>
@@ -12039,7 +12039,7 @@
           <p:cNvPr id="7" name="長方形 103">
             <a:extLst>
               <a:ext uri="{C183D7F6-B498-43B3-948B-1728B52AA6E4}">
-                <adec:decorative xmlns:adec="http://schemas.microsoft.com/office/drawing/2017/decorative" xmlns="" val="1"/>
+                <adec:decorative xmlns="" xmlns:adec="http://schemas.microsoft.com/office/drawing/2017/decorative" val="1"/>
               </a:ext>
             </a:extLst>
           </p:cNvPr>
@@ -12261,7 +12261,7 @@
           <a:p>
             <a:fld id="{9A935378-F4F8-4659-868E-727B0E96AC4C}" type="datetimeFigureOut">
               <a:rPr kumimoji="1" lang="ja-JP" altLang="en-US" smtClean="0"/>
-              <a:t>2020/2/14</a:t>
+              <a:t>2020/2/19</a:t>
             </a:fld>
             <a:endParaRPr kumimoji="1" lang="ja-JP" altLang="en-US"/>
           </a:p>
@@ -12356,7 +12356,7 @@
           <a:p>
             <a:fld id="{9A935378-F4F8-4659-868E-727B0E96AC4C}" type="datetimeFigureOut">
               <a:rPr kumimoji="1" lang="ja-JP" altLang="en-US" smtClean="0"/>
-              <a:t>2020/2/14</a:t>
+              <a:t>2020/2/19</a:t>
             </a:fld>
             <a:endParaRPr kumimoji="1" lang="ja-JP" altLang="en-US"/>
           </a:p>
@@ -12665,7 +12665,7 @@
           <a:p>
             <a:fld id="{9A935378-F4F8-4659-868E-727B0E96AC4C}" type="datetimeFigureOut">
               <a:rPr kumimoji="1" lang="ja-JP" altLang="en-US" smtClean="0"/>
-              <a:t>2020/2/14</a:t>
+              <a:t>2020/2/19</a:t>
             </a:fld>
             <a:endParaRPr kumimoji="1" lang="ja-JP" altLang="en-US"/>
           </a:p>
@@ -12918,7 +12918,7 @@
           <a:p>
             <a:fld id="{9A935378-F4F8-4659-868E-727B0E96AC4C}" type="datetimeFigureOut">
               <a:rPr kumimoji="1" lang="ja-JP" altLang="en-US" smtClean="0"/>
-              <a:t>2020/2/14</a:t>
+              <a:t>2020/2/19</a:t>
             </a:fld>
             <a:endParaRPr kumimoji="1" lang="ja-JP" altLang="en-US"/>
           </a:p>
@@ -13120,7 +13120,7 @@
           <a:p>
             <a:fld id="{9A935378-F4F8-4659-868E-727B0E96AC4C}" type="datetimeFigureOut">
               <a:rPr kumimoji="1" lang="ja-JP" altLang="en-US" smtClean="0"/>
-              <a:t>2020/2/14</a:t>
+              <a:t>2020/2/19</a:t>
             </a:fld>
             <a:endParaRPr kumimoji="1" lang="ja-JP" altLang="en-US"/>
           </a:p>
@@ -13332,7 +13332,7 @@
           <a:p>
             <a:fld id="{9A935378-F4F8-4659-868E-727B0E96AC4C}" type="datetimeFigureOut">
               <a:rPr kumimoji="1" lang="ja-JP" altLang="en-US" smtClean="0"/>
-              <a:t>2020/2/14</a:t>
+              <a:t>2020/2/19</a:t>
             </a:fld>
             <a:endParaRPr kumimoji="1" lang="ja-JP" altLang="en-US"/>
           </a:p>
@@ -13542,7 +13542,7 @@
           <a:p>
             <a:fld id="{9A935378-F4F8-4659-868E-727B0E96AC4C}" type="datetimeFigureOut">
               <a:rPr kumimoji="1" lang="ja-JP" altLang="en-US" smtClean="0"/>
-              <a:t>2020/2/14</a:t>
+              <a:t>2020/2/19</a:t>
             </a:fld>
             <a:endParaRPr kumimoji="1" lang="ja-JP" altLang="en-US"/>
           </a:p>
@@ -13698,7 +13698,7 @@
           <p:cNvPr id="8" name="長方形 103">
             <a:extLst>
               <a:ext uri="{C183D7F6-B498-43B3-948B-1728B52AA6E4}">
-                <adec:decorative xmlns:adec="http://schemas.microsoft.com/office/drawing/2017/decorative" xmlns="" val="1"/>
+                <adec:decorative xmlns="" xmlns:adec="http://schemas.microsoft.com/office/drawing/2017/decorative" val="1"/>
               </a:ext>
             </a:extLst>
           </p:cNvPr>
@@ -13961,7 +13961,7 @@
           <a:p>
             <a:fld id="{9A935378-F4F8-4659-868E-727B0E96AC4C}" type="datetimeFigureOut">
               <a:rPr kumimoji="1" lang="ja-JP" altLang="en-US" smtClean="0"/>
-              <a:t>2020/2/14</a:t>
+              <a:t>2020/2/19</a:t>
             </a:fld>
             <a:endParaRPr kumimoji="1" lang="ja-JP" altLang="en-US"/>
           </a:p>
@@ -14117,7 +14117,7 @@
           <p:cNvPr id="8" name="長方形 103">
             <a:extLst>
               <a:ext uri="{C183D7F6-B498-43B3-948B-1728B52AA6E4}">
-                <adec:decorative xmlns:adec="http://schemas.microsoft.com/office/drawing/2017/decorative" xmlns="" val="1"/>
+                <adec:decorative xmlns="" xmlns:adec="http://schemas.microsoft.com/office/drawing/2017/decorative" val="1"/>
               </a:ext>
             </a:extLst>
           </p:cNvPr>
@@ -14388,7 +14388,7 @@
           <a:p>
             <a:fld id="{9A935378-F4F8-4659-868E-727B0E96AC4C}" type="datetimeFigureOut">
               <a:rPr kumimoji="1" lang="ja-JP" altLang="en-US" smtClean="0"/>
-              <a:t>2020/2/14</a:t>
+              <a:t>2020/2/19</a:t>
             </a:fld>
             <a:endParaRPr kumimoji="1" lang="ja-JP" altLang="en-US"/>
           </a:p>
@@ -14544,7 +14544,7 @@
           <p:cNvPr id="8" name="長方形 103">
             <a:extLst>
               <a:ext uri="{C183D7F6-B498-43B3-948B-1728B52AA6E4}">
-                <adec:decorative xmlns:adec="http://schemas.microsoft.com/office/drawing/2017/decorative" xmlns="" val="1"/>
+                <adec:decorative xmlns="" xmlns:adec="http://schemas.microsoft.com/office/drawing/2017/decorative" val="1"/>
               </a:ext>
             </a:extLst>
           </p:cNvPr>
@@ -14807,7 +14807,7 @@
           <a:p>
             <a:fld id="{9A935378-F4F8-4659-868E-727B0E96AC4C}" type="datetimeFigureOut">
               <a:rPr kumimoji="1" lang="ja-JP" altLang="en-US" smtClean="0"/>
-              <a:t>2020/2/14</a:t>
+              <a:t>2020/2/19</a:t>
             </a:fld>
             <a:endParaRPr kumimoji="1" lang="ja-JP" altLang="en-US"/>
           </a:p>
@@ -14963,7 +14963,7 @@
           <p:cNvPr id="8" name="長方形 103">
             <a:extLst>
               <a:ext uri="{C183D7F6-B498-43B3-948B-1728B52AA6E4}">
-                <adec:decorative xmlns:adec="http://schemas.microsoft.com/office/drawing/2017/decorative" xmlns="" val="1"/>
+                <adec:decorative xmlns="" xmlns:adec="http://schemas.microsoft.com/office/drawing/2017/decorative" val="1"/>
               </a:ext>
             </a:extLst>
           </p:cNvPr>
@@ -15226,7 +15226,7 @@
           <a:p>
             <a:fld id="{9A935378-F4F8-4659-868E-727B0E96AC4C}" type="datetimeFigureOut">
               <a:rPr kumimoji="1" lang="ja-JP" altLang="en-US" smtClean="0"/>
-              <a:t>2020/2/14</a:t>
+              <a:t>2020/2/19</a:t>
             </a:fld>
             <a:endParaRPr kumimoji="1" lang="ja-JP" altLang="en-US"/>
           </a:p>
@@ -15382,7 +15382,7 @@
           <p:cNvPr id="8" name="長方形 103">
             <a:extLst>
               <a:ext uri="{C183D7F6-B498-43B3-948B-1728B52AA6E4}">
-                <adec:decorative xmlns:adec="http://schemas.microsoft.com/office/drawing/2017/decorative" xmlns="" val="1"/>
+                <adec:decorative xmlns="" xmlns:adec="http://schemas.microsoft.com/office/drawing/2017/decorative" val="1"/>
               </a:ext>
             </a:extLst>
           </p:cNvPr>
@@ -15681,7 +15681,7 @@
           <a:p>
             <a:fld id="{9A935378-F4F8-4659-868E-727B0E96AC4C}" type="datetimeFigureOut">
               <a:rPr kumimoji="1" lang="ja-JP" altLang="en-US" smtClean="0"/>
-              <a:t>2020/2/14</a:t>
+              <a:t>2020/2/19</a:t>
             </a:fld>
             <a:endParaRPr kumimoji="1" lang="ja-JP" altLang="en-US"/>
           </a:p>
@@ -15977,7 +15977,7 @@
           <a:p>
             <a:fld id="{9A935378-F4F8-4659-868E-727B0E96AC4C}" type="datetimeFigureOut">
               <a:rPr kumimoji="1" lang="ja-JP" altLang="en-US" smtClean="0"/>
-              <a:t>2020/2/14</a:t>
+              <a:t>2020/2/19</a:t>
             </a:fld>
             <a:endParaRPr kumimoji="1" lang="ja-JP" altLang="en-US"/>
           </a:p>
@@ -16408,7 +16408,7 @@
           <a:p>
             <a:fld id="{9A935378-F4F8-4659-868E-727B0E96AC4C}" type="datetimeFigureOut">
               <a:rPr kumimoji="1" lang="ja-JP" altLang="en-US" smtClean="0"/>
-              <a:t>2020/2/14</a:t>
+              <a:t>2020/2/19</a:t>
             </a:fld>
             <a:endParaRPr kumimoji="1" lang="ja-JP" altLang="en-US"/>
           </a:p>
@@ -16653,7 +16653,7 @@
           <a:p>
             <a:fld id="{9A935378-F4F8-4659-868E-727B0E96AC4C}" type="datetimeFigureOut">
               <a:rPr kumimoji="1" lang="ja-JP" altLang="en-US" smtClean="0"/>
-              <a:t>2020/2/14</a:t>
+              <a:t>2020/2/19</a:t>
             </a:fld>
             <a:endParaRPr kumimoji="1" lang="ja-JP" altLang="en-US"/>
           </a:p>
@@ -23625,14 +23625,14 @@
           <a:lstStyle/>
           <a:p>
             <a:r>
-              <a:rPr kumimoji="1" lang="en-US" altLang="ja-JP" sz="2000" smtClean="0">
+              <a:rPr kumimoji="1" lang="en-US" altLang="ja-JP" sz="2000" dirty="0" smtClean="0">
                 <a:latin typeface="メイリオ" panose="020B0604030504040204" pitchFamily="50" charset="-128"/>
                 <a:ea typeface="メイリオ" panose="020B0604030504040204" pitchFamily="50" charset="-128"/>
               </a:rPr>
               <a:t>2020 </a:t>
             </a:r>
             <a:r>
-              <a:rPr lang="en-US" altLang="ja-JP" sz="2000" smtClean="0">
+              <a:rPr lang="en-US" altLang="ja-JP" sz="2000" dirty="0" smtClean="0">
                 <a:latin typeface="メイリオ" panose="020B0604030504040204" pitchFamily="50" charset="-128"/>
                 <a:ea typeface="メイリオ" panose="020B0604030504040204" pitchFamily="50" charset="-128"/>
               </a:rPr>
